--- a/Diaporama_Haldan.pptx
+++ b/Diaporama_Haldan.pptx
@@ -204,7 +204,7 @@
           <a:p>
             <a:fld id="{2A66B065-9387-4DBD-8600-802E541FAA81}" type="datetimeFigureOut">
               <a:rPr lang="fr-FR" smtClean="0"/>
-              <a:t>16/10/2024</a:t>
+              <a:t>17/10/2024</a:t>
             </a:fld>
             <a:endParaRPr lang="fr-FR"/>
           </a:p>
@@ -618,7 +618,7 @@
           <a:p>
             <a:fld id="{3E0B693A-D2B8-4B57-85B9-014129D5826F}" type="datetime1">
               <a:rPr lang="fr-FR" smtClean="0"/>
-              <a:t>16/10/2024</a:t>
+              <a:t>17/10/2024</a:t>
             </a:fld>
             <a:endParaRPr lang="fr-FR"/>
           </a:p>
@@ -816,7 +816,7 @@
           <a:p>
             <a:fld id="{F568C7D9-F8E9-4705-A480-33967B4A0D26}" type="datetime1">
               <a:rPr lang="fr-FR" smtClean="0"/>
-              <a:t>16/10/2024</a:t>
+              <a:t>17/10/2024</a:t>
             </a:fld>
             <a:endParaRPr lang="fr-FR"/>
           </a:p>
@@ -1024,7 +1024,7 @@
           <a:p>
             <a:fld id="{C1EC2290-3AE2-4E71-A7F4-18D587792CA9}" type="datetime1">
               <a:rPr lang="fr-FR" smtClean="0"/>
-              <a:t>16/10/2024</a:t>
+              <a:t>17/10/2024</a:t>
             </a:fld>
             <a:endParaRPr lang="fr-FR"/>
           </a:p>
@@ -1222,7 +1222,7 @@
           <a:p>
             <a:fld id="{766EBF72-7517-4461-B354-4191685EDDC8}" type="datetime1">
               <a:rPr lang="fr-FR" smtClean="0"/>
-              <a:t>16/10/2024</a:t>
+              <a:t>17/10/2024</a:t>
             </a:fld>
             <a:endParaRPr lang="fr-FR"/>
           </a:p>
@@ -1497,7 +1497,7 @@
           <a:p>
             <a:fld id="{094E9DE1-7995-43F9-991D-A5A93E0478F0}" type="datetime1">
               <a:rPr lang="fr-FR" smtClean="0"/>
-              <a:t>16/10/2024</a:t>
+              <a:t>17/10/2024</a:t>
             </a:fld>
             <a:endParaRPr lang="fr-FR"/>
           </a:p>
@@ -1762,7 +1762,7 @@
           <a:p>
             <a:fld id="{053B08B5-B0C1-46E8-BDD3-700655DE7CC5}" type="datetime1">
               <a:rPr lang="fr-FR" smtClean="0"/>
-              <a:t>16/10/2024</a:t>
+              <a:t>17/10/2024</a:t>
             </a:fld>
             <a:endParaRPr lang="fr-FR"/>
           </a:p>
@@ -2174,7 +2174,7 @@
           <a:p>
             <a:fld id="{3C492FBF-EA20-4B8A-AB3E-A6E8D0CC354F}" type="datetime1">
               <a:rPr lang="fr-FR" smtClean="0"/>
-              <a:t>16/10/2024</a:t>
+              <a:t>17/10/2024</a:t>
             </a:fld>
             <a:endParaRPr lang="fr-FR"/>
           </a:p>
@@ -2315,7 +2315,7 @@
           <a:p>
             <a:fld id="{9E53FCEB-A186-42D3-9A43-6D06E4CD287B}" type="datetime1">
               <a:rPr lang="fr-FR" smtClean="0"/>
-              <a:t>16/10/2024</a:t>
+              <a:t>17/10/2024</a:t>
             </a:fld>
             <a:endParaRPr lang="fr-FR"/>
           </a:p>
@@ -2428,7 +2428,7 @@
           <a:p>
             <a:fld id="{C170BFAA-2AA9-4C82-A857-08FE27EFAC87}" type="datetime1">
               <a:rPr lang="fr-FR" smtClean="0"/>
-              <a:t>16/10/2024</a:t>
+              <a:t>17/10/2024</a:t>
             </a:fld>
             <a:endParaRPr lang="fr-FR"/>
           </a:p>
@@ -2739,7 +2739,7 @@
           <a:p>
             <a:fld id="{45FA2CA3-C397-4A14-A3DB-ECD260EB106D}" type="datetime1">
               <a:rPr lang="fr-FR" smtClean="0"/>
-              <a:t>16/10/2024</a:t>
+              <a:t>17/10/2024</a:t>
             </a:fld>
             <a:endParaRPr lang="fr-FR"/>
           </a:p>
@@ -3027,7 +3027,7 @@
           <a:p>
             <a:fld id="{A749108A-B06E-447E-A193-61B77A5828ED}" type="datetime1">
               <a:rPr lang="fr-FR" smtClean="0"/>
-              <a:t>16/10/2024</a:t>
+              <a:t>17/10/2024</a:t>
             </a:fld>
             <a:endParaRPr lang="fr-FR"/>
           </a:p>
@@ -3268,7 +3268,7 @@
           <a:p>
             <a:fld id="{E44FC4A1-A753-46C7-AC70-0CBDD0D3C809}" type="datetime1">
               <a:rPr lang="fr-FR" smtClean="0"/>
-              <a:t>16/10/2024</a:t>
+              <a:t>17/10/2024</a:t>
             </a:fld>
             <a:endParaRPr lang="fr-FR"/>
           </a:p>
@@ -5069,42 +5069,6 @@
           </a:p>
         </p:txBody>
       </p:sp>
-      <p:pic>
-        <p:nvPicPr>
-          <p:cNvPr id="4" name="Image 3">
-            <a:extLst>
-              <a:ext uri="{FF2B5EF4-FFF2-40B4-BE49-F238E27FC236}">
-                <a16:creationId xmlns:a16="http://schemas.microsoft.com/office/drawing/2014/main" id="{930F1251-A136-477C-AD63-49165484859C}"/>
-              </a:ext>
-            </a:extLst>
-          </p:cNvPr>
-          <p:cNvPicPr>
-            <a:picLocks noChangeAspect="1"/>
-          </p:cNvPicPr>
-          <p:nvPr/>
-        </p:nvPicPr>
-        <p:blipFill>
-          <a:blip r:embed="rId2">
-            <a:extLst>
-              <a:ext uri="{28A0092B-C50C-407E-A947-70E740481C1C}">
-                <a14:useLocalDpi xmlns:a14="http://schemas.microsoft.com/office/drawing/2010/main" val="0"/>
-              </a:ext>
-            </a:extLst>
-          </a:blip>
-          <a:stretch>
-            <a:fillRect/>
-          </a:stretch>
-        </p:blipFill>
-        <p:spPr>
-          <a:xfrm>
-            <a:off x="700088" y="1664455"/>
-            <a:ext cx="2566774" cy="3850520"/>
-          </a:xfrm>
-          <a:prstGeom prst="rect">
-            <a:avLst/>
-          </a:prstGeom>
-        </p:spPr>
-      </p:pic>
       <p:sp>
         <p:nvSpPr>
           <p:cNvPr id="5" name="Espace réservé du numéro de diapositive 4">
@@ -5822,42 +5786,6 @@
           </a:p>
         </p:txBody>
       </p:sp>
-      <p:pic>
-        <p:nvPicPr>
-          <p:cNvPr id="5" name="Image 4">
-            <a:extLst>
-              <a:ext uri="{FF2B5EF4-FFF2-40B4-BE49-F238E27FC236}">
-                <a16:creationId xmlns:a16="http://schemas.microsoft.com/office/drawing/2014/main" id="{83AD4B43-4E5F-40CF-8B85-208D17A5746D}"/>
-              </a:ext>
-            </a:extLst>
-          </p:cNvPr>
-          <p:cNvPicPr>
-            <a:picLocks noChangeAspect="1"/>
-          </p:cNvPicPr>
-          <p:nvPr/>
-        </p:nvPicPr>
-        <p:blipFill>
-          <a:blip r:embed="rId2">
-            <a:extLst>
-              <a:ext uri="{28A0092B-C50C-407E-A947-70E740481C1C}">
-                <a14:useLocalDpi xmlns:a14="http://schemas.microsoft.com/office/drawing/2010/main" val="0"/>
-              </a:ext>
-            </a:extLst>
-          </a:blip>
-          <a:stretch>
-            <a:fillRect/>
-          </a:stretch>
-        </p:blipFill>
-        <p:spPr>
-          <a:xfrm>
-            <a:off x="918967" y="1586179"/>
-            <a:ext cx="2528665" cy="3788879"/>
-          </a:xfrm>
-          <a:prstGeom prst="rect">
-            <a:avLst/>
-          </a:prstGeom>
-        </p:spPr>
-      </p:pic>
       <p:sp>
         <p:nvSpPr>
           <p:cNvPr id="6" name="Espace réservé du numéro de diapositive 5">
@@ -6566,41 +6494,6 @@
           </a:p>
         </p:txBody>
       </p:sp>
-      <p:pic>
-        <p:nvPicPr>
-          <p:cNvPr id="4" name="Image 3">
-            <a:extLst>
-              <a:ext uri="{FF2B5EF4-FFF2-40B4-BE49-F238E27FC236}">
-                <a16:creationId xmlns:a16="http://schemas.microsoft.com/office/drawing/2014/main" id="{D448D121-4671-40F3-9DCE-77EA30851EEB}"/>
-              </a:ext>
-            </a:extLst>
-          </p:cNvPr>
-          <p:cNvPicPr>
-            <a:picLocks noChangeAspect="1"/>
-          </p:cNvPicPr>
-          <p:nvPr/>
-        </p:nvPicPr>
-        <p:blipFill rotWithShape="1">
-          <a:blip r:embed="rId2">
-            <a:extLst>
-              <a:ext uri="{28A0092B-C50C-407E-A947-70E740481C1C}">
-                <a14:useLocalDpi xmlns:a14="http://schemas.microsoft.com/office/drawing/2010/main" val="0"/>
-              </a:ext>
-            </a:extLst>
-          </a:blip>
-          <a:srcRect l="19226" r="34140"/>
-          <a:stretch/>
-        </p:blipFill>
-        <p:spPr>
-          <a:xfrm>
-            <a:off x="801474" y="1550714"/>
-            <a:ext cx="2794531" cy="3959046"/>
-          </a:xfrm>
-          <a:prstGeom prst="rect">
-            <a:avLst/>
-          </a:prstGeom>
-        </p:spPr>
-      </p:pic>
       <p:sp>
         <p:nvSpPr>
           <p:cNvPr id="5" name="Espace réservé du numéro de diapositive 4">

--- a/Diaporama_Haldan.pptx
+++ b/Diaporama_Haldan.pptx
@@ -23,12 +23,12 @@
     <p:sldId id="274" r:id="rId14"/>
     <p:sldId id="284" r:id="rId15"/>
     <p:sldId id="285" r:id="rId16"/>
-    <p:sldId id="286" r:id="rId17"/>
-    <p:sldId id="287" r:id="rId18"/>
-    <p:sldId id="288" r:id="rId19"/>
-    <p:sldId id="289" r:id="rId20"/>
-    <p:sldId id="290" r:id="rId21"/>
-    <p:sldId id="263" r:id="rId22"/>
+    <p:sldId id="291" r:id="rId17"/>
+    <p:sldId id="286" r:id="rId18"/>
+    <p:sldId id="287" r:id="rId19"/>
+    <p:sldId id="288" r:id="rId20"/>
+    <p:sldId id="289" r:id="rId21"/>
+    <p:sldId id="290" r:id="rId22"/>
   </p:sldIdLst>
   <p:sldSz cx="12192000" cy="6858000"/>
   <p:notesSz cx="6858000" cy="9144000"/>
@@ -217,7 +217,7 @@
           <a:p>
             <a:fld id="{2A66B065-9387-4DBD-8600-802E541FAA81}" type="datetimeFigureOut">
               <a:rPr lang="fr-FR" smtClean="0"/>
-              <a:t>20/10/2024</a:t>
+              <a:t>21/10/2024</a:t>
             </a:fld>
             <a:endParaRPr lang="fr-FR"/>
           </a:p>
@@ -802,7 +802,7 @@
           <a:p>
             <a:fld id="{3E0B693A-D2B8-4B57-85B9-014129D5826F}" type="datetime1">
               <a:rPr lang="fr-FR" smtClean="0"/>
-              <a:t>20/10/2024</a:t>
+              <a:t>21/10/2024</a:t>
             </a:fld>
             <a:endParaRPr lang="fr-FR"/>
           </a:p>
@@ -1000,7 +1000,7 @@
           <a:p>
             <a:fld id="{F568C7D9-F8E9-4705-A480-33967B4A0D26}" type="datetime1">
               <a:rPr lang="fr-FR" smtClean="0"/>
-              <a:t>20/10/2024</a:t>
+              <a:t>21/10/2024</a:t>
             </a:fld>
             <a:endParaRPr lang="fr-FR"/>
           </a:p>
@@ -1208,7 +1208,7 @@
           <a:p>
             <a:fld id="{C1EC2290-3AE2-4E71-A7F4-18D587792CA9}" type="datetime1">
               <a:rPr lang="fr-FR" smtClean="0"/>
-              <a:t>20/10/2024</a:t>
+              <a:t>21/10/2024</a:t>
             </a:fld>
             <a:endParaRPr lang="fr-FR"/>
           </a:p>
@@ -1406,7 +1406,7 @@
           <a:p>
             <a:fld id="{766EBF72-7517-4461-B354-4191685EDDC8}" type="datetime1">
               <a:rPr lang="fr-FR" smtClean="0"/>
-              <a:t>20/10/2024</a:t>
+              <a:t>21/10/2024</a:t>
             </a:fld>
             <a:endParaRPr lang="fr-FR"/>
           </a:p>
@@ -1681,7 +1681,7 @@
           <a:p>
             <a:fld id="{094E9DE1-7995-43F9-991D-A5A93E0478F0}" type="datetime1">
               <a:rPr lang="fr-FR" smtClean="0"/>
-              <a:t>20/10/2024</a:t>
+              <a:t>21/10/2024</a:t>
             </a:fld>
             <a:endParaRPr lang="fr-FR"/>
           </a:p>
@@ -1946,7 +1946,7 @@
           <a:p>
             <a:fld id="{053B08B5-B0C1-46E8-BDD3-700655DE7CC5}" type="datetime1">
               <a:rPr lang="fr-FR" smtClean="0"/>
-              <a:t>20/10/2024</a:t>
+              <a:t>21/10/2024</a:t>
             </a:fld>
             <a:endParaRPr lang="fr-FR"/>
           </a:p>
@@ -2358,7 +2358,7 @@
           <a:p>
             <a:fld id="{3C492FBF-EA20-4B8A-AB3E-A6E8D0CC354F}" type="datetime1">
               <a:rPr lang="fr-FR" smtClean="0"/>
-              <a:t>20/10/2024</a:t>
+              <a:t>21/10/2024</a:t>
             </a:fld>
             <a:endParaRPr lang="fr-FR"/>
           </a:p>
@@ -2499,7 +2499,7 @@
           <a:p>
             <a:fld id="{9E53FCEB-A186-42D3-9A43-6D06E4CD287B}" type="datetime1">
               <a:rPr lang="fr-FR" smtClean="0"/>
-              <a:t>20/10/2024</a:t>
+              <a:t>21/10/2024</a:t>
             </a:fld>
             <a:endParaRPr lang="fr-FR"/>
           </a:p>
@@ -2612,7 +2612,7 @@
           <a:p>
             <a:fld id="{C170BFAA-2AA9-4C82-A857-08FE27EFAC87}" type="datetime1">
               <a:rPr lang="fr-FR" smtClean="0"/>
-              <a:t>20/10/2024</a:t>
+              <a:t>21/10/2024</a:t>
             </a:fld>
             <a:endParaRPr lang="fr-FR"/>
           </a:p>
@@ -2923,7 +2923,7 @@
           <a:p>
             <a:fld id="{45FA2CA3-C397-4A14-A3DB-ECD260EB106D}" type="datetime1">
               <a:rPr lang="fr-FR" smtClean="0"/>
-              <a:t>20/10/2024</a:t>
+              <a:t>21/10/2024</a:t>
             </a:fld>
             <a:endParaRPr lang="fr-FR"/>
           </a:p>
@@ -3211,7 +3211,7 @@
           <a:p>
             <a:fld id="{A749108A-B06E-447E-A193-61B77A5828ED}" type="datetime1">
               <a:rPr lang="fr-FR" smtClean="0"/>
-              <a:t>20/10/2024</a:t>
+              <a:t>21/10/2024</a:t>
             </a:fld>
             <a:endParaRPr lang="fr-FR"/>
           </a:p>
@@ -3452,7 +3452,7 @@
           <a:p>
             <a:fld id="{E44FC4A1-A753-46C7-AC70-0CBDD0D3C809}" type="datetime1">
               <a:rPr lang="fr-FR" smtClean="0"/>
-              <a:t>20/10/2024</a:t>
+              <a:t>21/10/2024</a:t>
             </a:fld>
             <a:endParaRPr lang="fr-FR"/>
           </a:p>
@@ -6311,7 +6311,7 @@
       </p:grpSpPr>
       <p:sp useBgFill="1">
         <p:nvSpPr>
-          <p:cNvPr id="25" name="Rectangle 24">
+          <p:cNvPr id="32" name="Rectangle 31">
             <a:extLst>
               <a:ext uri="{FF2B5EF4-FFF2-40B4-BE49-F238E27FC236}">
                 <a16:creationId xmlns:a16="http://schemas.microsoft.com/office/drawing/2014/main" id="{3C54F4CE-85F0-46ED-80DA-9518C9251AD1}"/>
@@ -6325,9 +6325,6 @@
             <a:spLocks noGrp="1" noRot="1" noChangeAspect="1" noMove="1" noResize="1" noEditPoints="1" noAdjustHandles="1" noChangeArrowheads="1" noChangeShapeType="1" noTextEdit="1"/>
           </p:cNvSpPr>
           <p:nvPr>
-            <p:custDataLst>
-              <p:tags r:id="rId1"/>
-            </p:custDataLst>
             <p:extLst>
               <p:ext uri="{386F3935-93C4-4BCD-93E2-E3B085C9AB24}">
                 <p16:designElem xmlns:p16="http://schemas.microsoft.com/office/powerpoint/2015/main" val="1"/>
@@ -6390,7 +6387,7 @@
       </p:sp>
       <p:sp>
         <p:nvSpPr>
-          <p:cNvPr id="27" name="Freeform: Shape 26">
+          <p:cNvPr id="34" name="Freeform: Shape 33">
             <a:extLst>
               <a:ext uri="{FF2B5EF4-FFF2-40B4-BE49-F238E27FC236}">
                 <a16:creationId xmlns:a16="http://schemas.microsoft.com/office/drawing/2014/main" id="{DADD1FCA-8ACB-4958-81DD-4CDD6D3E1921}"/>
@@ -6404,9 +6401,6 @@
             <a:spLocks noGrp="1" noRot="1" noChangeAspect="1" noMove="1" noResize="1" noEditPoints="1" noAdjustHandles="1" noChangeArrowheads="1" noChangeShapeType="1" noTextEdit="1"/>
           </p:cNvSpPr>
           <p:nvPr>
-            <p:custDataLst>
-              <p:tags r:id="rId2"/>
-            </p:custDataLst>
             <p:extLst>
               <p:ext uri="{386F3935-93C4-4BCD-93E2-E3B085C9AB24}">
                 <p16:designElem xmlns:p16="http://schemas.microsoft.com/office/powerpoint/2015/main" val="1"/>
@@ -8935,7 +8929,7 @@
           <p:nvPr>
             <p:ph type="title"/>
             <p:custDataLst>
-              <p:tags r:id="rId3"/>
+              <p:tags r:id="rId1"/>
             </p:custDataLst>
           </p:nvPr>
         </p:nvSpPr>
@@ -8951,87 +8945,37 @@
           </a:bodyPr>
           <a:lstStyle/>
           <a:p>
-            <a:pPr algn="just"/>
+            <a:pPr algn="ctr"/>
             <a:r>
-              <a:rPr lang="en-US" kern="1200" dirty="0" err="1">
+              <a:rPr lang="en-US" kern="1200">
                 <a:solidFill>
                   <a:schemeClr val="tx1"/>
                 </a:solidFill>
-                <a:latin typeface="Times New Roman" panose="02020603050405020304" pitchFamily="18" charset="0"/>
-                <a:cs typeface="Times New Roman" panose="02020603050405020304" pitchFamily="18" charset="0"/>
+                <a:latin typeface="+mj-lt"/>
+                <a:ea typeface="+mj-ea"/>
+                <a:cs typeface="+mj-cs"/>
               </a:rPr>
-              <a:t>Diagrammes</a:t>
+              <a:t>Diagrammes UML des cas d’utilisation</a:t>
             </a:r>
-            <a:r>
-              <a:rPr lang="en-US" kern="1200" dirty="0">
-                <a:solidFill>
-                  <a:schemeClr val="tx1"/>
-                </a:solidFill>
-                <a:latin typeface="Times New Roman" panose="02020603050405020304" pitchFamily="18" charset="0"/>
-                <a:cs typeface="Times New Roman" panose="02020603050405020304" pitchFamily="18" charset="0"/>
-              </a:rPr>
-              <a:t> UML des </a:t>
-            </a:r>
-            <a:r>
-              <a:rPr lang="en-US" kern="1200" dirty="0" err="1">
-                <a:solidFill>
-                  <a:schemeClr val="tx1"/>
-                </a:solidFill>
-                <a:latin typeface="Times New Roman" panose="02020603050405020304" pitchFamily="18" charset="0"/>
-                <a:cs typeface="Times New Roman" panose="02020603050405020304" pitchFamily="18" charset="0"/>
-              </a:rPr>
-              <a:t>cas</a:t>
-            </a:r>
-            <a:r>
-              <a:rPr lang="en-US" kern="1200" dirty="0">
-                <a:solidFill>
-                  <a:schemeClr val="tx1"/>
-                </a:solidFill>
-                <a:latin typeface="Times New Roman" panose="02020603050405020304" pitchFamily="18" charset="0"/>
-                <a:cs typeface="Times New Roman" panose="02020603050405020304" pitchFamily="18" charset="0"/>
-              </a:rPr>
-              <a:t> </a:t>
-            </a:r>
-            <a:r>
-              <a:rPr lang="en-US" kern="1200" dirty="0" err="1">
-                <a:solidFill>
-                  <a:schemeClr val="tx1"/>
-                </a:solidFill>
-                <a:latin typeface="Times New Roman" panose="02020603050405020304" pitchFamily="18" charset="0"/>
-                <a:cs typeface="Times New Roman" panose="02020603050405020304" pitchFamily="18" charset="0"/>
-              </a:rPr>
-              <a:t>d’utilisation</a:t>
-            </a:r>
-            <a:endParaRPr lang="en-US" kern="1200" dirty="0">
-              <a:solidFill>
-                <a:schemeClr val="tx1"/>
-              </a:solidFill>
-              <a:latin typeface="Times New Roman" panose="02020603050405020304" pitchFamily="18" charset="0"/>
-              <a:cs typeface="Times New Roman" panose="02020603050405020304" pitchFamily="18" charset="0"/>
-            </a:endParaRPr>
           </a:p>
         </p:txBody>
       </p:sp>
       <p:pic>
         <p:nvPicPr>
-          <p:cNvPr id="3" name="Image 2" descr="Une image contenant texte, diagramme, écriture manuscrite, document&#10;&#10;Description générée automatiquement">
+          <p:cNvPr id="4" name="Image 3" descr="Une image contenant texte, document, capture d’écran, Police&#10;&#10;Description générée automatiquement">
             <a:extLst>
               <a:ext uri="{FF2B5EF4-FFF2-40B4-BE49-F238E27FC236}">
-                <a16:creationId xmlns:a16="http://schemas.microsoft.com/office/drawing/2014/main" id="{8842B42E-1C3C-2197-6A8D-004A155BB8B9}"/>
+                <a16:creationId xmlns:a16="http://schemas.microsoft.com/office/drawing/2014/main" id="{B1AE916B-C739-EB15-D044-D8F184B63DC7}"/>
               </a:ext>
             </a:extLst>
           </p:cNvPr>
           <p:cNvPicPr>
             <a:picLocks noChangeAspect="1"/>
           </p:cNvPicPr>
-          <p:nvPr>
-            <p:custDataLst>
-              <p:tags r:id="rId4"/>
-            </p:custDataLst>
-          </p:nvPr>
+          <p:nvPr/>
         </p:nvPicPr>
         <p:blipFill>
-          <a:blip r:embed="rId7">
+          <a:blip r:embed="rId4">
             <a:extLst>
               <a:ext uri="{28A0092B-C50C-407E-A947-70E740481C1C}">
                 <a14:useLocalDpi xmlns:a14="http://schemas.microsoft.com/office/drawing/2010/main" val="0"/>
@@ -9044,8 +8988,8 @@
         </p:blipFill>
         <p:spPr>
           <a:xfrm>
-            <a:off x="6888480" y="104510"/>
-            <a:ext cx="3698240" cy="6574650"/>
+            <a:off x="5710814" y="865062"/>
+            <a:ext cx="6261007" cy="5212288"/>
           </a:xfrm>
           <a:prstGeom prst="rect">
             <a:avLst/>
@@ -9067,7 +9011,7 @@
           <p:nvPr>
             <p:ph type="sldNum" sz="quarter" idx="12"/>
             <p:custDataLst>
-              <p:tags r:id="rId5"/>
+              <p:tags r:id="rId2"/>
             </p:custDataLst>
           </p:nvPr>
         </p:nvSpPr>
@@ -12284,42 +12228,49 @@
       </p:sp>
       <p:pic>
         <p:nvPicPr>
-          <p:cNvPr id="6" name="Image 5" descr="Une image contenant texte, capture d’écran, Police, ligne&#10;&#10;Description générée automatiquement">
+          <p:cNvPr id="2052" name="Picture 4">
             <a:extLst>
               <a:ext uri="{FF2B5EF4-FFF2-40B4-BE49-F238E27FC236}">
-                <a16:creationId xmlns:a16="http://schemas.microsoft.com/office/drawing/2014/main" id="{E92B0C94-ABF6-3442-09B7-29C7ED3FAE36}"/>
+                <a16:creationId xmlns:a16="http://schemas.microsoft.com/office/drawing/2014/main" id="{DA1A8436-19D2-88E3-7D1E-B93AE43586D8}"/>
               </a:ext>
             </a:extLst>
           </p:cNvPr>
           <p:cNvPicPr>
-            <a:picLocks noChangeAspect="1"/>
+            <a:picLocks noChangeAspect="1" noChangeArrowheads="1"/>
           </p:cNvPicPr>
-          <p:nvPr>
-            <p:custDataLst>
-              <p:tags r:id="rId6"/>
-            </p:custDataLst>
-          </p:nvPr>
+          <p:nvPr/>
         </p:nvPicPr>
         <p:blipFill>
-          <a:blip r:embed="rId8">
+          <a:blip r:embed="rId7">
             <a:extLst>
               <a:ext uri="{28A0092B-C50C-407E-A947-70E740481C1C}">
                 <a14:useLocalDpi xmlns:a14="http://schemas.microsoft.com/office/drawing/2010/main" val="0"/>
               </a:ext>
             </a:extLst>
           </a:blip>
+          <a:srcRect/>
           <a:stretch>
             <a:fillRect/>
           </a:stretch>
         </p:blipFill>
-        <p:spPr>
+        <p:spPr bwMode="auto">
           <a:xfrm>
-            <a:off x="1333500" y="1802069"/>
-            <a:ext cx="9525000" cy="3981450"/>
+            <a:off x="605622" y="1998663"/>
+            <a:ext cx="10980756" cy="3367146"/>
           </a:xfrm>
           <a:prstGeom prst="rect">
             <a:avLst/>
           </a:prstGeom>
+          <a:noFill/>
+          <a:extLst>
+            <a:ext uri="{909E8E84-426E-40DD-AFC4-6F175D3DCCD1}">
+              <a14:hiddenFill xmlns:a14="http://schemas.microsoft.com/office/drawing/2010/main">
+                <a:solidFill>
+                  <a:srgbClr val="FFFFFF"/>
+                </a:solidFill>
+              </a14:hiddenFill>
+            </a:ext>
+          </a:extLst>
         </p:spPr>
       </p:pic>
     </p:spTree>
@@ -12362,10 +12313,10 @@
       </p:grpSpPr>
       <p:sp useBgFill="1">
         <p:nvSpPr>
-          <p:cNvPr id="25" name="Rectangle 24">
+          <p:cNvPr id="1031" name="Rectangle 1030">
             <a:extLst>
               <a:ext uri="{FF2B5EF4-FFF2-40B4-BE49-F238E27FC236}">
-                <a16:creationId xmlns:a16="http://schemas.microsoft.com/office/drawing/2014/main" id="{B7BD7FCF-A254-4A97-A15C-319B67622677}"/>
+                <a16:creationId xmlns:a16="http://schemas.microsoft.com/office/drawing/2014/main" id="{3C54F4CE-85F0-46ED-80DA-9518C9251AD1}"/>
               </a:ext>
               <a:ext uri="{C183D7F6-B498-43B3-948B-1728B52AA6E4}">
                 <adec:decorative xmlns:adec="http://schemas.microsoft.com/office/drawing/2017/decorative" val="1"/>
@@ -12376,1270 +12327,6 @@
             <a:spLocks noGrp="1" noRot="1" noChangeAspect="1" noMove="1" noResize="1" noEditPoints="1" noAdjustHandles="1" noChangeArrowheads="1" noChangeShapeType="1" noTextEdit="1"/>
           </p:cNvSpPr>
           <p:nvPr>
-            <p:custDataLst>
-              <p:tags r:id="rId1"/>
-            </p:custDataLst>
-            <p:extLst>
-              <p:ext uri="{386F3935-93C4-4BCD-93E2-E3B085C9AB24}">
-                <p16:designElem xmlns:p16="http://schemas.microsoft.com/office/powerpoint/2015/main" val="1"/>
-              </p:ext>
-            </p:extLst>
-          </p:nvPr>
-        </p:nvSpPr>
-        <p:spPr>
-          <a:xfrm>
-            <a:off x="0" y="0"/>
-            <a:ext cx="12188952" cy="6858000"/>
-          </a:xfrm>
-          <a:prstGeom prst="rect">
-            <a:avLst/>
-          </a:prstGeom>
-          <a:ln>
-            <a:noFill/>
-          </a:ln>
-        </p:spPr>
-        <p:style>
-          <a:lnRef idx="2">
-            <a:schemeClr val="accent1">
-              <a:shade val="50000"/>
-            </a:schemeClr>
-          </a:lnRef>
-          <a:fillRef idx="1">
-            <a:schemeClr val="accent1"/>
-          </a:fillRef>
-          <a:effectRef idx="0">
-            <a:schemeClr val="accent1"/>
-          </a:effectRef>
-          <a:fontRef idx="minor">
-            <a:schemeClr val="lt1"/>
-          </a:fontRef>
-        </p:style>
-        <p:txBody>
-          <a:bodyPr rtlCol="0" anchor="ctr"/>
-          <a:lstStyle/>
-          <a:p>
-            <a:pPr algn="ctr"/>
-            <a:endParaRPr lang="en-US"/>
-          </a:p>
-        </p:txBody>
-      </p:sp>
-      <p:sp>
-        <p:nvSpPr>
-          <p:cNvPr id="27" name="Freeform: Shape 26">
-            <a:extLst>
-              <a:ext uri="{FF2B5EF4-FFF2-40B4-BE49-F238E27FC236}">
-                <a16:creationId xmlns:a16="http://schemas.microsoft.com/office/drawing/2014/main" id="{52FFAF72-6204-4676-9C6F-9A4CC4D91805}"/>
-              </a:ext>
-              <a:ext uri="{C183D7F6-B498-43B3-948B-1728B52AA6E4}">
-                <adec:decorative xmlns:adec="http://schemas.microsoft.com/office/drawing/2017/decorative" val="1"/>
-              </a:ext>
-            </a:extLst>
-          </p:cNvPr>
-          <p:cNvSpPr>
-            <a:spLocks noGrp="1" noRot="1" noChangeAspect="1" noMove="1" noResize="1" noEditPoints="1" noAdjustHandles="1" noChangeArrowheads="1" noChangeShapeType="1" noTextEdit="1"/>
-          </p:cNvSpPr>
-          <p:nvPr>
-            <p:custDataLst>
-              <p:tags r:id="rId2"/>
-            </p:custDataLst>
-            <p:extLst>
-              <p:ext uri="{386F3935-93C4-4BCD-93E2-E3B085C9AB24}">
-                <p16:designElem xmlns:p16="http://schemas.microsoft.com/office/powerpoint/2015/main" val="1"/>
-              </p:ext>
-            </p:extLst>
-          </p:nvPr>
-        </p:nvSpPr>
-        <p:spPr>
-          <a:xfrm flipH="1">
-            <a:off x="0" y="0"/>
-            <a:ext cx="5962785" cy="6858000"/>
-          </a:xfrm>
-          <a:custGeom>
-            <a:avLst/>
-            <a:gdLst>
-              <a:gd name="connsiteX0" fmla="*/ 1044839 w 5962785"/>
-              <a:gd name="connsiteY0" fmla="*/ 0 h 6858000"/>
-              <a:gd name="connsiteX1" fmla="*/ 5962785 w 5962785"/>
-              <a:gd name="connsiteY1" fmla="*/ 0 h 6858000"/>
-              <a:gd name="connsiteX2" fmla="*/ 5962785 w 5962785"/>
-              <a:gd name="connsiteY2" fmla="*/ 6858000 h 6858000"/>
-              <a:gd name="connsiteX3" fmla="*/ 1469886 w 5962785"/>
-              <a:gd name="connsiteY3" fmla="*/ 6858000 h 6858000"/>
-              <a:gd name="connsiteX4" fmla="*/ 1416006 w 5962785"/>
-              <a:gd name="connsiteY4" fmla="*/ 6823984 h 6858000"/>
-              <a:gd name="connsiteX5" fmla="*/ 1232473 w 5962785"/>
-              <a:gd name="connsiteY5" fmla="*/ 6733873 h 6858000"/>
-              <a:gd name="connsiteX6" fmla="*/ 1075471 w 5962785"/>
-              <a:gd name="connsiteY6" fmla="*/ 6503186 h 6858000"/>
-              <a:gd name="connsiteX7" fmla="*/ 1020229 w 5962785"/>
-              <a:gd name="connsiteY7" fmla="*/ 6438306 h 6858000"/>
-              <a:gd name="connsiteX8" fmla="*/ 883579 w 5962785"/>
-              <a:gd name="connsiteY8" fmla="*/ 6351798 h 6858000"/>
-              <a:gd name="connsiteX9" fmla="*/ 645167 w 5962785"/>
-              <a:gd name="connsiteY9" fmla="*/ 6167969 h 6858000"/>
-              <a:gd name="connsiteX10" fmla="*/ 732391 w 5962785"/>
-              <a:gd name="connsiteY10" fmla="*/ 6124716 h 6858000"/>
-              <a:gd name="connsiteX11" fmla="*/ 985339 w 5962785"/>
-              <a:gd name="connsiteY11" fmla="*/ 6236455 h 6858000"/>
-              <a:gd name="connsiteX12" fmla="*/ 1168509 w 5962785"/>
-              <a:gd name="connsiteY12" fmla="*/ 6265291 h 6858000"/>
-              <a:gd name="connsiteX13" fmla="*/ 909746 w 5962785"/>
-              <a:gd name="connsiteY13" fmla="*/ 6070649 h 6858000"/>
-              <a:gd name="connsiteX14" fmla="*/ 659704 w 5962785"/>
-              <a:gd name="connsiteY14" fmla="*/ 5818335 h 6858000"/>
-              <a:gd name="connsiteX15" fmla="*/ 851597 w 5962785"/>
-              <a:gd name="connsiteY15" fmla="*/ 5865193 h 6858000"/>
-              <a:gd name="connsiteX16" fmla="*/ 860319 w 5962785"/>
-              <a:gd name="connsiteY16" fmla="*/ 5832753 h 6858000"/>
-              <a:gd name="connsiteX17" fmla="*/ 691686 w 5962785"/>
-              <a:gd name="connsiteY17" fmla="*/ 5533581 h 6858000"/>
-              <a:gd name="connsiteX18" fmla="*/ 610278 w 5962785"/>
-              <a:gd name="connsiteY18" fmla="*/ 5411029 h 6858000"/>
-              <a:gd name="connsiteX19" fmla="*/ 238123 w 5962785"/>
-              <a:gd name="connsiteY19" fmla="*/ 5046976 h 6858000"/>
-              <a:gd name="connsiteX20" fmla="*/ 592833 w 5962785"/>
-              <a:gd name="connsiteY20" fmla="*/ 5209177 h 6858000"/>
-              <a:gd name="connsiteX21" fmla="*/ 226494 w 5962785"/>
-              <a:gd name="connsiteY21" fmla="*/ 4855939 h 6858000"/>
-              <a:gd name="connsiteX22" fmla="*/ 49139 w 5962785"/>
-              <a:gd name="connsiteY22" fmla="*/ 4726177 h 6858000"/>
-              <a:gd name="connsiteX23" fmla="*/ 5527 w 5962785"/>
-              <a:gd name="connsiteY23" fmla="*/ 4650483 h 6858000"/>
-              <a:gd name="connsiteX24" fmla="*/ 84029 w 5962785"/>
-              <a:gd name="connsiteY24" fmla="*/ 4632460 h 6858000"/>
-              <a:gd name="connsiteX25" fmla="*/ 325347 w 5962785"/>
-              <a:gd name="connsiteY25" fmla="*/ 4661296 h 6858000"/>
-              <a:gd name="connsiteX26" fmla="*/ 25879 w 5962785"/>
-              <a:gd name="connsiteY26" fmla="*/ 4423401 h 6858000"/>
-              <a:gd name="connsiteX27" fmla="*/ 249753 w 5962785"/>
-              <a:gd name="connsiteY27" fmla="*/ 4459446 h 6858000"/>
-              <a:gd name="connsiteX28" fmla="*/ 313718 w 5962785"/>
-              <a:gd name="connsiteY28" fmla="*/ 4365729 h 6858000"/>
-              <a:gd name="connsiteX29" fmla="*/ 418386 w 5962785"/>
-              <a:gd name="connsiteY29" fmla="*/ 4214341 h 6858000"/>
-              <a:gd name="connsiteX30" fmla="*/ 491072 w 5962785"/>
-              <a:gd name="connsiteY30" fmla="*/ 4131438 h 6858000"/>
-              <a:gd name="connsiteX31" fmla="*/ 520147 w 5962785"/>
-              <a:gd name="connsiteY31" fmla="*/ 3864706 h 6858000"/>
-              <a:gd name="connsiteX32" fmla="*/ 459090 w 5962785"/>
-              <a:gd name="connsiteY32" fmla="*/ 3572743 h 6858000"/>
-              <a:gd name="connsiteX33" fmla="*/ 290458 w 5962785"/>
-              <a:gd name="connsiteY33" fmla="*/ 3424959 h 6858000"/>
-              <a:gd name="connsiteX34" fmla="*/ 339884 w 5962785"/>
-              <a:gd name="connsiteY34" fmla="*/ 3259153 h 6858000"/>
-              <a:gd name="connsiteX35" fmla="*/ 697501 w 5962785"/>
-              <a:gd name="connsiteY35" fmla="*/ 3360078 h 6858000"/>
-              <a:gd name="connsiteX36" fmla="*/ 165437 w 5962785"/>
-              <a:gd name="connsiteY36" fmla="*/ 2967190 h 6858000"/>
-              <a:gd name="connsiteX37" fmla="*/ 255568 w 5962785"/>
-              <a:gd name="connsiteY37" fmla="*/ 2949167 h 6858000"/>
-              <a:gd name="connsiteX38" fmla="*/ 578296 w 5962785"/>
-              <a:gd name="connsiteY38" fmla="*/ 2725691 h 6858000"/>
-              <a:gd name="connsiteX39" fmla="*/ 595740 w 5962785"/>
-              <a:gd name="connsiteY39" fmla="*/ 2714876 h 6858000"/>
-              <a:gd name="connsiteX40" fmla="*/ 650982 w 5962785"/>
-              <a:gd name="connsiteY40" fmla="*/ 2574301 h 6858000"/>
-              <a:gd name="connsiteX41" fmla="*/ 825429 w 5962785"/>
-              <a:gd name="connsiteY41" fmla="*/ 2552674 h 6858000"/>
-              <a:gd name="connsiteX42" fmla="*/ 970802 w 5962785"/>
-              <a:gd name="connsiteY42" fmla="*/ 2585115 h 6858000"/>
-              <a:gd name="connsiteX43" fmla="*/ 1127805 w 5962785"/>
-              <a:gd name="connsiteY43" fmla="*/ 2545465 h 6858000"/>
-              <a:gd name="connsiteX44" fmla="*/ 1267362 w 5962785"/>
-              <a:gd name="connsiteY44" fmla="*/ 2563488 h 6858000"/>
-              <a:gd name="connsiteX45" fmla="*/ 1386568 w 5962785"/>
-              <a:gd name="connsiteY45" fmla="*/ 2538257 h 6858000"/>
-              <a:gd name="connsiteX46" fmla="*/ 1270270 w 5962785"/>
-              <a:gd name="connsiteY46" fmla="*/ 2419309 h 6858000"/>
-              <a:gd name="connsiteX47" fmla="*/ 1107453 w 5962785"/>
-              <a:gd name="connsiteY47" fmla="*/ 2419309 h 6858000"/>
-              <a:gd name="connsiteX48" fmla="*/ 991154 w 5962785"/>
-              <a:gd name="connsiteY48" fmla="*/ 2343615 h 6858000"/>
-              <a:gd name="connsiteX49" fmla="*/ 880671 w 5962785"/>
-              <a:gd name="connsiteY49" fmla="*/ 2206645 h 6858000"/>
-              <a:gd name="connsiteX50" fmla="*/ 491072 w 5962785"/>
-              <a:gd name="connsiteY50" fmla="*/ 1986771 h 6858000"/>
-              <a:gd name="connsiteX51" fmla="*/ 421293 w 5962785"/>
-              <a:gd name="connsiteY51" fmla="*/ 1903868 h 6858000"/>
-              <a:gd name="connsiteX52" fmla="*/ 1531941 w 5962785"/>
-              <a:gd name="connsiteY52" fmla="*/ 2224667 h 6858000"/>
-              <a:gd name="connsiteX53" fmla="*/ 1188861 w 5962785"/>
-              <a:gd name="connsiteY53" fmla="*/ 2091301 h 6858000"/>
-              <a:gd name="connsiteX54" fmla="*/ 1421458 w 5962785"/>
-              <a:gd name="connsiteY54" fmla="*/ 2116532 h 6858000"/>
-              <a:gd name="connsiteX55" fmla="*/ 1549386 w 5962785"/>
-              <a:gd name="connsiteY55" fmla="*/ 2026420 h 6858000"/>
-              <a:gd name="connsiteX56" fmla="*/ 1549386 w 5962785"/>
-              <a:gd name="connsiteY56" fmla="*/ 1997584 h 6858000"/>
-              <a:gd name="connsiteX57" fmla="*/ 1453440 w 5962785"/>
-              <a:gd name="connsiteY57" fmla="*/ 1914682 h 6858000"/>
-              <a:gd name="connsiteX58" fmla="*/ 1398198 w 5962785"/>
-              <a:gd name="connsiteY58" fmla="*/ 1860614 h 6858000"/>
-              <a:gd name="connsiteX59" fmla="*/ 1247011 w 5962785"/>
-              <a:gd name="connsiteY59" fmla="*/ 1665972 h 6858000"/>
-              <a:gd name="connsiteX60" fmla="*/ 1354586 w 5962785"/>
-              <a:gd name="connsiteY60" fmla="*/ 1644345 h 6858000"/>
-              <a:gd name="connsiteX61" fmla="*/ 1395290 w 5962785"/>
-              <a:gd name="connsiteY61" fmla="*/ 1604696 h 6858000"/>
-              <a:gd name="connsiteX62" fmla="*/ 1366216 w 5962785"/>
-              <a:gd name="connsiteY62" fmla="*/ 1547025 h 6858000"/>
-              <a:gd name="connsiteX63" fmla="*/ 1031858 w 5962785"/>
-              <a:gd name="connsiteY63" fmla="*/ 1370405 h 6858000"/>
-              <a:gd name="connsiteX64" fmla="*/ 1005692 w 5962785"/>
-              <a:gd name="connsiteY64" fmla="*/ 1233435 h 6858000"/>
-              <a:gd name="connsiteX65" fmla="*/ 1069655 w 5962785"/>
-              <a:gd name="connsiteY65" fmla="*/ 1211808 h 6858000"/>
-              <a:gd name="connsiteX66" fmla="*/ 1142342 w 5962785"/>
-              <a:gd name="connsiteY66" fmla="*/ 1222621 h 6858000"/>
-              <a:gd name="connsiteX67" fmla="*/ 1084193 w 5962785"/>
-              <a:gd name="connsiteY67" fmla="*/ 1114487 h 6858000"/>
-              <a:gd name="connsiteX68" fmla="*/ 848689 w 5962785"/>
-              <a:gd name="connsiteY68" fmla="*/ 1006353 h 6858000"/>
-              <a:gd name="connsiteX69" fmla="*/ 805077 w 5962785"/>
-              <a:gd name="connsiteY69" fmla="*/ 948681 h 6858000"/>
-              <a:gd name="connsiteX70" fmla="*/ 863226 w 5962785"/>
-              <a:gd name="connsiteY70" fmla="*/ 919844 h 6858000"/>
-              <a:gd name="connsiteX71" fmla="*/ 906838 w 5962785"/>
-              <a:gd name="connsiteY71" fmla="*/ 909031 h 6858000"/>
-              <a:gd name="connsiteX72" fmla="*/ 5527 w 5962785"/>
-              <a:gd name="connsiteY72" fmla="*/ 458471 h 6858000"/>
-              <a:gd name="connsiteX73" fmla="*/ 209049 w 5962785"/>
-              <a:gd name="connsiteY73" fmla="*/ 454867 h 6858000"/>
-              <a:gd name="connsiteX74" fmla="*/ 409664 w 5962785"/>
-              <a:gd name="connsiteY74" fmla="*/ 526956 h 6858000"/>
-              <a:gd name="connsiteX75" fmla="*/ 621908 w 5962785"/>
-              <a:gd name="connsiteY75" fmla="*/ 516143 h 6858000"/>
-              <a:gd name="connsiteX76" fmla="*/ 822522 w 5962785"/>
-              <a:gd name="connsiteY76" fmla="*/ 552188 h 6858000"/>
-              <a:gd name="connsiteX77" fmla="*/ 996969 w 5962785"/>
-              <a:gd name="connsiteY77" fmla="*/ 552188 h 6858000"/>
-              <a:gd name="connsiteX78" fmla="*/ 834151 w 5962785"/>
-              <a:gd name="connsiteY78" fmla="*/ 498120 h 6858000"/>
-              <a:gd name="connsiteX79" fmla="*/ 773095 w 5962785"/>
-              <a:gd name="connsiteY79" fmla="*/ 408008 h 6858000"/>
-              <a:gd name="connsiteX80" fmla="*/ 793447 w 5962785"/>
-              <a:gd name="connsiteY80" fmla="*/ 325106 h 6858000"/>
-              <a:gd name="connsiteX81" fmla="*/ 860319 w 5962785"/>
-              <a:gd name="connsiteY81" fmla="*/ 350336 h 6858000"/>
-              <a:gd name="connsiteX82" fmla="*/ 938820 w 5962785"/>
-              <a:gd name="connsiteY82" fmla="*/ 444054 h 6858000"/>
-              <a:gd name="connsiteX83" fmla="*/ 956265 w 5962785"/>
-              <a:gd name="connsiteY83" fmla="*/ 386381 h 6858000"/>
-              <a:gd name="connsiteX84" fmla="*/ 1002784 w 5962785"/>
-              <a:gd name="connsiteY84" fmla="*/ 343127 h 6858000"/>
-              <a:gd name="connsiteX85" fmla="*/ 1270270 w 5962785"/>
-              <a:gd name="connsiteY85" fmla="*/ 364755 h 6858000"/>
-              <a:gd name="connsiteX86" fmla="*/ 1092915 w 5962785"/>
-              <a:gd name="connsiteY86" fmla="*/ 180926 h 6858000"/>
-              <a:gd name="connsiteX87" fmla="*/ 979525 w 5962785"/>
-              <a:gd name="connsiteY87" fmla="*/ 152090 h 6858000"/>
-              <a:gd name="connsiteX88" fmla="*/ 953358 w 5962785"/>
-              <a:gd name="connsiteY88" fmla="*/ 76396 h 6858000"/>
-              <a:gd name="connsiteX89" fmla="*/ 1005692 w 5962785"/>
-              <a:gd name="connsiteY89" fmla="*/ 58373 h 6858000"/>
-              <a:gd name="connsiteX90" fmla="*/ 1267362 w 5962785"/>
-              <a:gd name="connsiteY90" fmla="*/ 123254 h 6858000"/>
-              <a:gd name="connsiteX91" fmla="*/ 1310975 w 5962785"/>
-              <a:gd name="connsiteY91" fmla="*/ 98023 h 6858000"/>
-              <a:gd name="connsiteX92" fmla="*/ 1159787 w 5962785"/>
-              <a:gd name="connsiteY92" fmla="*/ 43505 h 6858000"/>
-            </a:gdLst>
-            <a:ahLst/>
-            <a:cxnLst>
-              <a:cxn ang="0">
-                <a:pos x="connsiteX0" y="connsiteY0"/>
-              </a:cxn>
-              <a:cxn ang="0">
-                <a:pos x="connsiteX1" y="connsiteY1"/>
-              </a:cxn>
-              <a:cxn ang="0">
-                <a:pos x="connsiteX2" y="connsiteY2"/>
-              </a:cxn>
-              <a:cxn ang="0">
-                <a:pos x="connsiteX3" y="connsiteY3"/>
-              </a:cxn>
-              <a:cxn ang="0">
-                <a:pos x="connsiteX4" y="connsiteY4"/>
-              </a:cxn>
-              <a:cxn ang="0">
-                <a:pos x="connsiteX5" y="connsiteY5"/>
-              </a:cxn>
-              <a:cxn ang="0">
-                <a:pos x="connsiteX6" y="connsiteY6"/>
-              </a:cxn>
-              <a:cxn ang="0">
-                <a:pos x="connsiteX7" y="connsiteY7"/>
-              </a:cxn>
-              <a:cxn ang="0">
-                <a:pos x="connsiteX8" y="connsiteY8"/>
-              </a:cxn>
-              <a:cxn ang="0">
-                <a:pos x="connsiteX9" y="connsiteY9"/>
-              </a:cxn>
-              <a:cxn ang="0">
-                <a:pos x="connsiteX10" y="connsiteY10"/>
-              </a:cxn>
-              <a:cxn ang="0">
-                <a:pos x="connsiteX11" y="connsiteY11"/>
-              </a:cxn>
-              <a:cxn ang="0">
-                <a:pos x="connsiteX12" y="connsiteY12"/>
-              </a:cxn>
-              <a:cxn ang="0">
-                <a:pos x="connsiteX13" y="connsiteY13"/>
-              </a:cxn>
-              <a:cxn ang="0">
-                <a:pos x="connsiteX14" y="connsiteY14"/>
-              </a:cxn>
-              <a:cxn ang="0">
-                <a:pos x="connsiteX15" y="connsiteY15"/>
-              </a:cxn>
-              <a:cxn ang="0">
-                <a:pos x="connsiteX16" y="connsiteY16"/>
-              </a:cxn>
-              <a:cxn ang="0">
-                <a:pos x="connsiteX17" y="connsiteY17"/>
-              </a:cxn>
-              <a:cxn ang="0">
-                <a:pos x="connsiteX18" y="connsiteY18"/>
-              </a:cxn>
-              <a:cxn ang="0">
-                <a:pos x="connsiteX19" y="connsiteY19"/>
-              </a:cxn>
-              <a:cxn ang="0">
-                <a:pos x="connsiteX20" y="connsiteY20"/>
-              </a:cxn>
-              <a:cxn ang="0">
-                <a:pos x="connsiteX21" y="connsiteY21"/>
-              </a:cxn>
-              <a:cxn ang="0">
-                <a:pos x="connsiteX22" y="connsiteY22"/>
-              </a:cxn>
-              <a:cxn ang="0">
-                <a:pos x="connsiteX23" y="connsiteY23"/>
-              </a:cxn>
-              <a:cxn ang="0">
-                <a:pos x="connsiteX24" y="connsiteY24"/>
-              </a:cxn>
-              <a:cxn ang="0">
-                <a:pos x="connsiteX25" y="connsiteY25"/>
-              </a:cxn>
-              <a:cxn ang="0">
-                <a:pos x="connsiteX26" y="connsiteY26"/>
-              </a:cxn>
-              <a:cxn ang="0">
-                <a:pos x="connsiteX27" y="connsiteY27"/>
-              </a:cxn>
-              <a:cxn ang="0">
-                <a:pos x="connsiteX28" y="connsiteY28"/>
-              </a:cxn>
-              <a:cxn ang="0">
-                <a:pos x="connsiteX29" y="connsiteY29"/>
-              </a:cxn>
-              <a:cxn ang="0">
-                <a:pos x="connsiteX30" y="connsiteY30"/>
-              </a:cxn>
-              <a:cxn ang="0">
-                <a:pos x="connsiteX31" y="connsiteY31"/>
-              </a:cxn>
-              <a:cxn ang="0">
-                <a:pos x="connsiteX32" y="connsiteY32"/>
-              </a:cxn>
-              <a:cxn ang="0">
-                <a:pos x="connsiteX33" y="connsiteY33"/>
-              </a:cxn>
-              <a:cxn ang="0">
-                <a:pos x="connsiteX34" y="connsiteY34"/>
-              </a:cxn>
-              <a:cxn ang="0">
-                <a:pos x="connsiteX35" y="connsiteY35"/>
-              </a:cxn>
-              <a:cxn ang="0">
-                <a:pos x="connsiteX36" y="connsiteY36"/>
-              </a:cxn>
-              <a:cxn ang="0">
-                <a:pos x="connsiteX37" y="connsiteY37"/>
-              </a:cxn>
-              <a:cxn ang="0">
-                <a:pos x="connsiteX38" y="connsiteY38"/>
-              </a:cxn>
-              <a:cxn ang="0">
-                <a:pos x="connsiteX39" y="connsiteY39"/>
-              </a:cxn>
-              <a:cxn ang="0">
-                <a:pos x="connsiteX40" y="connsiteY40"/>
-              </a:cxn>
-              <a:cxn ang="0">
-                <a:pos x="connsiteX41" y="connsiteY41"/>
-              </a:cxn>
-              <a:cxn ang="0">
-                <a:pos x="connsiteX42" y="connsiteY42"/>
-              </a:cxn>
-              <a:cxn ang="0">
-                <a:pos x="connsiteX43" y="connsiteY43"/>
-              </a:cxn>
-              <a:cxn ang="0">
-                <a:pos x="connsiteX44" y="connsiteY44"/>
-              </a:cxn>
-              <a:cxn ang="0">
-                <a:pos x="connsiteX45" y="connsiteY45"/>
-              </a:cxn>
-              <a:cxn ang="0">
-                <a:pos x="connsiteX46" y="connsiteY46"/>
-              </a:cxn>
-              <a:cxn ang="0">
-                <a:pos x="connsiteX47" y="connsiteY47"/>
-              </a:cxn>
-              <a:cxn ang="0">
-                <a:pos x="connsiteX48" y="connsiteY48"/>
-              </a:cxn>
-              <a:cxn ang="0">
-                <a:pos x="connsiteX49" y="connsiteY49"/>
-              </a:cxn>
-              <a:cxn ang="0">
-                <a:pos x="connsiteX50" y="connsiteY50"/>
-              </a:cxn>
-              <a:cxn ang="0">
-                <a:pos x="connsiteX51" y="connsiteY51"/>
-              </a:cxn>
-              <a:cxn ang="0">
-                <a:pos x="connsiteX52" y="connsiteY52"/>
-              </a:cxn>
-              <a:cxn ang="0">
-                <a:pos x="connsiteX53" y="connsiteY53"/>
-              </a:cxn>
-              <a:cxn ang="0">
-                <a:pos x="connsiteX54" y="connsiteY54"/>
-              </a:cxn>
-              <a:cxn ang="0">
-                <a:pos x="connsiteX55" y="connsiteY55"/>
-              </a:cxn>
-              <a:cxn ang="0">
-                <a:pos x="connsiteX56" y="connsiteY56"/>
-              </a:cxn>
-              <a:cxn ang="0">
-                <a:pos x="connsiteX57" y="connsiteY57"/>
-              </a:cxn>
-              <a:cxn ang="0">
-                <a:pos x="connsiteX58" y="connsiteY58"/>
-              </a:cxn>
-              <a:cxn ang="0">
-                <a:pos x="connsiteX59" y="connsiteY59"/>
-              </a:cxn>
-              <a:cxn ang="0">
-                <a:pos x="connsiteX60" y="connsiteY60"/>
-              </a:cxn>
-              <a:cxn ang="0">
-                <a:pos x="connsiteX61" y="connsiteY61"/>
-              </a:cxn>
-              <a:cxn ang="0">
-                <a:pos x="connsiteX62" y="connsiteY62"/>
-              </a:cxn>
-              <a:cxn ang="0">
-                <a:pos x="connsiteX63" y="connsiteY63"/>
-              </a:cxn>
-              <a:cxn ang="0">
-                <a:pos x="connsiteX64" y="connsiteY64"/>
-              </a:cxn>
-              <a:cxn ang="0">
-                <a:pos x="connsiteX65" y="connsiteY65"/>
-              </a:cxn>
-              <a:cxn ang="0">
-                <a:pos x="connsiteX66" y="connsiteY66"/>
-              </a:cxn>
-              <a:cxn ang="0">
-                <a:pos x="connsiteX67" y="connsiteY67"/>
-              </a:cxn>
-              <a:cxn ang="0">
-                <a:pos x="connsiteX68" y="connsiteY68"/>
-              </a:cxn>
-              <a:cxn ang="0">
-                <a:pos x="connsiteX69" y="connsiteY69"/>
-              </a:cxn>
-              <a:cxn ang="0">
-                <a:pos x="connsiteX70" y="connsiteY70"/>
-              </a:cxn>
-              <a:cxn ang="0">
-                <a:pos x="connsiteX71" y="connsiteY71"/>
-              </a:cxn>
-              <a:cxn ang="0">
-                <a:pos x="connsiteX72" y="connsiteY72"/>
-              </a:cxn>
-              <a:cxn ang="0">
-                <a:pos x="connsiteX73" y="connsiteY73"/>
-              </a:cxn>
-              <a:cxn ang="0">
-                <a:pos x="connsiteX74" y="connsiteY74"/>
-              </a:cxn>
-              <a:cxn ang="0">
-                <a:pos x="connsiteX75" y="connsiteY75"/>
-              </a:cxn>
-              <a:cxn ang="0">
-                <a:pos x="connsiteX76" y="connsiteY76"/>
-              </a:cxn>
-              <a:cxn ang="0">
-                <a:pos x="connsiteX77" y="connsiteY77"/>
-              </a:cxn>
-              <a:cxn ang="0">
-                <a:pos x="connsiteX78" y="connsiteY78"/>
-              </a:cxn>
-              <a:cxn ang="0">
-                <a:pos x="connsiteX79" y="connsiteY79"/>
-              </a:cxn>
-              <a:cxn ang="0">
-                <a:pos x="connsiteX80" y="connsiteY80"/>
-              </a:cxn>
-              <a:cxn ang="0">
-                <a:pos x="connsiteX81" y="connsiteY81"/>
-              </a:cxn>
-              <a:cxn ang="0">
-                <a:pos x="connsiteX82" y="connsiteY82"/>
-              </a:cxn>
-              <a:cxn ang="0">
-                <a:pos x="connsiteX83" y="connsiteY83"/>
-              </a:cxn>
-              <a:cxn ang="0">
-                <a:pos x="connsiteX84" y="connsiteY84"/>
-              </a:cxn>
-              <a:cxn ang="0">
-                <a:pos x="connsiteX85" y="connsiteY85"/>
-              </a:cxn>
-              <a:cxn ang="0">
-                <a:pos x="connsiteX86" y="connsiteY86"/>
-              </a:cxn>
-              <a:cxn ang="0">
-                <a:pos x="connsiteX87" y="connsiteY87"/>
-              </a:cxn>
-              <a:cxn ang="0">
-                <a:pos x="connsiteX88" y="connsiteY88"/>
-              </a:cxn>
-              <a:cxn ang="0">
-                <a:pos x="connsiteX89" y="connsiteY89"/>
-              </a:cxn>
-              <a:cxn ang="0">
-                <a:pos x="connsiteX90" y="connsiteY90"/>
-              </a:cxn>
-              <a:cxn ang="0">
-                <a:pos x="connsiteX91" y="connsiteY91"/>
-              </a:cxn>
-              <a:cxn ang="0">
-                <a:pos x="connsiteX92" y="connsiteY92"/>
-              </a:cxn>
-            </a:cxnLst>
-            <a:rect l="l" t="t" r="r" b="b"/>
-            <a:pathLst>
-              <a:path w="5962785" h="6858000">
-                <a:moveTo>
-                  <a:pt x="1044839" y="0"/>
-                </a:moveTo>
-                <a:lnTo>
-                  <a:pt x="5962785" y="0"/>
-                </a:lnTo>
-                <a:lnTo>
-                  <a:pt x="5962785" y="6858000"/>
-                </a:lnTo>
-                <a:lnTo>
-                  <a:pt x="1469886" y="6858000"/>
-                </a:lnTo>
-                <a:lnTo>
-                  <a:pt x="1416006" y="6823984"/>
-                </a:lnTo>
-                <a:cubicBezTo>
-                  <a:pt x="1356767" y="6787940"/>
-                  <a:pt x="1296437" y="6755500"/>
-                  <a:pt x="1232473" y="6733873"/>
-                </a:cubicBezTo>
-                <a:cubicBezTo>
-                  <a:pt x="1145250" y="6705037"/>
-                  <a:pt x="1060933" y="6654575"/>
-                  <a:pt x="1075471" y="6503186"/>
-                </a:cubicBezTo>
-                <a:cubicBezTo>
-                  <a:pt x="1078378" y="6459932"/>
-                  <a:pt x="1055118" y="6427493"/>
-                  <a:pt x="1020229" y="6438306"/>
-                </a:cubicBezTo>
-                <a:cubicBezTo>
-                  <a:pt x="953358" y="6459932"/>
-                  <a:pt x="921375" y="6398656"/>
-                  <a:pt x="883579" y="6351798"/>
-                </a:cubicBezTo>
-                <a:cubicBezTo>
-                  <a:pt x="816707" y="6268895"/>
-                  <a:pt x="752743" y="6182387"/>
-                  <a:pt x="645167" y="6167969"/>
-                </a:cubicBezTo>
-                <a:cubicBezTo>
-                  <a:pt x="665519" y="6103088"/>
-                  <a:pt x="700408" y="6110298"/>
-                  <a:pt x="732391" y="6124716"/>
-                </a:cubicBezTo>
-                <a:cubicBezTo>
-                  <a:pt x="816707" y="6160761"/>
-                  <a:pt x="901023" y="6200410"/>
-                  <a:pt x="985339" y="6236455"/>
-                </a:cubicBezTo>
-                <a:cubicBezTo>
-                  <a:pt x="1040581" y="6258081"/>
-                  <a:pt x="1095822" y="6290522"/>
-                  <a:pt x="1168509" y="6265291"/>
-                </a:cubicBezTo>
-                <a:cubicBezTo>
-                  <a:pt x="1104545" y="6135530"/>
-                  <a:pt x="996969" y="6110298"/>
-                  <a:pt x="909746" y="6070649"/>
-                </a:cubicBezTo>
-                <a:cubicBezTo>
-                  <a:pt x="802169" y="6020185"/>
-                  <a:pt x="738206" y="5926470"/>
-                  <a:pt x="659704" y="5818335"/>
-                </a:cubicBezTo>
-                <a:cubicBezTo>
-                  <a:pt x="738206" y="5789500"/>
-                  <a:pt x="787632" y="5868798"/>
-                  <a:pt x="851597" y="5865193"/>
-                </a:cubicBezTo>
-                <a:cubicBezTo>
-                  <a:pt x="854504" y="5854380"/>
-                  <a:pt x="860319" y="5832753"/>
-                  <a:pt x="860319" y="5832753"/>
-                </a:cubicBezTo>
-                <a:cubicBezTo>
-                  <a:pt x="755650" y="5775081"/>
-                  <a:pt x="709132" y="5666947"/>
-                  <a:pt x="691686" y="5533581"/>
-                </a:cubicBezTo>
-                <a:cubicBezTo>
-                  <a:pt x="685872" y="5465095"/>
-                  <a:pt x="648075" y="5443468"/>
-                  <a:pt x="610278" y="5411029"/>
-                </a:cubicBezTo>
-                <a:cubicBezTo>
-                  <a:pt x="482350" y="5299289"/>
-                  <a:pt x="345700" y="5198364"/>
-                  <a:pt x="238123" y="5046976"/>
-                </a:cubicBezTo>
-                <a:cubicBezTo>
-                  <a:pt x="363144" y="5064998"/>
-                  <a:pt x="461997" y="5165924"/>
-                  <a:pt x="592833" y="5209177"/>
-                </a:cubicBezTo>
-                <a:cubicBezTo>
-                  <a:pt x="488165" y="5043371"/>
-                  <a:pt x="351514" y="4956864"/>
-                  <a:pt x="226494" y="4855939"/>
-                </a:cubicBezTo>
-                <a:cubicBezTo>
-                  <a:pt x="168344" y="4809081"/>
-                  <a:pt x="116011" y="4751408"/>
-                  <a:pt x="49139" y="4726177"/>
-                </a:cubicBezTo>
-                <a:cubicBezTo>
-                  <a:pt x="25879" y="4718968"/>
-                  <a:pt x="-14825" y="4700947"/>
-                  <a:pt x="5527" y="4650483"/>
-                </a:cubicBezTo>
-                <a:cubicBezTo>
-                  <a:pt x="22972" y="4607230"/>
-                  <a:pt x="54954" y="4621648"/>
-                  <a:pt x="84029" y="4632460"/>
-                </a:cubicBezTo>
-                <a:cubicBezTo>
-                  <a:pt x="153807" y="4661296"/>
-                  <a:pt x="229401" y="4661296"/>
-                  <a:pt x="325347" y="4661296"/>
-                </a:cubicBezTo>
-                <a:cubicBezTo>
-                  <a:pt x="243939" y="4524326"/>
-                  <a:pt x="95658" y="4567580"/>
-                  <a:pt x="25879" y="4423401"/>
-                </a:cubicBezTo>
-                <a:cubicBezTo>
-                  <a:pt x="113103" y="4398170"/>
-                  <a:pt x="179975" y="4448632"/>
-                  <a:pt x="249753" y="4459446"/>
-                </a:cubicBezTo>
-                <a:cubicBezTo>
-                  <a:pt x="313718" y="4470259"/>
-                  <a:pt x="328254" y="4445028"/>
-                  <a:pt x="313718" y="4365729"/>
-                </a:cubicBezTo>
-                <a:cubicBezTo>
-                  <a:pt x="290458" y="4243177"/>
-                  <a:pt x="325347" y="4181900"/>
-                  <a:pt x="418386" y="4214341"/>
-                </a:cubicBezTo>
-                <a:cubicBezTo>
-                  <a:pt x="505609" y="4246781"/>
-                  <a:pt x="514332" y="4199922"/>
-                  <a:pt x="491072" y="4131438"/>
-                </a:cubicBezTo>
-                <a:cubicBezTo>
-                  <a:pt x="456183" y="4030512"/>
-                  <a:pt x="493979" y="3951214"/>
-                  <a:pt x="520147" y="3864706"/>
-                </a:cubicBezTo>
-                <a:cubicBezTo>
-                  <a:pt x="560851" y="3734945"/>
-                  <a:pt x="543407" y="3670064"/>
-                  <a:pt x="459090" y="3572743"/>
-                </a:cubicBezTo>
-                <a:cubicBezTo>
-                  <a:pt x="409664" y="3518676"/>
-                  <a:pt x="360236" y="3471818"/>
-                  <a:pt x="290458" y="3424959"/>
-                </a:cubicBezTo>
-                <a:cubicBezTo>
-                  <a:pt x="450368" y="3399728"/>
-                  <a:pt x="284643" y="3313221"/>
-                  <a:pt x="339884" y="3259153"/>
-                </a:cubicBezTo>
-                <a:cubicBezTo>
-                  <a:pt x="453275" y="3237527"/>
-                  <a:pt x="543407" y="3410542"/>
-                  <a:pt x="697501" y="3360078"/>
-                </a:cubicBezTo>
-                <a:cubicBezTo>
-                  <a:pt x="511425" y="3212294"/>
-                  <a:pt x="302087" y="3165436"/>
-                  <a:pt x="165437" y="2967190"/>
-                </a:cubicBezTo>
-                <a:cubicBezTo>
-                  <a:pt x="197419" y="2923937"/>
-                  <a:pt x="229401" y="2967190"/>
-                  <a:pt x="255568" y="2949167"/>
-                </a:cubicBezTo>
-                <a:cubicBezTo>
-                  <a:pt x="255568" y="2938354"/>
-                  <a:pt x="560851" y="3006840"/>
-                  <a:pt x="578296" y="2725691"/>
-                </a:cubicBezTo>
-                <a:cubicBezTo>
-                  <a:pt x="584111" y="2725691"/>
-                  <a:pt x="589926" y="2725691"/>
-                  <a:pt x="595740" y="2714876"/>
-                </a:cubicBezTo>
-                <a:cubicBezTo>
-                  <a:pt x="627722" y="2675228"/>
-                  <a:pt x="598648" y="2581510"/>
-                  <a:pt x="650982" y="2574301"/>
-                </a:cubicBezTo>
-                <a:cubicBezTo>
-                  <a:pt x="709132" y="2567092"/>
-                  <a:pt x="764373" y="2534653"/>
-                  <a:pt x="825429" y="2552674"/>
-                </a:cubicBezTo>
-                <a:cubicBezTo>
-                  <a:pt x="871949" y="2567092"/>
-                  <a:pt x="921375" y="2585115"/>
-                  <a:pt x="970802" y="2585115"/>
-                </a:cubicBezTo>
-                <a:cubicBezTo>
-                  <a:pt x="1023136" y="2585115"/>
-                  <a:pt x="1095822" y="2707668"/>
-                  <a:pt x="1127805" y="2545465"/>
-                </a:cubicBezTo>
-                <a:cubicBezTo>
-                  <a:pt x="1127805" y="2538257"/>
-                  <a:pt x="1217936" y="2556280"/>
-                  <a:pt x="1267362" y="2563488"/>
-                </a:cubicBezTo>
-                <a:cubicBezTo>
-                  <a:pt x="1308067" y="2570698"/>
-                  <a:pt x="1357494" y="2603137"/>
-                  <a:pt x="1386568" y="2538257"/>
-                </a:cubicBezTo>
-                <a:cubicBezTo>
-                  <a:pt x="1401105" y="2498607"/>
-                  <a:pt x="1331326" y="2426518"/>
-                  <a:pt x="1270270" y="2419309"/>
-                </a:cubicBezTo>
-                <a:cubicBezTo>
-                  <a:pt x="1215029" y="2412101"/>
-                  <a:pt x="1159787" y="2404892"/>
-                  <a:pt x="1107453" y="2419309"/>
-                </a:cubicBezTo>
-                <a:cubicBezTo>
-                  <a:pt x="1043489" y="2437331"/>
-                  <a:pt x="1008599" y="2408495"/>
-                  <a:pt x="991154" y="2343615"/>
-                </a:cubicBezTo>
-                <a:cubicBezTo>
-                  <a:pt x="970802" y="2275131"/>
-                  <a:pt x="933005" y="2239085"/>
-                  <a:pt x="880671" y="2206645"/>
-                </a:cubicBezTo>
-                <a:cubicBezTo>
-                  <a:pt x="752743" y="2127346"/>
-                  <a:pt x="630630" y="2033629"/>
-                  <a:pt x="491072" y="1986771"/>
-                </a:cubicBezTo>
-                <a:cubicBezTo>
-                  <a:pt x="464905" y="1979562"/>
-                  <a:pt x="432923" y="1965145"/>
-                  <a:pt x="421293" y="1903868"/>
-                </a:cubicBezTo>
-                <a:cubicBezTo>
-                  <a:pt x="799262" y="1997584"/>
-                  <a:pt x="1142342" y="2239085"/>
-                  <a:pt x="1531941" y="2224667"/>
-                </a:cubicBezTo>
-                <a:cubicBezTo>
-                  <a:pt x="1427272" y="2148974"/>
-                  <a:pt x="1302252" y="2145369"/>
-                  <a:pt x="1188861" y="2091301"/>
-                </a:cubicBezTo>
-                <a:cubicBezTo>
-                  <a:pt x="1270270" y="2051652"/>
-                  <a:pt x="1345864" y="2094906"/>
-                  <a:pt x="1421458" y="2116532"/>
-                </a:cubicBezTo>
-                <a:cubicBezTo>
-                  <a:pt x="1485422" y="2134554"/>
-                  <a:pt x="1543571" y="2138160"/>
-                  <a:pt x="1549386" y="2026420"/>
-                </a:cubicBezTo>
-                <a:cubicBezTo>
-                  <a:pt x="1549386" y="2015607"/>
-                  <a:pt x="1549386" y="2008398"/>
-                  <a:pt x="1549386" y="1997584"/>
-                </a:cubicBezTo>
-                <a:cubicBezTo>
-                  <a:pt x="1526126" y="1950727"/>
-                  <a:pt x="1494144" y="1929099"/>
-                  <a:pt x="1453440" y="1914682"/>
-                </a:cubicBezTo>
-                <a:cubicBezTo>
-                  <a:pt x="1430180" y="1907473"/>
-                  <a:pt x="1398198" y="1893056"/>
-                  <a:pt x="1398198" y="1860614"/>
-                </a:cubicBezTo>
-                <a:cubicBezTo>
-                  <a:pt x="1401105" y="1738063"/>
-                  <a:pt x="1322604" y="1702018"/>
-                  <a:pt x="1247011" y="1665972"/>
-                </a:cubicBezTo>
-                <a:cubicBezTo>
-                  <a:pt x="1287715" y="1604696"/>
-                  <a:pt x="1322604" y="1647950"/>
-                  <a:pt x="1354586" y="1644345"/>
-                </a:cubicBezTo>
-                <a:cubicBezTo>
-                  <a:pt x="1374939" y="1640741"/>
-                  <a:pt x="1395290" y="1637138"/>
-                  <a:pt x="1395290" y="1604696"/>
-                </a:cubicBezTo>
-                <a:cubicBezTo>
-                  <a:pt x="1395290" y="1579465"/>
-                  <a:pt x="1386568" y="1547025"/>
-                  <a:pt x="1366216" y="1547025"/>
-                </a:cubicBezTo>
-                <a:cubicBezTo>
-                  <a:pt x="1238288" y="1543420"/>
-                  <a:pt x="1165601" y="1370405"/>
-                  <a:pt x="1031858" y="1370405"/>
-                </a:cubicBezTo>
-                <a:cubicBezTo>
-                  <a:pt x="950450" y="1370405"/>
-                  <a:pt x="1072563" y="1273083"/>
-                  <a:pt x="1005692" y="1233435"/>
-                </a:cubicBezTo>
-                <a:cubicBezTo>
-                  <a:pt x="991154" y="1222621"/>
-                  <a:pt x="1046396" y="1208203"/>
-                  <a:pt x="1069655" y="1211808"/>
-                </a:cubicBezTo>
-                <a:cubicBezTo>
-                  <a:pt x="1092915" y="1215412"/>
-                  <a:pt x="1113268" y="1240644"/>
-                  <a:pt x="1142342" y="1222621"/>
-                </a:cubicBezTo>
-                <a:cubicBezTo>
-                  <a:pt x="1156879" y="1157741"/>
-                  <a:pt x="1119082" y="1132510"/>
-                  <a:pt x="1084193" y="1114487"/>
-                </a:cubicBezTo>
-                <a:cubicBezTo>
-                  <a:pt x="1008599" y="1071234"/>
-                  <a:pt x="933005" y="1020771"/>
-                  <a:pt x="848689" y="1006353"/>
-                </a:cubicBezTo>
-                <a:cubicBezTo>
-                  <a:pt x="819615" y="1002748"/>
-                  <a:pt x="802169" y="984726"/>
-                  <a:pt x="805077" y="948681"/>
-                </a:cubicBezTo>
-                <a:cubicBezTo>
-                  <a:pt x="810892" y="901822"/>
-                  <a:pt x="839967" y="916240"/>
-                  <a:pt x="863226" y="919844"/>
-                </a:cubicBezTo>
-                <a:cubicBezTo>
-                  <a:pt x="877764" y="923450"/>
-                  <a:pt x="892301" y="934263"/>
-                  <a:pt x="906838" y="909031"/>
-                </a:cubicBezTo>
-                <a:cubicBezTo>
-                  <a:pt x="566666" y="653113"/>
-                  <a:pt x="386404" y="667532"/>
-                  <a:pt x="5527" y="458471"/>
-                </a:cubicBezTo>
-                <a:cubicBezTo>
-                  <a:pt x="89843" y="418822"/>
-                  <a:pt x="150900" y="447658"/>
-                  <a:pt x="209049" y="454867"/>
-                </a:cubicBezTo>
-                <a:cubicBezTo>
-                  <a:pt x="354422" y="472890"/>
-                  <a:pt x="264290" y="505329"/>
-                  <a:pt x="409664" y="526956"/>
-                </a:cubicBezTo>
-                <a:cubicBezTo>
-                  <a:pt x="479443" y="537770"/>
-                  <a:pt x="543407" y="573815"/>
-                  <a:pt x="621908" y="516143"/>
-                </a:cubicBezTo>
-                <a:cubicBezTo>
-                  <a:pt x="674242" y="476494"/>
-                  <a:pt x="758558" y="519747"/>
-                  <a:pt x="822522" y="552188"/>
-                </a:cubicBezTo>
-                <a:cubicBezTo>
-                  <a:pt x="874856" y="581024"/>
-                  <a:pt x="927190" y="588232"/>
-                  <a:pt x="996969" y="552188"/>
-                </a:cubicBezTo>
-                <a:cubicBezTo>
-                  <a:pt x="933005" y="530562"/>
-                  <a:pt x="883579" y="512539"/>
-                  <a:pt x="834151" y="498120"/>
-                </a:cubicBezTo>
-                <a:cubicBezTo>
-                  <a:pt x="793447" y="487307"/>
-                  <a:pt x="770187" y="462076"/>
-                  <a:pt x="773095" y="408008"/>
-                </a:cubicBezTo>
-                <a:cubicBezTo>
-                  <a:pt x="773095" y="379172"/>
-                  <a:pt x="764373" y="339523"/>
-                  <a:pt x="793447" y="325106"/>
-                </a:cubicBezTo>
-                <a:cubicBezTo>
-                  <a:pt x="816707" y="310688"/>
-                  <a:pt x="848689" y="325106"/>
-                  <a:pt x="860319" y="350336"/>
-                </a:cubicBezTo>
-                <a:cubicBezTo>
-                  <a:pt x="874856" y="397195"/>
-                  <a:pt x="889393" y="440449"/>
-                  <a:pt x="938820" y="444054"/>
-                </a:cubicBezTo>
-                <a:cubicBezTo>
-                  <a:pt x="1005692" y="451262"/>
-                  <a:pt x="967894" y="422426"/>
-                  <a:pt x="956265" y="386381"/>
-                </a:cubicBezTo>
-                <a:cubicBezTo>
-                  <a:pt x="944635" y="346733"/>
-                  <a:pt x="979525" y="335919"/>
-                  <a:pt x="1002784" y="343127"/>
-                </a:cubicBezTo>
-                <a:cubicBezTo>
-                  <a:pt x="1090008" y="375569"/>
-                  <a:pt x="1180139" y="317897"/>
-                  <a:pt x="1270270" y="364755"/>
-                </a:cubicBezTo>
-                <a:cubicBezTo>
-                  <a:pt x="1247011" y="249411"/>
-                  <a:pt x="1197583" y="198949"/>
-                  <a:pt x="1092915" y="180926"/>
-                </a:cubicBezTo>
-                <a:cubicBezTo>
-                  <a:pt x="1055118" y="177322"/>
-                  <a:pt x="1014414" y="184530"/>
-                  <a:pt x="979525" y="152090"/>
-                </a:cubicBezTo>
-                <a:cubicBezTo>
-                  <a:pt x="959172" y="134068"/>
-                  <a:pt x="938820" y="112441"/>
-                  <a:pt x="953358" y="76396"/>
-                </a:cubicBezTo>
-                <a:cubicBezTo>
-                  <a:pt x="962080" y="51165"/>
-                  <a:pt x="985339" y="51165"/>
-                  <a:pt x="1005692" y="58373"/>
-                </a:cubicBezTo>
-                <a:cubicBezTo>
-                  <a:pt x="1090008" y="98023"/>
-                  <a:pt x="1180139" y="108837"/>
-                  <a:pt x="1267362" y="123254"/>
-                </a:cubicBezTo>
-                <a:cubicBezTo>
-                  <a:pt x="1281900" y="126859"/>
-                  <a:pt x="1296437" y="134068"/>
-                  <a:pt x="1310975" y="98023"/>
-                </a:cubicBezTo>
-                <a:cubicBezTo>
-                  <a:pt x="1260095" y="81803"/>
-                  <a:pt x="1209941" y="62879"/>
-                  <a:pt x="1159787" y="43505"/>
-                </a:cubicBezTo>
-                <a:close/>
-              </a:path>
-            </a:pathLst>
-          </a:custGeom>
-          <a:solidFill>
-            <a:schemeClr val="bg2">
-              <a:alpha val="50000"/>
-            </a:schemeClr>
-          </a:solidFill>
-          <a:ln w="32707" cap="flat">
-            <a:noFill/>
-            <a:prstDash val="solid"/>
-            <a:miter/>
-          </a:ln>
-        </p:spPr>
-        <p:txBody>
-          <a:bodyPr wrap="square" rtlCol="0" anchor="ctr">
-            <a:noAutofit/>
-          </a:bodyPr>
-          <a:lstStyle/>
-          <a:p>
-            <a:pPr algn="ctr"/>
-            <a:endParaRPr lang="en-US"/>
-          </a:p>
-        </p:txBody>
-      </p:sp>
-      <p:sp>
-        <p:nvSpPr>
-          <p:cNvPr id="19" name="Titre 1">
-            <a:extLst>
-              <a:ext uri="{FF2B5EF4-FFF2-40B4-BE49-F238E27FC236}">
-                <a16:creationId xmlns:a16="http://schemas.microsoft.com/office/drawing/2014/main" id="{6E4BB0B2-6F22-4054-9D36-8913D9A69CB6}"/>
-              </a:ext>
-            </a:extLst>
-          </p:cNvPr>
-          <p:cNvSpPr>
-            <a:spLocks noGrp="1"/>
-          </p:cNvSpPr>
-          <p:nvPr>
-            <p:ph type="title"/>
-            <p:custDataLst>
-              <p:tags r:id="rId3"/>
-            </p:custDataLst>
-          </p:nvPr>
-        </p:nvSpPr>
-        <p:spPr>
-          <a:xfrm>
-            <a:off x="671100" y="2072640"/>
-            <a:ext cx="4620584" cy="2061004"/>
-          </a:xfrm>
-        </p:spPr>
-        <p:txBody>
-          <a:bodyPr vert="horz" lIns="91440" tIns="45720" rIns="91440" bIns="45720" rtlCol="0" anchor="b">
-            <a:normAutofit/>
-          </a:bodyPr>
-          <a:lstStyle/>
-          <a:p>
-            <a:pPr algn="just"/>
-            <a:r>
-              <a:rPr lang="en-US" kern="1200" dirty="0" err="1">
-                <a:solidFill>
-                  <a:schemeClr val="tx1"/>
-                </a:solidFill>
-                <a:latin typeface="Times New Roman" panose="02020603050405020304" pitchFamily="18" charset="0"/>
-                <a:cs typeface="Times New Roman" panose="02020603050405020304" pitchFamily="18" charset="0"/>
-              </a:rPr>
-              <a:t>Diagramme</a:t>
-            </a:r>
-            <a:r>
-              <a:rPr lang="en-US" kern="1200" dirty="0">
-                <a:solidFill>
-                  <a:schemeClr val="tx1"/>
-                </a:solidFill>
-                <a:latin typeface="Times New Roman" panose="02020603050405020304" pitchFamily="18" charset="0"/>
-                <a:cs typeface="Times New Roman" panose="02020603050405020304" pitchFamily="18" charset="0"/>
-              </a:rPr>
-              <a:t> UML </a:t>
-            </a:r>
-            <a:r>
-              <a:rPr lang="en-US" kern="1200" dirty="0" err="1">
-                <a:solidFill>
-                  <a:schemeClr val="tx1"/>
-                </a:solidFill>
-                <a:latin typeface="Times New Roman" panose="02020603050405020304" pitchFamily="18" charset="0"/>
-                <a:cs typeface="Times New Roman" panose="02020603050405020304" pitchFamily="18" charset="0"/>
-              </a:rPr>
-              <a:t>d’activité</a:t>
-            </a:r>
-            <a:endParaRPr lang="en-US" kern="1200" dirty="0">
-              <a:solidFill>
-                <a:schemeClr val="tx1"/>
-              </a:solidFill>
-              <a:latin typeface="Times New Roman" panose="02020603050405020304" pitchFamily="18" charset="0"/>
-              <a:cs typeface="Times New Roman" panose="02020603050405020304" pitchFamily="18" charset="0"/>
-            </a:endParaRPr>
-          </a:p>
-        </p:txBody>
-      </p:sp>
-      <p:pic>
-        <p:nvPicPr>
-          <p:cNvPr id="6" name="Image 5" descr="Une image contenant texte, capture d’écran, reçu, diagramme&#10;&#10;Description générée automatiquement">
-            <a:extLst>
-              <a:ext uri="{FF2B5EF4-FFF2-40B4-BE49-F238E27FC236}">
-                <a16:creationId xmlns:a16="http://schemas.microsoft.com/office/drawing/2014/main" id="{27B7144C-3E5A-CB44-25D7-53E3E28B0FA4}"/>
-              </a:ext>
-            </a:extLst>
-          </p:cNvPr>
-          <p:cNvPicPr>
-            <a:picLocks noChangeAspect="1"/>
-          </p:cNvPicPr>
-          <p:nvPr>
-            <p:custDataLst>
-              <p:tags r:id="rId4"/>
-            </p:custDataLst>
-          </p:nvPr>
-        </p:nvPicPr>
-        <p:blipFill>
-          <a:blip r:embed="rId7">
-            <a:extLst>
-              <a:ext uri="{28A0092B-C50C-407E-A947-70E740481C1C}">
-                <a14:useLocalDpi xmlns:a14="http://schemas.microsoft.com/office/drawing/2010/main" val="0"/>
-              </a:ext>
-            </a:extLst>
-          </a:blip>
-          <a:stretch>
-            <a:fillRect/>
-          </a:stretch>
-        </p:blipFill>
-        <p:spPr>
-          <a:xfrm>
-            <a:off x="6960388" y="643467"/>
-            <a:ext cx="4234009" cy="5571066"/>
-          </a:xfrm>
-          <a:prstGeom prst="rect">
-            <a:avLst/>
-          </a:prstGeom>
-        </p:spPr>
-      </p:pic>
-      <p:sp>
-        <p:nvSpPr>
-          <p:cNvPr id="5" name="Espace réservé du numéro de diapositive 4">
-            <a:extLst>
-              <a:ext uri="{FF2B5EF4-FFF2-40B4-BE49-F238E27FC236}">
-                <a16:creationId xmlns:a16="http://schemas.microsoft.com/office/drawing/2014/main" id="{ACBB2F2A-A517-48B6-AD57-A1EB87CB5543}"/>
-              </a:ext>
-            </a:extLst>
-          </p:cNvPr>
-          <p:cNvSpPr>
-            <a:spLocks noGrp="1"/>
-          </p:cNvSpPr>
-          <p:nvPr>
-            <p:ph type="sldNum" sz="quarter" idx="12"/>
-            <p:custDataLst>
-              <p:tags r:id="rId5"/>
-            </p:custDataLst>
-          </p:nvPr>
-        </p:nvSpPr>
-        <p:spPr>
-          <a:xfrm>
-            <a:off x="8610600" y="6356350"/>
-            <a:ext cx="2743200" cy="365125"/>
-          </a:xfrm>
-        </p:spPr>
-        <p:txBody>
-          <a:bodyPr vert="horz" lIns="91440" tIns="45720" rIns="91440" bIns="45720" rtlCol="0" anchor="ctr">
-            <a:normAutofit/>
-          </a:bodyPr>
-          <a:lstStyle/>
-          <a:p>
-            <a:pPr>
-              <a:spcAft>
-                <a:spcPts val="600"/>
-              </a:spcAft>
-            </a:pPr>
-            <a:fld id="{23120ADE-45B3-4262-A680-7B402FD9570E}" type="slidenum">
-              <a:rPr lang="en-US" smtClean="0">
-                <a:solidFill>
-                  <a:schemeClr val="tx1">
-                    <a:tint val="75000"/>
-                  </a:schemeClr>
-                </a:solidFill>
-              </a:rPr>
-              <a:pPr>
-                <a:spcAft>
-                  <a:spcPts val="600"/>
-                </a:spcAft>
-              </a:pPr>
-              <a:t>16</a:t>
-            </a:fld>
-            <a:endParaRPr lang="en-US">
-              <a:solidFill>
-                <a:schemeClr val="tx1">
-                  <a:tint val="75000"/>
-                </a:schemeClr>
-              </a:solidFill>
-            </a:endParaRPr>
-          </a:p>
-        </p:txBody>
-      </p:sp>
-    </p:spTree>
-    <p:extLst>
-      <p:ext uri="{BB962C8B-B14F-4D97-AF65-F5344CB8AC3E}">
-        <p14:creationId xmlns:p14="http://schemas.microsoft.com/office/powerpoint/2010/main" val="3230790145"/>
-      </p:ext>
-    </p:extLst>
-  </p:cSld>
-  <p:clrMapOvr>
-    <a:masterClrMapping/>
-  </p:clrMapOvr>
-</p:sld>
-</file>
-
-<file path=ppt/slides/slide17.xml><?xml version="1.0" encoding="utf-8"?>
-<p:sld xmlns:a="http://schemas.openxmlformats.org/drawingml/2006/main" xmlns:r="http://schemas.openxmlformats.org/officeDocument/2006/relationships" xmlns:p="http://schemas.openxmlformats.org/presentationml/2006/main">
-  <p:cSld>
-    <p:bg>
-      <p:bgPr>
-        <a:solidFill>
-          <a:schemeClr val="bg1"/>
-        </a:solidFill>
-        <a:effectLst/>
-      </p:bgPr>
-    </p:bg>
-    <p:spTree>
-      <p:nvGrpSpPr>
-        <p:cNvPr id="1" name=""/>
-        <p:cNvGrpSpPr/>
-        <p:nvPr/>
-      </p:nvGrpSpPr>
-      <p:grpSpPr>
-        <a:xfrm>
-          <a:off x="0" y="0"/>
-          <a:ext cx="0" cy="0"/>
-          <a:chOff x="0" y="0"/>
-          <a:chExt cx="0" cy="0"/>
-        </a:xfrm>
-      </p:grpSpPr>
-      <p:sp useBgFill="1">
-        <p:nvSpPr>
-          <p:cNvPr id="25" name="Rectangle 24">
-            <a:extLst>
-              <a:ext uri="{FF2B5EF4-FFF2-40B4-BE49-F238E27FC236}">
-                <a16:creationId xmlns:a16="http://schemas.microsoft.com/office/drawing/2014/main" id="{3C54F4CE-85F0-46ED-80DA-9518C9251AD1}"/>
-              </a:ext>
-              <a:ext uri="{C183D7F6-B498-43B3-948B-1728B52AA6E4}">
-                <adec:decorative xmlns:adec="http://schemas.microsoft.com/office/drawing/2017/decorative" val="1"/>
-              </a:ext>
-            </a:extLst>
-          </p:cNvPr>
-          <p:cNvSpPr>
-            <a:spLocks noGrp="1" noRot="1" noChangeAspect="1" noMove="1" noResize="1" noEditPoints="1" noAdjustHandles="1" noChangeArrowheads="1" noChangeShapeType="1" noTextEdit="1"/>
-          </p:cNvSpPr>
-          <p:nvPr>
-            <p:custDataLst>
-              <p:tags r:id="rId1"/>
-            </p:custDataLst>
             <p:extLst>
               <p:ext uri="{386F3935-93C4-4BCD-93E2-E3B085C9AB24}">
                 <p16:designElem xmlns:p16="http://schemas.microsoft.com/office/powerpoint/2015/main" val="1"/>
@@ -13702,7 +12389,7 @@
       </p:sp>
       <p:sp>
         <p:nvSpPr>
-          <p:cNvPr id="27" name="Freeform: Shape 26">
+          <p:cNvPr id="1033" name="Freeform: Shape 1032">
             <a:extLst>
               <a:ext uri="{FF2B5EF4-FFF2-40B4-BE49-F238E27FC236}">
                 <a16:creationId xmlns:a16="http://schemas.microsoft.com/office/drawing/2014/main" id="{DADD1FCA-8ACB-4958-81DD-4CDD6D3E1921}"/>
@@ -13716,9 +12403,6 @@
             <a:spLocks noGrp="1" noRot="1" noChangeAspect="1" noMove="1" noResize="1" noEditPoints="1" noAdjustHandles="1" noChangeArrowheads="1" noChangeShapeType="1" noTextEdit="1"/>
           </p:cNvSpPr>
           <p:nvPr>
-            <p:custDataLst>
-              <p:tags r:id="rId2"/>
-            </p:custDataLst>
             <p:extLst>
               <p:ext uri="{386F3935-93C4-4BCD-93E2-E3B085C9AB24}">
                 <p16:designElem xmlns:p16="http://schemas.microsoft.com/office/powerpoint/2015/main" val="1"/>
@@ -16247,7 +14931,7 @@
           <p:nvPr>
             <p:ph type="title"/>
             <p:custDataLst>
-              <p:tags r:id="rId3"/>
+              <p:tags r:id="rId1"/>
             </p:custDataLst>
           </p:nvPr>
         </p:nvSpPr>
@@ -16282,7 +14966,7 @@
                 <a:latin typeface="Times New Roman" panose="02020603050405020304" pitchFamily="18" charset="0"/>
                 <a:cs typeface="Times New Roman" panose="02020603050405020304" pitchFamily="18" charset="0"/>
               </a:rPr>
-              <a:t> UML de classes pour les </a:t>
+              <a:t> UML </a:t>
             </a:r>
             <a:r>
               <a:rPr lang="en-US" kern="1200" dirty="0" err="1">
@@ -16292,7 +14976,7 @@
                 <a:latin typeface="Times New Roman" panose="02020603050405020304" pitchFamily="18" charset="0"/>
                 <a:cs typeface="Times New Roman" panose="02020603050405020304" pitchFamily="18" charset="0"/>
               </a:rPr>
-              <a:t>entités</a:t>
+              <a:t>d’activité</a:t>
             </a:r>
             <a:endParaRPr lang="en-US" kern="1200" dirty="0">
               <a:solidFill>
@@ -16306,10 +14990,1277 @@
       </p:sp>
       <p:pic>
         <p:nvPicPr>
-          <p:cNvPr id="6" name="Image 5" descr="Une image contenant texte, diagramme, motif, origami&#10;&#10;Description générée automatiquement">
+          <p:cNvPr id="1026" name="Picture 2">
             <a:extLst>
               <a:ext uri="{FF2B5EF4-FFF2-40B4-BE49-F238E27FC236}">
-                <a16:creationId xmlns:a16="http://schemas.microsoft.com/office/drawing/2014/main" id="{7DE88849-3BED-5AE4-67C3-024132D51304}"/>
+                <a16:creationId xmlns:a16="http://schemas.microsoft.com/office/drawing/2014/main" id="{360219EF-B1E8-31D1-4A76-3AF3BA1B7963}"/>
+              </a:ext>
+            </a:extLst>
+          </p:cNvPr>
+          <p:cNvPicPr>
+            <a:picLocks noChangeAspect="1" noChangeArrowheads="1"/>
+          </p:cNvPicPr>
+          <p:nvPr/>
+        </p:nvPicPr>
+        <p:blipFill>
+          <a:blip r:embed="rId4">
+            <a:extLst>
+              <a:ext uri="{28A0092B-C50C-407E-A947-70E740481C1C}">
+                <a14:useLocalDpi xmlns:a14="http://schemas.microsoft.com/office/drawing/2010/main" val="0"/>
+              </a:ext>
+            </a:extLst>
+          </a:blip>
+          <a:stretch>
+            <a:fillRect/>
+          </a:stretch>
+        </p:blipFill>
+        <p:spPr bwMode="auto">
+          <a:xfrm>
+            <a:off x="6403886" y="578738"/>
+            <a:ext cx="4692378" cy="5670549"/>
+          </a:xfrm>
+          <a:prstGeom prst="rect">
+            <a:avLst/>
+          </a:prstGeom>
+          <a:noFill/>
+          <a:extLst>
+            <a:ext uri="{909E8E84-426E-40DD-AFC4-6F175D3DCCD1}">
+              <a14:hiddenFill xmlns:a14="http://schemas.microsoft.com/office/drawing/2010/main">
+                <a:solidFill>
+                  <a:srgbClr val="FFFFFF"/>
+                </a:solidFill>
+              </a14:hiddenFill>
+            </a:ext>
+          </a:extLst>
+        </p:spPr>
+      </p:pic>
+      <p:sp>
+        <p:nvSpPr>
+          <p:cNvPr id="5" name="Espace réservé du numéro de diapositive 4">
+            <a:extLst>
+              <a:ext uri="{FF2B5EF4-FFF2-40B4-BE49-F238E27FC236}">
+                <a16:creationId xmlns:a16="http://schemas.microsoft.com/office/drawing/2014/main" id="{ACBB2F2A-A517-48B6-AD57-A1EB87CB5543}"/>
+              </a:ext>
+            </a:extLst>
+          </p:cNvPr>
+          <p:cNvSpPr>
+            <a:spLocks noGrp="1"/>
+          </p:cNvSpPr>
+          <p:nvPr>
+            <p:ph type="sldNum" sz="quarter" idx="12"/>
+            <p:custDataLst>
+              <p:tags r:id="rId2"/>
+            </p:custDataLst>
+          </p:nvPr>
+        </p:nvSpPr>
+        <p:spPr>
+          <a:xfrm>
+            <a:off x="8610600" y="6356350"/>
+            <a:ext cx="2743200" cy="365125"/>
+          </a:xfrm>
+        </p:spPr>
+        <p:txBody>
+          <a:bodyPr vert="horz" lIns="91440" tIns="45720" rIns="91440" bIns="45720" rtlCol="0" anchor="ctr">
+            <a:normAutofit/>
+          </a:bodyPr>
+          <a:lstStyle/>
+          <a:p>
+            <a:pPr>
+              <a:spcAft>
+                <a:spcPts val="600"/>
+              </a:spcAft>
+            </a:pPr>
+            <a:fld id="{23120ADE-45B3-4262-A680-7B402FD9570E}" type="slidenum">
+              <a:rPr lang="en-US" sz="1000">
+                <a:solidFill>
+                  <a:schemeClr val="tx1">
+                    <a:tint val="75000"/>
+                  </a:schemeClr>
+                </a:solidFill>
+              </a:rPr>
+              <a:pPr>
+                <a:spcAft>
+                  <a:spcPts val="600"/>
+                </a:spcAft>
+              </a:pPr>
+              <a:t>16</a:t>
+            </a:fld>
+            <a:endParaRPr lang="en-US" sz="1000">
+              <a:solidFill>
+                <a:schemeClr val="tx1">
+                  <a:tint val="75000"/>
+                </a:schemeClr>
+              </a:solidFill>
+            </a:endParaRPr>
+          </a:p>
+        </p:txBody>
+      </p:sp>
+    </p:spTree>
+    <p:extLst>
+      <p:ext uri="{BB962C8B-B14F-4D97-AF65-F5344CB8AC3E}">
+        <p14:creationId xmlns:p14="http://schemas.microsoft.com/office/powerpoint/2010/main" val="3097055822"/>
+      </p:ext>
+    </p:extLst>
+  </p:cSld>
+  <p:clrMapOvr>
+    <a:masterClrMapping/>
+  </p:clrMapOvr>
+</p:sld>
+</file>
+
+<file path=ppt/slides/slide17.xml><?xml version="1.0" encoding="utf-8"?>
+<p:sld xmlns:a="http://schemas.openxmlformats.org/drawingml/2006/main" xmlns:r="http://schemas.openxmlformats.org/officeDocument/2006/relationships" xmlns:p="http://schemas.openxmlformats.org/presentationml/2006/main">
+  <p:cSld>
+    <p:bg>
+      <p:bgPr>
+        <a:solidFill>
+          <a:schemeClr val="bg1"/>
+        </a:solidFill>
+        <a:effectLst/>
+      </p:bgPr>
+    </p:bg>
+    <p:spTree>
+      <p:nvGrpSpPr>
+        <p:cNvPr id="1" name=""/>
+        <p:cNvGrpSpPr/>
+        <p:nvPr/>
+      </p:nvGrpSpPr>
+      <p:grpSpPr>
+        <a:xfrm>
+          <a:off x="0" y="0"/>
+          <a:ext cx="0" cy="0"/>
+          <a:chOff x="0" y="0"/>
+          <a:chExt cx="0" cy="0"/>
+        </a:xfrm>
+      </p:grpSpPr>
+      <p:sp useBgFill="1">
+        <p:nvSpPr>
+          <p:cNvPr id="25" name="Rectangle 24">
+            <a:extLst>
+              <a:ext uri="{FF2B5EF4-FFF2-40B4-BE49-F238E27FC236}">
+                <a16:creationId xmlns:a16="http://schemas.microsoft.com/office/drawing/2014/main" id="{B7BD7FCF-A254-4A97-A15C-319B67622677}"/>
+              </a:ext>
+              <a:ext uri="{C183D7F6-B498-43B3-948B-1728B52AA6E4}">
+                <adec:decorative xmlns:adec="http://schemas.microsoft.com/office/drawing/2017/decorative" val="1"/>
+              </a:ext>
+            </a:extLst>
+          </p:cNvPr>
+          <p:cNvSpPr>
+            <a:spLocks noGrp="1" noRot="1" noChangeAspect="1" noMove="1" noResize="1" noEditPoints="1" noAdjustHandles="1" noChangeArrowheads="1" noChangeShapeType="1" noTextEdit="1"/>
+          </p:cNvSpPr>
+          <p:nvPr>
+            <p:custDataLst>
+              <p:tags r:id="rId1"/>
+            </p:custDataLst>
+            <p:extLst>
+              <p:ext uri="{386F3935-93C4-4BCD-93E2-E3B085C9AB24}">
+                <p16:designElem xmlns:p16="http://schemas.microsoft.com/office/powerpoint/2015/main" val="1"/>
+              </p:ext>
+            </p:extLst>
+          </p:nvPr>
+        </p:nvSpPr>
+        <p:spPr>
+          <a:xfrm>
+            <a:off x="0" y="0"/>
+            <a:ext cx="12188952" cy="6858000"/>
+          </a:xfrm>
+          <a:prstGeom prst="rect">
+            <a:avLst/>
+          </a:prstGeom>
+          <a:ln>
+            <a:noFill/>
+          </a:ln>
+        </p:spPr>
+        <p:style>
+          <a:lnRef idx="2">
+            <a:schemeClr val="accent1">
+              <a:shade val="50000"/>
+            </a:schemeClr>
+          </a:lnRef>
+          <a:fillRef idx="1">
+            <a:schemeClr val="accent1"/>
+          </a:fillRef>
+          <a:effectRef idx="0">
+            <a:schemeClr val="accent1"/>
+          </a:effectRef>
+          <a:fontRef idx="minor">
+            <a:schemeClr val="lt1"/>
+          </a:fontRef>
+        </p:style>
+        <p:txBody>
+          <a:bodyPr rtlCol="0" anchor="ctr"/>
+          <a:lstStyle/>
+          <a:p>
+            <a:pPr algn="ctr"/>
+            <a:endParaRPr lang="en-US"/>
+          </a:p>
+        </p:txBody>
+      </p:sp>
+      <p:sp>
+        <p:nvSpPr>
+          <p:cNvPr id="27" name="Freeform: Shape 26">
+            <a:extLst>
+              <a:ext uri="{FF2B5EF4-FFF2-40B4-BE49-F238E27FC236}">
+                <a16:creationId xmlns:a16="http://schemas.microsoft.com/office/drawing/2014/main" id="{52FFAF72-6204-4676-9C6F-9A4CC4D91805}"/>
+              </a:ext>
+              <a:ext uri="{C183D7F6-B498-43B3-948B-1728B52AA6E4}">
+                <adec:decorative xmlns:adec="http://schemas.microsoft.com/office/drawing/2017/decorative" val="1"/>
+              </a:ext>
+            </a:extLst>
+          </p:cNvPr>
+          <p:cNvSpPr>
+            <a:spLocks noGrp="1" noRot="1" noChangeAspect="1" noMove="1" noResize="1" noEditPoints="1" noAdjustHandles="1" noChangeArrowheads="1" noChangeShapeType="1" noTextEdit="1"/>
+          </p:cNvSpPr>
+          <p:nvPr>
+            <p:custDataLst>
+              <p:tags r:id="rId2"/>
+            </p:custDataLst>
+            <p:extLst>
+              <p:ext uri="{386F3935-93C4-4BCD-93E2-E3B085C9AB24}">
+                <p16:designElem xmlns:p16="http://schemas.microsoft.com/office/powerpoint/2015/main" val="1"/>
+              </p:ext>
+            </p:extLst>
+          </p:nvPr>
+        </p:nvSpPr>
+        <p:spPr>
+          <a:xfrm flipH="1">
+            <a:off x="0" y="0"/>
+            <a:ext cx="5962785" cy="6858000"/>
+          </a:xfrm>
+          <a:custGeom>
+            <a:avLst/>
+            <a:gdLst>
+              <a:gd name="connsiteX0" fmla="*/ 1044839 w 5962785"/>
+              <a:gd name="connsiteY0" fmla="*/ 0 h 6858000"/>
+              <a:gd name="connsiteX1" fmla="*/ 5962785 w 5962785"/>
+              <a:gd name="connsiteY1" fmla="*/ 0 h 6858000"/>
+              <a:gd name="connsiteX2" fmla="*/ 5962785 w 5962785"/>
+              <a:gd name="connsiteY2" fmla="*/ 6858000 h 6858000"/>
+              <a:gd name="connsiteX3" fmla="*/ 1469886 w 5962785"/>
+              <a:gd name="connsiteY3" fmla="*/ 6858000 h 6858000"/>
+              <a:gd name="connsiteX4" fmla="*/ 1416006 w 5962785"/>
+              <a:gd name="connsiteY4" fmla="*/ 6823984 h 6858000"/>
+              <a:gd name="connsiteX5" fmla="*/ 1232473 w 5962785"/>
+              <a:gd name="connsiteY5" fmla="*/ 6733873 h 6858000"/>
+              <a:gd name="connsiteX6" fmla="*/ 1075471 w 5962785"/>
+              <a:gd name="connsiteY6" fmla="*/ 6503186 h 6858000"/>
+              <a:gd name="connsiteX7" fmla="*/ 1020229 w 5962785"/>
+              <a:gd name="connsiteY7" fmla="*/ 6438306 h 6858000"/>
+              <a:gd name="connsiteX8" fmla="*/ 883579 w 5962785"/>
+              <a:gd name="connsiteY8" fmla="*/ 6351798 h 6858000"/>
+              <a:gd name="connsiteX9" fmla="*/ 645167 w 5962785"/>
+              <a:gd name="connsiteY9" fmla="*/ 6167969 h 6858000"/>
+              <a:gd name="connsiteX10" fmla="*/ 732391 w 5962785"/>
+              <a:gd name="connsiteY10" fmla="*/ 6124716 h 6858000"/>
+              <a:gd name="connsiteX11" fmla="*/ 985339 w 5962785"/>
+              <a:gd name="connsiteY11" fmla="*/ 6236455 h 6858000"/>
+              <a:gd name="connsiteX12" fmla="*/ 1168509 w 5962785"/>
+              <a:gd name="connsiteY12" fmla="*/ 6265291 h 6858000"/>
+              <a:gd name="connsiteX13" fmla="*/ 909746 w 5962785"/>
+              <a:gd name="connsiteY13" fmla="*/ 6070649 h 6858000"/>
+              <a:gd name="connsiteX14" fmla="*/ 659704 w 5962785"/>
+              <a:gd name="connsiteY14" fmla="*/ 5818335 h 6858000"/>
+              <a:gd name="connsiteX15" fmla="*/ 851597 w 5962785"/>
+              <a:gd name="connsiteY15" fmla="*/ 5865193 h 6858000"/>
+              <a:gd name="connsiteX16" fmla="*/ 860319 w 5962785"/>
+              <a:gd name="connsiteY16" fmla="*/ 5832753 h 6858000"/>
+              <a:gd name="connsiteX17" fmla="*/ 691686 w 5962785"/>
+              <a:gd name="connsiteY17" fmla="*/ 5533581 h 6858000"/>
+              <a:gd name="connsiteX18" fmla="*/ 610278 w 5962785"/>
+              <a:gd name="connsiteY18" fmla="*/ 5411029 h 6858000"/>
+              <a:gd name="connsiteX19" fmla="*/ 238123 w 5962785"/>
+              <a:gd name="connsiteY19" fmla="*/ 5046976 h 6858000"/>
+              <a:gd name="connsiteX20" fmla="*/ 592833 w 5962785"/>
+              <a:gd name="connsiteY20" fmla="*/ 5209177 h 6858000"/>
+              <a:gd name="connsiteX21" fmla="*/ 226494 w 5962785"/>
+              <a:gd name="connsiteY21" fmla="*/ 4855939 h 6858000"/>
+              <a:gd name="connsiteX22" fmla="*/ 49139 w 5962785"/>
+              <a:gd name="connsiteY22" fmla="*/ 4726177 h 6858000"/>
+              <a:gd name="connsiteX23" fmla="*/ 5527 w 5962785"/>
+              <a:gd name="connsiteY23" fmla="*/ 4650483 h 6858000"/>
+              <a:gd name="connsiteX24" fmla="*/ 84029 w 5962785"/>
+              <a:gd name="connsiteY24" fmla="*/ 4632460 h 6858000"/>
+              <a:gd name="connsiteX25" fmla="*/ 325347 w 5962785"/>
+              <a:gd name="connsiteY25" fmla="*/ 4661296 h 6858000"/>
+              <a:gd name="connsiteX26" fmla="*/ 25879 w 5962785"/>
+              <a:gd name="connsiteY26" fmla="*/ 4423401 h 6858000"/>
+              <a:gd name="connsiteX27" fmla="*/ 249753 w 5962785"/>
+              <a:gd name="connsiteY27" fmla="*/ 4459446 h 6858000"/>
+              <a:gd name="connsiteX28" fmla="*/ 313718 w 5962785"/>
+              <a:gd name="connsiteY28" fmla="*/ 4365729 h 6858000"/>
+              <a:gd name="connsiteX29" fmla="*/ 418386 w 5962785"/>
+              <a:gd name="connsiteY29" fmla="*/ 4214341 h 6858000"/>
+              <a:gd name="connsiteX30" fmla="*/ 491072 w 5962785"/>
+              <a:gd name="connsiteY30" fmla="*/ 4131438 h 6858000"/>
+              <a:gd name="connsiteX31" fmla="*/ 520147 w 5962785"/>
+              <a:gd name="connsiteY31" fmla="*/ 3864706 h 6858000"/>
+              <a:gd name="connsiteX32" fmla="*/ 459090 w 5962785"/>
+              <a:gd name="connsiteY32" fmla="*/ 3572743 h 6858000"/>
+              <a:gd name="connsiteX33" fmla="*/ 290458 w 5962785"/>
+              <a:gd name="connsiteY33" fmla="*/ 3424959 h 6858000"/>
+              <a:gd name="connsiteX34" fmla="*/ 339884 w 5962785"/>
+              <a:gd name="connsiteY34" fmla="*/ 3259153 h 6858000"/>
+              <a:gd name="connsiteX35" fmla="*/ 697501 w 5962785"/>
+              <a:gd name="connsiteY35" fmla="*/ 3360078 h 6858000"/>
+              <a:gd name="connsiteX36" fmla="*/ 165437 w 5962785"/>
+              <a:gd name="connsiteY36" fmla="*/ 2967190 h 6858000"/>
+              <a:gd name="connsiteX37" fmla="*/ 255568 w 5962785"/>
+              <a:gd name="connsiteY37" fmla="*/ 2949167 h 6858000"/>
+              <a:gd name="connsiteX38" fmla="*/ 578296 w 5962785"/>
+              <a:gd name="connsiteY38" fmla="*/ 2725691 h 6858000"/>
+              <a:gd name="connsiteX39" fmla="*/ 595740 w 5962785"/>
+              <a:gd name="connsiteY39" fmla="*/ 2714876 h 6858000"/>
+              <a:gd name="connsiteX40" fmla="*/ 650982 w 5962785"/>
+              <a:gd name="connsiteY40" fmla="*/ 2574301 h 6858000"/>
+              <a:gd name="connsiteX41" fmla="*/ 825429 w 5962785"/>
+              <a:gd name="connsiteY41" fmla="*/ 2552674 h 6858000"/>
+              <a:gd name="connsiteX42" fmla="*/ 970802 w 5962785"/>
+              <a:gd name="connsiteY42" fmla="*/ 2585115 h 6858000"/>
+              <a:gd name="connsiteX43" fmla="*/ 1127805 w 5962785"/>
+              <a:gd name="connsiteY43" fmla="*/ 2545465 h 6858000"/>
+              <a:gd name="connsiteX44" fmla="*/ 1267362 w 5962785"/>
+              <a:gd name="connsiteY44" fmla="*/ 2563488 h 6858000"/>
+              <a:gd name="connsiteX45" fmla="*/ 1386568 w 5962785"/>
+              <a:gd name="connsiteY45" fmla="*/ 2538257 h 6858000"/>
+              <a:gd name="connsiteX46" fmla="*/ 1270270 w 5962785"/>
+              <a:gd name="connsiteY46" fmla="*/ 2419309 h 6858000"/>
+              <a:gd name="connsiteX47" fmla="*/ 1107453 w 5962785"/>
+              <a:gd name="connsiteY47" fmla="*/ 2419309 h 6858000"/>
+              <a:gd name="connsiteX48" fmla="*/ 991154 w 5962785"/>
+              <a:gd name="connsiteY48" fmla="*/ 2343615 h 6858000"/>
+              <a:gd name="connsiteX49" fmla="*/ 880671 w 5962785"/>
+              <a:gd name="connsiteY49" fmla="*/ 2206645 h 6858000"/>
+              <a:gd name="connsiteX50" fmla="*/ 491072 w 5962785"/>
+              <a:gd name="connsiteY50" fmla="*/ 1986771 h 6858000"/>
+              <a:gd name="connsiteX51" fmla="*/ 421293 w 5962785"/>
+              <a:gd name="connsiteY51" fmla="*/ 1903868 h 6858000"/>
+              <a:gd name="connsiteX52" fmla="*/ 1531941 w 5962785"/>
+              <a:gd name="connsiteY52" fmla="*/ 2224667 h 6858000"/>
+              <a:gd name="connsiteX53" fmla="*/ 1188861 w 5962785"/>
+              <a:gd name="connsiteY53" fmla="*/ 2091301 h 6858000"/>
+              <a:gd name="connsiteX54" fmla="*/ 1421458 w 5962785"/>
+              <a:gd name="connsiteY54" fmla="*/ 2116532 h 6858000"/>
+              <a:gd name="connsiteX55" fmla="*/ 1549386 w 5962785"/>
+              <a:gd name="connsiteY55" fmla="*/ 2026420 h 6858000"/>
+              <a:gd name="connsiteX56" fmla="*/ 1549386 w 5962785"/>
+              <a:gd name="connsiteY56" fmla="*/ 1997584 h 6858000"/>
+              <a:gd name="connsiteX57" fmla="*/ 1453440 w 5962785"/>
+              <a:gd name="connsiteY57" fmla="*/ 1914682 h 6858000"/>
+              <a:gd name="connsiteX58" fmla="*/ 1398198 w 5962785"/>
+              <a:gd name="connsiteY58" fmla="*/ 1860614 h 6858000"/>
+              <a:gd name="connsiteX59" fmla="*/ 1247011 w 5962785"/>
+              <a:gd name="connsiteY59" fmla="*/ 1665972 h 6858000"/>
+              <a:gd name="connsiteX60" fmla="*/ 1354586 w 5962785"/>
+              <a:gd name="connsiteY60" fmla="*/ 1644345 h 6858000"/>
+              <a:gd name="connsiteX61" fmla="*/ 1395290 w 5962785"/>
+              <a:gd name="connsiteY61" fmla="*/ 1604696 h 6858000"/>
+              <a:gd name="connsiteX62" fmla="*/ 1366216 w 5962785"/>
+              <a:gd name="connsiteY62" fmla="*/ 1547025 h 6858000"/>
+              <a:gd name="connsiteX63" fmla="*/ 1031858 w 5962785"/>
+              <a:gd name="connsiteY63" fmla="*/ 1370405 h 6858000"/>
+              <a:gd name="connsiteX64" fmla="*/ 1005692 w 5962785"/>
+              <a:gd name="connsiteY64" fmla="*/ 1233435 h 6858000"/>
+              <a:gd name="connsiteX65" fmla="*/ 1069655 w 5962785"/>
+              <a:gd name="connsiteY65" fmla="*/ 1211808 h 6858000"/>
+              <a:gd name="connsiteX66" fmla="*/ 1142342 w 5962785"/>
+              <a:gd name="connsiteY66" fmla="*/ 1222621 h 6858000"/>
+              <a:gd name="connsiteX67" fmla="*/ 1084193 w 5962785"/>
+              <a:gd name="connsiteY67" fmla="*/ 1114487 h 6858000"/>
+              <a:gd name="connsiteX68" fmla="*/ 848689 w 5962785"/>
+              <a:gd name="connsiteY68" fmla="*/ 1006353 h 6858000"/>
+              <a:gd name="connsiteX69" fmla="*/ 805077 w 5962785"/>
+              <a:gd name="connsiteY69" fmla="*/ 948681 h 6858000"/>
+              <a:gd name="connsiteX70" fmla="*/ 863226 w 5962785"/>
+              <a:gd name="connsiteY70" fmla="*/ 919844 h 6858000"/>
+              <a:gd name="connsiteX71" fmla="*/ 906838 w 5962785"/>
+              <a:gd name="connsiteY71" fmla="*/ 909031 h 6858000"/>
+              <a:gd name="connsiteX72" fmla="*/ 5527 w 5962785"/>
+              <a:gd name="connsiteY72" fmla="*/ 458471 h 6858000"/>
+              <a:gd name="connsiteX73" fmla="*/ 209049 w 5962785"/>
+              <a:gd name="connsiteY73" fmla="*/ 454867 h 6858000"/>
+              <a:gd name="connsiteX74" fmla="*/ 409664 w 5962785"/>
+              <a:gd name="connsiteY74" fmla="*/ 526956 h 6858000"/>
+              <a:gd name="connsiteX75" fmla="*/ 621908 w 5962785"/>
+              <a:gd name="connsiteY75" fmla="*/ 516143 h 6858000"/>
+              <a:gd name="connsiteX76" fmla="*/ 822522 w 5962785"/>
+              <a:gd name="connsiteY76" fmla="*/ 552188 h 6858000"/>
+              <a:gd name="connsiteX77" fmla="*/ 996969 w 5962785"/>
+              <a:gd name="connsiteY77" fmla="*/ 552188 h 6858000"/>
+              <a:gd name="connsiteX78" fmla="*/ 834151 w 5962785"/>
+              <a:gd name="connsiteY78" fmla="*/ 498120 h 6858000"/>
+              <a:gd name="connsiteX79" fmla="*/ 773095 w 5962785"/>
+              <a:gd name="connsiteY79" fmla="*/ 408008 h 6858000"/>
+              <a:gd name="connsiteX80" fmla="*/ 793447 w 5962785"/>
+              <a:gd name="connsiteY80" fmla="*/ 325106 h 6858000"/>
+              <a:gd name="connsiteX81" fmla="*/ 860319 w 5962785"/>
+              <a:gd name="connsiteY81" fmla="*/ 350336 h 6858000"/>
+              <a:gd name="connsiteX82" fmla="*/ 938820 w 5962785"/>
+              <a:gd name="connsiteY82" fmla="*/ 444054 h 6858000"/>
+              <a:gd name="connsiteX83" fmla="*/ 956265 w 5962785"/>
+              <a:gd name="connsiteY83" fmla="*/ 386381 h 6858000"/>
+              <a:gd name="connsiteX84" fmla="*/ 1002784 w 5962785"/>
+              <a:gd name="connsiteY84" fmla="*/ 343127 h 6858000"/>
+              <a:gd name="connsiteX85" fmla="*/ 1270270 w 5962785"/>
+              <a:gd name="connsiteY85" fmla="*/ 364755 h 6858000"/>
+              <a:gd name="connsiteX86" fmla="*/ 1092915 w 5962785"/>
+              <a:gd name="connsiteY86" fmla="*/ 180926 h 6858000"/>
+              <a:gd name="connsiteX87" fmla="*/ 979525 w 5962785"/>
+              <a:gd name="connsiteY87" fmla="*/ 152090 h 6858000"/>
+              <a:gd name="connsiteX88" fmla="*/ 953358 w 5962785"/>
+              <a:gd name="connsiteY88" fmla="*/ 76396 h 6858000"/>
+              <a:gd name="connsiteX89" fmla="*/ 1005692 w 5962785"/>
+              <a:gd name="connsiteY89" fmla="*/ 58373 h 6858000"/>
+              <a:gd name="connsiteX90" fmla="*/ 1267362 w 5962785"/>
+              <a:gd name="connsiteY90" fmla="*/ 123254 h 6858000"/>
+              <a:gd name="connsiteX91" fmla="*/ 1310975 w 5962785"/>
+              <a:gd name="connsiteY91" fmla="*/ 98023 h 6858000"/>
+              <a:gd name="connsiteX92" fmla="*/ 1159787 w 5962785"/>
+              <a:gd name="connsiteY92" fmla="*/ 43505 h 6858000"/>
+            </a:gdLst>
+            <a:ahLst/>
+            <a:cxnLst>
+              <a:cxn ang="0">
+                <a:pos x="connsiteX0" y="connsiteY0"/>
+              </a:cxn>
+              <a:cxn ang="0">
+                <a:pos x="connsiteX1" y="connsiteY1"/>
+              </a:cxn>
+              <a:cxn ang="0">
+                <a:pos x="connsiteX2" y="connsiteY2"/>
+              </a:cxn>
+              <a:cxn ang="0">
+                <a:pos x="connsiteX3" y="connsiteY3"/>
+              </a:cxn>
+              <a:cxn ang="0">
+                <a:pos x="connsiteX4" y="connsiteY4"/>
+              </a:cxn>
+              <a:cxn ang="0">
+                <a:pos x="connsiteX5" y="connsiteY5"/>
+              </a:cxn>
+              <a:cxn ang="0">
+                <a:pos x="connsiteX6" y="connsiteY6"/>
+              </a:cxn>
+              <a:cxn ang="0">
+                <a:pos x="connsiteX7" y="connsiteY7"/>
+              </a:cxn>
+              <a:cxn ang="0">
+                <a:pos x="connsiteX8" y="connsiteY8"/>
+              </a:cxn>
+              <a:cxn ang="0">
+                <a:pos x="connsiteX9" y="connsiteY9"/>
+              </a:cxn>
+              <a:cxn ang="0">
+                <a:pos x="connsiteX10" y="connsiteY10"/>
+              </a:cxn>
+              <a:cxn ang="0">
+                <a:pos x="connsiteX11" y="connsiteY11"/>
+              </a:cxn>
+              <a:cxn ang="0">
+                <a:pos x="connsiteX12" y="connsiteY12"/>
+              </a:cxn>
+              <a:cxn ang="0">
+                <a:pos x="connsiteX13" y="connsiteY13"/>
+              </a:cxn>
+              <a:cxn ang="0">
+                <a:pos x="connsiteX14" y="connsiteY14"/>
+              </a:cxn>
+              <a:cxn ang="0">
+                <a:pos x="connsiteX15" y="connsiteY15"/>
+              </a:cxn>
+              <a:cxn ang="0">
+                <a:pos x="connsiteX16" y="connsiteY16"/>
+              </a:cxn>
+              <a:cxn ang="0">
+                <a:pos x="connsiteX17" y="connsiteY17"/>
+              </a:cxn>
+              <a:cxn ang="0">
+                <a:pos x="connsiteX18" y="connsiteY18"/>
+              </a:cxn>
+              <a:cxn ang="0">
+                <a:pos x="connsiteX19" y="connsiteY19"/>
+              </a:cxn>
+              <a:cxn ang="0">
+                <a:pos x="connsiteX20" y="connsiteY20"/>
+              </a:cxn>
+              <a:cxn ang="0">
+                <a:pos x="connsiteX21" y="connsiteY21"/>
+              </a:cxn>
+              <a:cxn ang="0">
+                <a:pos x="connsiteX22" y="connsiteY22"/>
+              </a:cxn>
+              <a:cxn ang="0">
+                <a:pos x="connsiteX23" y="connsiteY23"/>
+              </a:cxn>
+              <a:cxn ang="0">
+                <a:pos x="connsiteX24" y="connsiteY24"/>
+              </a:cxn>
+              <a:cxn ang="0">
+                <a:pos x="connsiteX25" y="connsiteY25"/>
+              </a:cxn>
+              <a:cxn ang="0">
+                <a:pos x="connsiteX26" y="connsiteY26"/>
+              </a:cxn>
+              <a:cxn ang="0">
+                <a:pos x="connsiteX27" y="connsiteY27"/>
+              </a:cxn>
+              <a:cxn ang="0">
+                <a:pos x="connsiteX28" y="connsiteY28"/>
+              </a:cxn>
+              <a:cxn ang="0">
+                <a:pos x="connsiteX29" y="connsiteY29"/>
+              </a:cxn>
+              <a:cxn ang="0">
+                <a:pos x="connsiteX30" y="connsiteY30"/>
+              </a:cxn>
+              <a:cxn ang="0">
+                <a:pos x="connsiteX31" y="connsiteY31"/>
+              </a:cxn>
+              <a:cxn ang="0">
+                <a:pos x="connsiteX32" y="connsiteY32"/>
+              </a:cxn>
+              <a:cxn ang="0">
+                <a:pos x="connsiteX33" y="connsiteY33"/>
+              </a:cxn>
+              <a:cxn ang="0">
+                <a:pos x="connsiteX34" y="connsiteY34"/>
+              </a:cxn>
+              <a:cxn ang="0">
+                <a:pos x="connsiteX35" y="connsiteY35"/>
+              </a:cxn>
+              <a:cxn ang="0">
+                <a:pos x="connsiteX36" y="connsiteY36"/>
+              </a:cxn>
+              <a:cxn ang="0">
+                <a:pos x="connsiteX37" y="connsiteY37"/>
+              </a:cxn>
+              <a:cxn ang="0">
+                <a:pos x="connsiteX38" y="connsiteY38"/>
+              </a:cxn>
+              <a:cxn ang="0">
+                <a:pos x="connsiteX39" y="connsiteY39"/>
+              </a:cxn>
+              <a:cxn ang="0">
+                <a:pos x="connsiteX40" y="connsiteY40"/>
+              </a:cxn>
+              <a:cxn ang="0">
+                <a:pos x="connsiteX41" y="connsiteY41"/>
+              </a:cxn>
+              <a:cxn ang="0">
+                <a:pos x="connsiteX42" y="connsiteY42"/>
+              </a:cxn>
+              <a:cxn ang="0">
+                <a:pos x="connsiteX43" y="connsiteY43"/>
+              </a:cxn>
+              <a:cxn ang="0">
+                <a:pos x="connsiteX44" y="connsiteY44"/>
+              </a:cxn>
+              <a:cxn ang="0">
+                <a:pos x="connsiteX45" y="connsiteY45"/>
+              </a:cxn>
+              <a:cxn ang="0">
+                <a:pos x="connsiteX46" y="connsiteY46"/>
+              </a:cxn>
+              <a:cxn ang="0">
+                <a:pos x="connsiteX47" y="connsiteY47"/>
+              </a:cxn>
+              <a:cxn ang="0">
+                <a:pos x="connsiteX48" y="connsiteY48"/>
+              </a:cxn>
+              <a:cxn ang="0">
+                <a:pos x="connsiteX49" y="connsiteY49"/>
+              </a:cxn>
+              <a:cxn ang="0">
+                <a:pos x="connsiteX50" y="connsiteY50"/>
+              </a:cxn>
+              <a:cxn ang="0">
+                <a:pos x="connsiteX51" y="connsiteY51"/>
+              </a:cxn>
+              <a:cxn ang="0">
+                <a:pos x="connsiteX52" y="connsiteY52"/>
+              </a:cxn>
+              <a:cxn ang="0">
+                <a:pos x="connsiteX53" y="connsiteY53"/>
+              </a:cxn>
+              <a:cxn ang="0">
+                <a:pos x="connsiteX54" y="connsiteY54"/>
+              </a:cxn>
+              <a:cxn ang="0">
+                <a:pos x="connsiteX55" y="connsiteY55"/>
+              </a:cxn>
+              <a:cxn ang="0">
+                <a:pos x="connsiteX56" y="connsiteY56"/>
+              </a:cxn>
+              <a:cxn ang="0">
+                <a:pos x="connsiteX57" y="connsiteY57"/>
+              </a:cxn>
+              <a:cxn ang="0">
+                <a:pos x="connsiteX58" y="connsiteY58"/>
+              </a:cxn>
+              <a:cxn ang="0">
+                <a:pos x="connsiteX59" y="connsiteY59"/>
+              </a:cxn>
+              <a:cxn ang="0">
+                <a:pos x="connsiteX60" y="connsiteY60"/>
+              </a:cxn>
+              <a:cxn ang="0">
+                <a:pos x="connsiteX61" y="connsiteY61"/>
+              </a:cxn>
+              <a:cxn ang="0">
+                <a:pos x="connsiteX62" y="connsiteY62"/>
+              </a:cxn>
+              <a:cxn ang="0">
+                <a:pos x="connsiteX63" y="connsiteY63"/>
+              </a:cxn>
+              <a:cxn ang="0">
+                <a:pos x="connsiteX64" y="connsiteY64"/>
+              </a:cxn>
+              <a:cxn ang="0">
+                <a:pos x="connsiteX65" y="connsiteY65"/>
+              </a:cxn>
+              <a:cxn ang="0">
+                <a:pos x="connsiteX66" y="connsiteY66"/>
+              </a:cxn>
+              <a:cxn ang="0">
+                <a:pos x="connsiteX67" y="connsiteY67"/>
+              </a:cxn>
+              <a:cxn ang="0">
+                <a:pos x="connsiteX68" y="connsiteY68"/>
+              </a:cxn>
+              <a:cxn ang="0">
+                <a:pos x="connsiteX69" y="connsiteY69"/>
+              </a:cxn>
+              <a:cxn ang="0">
+                <a:pos x="connsiteX70" y="connsiteY70"/>
+              </a:cxn>
+              <a:cxn ang="0">
+                <a:pos x="connsiteX71" y="connsiteY71"/>
+              </a:cxn>
+              <a:cxn ang="0">
+                <a:pos x="connsiteX72" y="connsiteY72"/>
+              </a:cxn>
+              <a:cxn ang="0">
+                <a:pos x="connsiteX73" y="connsiteY73"/>
+              </a:cxn>
+              <a:cxn ang="0">
+                <a:pos x="connsiteX74" y="connsiteY74"/>
+              </a:cxn>
+              <a:cxn ang="0">
+                <a:pos x="connsiteX75" y="connsiteY75"/>
+              </a:cxn>
+              <a:cxn ang="0">
+                <a:pos x="connsiteX76" y="connsiteY76"/>
+              </a:cxn>
+              <a:cxn ang="0">
+                <a:pos x="connsiteX77" y="connsiteY77"/>
+              </a:cxn>
+              <a:cxn ang="0">
+                <a:pos x="connsiteX78" y="connsiteY78"/>
+              </a:cxn>
+              <a:cxn ang="0">
+                <a:pos x="connsiteX79" y="connsiteY79"/>
+              </a:cxn>
+              <a:cxn ang="0">
+                <a:pos x="connsiteX80" y="connsiteY80"/>
+              </a:cxn>
+              <a:cxn ang="0">
+                <a:pos x="connsiteX81" y="connsiteY81"/>
+              </a:cxn>
+              <a:cxn ang="0">
+                <a:pos x="connsiteX82" y="connsiteY82"/>
+              </a:cxn>
+              <a:cxn ang="0">
+                <a:pos x="connsiteX83" y="connsiteY83"/>
+              </a:cxn>
+              <a:cxn ang="0">
+                <a:pos x="connsiteX84" y="connsiteY84"/>
+              </a:cxn>
+              <a:cxn ang="0">
+                <a:pos x="connsiteX85" y="connsiteY85"/>
+              </a:cxn>
+              <a:cxn ang="0">
+                <a:pos x="connsiteX86" y="connsiteY86"/>
+              </a:cxn>
+              <a:cxn ang="0">
+                <a:pos x="connsiteX87" y="connsiteY87"/>
+              </a:cxn>
+              <a:cxn ang="0">
+                <a:pos x="connsiteX88" y="connsiteY88"/>
+              </a:cxn>
+              <a:cxn ang="0">
+                <a:pos x="connsiteX89" y="connsiteY89"/>
+              </a:cxn>
+              <a:cxn ang="0">
+                <a:pos x="connsiteX90" y="connsiteY90"/>
+              </a:cxn>
+              <a:cxn ang="0">
+                <a:pos x="connsiteX91" y="connsiteY91"/>
+              </a:cxn>
+              <a:cxn ang="0">
+                <a:pos x="connsiteX92" y="connsiteY92"/>
+              </a:cxn>
+            </a:cxnLst>
+            <a:rect l="l" t="t" r="r" b="b"/>
+            <a:pathLst>
+              <a:path w="5962785" h="6858000">
+                <a:moveTo>
+                  <a:pt x="1044839" y="0"/>
+                </a:moveTo>
+                <a:lnTo>
+                  <a:pt x="5962785" y="0"/>
+                </a:lnTo>
+                <a:lnTo>
+                  <a:pt x="5962785" y="6858000"/>
+                </a:lnTo>
+                <a:lnTo>
+                  <a:pt x="1469886" y="6858000"/>
+                </a:lnTo>
+                <a:lnTo>
+                  <a:pt x="1416006" y="6823984"/>
+                </a:lnTo>
+                <a:cubicBezTo>
+                  <a:pt x="1356767" y="6787940"/>
+                  <a:pt x="1296437" y="6755500"/>
+                  <a:pt x="1232473" y="6733873"/>
+                </a:cubicBezTo>
+                <a:cubicBezTo>
+                  <a:pt x="1145250" y="6705037"/>
+                  <a:pt x="1060933" y="6654575"/>
+                  <a:pt x="1075471" y="6503186"/>
+                </a:cubicBezTo>
+                <a:cubicBezTo>
+                  <a:pt x="1078378" y="6459932"/>
+                  <a:pt x="1055118" y="6427493"/>
+                  <a:pt x="1020229" y="6438306"/>
+                </a:cubicBezTo>
+                <a:cubicBezTo>
+                  <a:pt x="953358" y="6459932"/>
+                  <a:pt x="921375" y="6398656"/>
+                  <a:pt x="883579" y="6351798"/>
+                </a:cubicBezTo>
+                <a:cubicBezTo>
+                  <a:pt x="816707" y="6268895"/>
+                  <a:pt x="752743" y="6182387"/>
+                  <a:pt x="645167" y="6167969"/>
+                </a:cubicBezTo>
+                <a:cubicBezTo>
+                  <a:pt x="665519" y="6103088"/>
+                  <a:pt x="700408" y="6110298"/>
+                  <a:pt x="732391" y="6124716"/>
+                </a:cubicBezTo>
+                <a:cubicBezTo>
+                  <a:pt x="816707" y="6160761"/>
+                  <a:pt x="901023" y="6200410"/>
+                  <a:pt x="985339" y="6236455"/>
+                </a:cubicBezTo>
+                <a:cubicBezTo>
+                  <a:pt x="1040581" y="6258081"/>
+                  <a:pt x="1095822" y="6290522"/>
+                  <a:pt x="1168509" y="6265291"/>
+                </a:cubicBezTo>
+                <a:cubicBezTo>
+                  <a:pt x="1104545" y="6135530"/>
+                  <a:pt x="996969" y="6110298"/>
+                  <a:pt x="909746" y="6070649"/>
+                </a:cubicBezTo>
+                <a:cubicBezTo>
+                  <a:pt x="802169" y="6020185"/>
+                  <a:pt x="738206" y="5926470"/>
+                  <a:pt x="659704" y="5818335"/>
+                </a:cubicBezTo>
+                <a:cubicBezTo>
+                  <a:pt x="738206" y="5789500"/>
+                  <a:pt x="787632" y="5868798"/>
+                  <a:pt x="851597" y="5865193"/>
+                </a:cubicBezTo>
+                <a:cubicBezTo>
+                  <a:pt x="854504" y="5854380"/>
+                  <a:pt x="860319" y="5832753"/>
+                  <a:pt x="860319" y="5832753"/>
+                </a:cubicBezTo>
+                <a:cubicBezTo>
+                  <a:pt x="755650" y="5775081"/>
+                  <a:pt x="709132" y="5666947"/>
+                  <a:pt x="691686" y="5533581"/>
+                </a:cubicBezTo>
+                <a:cubicBezTo>
+                  <a:pt x="685872" y="5465095"/>
+                  <a:pt x="648075" y="5443468"/>
+                  <a:pt x="610278" y="5411029"/>
+                </a:cubicBezTo>
+                <a:cubicBezTo>
+                  <a:pt x="482350" y="5299289"/>
+                  <a:pt x="345700" y="5198364"/>
+                  <a:pt x="238123" y="5046976"/>
+                </a:cubicBezTo>
+                <a:cubicBezTo>
+                  <a:pt x="363144" y="5064998"/>
+                  <a:pt x="461997" y="5165924"/>
+                  <a:pt x="592833" y="5209177"/>
+                </a:cubicBezTo>
+                <a:cubicBezTo>
+                  <a:pt x="488165" y="5043371"/>
+                  <a:pt x="351514" y="4956864"/>
+                  <a:pt x="226494" y="4855939"/>
+                </a:cubicBezTo>
+                <a:cubicBezTo>
+                  <a:pt x="168344" y="4809081"/>
+                  <a:pt x="116011" y="4751408"/>
+                  <a:pt x="49139" y="4726177"/>
+                </a:cubicBezTo>
+                <a:cubicBezTo>
+                  <a:pt x="25879" y="4718968"/>
+                  <a:pt x="-14825" y="4700947"/>
+                  <a:pt x="5527" y="4650483"/>
+                </a:cubicBezTo>
+                <a:cubicBezTo>
+                  <a:pt x="22972" y="4607230"/>
+                  <a:pt x="54954" y="4621648"/>
+                  <a:pt x="84029" y="4632460"/>
+                </a:cubicBezTo>
+                <a:cubicBezTo>
+                  <a:pt x="153807" y="4661296"/>
+                  <a:pt x="229401" y="4661296"/>
+                  <a:pt x="325347" y="4661296"/>
+                </a:cubicBezTo>
+                <a:cubicBezTo>
+                  <a:pt x="243939" y="4524326"/>
+                  <a:pt x="95658" y="4567580"/>
+                  <a:pt x="25879" y="4423401"/>
+                </a:cubicBezTo>
+                <a:cubicBezTo>
+                  <a:pt x="113103" y="4398170"/>
+                  <a:pt x="179975" y="4448632"/>
+                  <a:pt x="249753" y="4459446"/>
+                </a:cubicBezTo>
+                <a:cubicBezTo>
+                  <a:pt x="313718" y="4470259"/>
+                  <a:pt x="328254" y="4445028"/>
+                  <a:pt x="313718" y="4365729"/>
+                </a:cubicBezTo>
+                <a:cubicBezTo>
+                  <a:pt x="290458" y="4243177"/>
+                  <a:pt x="325347" y="4181900"/>
+                  <a:pt x="418386" y="4214341"/>
+                </a:cubicBezTo>
+                <a:cubicBezTo>
+                  <a:pt x="505609" y="4246781"/>
+                  <a:pt x="514332" y="4199922"/>
+                  <a:pt x="491072" y="4131438"/>
+                </a:cubicBezTo>
+                <a:cubicBezTo>
+                  <a:pt x="456183" y="4030512"/>
+                  <a:pt x="493979" y="3951214"/>
+                  <a:pt x="520147" y="3864706"/>
+                </a:cubicBezTo>
+                <a:cubicBezTo>
+                  <a:pt x="560851" y="3734945"/>
+                  <a:pt x="543407" y="3670064"/>
+                  <a:pt x="459090" y="3572743"/>
+                </a:cubicBezTo>
+                <a:cubicBezTo>
+                  <a:pt x="409664" y="3518676"/>
+                  <a:pt x="360236" y="3471818"/>
+                  <a:pt x="290458" y="3424959"/>
+                </a:cubicBezTo>
+                <a:cubicBezTo>
+                  <a:pt x="450368" y="3399728"/>
+                  <a:pt x="284643" y="3313221"/>
+                  <a:pt x="339884" y="3259153"/>
+                </a:cubicBezTo>
+                <a:cubicBezTo>
+                  <a:pt x="453275" y="3237527"/>
+                  <a:pt x="543407" y="3410542"/>
+                  <a:pt x="697501" y="3360078"/>
+                </a:cubicBezTo>
+                <a:cubicBezTo>
+                  <a:pt x="511425" y="3212294"/>
+                  <a:pt x="302087" y="3165436"/>
+                  <a:pt x="165437" y="2967190"/>
+                </a:cubicBezTo>
+                <a:cubicBezTo>
+                  <a:pt x="197419" y="2923937"/>
+                  <a:pt x="229401" y="2967190"/>
+                  <a:pt x="255568" y="2949167"/>
+                </a:cubicBezTo>
+                <a:cubicBezTo>
+                  <a:pt x="255568" y="2938354"/>
+                  <a:pt x="560851" y="3006840"/>
+                  <a:pt x="578296" y="2725691"/>
+                </a:cubicBezTo>
+                <a:cubicBezTo>
+                  <a:pt x="584111" y="2725691"/>
+                  <a:pt x="589926" y="2725691"/>
+                  <a:pt x="595740" y="2714876"/>
+                </a:cubicBezTo>
+                <a:cubicBezTo>
+                  <a:pt x="627722" y="2675228"/>
+                  <a:pt x="598648" y="2581510"/>
+                  <a:pt x="650982" y="2574301"/>
+                </a:cubicBezTo>
+                <a:cubicBezTo>
+                  <a:pt x="709132" y="2567092"/>
+                  <a:pt x="764373" y="2534653"/>
+                  <a:pt x="825429" y="2552674"/>
+                </a:cubicBezTo>
+                <a:cubicBezTo>
+                  <a:pt x="871949" y="2567092"/>
+                  <a:pt x="921375" y="2585115"/>
+                  <a:pt x="970802" y="2585115"/>
+                </a:cubicBezTo>
+                <a:cubicBezTo>
+                  <a:pt x="1023136" y="2585115"/>
+                  <a:pt x="1095822" y="2707668"/>
+                  <a:pt x="1127805" y="2545465"/>
+                </a:cubicBezTo>
+                <a:cubicBezTo>
+                  <a:pt x="1127805" y="2538257"/>
+                  <a:pt x="1217936" y="2556280"/>
+                  <a:pt x="1267362" y="2563488"/>
+                </a:cubicBezTo>
+                <a:cubicBezTo>
+                  <a:pt x="1308067" y="2570698"/>
+                  <a:pt x="1357494" y="2603137"/>
+                  <a:pt x="1386568" y="2538257"/>
+                </a:cubicBezTo>
+                <a:cubicBezTo>
+                  <a:pt x="1401105" y="2498607"/>
+                  <a:pt x="1331326" y="2426518"/>
+                  <a:pt x="1270270" y="2419309"/>
+                </a:cubicBezTo>
+                <a:cubicBezTo>
+                  <a:pt x="1215029" y="2412101"/>
+                  <a:pt x="1159787" y="2404892"/>
+                  <a:pt x="1107453" y="2419309"/>
+                </a:cubicBezTo>
+                <a:cubicBezTo>
+                  <a:pt x="1043489" y="2437331"/>
+                  <a:pt x="1008599" y="2408495"/>
+                  <a:pt x="991154" y="2343615"/>
+                </a:cubicBezTo>
+                <a:cubicBezTo>
+                  <a:pt x="970802" y="2275131"/>
+                  <a:pt x="933005" y="2239085"/>
+                  <a:pt x="880671" y="2206645"/>
+                </a:cubicBezTo>
+                <a:cubicBezTo>
+                  <a:pt x="752743" y="2127346"/>
+                  <a:pt x="630630" y="2033629"/>
+                  <a:pt x="491072" y="1986771"/>
+                </a:cubicBezTo>
+                <a:cubicBezTo>
+                  <a:pt x="464905" y="1979562"/>
+                  <a:pt x="432923" y="1965145"/>
+                  <a:pt x="421293" y="1903868"/>
+                </a:cubicBezTo>
+                <a:cubicBezTo>
+                  <a:pt x="799262" y="1997584"/>
+                  <a:pt x="1142342" y="2239085"/>
+                  <a:pt x="1531941" y="2224667"/>
+                </a:cubicBezTo>
+                <a:cubicBezTo>
+                  <a:pt x="1427272" y="2148974"/>
+                  <a:pt x="1302252" y="2145369"/>
+                  <a:pt x="1188861" y="2091301"/>
+                </a:cubicBezTo>
+                <a:cubicBezTo>
+                  <a:pt x="1270270" y="2051652"/>
+                  <a:pt x="1345864" y="2094906"/>
+                  <a:pt x="1421458" y="2116532"/>
+                </a:cubicBezTo>
+                <a:cubicBezTo>
+                  <a:pt x="1485422" y="2134554"/>
+                  <a:pt x="1543571" y="2138160"/>
+                  <a:pt x="1549386" y="2026420"/>
+                </a:cubicBezTo>
+                <a:cubicBezTo>
+                  <a:pt x="1549386" y="2015607"/>
+                  <a:pt x="1549386" y="2008398"/>
+                  <a:pt x="1549386" y="1997584"/>
+                </a:cubicBezTo>
+                <a:cubicBezTo>
+                  <a:pt x="1526126" y="1950727"/>
+                  <a:pt x="1494144" y="1929099"/>
+                  <a:pt x="1453440" y="1914682"/>
+                </a:cubicBezTo>
+                <a:cubicBezTo>
+                  <a:pt x="1430180" y="1907473"/>
+                  <a:pt x="1398198" y="1893056"/>
+                  <a:pt x="1398198" y="1860614"/>
+                </a:cubicBezTo>
+                <a:cubicBezTo>
+                  <a:pt x="1401105" y="1738063"/>
+                  <a:pt x="1322604" y="1702018"/>
+                  <a:pt x="1247011" y="1665972"/>
+                </a:cubicBezTo>
+                <a:cubicBezTo>
+                  <a:pt x="1287715" y="1604696"/>
+                  <a:pt x="1322604" y="1647950"/>
+                  <a:pt x="1354586" y="1644345"/>
+                </a:cubicBezTo>
+                <a:cubicBezTo>
+                  <a:pt x="1374939" y="1640741"/>
+                  <a:pt x="1395290" y="1637138"/>
+                  <a:pt x="1395290" y="1604696"/>
+                </a:cubicBezTo>
+                <a:cubicBezTo>
+                  <a:pt x="1395290" y="1579465"/>
+                  <a:pt x="1386568" y="1547025"/>
+                  <a:pt x="1366216" y="1547025"/>
+                </a:cubicBezTo>
+                <a:cubicBezTo>
+                  <a:pt x="1238288" y="1543420"/>
+                  <a:pt x="1165601" y="1370405"/>
+                  <a:pt x="1031858" y="1370405"/>
+                </a:cubicBezTo>
+                <a:cubicBezTo>
+                  <a:pt x="950450" y="1370405"/>
+                  <a:pt x="1072563" y="1273083"/>
+                  <a:pt x="1005692" y="1233435"/>
+                </a:cubicBezTo>
+                <a:cubicBezTo>
+                  <a:pt x="991154" y="1222621"/>
+                  <a:pt x="1046396" y="1208203"/>
+                  <a:pt x="1069655" y="1211808"/>
+                </a:cubicBezTo>
+                <a:cubicBezTo>
+                  <a:pt x="1092915" y="1215412"/>
+                  <a:pt x="1113268" y="1240644"/>
+                  <a:pt x="1142342" y="1222621"/>
+                </a:cubicBezTo>
+                <a:cubicBezTo>
+                  <a:pt x="1156879" y="1157741"/>
+                  <a:pt x="1119082" y="1132510"/>
+                  <a:pt x="1084193" y="1114487"/>
+                </a:cubicBezTo>
+                <a:cubicBezTo>
+                  <a:pt x="1008599" y="1071234"/>
+                  <a:pt x="933005" y="1020771"/>
+                  <a:pt x="848689" y="1006353"/>
+                </a:cubicBezTo>
+                <a:cubicBezTo>
+                  <a:pt x="819615" y="1002748"/>
+                  <a:pt x="802169" y="984726"/>
+                  <a:pt x="805077" y="948681"/>
+                </a:cubicBezTo>
+                <a:cubicBezTo>
+                  <a:pt x="810892" y="901822"/>
+                  <a:pt x="839967" y="916240"/>
+                  <a:pt x="863226" y="919844"/>
+                </a:cubicBezTo>
+                <a:cubicBezTo>
+                  <a:pt x="877764" y="923450"/>
+                  <a:pt x="892301" y="934263"/>
+                  <a:pt x="906838" y="909031"/>
+                </a:cubicBezTo>
+                <a:cubicBezTo>
+                  <a:pt x="566666" y="653113"/>
+                  <a:pt x="386404" y="667532"/>
+                  <a:pt x="5527" y="458471"/>
+                </a:cubicBezTo>
+                <a:cubicBezTo>
+                  <a:pt x="89843" y="418822"/>
+                  <a:pt x="150900" y="447658"/>
+                  <a:pt x="209049" y="454867"/>
+                </a:cubicBezTo>
+                <a:cubicBezTo>
+                  <a:pt x="354422" y="472890"/>
+                  <a:pt x="264290" y="505329"/>
+                  <a:pt x="409664" y="526956"/>
+                </a:cubicBezTo>
+                <a:cubicBezTo>
+                  <a:pt x="479443" y="537770"/>
+                  <a:pt x="543407" y="573815"/>
+                  <a:pt x="621908" y="516143"/>
+                </a:cubicBezTo>
+                <a:cubicBezTo>
+                  <a:pt x="674242" y="476494"/>
+                  <a:pt x="758558" y="519747"/>
+                  <a:pt x="822522" y="552188"/>
+                </a:cubicBezTo>
+                <a:cubicBezTo>
+                  <a:pt x="874856" y="581024"/>
+                  <a:pt x="927190" y="588232"/>
+                  <a:pt x="996969" y="552188"/>
+                </a:cubicBezTo>
+                <a:cubicBezTo>
+                  <a:pt x="933005" y="530562"/>
+                  <a:pt x="883579" y="512539"/>
+                  <a:pt x="834151" y="498120"/>
+                </a:cubicBezTo>
+                <a:cubicBezTo>
+                  <a:pt x="793447" y="487307"/>
+                  <a:pt x="770187" y="462076"/>
+                  <a:pt x="773095" y="408008"/>
+                </a:cubicBezTo>
+                <a:cubicBezTo>
+                  <a:pt x="773095" y="379172"/>
+                  <a:pt x="764373" y="339523"/>
+                  <a:pt x="793447" y="325106"/>
+                </a:cubicBezTo>
+                <a:cubicBezTo>
+                  <a:pt x="816707" y="310688"/>
+                  <a:pt x="848689" y="325106"/>
+                  <a:pt x="860319" y="350336"/>
+                </a:cubicBezTo>
+                <a:cubicBezTo>
+                  <a:pt x="874856" y="397195"/>
+                  <a:pt x="889393" y="440449"/>
+                  <a:pt x="938820" y="444054"/>
+                </a:cubicBezTo>
+                <a:cubicBezTo>
+                  <a:pt x="1005692" y="451262"/>
+                  <a:pt x="967894" y="422426"/>
+                  <a:pt x="956265" y="386381"/>
+                </a:cubicBezTo>
+                <a:cubicBezTo>
+                  <a:pt x="944635" y="346733"/>
+                  <a:pt x="979525" y="335919"/>
+                  <a:pt x="1002784" y="343127"/>
+                </a:cubicBezTo>
+                <a:cubicBezTo>
+                  <a:pt x="1090008" y="375569"/>
+                  <a:pt x="1180139" y="317897"/>
+                  <a:pt x="1270270" y="364755"/>
+                </a:cubicBezTo>
+                <a:cubicBezTo>
+                  <a:pt x="1247011" y="249411"/>
+                  <a:pt x="1197583" y="198949"/>
+                  <a:pt x="1092915" y="180926"/>
+                </a:cubicBezTo>
+                <a:cubicBezTo>
+                  <a:pt x="1055118" y="177322"/>
+                  <a:pt x="1014414" y="184530"/>
+                  <a:pt x="979525" y="152090"/>
+                </a:cubicBezTo>
+                <a:cubicBezTo>
+                  <a:pt x="959172" y="134068"/>
+                  <a:pt x="938820" y="112441"/>
+                  <a:pt x="953358" y="76396"/>
+                </a:cubicBezTo>
+                <a:cubicBezTo>
+                  <a:pt x="962080" y="51165"/>
+                  <a:pt x="985339" y="51165"/>
+                  <a:pt x="1005692" y="58373"/>
+                </a:cubicBezTo>
+                <a:cubicBezTo>
+                  <a:pt x="1090008" y="98023"/>
+                  <a:pt x="1180139" y="108837"/>
+                  <a:pt x="1267362" y="123254"/>
+                </a:cubicBezTo>
+                <a:cubicBezTo>
+                  <a:pt x="1281900" y="126859"/>
+                  <a:pt x="1296437" y="134068"/>
+                  <a:pt x="1310975" y="98023"/>
+                </a:cubicBezTo>
+                <a:cubicBezTo>
+                  <a:pt x="1260095" y="81803"/>
+                  <a:pt x="1209941" y="62879"/>
+                  <a:pt x="1159787" y="43505"/>
+                </a:cubicBezTo>
+                <a:close/>
+              </a:path>
+            </a:pathLst>
+          </a:custGeom>
+          <a:solidFill>
+            <a:schemeClr val="bg2">
+              <a:alpha val="50000"/>
+            </a:schemeClr>
+          </a:solidFill>
+          <a:ln w="32707" cap="flat">
+            <a:noFill/>
+            <a:prstDash val="solid"/>
+            <a:miter/>
+          </a:ln>
+        </p:spPr>
+        <p:txBody>
+          <a:bodyPr wrap="square" rtlCol="0" anchor="ctr">
+            <a:noAutofit/>
+          </a:bodyPr>
+          <a:lstStyle/>
+          <a:p>
+            <a:pPr algn="ctr"/>
+            <a:endParaRPr lang="en-US"/>
+          </a:p>
+        </p:txBody>
+      </p:sp>
+      <p:sp>
+        <p:nvSpPr>
+          <p:cNvPr id="19" name="Titre 1">
+            <a:extLst>
+              <a:ext uri="{FF2B5EF4-FFF2-40B4-BE49-F238E27FC236}">
+                <a16:creationId xmlns:a16="http://schemas.microsoft.com/office/drawing/2014/main" id="{6E4BB0B2-6F22-4054-9D36-8913D9A69CB6}"/>
+              </a:ext>
+            </a:extLst>
+          </p:cNvPr>
+          <p:cNvSpPr>
+            <a:spLocks noGrp="1"/>
+          </p:cNvSpPr>
+          <p:nvPr>
+            <p:ph type="title"/>
+            <p:custDataLst>
+              <p:tags r:id="rId3"/>
+            </p:custDataLst>
+          </p:nvPr>
+        </p:nvSpPr>
+        <p:spPr>
+          <a:xfrm>
+            <a:off x="671100" y="2072640"/>
+            <a:ext cx="4620584" cy="2061004"/>
+          </a:xfrm>
+        </p:spPr>
+        <p:txBody>
+          <a:bodyPr vert="horz" lIns="91440" tIns="45720" rIns="91440" bIns="45720" rtlCol="0" anchor="b">
+            <a:normAutofit/>
+          </a:bodyPr>
+          <a:lstStyle/>
+          <a:p>
+            <a:pPr algn="just"/>
+            <a:r>
+              <a:rPr lang="en-US" kern="1200" dirty="0" err="1">
+                <a:solidFill>
+                  <a:schemeClr val="tx1"/>
+                </a:solidFill>
+                <a:latin typeface="Times New Roman" panose="02020603050405020304" pitchFamily="18" charset="0"/>
+                <a:cs typeface="Times New Roman" panose="02020603050405020304" pitchFamily="18" charset="0"/>
+              </a:rPr>
+              <a:t>Diagramme</a:t>
+            </a:r>
+            <a:r>
+              <a:rPr lang="en-US" kern="1200" dirty="0">
+                <a:solidFill>
+                  <a:schemeClr val="tx1"/>
+                </a:solidFill>
+                <a:latin typeface="Times New Roman" panose="02020603050405020304" pitchFamily="18" charset="0"/>
+                <a:cs typeface="Times New Roman" panose="02020603050405020304" pitchFamily="18" charset="0"/>
+              </a:rPr>
+              <a:t> UML </a:t>
+            </a:r>
+            <a:r>
+              <a:rPr lang="en-US" kern="1200" dirty="0" err="1">
+                <a:solidFill>
+                  <a:schemeClr val="tx1"/>
+                </a:solidFill>
+                <a:latin typeface="Times New Roman" panose="02020603050405020304" pitchFamily="18" charset="0"/>
+                <a:cs typeface="Times New Roman" panose="02020603050405020304" pitchFamily="18" charset="0"/>
+              </a:rPr>
+              <a:t>d’activité</a:t>
+            </a:r>
+            <a:endParaRPr lang="en-US" kern="1200" dirty="0">
+              <a:solidFill>
+                <a:schemeClr val="tx1"/>
+              </a:solidFill>
+              <a:latin typeface="Times New Roman" panose="02020603050405020304" pitchFamily="18" charset="0"/>
+              <a:cs typeface="Times New Roman" panose="02020603050405020304" pitchFamily="18" charset="0"/>
+            </a:endParaRPr>
+          </a:p>
+        </p:txBody>
+      </p:sp>
+      <p:pic>
+        <p:nvPicPr>
+          <p:cNvPr id="6" name="Image 5" descr="Une image contenant texte, capture d’écran, reçu, diagramme&#10;&#10;Description générée automatiquement">
+            <a:extLst>
+              <a:ext uri="{FF2B5EF4-FFF2-40B4-BE49-F238E27FC236}">
+                <a16:creationId xmlns:a16="http://schemas.microsoft.com/office/drawing/2014/main" id="{27B7144C-3E5A-CB44-25D7-53E3E28B0FA4}"/>
               </a:ext>
             </a:extLst>
           </p:cNvPr>
@@ -16336,8 +16287,8 @@
         </p:blipFill>
         <p:spPr>
           <a:xfrm>
-            <a:off x="7198836" y="55068"/>
-            <a:ext cx="2999882" cy="6666408"/>
+            <a:off x="6960388" y="643467"/>
+            <a:ext cx="4234009" cy="5571066"/>
           </a:xfrm>
           <a:prstGeom prst="rect">
             <a:avLst/>
@@ -16381,6 +16332,2802 @@
               </a:spcAft>
             </a:pPr>
             <a:fld id="{23120ADE-45B3-4262-A680-7B402FD9570E}" type="slidenum">
+              <a:rPr lang="en-US" smtClean="0">
+                <a:solidFill>
+                  <a:schemeClr val="tx1">
+                    <a:tint val="75000"/>
+                  </a:schemeClr>
+                </a:solidFill>
+              </a:rPr>
+              <a:pPr>
+                <a:spcAft>
+                  <a:spcPts val="600"/>
+                </a:spcAft>
+              </a:pPr>
+              <a:t>17</a:t>
+            </a:fld>
+            <a:endParaRPr lang="en-US">
+              <a:solidFill>
+                <a:schemeClr val="tx1">
+                  <a:tint val="75000"/>
+                </a:schemeClr>
+              </a:solidFill>
+            </a:endParaRPr>
+          </a:p>
+        </p:txBody>
+      </p:sp>
+    </p:spTree>
+    <p:extLst>
+      <p:ext uri="{BB962C8B-B14F-4D97-AF65-F5344CB8AC3E}">
+        <p14:creationId xmlns:p14="http://schemas.microsoft.com/office/powerpoint/2010/main" val="3230790145"/>
+      </p:ext>
+    </p:extLst>
+  </p:cSld>
+  <p:clrMapOvr>
+    <a:masterClrMapping/>
+  </p:clrMapOvr>
+</p:sld>
+</file>
+
+<file path=ppt/slides/slide18.xml><?xml version="1.0" encoding="utf-8"?>
+<p:sld xmlns:a="http://schemas.openxmlformats.org/drawingml/2006/main" xmlns:r="http://schemas.openxmlformats.org/officeDocument/2006/relationships" xmlns:p="http://schemas.openxmlformats.org/presentationml/2006/main">
+  <p:cSld>
+    <p:bg>
+      <p:bgPr>
+        <a:solidFill>
+          <a:schemeClr val="bg1"/>
+        </a:solidFill>
+        <a:effectLst/>
+      </p:bgPr>
+    </p:bg>
+    <p:spTree>
+      <p:nvGrpSpPr>
+        <p:cNvPr id="1" name=""/>
+        <p:cNvGrpSpPr/>
+        <p:nvPr/>
+      </p:nvGrpSpPr>
+      <p:grpSpPr>
+        <a:xfrm>
+          <a:off x="0" y="0"/>
+          <a:ext cx="0" cy="0"/>
+          <a:chOff x="0" y="0"/>
+          <a:chExt cx="0" cy="0"/>
+        </a:xfrm>
+      </p:grpSpPr>
+      <p:sp useBgFill="1">
+        <p:nvSpPr>
+          <p:cNvPr id="3079" name="Rectangle 3078">
+            <a:extLst>
+              <a:ext uri="{FF2B5EF4-FFF2-40B4-BE49-F238E27FC236}">
+                <a16:creationId xmlns:a16="http://schemas.microsoft.com/office/drawing/2014/main" id="{3C54F4CE-85F0-46ED-80DA-9518C9251AD1}"/>
+              </a:ext>
+              <a:ext uri="{C183D7F6-B498-43B3-948B-1728B52AA6E4}">
+                <adec:decorative xmlns:adec="http://schemas.microsoft.com/office/drawing/2017/decorative" val="1"/>
+              </a:ext>
+            </a:extLst>
+          </p:cNvPr>
+          <p:cNvSpPr>
+            <a:spLocks noGrp="1" noRot="1" noChangeAspect="1" noMove="1" noResize="1" noEditPoints="1" noAdjustHandles="1" noChangeArrowheads="1" noChangeShapeType="1" noTextEdit="1"/>
+          </p:cNvSpPr>
+          <p:nvPr>
+            <p:extLst>
+              <p:ext uri="{386F3935-93C4-4BCD-93E2-E3B085C9AB24}">
+                <p16:designElem xmlns:p16="http://schemas.microsoft.com/office/powerpoint/2015/main" val="1"/>
+              </p:ext>
+            </p:extLst>
+          </p:nvPr>
+        </p:nvSpPr>
+        <p:spPr>
+          <a:xfrm>
+            <a:off x="0" y="0"/>
+            <a:ext cx="12192000" cy="6858000"/>
+          </a:xfrm>
+          <a:prstGeom prst="rect">
+            <a:avLst/>
+          </a:prstGeom>
+          <a:ln w="12700" cap="flat" cmpd="sng" algn="ctr">
+            <a:noFill/>
+            <a:prstDash val="solid"/>
+            <a:miter lim="800000"/>
+          </a:ln>
+          <a:effectLst/>
+          <a:extLst>
+            <a:ext uri="{91240B29-F687-4F45-9708-019B960494DF}">
+              <a14:hiddenLine xmlns:a14="http://schemas.microsoft.com/office/drawing/2010/main" w="12700" cap="flat" cmpd="sng" algn="ctr">
+                <a:solidFill>
+                  <a:schemeClr val="accent1">
+                    <a:shade val="50000"/>
+                  </a:schemeClr>
+                </a:solidFill>
+                <a:prstDash val="solid"/>
+                <a:miter lim="800000"/>
+              </a14:hiddenLine>
+            </a:ext>
+          </a:extLst>
+        </p:spPr>
+        <p:style>
+          <a:lnRef idx="2">
+            <a:schemeClr val="accent1">
+              <a:shade val="50000"/>
+            </a:schemeClr>
+          </a:lnRef>
+          <a:fillRef idx="1">
+            <a:schemeClr val="accent1"/>
+          </a:fillRef>
+          <a:effectRef idx="0">
+            <a:schemeClr val="accent1"/>
+          </a:effectRef>
+          <a:fontRef idx="minor">
+            <a:schemeClr val="lt1"/>
+          </a:fontRef>
+        </p:style>
+        <p:txBody>
+          <a:bodyPr rtlCol="0" anchor="ctr"/>
+          <a:lstStyle/>
+          <a:p>
+            <a:pPr algn="ctr"/>
+            <a:endParaRPr lang="en-US"/>
+          </a:p>
+        </p:txBody>
+      </p:sp>
+      <p:sp>
+        <p:nvSpPr>
+          <p:cNvPr id="3081" name="Freeform: Shape 3080">
+            <a:extLst>
+              <a:ext uri="{FF2B5EF4-FFF2-40B4-BE49-F238E27FC236}">
+                <a16:creationId xmlns:a16="http://schemas.microsoft.com/office/drawing/2014/main" id="{DADD1FCA-8ACB-4958-81DD-4CDD6D3E1921}"/>
+              </a:ext>
+              <a:ext uri="{C183D7F6-B498-43B3-948B-1728B52AA6E4}">
+                <adec:decorative xmlns:adec="http://schemas.microsoft.com/office/drawing/2017/decorative" val="1"/>
+              </a:ext>
+            </a:extLst>
+          </p:cNvPr>
+          <p:cNvSpPr>
+            <a:spLocks noGrp="1" noRot="1" noChangeAspect="1" noMove="1" noResize="1" noEditPoints="1" noAdjustHandles="1" noChangeArrowheads="1" noChangeShapeType="1" noTextEdit="1"/>
+          </p:cNvSpPr>
+          <p:nvPr>
+            <p:extLst>
+              <p:ext uri="{386F3935-93C4-4BCD-93E2-E3B085C9AB24}">
+                <p16:designElem xmlns:p16="http://schemas.microsoft.com/office/powerpoint/2015/main" val="1"/>
+              </p:ext>
+            </p:extLst>
+          </p:nvPr>
+        </p:nvSpPr>
+        <p:spPr>
+          <a:xfrm flipH="1">
+            <a:off x="0" y="0"/>
+            <a:ext cx="5802086" cy="6858000"/>
+          </a:xfrm>
+          <a:custGeom>
+            <a:avLst/>
+            <a:gdLst>
+              <a:gd name="connsiteX0" fmla="*/ 5734864 w 5734864"/>
+              <a:gd name="connsiteY0" fmla="*/ 0 h 6858000"/>
+              <a:gd name="connsiteX1" fmla="*/ 771611 w 5734864"/>
+              <a:gd name="connsiteY1" fmla="*/ 0 h 6858000"/>
+              <a:gd name="connsiteX2" fmla="*/ 771679 w 5734864"/>
+              <a:gd name="connsiteY2" fmla="*/ 49108 h 6858000"/>
+              <a:gd name="connsiteX3" fmla="*/ 794248 w 5734864"/>
+              <a:gd name="connsiteY3" fmla="*/ 200968 h 6858000"/>
+              <a:gd name="connsiteX4" fmla="*/ 801749 w 5734864"/>
+              <a:gd name="connsiteY4" fmla="*/ 414071 h 6858000"/>
+              <a:gd name="connsiteX5" fmla="*/ 818548 w 5734864"/>
+              <a:gd name="connsiteY5" fmla="*/ 585467 h 6858000"/>
+              <a:gd name="connsiteX6" fmla="*/ 857476 w 5734864"/>
+              <a:gd name="connsiteY6" fmla="*/ 800623 h 6858000"/>
+              <a:gd name="connsiteX7" fmla="*/ 851083 w 5734864"/>
+              <a:gd name="connsiteY7" fmla="*/ 878903 h 6858000"/>
+              <a:gd name="connsiteX8" fmla="*/ 873564 w 5734864"/>
+              <a:gd name="connsiteY8" fmla="*/ 943826 h 6858000"/>
+              <a:gd name="connsiteX9" fmla="*/ 864705 w 5734864"/>
+              <a:gd name="connsiteY9" fmla="*/ 973328 h 6858000"/>
+              <a:gd name="connsiteX10" fmla="*/ 862869 w 5734864"/>
+              <a:gd name="connsiteY10" fmla="*/ 978457 h 6858000"/>
+              <a:gd name="connsiteX11" fmla="*/ 862233 w 5734864"/>
+              <a:gd name="connsiteY11" fmla="*/ 998041 h 6858000"/>
+              <a:gd name="connsiteX12" fmla="*/ 853665 w 5734864"/>
+              <a:gd name="connsiteY12" fmla="*/ 1004750 h 6858000"/>
+              <a:gd name="connsiteX13" fmla="*/ 846695 w 5734864"/>
+              <a:gd name="connsiteY13" fmla="*/ 1035077 h 6858000"/>
+              <a:gd name="connsiteX14" fmla="*/ 847865 w 5734864"/>
+              <a:gd name="connsiteY14" fmla="*/ 1070795 h 6858000"/>
+              <a:gd name="connsiteX15" fmla="*/ 862786 w 5734864"/>
+              <a:gd name="connsiteY15" fmla="*/ 1238994 h 6858000"/>
+              <a:gd name="connsiteX16" fmla="*/ 859345 w 5734864"/>
+              <a:gd name="connsiteY16" fmla="*/ 1380427 h 6858000"/>
+              <a:gd name="connsiteX17" fmla="*/ 855172 w 5734864"/>
+              <a:gd name="connsiteY17" fmla="*/ 1435262 h 6858000"/>
+              <a:gd name="connsiteX18" fmla="*/ 860494 w 5734864"/>
+              <a:gd name="connsiteY18" fmla="*/ 1453861 h 6858000"/>
+              <a:gd name="connsiteX19" fmla="*/ 853731 w 5734864"/>
+              <a:gd name="connsiteY19" fmla="*/ 1467047 h 6858000"/>
+              <a:gd name="connsiteX20" fmla="*/ 845847 w 5734864"/>
+              <a:gd name="connsiteY20" fmla="*/ 1502307 h 6858000"/>
+              <a:gd name="connsiteX21" fmla="*/ 817613 w 5734864"/>
+              <a:gd name="connsiteY21" fmla="*/ 1565166 h 6858000"/>
+              <a:gd name="connsiteX22" fmla="*/ 804223 w 5734864"/>
+              <a:gd name="connsiteY22" fmla="*/ 1601941 h 6858000"/>
+              <a:gd name="connsiteX23" fmla="*/ 791773 w 5734864"/>
+              <a:gd name="connsiteY23" fmla="*/ 1627005 h 6858000"/>
+              <a:gd name="connsiteX24" fmla="*/ 774645 w 5734864"/>
+              <a:gd name="connsiteY24" fmla="*/ 1699922 h 6858000"/>
+              <a:gd name="connsiteX25" fmla="*/ 752343 w 5734864"/>
+              <a:gd name="connsiteY25" fmla="*/ 1824604 h 6858000"/>
+              <a:gd name="connsiteX26" fmla="*/ 746254 w 5734864"/>
+              <a:gd name="connsiteY26" fmla="*/ 1850222 h 6858000"/>
+              <a:gd name="connsiteX27" fmla="*/ 728600 w 5734864"/>
+              <a:gd name="connsiteY27" fmla="*/ 1869603 h 6858000"/>
+              <a:gd name="connsiteX28" fmla="*/ 724396 w 5734864"/>
+              <a:gd name="connsiteY28" fmla="*/ 1883104 h 6858000"/>
+              <a:gd name="connsiteX29" fmla="*/ 722165 w 5734864"/>
+              <a:gd name="connsiteY29" fmla="*/ 1885924 h 6858000"/>
+              <a:gd name="connsiteX30" fmla="*/ 721338 w 5734864"/>
+              <a:gd name="connsiteY30" fmla="*/ 1887123 h 6858000"/>
+              <a:gd name="connsiteX31" fmla="*/ 714840 w 5734864"/>
+              <a:gd name="connsiteY31" fmla="*/ 1902274 h 6858000"/>
+              <a:gd name="connsiteX32" fmla="*/ 722847 w 5734864"/>
+              <a:gd name="connsiteY32" fmla="*/ 1929891 h 6858000"/>
+              <a:gd name="connsiteX33" fmla="*/ 719647 w 5734864"/>
+              <a:gd name="connsiteY33" fmla="*/ 1936120 h 6858000"/>
+              <a:gd name="connsiteX34" fmla="*/ 714660 w 5734864"/>
+              <a:gd name="connsiteY34" fmla="*/ 1982709 h 6858000"/>
+              <a:gd name="connsiteX35" fmla="*/ 710759 w 5734864"/>
+              <a:gd name="connsiteY35" fmla="*/ 2013010 h 6858000"/>
+              <a:gd name="connsiteX36" fmla="*/ 697927 w 5734864"/>
+              <a:gd name="connsiteY36" fmla="*/ 2069833 h 6858000"/>
+              <a:gd name="connsiteX37" fmla="*/ 693594 w 5734864"/>
+              <a:gd name="connsiteY37" fmla="*/ 2103731 h 6858000"/>
+              <a:gd name="connsiteX38" fmla="*/ 691109 w 5734864"/>
+              <a:gd name="connsiteY38" fmla="*/ 2124027 h 6858000"/>
+              <a:gd name="connsiteX39" fmla="*/ 676593 w 5734864"/>
+              <a:gd name="connsiteY39" fmla="*/ 2176182 h 6858000"/>
+              <a:gd name="connsiteX40" fmla="*/ 633227 w 5734864"/>
+              <a:gd name="connsiteY40" fmla="*/ 2258036 h 6858000"/>
+              <a:gd name="connsiteX41" fmla="*/ 625564 w 5734864"/>
+              <a:gd name="connsiteY41" fmla="*/ 2284567 h 6858000"/>
+              <a:gd name="connsiteX42" fmla="*/ 627074 w 5734864"/>
+              <a:gd name="connsiteY42" fmla="*/ 2289605 h 6858000"/>
+              <a:gd name="connsiteX43" fmla="*/ 614574 w 5734864"/>
+              <a:gd name="connsiteY43" fmla="*/ 2308717 h 6858000"/>
+              <a:gd name="connsiteX44" fmla="*/ 606890 w 5734864"/>
+              <a:gd name="connsiteY44" fmla="*/ 2320662 h 6858000"/>
+              <a:gd name="connsiteX45" fmla="*/ 605558 w 5734864"/>
+              <a:gd name="connsiteY45" fmla="*/ 2327897 h 6858000"/>
+              <a:gd name="connsiteX46" fmla="*/ 602202 w 5734864"/>
+              <a:gd name="connsiteY46" fmla="*/ 2357749 h 6858000"/>
+              <a:gd name="connsiteX47" fmla="*/ 600213 w 5734864"/>
+              <a:gd name="connsiteY47" fmla="*/ 2364905 h 6858000"/>
+              <a:gd name="connsiteX48" fmla="*/ 597160 w 5734864"/>
+              <a:gd name="connsiteY48" fmla="*/ 2388351 h 6858000"/>
+              <a:gd name="connsiteX49" fmla="*/ 597982 w 5734864"/>
+              <a:gd name="connsiteY49" fmla="*/ 2402296 h 6858000"/>
+              <a:gd name="connsiteX50" fmla="*/ 593150 w 5734864"/>
+              <a:gd name="connsiteY50" fmla="*/ 2420015 h 6858000"/>
+              <a:gd name="connsiteX51" fmla="*/ 592833 w 5734864"/>
+              <a:gd name="connsiteY51" fmla="*/ 2422749 h 6858000"/>
+              <a:gd name="connsiteX52" fmla="*/ 594479 w 5734864"/>
+              <a:gd name="connsiteY52" fmla="*/ 2426002 h 6858000"/>
+              <a:gd name="connsiteX53" fmla="*/ 591963 w 5734864"/>
+              <a:gd name="connsiteY53" fmla="*/ 2431950 h 6858000"/>
+              <a:gd name="connsiteX54" fmla="*/ 591544 w 5734864"/>
+              <a:gd name="connsiteY54" fmla="*/ 2433897 h 6858000"/>
+              <a:gd name="connsiteX55" fmla="*/ 589519 w 5734864"/>
+              <a:gd name="connsiteY55" fmla="*/ 2451398 h 6858000"/>
+              <a:gd name="connsiteX56" fmla="*/ 590037 w 5734864"/>
+              <a:gd name="connsiteY56" fmla="*/ 2455536 h 6858000"/>
+              <a:gd name="connsiteX57" fmla="*/ 588179 w 5734864"/>
+              <a:gd name="connsiteY57" fmla="*/ 2462981 h 6858000"/>
+              <a:gd name="connsiteX58" fmla="*/ 583434 w 5734864"/>
+              <a:gd name="connsiteY58" fmla="*/ 2503991 h 6858000"/>
+              <a:gd name="connsiteX59" fmla="*/ 567942 w 5734864"/>
+              <a:gd name="connsiteY59" fmla="*/ 2652936 h 6858000"/>
+              <a:gd name="connsiteX60" fmla="*/ 573869 w 5734864"/>
+              <a:gd name="connsiteY60" fmla="*/ 2670188 h 6858000"/>
+              <a:gd name="connsiteX61" fmla="*/ 575243 w 5734864"/>
+              <a:gd name="connsiteY61" fmla="*/ 2688114 h 6858000"/>
+              <a:gd name="connsiteX62" fmla="*/ 573824 w 5734864"/>
+              <a:gd name="connsiteY62" fmla="*/ 2689856 h 6858000"/>
+              <a:gd name="connsiteX63" fmla="*/ 570699 w 5734864"/>
+              <a:gd name="connsiteY63" fmla="*/ 2709353 h 6858000"/>
+              <a:gd name="connsiteX64" fmla="*/ 573192 w 5734864"/>
+              <a:gd name="connsiteY64" fmla="*/ 2714527 h 6858000"/>
+              <a:gd name="connsiteX65" fmla="*/ 572044 w 5734864"/>
+              <a:gd name="connsiteY65" fmla="*/ 2728187 h 6858000"/>
+              <a:gd name="connsiteX66" fmla="*/ 572465 w 5734864"/>
+              <a:gd name="connsiteY66" fmla="*/ 2755863 h 6858000"/>
+              <a:gd name="connsiteX67" fmla="*/ 570028 w 5734864"/>
+              <a:gd name="connsiteY67" fmla="*/ 2760324 h 6858000"/>
+              <a:gd name="connsiteX68" fmla="*/ 566748 w 5734864"/>
+              <a:gd name="connsiteY68" fmla="*/ 2800948 h 6858000"/>
+              <a:gd name="connsiteX69" fmla="*/ 565509 w 5734864"/>
+              <a:gd name="connsiteY69" fmla="*/ 2801167 h 6858000"/>
+              <a:gd name="connsiteX70" fmla="*/ 559367 w 5734864"/>
+              <a:gd name="connsiteY70" fmla="*/ 2811129 h 6858000"/>
+              <a:gd name="connsiteX71" fmla="*/ 550354 w 5734864"/>
+              <a:gd name="connsiteY71" fmla="*/ 2830949 h 6858000"/>
+              <a:gd name="connsiteX72" fmla="*/ 514795 w 5734864"/>
+              <a:gd name="connsiteY72" fmla="*/ 2872433 h 6858000"/>
+              <a:gd name="connsiteX73" fmla="*/ 509875 w 5734864"/>
+              <a:gd name="connsiteY73" fmla="*/ 2923099 h 6858000"/>
+              <a:gd name="connsiteX74" fmla="*/ 509577 w 5734864"/>
+              <a:gd name="connsiteY74" fmla="*/ 2923197 h 6858000"/>
+              <a:gd name="connsiteX75" fmla="*/ 507597 w 5734864"/>
+              <a:gd name="connsiteY75" fmla="*/ 2931868 h 6858000"/>
+              <a:gd name="connsiteX76" fmla="*/ 507379 w 5734864"/>
+              <a:gd name="connsiteY76" fmla="*/ 2938322 h 6858000"/>
+              <a:gd name="connsiteX77" fmla="*/ 504725 w 5734864"/>
+              <a:gd name="connsiteY77" fmla="*/ 2954519 h 6858000"/>
+              <a:gd name="connsiteX78" fmla="*/ 502018 w 5734864"/>
+              <a:gd name="connsiteY78" fmla="*/ 2959643 h 6858000"/>
+              <a:gd name="connsiteX79" fmla="*/ 498360 w 5734864"/>
+              <a:gd name="connsiteY79" fmla="*/ 2961019 h 6858000"/>
+              <a:gd name="connsiteX80" fmla="*/ 498483 w 5734864"/>
+              <a:gd name="connsiteY80" fmla="*/ 2962590 h 6858000"/>
+              <a:gd name="connsiteX81" fmla="*/ 484403 w 5734864"/>
+              <a:gd name="connsiteY81" fmla="*/ 2990538 h 6858000"/>
+              <a:gd name="connsiteX82" fmla="*/ 463075 w 5734864"/>
+              <a:gd name="connsiteY82" fmla="*/ 3055956 h 6858000"/>
+              <a:gd name="connsiteX83" fmla="*/ 455013 w 5734864"/>
+              <a:gd name="connsiteY83" fmla="*/ 3094482 h 6858000"/>
+              <a:gd name="connsiteX84" fmla="*/ 428391 w 5734864"/>
+              <a:gd name="connsiteY84" fmla="*/ 3198850 h 6858000"/>
+              <a:gd name="connsiteX85" fmla="*/ 401440 w 5734864"/>
+              <a:gd name="connsiteY85" fmla="*/ 3307560 h 6858000"/>
+              <a:gd name="connsiteX86" fmla="*/ 386076 w 5734864"/>
+              <a:gd name="connsiteY86" fmla="*/ 3373943 h 6858000"/>
+              <a:gd name="connsiteX87" fmla="*/ 374726 w 5734864"/>
+              <a:gd name="connsiteY87" fmla="*/ 3381364 h 6858000"/>
+              <a:gd name="connsiteX88" fmla="*/ 369145 w 5734864"/>
+              <a:gd name="connsiteY88" fmla="*/ 3383729 h 6858000"/>
+              <a:gd name="connsiteX89" fmla="*/ 364294 w 5734864"/>
+              <a:gd name="connsiteY89" fmla="*/ 3414159 h 6858000"/>
+              <a:gd name="connsiteX90" fmla="*/ 366450 w 5734864"/>
+              <a:gd name="connsiteY90" fmla="*/ 3436925 h 6858000"/>
+              <a:gd name="connsiteX91" fmla="*/ 351743 w 5734864"/>
+              <a:gd name="connsiteY91" fmla="*/ 3521619 h 6858000"/>
+              <a:gd name="connsiteX92" fmla="*/ 345784 w 5734864"/>
+              <a:gd name="connsiteY92" fmla="*/ 3603757 h 6858000"/>
+              <a:gd name="connsiteX93" fmla="*/ 344198 w 5734864"/>
+              <a:gd name="connsiteY93" fmla="*/ 3652424 h 6858000"/>
+              <a:gd name="connsiteX94" fmla="*/ 352450 w 5734864"/>
+              <a:gd name="connsiteY94" fmla="*/ 3665222 h 6858000"/>
+              <a:gd name="connsiteX95" fmla="*/ 342621 w 5734864"/>
+              <a:gd name="connsiteY95" fmla="*/ 3700804 h 6858000"/>
+              <a:gd name="connsiteX96" fmla="*/ 341514 w 5734864"/>
+              <a:gd name="connsiteY96" fmla="*/ 3734774 h 6858000"/>
+              <a:gd name="connsiteX97" fmla="*/ 340607 w 5734864"/>
+              <a:gd name="connsiteY97" fmla="*/ 3785153 h 6858000"/>
+              <a:gd name="connsiteX98" fmla="*/ 340707 w 5734864"/>
+              <a:gd name="connsiteY98" fmla="*/ 3788177 h 6858000"/>
+              <a:gd name="connsiteX99" fmla="*/ 340361 w 5734864"/>
+              <a:gd name="connsiteY99" fmla="*/ 3798803 h 6858000"/>
+              <a:gd name="connsiteX100" fmla="*/ 339642 w 5734864"/>
+              <a:gd name="connsiteY100" fmla="*/ 3838750 h 6858000"/>
+              <a:gd name="connsiteX101" fmla="*/ 360295 w 5734864"/>
+              <a:gd name="connsiteY101" fmla="*/ 4015196 h 6858000"/>
+              <a:gd name="connsiteX102" fmla="*/ 339043 w 5734864"/>
+              <a:gd name="connsiteY102" fmla="*/ 4052778 h 6858000"/>
+              <a:gd name="connsiteX103" fmla="*/ 339343 w 5734864"/>
+              <a:gd name="connsiteY103" fmla="*/ 4096257 h 6858000"/>
+              <a:gd name="connsiteX104" fmla="*/ 340786 w 5734864"/>
+              <a:gd name="connsiteY104" fmla="*/ 4321136 h 6858000"/>
+              <a:gd name="connsiteX105" fmla="*/ 343158 w 5734864"/>
+              <a:gd name="connsiteY105" fmla="*/ 4429174 h 6858000"/>
+              <a:gd name="connsiteX106" fmla="*/ 334599 w 5734864"/>
+              <a:gd name="connsiteY106" fmla="*/ 4449938 h 6858000"/>
+              <a:gd name="connsiteX107" fmla="*/ 332890 w 5734864"/>
+              <a:gd name="connsiteY107" fmla="*/ 4453515 h 6858000"/>
+              <a:gd name="connsiteX108" fmla="*/ 331105 w 5734864"/>
+              <a:gd name="connsiteY108" fmla="*/ 4467941 h 6858000"/>
+              <a:gd name="connsiteX109" fmla="*/ 324289 w 5734864"/>
+              <a:gd name="connsiteY109" fmla="*/ 4471861 h 6858000"/>
+              <a:gd name="connsiteX110" fmla="*/ 317079 w 5734864"/>
+              <a:gd name="connsiteY110" fmla="*/ 4493468 h 6858000"/>
+              <a:gd name="connsiteX111" fmla="*/ 315557 w 5734864"/>
+              <a:gd name="connsiteY111" fmla="*/ 4520067 h 6858000"/>
+              <a:gd name="connsiteX112" fmla="*/ 315240 w 5734864"/>
+              <a:gd name="connsiteY112" fmla="*/ 4536872 h 6858000"/>
+              <a:gd name="connsiteX113" fmla="*/ 316200 w 5734864"/>
+              <a:gd name="connsiteY113" fmla="*/ 4538297 h 6858000"/>
+              <a:gd name="connsiteX114" fmla="*/ 317507 w 5734864"/>
+              <a:gd name="connsiteY114" fmla="*/ 4547582 h 6858000"/>
+              <a:gd name="connsiteX115" fmla="*/ 323078 w 5734864"/>
+              <a:gd name="connsiteY115" fmla="*/ 4592102 h 6858000"/>
+              <a:gd name="connsiteX116" fmla="*/ 328722 w 5734864"/>
+              <a:gd name="connsiteY116" fmla="*/ 4667914 h 6858000"/>
+              <a:gd name="connsiteX117" fmla="*/ 335597 w 5734864"/>
+              <a:gd name="connsiteY117" fmla="*/ 4695035 h 6858000"/>
+              <a:gd name="connsiteX118" fmla="*/ 339485 w 5734864"/>
+              <a:gd name="connsiteY118" fmla="*/ 4695979 h 6858000"/>
+              <a:gd name="connsiteX119" fmla="*/ 341089 w 5734864"/>
+              <a:gd name="connsiteY119" fmla="*/ 4704268 h 6858000"/>
+              <a:gd name="connsiteX120" fmla="*/ 342177 w 5734864"/>
+              <a:gd name="connsiteY120" fmla="*/ 4706060 h 6858000"/>
+              <a:gd name="connsiteX121" fmla="*/ 347751 w 5734864"/>
+              <a:gd name="connsiteY121" fmla="*/ 4716754 h 6858000"/>
+              <a:gd name="connsiteX122" fmla="*/ 344125 w 5734864"/>
+              <a:gd name="connsiteY122" fmla="*/ 4764669 h 6858000"/>
+              <a:gd name="connsiteX123" fmla="*/ 340188 w 5734864"/>
+              <a:gd name="connsiteY123" fmla="*/ 4779386 h 6858000"/>
+              <a:gd name="connsiteX124" fmla="*/ 335146 w 5734864"/>
+              <a:gd name="connsiteY124" fmla="*/ 4787491 h 6858000"/>
+              <a:gd name="connsiteX125" fmla="*/ 319124 w 5734864"/>
+              <a:gd name="connsiteY125" fmla="*/ 4843514 h 6858000"/>
+              <a:gd name="connsiteX126" fmla="*/ 305956 w 5734864"/>
+              <a:gd name="connsiteY126" fmla="*/ 4881505 h 6858000"/>
+              <a:gd name="connsiteX127" fmla="*/ 301062 w 5734864"/>
+              <a:gd name="connsiteY127" fmla="*/ 4889332 h 6858000"/>
+              <a:gd name="connsiteX128" fmla="*/ 302141 w 5734864"/>
+              <a:gd name="connsiteY128" fmla="*/ 4899400 h 6858000"/>
+              <a:gd name="connsiteX129" fmla="*/ 304424 w 5734864"/>
+              <a:gd name="connsiteY129" fmla="*/ 4902664 h 6858000"/>
+              <a:gd name="connsiteX130" fmla="*/ 293123 w 5734864"/>
+              <a:gd name="connsiteY130" fmla="*/ 4932769 h 6858000"/>
+              <a:gd name="connsiteX131" fmla="*/ 292275 w 5734864"/>
+              <a:gd name="connsiteY131" fmla="*/ 4936482 h 6858000"/>
+              <a:gd name="connsiteX132" fmla="*/ 288304 w 5734864"/>
+              <a:gd name="connsiteY132" fmla="*/ 4962325 h 6858000"/>
+              <a:gd name="connsiteX133" fmla="*/ 287420 w 5734864"/>
+              <a:gd name="connsiteY133" fmla="*/ 5042193 h 6858000"/>
+              <a:gd name="connsiteX134" fmla="*/ 287020 w 5734864"/>
+              <a:gd name="connsiteY134" fmla="*/ 5065655 h 6858000"/>
+              <a:gd name="connsiteX135" fmla="*/ 288488 w 5734864"/>
+              <a:gd name="connsiteY135" fmla="*/ 5082216 h 6858000"/>
+              <a:gd name="connsiteX136" fmla="*/ 282763 w 5734864"/>
+              <a:gd name="connsiteY136" fmla="*/ 5127114 h 6858000"/>
+              <a:gd name="connsiteX137" fmla="*/ 269316 w 5734864"/>
+              <a:gd name="connsiteY137" fmla="*/ 5202682 h 6858000"/>
+              <a:gd name="connsiteX138" fmla="*/ 269174 w 5734864"/>
+              <a:gd name="connsiteY138" fmla="*/ 5230835 h 6858000"/>
+              <a:gd name="connsiteX139" fmla="*/ 272679 w 5734864"/>
+              <a:gd name="connsiteY139" fmla="*/ 5232660 h 6858000"/>
+              <a:gd name="connsiteX140" fmla="*/ 272160 w 5734864"/>
+              <a:gd name="connsiteY140" fmla="*/ 5241150 h 6858000"/>
+              <a:gd name="connsiteX141" fmla="*/ 272760 w 5734864"/>
+              <a:gd name="connsiteY141" fmla="*/ 5243156 h 6858000"/>
+              <a:gd name="connsiteX142" fmla="*/ 275462 w 5734864"/>
+              <a:gd name="connsiteY142" fmla="*/ 5254919 h 6858000"/>
+              <a:gd name="connsiteX143" fmla="*/ 262897 w 5734864"/>
+              <a:gd name="connsiteY143" fmla="*/ 5286259 h 6858000"/>
+              <a:gd name="connsiteX144" fmla="*/ 252761 w 5734864"/>
+              <a:gd name="connsiteY144" fmla="*/ 5357801 h 6858000"/>
+              <a:gd name="connsiteX145" fmla="*/ 242360 w 5734864"/>
+              <a:gd name="connsiteY145" fmla="*/ 5460080 h 6858000"/>
+              <a:gd name="connsiteX146" fmla="*/ 229880 w 5734864"/>
+              <a:gd name="connsiteY146" fmla="*/ 5539714 h 6858000"/>
+              <a:gd name="connsiteX147" fmla="*/ 204283 w 5734864"/>
+              <a:gd name="connsiteY147" fmla="*/ 5639080 h 6858000"/>
+              <a:gd name="connsiteX148" fmla="*/ 198948 w 5734864"/>
+              <a:gd name="connsiteY148" fmla="*/ 5710958 h 6858000"/>
+              <a:gd name="connsiteX149" fmla="*/ 192367 w 5734864"/>
+              <a:gd name="connsiteY149" fmla="*/ 5719859 h 6858000"/>
+              <a:gd name="connsiteX150" fmla="*/ 188035 w 5734864"/>
+              <a:gd name="connsiteY150" fmla="*/ 5729935 h 6858000"/>
+              <a:gd name="connsiteX151" fmla="*/ 188428 w 5734864"/>
+              <a:gd name="connsiteY151" fmla="*/ 5731182 h 6858000"/>
+              <a:gd name="connsiteX152" fmla="*/ 181635 w 5734864"/>
+              <a:gd name="connsiteY152" fmla="*/ 5753538 h 6858000"/>
+              <a:gd name="connsiteX153" fmla="*/ 169744 w 5734864"/>
+              <a:gd name="connsiteY153" fmla="*/ 5796307 h 6858000"/>
+              <a:gd name="connsiteX154" fmla="*/ 170351 w 5734864"/>
+              <a:gd name="connsiteY154" fmla="*/ 5796644 h 6858000"/>
+              <a:gd name="connsiteX155" fmla="*/ 171559 w 5734864"/>
+              <a:gd name="connsiteY155" fmla="*/ 5803435 h 6858000"/>
+              <a:gd name="connsiteX156" fmla="*/ 172284 w 5734864"/>
+              <a:gd name="connsiteY156" fmla="*/ 5816391 h 6858000"/>
+              <a:gd name="connsiteX157" fmla="*/ 182542 w 5734864"/>
+              <a:gd name="connsiteY157" fmla="*/ 5846382 h 6858000"/>
+              <a:gd name="connsiteX158" fmla="*/ 175877 w 5734864"/>
+              <a:gd name="connsiteY158" fmla="*/ 5871336 h 6858000"/>
+              <a:gd name="connsiteX159" fmla="*/ 174910 w 5734864"/>
+              <a:gd name="connsiteY159" fmla="*/ 5876376 h 6858000"/>
+              <a:gd name="connsiteX160" fmla="*/ 175047 w 5734864"/>
+              <a:gd name="connsiteY160" fmla="*/ 5876483 h 6858000"/>
+              <a:gd name="connsiteX161" fmla="*/ 174335 w 5734864"/>
+              <a:gd name="connsiteY161" fmla="*/ 5881814 h 6858000"/>
+              <a:gd name="connsiteX162" fmla="*/ 171273 w 5734864"/>
+              <a:gd name="connsiteY162" fmla="*/ 5895339 h 6858000"/>
+              <a:gd name="connsiteX163" fmla="*/ 171658 w 5734864"/>
+              <a:gd name="connsiteY163" fmla="*/ 5898749 h 6858000"/>
+              <a:gd name="connsiteX164" fmla="*/ 174658 w 5734864"/>
+              <a:gd name="connsiteY164" fmla="*/ 5919558 h 6858000"/>
+              <a:gd name="connsiteX165" fmla="*/ 169099 w 5734864"/>
+              <a:gd name="connsiteY165" fmla="*/ 5984417 h 6858000"/>
+              <a:gd name="connsiteX166" fmla="*/ 162007 w 5734864"/>
+              <a:gd name="connsiteY166" fmla="*/ 6049043 h 6858000"/>
+              <a:gd name="connsiteX167" fmla="*/ 156875 w 5734864"/>
+              <a:gd name="connsiteY167" fmla="*/ 6114000 h 6858000"/>
+              <a:gd name="connsiteX168" fmla="*/ 165441 w 5734864"/>
+              <a:gd name="connsiteY168" fmla="*/ 6146938 h 6858000"/>
+              <a:gd name="connsiteX169" fmla="*/ 165177 w 5734864"/>
+              <a:gd name="connsiteY169" fmla="*/ 6150658 h 6858000"/>
+              <a:gd name="connsiteX170" fmla="*/ 161772 w 5734864"/>
+              <a:gd name="connsiteY170" fmla="*/ 6160011 h 6858000"/>
+              <a:gd name="connsiteX171" fmla="*/ 160051 w 5734864"/>
+              <a:gd name="connsiteY171" fmla="*/ 6163393 h 6858000"/>
+              <a:gd name="connsiteX172" fmla="*/ 158473 w 5734864"/>
+              <a:gd name="connsiteY172" fmla="*/ 6168628 h 6858000"/>
+              <a:gd name="connsiteX173" fmla="*/ 158573 w 5734864"/>
+              <a:gd name="connsiteY173" fmla="*/ 6168799 h 6858000"/>
+              <a:gd name="connsiteX174" fmla="*/ 146463 w 5734864"/>
+              <a:gd name="connsiteY174" fmla="*/ 6196671 h 6858000"/>
+              <a:gd name="connsiteX175" fmla="*/ 150209 w 5734864"/>
+              <a:gd name="connsiteY175" fmla="*/ 6232365 h 6858000"/>
+              <a:gd name="connsiteX176" fmla="*/ 148544 w 5734864"/>
+              <a:gd name="connsiteY176" fmla="*/ 6246162 h 6858000"/>
+              <a:gd name="connsiteX177" fmla="*/ 148403 w 5734864"/>
+              <a:gd name="connsiteY177" fmla="*/ 6253754 h 6858000"/>
+              <a:gd name="connsiteX178" fmla="*/ 138880 w 5734864"/>
+              <a:gd name="connsiteY178" fmla="*/ 6276449 h 6858000"/>
+              <a:gd name="connsiteX179" fmla="*/ 138683 w 5734864"/>
+              <a:gd name="connsiteY179" fmla="*/ 6279721 h 6858000"/>
+              <a:gd name="connsiteX180" fmla="*/ 130721 w 5734864"/>
+              <a:gd name="connsiteY180" fmla="*/ 6293675 h 6858000"/>
+              <a:gd name="connsiteX181" fmla="*/ 120717 w 5734864"/>
+              <a:gd name="connsiteY181" fmla="*/ 6313967 h 6858000"/>
+              <a:gd name="connsiteX182" fmla="*/ 120841 w 5734864"/>
+              <a:gd name="connsiteY182" fmla="*/ 6315437 h 6858000"/>
+              <a:gd name="connsiteX183" fmla="*/ 115208 w 5734864"/>
+              <a:gd name="connsiteY183" fmla="*/ 6324024 h 6858000"/>
+              <a:gd name="connsiteX184" fmla="*/ 101217 w 5734864"/>
+              <a:gd name="connsiteY184" fmla="*/ 6365923 h 6858000"/>
+              <a:gd name="connsiteX185" fmla="*/ 74946 w 5734864"/>
+              <a:gd name="connsiteY185" fmla="*/ 6556817 h 6858000"/>
+              <a:gd name="connsiteX186" fmla="*/ 16001 w 5734864"/>
+              <a:gd name="connsiteY186" fmla="*/ 6808678 h 6858000"/>
+              <a:gd name="connsiteX187" fmla="*/ 0 w 5734864"/>
+              <a:gd name="connsiteY187" fmla="*/ 6858000 h 6858000"/>
+              <a:gd name="connsiteX188" fmla="*/ 5734864 w 5734864"/>
+              <a:gd name="connsiteY188" fmla="*/ 6858000 h 6858000"/>
+              <a:gd name="connsiteX0" fmla="*/ 5734864 w 5734864"/>
+              <a:gd name="connsiteY0" fmla="*/ 0 h 6858000"/>
+              <a:gd name="connsiteX1" fmla="*/ 771611 w 5734864"/>
+              <a:gd name="connsiteY1" fmla="*/ 0 h 6858000"/>
+              <a:gd name="connsiteX2" fmla="*/ 771679 w 5734864"/>
+              <a:gd name="connsiteY2" fmla="*/ 49108 h 6858000"/>
+              <a:gd name="connsiteX3" fmla="*/ 794248 w 5734864"/>
+              <a:gd name="connsiteY3" fmla="*/ 200968 h 6858000"/>
+              <a:gd name="connsiteX4" fmla="*/ 801749 w 5734864"/>
+              <a:gd name="connsiteY4" fmla="*/ 414071 h 6858000"/>
+              <a:gd name="connsiteX5" fmla="*/ 818548 w 5734864"/>
+              <a:gd name="connsiteY5" fmla="*/ 585467 h 6858000"/>
+              <a:gd name="connsiteX6" fmla="*/ 857476 w 5734864"/>
+              <a:gd name="connsiteY6" fmla="*/ 800623 h 6858000"/>
+              <a:gd name="connsiteX7" fmla="*/ 851083 w 5734864"/>
+              <a:gd name="connsiteY7" fmla="*/ 878903 h 6858000"/>
+              <a:gd name="connsiteX8" fmla="*/ 873564 w 5734864"/>
+              <a:gd name="connsiteY8" fmla="*/ 943826 h 6858000"/>
+              <a:gd name="connsiteX9" fmla="*/ 864705 w 5734864"/>
+              <a:gd name="connsiteY9" fmla="*/ 973328 h 6858000"/>
+              <a:gd name="connsiteX10" fmla="*/ 862869 w 5734864"/>
+              <a:gd name="connsiteY10" fmla="*/ 978457 h 6858000"/>
+              <a:gd name="connsiteX11" fmla="*/ 862233 w 5734864"/>
+              <a:gd name="connsiteY11" fmla="*/ 998041 h 6858000"/>
+              <a:gd name="connsiteX12" fmla="*/ 853665 w 5734864"/>
+              <a:gd name="connsiteY12" fmla="*/ 1004750 h 6858000"/>
+              <a:gd name="connsiteX13" fmla="*/ 846695 w 5734864"/>
+              <a:gd name="connsiteY13" fmla="*/ 1035077 h 6858000"/>
+              <a:gd name="connsiteX14" fmla="*/ 847865 w 5734864"/>
+              <a:gd name="connsiteY14" fmla="*/ 1070795 h 6858000"/>
+              <a:gd name="connsiteX15" fmla="*/ 862786 w 5734864"/>
+              <a:gd name="connsiteY15" fmla="*/ 1238994 h 6858000"/>
+              <a:gd name="connsiteX16" fmla="*/ 859345 w 5734864"/>
+              <a:gd name="connsiteY16" fmla="*/ 1380427 h 6858000"/>
+              <a:gd name="connsiteX17" fmla="*/ 855172 w 5734864"/>
+              <a:gd name="connsiteY17" fmla="*/ 1435262 h 6858000"/>
+              <a:gd name="connsiteX18" fmla="*/ 860494 w 5734864"/>
+              <a:gd name="connsiteY18" fmla="*/ 1453861 h 6858000"/>
+              <a:gd name="connsiteX19" fmla="*/ 853731 w 5734864"/>
+              <a:gd name="connsiteY19" fmla="*/ 1467047 h 6858000"/>
+              <a:gd name="connsiteX20" fmla="*/ 845847 w 5734864"/>
+              <a:gd name="connsiteY20" fmla="*/ 1502307 h 6858000"/>
+              <a:gd name="connsiteX21" fmla="*/ 817613 w 5734864"/>
+              <a:gd name="connsiteY21" fmla="*/ 1565166 h 6858000"/>
+              <a:gd name="connsiteX22" fmla="*/ 804223 w 5734864"/>
+              <a:gd name="connsiteY22" fmla="*/ 1601941 h 6858000"/>
+              <a:gd name="connsiteX23" fmla="*/ 791773 w 5734864"/>
+              <a:gd name="connsiteY23" fmla="*/ 1627005 h 6858000"/>
+              <a:gd name="connsiteX24" fmla="*/ 774645 w 5734864"/>
+              <a:gd name="connsiteY24" fmla="*/ 1699922 h 6858000"/>
+              <a:gd name="connsiteX25" fmla="*/ 752343 w 5734864"/>
+              <a:gd name="connsiteY25" fmla="*/ 1824604 h 6858000"/>
+              <a:gd name="connsiteX26" fmla="*/ 746254 w 5734864"/>
+              <a:gd name="connsiteY26" fmla="*/ 1850222 h 6858000"/>
+              <a:gd name="connsiteX27" fmla="*/ 728600 w 5734864"/>
+              <a:gd name="connsiteY27" fmla="*/ 1869603 h 6858000"/>
+              <a:gd name="connsiteX28" fmla="*/ 724396 w 5734864"/>
+              <a:gd name="connsiteY28" fmla="*/ 1883104 h 6858000"/>
+              <a:gd name="connsiteX29" fmla="*/ 722165 w 5734864"/>
+              <a:gd name="connsiteY29" fmla="*/ 1885924 h 6858000"/>
+              <a:gd name="connsiteX30" fmla="*/ 721338 w 5734864"/>
+              <a:gd name="connsiteY30" fmla="*/ 1887123 h 6858000"/>
+              <a:gd name="connsiteX31" fmla="*/ 714840 w 5734864"/>
+              <a:gd name="connsiteY31" fmla="*/ 1902274 h 6858000"/>
+              <a:gd name="connsiteX32" fmla="*/ 722847 w 5734864"/>
+              <a:gd name="connsiteY32" fmla="*/ 1929891 h 6858000"/>
+              <a:gd name="connsiteX33" fmla="*/ 714660 w 5734864"/>
+              <a:gd name="connsiteY33" fmla="*/ 1982709 h 6858000"/>
+              <a:gd name="connsiteX34" fmla="*/ 710759 w 5734864"/>
+              <a:gd name="connsiteY34" fmla="*/ 2013010 h 6858000"/>
+              <a:gd name="connsiteX35" fmla="*/ 697927 w 5734864"/>
+              <a:gd name="connsiteY35" fmla="*/ 2069833 h 6858000"/>
+              <a:gd name="connsiteX36" fmla="*/ 693594 w 5734864"/>
+              <a:gd name="connsiteY36" fmla="*/ 2103731 h 6858000"/>
+              <a:gd name="connsiteX37" fmla="*/ 691109 w 5734864"/>
+              <a:gd name="connsiteY37" fmla="*/ 2124027 h 6858000"/>
+              <a:gd name="connsiteX38" fmla="*/ 676593 w 5734864"/>
+              <a:gd name="connsiteY38" fmla="*/ 2176182 h 6858000"/>
+              <a:gd name="connsiteX39" fmla="*/ 633227 w 5734864"/>
+              <a:gd name="connsiteY39" fmla="*/ 2258036 h 6858000"/>
+              <a:gd name="connsiteX40" fmla="*/ 625564 w 5734864"/>
+              <a:gd name="connsiteY40" fmla="*/ 2284567 h 6858000"/>
+              <a:gd name="connsiteX41" fmla="*/ 627074 w 5734864"/>
+              <a:gd name="connsiteY41" fmla="*/ 2289605 h 6858000"/>
+              <a:gd name="connsiteX42" fmla="*/ 614574 w 5734864"/>
+              <a:gd name="connsiteY42" fmla="*/ 2308717 h 6858000"/>
+              <a:gd name="connsiteX43" fmla="*/ 606890 w 5734864"/>
+              <a:gd name="connsiteY43" fmla="*/ 2320662 h 6858000"/>
+              <a:gd name="connsiteX44" fmla="*/ 605558 w 5734864"/>
+              <a:gd name="connsiteY44" fmla="*/ 2327897 h 6858000"/>
+              <a:gd name="connsiteX45" fmla="*/ 602202 w 5734864"/>
+              <a:gd name="connsiteY45" fmla="*/ 2357749 h 6858000"/>
+              <a:gd name="connsiteX46" fmla="*/ 600213 w 5734864"/>
+              <a:gd name="connsiteY46" fmla="*/ 2364905 h 6858000"/>
+              <a:gd name="connsiteX47" fmla="*/ 597160 w 5734864"/>
+              <a:gd name="connsiteY47" fmla="*/ 2388351 h 6858000"/>
+              <a:gd name="connsiteX48" fmla="*/ 597982 w 5734864"/>
+              <a:gd name="connsiteY48" fmla="*/ 2402296 h 6858000"/>
+              <a:gd name="connsiteX49" fmla="*/ 593150 w 5734864"/>
+              <a:gd name="connsiteY49" fmla="*/ 2420015 h 6858000"/>
+              <a:gd name="connsiteX50" fmla="*/ 592833 w 5734864"/>
+              <a:gd name="connsiteY50" fmla="*/ 2422749 h 6858000"/>
+              <a:gd name="connsiteX51" fmla="*/ 594479 w 5734864"/>
+              <a:gd name="connsiteY51" fmla="*/ 2426002 h 6858000"/>
+              <a:gd name="connsiteX52" fmla="*/ 591963 w 5734864"/>
+              <a:gd name="connsiteY52" fmla="*/ 2431950 h 6858000"/>
+              <a:gd name="connsiteX53" fmla="*/ 591544 w 5734864"/>
+              <a:gd name="connsiteY53" fmla="*/ 2433897 h 6858000"/>
+              <a:gd name="connsiteX54" fmla="*/ 589519 w 5734864"/>
+              <a:gd name="connsiteY54" fmla="*/ 2451398 h 6858000"/>
+              <a:gd name="connsiteX55" fmla="*/ 590037 w 5734864"/>
+              <a:gd name="connsiteY55" fmla="*/ 2455536 h 6858000"/>
+              <a:gd name="connsiteX56" fmla="*/ 588179 w 5734864"/>
+              <a:gd name="connsiteY56" fmla="*/ 2462981 h 6858000"/>
+              <a:gd name="connsiteX57" fmla="*/ 583434 w 5734864"/>
+              <a:gd name="connsiteY57" fmla="*/ 2503991 h 6858000"/>
+              <a:gd name="connsiteX58" fmla="*/ 567942 w 5734864"/>
+              <a:gd name="connsiteY58" fmla="*/ 2652936 h 6858000"/>
+              <a:gd name="connsiteX59" fmla="*/ 573869 w 5734864"/>
+              <a:gd name="connsiteY59" fmla="*/ 2670188 h 6858000"/>
+              <a:gd name="connsiteX60" fmla="*/ 575243 w 5734864"/>
+              <a:gd name="connsiteY60" fmla="*/ 2688114 h 6858000"/>
+              <a:gd name="connsiteX61" fmla="*/ 573824 w 5734864"/>
+              <a:gd name="connsiteY61" fmla="*/ 2689856 h 6858000"/>
+              <a:gd name="connsiteX62" fmla="*/ 570699 w 5734864"/>
+              <a:gd name="connsiteY62" fmla="*/ 2709353 h 6858000"/>
+              <a:gd name="connsiteX63" fmla="*/ 573192 w 5734864"/>
+              <a:gd name="connsiteY63" fmla="*/ 2714527 h 6858000"/>
+              <a:gd name="connsiteX64" fmla="*/ 572044 w 5734864"/>
+              <a:gd name="connsiteY64" fmla="*/ 2728187 h 6858000"/>
+              <a:gd name="connsiteX65" fmla="*/ 572465 w 5734864"/>
+              <a:gd name="connsiteY65" fmla="*/ 2755863 h 6858000"/>
+              <a:gd name="connsiteX66" fmla="*/ 570028 w 5734864"/>
+              <a:gd name="connsiteY66" fmla="*/ 2760324 h 6858000"/>
+              <a:gd name="connsiteX67" fmla="*/ 566748 w 5734864"/>
+              <a:gd name="connsiteY67" fmla="*/ 2800948 h 6858000"/>
+              <a:gd name="connsiteX68" fmla="*/ 565509 w 5734864"/>
+              <a:gd name="connsiteY68" fmla="*/ 2801167 h 6858000"/>
+              <a:gd name="connsiteX69" fmla="*/ 559367 w 5734864"/>
+              <a:gd name="connsiteY69" fmla="*/ 2811129 h 6858000"/>
+              <a:gd name="connsiteX70" fmla="*/ 550354 w 5734864"/>
+              <a:gd name="connsiteY70" fmla="*/ 2830949 h 6858000"/>
+              <a:gd name="connsiteX71" fmla="*/ 514795 w 5734864"/>
+              <a:gd name="connsiteY71" fmla="*/ 2872433 h 6858000"/>
+              <a:gd name="connsiteX72" fmla="*/ 509875 w 5734864"/>
+              <a:gd name="connsiteY72" fmla="*/ 2923099 h 6858000"/>
+              <a:gd name="connsiteX73" fmla="*/ 509577 w 5734864"/>
+              <a:gd name="connsiteY73" fmla="*/ 2923197 h 6858000"/>
+              <a:gd name="connsiteX74" fmla="*/ 507597 w 5734864"/>
+              <a:gd name="connsiteY74" fmla="*/ 2931868 h 6858000"/>
+              <a:gd name="connsiteX75" fmla="*/ 507379 w 5734864"/>
+              <a:gd name="connsiteY75" fmla="*/ 2938322 h 6858000"/>
+              <a:gd name="connsiteX76" fmla="*/ 504725 w 5734864"/>
+              <a:gd name="connsiteY76" fmla="*/ 2954519 h 6858000"/>
+              <a:gd name="connsiteX77" fmla="*/ 502018 w 5734864"/>
+              <a:gd name="connsiteY77" fmla="*/ 2959643 h 6858000"/>
+              <a:gd name="connsiteX78" fmla="*/ 498360 w 5734864"/>
+              <a:gd name="connsiteY78" fmla="*/ 2961019 h 6858000"/>
+              <a:gd name="connsiteX79" fmla="*/ 498483 w 5734864"/>
+              <a:gd name="connsiteY79" fmla="*/ 2962590 h 6858000"/>
+              <a:gd name="connsiteX80" fmla="*/ 484403 w 5734864"/>
+              <a:gd name="connsiteY80" fmla="*/ 2990538 h 6858000"/>
+              <a:gd name="connsiteX81" fmla="*/ 463075 w 5734864"/>
+              <a:gd name="connsiteY81" fmla="*/ 3055956 h 6858000"/>
+              <a:gd name="connsiteX82" fmla="*/ 455013 w 5734864"/>
+              <a:gd name="connsiteY82" fmla="*/ 3094482 h 6858000"/>
+              <a:gd name="connsiteX83" fmla="*/ 428391 w 5734864"/>
+              <a:gd name="connsiteY83" fmla="*/ 3198850 h 6858000"/>
+              <a:gd name="connsiteX84" fmla="*/ 401440 w 5734864"/>
+              <a:gd name="connsiteY84" fmla="*/ 3307560 h 6858000"/>
+              <a:gd name="connsiteX85" fmla="*/ 386076 w 5734864"/>
+              <a:gd name="connsiteY85" fmla="*/ 3373943 h 6858000"/>
+              <a:gd name="connsiteX86" fmla="*/ 374726 w 5734864"/>
+              <a:gd name="connsiteY86" fmla="*/ 3381364 h 6858000"/>
+              <a:gd name="connsiteX87" fmla="*/ 369145 w 5734864"/>
+              <a:gd name="connsiteY87" fmla="*/ 3383729 h 6858000"/>
+              <a:gd name="connsiteX88" fmla="*/ 364294 w 5734864"/>
+              <a:gd name="connsiteY88" fmla="*/ 3414159 h 6858000"/>
+              <a:gd name="connsiteX89" fmla="*/ 366450 w 5734864"/>
+              <a:gd name="connsiteY89" fmla="*/ 3436925 h 6858000"/>
+              <a:gd name="connsiteX90" fmla="*/ 351743 w 5734864"/>
+              <a:gd name="connsiteY90" fmla="*/ 3521619 h 6858000"/>
+              <a:gd name="connsiteX91" fmla="*/ 345784 w 5734864"/>
+              <a:gd name="connsiteY91" fmla="*/ 3603757 h 6858000"/>
+              <a:gd name="connsiteX92" fmla="*/ 344198 w 5734864"/>
+              <a:gd name="connsiteY92" fmla="*/ 3652424 h 6858000"/>
+              <a:gd name="connsiteX93" fmla="*/ 352450 w 5734864"/>
+              <a:gd name="connsiteY93" fmla="*/ 3665222 h 6858000"/>
+              <a:gd name="connsiteX94" fmla="*/ 342621 w 5734864"/>
+              <a:gd name="connsiteY94" fmla="*/ 3700804 h 6858000"/>
+              <a:gd name="connsiteX95" fmla="*/ 341514 w 5734864"/>
+              <a:gd name="connsiteY95" fmla="*/ 3734774 h 6858000"/>
+              <a:gd name="connsiteX96" fmla="*/ 340607 w 5734864"/>
+              <a:gd name="connsiteY96" fmla="*/ 3785153 h 6858000"/>
+              <a:gd name="connsiteX97" fmla="*/ 340707 w 5734864"/>
+              <a:gd name="connsiteY97" fmla="*/ 3788177 h 6858000"/>
+              <a:gd name="connsiteX98" fmla="*/ 340361 w 5734864"/>
+              <a:gd name="connsiteY98" fmla="*/ 3798803 h 6858000"/>
+              <a:gd name="connsiteX99" fmla="*/ 339642 w 5734864"/>
+              <a:gd name="connsiteY99" fmla="*/ 3838750 h 6858000"/>
+              <a:gd name="connsiteX100" fmla="*/ 360295 w 5734864"/>
+              <a:gd name="connsiteY100" fmla="*/ 4015196 h 6858000"/>
+              <a:gd name="connsiteX101" fmla="*/ 339043 w 5734864"/>
+              <a:gd name="connsiteY101" fmla="*/ 4052778 h 6858000"/>
+              <a:gd name="connsiteX102" fmla="*/ 339343 w 5734864"/>
+              <a:gd name="connsiteY102" fmla="*/ 4096257 h 6858000"/>
+              <a:gd name="connsiteX103" fmla="*/ 340786 w 5734864"/>
+              <a:gd name="connsiteY103" fmla="*/ 4321136 h 6858000"/>
+              <a:gd name="connsiteX104" fmla="*/ 343158 w 5734864"/>
+              <a:gd name="connsiteY104" fmla="*/ 4429174 h 6858000"/>
+              <a:gd name="connsiteX105" fmla="*/ 334599 w 5734864"/>
+              <a:gd name="connsiteY105" fmla="*/ 4449938 h 6858000"/>
+              <a:gd name="connsiteX106" fmla="*/ 332890 w 5734864"/>
+              <a:gd name="connsiteY106" fmla="*/ 4453515 h 6858000"/>
+              <a:gd name="connsiteX107" fmla="*/ 331105 w 5734864"/>
+              <a:gd name="connsiteY107" fmla="*/ 4467941 h 6858000"/>
+              <a:gd name="connsiteX108" fmla="*/ 324289 w 5734864"/>
+              <a:gd name="connsiteY108" fmla="*/ 4471861 h 6858000"/>
+              <a:gd name="connsiteX109" fmla="*/ 317079 w 5734864"/>
+              <a:gd name="connsiteY109" fmla="*/ 4493468 h 6858000"/>
+              <a:gd name="connsiteX110" fmla="*/ 315557 w 5734864"/>
+              <a:gd name="connsiteY110" fmla="*/ 4520067 h 6858000"/>
+              <a:gd name="connsiteX111" fmla="*/ 315240 w 5734864"/>
+              <a:gd name="connsiteY111" fmla="*/ 4536872 h 6858000"/>
+              <a:gd name="connsiteX112" fmla="*/ 316200 w 5734864"/>
+              <a:gd name="connsiteY112" fmla="*/ 4538297 h 6858000"/>
+              <a:gd name="connsiteX113" fmla="*/ 317507 w 5734864"/>
+              <a:gd name="connsiteY113" fmla="*/ 4547582 h 6858000"/>
+              <a:gd name="connsiteX114" fmla="*/ 323078 w 5734864"/>
+              <a:gd name="connsiteY114" fmla="*/ 4592102 h 6858000"/>
+              <a:gd name="connsiteX115" fmla="*/ 328722 w 5734864"/>
+              <a:gd name="connsiteY115" fmla="*/ 4667914 h 6858000"/>
+              <a:gd name="connsiteX116" fmla="*/ 335597 w 5734864"/>
+              <a:gd name="connsiteY116" fmla="*/ 4695035 h 6858000"/>
+              <a:gd name="connsiteX117" fmla="*/ 339485 w 5734864"/>
+              <a:gd name="connsiteY117" fmla="*/ 4695979 h 6858000"/>
+              <a:gd name="connsiteX118" fmla="*/ 341089 w 5734864"/>
+              <a:gd name="connsiteY118" fmla="*/ 4704268 h 6858000"/>
+              <a:gd name="connsiteX119" fmla="*/ 342177 w 5734864"/>
+              <a:gd name="connsiteY119" fmla="*/ 4706060 h 6858000"/>
+              <a:gd name="connsiteX120" fmla="*/ 347751 w 5734864"/>
+              <a:gd name="connsiteY120" fmla="*/ 4716754 h 6858000"/>
+              <a:gd name="connsiteX121" fmla="*/ 344125 w 5734864"/>
+              <a:gd name="connsiteY121" fmla="*/ 4764669 h 6858000"/>
+              <a:gd name="connsiteX122" fmla="*/ 340188 w 5734864"/>
+              <a:gd name="connsiteY122" fmla="*/ 4779386 h 6858000"/>
+              <a:gd name="connsiteX123" fmla="*/ 335146 w 5734864"/>
+              <a:gd name="connsiteY123" fmla="*/ 4787491 h 6858000"/>
+              <a:gd name="connsiteX124" fmla="*/ 319124 w 5734864"/>
+              <a:gd name="connsiteY124" fmla="*/ 4843514 h 6858000"/>
+              <a:gd name="connsiteX125" fmla="*/ 305956 w 5734864"/>
+              <a:gd name="connsiteY125" fmla="*/ 4881505 h 6858000"/>
+              <a:gd name="connsiteX126" fmla="*/ 301062 w 5734864"/>
+              <a:gd name="connsiteY126" fmla="*/ 4889332 h 6858000"/>
+              <a:gd name="connsiteX127" fmla="*/ 302141 w 5734864"/>
+              <a:gd name="connsiteY127" fmla="*/ 4899400 h 6858000"/>
+              <a:gd name="connsiteX128" fmla="*/ 304424 w 5734864"/>
+              <a:gd name="connsiteY128" fmla="*/ 4902664 h 6858000"/>
+              <a:gd name="connsiteX129" fmla="*/ 293123 w 5734864"/>
+              <a:gd name="connsiteY129" fmla="*/ 4932769 h 6858000"/>
+              <a:gd name="connsiteX130" fmla="*/ 292275 w 5734864"/>
+              <a:gd name="connsiteY130" fmla="*/ 4936482 h 6858000"/>
+              <a:gd name="connsiteX131" fmla="*/ 288304 w 5734864"/>
+              <a:gd name="connsiteY131" fmla="*/ 4962325 h 6858000"/>
+              <a:gd name="connsiteX132" fmla="*/ 287420 w 5734864"/>
+              <a:gd name="connsiteY132" fmla="*/ 5042193 h 6858000"/>
+              <a:gd name="connsiteX133" fmla="*/ 287020 w 5734864"/>
+              <a:gd name="connsiteY133" fmla="*/ 5065655 h 6858000"/>
+              <a:gd name="connsiteX134" fmla="*/ 288488 w 5734864"/>
+              <a:gd name="connsiteY134" fmla="*/ 5082216 h 6858000"/>
+              <a:gd name="connsiteX135" fmla="*/ 282763 w 5734864"/>
+              <a:gd name="connsiteY135" fmla="*/ 5127114 h 6858000"/>
+              <a:gd name="connsiteX136" fmla="*/ 269316 w 5734864"/>
+              <a:gd name="connsiteY136" fmla="*/ 5202682 h 6858000"/>
+              <a:gd name="connsiteX137" fmla="*/ 269174 w 5734864"/>
+              <a:gd name="connsiteY137" fmla="*/ 5230835 h 6858000"/>
+              <a:gd name="connsiteX138" fmla="*/ 272679 w 5734864"/>
+              <a:gd name="connsiteY138" fmla="*/ 5232660 h 6858000"/>
+              <a:gd name="connsiteX139" fmla="*/ 272160 w 5734864"/>
+              <a:gd name="connsiteY139" fmla="*/ 5241150 h 6858000"/>
+              <a:gd name="connsiteX140" fmla="*/ 272760 w 5734864"/>
+              <a:gd name="connsiteY140" fmla="*/ 5243156 h 6858000"/>
+              <a:gd name="connsiteX141" fmla="*/ 275462 w 5734864"/>
+              <a:gd name="connsiteY141" fmla="*/ 5254919 h 6858000"/>
+              <a:gd name="connsiteX142" fmla="*/ 262897 w 5734864"/>
+              <a:gd name="connsiteY142" fmla="*/ 5286259 h 6858000"/>
+              <a:gd name="connsiteX143" fmla="*/ 252761 w 5734864"/>
+              <a:gd name="connsiteY143" fmla="*/ 5357801 h 6858000"/>
+              <a:gd name="connsiteX144" fmla="*/ 242360 w 5734864"/>
+              <a:gd name="connsiteY144" fmla="*/ 5460080 h 6858000"/>
+              <a:gd name="connsiteX145" fmla="*/ 229880 w 5734864"/>
+              <a:gd name="connsiteY145" fmla="*/ 5539714 h 6858000"/>
+              <a:gd name="connsiteX146" fmla="*/ 204283 w 5734864"/>
+              <a:gd name="connsiteY146" fmla="*/ 5639080 h 6858000"/>
+              <a:gd name="connsiteX147" fmla="*/ 198948 w 5734864"/>
+              <a:gd name="connsiteY147" fmla="*/ 5710958 h 6858000"/>
+              <a:gd name="connsiteX148" fmla="*/ 192367 w 5734864"/>
+              <a:gd name="connsiteY148" fmla="*/ 5719859 h 6858000"/>
+              <a:gd name="connsiteX149" fmla="*/ 188035 w 5734864"/>
+              <a:gd name="connsiteY149" fmla="*/ 5729935 h 6858000"/>
+              <a:gd name="connsiteX150" fmla="*/ 188428 w 5734864"/>
+              <a:gd name="connsiteY150" fmla="*/ 5731182 h 6858000"/>
+              <a:gd name="connsiteX151" fmla="*/ 181635 w 5734864"/>
+              <a:gd name="connsiteY151" fmla="*/ 5753538 h 6858000"/>
+              <a:gd name="connsiteX152" fmla="*/ 169744 w 5734864"/>
+              <a:gd name="connsiteY152" fmla="*/ 5796307 h 6858000"/>
+              <a:gd name="connsiteX153" fmla="*/ 170351 w 5734864"/>
+              <a:gd name="connsiteY153" fmla="*/ 5796644 h 6858000"/>
+              <a:gd name="connsiteX154" fmla="*/ 171559 w 5734864"/>
+              <a:gd name="connsiteY154" fmla="*/ 5803435 h 6858000"/>
+              <a:gd name="connsiteX155" fmla="*/ 172284 w 5734864"/>
+              <a:gd name="connsiteY155" fmla="*/ 5816391 h 6858000"/>
+              <a:gd name="connsiteX156" fmla="*/ 182542 w 5734864"/>
+              <a:gd name="connsiteY156" fmla="*/ 5846382 h 6858000"/>
+              <a:gd name="connsiteX157" fmla="*/ 175877 w 5734864"/>
+              <a:gd name="connsiteY157" fmla="*/ 5871336 h 6858000"/>
+              <a:gd name="connsiteX158" fmla="*/ 174910 w 5734864"/>
+              <a:gd name="connsiteY158" fmla="*/ 5876376 h 6858000"/>
+              <a:gd name="connsiteX159" fmla="*/ 175047 w 5734864"/>
+              <a:gd name="connsiteY159" fmla="*/ 5876483 h 6858000"/>
+              <a:gd name="connsiteX160" fmla="*/ 174335 w 5734864"/>
+              <a:gd name="connsiteY160" fmla="*/ 5881814 h 6858000"/>
+              <a:gd name="connsiteX161" fmla="*/ 171273 w 5734864"/>
+              <a:gd name="connsiteY161" fmla="*/ 5895339 h 6858000"/>
+              <a:gd name="connsiteX162" fmla="*/ 171658 w 5734864"/>
+              <a:gd name="connsiteY162" fmla="*/ 5898749 h 6858000"/>
+              <a:gd name="connsiteX163" fmla="*/ 174658 w 5734864"/>
+              <a:gd name="connsiteY163" fmla="*/ 5919558 h 6858000"/>
+              <a:gd name="connsiteX164" fmla="*/ 169099 w 5734864"/>
+              <a:gd name="connsiteY164" fmla="*/ 5984417 h 6858000"/>
+              <a:gd name="connsiteX165" fmla="*/ 162007 w 5734864"/>
+              <a:gd name="connsiteY165" fmla="*/ 6049043 h 6858000"/>
+              <a:gd name="connsiteX166" fmla="*/ 156875 w 5734864"/>
+              <a:gd name="connsiteY166" fmla="*/ 6114000 h 6858000"/>
+              <a:gd name="connsiteX167" fmla="*/ 165441 w 5734864"/>
+              <a:gd name="connsiteY167" fmla="*/ 6146938 h 6858000"/>
+              <a:gd name="connsiteX168" fmla="*/ 165177 w 5734864"/>
+              <a:gd name="connsiteY168" fmla="*/ 6150658 h 6858000"/>
+              <a:gd name="connsiteX169" fmla="*/ 161772 w 5734864"/>
+              <a:gd name="connsiteY169" fmla="*/ 6160011 h 6858000"/>
+              <a:gd name="connsiteX170" fmla="*/ 160051 w 5734864"/>
+              <a:gd name="connsiteY170" fmla="*/ 6163393 h 6858000"/>
+              <a:gd name="connsiteX171" fmla="*/ 158473 w 5734864"/>
+              <a:gd name="connsiteY171" fmla="*/ 6168628 h 6858000"/>
+              <a:gd name="connsiteX172" fmla="*/ 158573 w 5734864"/>
+              <a:gd name="connsiteY172" fmla="*/ 6168799 h 6858000"/>
+              <a:gd name="connsiteX173" fmla="*/ 146463 w 5734864"/>
+              <a:gd name="connsiteY173" fmla="*/ 6196671 h 6858000"/>
+              <a:gd name="connsiteX174" fmla="*/ 150209 w 5734864"/>
+              <a:gd name="connsiteY174" fmla="*/ 6232365 h 6858000"/>
+              <a:gd name="connsiteX175" fmla="*/ 148544 w 5734864"/>
+              <a:gd name="connsiteY175" fmla="*/ 6246162 h 6858000"/>
+              <a:gd name="connsiteX176" fmla="*/ 148403 w 5734864"/>
+              <a:gd name="connsiteY176" fmla="*/ 6253754 h 6858000"/>
+              <a:gd name="connsiteX177" fmla="*/ 138880 w 5734864"/>
+              <a:gd name="connsiteY177" fmla="*/ 6276449 h 6858000"/>
+              <a:gd name="connsiteX178" fmla="*/ 138683 w 5734864"/>
+              <a:gd name="connsiteY178" fmla="*/ 6279721 h 6858000"/>
+              <a:gd name="connsiteX179" fmla="*/ 130721 w 5734864"/>
+              <a:gd name="connsiteY179" fmla="*/ 6293675 h 6858000"/>
+              <a:gd name="connsiteX180" fmla="*/ 120717 w 5734864"/>
+              <a:gd name="connsiteY180" fmla="*/ 6313967 h 6858000"/>
+              <a:gd name="connsiteX181" fmla="*/ 120841 w 5734864"/>
+              <a:gd name="connsiteY181" fmla="*/ 6315437 h 6858000"/>
+              <a:gd name="connsiteX182" fmla="*/ 115208 w 5734864"/>
+              <a:gd name="connsiteY182" fmla="*/ 6324024 h 6858000"/>
+              <a:gd name="connsiteX183" fmla="*/ 101217 w 5734864"/>
+              <a:gd name="connsiteY183" fmla="*/ 6365923 h 6858000"/>
+              <a:gd name="connsiteX184" fmla="*/ 74946 w 5734864"/>
+              <a:gd name="connsiteY184" fmla="*/ 6556817 h 6858000"/>
+              <a:gd name="connsiteX185" fmla="*/ 16001 w 5734864"/>
+              <a:gd name="connsiteY185" fmla="*/ 6808678 h 6858000"/>
+              <a:gd name="connsiteX186" fmla="*/ 0 w 5734864"/>
+              <a:gd name="connsiteY186" fmla="*/ 6858000 h 6858000"/>
+              <a:gd name="connsiteX187" fmla="*/ 5734864 w 5734864"/>
+              <a:gd name="connsiteY187" fmla="*/ 6858000 h 6858000"/>
+              <a:gd name="connsiteX188" fmla="*/ 5734864 w 5734864"/>
+              <a:gd name="connsiteY188" fmla="*/ 0 h 6858000"/>
+              <a:gd name="connsiteX0" fmla="*/ 5734864 w 5734864"/>
+              <a:gd name="connsiteY0" fmla="*/ 0 h 6858000"/>
+              <a:gd name="connsiteX1" fmla="*/ 771611 w 5734864"/>
+              <a:gd name="connsiteY1" fmla="*/ 0 h 6858000"/>
+              <a:gd name="connsiteX2" fmla="*/ 771679 w 5734864"/>
+              <a:gd name="connsiteY2" fmla="*/ 49108 h 6858000"/>
+              <a:gd name="connsiteX3" fmla="*/ 794248 w 5734864"/>
+              <a:gd name="connsiteY3" fmla="*/ 200968 h 6858000"/>
+              <a:gd name="connsiteX4" fmla="*/ 801749 w 5734864"/>
+              <a:gd name="connsiteY4" fmla="*/ 414071 h 6858000"/>
+              <a:gd name="connsiteX5" fmla="*/ 818548 w 5734864"/>
+              <a:gd name="connsiteY5" fmla="*/ 585467 h 6858000"/>
+              <a:gd name="connsiteX6" fmla="*/ 857476 w 5734864"/>
+              <a:gd name="connsiteY6" fmla="*/ 800623 h 6858000"/>
+              <a:gd name="connsiteX7" fmla="*/ 851083 w 5734864"/>
+              <a:gd name="connsiteY7" fmla="*/ 878903 h 6858000"/>
+              <a:gd name="connsiteX8" fmla="*/ 873564 w 5734864"/>
+              <a:gd name="connsiteY8" fmla="*/ 943826 h 6858000"/>
+              <a:gd name="connsiteX9" fmla="*/ 864705 w 5734864"/>
+              <a:gd name="connsiteY9" fmla="*/ 973328 h 6858000"/>
+              <a:gd name="connsiteX10" fmla="*/ 862869 w 5734864"/>
+              <a:gd name="connsiteY10" fmla="*/ 978457 h 6858000"/>
+              <a:gd name="connsiteX11" fmla="*/ 862233 w 5734864"/>
+              <a:gd name="connsiteY11" fmla="*/ 998041 h 6858000"/>
+              <a:gd name="connsiteX12" fmla="*/ 853665 w 5734864"/>
+              <a:gd name="connsiteY12" fmla="*/ 1004750 h 6858000"/>
+              <a:gd name="connsiteX13" fmla="*/ 847865 w 5734864"/>
+              <a:gd name="connsiteY13" fmla="*/ 1070795 h 6858000"/>
+              <a:gd name="connsiteX14" fmla="*/ 862786 w 5734864"/>
+              <a:gd name="connsiteY14" fmla="*/ 1238994 h 6858000"/>
+              <a:gd name="connsiteX15" fmla="*/ 859345 w 5734864"/>
+              <a:gd name="connsiteY15" fmla="*/ 1380427 h 6858000"/>
+              <a:gd name="connsiteX16" fmla="*/ 855172 w 5734864"/>
+              <a:gd name="connsiteY16" fmla="*/ 1435262 h 6858000"/>
+              <a:gd name="connsiteX17" fmla="*/ 860494 w 5734864"/>
+              <a:gd name="connsiteY17" fmla="*/ 1453861 h 6858000"/>
+              <a:gd name="connsiteX18" fmla="*/ 853731 w 5734864"/>
+              <a:gd name="connsiteY18" fmla="*/ 1467047 h 6858000"/>
+              <a:gd name="connsiteX19" fmla="*/ 845847 w 5734864"/>
+              <a:gd name="connsiteY19" fmla="*/ 1502307 h 6858000"/>
+              <a:gd name="connsiteX20" fmla="*/ 817613 w 5734864"/>
+              <a:gd name="connsiteY20" fmla="*/ 1565166 h 6858000"/>
+              <a:gd name="connsiteX21" fmla="*/ 804223 w 5734864"/>
+              <a:gd name="connsiteY21" fmla="*/ 1601941 h 6858000"/>
+              <a:gd name="connsiteX22" fmla="*/ 791773 w 5734864"/>
+              <a:gd name="connsiteY22" fmla="*/ 1627005 h 6858000"/>
+              <a:gd name="connsiteX23" fmla="*/ 774645 w 5734864"/>
+              <a:gd name="connsiteY23" fmla="*/ 1699922 h 6858000"/>
+              <a:gd name="connsiteX24" fmla="*/ 752343 w 5734864"/>
+              <a:gd name="connsiteY24" fmla="*/ 1824604 h 6858000"/>
+              <a:gd name="connsiteX25" fmla="*/ 746254 w 5734864"/>
+              <a:gd name="connsiteY25" fmla="*/ 1850222 h 6858000"/>
+              <a:gd name="connsiteX26" fmla="*/ 728600 w 5734864"/>
+              <a:gd name="connsiteY26" fmla="*/ 1869603 h 6858000"/>
+              <a:gd name="connsiteX27" fmla="*/ 724396 w 5734864"/>
+              <a:gd name="connsiteY27" fmla="*/ 1883104 h 6858000"/>
+              <a:gd name="connsiteX28" fmla="*/ 722165 w 5734864"/>
+              <a:gd name="connsiteY28" fmla="*/ 1885924 h 6858000"/>
+              <a:gd name="connsiteX29" fmla="*/ 721338 w 5734864"/>
+              <a:gd name="connsiteY29" fmla="*/ 1887123 h 6858000"/>
+              <a:gd name="connsiteX30" fmla="*/ 714840 w 5734864"/>
+              <a:gd name="connsiteY30" fmla="*/ 1902274 h 6858000"/>
+              <a:gd name="connsiteX31" fmla="*/ 722847 w 5734864"/>
+              <a:gd name="connsiteY31" fmla="*/ 1929891 h 6858000"/>
+              <a:gd name="connsiteX32" fmla="*/ 714660 w 5734864"/>
+              <a:gd name="connsiteY32" fmla="*/ 1982709 h 6858000"/>
+              <a:gd name="connsiteX33" fmla="*/ 710759 w 5734864"/>
+              <a:gd name="connsiteY33" fmla="*/ 2013010 h 6858000"/>
+              <a:gd name="connsiteX34" fmla="*/ 697927 w 5734864"/>
+              <a:gd name="connsiteY34" fmla="*/ 2069833 h 6858000"/>
+              <a:gd name="connsiteX35" fmla="*/ 693594 w 5734864"/>
+              <a:gd name="connsiteY35" fmla="*/ 2103731 h 6858000"/>
+              <a:gd name="connsiteX36" fmla="*/ 691109 w 5734864"/>
+              <a:gd name="connsiteY36" fmla="*/ 2124027 h 6858000"/>
+              <a:gd name="connsiteX37" fmla="*/ 676593 w 5734864"/>
+              <a:gd name="connsiteY37" fmla="*/ 2176182 h 6858000"/>
+              <a:gd name="connsiteX38" fmla="*/ 633227 w 5734864"/>
+              <a:gd name="connsiteY38" fmla="*/ 2258036 h 6858000"/>
+              <a:gd name="connsiteX39" fmla="*/ 625564 w 5734864"/>
+              <a:gd name="connsiteY39" fmla="*/ 2284567 h 6858000"/>
+              <a:gd name="connsiteX40" fmla="*/ 627074 w 5734864"/>
+              <a:gd name="connsiteY40" fmla="*/ 2289605 h 6858000"/>
+              <a:gd name="connsiteX41" fmla="*/ 614574 w 5734864"/>
+              <a:gd name="connsiteY41" fmla="*/ 2308717 h 6858000"/>
+              <a:gd name="connsiteX42" fmla="*/ 606890 w 5734864"/>
+              <a:gd name="connsiteY42" fmla="*/ 2320662 h 6858000"/>
+              <a:gd name="connsiteX43" fmla="*/ 605558 w 5734864"/>
+              <a:gd name="connsiteY43" fmla="*/ 2327897 h 6858000"/>
+              <a:gd name="connsiteX44" fmla="*/ 602202 w 5734864"/>
+              <a:gd name="connsiteY44" fmla="*/ 2357749 h 6858000"/>
+              <a:gd name="connsiteX45" fmla="*/ 600213 w 5734864"/>
+              <a:gd name="connsiteY45" fmla="*/ 2364905 h 6858000"/>
+              <a:gd name="connsiteX46" fmla="*/ 597160 w 5734864"/>
+              <a:gd name="connsiteY46" fmla="*/ 2388351 h 6858000"/>
+              <a:gd name="connsiteX47" fmla="*/ 597982 w 5734864"/>
+              <a:gd name="connsiteY47" fmla="*/ 2402296 h 6858000"/>
+              <a:gd name="connsiteX48" fmla="*/ 593150 w 5734864"/>
+              <a:gd name="connsiteY48" fmla="*/ 2420015 h 6858000"/>
+              <a:gd name="connsiteX49" fmla="*/ 592833 w 5734864"/>
+              <a:gd name="connsiteY49" fmla="*/ 2422749 h 6858000"/>
+              <a:gd name="connsiteX50" fmla="*/ 594479 w 5734864"/>
+              <a:gd name="connsiteY50" fmla="*/ 2426002 h 6858000"/>
+              <a:gd name="connsiteX51" fmla="*/ 591963 w 5734864"/>
+              <a:gd name="connsiteY51" fmla="*/ 2431950 h 6858000"/>
+              <a:gd name="connsiteX52" fmla="*/ 591544 w 5734864"/>
+              <a:gd name="connsiteY52" fmla="*/ 2433897 h 6858000"/>
+              <a:gd name="connsiteX53" fmla="*/ 589519 w 5734864"/>
+              <a:gd name="connsiteY53" fmla="*/ 2451398 h 6858000"/>
+              <a:gd name="connsiteX54" fmla="*/ 590037 w 5734864"/>
+              <a:gd name="connsiteY54" fmla="*/ 2455536 h 6858000"/>
+              <a:gd name="connsiteX55" fmla="*/ 588179 w 5734864"/>
+              <a:gd name="connsiteY55" fmla="*/ 2462981 h 6858000"/>
+              <a:gd name="connsiteX56" fmla="*/ 583434 w 5734864"/>
+              <a:gd name="connsiteY56" fmla="*/ 2503991 h 6858000"/>
+              <a:gd name="connsiteX57" fmla="*/ 567942 w 5734864"/>
+              <a:gd name="connsiteY57" fmla="*/ 2652936 h 6858000"/>
+              <a:gd name="connsiteX58" fmla="*/ 573869 w 5734864"/>
+              <a:gd name="connsiteY58" fmla="*/ 2670188 h 6858000"/>
+              <a:gd name="connsiteX59" fmla="*/ 575243 w 5734864"/>
+              <a:gd name="connsiteY59" fmla="*/ 2688114 h 6858000"/>
+              <a:gd name="connsiteX60" fmla="*/ 573824 w 5734864"/>
+              <a:gd name="connsiteY60" fmla="*/ 2689856 h 6858000"/>
+              <a:gd name="connsiteX61" fmla="*/ 570699 w 5734864"/>
+              <a:gd name="connsiteY61" fmla="*/ 2709353 h 6858000"/>
+              <a:gd name="connsiteX62" fmla="*/ 573192 w 5734864"/>
+              <a:gd name="connsiteY62" fmla="*/ 2714527 h 6858000"/>
+              <a:gd name="connsiteX63" fmla="*/ 572044 w 5734864"/>
+              <a:gd name="connsiteY63" fmla="*/ 2728187 h 6858000"/>
+              <a:gd name="connsiteX64" fmla="*/ 572465 w 5734864"/>
+              <a:gd name="connsiteY64" fmla="*/ 2755863 h 6858000"/>
+              <a:gd name="connsiteX65" fmla="*/ 570028 w 5734864"/>
+              <a:gd name="connsiteY65" fmla="*/ 2760324 h 6858000"/>
+              <a:gd name="connsiteX66" fmla="*/ 566748 w 5734864"/>
+              <a:gd name="connsiteY66" fmla="*/ 2800948 h 6858000"/>
+              <a:gd name="connsiteX67" fmla="*/ 565509 w 5734864"/>
+              <a:gd name="connsiteY67" fmla="*/ 2801167 h 6858000"/>
+              <a:gd name="connsiteX68" fmla="*/ 559367 w 5734864"/>
+              <a:gd name="connsiteY68" fmla="*/ 2811129 h 6858000"/>
+              <a:gd name="connsiteX69" fmla="*/ 550354 w 5734864"/>
+              <a:gd name="connsiteY69" fmla="*/ 2830949 h 6858000"/>
+              <a:gd name="connsiteX70" fmla="*/ 514795 w 5734864"/>
+              <a:gd name="connsiteY70" fmla="*/ 2872433 h 6858000"/>
+              <a:gd name="connsiteX71" fmla="*/ 509875 w 5734864"/>
+              <a:gd name="connsiteY71" fmla="*/ 2923099 h 6858000"/>
+              <a:gd name="connsiteX72" fmla="*/ 509577 w 5734864"/>
+              <a:gd name="connsiteY72" fmla="*/ 2923197 h 6858000"/>
+              <a:gd name="connsiteX73" fmla="*/ 507597 w 5734864"/>
+              <a:gd name="connsiteY73" fmla="*/ 2931868 h 6858000"/>
+              <a:gd name="connsiteX74" fmla="*/ 507379 w 5734864"/>
+              <a:gd name="connsiteY74" fmla="*/ 2938322 h 6858000"/>
+              <a:gd name="connsiteX75" fmla="*/ 504725 w 5734864"/>
+              <a:gd name="connsiteY75" fmla="*/ 2954519 h 6858000"/>
+              <a:gd name="connsiteX76" fmla="*/ 502018 w 5734864"/>
+              <a:gd name="connsiteY76" fmla="*/ 2959643 h 6858000"/>
+              <a:gd name="connsiteX77" fmla="*/ 498360 w 5734864"/>
+              <a:gd name="connsiteY77" fmla="*/ 2961019 h 6858000"/>
+              <a:gd name="connsiteX78" fmla="*/ 498483 w 5734864"/>
+              <a:gd name="connsiteY78" fmla="*/ 2962590 h 6858000"/>
+              <a:gd name="connsiteX79" fmla="*/ 484403 w 5734864"/>
+              <a:gd name="connsiteY79" fmla="*/ 2990538 h 6858000"/>
+              <a:gd name="connsiteX80" fmla="*/ 463075 w 5734864"/>
+              <a:gd name="connsiteY80" fmla="*/ 3055956 h 6858000"/>
+              <a:gd name="connsiteX81" fmla="*/ 455013 w 5734864"/>
+              <a:gd name="connsiteY81" fmla="*/ 3094482 h 6858000"/>
+              <a:gd name="connsiteX82" fmla="*/ 428391 w 5734864"/>
+              <a:gd name="connsiteY82" fmla="*/ 3198850 h 6858000"/>
+              <a:gd name="connsiteX83" fmla="*/ 401440 w 5734864"/>
+              <a:gd name="connsiteY83" fmla="*/ 3307560 h 6858000"/>
+              <a:gd name="connsiteX84" fmla="*/ 386076 w 5734864"/>
+              <a:gd name="connsiteY84" fmla="*/ 3373943 h 6858000"/>
+              <a:gd name="connsiteX85" fmla="*/ 374726 w 5734864"/>
+              <a:gd name="connsiteY85" fmla="*/ 3381364 h 6858000"/>
+              <a:gd name="connsiteX86" fmla="*/ 369145 w 5734864"/>
+              <a:gd name="connsiteY86" fmla="*/ 3383729 h 6858000"/>
+              <a:gd name="connsiteX87" fmla="*/ 364294 w 5734864"/>
+              <a:gd name="connsiteY87" fmla="*/ 3414159 h 6858000"/>
+              <a:gd name="connsiteX88" fmla="*/ 366450 w 5734864"/>
+              <a:gd name="connsiteY88" fmla="*/ 3436925 h 6858000"/>
+              <a:gd name="connsiteX89" fmla="*/ 351743 w 5734864"/>
+              <a:gd name="connsiteY89" fmla="*/ 3521619 h 6858000"/>
+              <a:gd name="connsiteX90" fmla="*/ 345784 w 5734864"/>
+              <a:gd name="connsiteY90" fmla="*/ 3603757 h 6858000"/>
+              <a:gd name="connsiteX91" fmla="*/ 344198 w 5734864"/>
+              <a:gd name="connsiteY91" fmla="*/ 3652424 h 6858000"/>
+              <a:gd name="connsiteX92" fmla="*/ 352450 w 5734864"/>
+              <a:gd name="connsiteY92" fmla="*/ 3665222 h 6858000"/>
+              <a:gd name="connsiteX93" fmla="*/ 342621 w 5734864"/>
+              <a:gd name="connsiteY93" fmla="*/ 3700804 h 6858000"/>
+              <a:gd name="connsiteX94" fmla="*/ 341514 w 5734864"/>
+              <a:gd name="connsiteY94" fmla="*/ 3734774 h 6858000"/>
+              <a:gd name="connsiteX95" fmla="*/ 340607 w 5734864"/>
+              <a:gd name="connsiteY95" fmla="*/ 3785153 h 6858000"/>
+              <a:gd name="connsiteX96" fmla="*/ 340707 w 5734864"/>
+              <a:gd name="connsiteY96" fmla="*/ 3788177 h 6858000"/>
+              <a:gd name="connsiteX97" fmla="*/ 340361 w 5734864"/>
+              <a:gd name="connsiteY97" fmla="*/ 3798803 h 6858000"/>
+              <a:gd name="connsiteX98" fmla="*/ 339642 w 5734864"/>
+              <a:gd name="connsiteY98" fmla="*/ 3838750 h 6858000"/>
+              <a:gd name="connsiteX99" fmla="*/ 360295 w 5734864"/>
+              <a:gd name="connsiteY99" fmla="*/ 4015196 h 6858000"/>
+              <a:gd name="connsiteX100" fmla="*/ 339043 w 5734864"/>
+              <a:gd name="connsiteY100" fmla="*/ 4052778 h 6858000"/>
+              <a:gd name="connsiteX101" fmla="*/ 339343 w 5734864"/>
+              <a:gd name="connsiteY101" fmla="*/ 4096257 h 6858000"/>
+              <a:gd name="connsiteX102" fmla="*/ 340786 w 5734864"/>
+              <a:gd name="connsiteY102" fmla="*/ 4321136 h 6858000"/>
+              <a:gd name="connsiteX103" fmla="*/ 343158 w 5734864"/>
+              <a:gd name="connsiteY103" fmla="*/ 4429174 h 6858000"/>
+              <a:gd name="connsiteX104" fmla="*/ 334599 w 5734864"/>
+              <a:gd name="connsiteY104" fmla="*/ 4449938 h 6858000"/>
+              <a:gd name="connsiteX105" fmla="*/ 332890 w 5734864"/>
+              <a:gd name="connsiteY105" fmla="*/ 4453515 h 6858000"/>
+              <a:gd name="connsiteX106" fmla="*/ 331105 w 5734864"/>
+              <a:gd name="connsiteY106" fmla="*/ 4467941 h 6858000"/>
+              <a:gd name="connsiteX107" fmla="*/ 324289 w 5734864"/>
+              <a:gd name="connsiteY107" fmla="*/ 4471861 h 6858000"/>
+              <a:gd name="connsiteX108" fmla="*/ 317079 w 5734864"/>
+              <a:gd name="connsiteY108" fmla="*/ 4493468 h 6858000"/>
+              <a:gd name="connsiteX109" fmla="*/ 315557 w 5734864"/>
+              <a:gd name="connsiteY109" fmla="*/ 4520067 h 6858000"/>
+              <a:gd name="connsiteX110" fmla="*/ 315240 w 5734864"/>
+              <a:gd name="connsiteY110" fmla="*/ 4536872 h 6858000"/>
+              <a:gd name="connsiteX111" fmla="*/ 316200 w 5734864"/>
+              <a:gd name="connsiteY111" fmla="*/ 4538297 h 6858000"/>
+              <a:gd name="connsiteX112" fmla="*/ 317507 w 5734864"/>
+              <a:gd name="connsiteY112" fmla="*/ 4547582 h 6858000"/>
+              <a:gd name="connsiteX113" fmla="*/ 323078 w 5734864"/>
+              <a:gd name="connsiteY113" fmla="*/ 4592102 h 6858000"/>
+              <a:gd name="connsiteX114" fmla="*/ 328722 w 5734864"/>
+              <a:gd name="connsiteY114" fmla="*/ 4667914 h 6858000"/>
+              <a:gd name="connsiteX115" fmla="*/ 335597 w 5734864"/>
+              <a:gd name="connsiteY115" fmla="*/ 4695035 h 6858000"/>
+              <a:gd name="connsiteX116" fmla="*/ 339485 w 5734864"/>
+              <a:gd name="connsiteY116" fmla="*/ 4695979 h 6858000"/>
+              <a:gd name="connsiteX117" fmla="*/ 341089 w 5734864"/>
+              <a:gd name="connsiteY117" fmla="*/ 4704268 h 6858000"/>
+              <a:gd name="connsiteX118" fmla="*/ 342177 w 5734864"/>
+              <a:gd name="connsiteY118" fmla="*/ 4706060 h 6858000"/>
+              <a:gd name="connsiteX119" fmla="*/ 347751 w 5734864"/>
+              <a:gd name="connsiteY119" fmla="*/ 4716754 h 6858000"/>
+              <a:gd name="connsiteX120" fmla="*/ 344125 w 5734864"/>
+              <a:gd name="connsiteY120" fmla="*/ 4764669 h 6858000"/>
+              <a:gd name="connsiteX121" fmla="*/ 340188 w 5734864"/>
+              <a:gd name="connsiteY121" fmla="*/ 4779386 h 6858000"/>
+              <a:gd name="connsiteX122" fmla="*/ 335146 w 5734864"/>
+              <a:gd name="connsiteY122" fmla="*/ 4787491 h 6858000"/>
+              <a:gd name="connsiteX123" fmla="*/ 319124 w 5734864"/>
+              <a:gd name="connsiteY123" fmla="*/ 4843514 h 6858000"/>
+              <a:gd name="connsiteX124" fmla="*/ 305956 w 5734864"/>
+              <a:gd name="connsiteY124" fmla="*/ 4881505 h 6858000"/>
+              <a:gd name="connsiteX125" fmla="*/ 301062 w 5734864"/>
+              <a:gd name="connsiteY125" fmla="*/ 4889332 h 6858000"/>
+              <a:gd name="connsiteX126" fmla="*/ 302141 w 5734864"/>
+              <a:gd name="connsiteY126" fmla="*/ 4899400 h 6858000"/>
+              <a:gd name="connsiteX127" fmla="*/ 304424 w 5734864"/>
+              <a:gd name="connsiteY127" fmla="*/ 4902664 h 6858000"/>
+              <a:gd name="connsiteX128" fmla="*/ 293123 w 5734864"/>
+              <a:gd name="connsiteY128" fmla="*/ 4932769 h 6858000"/>
+              <a:gd name="connsiteX129" fmla="*/ 292275 w 5734864"/>
+              <a:gd name="connsiteY129" fmla="*/ 4936482 h 6858000"/>
+              <a:gd name="connsiteX130" fmla="*/ 288304 w 5734864"/>
+              <a:gd name="connsiteY130" fmla="*/ 4962325 h 6858000"/>
+              <a:gd name="connsiteX131" fmla="*/ 287420 w 5734864"/>
+              <a:gd name="connsiteY131" fmla="*/ 5042193 h 6858000"/>
+              <a:gd name="connsiteX132" fmla="*/ 287020 w 5734864"/>
+              <a:gd name="connsiteY132" fmla="*/ 5065655 h 6858000"/>
+              <a:gd name="connsiteX133" fmla="*/ 288488 w 5734864"/>
+              <a:gd name="connsiteY133" fmla="*/ 5082216 h 6858000"/>
+              <a:gd name="connsiteX134" fmla="*/ 282763 w 5734864"/>
+              <a:gd name="connsiteY134" fmla="*/ 5127114 h 6858000"/>
+              <a:gd name="connsiteX135" fmla="*/ 269316 w 5734864"/>
+              <a:gd name="connsiteY135" fmla="*/ 5202682 h 6858000"/>
+              <a:gd name="connsiteX136" fmla="*/ 269174 w 5734864"/>
+              <a:gd name="connsiteY136" fmla="*/ 5230835 h 6858000"/>
+              <a:gd name="connsiteX137" fmla="*/ 272679 w 5734864"/>
+              <a:gd name="connsiteY137" fmla="*/ 5232660 h 6858000"/>
+              <a:gd name="connsiteX138" fmla="*/ 272160 w 5734864"/>
+              <a:gd name="connsiteY138" fmla="*/ 5241150 h 6858000"/>
+              <a:gd name="connsiteX139" fmla="*/ 272760 w 5734864"/>
+              <a:gd name="connsiteY139" fmla="*/ 5243156 h 6858000"/>
+              <a:gd name="connsiteX140" fmla="*/ 275462 w 5734864"/>
+              <a:gd name="connsiteY140" fmla="*/ 5254919 h 6858000"/>
+              <a:gd name="connsiteX141" fmla="*/ 262897 w 5734864"/>
+              <a:gd name="connsiteY141" fmla="*/ 5286259 h 6858000"/>
+              <a:gd name="connsiteX142" fmla="*/ 252761 w 5734864"/>
+              <a:gd name="connsiteY142" fmla="*/ 5357801 h 6858000"/>
+              <a:gd name="connsiteX143" fmla="*/ 242360 w 5734864"/>
+              <a:gd name="connsiteY143" fmla="*/ 5460080 h 6858000"/>
+              <a:gd name="connsiteX144" fmla="*/ 229880 w 5734864"/>
+              <a:gd name="connsiteY144" fmla="*/ 5539714 h 6858000"/>
+              <a:gd name="connsiteX145" fmla="*/ 204283 w 5734864"/>
+              <a:gd name="connsiteY145" fmla="*/ 5639080 h 6858000"/>
+              <a:gd name="connsiteX146" fmla="*/ 198948 w 5734864"/>
+              <a:gd name="connsiteY146" fmla="*/ 5710958 h 6858000"/>
+              <a:gd name="connsiteX147" fmla="*/ 192367 w 5734864"/>
+              <a:gd name="connsiteY147" fmla="*/ 5719859 h 6858000"/>
+              <a:gd name="connsiteX148" fmla="*/ 188035 w 5734864"/>
+              <a:gd name="connsiteY148" fmla="*/ 5729935 h 6858000"/>
+              <a:gd name="connsiteX149" fmla="*/ 188428 w 5734864"/>
+              <a:gd name="connsiteY149" fmla="*/ 5731182 h 6858000"/>
+              <a:gd name="connsiteX150" fmla="*/ 181635 w 5734864"/>
+              <a:gd name="connsiteY150" fmla="*/ 5753538 h 6858000"/>
+              <a:gd name="connsiteX151" fmla="*/ 169744 w 5734864"/>
+              <a:gd name="connsiteY151" fmla="*/ 5796307 h 6858000"/>
+              <a:gd name="connsiteX152" fmla="*/ 170351 w 5734864"/>
+              <a:gd name="connsiteY152" fmla="*/ 5796644 h 6858000"/>
+              <a:gd name="connsiteX153" fmla="*/ 171559 w 5734864"/>
+              <a:gd name="connsiteY153" fmla="*/ 5803435 h 6858000"/>
+              <a:gd name="connsiteX154" fmla="*/ 172284 w 5734864"/>
+              <a:gd name="connsiteY154" fmla="*/ 5816391 h 6858000"/>
+              <a:gd name="connsiteX155" fmla="*/ 182542 w 5734864"/>
+              <a:gd name="connsiteY155" fmla="*/ 5846382 h 6858000"/>
+              <a:gd name="connsiteX156" fmla="*/ 175877 w 5734864"/>
+              <a:gd name="connsiteY156" fmla="*/ 5871336 h 6858000"/>
+              <a:gd name="connsiteX157" fmla="*/ 174910 w 5734864"/>
+              <a:gd name="connsiteY157" fmla="*/ 5876376 h 6858000"/>
+              <a:gd name="connsiteX158" fmla="*/ 175047 w 5734864"/>
+              <a:gd name="connsiteY158" fmla="*/ 5876483 h 6858000"/>
+              <a:gd name="connsiteX159" fmla="*/ 174335 w 5734864"/>
+              <a:gd name="connsiteY159" fmla="*/ 5881814 h 6858000"/>
+              <a:gd name="connsiteX160" fmla="*/ 171273 w 5734864"/>
+              <a:gd name="connsiteY160" fmla="*/ 5895339 h 6858000"/>
+              <a:gd name="connsiteX161" fmla="*/ 171658 w 5734864"/>
+              <a:gd name="connsiteY161" fmla="*/ 5898749 h 6858000"/>
+              <a:gd name="connsiteX162" fmla="*/ 174658 w 5734864"/>
+              <a:gd name="connsiteY162" fmla="*/ 5919558 h 6858000"/>
+              <a:gd name="connsiteX163" fmla="*/ 169099 w 5734864"/>
+              <a:gd name="connsiteY163" fmla="*/ 5984417 h 6858000"/>
+              <a:gd name="connsiteX164" fmla="*/ 162007 w 5734864"/>
+              <a:gd name="connsiteY164" fmla="*/ 6049043 h 6858000"/>
+              <a:gd name="connsiteX165" fmla="*/ 156875 w 5734864"/>
+              <a:gd name="connsiteY165" fmla="*/ 6114000 h 6858000"/>
+              <a:gd name="connsiteX166" fmla="*/ 165441 w 5734864"/>
+              <a:gd name="connsiteY166" fmla="*/ 6146938 h 6858000"/>
+              <a:gd name="connsiteX167" fmla="*/ 165177 w 5734864"/>
+              <a:gd name="connsiteY167" fmla="*/ 6150658 h 6858000"/>
+              <a:gd name="connsiteX168" fmla="*/ 161772 w 5734864"/>
+              <a:gd name="connsiteY168" fmla="*/ 6160011 h 6858000"/>
+              <a:gd name="connsiteX169" fmla="*/ 160051 w 5734864"/>
+              <a:gd name="connsiteY169" fmla="*/ 6163393 h 6858000"/>
+              <a:gd name="connsiteX170" fmla="*/ 158473 w 5734864"/>
+              <a:gd name="connsiteY170" fmla="*/ 6168628 h 6858000"/>
+              <a:gd name="connsiteX171" fmla="*/ 158573 w 5734864"/>
+              <a:gd name="connsiteY171" fmla="*/ 6168799 h 6858000"/>
+              <a:gd name="connsiteX172" fmla="*/ 146463 w 5734864"/>
+              <a:gd name="connsiteY172" fmla="*/ 6196671 h 6858000"/>
+              <a:gd name="connsiteX173" fmla="*/ 150209 w 5734864"/>
+              <a:gd name="connsiteY173" fmla="*/ 6232365 h 6858000"/>
+              <a:gd name="connsiteX174" fmla="*/ 148544 w 5734864"/>
+              <a:gd name="connsiteY174" fmla="*/ 6246162 h 6858000"/>
+              <a:gd name="connsiteX175" fmla="*/ 148403 w 5734864"/>
+              <a:gd name="connsiteY175" fmla="*/ 6253754 h 6858000"/>
+              <a:gd name="connsiteX176" fmla="*/ 138880 w 5734864"/>
+              <a:gd name="connsiteY176" fmla="*/ 6276449 h 6858000"/>
+              <a:gd name="connsiteX177" fmla="*/ 138683 w 5734864"/>
+              <a:gd name="connsiteY177" fmla="*/ 6279721 h 6858000"/>
+              <a:gd name="connsiteX178" fmla="*/ 130721 w 5734864"/>
+              <a:gd name="connsiteY178" fmla="*/ 6293675 h 6858000"/>
+              <a:gd name="connsiteX179" fmla="*/ 120717 w 5734864"/>
+              <a:gd name="connsiteY179" fmla="*/ 6313967 h 6858000"/>
+              <a:gd name="connsiteX180" fmla="*/ 120841 w 5734864"/>
+              <a:gd name="connsiteY180" fmla="*/ 6315437 h 6858000"/>
+              <a:gd name="connsiteX181" fmla="*/ 115208 w 5734864"/>
+              <a:gd name="connsiteY181" fmla="*/ 6324024 h 6858000"/>
+              <a:gd name="connsiteX182" fmla="*/ 101217 w 5734864"/>
+              <a:gd name="connsiteY182" fmla="*/ 6365923 h 6858000"/>
+              <a:gd name="connsiteX183" fmla="*/ 74946 w 5734864"/>
+              <a:gd name="connsiteY183" fmla="*/ 6556817 h 6858000"/>
+              <a:gd name="connsiteX184" fmla="*/ 16001 w 5734864"/>
+              <a:gd name="connsiteY184" fmla="*/ 6808678 h 6858000"/>
+              <a:gd name="connsiteX185" fmla="*/ 0 w 5734864"/>
+              <a:gd name="connsiteY185" fmla="*/ 6858000 h 6858000"/>
+              <a:gd name="connsiteX186" fmla="*/ 5734864 w 5734864"/>
+              <a:gd name="connsiteY186" fmla="*/ 6858000 h 6858000"/>
+              <a:gd name="connsiteX187" fmla="*/ 5734864 w 5734864"/>
+              <a:gd name="connsiteY187" fmla="*/ 0 h 6858000"/>
+            </a:gdLst>
+            <a:ahLst/>
+            <a:cxnLst>
+              <a:cxn ang="0">
+                <a:pos x="connsiteX0" y="connsiteY0"/>
+              </a:cxn>
+              <a:cxn ang="0">
+                <a:pos x="connsiteX1" y="connsiteY1"/>
+              </a:cxn>
+              <a:cxn ang="0">
+                <a:pos x="connsiteX2" y="connsiteY2"/>
+              </a:cxn>
+              <a:cxn ang="0">
+                <a:pos x="connsiteX3" y="connsiteY3"/>
+              </a:cxn>
+              <a:cxn ang="0">
+                <a:pos x="connsiteX4" y="connsiteY4"/>
+              </a:cxn>
+              <a:cxn ang="0">
+                <a:pos x="connsiteX5" y="connsiteY5"/>
+              </a:cxn>
+              <a:cxn ang="0">
+                <a:pos x="connsiteX6" y="connsiteY6"/>
+              </a:cxn>
+              <a:cxn ang="0">
+                <a:pos x="connsiteX7" y="connsiteY7"/>
+              </a:cxn>
+              <a:cxn ang="0">
+                <a:pos x="connsiteX8" y="connsiteY8"/>
+              </a:cxn>
+              <a:cxn ang="0">
+                <a:pos x="connsiteX9" y="connsiteY9"/>
+              </a:cxn>
+              <a:cxn ang="0">
+                <a:pos x="connsiteX10" y="connsiteY10"/>
+              </a:cxn>
+              <a:cxn ang="0">
+                <a:pos x="connsiteX11" y="connsiteY11"/>
+              </a:cxn>
+              <a:cxn ang="0">
+                <a:pos x="connsiteX12" y="connsiteY12"/>
+              </a:cxn>
+              <a:cxn ang="0">
+                <a:pos x="connsiteX13" y="connsiteY13"/>
+              </a:cxn>
+              <a:cxn ang="0">
+                <a:pos x="connsiteX14" y="connsiteY14"/>
+              </a:cxn>
+              <a:cxn ang="0">
+                <a:pos x="connsiteX15" y="connsiteY15"/>
+              </a:cxn>
+              <a:cxn ang="0">
+                <a:pos x="connsiteX16" y="connsiteY16"/>
+              </a:cxn>
+              <a:cxn ang="0">
+                <a:pos x="connsiteX17" y="connsiteY17"/>
+              </a:cxn>
+              <a:cxn ang="0">
+                <a:pos x="connsiteX18" y="connsiteY18"/>
+              </a:cxn>
+              <a:cxn ang="0">
+                <a:pos x="connsiteX19" y="connsiteY19"/>
+              </a:cxn>
+              <a:cxn ang="0">
+                <a:pos x="connsiteX20" y="connsiteY20"/>
+              </a:cxn>
+              <a:cxn ang="0">
+                <a:pos x="connsiteX21" y="connsiteY21"/>
+              </a:cxn>
+              <a:cxn ang="0">
+                <a:pos x="connsiteX22" y="connsiteY22"/>
+              </a:cxn>
+              <a:cxn ang="0">
+                <a:pos x="connsiteX23" y="connsiteY23"/>
+              </a:cxn>
+              <a:cxn ang="0">
+                <a:pos x="connsiteX24" y="connsiteY24"/>
+              </a:cxn>
+              <a:cxn ang="0">
+                <a:pos x="connsiteX25" y="connsiteY25"/>
+              </a:cxn>
+              <a:cxn ang="0">
+                <a:pos x="connsiteX26" y="connsiteY26"/>
+              </a:cxn>
+              <a:cxn ang="0">
+                <a:pos x="connsiteX27" y="connsiteY27"/>
+              </a:cxn>
+              <a:cxn ang="0">
+                <a:pos x="connsiteX28" y="connsiteY28"/>
+              </a:cxn>
+              <a:cxn ang="0">
+                <a:pos x="connsiteX29" y="connsiteY29"/>
+              </a:cxn>
+              <a:cxn ang="0">
+                <a:pos x="connsiteX30" y="connsiteY30"/>
+              </a:cxn>
+              <a:cxn ang="0">
+                <a:pos x="connsiteX31" y="connsiteY31"/>
+              </a:cxn>
+              <a:cxn ang="0">
+                <a:pos x="connsiteX32" y="connsiteY32"/>
+              </a:cxn>
+              <a:cxn ang="0">
+                <a:pos x="connsiteX33" y="connsiteY33"/>
+              </a:cxn>
+              <a:cxn ang="0">
+                <a:pos x="connsiteX34" y="connsiteY34"/>
+              </a:cxn>
+              <a:cxn ang="0">
+                <a:pos x="connsiteX35" y="connsiteY35"/>
+              </a:cxn>
+              <a:cxn ang="0">
+                <a:pos x="connsiteX36" y="connsiteY36"/>
+              </a:cxn>
+              <a:cxn ang="0">
+                <a:pos x="connsiteX37" y="connsiteY37"/>
+              </a:cxn>
+              <a:cxn ang="0">
+                <a:pos x="connsiteX38" y="connsiteY38"/>
+              </a:cxn>
+              <a:cxn ang="0">
+                <a:pos x="connsiteX39" y="connsiteY39"/>
+              </a:cxn>
+              <a:cxn ang="0">
+                <a:pos x="connsiteX40" y="connsiteY40"/>
+              </a:cxn>
+              <a:cxn ang="0">
+                <a:pos x="connsiteX41" y="connsiteY41"/>
+              </a:cxn>
+              <a:cxn ang="0">
+                <a:pos x="connsiteX42" y="connsiteY42"/>
+              </a:cxn>
+              <a:cxn ang="0">
+                <a:pos x="connsiteX43" y="connsiteY43"/>
+              </a:cxn>
+              <a:cxn ang="0">
+                <a:pos x="connsiteX44" y="connsiteY44"/>
+              </a:cxn>
+              <a:cxn ang="0">
+                <a:pos x="connsiteX45" y="connsiteY45"/>
+              </a:cxn>
+              <a:cxn ang="0">
+                <a:pos x="connsiteX46" y="connsiteY46"/>
+              </a:cxn>
+              <a:cxn ang="0">
+                <a:pos x="connsiteX47" y="connsiteY47"/>
+              </a:cxn>
+              <a:cxn ang="0">
+                <a:pos x="connsiteX48" y="connsiteY48"/>
+              </a:cxn>
+              <a:cxn ang="0">
+                <a:pos x="connsiteX49" y="connsiteY49"/>
+              </a:cxn>
+              <a:cxn ang="0">
+                <a:pos x="connsiteX50" y="connsiteY50"/>
+              </a:cxn>
+              <a:cxn ang="0">
+                <a:pos x="connsiteX51" y="connsiteY51"/>
+              </a:cxn>
+              <a:cxn ang="0">
+                <a:pos x="connsiteX52" y="connsiteY52"/>
+              </a:cxn>
+              <a:cxn ang="0">
+                <a:pos x="connsiteX53" y="connsiteY53"/>
+              </a:cxn>
+              <a:cxn ang="0">
+                <a:pos x="connsiteX54" y="connsiteY54"/>
+              </a:cxn>
+              <a:cxn ang="0">
+                <a:pos x="connsiteX55" y="connsiteY55"/>
+              </a:cxn>
+              <a:cxn ang="0">
+                <a:pos x="connsiteX56" y="connsiteY56"/>
+              </a:cxn>
+              <a:cxn ang="0">
+                <a:pos x="connsiteX57" y="connsiteY57"/>
+              </a:cxn>
+              <a:cxn ang="0">
+                <a:pos x="connsiteX58" y="connsiteY58"/>
+              </a:cxn>
+              <a:cxn ang="0">
+                <a:pos x="connsiteX59" y="connsiteY59"/>
+              </a:cxn>
+              <a:cxn ang="0">
+                <a:pos x="connsiteX60" y="connsiteY60"/>
+              </a:cxn>
+              <a:cxn ang="0">
+                <a:pos x="connsiteX61" y="connsiteY61"/>
+              </a:cxn>
+              <a:cxn ang="0">
+                <a:pos x="connsiteX62" y="connsiteY62"/>
+              </a:cxn>
+              <a:cxn ang="0">
+                <a:pos x="connsiteX63" y="connsiteY63"/>
+              </a:cxn>
+              <a:cxn ang="0">
+                <a:pos x="connsiteX64" y="connsiteY64"/>
+              </a:cxn>
+              <a:cxn ang="0">
+                <a:pos x="connsiteX65" y="connsiteY65"/>
+              </a:cxn>
+              <a:cxn ang="0">
+                <a:pos x="connsiteX66" y="connsiteY66"/>
+              </a:cxn>
+              <a:cxn ang="0">
+                <a:pos x="connsiteX67" y="connsiteY67"/>
+              </a:cxn>
+              <a:cxn ang="0">
+                <a:pos x="connsiteX68" y="connsiteY68"/>
+              </a:cxn>
+              <a:cxn ang="0">
+                <a:pos x="connsiteX69" y="connsiteY69"/>
+              </a:cxn>
+              <a:cxn ang="0">
+                <a:pos x="connsiteX70" y="connsiteY70"/>
+              </a:cxn>
+              <a:cxn ang="0">
+                <a:pos x="connsiteX71" y="connsiteY71"/>
+              </a:cxn>
+              <a:cxn ang="0">
+                <a:pos x="connsiteX72" y="connsiteY72"/>
+              </a:cxn>
+              <a:cxn ang="0">
+                <a:pos x="connsiteX73" y="connsiteY73"/>
+              </a:cxn>
+              <a:cxn ang="0">
+                <a:pos x="connsiteX74" y="connsiteY74"/>
+              </a:cxn>
+              <a:cxn ang="0">
+                <a:pos x="connsiteX75" y="connsiteY75"/>
+              </a:cxn>
+              <a:cxn ang="0">
+                <a:pos x="connsiteX76" y="connsiteY76"/>
+              </a:cxn>
+              <a:cxn ang="0">
+                <a:pos x="connsiteX77" y="connsiteY77"/>
+              </a:cxn>
+              <a:cxn ang="0">
+                <a:pos x="connsiteX78" y="connsiteY78"/>
+              </a:cxn>
+              <a:cxn ang="0">
+                <a:pos x="connsiteX79" y="connsiteY79"/>
+              </a:cxn>
+              <a:cxn ang="0">
+                <a:pos x="connsiteX80" y="connsiteY80"/>
+              </a:cxn>
+              <a:cxn ang="0">
+                <a:pos x="connsiteX81" y="connsiteY81"/>
+              </a:cxn>
+              <a:cxn ang="0">
+                <a:pos x="connsiteX82" y="connsiteY82"/>
+              </a:cxn>
+              <a:cxn ang="0">
+                <a:pos x="connsiteX83" y="connsiteY83"/>
+              </a:cxn>
+              <a:cxn ang="0">
+                <a:pos x="connsiteX84" y="connsiteY84"/>
+              </a:cxn>
+              <a:cxn ang="0">
+                <a:pos x="connsiteX85" y="connsiteY85"/>
+              </a:cxn>
+              <a:cxn ang="0">
+                <a:pos x="connsiteX86" y="connsiteY86"/>
+              </a:cxn>
+              <a:cxn ang="0">
+                <a:pos x="connsiteX87" y="connsiteY87"/>
+              </a:cxn>
+              <a:cxn ang="0">
+                <a:pos x="connsiteX88" y="connsiteY88"/>
+              </a:cxn>
+              <a:cxn ang="0">
+                <a:pos x="connsiteX89" y="connsiteY89"/>
+              </a:cxn>
+              <a:cxn ang="0">
+                <a:pos x="connsiteX90" y="connsiteY90"/>
+              </a:cxn>
+              <a:cxn ang="0">
+                <a:pos x="connsiteX91" y="connsiteY91"/>
+              </a:cxn>
+              <a:cxn ang="0">
+                <a:pos x="connsiteX92" y="connsiteY92"/>
+              </a:cxn>
+              <a:cxn ang="0">
+                <a:pos x="connsiteX93" y="connsiteY93"/>
+              </a:cxn>
+              <a:cxn ang="0">
+                <a:pos x="connsiteX94" y="connsiteY94"/>
+              </a:cxn>
+              <a:cxn ang="0">
+                <a:pos x="connsiteX95" y="connsiteY95"/>
+              </a:cxn>
+              <a:cxn ang="0">
+                <a:pos x="connsiteX96" y="connsiteY96"/>
+              </a:cxn>
+              <a:cxn ang="0">
+                <a:pos x="connsiteX97" y="connsiteY97"/>
+              </a:cxn>
+              <a:cxn ang="0">
+                <a:pos x="connsiteX98" y="connsiteY98"/>
+              </a:cxn>
+              <a:cxn ang="0">
+                <a:pos x="connsiteX99" y="connsiteY99"/>
+              </a:cxn>
+              <a:cxn ang="0">
+                <a:pos x="connsiteX100" y="connsiteY100"/>
+              </a:cxn>
+              <a:cxn ang="0">
+                <a:pos x="connsiteX101" y="connsiteY101"/>
+              </a:cxn>
+              <a:cxn ang="0">
+                <a:pos x="connsiteX102" y="connsiteY102"/>
+              </a:cxn>
+              <a:cxn ang="0">
+                <a:pos x="connsiteX103" y="connsiteY103"/>
+              </a:cxn>
+              <a:cxn ang="0">
+                <a:pos x="connsiteX104" y="connsiteY104"/>
+              </a:cxn>
+              <a:cxn ang="0">
+                <a:pos x="connsiteX105" y="connsiteY105"/>
+              </a:cxn>
+              <a:cxn ang="0">
+                <a:pos x="connsiteX106" y="connsiteY106"/>
+              </a:cxn>
+              <a:cxn ang="0">
+                <a:pos x="connsiteX107" y="connsiteY107"/>
+              </a:cxn>
+              <a:cxn ang="0">
+                <a:pos x="connsiteX108" y="connsiteY108"/>
+              </a:cxn>
+              <a:cxn ang="0">
+                <a:pos x="connsiteX109" y="connsiteY109"/>
+              </a:cxn>
+              <a:cxn ang="0">
+                <a:pos x="connsiteX110" y="connsiteY110"/>
+              </a:cxn>
+              <a:cxn ang="0">
+                <a:pos x="connsiteX111" y="connsiteY111"/>
+              </a:cxn>
+              <a:cxn ang="0">
+                <a:pos x="connsiteX112" y="connsiteY112"/>
+              </a:cxn>
+              <a:cxn ang="0">
+                <a:pos x="connsiteX113" y="connsiteY113"/>
+              </a:cxn>
+              <a:cxn ang="0">
+                <a:pos x="connsiteX114" y="connsiteY114"/>
+              </a:cxn>
+              <a:cxn ang="0">
+                <a:pos x="connsiteX115" y="connsiteY115"/>
+              </a:cxn>
+              <a:cxn ang="0">
+                <a:pos x="connsiteX116" y="connsiteY116"/>
+              </a:cxn>
+              <a:cxn ang="0">
+                <a:pos x="connsiteX117" y="connsiteY117"/>
+              </a:cxn>
+              <a:cxn ang="0">
+                <a:pos x="connsiteX118" y="connsiteY118"/>
+              </a:cxn>
+              <a:cxn ang="0">
+                <a:pos x="connsiteX119" y="connsiteY119"/>
+              </a:cxn>
+              <a:cxn ang="0">
+                <a:pos x="connsiteX120" y="connsiteY120"/>
+              </a:cxn>
+              <a:cxn ang="0">
+                <a:pos x="connsiteX121" y="connsiteY121"/>
+              </a:cxn>
+              <a:cxn ang="0">
+                <a:pos x="connsiteX122" y="connsiteY122"/>
+              </a:cxn>
+              <a:cxn ang="0">
+                <a:pos x="connsiteX123" y="connsiteY123"/>
+              </a:cxn>
+              <a:cxn ang="0">
+                <a:pos x="connsiteX124" y="connsiteY124"/>
+              </a:cxn>
+              <a:cxn ang="0">
+                <a:pos x="connsiteX125" y="connsiteY125"/>
+              </a:cxn>
+              <a:cxn ang="0">
+                <a:pos x="connsiteX126" y="connsiteY126"/>
+              </a:cxn>
+              <a:cxn ang="0">
+                <a:pos x="connsiteX127" y="connsiteY127"/>
+              </a:cxn>
+              <a:cxn ang="0">
+                <a:pos x="connsiteX128" y="connsiteY128"/>
+              </a:cxn>
+              <a:cxn ang="0">
+                <a:pos x="connsiteX129" y="connsiteY129"/>
+              </a:cxn>
+              <a:cxn ang="0">
+                <a:pos x="connsiteX130" y="connsiteY130"/>
+              </a:cxn>
+              <a:cxn ang="0">
+                <a:pos x="connsiteX131" y="connsiteY131"/>
+              </a:cxn>
+              <a:cxn ang="0">
+                <a:pos x="connsiteX132" y="connsiteY132"/>
+              </a:cxn>
+              <a:cxn ang="0">
+                <a:pos x="connsiteX133" y="connsiteY133"/>
+              </a:cxn>
+              <a:cxn ang="0">
+                <a:pos x="connsiteX134" y="connsiteY134"/>
+              </a:cxn>
+              <a:cxn ang="0">
+                <a:pos x="connsiteX135" y="connsiteY135"/>
+              </a:cxn>
+              <a:cxn ang="0">
+                <a:pos x="connsiteX136" y="connsiteY136"/>
+              </a:cxn>
+              <a:cxn ang="0">
+                <a:pos x="connsiteX137" y="connsiteY137"/>
+              </a:cxn>
+              <a:cxn ang="0">
+                <a:pos x="connsiteX138" y="connsiteY138"/>
+              </a:cxn>
+              <a:cxn ang="0">
+                <a:pos x="connsiteX139" y="connsiteY139"/>
+              </a:cxn>
+              <a:cxn ang="0">
+                <a:pos x="connsiteX140" y="connsiteY140"/>
+              </a:cxn>
+              <a:cxn ang="0">
+                <a:pos x="connsiteX141" y="connsiteY141"/>
+              </a:cxn>
+              <a:cxn ang="0">
+                <a:pos x="connsiteX142" y="connsiteY142"/>
+              </a:cxn>
+              <a:cxn ang="0">
+                <a:pos x="connsiteX143" y="connsiteY143"/>
+              </a:cxn>
+              <a:cxn ang="0">
+                <a:pos x="connsiteX144" y="connsiteY144"/>
+              </a:cxn>
+              <a:cxn ang="0">
+                <a:pos x="connsiteX145" y="connsiteY145"/>
+              </a:cxn>
+              <a:cxn ang="0">
+                <a:pos x="connsiteX146" y="connsiteY146"/>
+              </a:cxn>
+              <a:cxn ang="0">
+                <a:pos x="connsiteX147" y="connsiteY147"/>
+              </a:cxn>
+              <a:cxn ang="0">
+                <a:pos x="connsiteX148" y="connsiteY148"/>
+              </a:cxn>
+              <a:cxn ang="0">
+                <a:pos x="connsiteX149" y="connsiteY149"/>
+              </a:cxn>
+              <a:cxn ang="0">
+                <a:pos x="connsiteX150" y="connsiteY150"/>
+              </a:cxn>
+              <a:cxn ang="0">
+                <a:pos x="connsiteX151" y="connsiteY151"/>
+              </a:cxn>
+              <a:cxn ang="0">
+                <a:pos x="connsiteX152" y="connsiteY152"/>
+              </a:cxn>
+              <a:cxn ang="0">
+                <a:pos x="connsiteX153" y="connsiteY153"/>
+              </a:cxn>
+              <a:cxn ang="0">
+                <a:pos x="connsiteX154" y="connsiteY154"/>
+              </a:cxn>
+              <a:cxn ang="0">
+                <a:pos x="connsiteX155" y="connsiteY155"/>
+              </a:cxn>
+              <a:cxn ang="0">
+                <a:pos x="connsiteX156" y="connsiteY156"/>
+              </a:cxn>
+              <a:cxn ang="0">
+                <a:pos x="connsiteX157" y="connsiteY157"/>
+              </a:cxn>
+              <a:cxn ang="0">
+                <a:pos x="connsiteX158" y="connsiteY158"/>
+              </a:cxn>
+              <a:cxn ang="0">
+                <a:pos x="connsiteX159" y="connsiteY159"/>
+              </a:cxn>
+              <a:cxn ang="0">
+                <a:pos x="connsiteX160" y="connsiteY160"/>
+              </a:cxn>
+              <a:cxn ang="0">
+                <a:pos x="connsiteX161" y="connsiteY161"/>
+              </a:cxn>
+              <a:cxn ang="0">
+                <a:pos x="connsiteX162" y="connsiteY162"/>
+              </a:cxn>
+              <a:cxn ang="0">
+                <a:pos x="connsiteX163" y="connsiteY163"/>
+              </a:cxn>
+              <a:cxn ang="0">
+                <a:pos x="connsiteX164" y="connsiteY164"/>
+              </a:cxn>
+              <a:cxn ang="0">
+                <a:pos x="connsiteX165" y="connsiteY165"/>
+              </a:cxn>
+              <a:cxn ang="0">
+                <a:pos x="connsiteX166" y="connsiteY166"/>
+              </a:cxn>
+              <a:cxn ang="0">
+                <a:pos x="connsiteX167" y="connsiteY167"/>
+              </a:cxn>
+              <a:cxn ang="0">
+                <a:pos x="connsiteX168" y="connsiteY168"/>
+              </a:cxn>
+              <a:cxn ang="0">
+                <a:pos x="connsiteX169" y="connsiteY169"/>
+              </a:cxn>
+              <a:cxn ang="0">
+                <a:pos x="connsiteX170" y="connsiteY170"/>
+              </a:cxn>
+              <a:cxn ang="0">
+                <a:pos x="connsiteX171" y="connsiteY171"/>
+              </a:cxn>
+              <a:cxn ang="0">
+                <a:pos x="connsiteX172" y="connsiteY172"/>
+              </a:cxn>
+              <a:cxn ang="0">
+                <a:pos x="connsiteX173" y="connsiteY173"/>
+              </a:cxn>
+              <a:cxn ang="0">
+                <a:pos x="connsiteX174" y="connsiteY174"/>
+              </a:cxn>
+              <a:cxn ang="0">
+                <a:pos x="connsiteX175" y="connsiteY175"/>
+              </a:cxn>
+              <a:cxn ang="0">
+                <a:pos x="connsiteX176" y="connsiteY176"/>
+              </a:cxn>
+              <a:cxn ang="0">
+                <a:pos x="connsiteX177" y="connsiteY177"/>
+              </a:cxn>
+              <a:cxn ang="0">
+                <a:pos x="connsiteX178" y="connsiteY178"/>
+              </a:cxn>
+              <a:cxn ang="0">
+                <a:pos x="connsiteX179" y="connsiteY179"/>
+              </a:cxn>
+              <a:cxn ang="0">
+                <a:pos x="connsiteX180" y="connsiteY180"/>
+              </a:cxn>
+              <a:cxn ang="0">
+                <a:pos x="connsiteX181" y="connsiteY181"/>
+              </a:cxn>
+              <a:cxn ang="0">
+                <a:pos x="connsiteX182" y="connsiteY182"/>
+              </a:cxn>
+              <a:cxn ang="0">
+                <a:pos x="connsiteX183" y="connsiteY183"/>
+              </a:cxn>
+              <a:cxn ang="0">
+                <a:pos x="connsiteX184" y="connsiteY184"/>
+              </a:cxn>
+              <a:cxn ang="0">
+                <a:pos x="connsiteX185" y="connsiteY185"/>
+              </a:cxn>
+              <a:cxn ang="0">
+                <a:pos x="connsiteX186" y="connsiteY186"/>
+              </a:cxn>
+              <a:cxn ang="0">
+                <a:pos x="connsiteX187" y="connsiteY187"/>
+              </a:cxn>
+            </a:cxnLst>
+            <a:rect l="l" t="t" r="r" b="b"/>
+            <a:pathLst>
+              <a:path w="5734864" h="6858000">
+                <a:moveTo>
+                  <a:pt x="5734864" y="0"/>
+                </a:moveTo>
+                <a:lnTo>
+                  <a:pt x="771611" y="0"/>
+                </a:lnTo>
+                <a:cubicBezTo>
+                  <a:pt x="771634" y="16369"/>
+                  <a:pt x="771656" y="32739"/>
+                  <a:pt x="771679" y="49108"/>
+                </a:cubicBezTo>
+                <a:cubicBezTo>
+                  <a:pt x="775201" y="55622"/>
+                  <a:pt x="788724" y="196721"/>
+                  <a:pt x="794248" y="200968"/>
+                </a:cubicBezTo>
+                <a:lnTo>
+                  <a:pt x="801749" y="414071"/>
+                </a:lnTo>
+                <a:cubicBezTo>
+                  <a:pt x="807329" y="440933"/>
+                  <a:pt x="835107" y="598697"/>
+                  <a:pt x="818548" y="585467"/>
+                </a:cubicBezTo>
+                <a:cubicBezTo>
+                  <a:pt x="856197" y="664140"/>
+                  <a:pt x="837895" y="708473"/>
+                  <a:pt x="857476" y="800623"/>
+                </a:cubicBezTo>
+                <a:cubicBezTo>
+                  <a:pt x="822401" y="857344"/>
+                  <a:pt x="855723" y="824571"/>
+                  <a:pt x="851083" y="878903"/>
+                </a:cubicBezTo>
+                <a:cubicBezTo>
+                  <a:pt x="884811" y="859448"/>
+                  <a:pt x="834648" y="946397"/>
+                  <a:pt x="873564" y="943826"/>
+                </a:cubicBezTo>
+                <a:cubicBezTo>
+                  <a:pt x="871487" y="953795"/>
+                  <a:pt x="868248" y="963533"/>
+                  <a:pt x="864705" y="973328"/>
+                </a:cubicBezTo>
+                <a:lnTo>
+                  <a:pt x="862869" y="978457"/>
+                </a:lnTo>
+                <a:lnTo>
+                  <a:pt x="862233" y="998041"/>
+                </a:lnTo>
+                <a:lnTo>
+                  <a:pt x="853665" y="1004750"/>
+                </a:lnTo>
+                <a:lnTo>
+                  <a:pt x="847865" y="1070795"/>
+                </a:lnTo>
+                <a:cubicBezTo>
+                  <a:pt x="870234" y="1110486"/>
+                  <a:pt x="833172" y="1190441"/>
+                  <a:pt x="862786" y="1238994"/>
+                </a:cubicBezTo>
+                <a:cubicBezTo>
+                  <a:pt x="864699" y="1290599"/>
+                  <a:pt x="860615" y="1347716"/>
+                  <a:pt x="859345" y="1380427"/>
+                </a:cubicBezTo>
+                <a:cubicBezTo>
+                  <a:pt x="845703" y="1396391"/>
+                  <a:pt x="873184" y="1435525"/>
+                  <a:pt x="855172" y="1435262"/>
+                </a:cubicBezTo>
+                <a:lnTo>
+                  <a:pt x="860494" y="1453861"/>
+                </a:lnTo>
+                <a:lnTo>
+                  <a:pt x="853731" y="1467047"/>
+                </a:lnTo>
+                <a:cubicBezTo>
+                  <a:pt x="846549" y="1480528"/>
+                  <a:pt x="841728" y="1491093"/>
+                  <a:pt x="845847" y="1502307"/>
+                </a:cubicBezTo>
+                <a:lnTo>
+                  <a:pt x="817613" y="1565166"/>
+                </a:lnTo>
+                <a:cubicBezTo>
+                  <a:pt x="805468" y="1557258"/>
+                  <a:pt x="816534" y="1596564"/>
+                  <a:pt x="804223" y="1601941"/>
+                </a:cubicBezTo>
+                <a:cubicBezTo>
+                  <a:pt x="794287" y="1604654"/>
+                  <a:pt x="795328" y="1617209"/>
+                  <a:pt x="791773" y="1627005"/>
+                </a:cubicBezTo>
+                <a:cubicBezTo>
+                  <a:pt x="781684" y="1634393"/>
+                  <a:pt x="772978" y="1683187"/>
+                  <a:pt x="774645" y="1699922"/>
+                </a:cubicBezTo>
+                <a:cubicBezTo>
+                  <a:pt x="785341" y="1746767"/>
+                  <a:pt x="744845" y="1787099"/>
+                  <a:pt x="752343" y="1824604"/>
+                </a:cubicBezTo>
+                <a:cubicBezTo>
+                  <a:pt x="751502" y="1834578"/>
+                  <a:pt x="749297" y="1842929"/>
+                  <a:pt x="746254" y="1850222"/>
+                </a:cubicBezTo>
+                <a:lnTo>
+                  <a:pt x="728600" y="1869603"/>
+                </a:lnTo>
+                <a:lnTo>
+                  <a:pt x="724396" y="1883104"/>
+                </a:lnTo>
+                <a:lnTo>
+                  <a:pt x="722165" y="1885924"/>
+                </a:lnTo>
+                <a:lnTo>
+                  <a:pt x="721338" y="1887123"/>
+                </a:lnTo>
+                <a:lnTo>
+                  <a:pt x="714840" y="1902274"/>
+                </a:lnTo>
+                <a:lnTo>
+                  <a:pt x="722847" y="1929891"/>
+                </a:lnTo>
+                <a:lnTo>
+                  <a:pt x="714660" y="1982709"/>
+                </a:lnTo>
+                <a:cubicBezTo>
+                  <a:pt x="727725" y="2006201"/>
+                  <a:pt x="714739" y="1997091"/>
+                  <a:pt x="710759" y="2013010"/>
+                </a:cubicBezTo>
+                <a:cubicBezTo>
+                  <a:pt x="707970" y="2027531"/>
+                  <a:pt x="700788" y="2054714"/>
+                  <a:pt x="697927" y="2069833"/>
+                </a:cubicBezTo>
+                <a:cubicBezTo>
+                  <a:pt x="685211" y="2080229"/>
+                  <a:pt x="698762" y="2088241"/>
+                  <a:pt x="693594" y="2103731"/>
+                </a:cubicBezTo>
+                <a:cubicBezTo>
+                  <a:pt x="688481" y="2110649"/>
+                  <a:pt x="687183" y="2115973"/>
+                  <a:pt x="691109" y="2124027"/>
+                </a:cubicBezTo>
+                <a:cubicBezTo>
+                  <a:pt x="666413" y="2155740"/>
+                  <a:pt x="688031" y="2144874"/>
+                  <a:pt x="676593" y="2176182"/>
+                </a:cubicBezTo>
+                <a:cubicBezTo>
+                  <a:pt x="665190" y="2202944"/>
+                  <a:pt x="656416" y="2233857"/>
+                  <a:pt x="633227" y="2258036"/>
+                </a:cubicBezTo>
+                <a:cubicBezTo>
+                  <a:pt x="626930" y="2262191"/>
+                  <a:pt x="623498" y="2274069"/>
+                  <a:pt x="625564" y="2284567"/>
+                </a:cubicBezTo>
+                <a:cubicBezTo>
+                  <a:pt x="625918" y="2286374"/>
+                  <a:pt x="626427" y="2288071"/>
+                  <a:pt x="627074" y="2289605"/>
+                </a:cubicBezTo>
+                <a:cubicBezTo>
+                  <a:pt x="619029" y="2296628"/>
+                  <a:pt x="616453" y="2303188"/>
+                  <a:pt x="614574" y="2308717"/>
+                </a:cubicBezTo>
+                <a:lnTo>
+                  <a:pt x="606890" y="2320662"/>
+                </a:lnTo>
+                <a:lnTo>
+                  <a:pt x="605558" y="2327897"/>
+                </a:lnTo>
+                <a:lnTo>
+                  <a:pt x="602202" y="2357749"/>
+                </a:lnTo>
+                <a:lnTo>
+                  <a:pt x="600213" y="2364905"/>
+                </a:lnTo>
+                <a:lnTo>
+                  <a:pt x="597160" y="2388351"/>
+                </a:lnTo>
+                <a:lnTo>
+                  <a:pt x="597982" y="2402296"/>
+                </a:lnTo>
+                <a:lnTo>
+                  <a:pt x="593150" y="2420015"/>
+                </a:lnTo>
+                <a:cubicBezTo>
+                  <a:pt x="593044" y="2420926"/>
+                  <a:pt x="592939" y="2421838"/>
+                  <a:pt x="592833" y="2422749"/>
+                </a:cubicBezTo>
+                <a:lnTo>
+                  <a:pt x="594479" y="2426002"/>
+                </a:lnTo>
+                <a:cubicBezTo>
+                  <a:pt x="594168" y="2427683"/>
+                  <a:pt x="593118" y="2429721"/>
+                  <a:pt x="591963" y="2431950"/>
+                </a:cubicBezTo>
+                <a:cubicBezTo>
+                  <a:pt x="591823" y="2432599"/>
+                  <a:pt x="591684" y="2433248"/>
+                  <a:pt x="591544" y="2433897"/>
+                </a:cubicBezTo>
+                <a:lnTo>
+                  <a:pt x="589519" y="2451398"/>
+                </a:lnTo>
+                <a:cubicBezTo>
+                  <a:pt x="589692" y="2452777"/>
+                  <a:pt x="589864" y="2454157"/>
+                  <a:pt x="590037" y="2455536"/>
+                </a:cubicBezTo>
+                <a:lnTo>
+                  <a:pt x="588179" y="2462981"/>
+                </a:lnTo>
+                <a:lnTo>
+                  <a:pt x="583434" y="2503991"/>
+                </a:lnTo>
+                <a:cubicBezTo>
+                  <a:pt x="576530" y="2566058"/>
+                  <a:pt x="570433" y="2625224"/>
+                  <a:pt x="567942" y="2652936"/>
+                </a:cubicBezTo>
+                <a:cubicBezTo>
+                  <a:pt x="570864" y="2658290"/>
+                  <a:pt x="572739" y="2664095"/>
+                  <a:pt x="573869" y="2670188"/>
+                </a:cubicBezTo>
+                <a:lnTo>
+                  <a:pt x="575243" y="2688114"/>
+                </a:lnTo>
+                <a:lnTo>
+                  <a:pt x="573824" y="2689856"/>
+                </a:lnTo>
+                <a:cubicBezTo>
+                  <a:pt x="569972" y="2698471"/>
+                  <a:pt x="569572" y="2704494"/>
+                  <a:pt x="570699" y="2709353"/>
+                </a:cubicBezTo>
+                <a:lnTo>
+                  <a:pt x="573192" y="2714527"/>
+                </a:lnTo>
+                <a:cubicBezTo>
+                  <a:pt x="572809" y="2719080"/>
+                  <a:pt x="572427" y="2723634"/>
+                  <a:pt x="572044" y="2728187"/>
+                </a:cubicBezTo>
+                <a:cubicBezTo>
+                  <a:pt x="572184" y="2737412"/>
+                  <a:pt x="572325" y="2746638"/>
+                  <a:pt x="572465" y="2755863"/>
+                </a:cubicBezTo>
+                <a:lnTo>
+                  <a:pt x="570028" y="2760324"/>
+                </a:lnTo>
+                <a:lnTo>
+                  <a:pt x="566748" y="2800948"/>
+                </a:lnTo>
+                <a:lnTo>
+                  <a:pt x="565509" y="2801167"/>
+                </a:lnTo>
+                <a:cubicBezTo>
+                  <a:pt x="562655" y="2802587"/>
+                  <a:pt x="560408" y="2805381"/>
+                  <a:pt x="559367" y="2811129"/>
+                </a:cubicBezTo>
+                <a:cubicBezTo>
+                  <a:pt x="543471" y="2797318"/>
+                  <a:pt x="552020" y="2812773"/>
+                  <a:pt x="550354" y="2830949"/>
+                </a:cubicBezTo>
+                <a:cubicBezTo>
+                  <a:pt x="525292" y="2813553"/>
+                  <a:pt x="531129" y="2868192"/>
+                  <a:pt x="514795" y="2872433"/>
+                </a:cubicBezTo>
+                <a:lnTo>
+                  <a:pt x="509875" y="2923099"/>
+                </a:lnTo>
+                <a:lnTo>
+                  <a:pt x="509577" y="2923197"/>
+                </a:lnTo>
+                <a:cubicBezTo>
+                  <a:pt x="508704" y="2924865"/>
+                  <a:pt x="508038" y="2927556"/>
+                  <a:pt x="507597" y="2931868"/>
+                </a:cubicBezTo>
+                <a:cubicBezTo>
+                  <a:pt x="507524" y="2934019"/>
+                  <a:pt x="507452" y="2936171"/>
+                  <a:pt x="507379" y="2938322"/>
+                </a:cubicBezTo>
+                <a:lnTo>
+                  <a:pt x="504725" y="2954519"/>
+                </a:lnTo>
+                <a:lnTo>
+                  <a:pt x="502018" y="2959643"/>
+                </a:lnTo>
+                <a:lnTo>
+                  <a:pt x="498360" y="2961019"/>
+                </a:lnTo>
+                <a:lnTo>
+                  <a:pt x="498483" y="2962590"/>
+                </a:lnTo>
+                <a:cubicBezTo>
+                  <a:pt x="502388" y="2975027"/>
+                  <a:pt x="510202" y="2980016"/>
+                  <a:pt x="484403" y="2990538"/>
+                </a:cubicBezTo>
+                <a:cubicBezTo>
+                  <a:pt x="489425" y="3018352"/>
+                  <a:pt x="474337" y="3021029"/>
+                  <a:pt x="463075" y="3055956"/>
+                </a:cubicBezTo>
+                <a:cubicBezTo>
+                  <a:pt x="469487" y="3072485"/>
+                  <a:pt x="464165" y="3083955"/>
+                  <a:pt x="455013" y="3094482"/>
+                </a:cubicBezTo>
+                <a:cubicBezTo>
+                  <a:pt x="453131" y="3130054"/>
+                  <a:pt x="437643" y="3160106"/>
+                  <a:pt x="428391" y="3198850"/>
+                </a:cubicBezTo>
+                <a:lnTo>
+                  <a:pt x="401440" y="3307560"/>
+                </a:lnTo>
+                <a:lnTo>
+                  <a:pt x="386076" y="3373943"/>
+                </a:lnTo>
+                <a:cubicBezTo>
+                  <a:pt x="386236" y="3376061"/>
+                  <a:pt x="380537" y="3378856"/>
+                  <a:pt x="374726" y="3381364"/>
+                </a:cubicBezTo>
+                <a:lnTo>
+                  <a:pt x="369145" y="3383729"/>
+                </a:lnTo>
+                <a:lnTo>
+                  <a:pt x="364294" y="3414159"/>
+                </a:lnTo>
+                <a:lnTo>
+                  <a:pt x="366450" y="3436925"/>
+                </a:lnTo>
+                <a:lnTo>
+                  <a:pt x="351743" y="3521619"/>
+                </a:lnTo>
+                <a:lnTo>
+                  <a:pt x="345784" y="3603757"/>
+                </a:lnTo>
+                <a:cubicBezTo>
+                  <a:pt x="345255" y="3619979"/>
+                  <a:pt x="344727" y="3636202"/>
+                  <a:pt x="344198" y="3652424"/>
+                </a:cubicBezTo>
+                <a:lnTo>
+                  <a:pt x="352450" y="3665222"/>
+                </a:lnTo>
+                <a:lnTo>
+                  <a:pt x="342621" y="3700804"/>
+                </a:lnTo>
+                <a:lnTo>
+                  <a:pt x="341514" y="3734774"/>
+                </a:lnTo>
+                <a:cubicBezTo>
+                  <a:pt x="341212" y="3751567"/>
+                  <a:pt x="340909" y="3768360"/>
+                  <a:pt x="340607" y="3785153"/>
+                </a:cubicBezTo>
+                <a:cubicBezTo>
+                  <a:pt x="340640" y="3786161"/>
+                  <a:pt x="340674" y="3787169"/>
+                  <a:pt x="340707" y="3788177"/>
+                </a:cubicBezTo>
+                <a:cubicBezTo>
+                  <a:pt x="340592" y="3791719"/>
+                  <a:pt x="340476" y="3795261"/>
+                  <a:pt x="340361" y="3798803"/>
+                </a:cubicBezTo>
+                <a:cubicBezTo>
+                  <a:pt x="340121" y="3812119"/>
+                  <a:pt x="339882" y="3825434"/>
+                  <a:pt x="339642" y="3838750"/>
+                </a:cubicBezTo>
+                <a:cubicBezTo>
+                  <a:pt x="337363" y="3949044"/>
+                  <a:pt x="361794" y="3960437"/>
+                  <a:pt x="360295" y="4015196"/>
+                </a:cubicBezTo>
+                <a:lnTo>
+                  <a:pt x="339043" y="4052778"/>
+                </a:lnTo>
+                <a:lnTo>
+                  <a:pt x="339343" y="4096257"/>
+                </a:lnTo>
+                <a:cubicBezTo>
+                  <a:pt x="362058" y="4159145"/>
+                  <a:pt x="332404" y="4250479"/>
+                  <a:pt x="340786" y="4321136"/>
+                </a:cubicBezTo>
+                <a:cubicBezTo>
+                  <a:pt x="341421" y="4376624"/>
+                  <a:pt x="344189" y="4407708"/>
+                  <a:pt x="343158" y="4429174"/>
+                </a:cubicBezTo>
+                <a:cubicBezTo>
+                  <a:pt x="340948" y="4436304"/>
+                  <a:pt x="337887" y="4443121"/>
+                  <a:pt x="334599" y="4449938"/>
+                </a:cubicBezTo>
+                <a:lnTo>
+                  <a:pt x="332890" y="4453515"/>
+                </a:lnTo>
+                <a:lnTo>
+                  <a:pt x="331105" y="4467941"/>
+                </a:lnTo>
+                <a:lnTo>
+                  <a:pt x="324289" y="4471861"/>
+                </a:lnTo>
+                <a:lnTo>
+                  <a:pt x="317079" y="4493468"/>
+                </a:lnTo>
+                <a:cubicBezTo>
+                  <a:pt x="315353" y="4501584"/>
+                  <a:pt x="314639" y="4510343"/>
+                  <a:pt x="315557" y="4520067"/>
+                </a:cubicBezTo>
+                <a:cubicBezTo>
+                  <a:pt x="315451" y="4525669"/>
+                  <a:pt x="315346" y="4531270"/>
+                  <a:pt x="315240" y="4536872"/>
+                </a:cubicBezTo>
+                <a:lnTo>
+                  <a:pt x="316200" y="4538297"/>
+                </a:lnTo>
+                <a:cubicBezTo>
+                  <a:pt x="316738" y="4541182"/>
+                  <a:pt x="316785" y="4544563"/>
+                  <a:pt x="317507" y="4547582"/>
+                </a:cubicBezTo>
+                <a:cubicBezTo>
+                  <a:pt x="322716" y="4552468"/>
+                  <a:pt x="324912" y="4582137"/>
+                  <a:pt x="323078" y="4592102"/>
+                </a:cubicBezTo>
+                <a:cubicBezTo>
+                  <a:pt x="314597" y="4619728"/>
+                  <a:pt x="334923" y="4645745"/>
+                  <a:pt x="328722" y="4667914"/>
+                </a:cubicBezTo>
+                <a:cubicBezTo>
+                  <a:pt x="330810" y="4685069"/>
+                  <a:pt x="333803" y="4690356"/>
+                  <a:pt x="335597" y="4695035"/>
+                </a:cubicBezTo>
+                <a:lnTo>
+                  <a:pt x="339485" y="4695979"/>
+                </a:lnTo>
+                <a:lnTo>
+                  <a:pt x="341089" y="4704268"/>
+                </a:lnTo>
+                <a:lnTo>
+                  <a:pt x="342177" y="4706060"/>
+                </a:lnTo>
+                <a:cubicBezTo>
+                  <a:pt x="344268" y="4709474"/>
+                  <a:pt x="346234" y="4712931"/>
+                  <a:pt x="347751" y="4716754"/>
+                </a:cubicBezTo>
+                <a:lnTo>
+                  <a:pt x="344125" y="4764669"/>
+                </a:lnTo>
+                <a:lnTo>
+                  <a:pt x="340188" y="4779386"/>
+                </a:lnTo>
+                <a:lnTo>
+                  <a:pt x="335146" y="4787491"/>
+                </a:lnTo>
+                <a:lnTo>
+                  <a:pt x="319124" y="4843514"/>
+                </a:lnTo>
+                <a:lnTo>
+                  <a:pt x="305956" y="4881505"/>
+                </a:lnTo>
+                <a:lnTo>
+                  <a:pt x="301062" y="4889332"/>
+                </a:lnTo>
+                <a:lnTo>
+                  <a:pt x="302141" y="4899400"/>
+                </a:lnTo>
+                <a:cubicBezTo>
+                  <a:pt x="302767" y="4900706"/>
+                  <a:pt x="303536" y="4901803"/>
+                  <a:pt x="304424" y="4902664"/>
+                </a:cubicBezTo>
+                <a:lnTo>
+                  <a:pt x="293123" y="4932769"/>
+                </a:lnTo>
+                <a:lnTo>
+                  <a:pt x="292275" y="4936482"/>
+                </a:lnTo>
+                <a:lnTo>
+                  <a:pt x="288304" y="4962325"/>
+                </a:lnTo>
+                <a:cubicBezTo>
+                  <a:pt x="288009" y="4988948"/>
+                  <a:pt x="287715" y="5015570"/>
+                  <a:pt x="287420" y="5042193"/>
+                </a:cubicBezTo>
+                <a:cubicBezTo>
+                  <a:pt x="295373" y="5039737"/>
+                  <a:pt x="281659" y="5060438"/>
+                  <a:pt x="287020" y="5065655"/>
+                </a:cubicBezTo>
+                <a:cubicBezTo>
+                  <a:pt x="291675" y="5068928"/>
+                  <a:pt x="288601" y="5075970"/>
+                  <a:pt x="288488" y="5082216"/>
+                </a:cubicBezTo>
+                <a:cubicBezTo>
+                  <a:pt x="292282" y="5088207"/>
+                  <a:pt x="287008" y="5117775"/>
+                  <a:pt x="282763" y="5127114"/>
+                </a:cubicBezTo>
+                <a:cubicBezTo>
+                  <a:pt x="267723" y="5152218"/>
+                  <a:pt x="280799" y="5182399"/>
+                  <a:pt x="269316" y="5202682"/>
+                </a:cubicBezTo>
+                <a:cubicBezTo>
+                  <a:pt x="267050" y="5219969"/>
+                  <a:pt x="268614" y="5225841"/>
+                  <a:pt x="269174" y="5230835"/>
+                </a:cubicBezTo>
+                <a:lnTo>
+                  <a:pt x="272679" y="5232660"/>
+                </a:lnTo>
+                <a:lnTo>
+                  <a:pt x="272160" y="5241150"/>
+                </a:lnTo>
+                <a:lnTo>
+                  <a:pt x="272760" y="5243156"/>
+                </a:lnTo>
+                <a:cubicBezTo>
+                  <a:pt x="273922" y="5246984"/>
+                  <a:pt x="274952" y="5250824"/>
+                  <a:pt x="275462" y="5254919"/>
+                </a:cubicBezTo>
+                <a:cubicBezTo>
+                  <a:pt x="258407" y="5258851"/>
+                  <a:pt x="276976" y="5290392"/>
+                  <a:pt x="262897" y="5286259"/>
+                </a:cubicBezTo>
+                <a:cubicBezTo>
+                  <a:pt x="262724" y="5309439"/>
+                  <a:pt x="239612" y="5337531"/>
+                  <a:pt x="252761" y="5357801"/>
+                </a:cubicBezTo>
+                <a:cubicBezTo>
+                  <a:pt x="248775" y="5392256"/>
+                  <a:pt x="247799" y="5423412"/>
+                  <a:pt x="242360" y="5460080"/>
+                </a:cubicBezTo>
+                <a:cubicBezTo>
+                  <a:pt x="232632" y="5488478"/>
+                  <a:pt x="242025" y="5519143"/>
+                  <a:pt x="229880" y="5539714"/>
+                </a:cubicBezTo>
+                <a:cubicBezTo>
+                  <a:pt x="230558" y="5572454"/>
+                  <a:pt x="222150" y="5613340"/>
+                  <a:pt x="204283" y="5639080"/>
+                </a:cubicBezTo>
+                <a:cubicBezTo>
+                  <a:pt x="201596" y="5674226"/>
+                  <a:pt x="191051" y="5680198"/>
+                  <a:pt x="198948" y="5710958"/>
+                </a:cubicBezTo>
+                <a:cubicBezTo>
+                  <a:pt x="196338" y="5713534"/>
+                  <a:pt x="194185" y="5716550"/>
+                  <a:pt x="192367" y="5719859"/>
+                </a:cubicBezTo>
+                <a:lnTo>
+                  <a:pt x="188035" y="5729935"/>
+                </a:lnTo>
+                <a:lnTo>
+                  <a:pt x="188428" y="5731182"/>
+                </a:lnTo>
+                <a:lnTo>
+                  <a:pt x="181635" y="5753538"/>
+                </a:lnTo>
+                <a:lnTo>
+                  <a:pt x="169744" y="5796307"/>
+                </a:lnTo>
+                <a:lnTo>
+                  <a:pt x="170351" y="5796644"/>
+                </a:lnTo>
+                <a:cubicBezTo>
+                  <a:pt x="171558" y="5797954"/>
+                  <a:pt x="172173" y="5799948"/>
+                  <a:pt x="171559" y="5803435"/>
+                </a:cubicBezTo>
+                <a:cubicBezTo>
+                  <a:pt x="182664" y="5798231"/>
+                  <a:pt x="175075" y="5805646"/>
+                  <a:pt x="172284" y="5816391"/>
+                </a:cubicBezTo>
+                <a:cubicBezTo>
+                  <a:pt x="188911" y="5810703"/>
+                  <a:pt x="174844" y="5841128"/>
+                  <a:pt x="182542" y="5846382"/>
+                </a:cubicBezTo>
+                <a:cubicBezTo>
+                  <a:pt x="180118" y="5854404"/>
+                  <a:pt x="177856" y="5862781"/>
+                  <a:pt x="175877" y="5871336"/>
+                </a:cubicBezTo>
+                <a:lnTo>
+                  <a:pt x="174910" y="5876376"/>
+                </a:lnTo>
+                <a:lnTo>
+                  <a:pt x="175047" y="5876483"/>
+                </a:lnTo>
+                <a:cubicBezTo>
+                  <a:pt x="175167" y="5877594"/>
+                  <a:pt x="174973" y="5879257"/>
+                  <a:pt x="174335" y="5881814"/>
+                </a:cubicBezTo>
+                <a:lnTo>
+                  <a:pt x="171273" y="5895339"/>
+                </a:lnTo>
+                <a:cubicBezTo>
+                  <a:pt x="171401" y="5896476"/>
+                  <a:pt x="171530" y="5897612"/>
+                  <a:pt x="171658" y="5898749"/>
+                </a:cubicBezTo>
+                <a:lnTo>
+                  <a:pt x="174658" y="5919558"/>
+                </a:lnTo>
+                <a:cubicBezTo>
+                  <a:pt x="173958" y="5933601"/>
+                  <a:pt x="171208" y="5962838"/>
+                  <a:pt x="169099" y="5984417"/>
+                </a:cubicBezTo>
+                <a:cubicBezTo>
+                  <a:pt x="162916" y="6005205"/>
+                  <a:pt x="164971" y="6025162"/>
+                  <a:pt x="162007" y="6049043"/>
+                </a:cubicBezTo>
+                <a:cubicBezTo>
+                  <a:pt x="150795" y="6073830"/>
+                  <a:pt x="160091" y="6088483"/>
+                  <a:pt x="156875" y="6114000"/>
+                </a:cubicBezTo>
+                <a:cubicBezTo>
+                  <a:pt x="141597" y="6134477"/>
+                  <a:pt x="163381" y="6133378"/>
+                  <a:pt x="165441" y="6146938"/>
+                </a:cubicBezTo>
+                <a:lnTo>
+                  <a:pt x="165177" y="6150658"/>
+                </a:lnTo>
+                <a:lnTo>
+                  <a:pt x="161772" y="6160011"/>
+                </a:lnTo>
+                <a:lnTo>
+                  <a:pt x="160051" y="6163393"/>
+                </a:lnTo>
+                <a:cubicBezTo>
+                  <a:pt x="159032" y="6165775"/>
+                  <a:pt x="158564" y="6167421"/>
+                  <a:pt x="158473" y="6168628"/>
+                </a:cubicBezTo>
+                <a:cubicBezTo>
+                  <a:pt x="158506" y="6168685"/>
+                  <a:pt x="158540" y="6168742"/>
+                  <a:pt x="158573" y="6168799"/>
+                </a:cubicBezTo>
+                <a:lnTo>
+                  <a:pt x="146463" y="6196671"/>
+                </a:lnTo>
+                <a:cubicBezTo>
+                  <a:pt x="152348" y="6205503"/>
+                  <a:pt x="134460" y="6231012"/>
+                  <a:pt x="150209" y="6232365"/>
+                </a:cubicBezTo>
+                <a:cubicBezTo>
+                  <a:pt x="145821" y="6242321"/>
+                  <a:pt x="137774" y="6246719"/>
+                  <a:pt x="148544" y="6246162"/>
+                </a:cubicBezTo>
+                <a:cubicBezTo>
+                  <a:pt x="147378" y="6249522"/>
+                  <a:pt x="147566" y="6251866"/>
+                  <a:pt x="148403" y="6253754"/>
+                </a:cubicBezTo>
+                <a:lnTo>
+                  <a:pt x="138880" y="6276449"/>
+                </a:lnTo>
+                <a:cubicBezTo>
+                  <a:pt x="138814" y="6277540"/>
+                  <a:pt x="138749" y="6278630"/>
+                  <a:pt x="138683" y="6279721"/>
+                </a:cubicBezTo>
+                <a:lnTo>
+                  <a:pt x="130721" y="6293675"/>
+                </a:lnTo>
+                <a:lnTo>
+                  <a:pt x="120717" y="6313967"/>
+                </a:lnTo>
+                <a:cubicBezTo>
+                  <a:pt x="120758" y="6314457"/>
+                  <a:pt x="120800" y="6314947"/>
+                  <a:pt x="120841" y="6315437"/>
+                </a:cubicBezTo>
+                <a:lnTo>
+                  <a:pt x="115208" y="6324024"/>
+                </a:lnTo>
+                <a:cubicBezTo>
+                  <a:pt x="113007" y="6326672"/>
+                  <a:pt x="103991" y="6364381"/>
+                  <a:pt x="101217" y="6365923"/>
+                </a:cubicBezTo>
+                <a:lnTo>
+                  <a:pt x="74946" y="6556817"/>
+                </a:lnTo>
+                <a:cubicBezTo>
+                  <a:pt x="55357" y="6665926"/>
+                  <a:pt x="35695" y="6744075"/>
+                  <a:pt x="16001" y="6808678"/>
+                </a:cubicBezTo>
+                <a:lnTo>
+                  <a:pt x="0" y="6858000"/>
+                </a:lnTo>
+                <a:lnTo>
+                  <a:pt x="5734864" y="6858000"/>
+                </a:lnTo>
+                <a:lnTo>
+                  <a:pt x="5734864" y="0"/>
+                </a:lnTo>
+                <a:close/>
+              </a:path>
+            </a:pathLst>
+          </a:custGeom>
+          <a:solidFill>
+            <a:srgbClr val="82766A">
+              <a:alpha val="15000"/>
+            </a:srgbClr>
+          </a:solidFill>
+          <a:ln w="12700" cap="flat" cmpd="sng" algn="ctr">
+            <a:noFill/>
+            <a:prstDash val="solid"/>
+            <a:miter lim="800000"/>
+          </a:ln>
+          <a:effectLst/>
+        </p:spPr>
+        <p:style>
+          <a:lnRef idx="2">
+            <a:schemeClr val="accent1">
+              <a:shade val="50000"/>
+            </a:schemeClr>
+          </a:lnRef>
+          <a:fillRef idx="1">
+            <a:schemeClr val="accent1"/>
+          </a:fillRef>
+          <a:effectRef idx="0">
+            <a:schemeClr val="accent1"/>
+          </a:effectRef>
+          <a:fontRef idx="minor">
+            <a:schemeClr val="lt1"/>
+          </a:fontRef>
+        </p:style>
+        <p:txBody>
+          <a:bodyPr wrap="square" rtlCol="0" anchor="ctr">
+            <a:noAutofit/>
+          </a:bodyPr>
+          <a:lstStyle/>
+          <a:p>
+            <a:pPr algn="ctr"/>
+            <a:endParaRPr lang="en-US"/>
+          </a:p>
+        </p:txBody>
+      </p:sp>
+      <p:sp>
+        <p:nvSpPr>
+          <p:cNvPr id="19" name="Titre 1">
+            <a:extLst>
+              <a:ext uri="{FF2B5EF4-FFF2-40B4-BE49-F238E27FC236}">
+                <a16:creationId xmlns:a16="http://schemas.microsoft.com/office/drawing/2014/main" id="{6E4BB0B2-6F22-4054-9D36-8913D9A69CB6}"/>
+              </a:ext>
+            </a:extLst>
+          </p:cNvPr>
+          <p:cNvSpPr>
+            <a:spLocks noGrp="1"/>
+          </p:cNvSpPr>
+          <p:nvPr>
+            <p:ph type="title"/>
+            <p:custDataLst>
+              <p:tags r:id="rId1"/>
+            </p:custDataLst>
+          </p:nvPr>
+        </p:nvSpPr>
+        <p:spPr>
+          <a:xfrm>
+            <a:off x="773408" y="992094"/>
+            <a:ext cx="3616913" cy="2795160"/>
+          </a:xfrm>
+        </p:spPr>
+        <p:txBody>
+          <a:bodyPr vert="horz" lIns="91440" tIns="45720" rIns="91440" bIns="45720" rtlCol="0" anchor="b">
+            <a:normAutofit/>
+          </a:bodyPr>
+          <a:lstStyle/>
+          <a:p>
+            <a:pPr algn="ctr"/>
+            <a:r>
+              <a:rPr lang="en-US" kern="1200">
+                <a:solidFill>
+                  <a:schemeClr val="tx1"/>
+                </a:solidFill>
+                <a:latin typeface="+mj-lt"/>
+                <a:ea typeface="+mj-ea"/>
+                <a:cs typeface="+mj-cs"/>
+              </a:rPr>
+              <a:t>Diagramme UML de classes pour les entités</a:t>
+            </a:r>
+          </a:p>
+        </p:txBody>
+      </p:sp>
+      <p:pic>
+        <p:nvPicPr>
+          <p:cNvPr id="3074" name="Picture 2">
+            <a:extLst>
+              <a:ext uri="{FF2B5EF4-FFF2-40B4-BE49-F238E27FC236}">
+                <a16:creationId xmlns:a16="http://schemas.microsoft.com/office/drawing/2014/main" id="{AC3CA584-F070-7F99-FAAE-755BBA689408}"/>
+              </a:ext>
+            </a:extLst>
+          </p:cNvPr>
+          <p:cNvPicPr>
+            <a:picLocks noChangeAspect="1" noChangeArrowheads="1"/>
+          </p:cNvPicPr>
+          <p:nvPr/>
+        </p:nvPicPr>
+        <p:blipFill>
+          <a:blip r:embed="rId4">
+            <a:extLst>
+              <a:ext uri="{28A0092B-C50C-407E-A947-70E740481C1C}">
+                <a14:useLocalDpi xmlns:a14="http://schemas.microsoft.com/office/drawing/2010/main" val="0"/>
+              </a:ext>
+            </a:extLst>
+          </a:blip>
+          <a:stretch>
+            <a:fillRect/>
+          </a:stretch>
+        </p:blipFill>
+        <p:spPr bwMode="auto">
+          <a:xfrm>
+            <a:off x="7325249" y="121890"/>
+            <a:ext cx="2994780" cy="6655070"/>
+          </a:xfrm>
+          <a:prstGeom prst="rect">
+            <a:avLst/>
+          </a:prstGeom>
+          <a:noFill/>
+          <a:extLst>
+            <a:ext uri="{909E8E84-426E-40DD-AFC4-6F175D3DCCD1}">
+              <a14:hiddenFill xmlns:a14="http://schemas.microsoft.com/office/drawing/2010/main">
+                <a:solidFill>
+                  <a:srgbClr val="FFFFFF"/>
+                </a:solidFill>
+              </a14:hiddenFill>
+            </a:ext>
+          </a:extLst>
+        </p:spPr>
+      </p:pic>
+      <p:sp>
+        <p:nvSpPr>
+          <p:cNvPr id="5" name="Espace réservé du numéro de diapositive 4">
+            <a:extLst>
+              <a:ext uri="{FF2B5EF4-FFF2-40B4-BE49-F238E27FC236}">
+                <a16:creationId xmlns:a16="http://schemas.microsoft.com/office/drawing/2014/main" id="{ACBB2F2A-A517-48B6-AD57-A1EB87CB5543}"/>
+              </a:ext>
+            </a:extLst>
+          </p:cNvPr>
+          <p:cNvSpPr>
+            <a:spLocks noGrp="1"/>
+          </p:cNvSpPr>
+          <p:nvPr>
+            <p:ph type="sldNum" sz="quarter" idx="12"/>
+            <p:custDataLst>
+              <p:tags r:id="rId2"/>
+            </p:custDataLst>
+          </p:nvPr>
+        </p:nvSpPr>
+        <p:spPr>
+          <a:xfrm>
+            <a:off x="8610600" y="6356350"/>
+            <a:ext cx="2743200" cy="365125"/>
+          </a:xfrm>
+        </p:spPr>
+        <p:txBody>
+          <a:bodyPr vert="horz" lIns="91440" tIns="45720" rIns="91440" bIns="45720" rtlCol="0" anchor="ctr">
+            <a:normAutofit/>
+          </a:bodyPr>
+          <a:lstStyle/>
+          <a:p>
+            <a:pPr>
+              <a:spcAft>
+                <a:spcPts val="600"/>
+              </a:spcAft>
+            </a:pPr>
+            <a:fld id="{23120ADE-45B3-4262-A680-7B402FD9570E}" type="slidenum">
               <a:rPr lang="en-US" sz="1000">
                 <a:solidFill>
                   <a:schemeClr val="tx1">
@@ -16393,7 +19140,7 @@
                   <a:spcPts val="600"/>
                 </a:spcAft>
               </a:pPr>
-              <a:t>17</a:t>
+              <a:t>18</a:t>
             </a:fld>
             <a:endParaRPr lang="en-US" sz="1000">
               <a:solidFill>
@@ -16418,7 +19165,7 @@
 </p:sld>
 </file>
 
-<file path=ppt/slides/slide18.xml><?xml version="1.0" encoding="utf-8"?>
+<file path=ppt/slides/slide19.xml><?xml version="1.0" encoding="utf-8"?>
 <p:sld xmlns:a="http://schemas.openxmlformats.org/drawingml/2006/main" xmlns:r="http://schemas.openxmlformats.org/officeDocument/2006/relationships" xmlns:p="http://schemas.openxmlformats.org/presentationml/2006/main">
   <p:cSld>
     <p:spTree>
@@ -16692,7 +19439,7 @@
           <a:p>
             <a:fld id="{23120ADE-45B3-4262-A680-7B402FD9570E}" type="slidenum">
               <a:rPr lang="fr-FR" smtClean="0"/>
-              <a:t>18</a:t>
+              <a:t>19</a:t>
             </a:fld>
             <a:endParaRPr lang="fr-FR"/>
           </a:p>
@@ -16939,7 +19686,7 @@
 </p:sld>
 </file>
 
-<file path=ppt/slides/slide19.xml><?xml version="1.0" encoding="utf-8"?>
+<file path=ppt/slides/slide2.xml><?xml version="1.0" encoding="utf-8"?>
 <p:sld xmlns:a="http://schemas.openxmlformats.org/drawingml/2006/main" xmlns:r="http://schemas.openxmlformats.org/officeDocument/2006/relationships" xmlns:p="http://schemas.openxmlformats.org/presentationml/2006/main">
   <p:cSld>
     <p:spTree>
@@ -17192,7 +19939,7 @@
           <p:cNvPr id="5" name="Espace réservé du numéro de diapositive 4">
             <a:extLst>
               <a:ext uri="{FF2B5EF4-FFF2-40B4-BE49-F238E27FC236}">
-                <a16:creationId xmlns:a16="http://schemas.microsoft.com/office/drawing/2014/main" id="{ACBB2F2A-A517-48B6-AD57-A1EB87CB5543}"/>
+                <a16:creationId xmlns:a16="http://schemas.microsoft.com/office/drawing/2014/main" id="{23A69C43-E9EC-488D-8077-CF60AE22795A}"/>
               </a:ext>
             </a:extLst>
           </p:cNvPr>
@@ -17213,7 +19960,7 @@
           <a:p>
             <a:fld id="{23120ADE-45B3-4262-A680-7B402FD9570E}" type="slidenum">
               <a:rPr lang="fr-FR" smtClean="0"/>
-              <a:t>19</a:t>
+              <a:t>2</a:t>
             </a:fld>
             <a:endParaRPr lang="fr-FR"/>
           </a:p>
@@ -17221,18 +19968,17 @@
       </p:sp>
       <p:sp>
         <p:nvSpPr>
-          <p:cNvPr id="19" name="Titre 1">
+          <p:cNvPr id="15" name="Titre 1">
             <a:extLst>
               <a:ext uri="{FF2B5EF4-FFF2-40B4-BE49-F238E27FC236}">
-                <a16:creationId xmlns:a16="http://schemas.microsoft.com/office/drawing/2014/main" id="{6E4BB0B2-6F22-4054-9D36-8913D9A69CB6}"/>
+                <a16:creationId xmlns:a16="http://schemas.microsoft.com/office/drawing/2014/main" id="{4F70135B-E772-4881-83E8-BD534562EF23}"/>
               </a:ext>
             </a:extLst>
           </p:cNvPr>
-          <p:cNvSpPr>
-            <a:spLocks noGrp="1"/>
+          <p:cNvSpPr txBox="1">
+            <a:spLocks/>
           </p:cNvSpPr>
           <p:nvPr>
-            <p:ph type="title"/>
             <p:custDataLst>
               <p:tags r:id="rId5"/>
             </p:custDataLst>
@@ -17240,62 +19986,188 @@
         </p:nvSpPr>
         <p:spPr>
           <a:xfrm>
-            <a:off x="492760" y="2537618"/>
-            <a:ext cx="2738120" cy="1325563"/>
+            <a:off x="597317" y="275599"/>
+            <a:ext cx="9144000" cy="1071563"/>
           </a:xfrm>
+          <a:prstGeom prst="rect">
+            <a:avLst/>
+          </a:prstGeom>
         </p:spPr>
         <p:txBody>
-          <a:bodyPr/>
-          <a:lstStyle/>
+          <a:bodyPr vert="horz" lIns="91440" tIns="45720" rIns="91440" bIns="45720" rtlCol="0" anchor="ctr">
+            <a:normAutofit/>
+          </a:bodyPr>
+          <a:lstStyle>
+            <a:lvl1pPr algn="l" defTabSz="914400" rtl="0" eaLnBrk="1" latinLnBrk="0" hangingPunct="1">
+              <a:lnSpc>
+                <a:spcPct val="90000"/>
+              </a:lnSpc>
+              <a:spcBef>
+                <a:spcPct val="0"/>
+              </a:spcBef>
+              <a:buNone/>
+              <a:defRPr sz="4400" kern="1200">
+                <a:solidFill>
+                  <a:schemeClr val="tx1"/>
+                </a:solidFill>
+                <a:latin typeface="+mj-lt"/>
+                <a:ea typeface="+mj-ea"/>
+                <a:cs typeface="+mj-cs"/>
+              </a:defRPr>
+            </a:lvl1pPr>
+          </a:lstStyle>
           <a:p>
             <a:r>
               <a:rPr lang="fr-FR" dirty="0">
                 <a:latin typeface="Times New Roman" panose="02020603050405020304" pitchFamily="18" charset="0"/>
                 <a:cs typeface="Times New Roman" panose="02020603050405020304" pitchFamily="18" charset="0"/>
               </a:rPr>
-              <a:t>Maquette</a:t>
+              <a:t>Remerciements</a:t>
             </a:r>
           </a:p>
         </p:txBody>
       </p:sp>
-      <p:pic>
-        <p:nvPicPr>
-          <p:cNvPr id="6" name="Image 5">
+      <p:sp>
+        <p:nvSpPr>
+          <p:cNvPr id="17" name="ZoneTexte 16">
             <a:extLst>
               <a:ext uri="{FF2B5EF4-FFF2-40B4-BE49-F238E27FC236}">
-                <a16:creationId xmlns:a16="http://schemas.microsoft.com/office/drawing/2014/main" id="{92339FB5-A551-414C-6649-BF3AEB629B79}"/>
+                <a16:creationId xmlns:a16="http://schemas.microsoft.com/office/drawing/2014/main" id="{62F3E31D-462A-4553-9099-5A9A8088ABD7}"/>
               </a:ext>
             </a:extLst>
           </p:cNvPr>
-          <p:cNvPicPr>
-            <a:picLocks noChangeAspect="1"/>
-          </p:cNvPicPr>
+          <p:cNvSpPr txBox="1"/>
           <p:nvPr>
             <p:custDataLst>
               <p:tags r:id="rId6"/>
             </p:custDataLst>
           </p:nvPr>
+        </p:nvSpPr>
+        <p:spPr>
+          <a:xfrm>
+            <a:off x="4854682" y="2222967"/>
+            <a:ext cx="3500900" cy="369332"/>
+          </a:xfrm>
+          <a:prstGeom prst="rect">
+            <a:avLst/>
+          </a:prstGeom>
+          <a:noFill/>
+        </p:spPr>
+        <p:txBody>
+          <a:bodyPr wrap="square" rtlCol="0">
+            <a:spAutoFit/>
+          </a:bodyPr>
+          <a:lstStyle/>
+          <a:p>
+            <a:pPr marL="285750" indent="-285750">
+              <a:buFont typeface="Arial" panose="020B0604020202020204" pitchFamily="34" charset="0"/>
+              <a:buChar char="•"/>
+            </a:pPr>
+            <a:r>
+              <a:rPr lang="fr-FR" dirty="0"/>
+              <a:t>G2R formation</a:t>
+            </a:r>
+          </a:p>
+        </p:txBody>
+      </p:sp>
+      <p:pic>
+        <p:nvPicPr>
+          <p:cNvPr id="2" name="Picture 2" descr="G2R Formation - Accueil">
+            <a:extLst>
+              <a:ext uri="{FF2B5EF4-FFF2-40B4-BE49-F238E27FC236}">
+                <a16:creationId xmlns:a16="http://schemas.microsoft.com/office/drawing/2014/main" id="{85FC2B32-FDBD-8011-DE9B-79F47C20B32A}"/>
+              </a:ext>
+            </a:extLst>
+          </p:cNvPr>
+          <p:cNvPicPr>
+            <a:picLocks noChangeAspect="1" noChangeArrowheads="1"/>
+          </p:cNvPicPr>
+          <p:nvPr>
+            <p:custDataLst>
+              <p:tags r:id="rId7"/>
+            </p:custDataLst>
+          </p:nvPr>
         </p:nvPicPr>
         <p:blipFill>
-          <a:blip r:embed="rId8"/>
+          <a:blip r:embed="rId11">
+            <a:extLst>
+              <a:ext uri="{28A0092B-C50C-407E-A947-70E740481C1C}">
+                <a14:useLocalDpi xmlns:a14="http://schemas.microsoft.com/office/drawing/2010/main" val="0"/>
+              </a:ext>
+            </a:extLst>
+          </a:blip>
+          <a:srcRect/>
           <a:stretch>
             <a:fillRect/>
           </a:stretch>
         </p:blipFill>
-        <p:spPr>
+        <p:spPr bwMode="auto">
           <a:xfrm>
-            <a:off x="4038600" y="999331"/>
-            <a:ext cx="6923098" cy="4887303"/>
+            <a:off x="4652971" y="2826123"/>
+            <a:ext cx="2128836" cy="682725"/>
           </a:xfrm>
           <a:prstGeom prst="rect">
             <a:avLst/>
           </a:prstGeom>
+          <a:noFill/>
+          <a:extLst>
+            <a:ext uri="{909E8E84-426E-40DD-AFC4-6F175D3DCCD1}">
+              <a14:hiddenFill xmlns:a14="http://schemas.microsoft.com/office/drawing/2010/main">
+                <a:solidFill>
+                  <a:srgbClr val="FFFFFF"/>
+                </a:solidFill>
+              </a14:hiddenFill>
+            </a:ext>
+          </a:extLst>
         </p:spPr>
       </p:pic>
+      <p:sp>
+        <p:nvSpPr>
+          <p:cNvPr id="3" name="ZoneTexte 2">
+            <a:extLst>
+              <a:ext uri="{FF2B5EF4-FFF2-40B4-BE49-F238E27FC236}">
+                <a16:creationId xmlns:a16="http://schemas.microsoft.com/office/drawing/2014/main" id="{65A920D2-3024-9338-BC5C-3F62F0362921}"/>
+              </a:ext>
+            </a:extLst>
+          </p:cNvPr>
+          <p:cNvSpPr txBox="1"/>
+          <p:nvPr>
+            <p:custDataLst>
+              <p:tags r:id="rId8"/>
+            </p:custDataLst>
+          </p:nvPr>
+        </p:nvSpPr>
+        <p:spPr>
+          <a:xfrm>
+            <a:off x="4854682" y="3770048"/>
+            <a:ext cx="3500900" cy="369332"/>
+          </a:xfrm>
+          <a:prstGeom prst="rect">
+            <a:avLst/>
+          </a:prstGeom>
+          <a:noFill/>
+        </p:spPr>
+        <p:txBody>
+          <a:bodyPr wrap="square" rtlCol="0">
+            <a:spAutoFit/>
+          </a:bodyPr>
+          <a:lstStyle/>
+          <a:p>
+            <a:pPr marL="285750" indent="-285750">
+              <a:buFont typeface="Arial" panose="020B0604020202020204" pitchFamily="34" charset="0"/>
+              <a:buChar char="•"/>
+            </a:pPr>
+            <a:r>
+              <a:rPr lang="fr-FR" dirty="0"/>
+              <a:t>Les formateurs</a:t>
+            </a:r>
+          </a:p>
+        </p:txBody>
+      </p:sp>
     </p:spTree>
     <p:extLst>
       <p:ext uri="{BB962C8B-B14F-4D97-AF65-F5344CB8AC3E}">
-        <p14:creationId xmlns:p14="http://schemas.microsoft.com/office/powerpoint/2010/main" val="2598976663"/>
+        <p14:creationId xmlns:p14="http://schemas.microsoft.com/office/powerpoint/2010/main" val="588775347"/>
       </p:ext>
     </p:extLst>
   </p:cSld>
@@ -17305,7 +20177,7 @@
 </p:sld>
 </file>
 
-<file path=ppt/slides/slide2.xml><?xml version="1.0" encoding="utf-8"?>
+<file path=ppt/slides/slide20.xml><?xml version="1.0" encoding="utf-8"?>
 <p:sld xmlns:a="http://schemas.openxmlformats.org/drawingml/2006/main" xmlns:r="http://schemas.openxmlformats.org/officeDocument/2006/relationships" xmlns:p="http://schemas.openxmlformats.org/presentationml/2006/main">
   <p:cSld>
     <p:spTree>
@@ -17558,7 +20430,7 @@
           <p:cNvPr id="5" name="Espace réservé du numéro de diapositive 4">
             <a:extLst>
               <a:ext uri="{FF2B5EF4-FFF2-40B4-BE49-F238E27FC236}">
-                <a16:creationId xmlns:a16="http://schemas.microsoft.com/office/drawing/2014/main" id="{23A69C43-E9EC-488D-8077-CF60AE22795A}"/>
+                <a16:creationId xmlns:a16="http://schemas.microsoft.com/office/drawing/2014/main" id="{ACBB2F2A-A517-48B6-AD57-A1EB87CB5543}"/>
               </a:ext>
             </a:extLst>
           </p:cNvPr>
@@ -17579,7 +20451,7 @@
           <a:p>
             <a:fld id="{23120ADE-45B3-4262-A680-7B402FD9570E}" type="slidenum">
               <a:rPr lang="fr-FR" smtClean="0"/>
-              <a:t>2</a:t>
+              <a:t>20</a:t>
             </a:fld>
             <a:endParaRPr lang="fr-FR"/>
           </a:p>
@@ -17587,17 +20459,18 @@
       </p:sp>
       <p:sp>
         <p:nvSpPr>
-          <p:cNvPr id="15" name="Titre 1">
+          <p:cNvPr id="19" name="Titre 1">
             <a:extLst>
               <a:ext uri="{FF2B5EF4-FFF2-40B4-BE49-F238E27FC236}">
-                <a16:creationId xmlns:a16="http://schemas.microsoft.com/office/drawing/2014/main" id="{4F70135B-E772-4881-83E8-BD534562EF23}"/>
+                <a16:creationId xmlns:a16="http://schemas.microsoft.com/office/drawing/2014/main" id="{6E4BB0B2-6F22-4054-9D36-8913D9A69CB6}"/>
               </a:ext>
             </a:extLst>
           </p:cNvPr>
-          <p:cNvSpPr txBox="1">
-            <a:spLocks/>
+          <p:cNvSpPr>
+            <a:spLocks noGrp="1"/>
           </p:cNvSpPr>
           <p:nvPr>
+            <p:ph type="title"/>
             <p:custDataLst>
               <p:tags r:id="rId5"/>
             </p:custDataLst>
@@ -17605,188 +20478,62 @@
         </p:nvSpPr>
         <p:spPr>
           <a:xfrm>
-            <a:off x="597317" y="275599"/>
-            <a:ext cx="9144000" cy="1071563"/>
+            <a:off x="492760" y="2537618"/>
+            <a:ext cx="2738120" cy="1325563"/>
+          </a:xfrm>
+        </p:spPr>
+        <p:txBody>
+          <a:bodyPr/>
+          <a:lstStyle/>
+          <a:p>
+            <a:r>
+              <a:rPr lang="fr-FR" dirty="0">
+                <a:latin typeface="Times New Roman" panose="02020603050405020304" pitchFamily="18" charset="0"/>
+                <a:cs typeface="Times New Roman" panose="02020603050405020304" pitchFamily="18" charset="0"/>
+              </a:rPr>
+              <a:t>Maquette</a:t>
+            </a:r>
+          </a:p>
+        </p:txBody>
+      </p:sp>
+      <p:pic>
+        <p:nvPicPr>
+          <p:cNvPr id="6" name="Image 5">
+            <a:extLst>
+              <a:ext uri="{FF2B5EF4-FFF2-40B4-BE49-F238E27FC236}">
+                <a16:creationId xmlns:a16="http://schemas.microsoft.com/office/drawing/2014/main" id="{92339FB5-A551-414C-6649-BF3AEB629B79}"/>
+              </a:ext>
+            </a:extLst>
+          </p:cNvPr>
+          <p:cNvPicPr>
+            <a:picLocks noChangeAspect="1"/>
+          </p:cNvPicPr>
+          <p:nvPr>
+            <p:custDataLst>
+              <p:tags r:id="rId6"/>
+            </p:custDataLst>
+          </p:nvPr>
+        </p:nvPicPr>
+        <p:blipFill>
+          <a:blip r:embed="rId8"/>
+          <a:stretch>
+            <a:fillRect/>
+          </a:stretch>
+        </p:blipFill>
+        <p:spPr>
+          <a:xfrm>
+            <a:off x="4038600" y="999331"/>
+            <a:ext cx="6923098" cy="4887303"/>
           </a:xfrm>
           <a:prstGeom prst="rect">
             <a:avLst/>
           </a:prstGeom>
         </p:spPr>
-        <p:txBody>
-          <a:bodyPr vert="horz" lIns="91440" tIns="45720" rIns="91440" bIns="45720" rtlCol="0" anchor="ctr">
-            <a:normAutofit/>
-          </a:bodyPr>
-          <a:lstStyle>
-            <a:lvl1pPr algn="l" defTabSz="914400" rtl="0" eaLnBrk="1" latinLnBrk="0" hangingPunct="1">
-              <a:lnSpc>
-                <a:spcPct val="90000"/>
-              </a:lnSpc>
-              <a:spcBef>
-                <a:spcPct val="0"/>
-              </a:spcBef>
-              <a:buNone/>
-              <a:defRPr sz="4400" kern="1200">
-                <a:solidFill>
-                  <a:schemeClr val="tx1"/>
-                </a:solidFill>
-                <a:latin typeface="+mj-lt"/>
-                <a:ea typeface="+mj-ea"/>
-                <a:cs typeface="+mj-cs"/>
-              </a:defRPr>
-            </a:lvl1pPr>
-          </a:lstStyle>
-          <a:p>
-            <a:r>
-              <a:rPr lang="fr-FR" dirty="0">
-                <a:latin typeface="Times New Roman" panose="02020603050405020304" pitchFamily="18" charset="0"/>
-                <a:cs typeface="Times New Roman" panose="02020603050405020304" pitchFamily="18" charset="0"/>
-              </a:rPr>
-              <a:t>Remerciements</a:t>
-            </a:r>
-          </a:p>
-        </p:txBody>
-      </p:sp>
-      <p:sp>
-        <p:nvSpPr>
-          <p:cNvPr id="17" name="ZoneTexte 16">
-            <a:extLst>
-              <a:ext uri="{FF2B5EF4-FFF2-40B4-BE49-F238E27FC236}">
-                <a16:creationId xmlns:a16="http://schemas.microsoft.com/office/drawing/2014/main" id="{62F3E31D-462A-4553-9099-5A9A8088ABD7}"/>
-              </a:ext>
-            </a:extLst>
-          </p:cNvPr>
-          <p:cNvSpPr txBox="1"/>
-          <p:nvPr>
-            <p:custDataLst>
-              <p:tags r:id="rId6"/>
-            </p:custDataLst>
-          </p:nvPr>
-        </p:nvSpPr>
-        <p:spPr>
-          <a:xfrm>
-            <a:off x="4854682" y="2222967"/>
-            <a:ext cx="3500900" cy="369332"/>
-          </a:xfrm>
-          <a:prstGeom prst="rect">
-            <a:avLst/>
-          </a:prstGeom>
-          <a:noFill/>
-        </p:spPr>
-        <p:txBody>
-          <a:bodyPr wrap="square" rtlCol="0">
-            <a:spAutoFit/>
-          </a:bodyPr>
-          <a:lstStyle/>
-          <a:p>
-            <a:pPr marL="285750" indent="-285750">
-              <a:buFont typeface="Arial" panose="020B0604020202020204" pitchFamily="34" charset="0"/>
-              <a:buChar char="•"/>
-            </a:pPr>
-            <a:r>
-              <a:rPr lang="fr-FR" dirty="0"/>
-              <a:t>G2R formation</a:t>
-            </a:r>
-          </a:p>
-        </p:txBody>
-      </p:sp>
-      <p:pic>
-        <p:nvPicPr>
-          <p:cNvPr id="2" name="Picture 2" descr="G2R Formation - Accueil">
-            <a:extLst>
-              <a:ext uri="{FF2B5EF4-FFF2-40B4-BE49-F238E27FC236}">
-                <a16:creationId xmlns:a16="http://schemas.microsoft.com/office/drawing/2014/main" id="{85FC2B32-FDBD-8011-DE9B-79F47C20B32A}"/>
-              </a:ext>
-            </a:extLst>
-          </p:cNvPr>
-          <p:cNvPicPr>
-            <a:picLocks noChangeAspect="1" noChangeArrowheads="1"/>
-          </p:cNvPicPr>
-          <p:nvPr>
-            <p:custDataLst>
-              <p:tags r:id="rId7"/>
-            </p:custDataLst>
-          </p:nvPr>
-        </p:nvPicPr>
-        <p:blipFill>
-          <a:blip r:embed="rId11">
-            <a:extLst>
-              <a:ext uri="{28A0092B-C50C-407E-A947-70E740481C1C}">
-                <a14:useLocalDpi xmlns:a14="http://schemas.microsoft.com/office/drawing/2010/main" val="0"/>
-              </a:ext>
-            </a:extLst>
-          </a:blip>
-          <a:srcRect/>
-          <a:stretch>
-            <a:fillRect/>
-          </a:stretch>
-        </p:blipFill>
-        <p:spPr bwMode="auto">
-          <a:xfrm>
-            <a:off x="4652971" y="2826123"/>
-            <a:ext cx="2128836" cy="682725"/>
-          </a:xfrm>
-          <a:prstGeom prst="rect">
-            <a:avLst/>
-          </a:prstGeom>
-          <a:noFill/>
-          <a:extLst>
-            <a:ext uri="{909E8E84-426E-40DD-AFC4-6F175D3DCCD1}">
-              <a14:hiddenFill xmlns:a14="http://schemas.microsoft.com/office/drawing/2010/main">
-                <a:solidFill>
-                  <a:srgbClr val="FFFFFF"/>
-                </a:solidFill>
-              </a14:hiddenFill>
-            </a:ext>
-          </a:extLst>
-        </p:spPr>
       </p:pic>
-      <p:sp>
-        <p:nvSpPr>
-          <p:cNvPr id="3" name="ZoneTexte 2">
-            <a:extLst>
-              <a:ext uri="{FF2B5EF4-FFF2-40B4-BE49-F238E27FC236}">
-                <a16:creationId xmlns:a16="http://schemas.microsoft.com/office/drawing/2014/main" id="{65A920D2-3024-9338-BC5C-3F62F0362921}"/>
-              </a:ext>
-            </a:extLst>
-          </p:cNvPr>
-          <p:cNvSpPr txBox="1"/>
-          <p:nvPr>
-            <p:custDataLst>
-              <p:tags r:id="rId8"/>
-            </p:custDataLst>
-          </p:nvPr>
-        </p:nvSpPr>
-        <p:spPr>
-          <a:xfrm>
-            <a:off x="4854682" y="3770048"/>
-            <a:ext cx="3500900" cy="369332"/>
-          </a:xfrm>
-          <a:prstGeom prst="rect">
-            <a:avLst/>
-          </a:prstGeom>
-          <a:noFill/>
-        </p:spPr>
-        <p:txBody>
-          <a:bodyPr wrap="square" rtlCol="0">
-            <a:spAutoFit/>
-          </a:bodyPr>
-          <a:lstStyle/>
-          <a:p>
-            <a:pPr marL="285750" indent="-285750">
-              <a:buFont typeface="Arial" panose="020B0604020202020204" pitchFamily="34" charset="0"/>
-              <a:buChar char="•"/>
-            </a:pPr>
-            <a:r>
-              <a:rPr lang="fr-FR" dirty="0"/>
-              <a:t>Les formateurs</a:t>
-            </a:r>
-          </a:p>
-        </p:txBody>
-      </p:sp>
     </p:spTree>
     <p:extLst>
       <p:ext uri="{BB962C8B-B14F-4D97-AF65-F5344CB8AC3E}">
-        <p14:creationId xmlns:p14="http://schemas.microsoft.com/office/powerpoint/2010/main" val="588775347"/>
+        <p14:creationId xmlns:p14="http://schemas.microsoft.com/office/powerpoint/2010/main" val="2598976663"/>
       </p:ext>
     </p:extLst>
   </p:cSld>
@@ -17796,9 +20543,17 @@
 </p:sld>
 </file>
 
-<file path=ppt/slides/slide20.xml><?xml version="1.0" encoding="utf-8"?>
+<file path=ppt/slides/slide21.xml><?xml version="1.0" encoding="utf-8"?>
 <p:sld xmlns:a="http://schemas.openxmlformats.org/drawingml/2006/main" xmlns:r="http://schemas.openxmlformats.org/officeDocument/2006/relationships" xmlns:p="http://schemas.openxmlformats.org/presentationml/2006/main">
   <p:cSld>
+    <p:bg>
+      <p:bgPr>
+        <a:solidFill>
+          <a:schemeClr val="bg1"/>
+        </a:solidFill>
+        <a:effectLst/>
+      </p:bgPr>
+    </p:bg>
     <p:spTree>
       <p:nvGrpSpPr>
         <p:cNvPr id="1" name=""/>
@@ -17815,10 +20570,10 @@
       </p:grpSpPr>
       <p:sp useBgFill="1">
         <p:nvSpPr>
-          <p:cNvPr id="16" name="Rectangle 15">
+          <p:cNvPr id="32" name="Rectangle 31">
             <a:extLst>
               <a:ext uri="{FF2B5EF4-FFF2-40B4-BE49-F238E27FC236}">
-                <a16:creationId xmlns:a16="http://schemas.microsoft.com/office/drawing/2014/main" id="{3346177D-ADC4-4968-B747-5CFCD390B5B9}"/>
+                <a16:creationId xmlns:a16="http://schemas.microsoft.com/office/drawing/2014/main" id="{6F5A5072-7B47-4D32-B52A-4EBBF590B8A5}"/>
               </a:ext>
               <a:ext uri="{C183D7F6-B498-43B3-948B-1728B52AA6E4}">
                 <adec:decorative xmlns:adec="http://schemas.microsoft.com/office/drawing/2017/decorative" val="1"/>
@@ -17829,9 +20584,6 @@
             <a:spLocks noGrp="1" noRot="1" noChangeAspect="1" noMove="1" noResize="1" noEditPoints="1" noAdjustHandles="1" noChangeArrowheads="1" noChangeShapeType="1" noTextEdit="1"/>
           </p:cNvSpPr>
           <p:nvPr>
-            <p:custDataLst>
-              <p:tags r:id="rId1"/>
-            </p:custDataLst>
             <p:extLst>
               <p:ext uri="{386F3935-93C4-4BCD-93E2-E3B085C9AB24}">
                 <p16:designElem xmlns:p16="http://schemas.microsoft.com/office/powerpoint/2015/main" val="1"/>
@@ -17894,10 +20646,10 @@
       </p:sp>
       <p:sp>
         <p:nvSpPr>
-          <p:cNvPr id="18" name="Rectangle 17">
+          <p:cNvPr id="34" name="Rectangle 33">
             <a:extLst>
               <a:ext uri="{FF2B5EF4-FFF2-40B4-BE49-F238E27FC236}">
-                <a16:creationId xmlns:a16="http://schemas.microsoft.com/office/drawing/2014/main" id="{0844A943-BF79-4FEA-ABB1-3BD54D236606}"/>
+                <a16:creationId xmlns:a16="http://schemas.microsoft.com/office/drawing/2014/main" id="{9715DAF0-AE1B-46C9-8A6B-DB2AA05AB91D}"/>
               </a:ext>
               <a:ext uri="{C183D7F6-B498-43B3-948B-1728B52AA6E4}">
                 <adec:decorative xmlns:adec="http://schemas.microsoft.com/office/drawing/2017/decorative" val="1"/>
@@ -17908,9 +20660,6 @@
             <a:spLocks noGrp="1" noRot="1" noChangeAspect="1" noMove="1" noResize="1" noEditPoints="1" noAdjustHandles="1" noChangeArrowheads="1" noChangeShapeType="1" noTextEdit="1"/>
           </p:cNvSpPr>
           <p:nvPr>
-            <p:custDataLst>
-              <p:tags r:id="rId2"/>
-            </p:custDataLst>
             <p:extLst>
               <p:ext uri="{386F3935-93C4-4BCD-93E2-E3B085C9AB24}">
                 <p16:designElem xmlns:p16="http://schemas.microsoft.com/office/powerpoint/2015/main" val="1"/>
@@ -17919,9 +20668,9 @@
           </p:nvPr>
         </p:nvSpPr>
         <p:spPr>
-          <a:xfrm rot="10800000" flipH="1">
-            <a:off x="0" y="6400799"/>
-            <a:ext cx="12192000" cy="456773"/>
+          <a:xfrm rot="10800000">
+            <a:off x="-2" y="-22693"/>
+            <a:ext cx="12191999" cy="4374129"/>
           </a:xfrm>
           <a:prstGeom prst="rect">
             <a:avLst/>
@@ -17929,10 +20678,88 @@
           <a:gradFill>
             <a:gsLst>
               <a:gs pos="0">
-                <a:schemeClr val="accent1"/>
+                <a:schemeClr val="accent1">
+                  <a:lumMod val="75000"/>
+                </a:schemeClr>
               </a:gs>
-              <a:gs pos="90000">
+              <a:gs pos="100000">
                 <a:srgbClr val="000000"/>
+              </a:gs>
+            </a:gsLst>
+            <a:lin ang="15000000" scaled="0"/>
+          </a:gradFill>
+          <a:ln>
+            <a:noFill/>
+          </a:ln>
+        </p:spPr>
+        <p:style>
+          <a:lnRef idx="2">
+            <a:schemeClr val="accent1">
+              <a:shade val="50000"/>
+            </a:schemeClr>
+          </a:lnRef>
+          <a:fillRef idx="1">
+            <a:schemeClr val="accent1"/>
+          </a:fillRef>
+          <a:effectRef idx="0">
+            <a:schemeClr val="accent1"/>
+          </a:effectRef>
+          <a:fontRef idx="minor">
+            <a:schemeClr val="lt1"/>
+          </a:fontRef>
+        </p:style>
+        <p:txBody>
+          <a:bodyPr rtlCol="0" anchor="ctr"/>
+          <a:lstStyle/>
+          <a:p>
+            <a:pPr algn="ctr"/>
+            <a:endParaRPr lang="en-US"/>
+          </a:p>
+        </p:txBody>
+      </p:sp>
+      <p:sp>
+        <p:nvSpPr>
+          <p:cNvPr id="36" name="Rectangle 35">
+            <a:extLst>
+              <a:ext uri="{FF2B5EF4-FFF2-40B4-BE49-F238E27FC236}">
+                <a16:creationId xmlns:a16="http://schemas.microsoft.com/office/drawing/2014/main" id="{6016219D-510E-4184-9090-6D5578A87BD1}"/>
+              </a:ext>
+              <a:ext uri="{C183D7F6-B498-43B3-948B-1728B52AA6E4}">
+                <adec:decorative xmlns:adec="http://schemas.microsoft.com/office/drawing/2017/decorative" val="1"/>
+              </a:ext>
+            </a:extLst>
+          </p:cNvPr>
+          <p:cNvSpPr>
+            <a:spLocks noGrp="1" noRot="1" noChangeAspect="1" noMove="1" noResize="1" noEditPoints="1" noAdjustHandles="1" noChangeArrowheads="1" noChangeShapeType="1" noTextEdit="1"/>
+          </p:cNvSpPr>
+          <p:nvPr>
+            <p:extLst>
+              <p:ext uri="{386F3935-93C4-4BCD-93E2-E3B085C9AB24}">
+                <p16:designElem xmlns:p16="http://schemas.microsoft.com/office/powerpoint/2015/main" val="1"/>
+              </p:ext>
+            </p:extLst>
+          </p:nvPr>
+        </p:nvSpPr>
+        <p:spPr>
+          <a:xfrm rot="5400000">
+            <a:off x="3908719" y="-3931841"/>
+            <a:ext cx="4374557" cy="12192000"/>
+          </a:xfrm>
+          <a:prstGeom prst="rect">
+            <a:avLst/>
+          </a:prstGeom>
+          <a:gradFill>
+            <a:gsLst>
+              <a:gs pos="40000">
+                <a:schemeClr val="accent1">
+                  <a:alpha val="0"/>
+                </a:schemeClr>
+              </a:gs>
+              <a:gs pos="100000">
+                <a:schemeClr val="accent1">
+                  <a:lumMod val="75000"/>
+                  <a:alpha val="52000"/>
+                </a:schemeClr>
               </a:gs>
             </a:gsLst>
             <a:lin ang="2400000" scaled="0"/>
@@ -17968,10 +20795,10 @@
       </p:sp>
       <p:sp>
         <p:nvSpPr>
-          <p:cNvPr id="20" name="Rectangle 19">
+          <p:cNvPr id="31" name="Rectangle 30">
             <a:extLst>
               <a:ext uri="{FF2B5EF4-FFF2-40B4-BE49-F238E27FC236}">
-                <a16:creationId xmlns:a16="http://schemas.microsoft.com/office/drawing/2014/main" id="{6437CC72-F4A8-4DC3-AFAB-D22C482C8100}"/>
+                <a16:creationId xmlns:a16="http://schemas.microsoft.com/office/drawing/2014/main" id="{AFF4A713-7B75-4B21-90D7-5AB19547C728}"/>
               </a:ext>
               <a:ext uri="{C183D7F6-B498-43B3-948B-1728B52AA6E4}">
                 <adec:decorative xmlns:adec="http://schemas.microsoft.com/office/drawing/2017/decorative" val="1"/>
@@ -17982,9 +20809,6 @@
             <a:spLocks noGrp="1" noRot="1" noChangeAspect="1" noMove="1" noResize="1" noEditPoints="1" noAdjustHandles="1" noChangeArrowheads="1" noChangeShapeType="1" noTextEdit="1"/>
           </p:cNvSpPr>
           <p:nvPr>
-            <p:custDataLst>
-              <p:tags r:id="rId3"/>
-            </p:custDataLst>
             <p:extLst>
               <p:ext uri="{386F3935-93C4-4BCD-93E2-E3B085C9AB24}">
                 <p16:designElem xmlns:p16="http://schemas.microsoft.com/office/powerpoint/2015/main" val="1"/>
@@ -17993,27 +20817,27 @@
           </p:nvPr>
         </p:nvSpPr>
         <p:spPr>
-          <a:xfrm flipH="1">
-            <a:off x="4038600" y="6400799"/>
-            <a:ext cx="8153398" cy="456772"/>
+          <a:xfrm rot="5400000">
+            <a:off x="4136696" y="-3703868"/>
+            <a:ext cx="4374128" cy="11736479"/>
           </a:xfrm>
           <a:prstGeom prst="rect">
             <a:avLst/>
           </a:prstGeom>
           <a:gradFill>
             <a:gsLst>
-              <a:gs pos="0">
+              <a:gs pos="17000">
+                <a:schemeClr val="accent1">
+                  <a:alpha val="0"/>
+                </a:schemeClr>
+              </a:gs>
+              <a:gs pos="100000">
                 <a:srgbClr val="000000">
-                  <a:alpha val="50000"/>
+                  <a:alpha val="37000"/>
                 </a:srgbClr>
               </a:gs>
-              <a:gs pos="100000">
-                <a:schemeClr val="accent1">
-                  <a:lumMod val="75000"/>
-                </a:schemeClr>
-              </a:gs>
             </a:gsLst>
-            <a:lin ang="13800000" scaled="0"/>
+            <a:lin ang="7800000" scaled="0"/>
           </a:gradFill>
           <a:ln>
             <a:noFill/>
@@ -18046,33 +20870,221 @@
       </p:sp>
       <p:sp>
         <p:nvSpPr>
-          <p:cNvPr id="5" name="Espace réservé du numéro de diapositive 4">
+          <p:cNvPr id="33" name="Rectangle 32">
             <a:extLst>
               <a:ext uri="{FF2B5EF4-FFF2-40B4-BE49-F238E27FC236}">
-                <a16:creationId xmlns:a16="http://schemas.microsoft.com/office/drawing/2014/main" id="{ACBB2F2A-A517-48B6-AD57-A1EB87CB5543}"/>
+                <a16:creationId xmlns:a16="http://schemas.microsoft.com/office/drawing/2014/main" id="{DC631C0B-6DA6-4E57-8231-CE32B3434A7E}"/>
+              </a:ext>
+              <a:ext uri="{C183D7F6-B498-43B3-948B-1728B52AA6E4}">
+                <adec:decorative xmlns:adec="http://schemas.microsoft.com/office/drawing/2017/decorative" val="1"/>
               </a:ext>
             </a:extLst>
           </p:cNvPr>
           <p:cNvSpPr>
-            <a:spLocks noGrp="1"/>
+            <a:spLocks noGrp="1" noRot="1" noChangeAspect="1" noMove="1" noResize="1" noEditPoints="1" noAdjustHandles="1" noChangeArrowheads="1" noChangeShapeType="1" noTextEdit="1"/>
           </p:cNvSpPr>
           <p:nvPr>
-            <p:ph type="sldNum" sz="quarter" idx="12"/>
-            <p:custDataLst>
-              <p:tags r:id="rId4"/>
-            </p:custDataLst>
+            <p:extLst>
+              <p:ext uri="{386F3935-93C4-4BCD-93E2-E3B085C9AB24}">
+                <p16:designElem xmlns:p16="http://schemas.microsoft.com/office/powerpoint/2015/main" val="1"/>
+              </p:ext>
+            </p:extLst>
           </p:nvPr>
         </p:nvSpPr>
-        <p:spPr/>
+        <p:spPr>
+          <a:xfrm>
+            <a:off x="-5" y="-22690"/>
+            <a:ext cx="8542485" cy="4374126"/>
+          </a:xfrm>
+          <a:prstGeom prst="rect">
+            <a:avLst/>
+          </a:prstGeom>
+          <a:gradFill>
+            <a:gsLst>
+              <a:gs pos="0">
+                <a:schemeClr val="accent1">
+                  <a:lumMod val="50000"/>
+                  <a:alpha val="0"/>
+                </a:schemeClr>
+              </a:gs>
+              <a:gs pos="100000">
+                <a:srgbClr val="000000">
+                  <a:alpha val="25000"/>
+                </a:srgbClr>
+              </a:gs>
+            </a:gsLst>
+            <a:lin ang="18600000" scaled="0"/>
+          </a:gradFill>
+          <a:ln>
+            <a:noFill/>
+          </a:ln>
+        </p:spPr>
+        <p:style>
+          <a:lnRef idx="2">
+            <a:schemeClr val="accent1">
+              <a:shade val="50000"/>
+            </a:schemeClr>
+          </a:lnRef>
+          <a:fillRef idx="1">
+            <a:schemeClr val="accent1"/>
+          </a:fillRef>
+          <a:effectRef idx="0">
+            <a:schemeClr val="accent1"/>
+          </a:effectRef>
+          <a:fontRef idx="minor">
+            <a:schemeClr val="lt1"/>
+          </a:fontRef>
+        </p:style>
         <p:txBody>
-          <a:bodyPr/>
+          <a:bodyPr rtlCol="0" anchor="ctr"/>
           <a:lstStyle/>
           <a:p>
-            <a:fld id="{23120ADE-45B3-4262-A680-7B402FD9570E}" type="slidenum">
-              <a:rPr lang="fr-FR" smtClean="0"/>
-              <a:t>20</a:t>
-            </a:fld>
-            <a:endParaRPr lang="fr-FR"/>
+            <a:pPr algn="ctr"/>
+            <a:endParaRPr lang="en-US"/>
+          </a:p>
+        </p:txBody>
+      </p:sp>
+      <p:sp>
+        <p:nvSpPr>
+          <p:cNvPr id="35" name="Freeform: Shape 34">
+            <a:extLst>
+              <a:ext uri="{FF2B5EF4-FFF2-40B4-BE49-F238E27FC236}">
+                <a16:creationId xmlns:a16="http://schemas.microsoft.com/office/drawing/2014/main" id="{C29501E6-A978-4A61-9689-9085AF97A53A}"/>
+              </a:ext>
+              <a:ext uri="{C183D7F6-B498-43B3-948B-1728B52AA6E4}">
+                <adec:decorative xmlns:adec="http://schemas.microsoft.com/office/drawing/2017/decorative" val="1"/>
+              </a:ext>
+            </a:extLst>
+          </p:cNvPr>
+          <p:cNvSpPr>
+            <a:spLocks noGrp="1" noRot="1" noChangeAspect="1" noMove="1" noResize="1" noEditPoints="1" noAdjustHandles="1" noChangeArrowheads="1" noChangeShapeType="1" noTextEdit="1"/>
+          </p:cNvSpPr>
+          <p:nvPr>
+            <p:extLst>
+              <p:ext uri="{386F3935-93C4-4BCD-93E2-E3B085C9AB24}">
+                <p16:designElem xmlns:p16="http://schemas.microsoft.com/office/powerpoint/2015/main" val="1"/>
+              </p:ext>
+            </p:extLst>
+          </p:nvPr>
+        </p:nvSpPr>
+        <p:spPr>
+          <a:xfrm rot="12508972">
+            <a:off x="5945431" y="-1032053"/>
+            <a:ext cx="4990147" cy="4439131"/>
+          </a:xfrm>
+          <a:custGeom>
+            <a:avLst/>
+            <a:gdLst>
+              <a:gd name="connsiteX0" fmla="*/ 4990147 w 4990147"/>
+              <a:gd name="connsiteY0" fmla="*/ 2229378 h 4439131"/>
+              <a:gd name="connsiteX1" fmla="*/ 917384 w 4990147"/>
+              <a:gd name="connsiteY1" fmla="*/ 4439131 h 4439131"/>
+              <a:gd name="connsiteX2" fmla="*/ 910814 w 4990147"/>
+              <a:gd name="connsiteY2" fmla="*/ 4434219 h 4439131"/>
+              <a:gd name="connsiteX3" fmla="*/ 0 w 4990147"/>
+              <a:gd name="connsiteY3" fmla="*/ 2502877 h 4439131"/>
+              <a:gd name="connsiteX4" fmla="*/ 2502877 w 4990147"/>
+              <a:gd name="connsiteY4" fmla="*/ 0 h 4439131"/>
+              <a:gd name="connsiteX5" fmla="*/ 4954904 w 4990147"/>
+              <a:gd name="connsiteY5" fmla="*/ 1998460 h 4439131"/>
+            </a:gdLst>
+            <a:ahLst/>
+            <a:cxnLst>
+              <a:cxn ang="0">
+                <a:pos x="connsiteX0" y="connsiteY0"/>
+              </a:cxn>
+              <a:cxn ang="0">
+                <a:pos x="connsiteX1" y="connsiteY1"/>
+              </a:cxn>
+              <a:cxn ang="0">
+                <a:pos x="connsiteX2" y="connsiteY2"/>
+              </a:cxn>
+              <a:cxn ang="0">
+                <a:pos x="connsiteX3" y="connsiteY3"/>
+              </a:cxn>
+              <a:cxn ang="0">
+                <a:pos x="connsiteX4" y="connsiteY4"/>
+              </a:cxn>
+              <a:cxn ang="0">
+                <a:pos x="connsiteX5" y="connsiteY5"/>
+              </a:cxn>
+            </a:cxnLst>
+            <a:rect l="l" t="t" r="r" b="b"/>
+            <a:pathLst>
+              <a:path w="4990147" h="4439131">
+                <a:moveTo>
+                  <a:pt x="4990147" y="2229378"/>
+                </a:moveTo>
+                <a:lnTo>
+                  <a:pt x="917384" y="4439131"/>
+                </a:lnTo>
+                <a:lnTo>
+                  <a:pt x="910814" y="4434219"/>
+                </a:lnTo>
+                <a:cubicBezTo>
+                  <a:pt x="354557" y="3975154"/>
+                  <a:pt x="0" y="3280421"/>
+                  <a:pt x="0" y="2502877"/>
+                </a:cubicBezTo>
+                <a:cubicBezTo>
+                  <a:pt x="0" y="1120576"/>
+                  <a:pt x="1120576" y="0"/>
+                  <a:pt x="2502877" y="0"/>
+                </a:cubicBezTo>
+                <a:cubicBezTo>
+                  <a:pt x="3712390" y="0"/>
+                  <a:pt x="4721520" y="857941"/>
+                  <a:pt x="4954904" y="1998460"/>
+                </a:cubicBezTo>
+                <a:close/>
+              </a:path>
+            </a:pathLst>
+          </a:custGeom>
+          <a:gradFill>
+            <a:gsLst>
+              <a:gs pos="0">
+                <a:schemeClr val="accent1">
+                  <a:alpha val="22000"/>
+                </a:schemeClr>
+              </a:gs>
+              <a:gs pos="87000">
+                <a:schemeClr val="accent1">
+                  <a:lumMod val="60000"/>
+                  <a:lumOff val="40000"/>
+                  <a:alpha val="2000"/>
+                </a:schemeClr>
+              </a:gs>
+            </a:gsLst>
+            <a:lin ang="8400000" scaled="0"/>
+          </a:gradFill>
+          <a:ln>
+            <a:noFill/>
+          </a:ln>
+        </p:spPr>
+        <p:style>
+          <a:lnRef idx="2">
+            <a:schemeClr val="accent1">
+              <a:shade val="50000"/>
+            </a:schemeClr>
+          </a:lnRef>
+          <a:fillRef idx="1">
+            <a:schemeClr val="accent1"/>
+          </a:fillRef>
+          <a:effectRef idx="0">
+            <a:schemeClr val="accent1"/>
+          </a:effectRef>
+          <a:fontRef idx="minor">
+            <a:schemeClr val="lt1"/>
+          </a:fontRef>
+        </p:style>
+        <p:txBody>
+          <a:bodyPr wrap="square" rtlCol="0" anchor="ctr">
+            <a:noAutofit/>
+          </a:bodyPr>
+          <a:lstStyle/>
+          <a:p>
+            <a:pPr algn="ctr"/>
+            <a:endParaRPr lang="en-US" dirty="0"/>
           </a:p>
         </p:txBody>
       </p:sp>
@@ -18082,75 +21094,6 @@
             <a:extLst>
               <a:ext uri="{FF2B5EF4-FFF2-40B4-BE49-F238E27FC236}">
                 <a16:creationId xmlns:a16="http://schemas.microsoft.com/office/drawing/2014/main" id="{6E4BB0B2-6F22-4054-9D36-8913D9A69CB6}"/>
-              </a:ext>
-            </a:extLst>
-          </p:cNvPr>
-          <p:cNvSpPr>
-            <a:spLocks noGrp="1"/>
-          </p:cNvSpPr>
-          <p:nvPr>
-            <p:ph type="title"/>
-            <p:custDataLst>
-              <p:tags r:id="rId5"/>
-            </p:custDataLst>
-          </p:nvPr>
-        </p:nvSpPr>
-        <p:spPr>
-          <a:xfrm>
-            <a:off x="3177048" y="2766218"/>
-            <a:ext cx="5837903" cy="1325563"/>
-          </a:xfrm>
-        </p:spPr>
-        <p:txBody>
-          <a:bodyPr/>
-          <a:lstStyle/>
-          <a:p>
-            <a:r>
-              <a:rPr lang="fr-FR" dirty="0">
-                <a:latin typeface="Times New Roman" panose="02020603050405020304" pitchFamily="18" charset="0"/>
-                <a:cs typeface="Times New Roman" panose="02020603050405020304" pitchFamily="18" charset="0"/>
-              </a:rPr>
-              <a:t>Merci de votre attention</a:t>
-            </a:r>
-          </a:p>
-        </p:txBody>
-      </p:sp>
-    </p:spTree>
-    <p:extLst>
-      <p:ext uri="{BB962C8B-B14F-4D97-AF65-F5344CB8AC3E}">
-        <p14:creationId xmlns:p14="http://schemas.microsoft.com/office/powerpoint/2010/main" val="4250692597"/>
-      </p:ext>
-    </p:extLst>
-  </p:cSld>
-  <p:clrMapOvr>
-    <a:masterClrMapping/>
-  </p:clrMapOvr>
-</p:sld>
-</file>
-
-<file path=ppt/slides/slide21.xml><?xml version="1.0" encoding="utf-8"?>
-<p:sld xmlns:a="http://schemas.openxmlformats.org/drawingml/2006/main" xmlns:r="http://schemas.openxmlformats.org/officeDocument/2006/relationships" xmlns:p="http://schemas.openxmlformats.org/presentationml/2006/main">
-  <p:cSld>
-    <p:spTree>
-      <p:nvGrpSpPr>
-        <p:cNvPr id="1" name=""/>
-        <p:cNvGrpSpPr/>
-        <p:nvPr/>
-      </p:nvGrpSpPr>
-      <p:grpSpPr>
-        <a:xfrm>
-          <a:off x="0" y="0"/>
-          <a:ext cx="0" cy="0"/>
-          <a:chOff x="0" y="0"/>
-          <a:chExt cx="0" cy="0"/>
-        </a:xfrm>
-      </p:grpSpPr>
-      <p:sp>
-        <p:nvSpPr>
-          <p:cNvPr id="2" name="Titre 1">
-            <a:extLst>
-              <a:ext uri="{FF2B5EF4-FFF2-40B4-BE49-F238E27FC236}">
-                <a16:creationId xmlns:a16="http://schemas.microsoft.com/office/drawing/2014/main" id="{1F0DE788-5710-4C22-8602-7A53CA640AD7}"/>
               </a:ext>
             </a:extLst>
           </p:cNvPr>
@@ -18164,147 +21107,38 @@
             </p:custDataLst>
           </p:nvPr>
         </p:nvSpPr>
-        <p:spPr/>
+        <p:spPr>
+          <a:xfrm>
+            <a:off x="1314824" y="735106"/>
+            <a:ext cx="10053763" cy="2928470"/>
+          </a:xfrm>
+        </p:spPr>
         <p:txBody>
-          <a:bodyPr/>
+          <a:bodyPr vert="horz" lIns="91440" tIns="45720" rIns="91440" bIns="45720" rtlCol="0" anchor="b">
+            <a:normAutofit/>
+          </a:bodyPr>
           <a:lstStyle/>
           <a:p>
             <a:r>
-              <a:rPr lang="fr-FR" dirty="0">
-                <a:latin typeface="Times New Roman" panose="02020603050405020304" pitchFamily="18" charset="0"/>
-                <a:cs typeface="Times New Roman" panose="02020603050405020304" pitchFamily="18" charset="0"/>
+              <a:rPr lang="en-US" sz="4800" kern="1200">
+                <a:solidFill>
+                  <a:srgbClr val="FFFFFF"/>
+                </a:solidFill>
+                <a:latin typeface="+mj-lt"/>
+                <a:ea typeface="+mj-ea"/>
+                <a:cs typeface="+mj-cs"/>
               </a:rPr>
-              <a:t>User Stories</a:t>
+              <a:t>Merci de votre attention</a:t>
             </a:r>
           </a:p>
         </p:txBody>
       </p:sp>
       <p:sp>
         <p:nvSpPr>
-          <p:cNvPr id="3" name="Espace réservé du contenu 2">
+          <p:cNvPr id="5" name="Espace réservé du numéro de diapositive 4">
             <a:extLst>
               <a:ext uri="{FF2B5EF4-FFF2-40B4-BE49-F238E27FC236}">
-                <a16:creationId xmlns:a16="http://schemas.microsoft.com/office/drawing/2014/main" id="{8A6A75B5-9B9A-40CA-BA46-F97F0981585E}"/>
-              </a:ext>
-            </a:extLst>
-          </p:cNvPr>
-          <p:cNvSpPr>
-            <a:spLocks noGrp="1"/>
-          </p:cNvSpPr>
-          <p:nvPr>
-            <p:ph idx="1"/>
-            <p:custDataLst>
-              <p:tags r:id="rId2"/>
-            </p:custDataLst>
-          </p:nvPr>
-        </p:nvSpPr>
-        <p:spPr>
-          <a:xfrm>
-            <a:off x="838200" y="2325688"/>
-            <a:ext cx="10515600" cy="3132138"/>
-          </a:xfrm>
-        </p:spPr>
-        <p:txBody>
-          <a:bodyPr>
-            <a:normAutofit fontScale="92500"/>
-          </a:bodyPr>
-          <a:lstStyle/>
-          <a:p>
-            <a:r>
-              <a:rPr lang="fr-FR" sz="2400" dirty="0">
-                <a:latin typeface="Times New Roman" panose="02020603050405020304" pitchFamily="18" charset="0"/>
-                <a:cs typeface="Times New Roman" panose="02020603050405020304" pitchFamily="18" charset="0"/>
-              </a:rPr>
-              <a:t>En tant que lecteur inscrit, je veux ajouter un livre que j’ai apprécié à la bibliothèque afin de partager mes découvertes avec d’autres lecteurs.</a:t>
-            </a:r>
-          </a:p>
-          <a:p>
-            <a:pPr marL="0" indent="0">
-              <a:buNone/>
-            </a:pPr>
-            <a:endParaRPr lang="fr-FR" sz="2400" dirty="0">
-              <a:latin typeface="Times New Roman" panose="02020603050405020304" pitchFamily="18" charset="0"/>
-              <a:cs typeface="Times New Roman" panose="02020603050405020304" pitchFamily="18" charset="0"/>
-            </a:endParaRPr>
-          </a:p>
-          <a:p>
-            <a:r>
-              <a:rPr lang="fr-FR" sz="2400" dirty="0">
-                <a:latin typeface="Times New Roman" panose="02020603050405020304" pitchFamily="18" charset="0"/>
-                <a:cs typeface="Times New Roman" panose="02020603050405020304" pitchFamily="18" charset="0"/>
-              </a:rPr>
-              <a:t>En tant que lecteur inscrit, je veux laisser un commentaire sur un livre que j’ai lu afin de partager mon avis et échanger avec d’autres utilisateurs autour de cette lecture.</a:t>
-            </a:r>
-          </a:p>
-          <a:p>
-            <a:pPr marL="0" indent="0">
-              <a:buNone/>
-            </a:pPr>
-            <a:endParaRPr lang="fr-FR" sz="2400" dirty="0">
-              <a:latin typeface="Times New Roman" panose="02020603050405020304" pitchFamily="18" charset="0"/>
-              <a:cs typeface="Times New Roman" panose="02020603050405020304" pitchFamily="18" charset="0"/>
-            </a:endParaRPr>
-          </a:p>
-          <a:p>
-            <a:r>
-              <a:rPr lang="fr-FR" sz="2400" dirty="0">
-                <a:latin typeface="Times New Roman" panose="02020603050405020304" pitchFamily="18" charset="0"/>
-                <a:cs typeface="Times New Roman" panose="02020603050405020304" pitchFamily="18" charset="0"/>
-              </a:rPr>
-              <a:t>En tant que lecteur engagé je veux pouvoir interagir des discussions autour d’un livre en mettant des likes.</a:t>
-            </a:r>
-          </a:p>
-        </p:txBody>
-      </p:sp>
-      <p:pic>
-        <p:nvPicPr>
-          <p:cNvPr id="5" name="Graphique 4" descr="Curseur avec un remplissage uni">
-            <a:extLst>
-              <a:ext uri="{FF2B5EF4-FFF2-40B4-BE49-F238E27FC236}">
-                <a16:creationId xmlns:a16="http://schemas.microsoft.com/office/drawing/2014/main" id="{86068296-2B70-4B3F-8D81-79F812109CD1}"/>
-              </a:ext>
-            </a:extLst>
-          </p:cNvPr>
-          <p:cNvPicPr>
-            <a:picLocks noChangeAspect="1"/>
-          </p:cNvPicPr>
-          <p:nvPr>
-            <p:custDataLst>
-              <p:tags r:id="rId3"/>
-            </p:custDataLst>
-          </p:nvPr>
-        </p:nvPicPr>
-        <p:blipFill>
-          <a:blip r:embed="rId6">
-            <a:extLst>
-              <a:ext uri="{28A0092B-C50C-407E-A947-70E740481C1C}">
-                <a14:useLocalDpi xmlns:a14="http://schemas.microsoft.com/office/drawing/2010/main" val="0"/>
-              </a:ext>
-              <a:ext uri="{96DAC541-7B7A-43D3-8B79-37D633B846F1}">
-                <asvg:svgBlip xmlns:asvg="http://schemas.microsoft.com/office/drawing/2016/SVG/main" r:embed="rId7"/>
-              </a:ext>
-            </a:extLst>
-          </a:blip>
-          <a:stretch>
-            <a:fillRect/>
-          </a:stretch>
-        </p:blipFill>
-        <p:spPr>
-          <a:xfrm>
-            <a:off x="6853237" y="1027906"/>
-            <a:ext cx="1462088" cy="1462088"/>
-          </a:xfrm>
-          <a:prstGeom prst="rect">
-            <a:avLst/>
-          </a:prstGeom>
-        </p:spPr>
-      </p:pic>
-      <p:sp>
-        <p:nvSpPr>
-          <p:cNvPr id="6" name="Espace réservé du numéro de diapositive 5">
-            <a:extLst>
-              <a:ext uri="{FF2B5EF4-FFF2-40B4-BE49-F238E27FC236}">
-                <a16:creationId xmlns:a16="http://schemas.microsoft.com/office/drawing/2014/main" id="{90756A71-A912-451F-A0DB-97A390C59264}"/>
+                <a16:creationId xmlns:a16="http://schemas.microsoft.com/office/drawing/2014/main" id="{ACBB2F2A-A517-48B6-AD57-A1EB87CB5543}"/>
               </a:ext>
             </a:extLst>
           </p:cNvPr>
@@ -18314,27 +21148,58 @@
           <p:nvPr>
             <p:ph type="sldNum" sz="quarter" idx="12"/>
             <p:custDataLst>
-              <p:tags r:id="rId4"/>
+              <p:tags r:id="rId2"/>
             </p:custDataLst>
           </p:nvPr>
         </p:nvSpPr>
-        <p:spPr/>
+        <p:spPr>
+          <a:xfrm>
+            <a:off x="11704320" y="6446837"/>
+            <a:ext cx="448056" cy="365125"/>
+          </a:xfrm>
+        </p:spPr>
         <p:txBody>
-          <a:bodyPr/>
+          <a:bodyPr vert="horz" lIns="91440" tIns="45720" rIns="91440" bIns="45720" rtlCol="0" anchor="ctr">
+            <a:normAutofit/>
+          </a:bodyPr>
           <a:lstStyle/>
           <a:p>
+            <a:pPr>
+              <a:spcAft>
+                <a:spcPts val="600"/>
+              </a:spcAft>
+            </a:pPr>
             <a:fld id="{23120ADE-45B3-4262-A680-7B402FD9570E}" type="slidenum">
-              <a:rPr lang="fr-FR" smtClean="0"/>
+              <a:rPr lang="en-US" sz="1100">
+                <a:solidFill>
+                  <a:schemeClr val="tx1">
+                    <a:lumMod val="50000"/>
+                    <a:lumOff val="50000"/>
+                  </a:schemeClr>
+                </a:solidFill>
+              </a:rPr>
+              <a:pPr>
+                <a:spcAft>
+                  <a:spcPts val="600"/>
+                </a:spcAft>
+              </a:pPr>
               <a:t>21</a:t>
             </a:fld>
-            <a:endParaRPr lang="fr-FR"/>
+            <a:endParaRPr lang="en-US" sz="1100">
+              <a:solidFill>
+                <a:schemeClr val="tx1">
+                  <a:lumMod val="50000"/>
+                  <a:lumOff val="50000"/>
+                </a:schemeClr>
+              </a:solidFill>
+            </a:endParaRPr>
           </a:p>
         </p:txBody>
       </p:sp>
     </p:spTree>
     <p:extLst>
       <p:ext uri="{BB962C8B-B14F-4D97-AF65-F5344CB8AC3E}">
-        <p14:creationId xmlns:p14="http://schemas.microsoft.com/office/powerpoint/2010/main" val="2845357174"/>
+        <p14:creationId xmlns:p14="http://schemas.microsoft.com/office/powerpoint/2010/main" val="4250692597"/>
       </p:ext>
     </p:extLst>
   </p:cSld>
@@ -23370,61 +26235,61 @@
 
 <file path=ppt/tags/tag100.xml><?xml version="1.0" encoding="utf-8"?>
 <p:tagLst xmlns:a="http://schemas.openxmlformats.org/drawingml/2006/main" xmlns:r="http://schemas.openxmlformats.org/officeDocument/2006/relationships" xmlns:p="http://schemas.openxmlformats.org/presentationml/2006/main">
-  <p:tag name="NUM" val="4"/>
+  <p:tag name="NUM" val="7"/>
 </p:tagLst>
 </file>
 
 <file path=ppt/tags/tag101.xml><?xml version="1.0" encoding="utf-8"?>
 <p:tagLst xmlns:a="http://schemas.openxmlformats.org/drawingml/2006/main" xmlns:r="http://schemas.openxmlformats.org/officeDocument/2006/relationships" xmlns:p="http://schemas.openxmlformats.org/presentationml/2006/main">
-  <p:tag name="NUM" val="5"/>
+  <p:tag name="NUM" val="1"/>
 </p:tagLst>
 </file>
 
 <file path=ppt/tags/tag102.xml><?xml version="1.0" encoding="utf-8"?>
 <p:tagLst xmlns:a="http://schemas.openxmlformats.org/drawingml/2006/main" xmlns:r="http://schemas.openxmlformats.org/officeDocument/2006/relationships" xmlns:p="http://schemas.openxmlformats.org/presentationml/2006/main">
-  <p:tag name="NUM" val="6"/>
+  <p:tag name="NUM" val="2"/>
 </p:tagLst>
 </file>
 
 <file path=ppt/tags/tag103.xml><?xml version="1.0" encoding="utf-8"?>
 <p:tagLst xmlns:a="http://schemas.openxmlformats.org/drawingml/2006/main" xmlns:r="http://schemas.openxmlformats.org/officeDocument/2006/relationships" xmlns:p="http://schemas.openxmlformats.org/presentationml/2006/main">
-  <p:tag name="NUM" val="7"/>
+  <p:tag name="NUM" val="3"/>
 </p:tagLst>
 </file>
 
 <file path=ppt/tags/tag104.xml><?xml version="1.0" encoding="utf-8"?>
 <p:tagLst xmlns:a="http://schemas.openxmlformats.org/drawingml/2006/main" xmlns:r="http://schemas.openxmlformats.org/officeDocument/2006/relationships" xmlns:p="http://schemas.openxmlformats.org/presentationml/2006/main">
-  <p:tag name="NUM" val="1"/>
+  <p:tag name="NUM" val="4"/>
 </p:tagLst>
 </file>
 
 <file path=ppt/tags/tag105.xml><?xml version="1.0" encoding="utf-8"?>
 <p:tagLst xmlns:a="http://schemas.openxmlformats.org/drawingml/2006/main" xmlns:r="http://schemas.openxmlformats.org/officeDocument/2006/relationships" xmlns:p="http://schemas.openxmlformats.org/presentationml/2006/main">
-  <p:tag name="NUM" val="2"/>
+  <p:tag name="NUM" val="5"/>
 </p:tagLst>
 </file>
 
 <file path=ppt/tags/tag106.xml><?xml version="1.0" encoding="utf-8"?>
 <p:tagLst xmlns:a="http://schemas.openxmlformats.org/drawingml/2006/main" xmlns:r="http://schemas.openxmlformats.org/officeDocument/2006/relationships" xmlns:p="http://schemas.openxmlformats.org/presentationml/2006/main">
-  <p:tag name="NUM" val="3"/>
+  <p:tag name="NUM" val="6"/>
 </p:tagLst>
 </file>
 
 <file path=ppt/tags/tag107.xml><?xml version="1.0" encoding="utf-8"?>
 <p:tagLst xmlns:a="http://schemas.openxmlformats.org/drawingml/2006/main" xmlns:r="http://schemas.openxmlformats.org/officeDocument/2006/relationships" xmlns:p="http://schemas.openxmlformats.org/presentationml/2006/main">
-  <p:tag name="NUM" val="4"/>
+  <p:tag name="NUM" val="7"/>
 </p:tagLst>
 </file>
 
 <file path=ppt/tags/tag108.xml><?xml version="1.0" encoding="utf-8"?>
 <p:tagLst xmlns:a="http://schemas.openxmlformats.org/drawingml/2006/main" xmlns:r="http://schemas.openxmlformats.org/officeDocument/2006/relationships" xmlns:p="http://schemas.openxmlformats.org/presentationml/2006/main">
-  <p:tag name="NUM" val="5"/>
+  <p:tag name="NUM" val="8"/>
 </p:tagLst>
 </file>
 
 <file path=ppt/tags/tag109.xml><?xml version="1.0" encoding="utf-8"?>
 <p:tagLst xmlns:a="http://schemas.openxmlformats.org/drawingml/2006/main" xmlns:r="http://schemas.openxmlformats.org/officeDocument/2006/relationships" xmlns:p="http://schemas.openxmlformats.org/presentationml/2006/main">
-  <p:tag name="NUM" val="6"/>
+  <p:tag name="NUM" val="9"/>
 </p:tagLst>
 </file>
 
@@ -23436,49 +26301,49 @@
 
 <file path=ppt/tags/tag110.xml><?xml version="1.0" encoding="utf-8"?>
 <p:tagLst xmlns:a="http://schemas.openxmlformats.org/drawingml/2006/main" xmlns:r="http://schemas.openxmlformats.org/officeDocument/2006/relationships" xmlns:p="http://schemas.openxmlformats.org/presentationml/2006/main">
-  <p:tag name="NUM" val="7"/>
+  <p:tag name="NUM" val="10"/>
 </p:tagLst>
 </file>
 
 <file path=ppt/tags/tag111.xml><?xml version="1.0" encoding="utf-8"?>
 <p:tagLst xmlns:a="http://schemas.openxmlformats.org/drawingml/2006/main" xmlns:r="http://schemas.openxmlformats.org/officeDocument/2006/relationships" xmlns:p="http://schemas.openxmlformats.org/presentationml/2006/main">
-  <p:tag name="NUM" val="8"/>
+  <p:tag name="NUM" val="11"/>
 </p:tagLst>
 </file>
 
 <file path=ppt/tags/tag112.xml><?xml version="1.0" encoding="utf-8"?>
 <p:tagLst xmlns:a="http://schemas.openxmlformats.org/drawingml/2006/main" xmlns:r="http://schemas.openxmlformats.org/officeDocument/2006/relationships" xmlns:p="http://schemas.openxmlformats.org/presentationml/2006/main">
-  <p:tag name="NUM" val="9"/>
+  <p:tag name="NUM" val="1"/>
 </p:tagLst>
 </file>
 
 <file path=ppt/tags/tag113.xml><?xml version="1.0" encoding="utf-8"?>
 <p:tagLst xmlns:a="http://schemas.openxmlformats.org/drawingml/2006/main" xmlns:r="http://schemas.openxmlformats.org/officeDocument/2006/relationships" xmlns:p="http://schemas.openxmlformats.org/presentationml/2006/main">
-  <p:tag name="NUM" val="10"/>
+  <p:tag name="NUM" val="2"/>
 </p:tagLst>
 </file>
 
 <file path=ppt/tags/tag114.xml><?xml version="1.0" encoding="utf-8"?>
 <p:tagLst xmlns:a="http://schemas.openxmlformats.org/drawingml/2006/main" xmlns:r="http://schemas.openxmlformats.org/officeDocument/2006/relationships" xmlns:p="http://schemas.openxmlformats.org/presentationml/2006/main">
-  <p:tag name="NUM" val="11"/>
+  <p:tag name="NUM" val="3"/>
 </p:tagLst>
 </file>
 
 <file path=ppt/tags/tag115.xml><?xml version="1.0" encoding="utf-8"?>
 <p:tagLst xmlns:a="http://schemas.openxmlformats.org/drawingml/2006/main" xmlns:r="http://schemas.openxmlformats.org/officeDocument/2006/relationships" xmlns:p="http://schemas.openxmlformats.org/presentationml/2006/main">
-  <p:tag name="NUM" val="1"/>
+  <p:tag name="NUM" val="4"/>
 </p:tagLst>
 </file>
 
 <file path=ppt/tags/tag116.xml><?xml version="1.0" encoding="utf-8"?>
 <p:tagLst xmlns:a="http://schemas.openxmlformats.org/drawingml/2006/main" xmlns:r="http://schemas.openxmlformats.org/officeDocument/2006/relationships" xmlns:p="http://schemas.openxmlformats.org/presentationml/2006/main">
-  <p:tag name="NUM" val="2"/>
+  <p:tag name="NUM" val="5"/>
 </p:tagLst>
 </file>
 
 <file path=ppt/tags/tag117.xml><?xml version="1.0" encoding="utf-8"?>
 <p:tagLst xmlns:a="http://schemas.openxmlformats.org/drawingml/2006/main" xmlns:r="http://schemas.openxmlformats.org/officeDocument/2006/relationships" xmlns:p="http://schemas.openxmlformats.org/presentationml/2006/main">
-  <p:tag name="NUM" val="3"/>
+  <p:tag name="NUM" val="5"/>
 </p:tagLst>
 </file>
 
@@ -23490,7 +26355,7 @@
 
 <file path=ppt/tags/tag119.xml><?xml version="1.0" encoding="utf-8"?>
 <p:tagLst xmlns:a="http://schemas.openxmlformats.org/drawingml/2006/main" xmlns:r="http://schemas.openxmlformats.org/officeDocument/2006/relationships" xmlns:p="http://schemas.openxmlformats.org/presentationml/2006/main">
-  <p:tag name="NUM" val="5"/>
+  <p:tag name="NUM" val="1"/>
 </p:tagLst>
 </file>
 
@@ -23502,31 +26367,31 @@
 
 <file path=ppt/tags/tag120.xml><?xml version="1.0" encoding="utf-8"?>
 <p:tagLst xmlns:a="http://schemas.openxmlformats.org/drawingml/2006/main" xmlns:r="http://schemas.openxmlformats.org/officeDocument/2006/relationships" xmlns:p="http://schemas.openxmlformats.org/presentationml/2006/main">
-  <p:tag name="NUM" val="6"/>
+  <p:tag name="NUM" val="2"/>
 </p:tagLst>
 </file>
 
 <file path=ppt/tags/tag121.xml><?xml version="1.0" encoding="utf-8"?>
 <p:tagLst xmlns:a="http://schemas.openxmlformats.org/drawingml/2006/main" xmlns:r="http://schemas.openxmlformats.org/officeDocument/2006/relationships" xmlns:p="http://schemas.openxmlformats.org/presentationml/2006/main">
-  <p:tag name="NUM" val="1"/>
+  <p:tag name="NUM" val="3"/>
 </p:tagLst>
 </file>
 
 <file path=ppt/tags/tag122.xml><?xml version="1.0" encoding="utf-8"?>
 <p:tagLst xmlns:a="http://schemas.openxmlformats.org/drawingml/2006/main" xmlns:r="http://schemas.openxmlformats.org/officeDocument/2006/relationships" xmlns:p="http://schemas.openxmlformats.org/presentationml/2006/main">
-  <p:tag name="NUM" val="2"/>
+  <p:tag name="NUM" val="4"/>
 </p:tagLst>
 </file>
 
 <file path=ppt/tags/tag123.xml><?xml version="1.0" encoding="utf-8"?>
 <p:tagLst xmlns:a="http://schemas.openxmlformats.org/drawingml/2006/main" xmlns:r="http://schemas.openxmlformats.org/officeDocument/2006/relationships" xmlns:p="http://schemas.openxmlformats.org/presentationml/2006/main">
-  <p:tag name="NUM" val="3"/>
+  <p:tag name="NUM" val="5"/>
 </p:tagLst>
 </file>
 
 <file path=ppt/tags/tag124.xml><?xml version="1.0" encoding="utf-8"?>
 <p:tagLst xmlns:a="http://schemas.openxmlformats.org/drawingml/2006/main" xmlns:r="http://schemas.openxmlformats.org/officeDocument/2006/relationships" xmlns:p="http://schemas.openxmlformats.org/presentationml/2006/main">
-  <p:tag name="NUM" val="4"/>
+  <p:tag name="NUM" val="3"/>
 </p:tagLst>
 </file>
 
@@ -23574,49 +26439,49 @@
 
 <file path=ppt/tags/tag131.xml><?xml version="1.0" encoding="utf-8"?>
 <p:tagLst xmlns:a="http://schemas.openxmlformats.org/drawingml/2006/main" xmlns:r="http://schemas.openxmlformats.org/officeDocument/2006/relationships" xmlns:p="http://schemas.openxmlformats.org/presentationml/2006/main">
-  <p:tag name="NUM" val="1"/>
+  <p:tag name="NUM" val="6"/>
 </p:tagLst>
 </file>
 
 <file path=ppt/tags/tag132.xml><?xml version="1.0" encoding="utf-8"?>
 <p:tagLst xmlns:a="http://schemas.openxmlformats.org/drawingml/2006/main" xmlns:r="http://schemas.openxmlformats.org/officeDocument/2006/relationships" xmlns:p="http://schemas.openxmlformats.org/presentationml/2006/main">
-  <p:tag name="NUM" val="2"/>
+  <p:tag name="NUM" val="7"/>
 </p:tagLst>
 </file>
 
 <file path=ppt/tags/tag133.xml><?xml version="1.0" encoding="utf-8"?>
 <p:tagLst xmlns:a="http://schemas.openxmlformats.org/drawingml/2006/main" xmlns:r="http://schemas.openxmlformats.org/officeDocument/2006/relationships" xmlns:p="http://schemas.openxmlformats.org/presentationml/2006/main">
-  <p:tag name="NUM" val="3"/>
+  <p:tag name="NUM" val="5"/>
 </p:tagLst>
 </file>
 
 <file path=ppt/tags/tag134.xml><?xml version="1.0" encoding="utf-8"?>
 <p:tagLst xmlns:a="http://schemas.openxmlformats.org/drawingml/2006/main" xmlns:r="http://schemas.openxmlformats.org/officeDocument/2006/relationships" xmlns:p="http://schemas.openxmlformats.org/presentationml/2006/main">
-  <p:tag name="NUM" val="4"/>
+  <p:tag name="NUM" val="5"/>
 </p:tagLst>
 </file>
 
 <file path=ppt/tags/tag135.xml><?xml version="1.0" encoding="utf-8"?>
 <p:tagLst xmlns:a="http://schemas.openxmlformats.org/drawingml/2006/main" xmlns:r="http://schemas.openxmlformats.org/officeDocument/2006/relationships" xmlns:p="http://schemas.openxmlformats.org/presentationml/2006/main">
-  <p:tag name="NUM" val="5"/>
+  <p:tag name="NUM" val="1"/>
 </p:tagLst>
 </file>
 
 <file path=ppt/tags/tag136.xml><?xml version="1.0" encoding="utf-8"?>
 <p:tagLst xmlns:a="http://schemas.openxmlformats.org/drawingml/2006/main" xmlns:r="http://schemas.openxmlformats.org/officeDocument/2006/relationships" xmlns:p="http://schemas.openxmlformats.org/presentationml/2006/main">
-  <p:tag name="NUM" val="6"/>
+  <p:tag name="NUM" val="2"/>
 </p:tagLst>
 </file>
 
 <file path=ppt/tags/tag137.xml><?xml version="1.0" encoding="utf-8"?>
 <p:tagLst xmlns:a="http://schemas.openxmlformats.org/drawingml/2006/main" xmlns:r="http://schemas.openxmlformats.org/officeDocument/2006/relationships" xmlns:p="http://schemas.openxmlformats.org/presentationml/2006/main">
-  <p:tag name="NUM" val="7"/>
+  <p:tag name="NUM" val="3"/>
 </p:tagLst>
 </file>
 
 <file path=ppt/tags/tag138.xml><?xml version="1.0" encoding="utf-8"?>
 <p:tagLst xmlns:a="http://schemas.openxmlformats.org/drawingml/2006/main" xmlns:r="http://schemas.openxmlformats.org/officeDocument/2006/relationships" xmlns:p="http://schemas.openxmlformats.org/presentationml/2006/main">
-  <p:tag name="NUM" val="5"/>
+  <p:tag name="NUM" val="4"/>
 </p:tagLst>
 </file>
 
@@ -23634,59 +26499,17 @@
 
 <file path=ppt/tags/tag140.xml><?xml version="1.0" encoding="utf-8"?>
 <p:tagLst xmlns:a="http://schemas.openxmlformats.org/drawingml/2006/main" xmlns:r="http://schemas.openxmlformats.org/officeDocument/2006/relationships" xmlns:p="http://schemas.openxmlformats.org/presentationml/2006/main">
-  <p:tag name="NUM" val="1"/>
+  <p:tag name="NUM" val="6"/>
 </p:tagLst>
 </file>
 
 <file path=ppt/tags/tag141.xml><?xml version="1.0" encoding="utf-8"?>
 <p:tagLst xmlns:a="http://schemas.openxmlformats.org/drawingml/2006/main" xmlns:r="http://schemas.openxmlformats.org/officeDocument/2006/relationships" xmlns:p="http://schemas.openxmlformats.org/presentationml/2006/main">
-  <p:tag name="NUM" val="2"/>
+  <p:tag name="NUM" val="5"/>
 </p:tagLst>
 </file>
 
 <file path=ppt/tags/tag142.xml><?xml version="1.0" encoding="utf-8"?>
-<p:tagLst xmlns:a="http://schemas.openxmlformats.org/drawingml/2006/main" xmlns:r="http://schemas.openxmlformats.org/officeDocument/2006/relationships" xmlns:p="http://schemas.openxmlformats.org/presentationml/2006/main">
-  <p:tag name="NUM" val="3"/>
-</p:tagLst>
-</file>
-
-<file path=ppt/tags/tag143.xml><?xml version="1.0" encoding="utf-8"?>
-<p:tagLst xmlns:a="http://schemas.openxmlformats.org/drawingml/2006/main" xmlns:r="http://schemas.openxmlformats.org/officeDocument/2006/relationships" xmlns:p="http://schemas.openxmlformats.org/presentationml/2006/main">
-  <p:tag name="NUM" val="4"/>
-</p:tagLst>
-</file>
-
-<file path=ppt/tags/tag144.xml><?xml version="1.0" encoding="utf-8"?>
-<p:tagLst xmlns:a="http://schemas.openxmlformats.org/drawingml/2006/main" xmlns:r="http://schemas.openxmlformats.org/officeDocument/2006/relationships" xmlns:p="http://schemas.openxmlformats.org/presentationml/2006/main">
-  <p:tag name="NUM" val="5"/>
-</p:tagLst>
-</file>
-
-<file path=ppt/tags/tag145.xml><?xml version="1.0" encoding="utf-8"?>
-<p:tagLst xmlns:a="http://schemas.openxmlformats.org/drawingml/2006/main" xmlns:r="http://schemas.openxmlformats.org/officeDocument/2006/relationships" xmlns:p="http://schemas.openxmlformats.org/presentationml/2006/main">
-  <p:tag name="NUM" val="6"/>
-</p:tagLst>
-</file>
-
-<file path=ppt/tags/tag146.xml><?xml version="1.0" encoding="utf-8"?>
-<p:tagLst xmlns:a="http://schemas.openxmlformats.org/drawingml/2006/main" xmlns:r="http://schemas.openxmlformats.org/officeDocument/2006/relationships" xmlns:p="http://schemas.openxmlformats.org/presentationml/2006/main">
-  <p:tag name="NUM" val="1"/>
-</p:tagLst>
-</file>
-
-<file path=ppt/tags/tag147.xml><?xml version="1.0" encoding="utf-8"?>
-<p:tagLst xmlns:a="http://schemas.openxmlformats.org/drawingml/2006/main" xmlns:r="http://schemas.openxmlformats.org/officeDocument/2006/relationships" xmlns:p="http://schemas.openxmlformats.org/presentationml/2006/main">
-  <p:tag name="NUM" val="2"/>
-</p:tagLst>
-</file>
-
-<file path=ppt/tags/tag148.xml><?xml version="1.0" encoding="utf-8"?>
-<p:tagLst xmlns:a="http://schemas.openxmlformats.org/drawingml/2006/main" xmlns:r="http://schemas.openxmlformats.org/officeDocument/2006/relationships" xmlns:p="http://schemas.openxmlformats.org/presentationml/2006/main">
-  <p:tag name="NUM" val="3"/>
-</p:tagLst>
-</file>
-
-<file path=ppt/tags/tag149.xml><?xml version="1.0" encoding="utf-8"?>
 <p:tagLst xmlns:a="http://schemas.openxmlformats.org/drawingml/2006/main" xmlns:r="http://schemas.openxmlformats.org/officeDocument/2006/relationships" xmlns:p="http://schemas.openxmlformats.org/presentationml/2006/main">
   <p:tag name="NUM" val="4"/>
 </p:tagLst>
@@ -23695,36 +26518,6 @@
 <file path=ppt/tags/tag15.xml><?xml version="1.0" encoding="utf-8"?>
 <p:tagLst xmlns:a="http://schemas.openxmlformats.org/drawingml/2006/main" xmlns:r="http://schemas.openxmlformats.org/officeDocument/2006/relationships" xmlns:p="http://schemas.openxmlformats.org/presentationml/2006/main">
   <p:tag name="NUM" val="2"/>
-</p:tagLst>
-</file>
-
-<file path=ppt/tags/tag150.xml><?xml version="1.0" encoding="utf-8"?>
-<p:tagLst xmlns:a="http://schemas.openxmlformats.org/drawingml/2006/main" xmlns:r="http://schemas.openxmlformats.org/officeDocument/2006/relationships" xmlns:p="http://schemas.openxmlformats.org/presentationml/2006/main">
-  <p:tag name="NUM" val="5"/>
-</p:tagLst>
-</file>
-
-<file path=ppt/tags/tag151.xml><?xml version="1.0" encoding="utf-8"?>
-<p:tagLst xmlns:a="http://schemas.openxmlformats.org/drawingml/2006/main" xmlns:r="http://schemas.openxmlformats.org/officeDocument/2006/relationships" xmlns:p="http://schemas.openxmlformats.org/presentationml/2006/main">
-  <p:tag name="NUM" val="1"/>
-</p:tagLst>
-</file>
-
-<file path=ppt/tags/tag152.xml><?xml version="1.0" encoding="utf-8"?>
-<p:tagLst xmlns:a="http://schemas.openxmlformats.org/drawingml/2006/main" xmlns:r="http://schemas.openxmlformats.org/officeDocument/2006/relationships" xmlns:p="http://schemas.openxmlformats.org/presentationml/2006/main">
-  <p:tag name="NUM" val="2"/>
-</p:tagLst>
-</file>
-
-<file path=ppt/tags/tag153.xml><?xml version="1.0" encoding="utf-8"?>
-<p:tagLst xmlns:a="http://schemas.openxmlformats.org/drawingml/2006/main" xmlns:r="http://schemas.openxmlformats.org/officeDocument/2006/relationships" xmlns:p="http://schemas.openxmlformats.org/presentationml/2006/main">
-  <p:tag name="NUM" val="3"/>
-</p:tagLst>
-</file>
-
-<file path=ppt/tags/tag154.xml><?xml version="1.0" encoding="utf-8"?>
-<p:tagLst xmlns:a="http://schemas.openxmlformats.org/drawingml/2006/main" xmlns:r="http://schemas.openxmlformats.org/officeDocument/2006/relationships" xmlns:p="http://schemas.openxmlformats.org/presentationml/2006/main">
-  <p:tag name="NUM" val="4"/>
 </p:tagLst>
 </file>
 
@@ -24234,49 +27027,49 @@
 
 <file path=ppt/tags/tag92.xml><?xml version="1.0" encoding="utf-8"?>
 <p:tagLst xmlns:a="http://schemas.openxmlformats.org/drawingml/2006/main" xmlns:r="http://schemas.openxmlformats.org/officeDocument/2006/relationships" xmlns:p="http://schemas.openxmlformats.org/presentationml/2006/main">
-  <p:tag name="NUM" val="1"/>
+  <p:tag name="NUM" val="3"/>
 </p:tagLst>
 </file>
 
 <file path=ppt/tags/tag93.xml><?xml version="1.0" encoding="utf-8"?>
 <p:tagLst xmlns:a="http://schemas.openxmlformats.org/drawingml/2006/main" xmlns:r="http://schemas.openxmlformats.org/officeDocument/2006/relationships" xmlns:p="http://schemas.openxmlformats.org/presentationml/2006/main">
-  <p:tag name="NUM" val="2"/>
+  <p:tag name="NUM" val="5"/>
 </p:tagLst>
 </file>
 
 <file path=ppt/tags/tag94.xml><?xml version="1.0" encoding="utf-8"?>
 <p:tagLst xmlns:a="http://schemas.openxmlformats.org/drawingml/2006/main" xmlns:r="http://schemas.openxmlformats.org/officeDocument/2006/relationships" xmlns:p="http://schemas.openxmlformats.org/presentationml/2006/main">
-  <p:tag name="NUM" val="3"/>
+  <p:tag name="NUM" val="1"/>
 </p:tagLst>
 </file>
 
 <file path=ppt/tags/tag95.xml><?xml version="1.0" encoding="utf-8"?>
 <p:tagLst xmlns:a="http://schemas.openxmlformats.org/drawingml/2006/main" xmlns:r="http://schemas.openxmlformats.org/officeDocument/2006/relationships" xmlns:p="http://schemas.openxmlformats.org/presentationml/2006/main">
-  <p:tag name="NUM" val="4"/>
+  <p:tag name="NUM" val="2"/>
 </p:tagLst>
 </file>
 
 <file path=ppt/tags/tag96.xml><?xml version="1.0" encoding="utf-8"?>
 <p:tagLst xmlns:a="http://schemas.openxmlformats.org/drawingml/2006/main" xmlns:r="http://schemas.openxmlformats.org/officeDocument/2006/relationships" xmlns:p="http://schemas.openxmlformats.org/presentationml/2006/main">
-  <p:tag name="NUM" val="5"/>
+  <p:tag name="NUM" val="3"/>
 </p:tagLst>
 </file>
 
 <file path=ppt/tags/tag97.xml><?xml version="1.0" encoding="utf-8"?>
 <p:tagLst xmlns:a="http://schemas.openxmlformats.org/drawingml/2006/main" xmlns:r="http://schemas.openxmlformats.org/officeDocument/2006/relationships" xmlns:p="http://schemas.openxmlformats.org/presentationml/2006/main">
-  <p:tag name="NUM" val="1"/>
+  <p:tag name="NUM" val="4"/>
 </p:tagLst>
 </file>
 
 <file path=ppt/tags/tag98.xml><?xml version="1.0" encoding="utf-8"?>
 <p:tagLst xmlns:a="http://schemas.openxmlformats.org/drawingml/2006/main" xmlns:r="http://schemas.openxmlformats.org/officeDocument/2006/relationships" xmlns:p="http://schemas.openxmlformats.org/presentationml/2006/main">
-  <p:tag name="NUM" val="2"/>
+  <p:tag name="NUM" val="5"/>
 </p:tagLst>
 </file>
 
 <file path=ppt/tags/tag99.xml><?xml version="1.0" encoding="utf-8"?>
 <p:tagLst xmlns:a="http://schemas.openxmlformats.org/drawingml/2006/main" xmlns:r="http://schemas.openxmlformats.org/officeDocument/2006/relationships" xmlns:p="http://schemas.openxmlformats.org/presentationml/2006/main">
-  <p:tag name="NUM" val="3"/>
+  <p:tag name="NUM" val="6"/>
 </p:tagLst>
 </file>
 

--- a/Diaporama_Haldan.pptx
+++ b/Diaporama_Haldan.pptx
@@ -5,7 +5,7 @@
     <p:sldMasterId id="2147483648" r:id="rId1"/>
   </p:sldMasterIdLst>
   <p:notesMasterIdLst>
-    <p:notesMasterId r:id="rId23"/>
+    <p:notesMasterId r:id="rId24"/>
   </p:notesMasterIdLst>
   <p:sldIdLst>
     <p:sldId id="256" r:id="rId2"/>
@@ -21,14 +21,15 @@
     <p:sldId id="282" r:id="rId12"/>
     <p:sldId id="283" r:id="rId13"/>
     <p:sldId id="274" r:id="rId14"/>
-    <p:sldId id="284" r:id="rId15"/>
-    <p:sldId id="285" r:id="rId16"/>
-    <p:sldId id="291" r:id="rId17"/>
-    <p:sldId id="286" r:id="rId18"/>
-    <p:sldId id="287" r:id="rId19"/>
-    <p:sldId id="288" r:id="rId20"/>
-    <p:sldId id="289" r:id="rId21"/>
-    <p:sldId id="290" r:id="rId22"/>
+    <p:sldId id="292" r:id="rId15"/>
+    <p:sldId id="293" r:id="rId16"/>
+    <p:sldId id="284" r:id="rId17"/>
+    <p:sldId id="285" r:id="rId18"/>
+    <p:sldId id="291" r:id="rId19"/>
+    <p:sldId id="287" r:id="rId20"/>
+    <p:sldId id="288" r:id="rId21"/>
+    <p:sldId id="289" r:id="rId22"/>
+    <p:sldId id="290" r:id="rId23"/>
   </p:sldIdLst>
   <p:sldSz cx="12192000" cy="6858000"/>
   <p:notesSz cx="6858000" cy="9144000"/>
@@ -217,7 +218,7 @@
           <a:p>
             <a:fld id="{2A66B065-9387-4DBD-8600-802E541FAA81}" type="datetimeFigureOut">
               <a:rPr lang="fr-FR" smtClean="0"/>
-              <a:t>21/10/2024</a:t>
+              <a:t>23/10/2024</a:t>
             </a:fld>
             <a:endParaRPr lang="fr-FR"/>
           </a:p>
@@ -655,6 +656,90 @@
 </p:notes>
 </file>
 
+<file path=ppt/notesSlides/notesSlide3.xml><?xml version="1.0" encoding="utf-8"?>
+<p:notes xmlns:a="http://schemas.openxmlformats.org/drawingml/2006/main" xmlns:r="http://schemas.openxmlformats.org/officeDocument/2006/relationships" xmlns:p="http://schemas.openxmlformats.org/presentationml/2006/main">
+  <p:cSld>
+    <p:spTree>
+      <p:nvGrpSpPr>
+        <p:cNvPr id="1" name=""/>
+        <p:cNvGrpSpPr/>
+        <p:nvPr/>
+      </p:nvGrpSpPr>
+      <p:grpSpPr>
+        <a:xfrm>
+          <a:off x="0" y="0"/>
+          <a:ext cx="0" cy="0"/>
+          <a:chOff x="0" y="0"/>
+          <a:chExt cx="0" cy="0"/>
+        </a:xfrm>
+      </p:grpSpPr>
+      <p:sp>
+        <p:nvSpPr>
+          <p:cNvPr id="2" name="Espace réservé de l'image des diapositives 1"/>
+          <p:cNvSpPr>
+            <a:spLocks noGrp="1" noRot="1" noChangeAspect="1"/>
+          </p:cNvSpPr>
+          <p:nvPr>
+            <p:ph type="sldImg"/>
+          </p:nvPr>
+        </p:nvSpPr>
+        <p:spPr/>
+      </p:sp>
+      <p:sp>
+        <p:nvSpPr>
+          <p:cNvPr id="3" name="Espace réservé des notes 2"/>
+          <p:cNvSpPr>
+            <a:spLocks noGrp="1"/>
+          </p:cNvSpPr>
+          <p:nvPr>
+            <p:ph type="body" idx="1"/>
+          </p:nvPr>
+        </p:nvSpPr>
+        <p:spPr/>
+        <p:txBody>
+          <a:bodyPr/>
+          <a:lstStyle/>
+          <a:p>
+            <a:endParaRPr lang="fr-FR" dirty="0"/>
+          </a:p>
+        </p:txBody>
+      </p:sp>
+      <p:sp>
+        <p:nvSpPr>
+          <p:cNvPr id="4" name="Espace réservé du numéro de diapositive 3"/>
+          <p:cNvSpPr>
+            <a:spLocks noGrp="1"/>
+          </p:cNvSpPr>
+          <p:nvPr>
+            <p:ph type="sldNum" sz="quarter" idx="5"/>
+          </p:nvPr>
+        </p:nvSpPr>
+        <p:spPr/>
+        <p:txBody>
+          <a:bodyPr/>
+          <a:lstStyle/>
+          <a:p>
+            <a:fld id="{1FBBD793-9611-4337-B814-DBD49173A712}" type="slidenum">
+              <a:rPr lang="fr-FR" smtClean="0"/>
+              <a:t>12</a:t>
+            </a:fld>
+            <a:endParaRPr lang="fr-FR"/>
+          </a:p>
+        </p:txBody>
+      </p:sp>
+    </p:spTree>
+    <p:extLst>
+      <p:ext uri="{BB962C8B-B14F-4D97-AF65-F5344CB8AC3E}">
+        <p14:creationId xmlns:p14="http://schemas.microsoft.com/office/powerpoint/2010/main" val="3006828050"/>
+      </p:ext>
+    </p:extLst>
+  </p:cSld>
+  <p:clrMapOvr>
+    <a:masterClrMapping/>
+  </p:clrMapOvr>
+</p:notes>
+</file>
+
 <file path=ppt/slideLayouts/slideLayout1.xml><?xml version="1.0" encoding="utf-8"?>
 <p:sldLayout xmlns:a="http://schemas.openxmlformats.org/drawingml/2006/main" xmlns:r="http://schemas.openxmlformats.org/officeDocument/2006/relationships" xmlns:p="http://schemas.openxmlformats.org/presentationml/2006/main" type="title" preserve="1">
   <p:cSld name="Diapositive de titre">
@@ -802,7 +887,7 @@
           <a:p>
             <a:fld id="{3E0B693A-D2B8-4B57-85B9-014129D5826F}" type="datetime1">
               <a:rPr lang="fr-FR" smtClean="0"/>
-              <a:t>21/10/2024</a:t>
+              <a:t>23/10/2024</a:t>
             </a:fld>
             <a:endParaRPr lang="fr-FR"/>
           </a:p>
@@ -1000,7 +1085,7 @@
           <a:p>
             <a:fld id="{F568C7D9-F8E9-4705-A480-33967B4A0D26}" type="datetime1">
               <a:rPr lang="fr-FR" smtClean="0"/>
-              <a:t>21/10/2024</a:t>
+              <a:t>23/10/2024</a:t>
             </a:fld>
             <a:endParaRPr lang="fr-FR"/>
           </a:p>
@@ -1208,7 +1293,7 @@
           <a:p>
             <a:fld id="{C1EC2290-3AE2-4E71-A7F4-18D587792CA9}" type="datetime1">
               <a:rPr lang="fr-FR" smtClean="0"/>
-              <a:t>21/10/2024</a:t>
+              <a:t>23/10/2024</a:t>
             </a:fld>
             <a:endParaRPr lang="fr-FR"/>
           </a:p>
@@ -1406,7 +1491,7 @@
           <a:p>
             <a:fld id="{766EBF72-7517-4461-B354-4191685EDDC8}" type="datetime1">
               <a:rPr lang="fr-FR" smtClean="0"/>
-              <a:t>21/10/2024</a:t>
+              <a:t>23/10/2024</a:t>
             </a:fld>
             <a:endParaRPr lang="fr-FR"/>
           </a:p>
@@ -1681,7 +1766,7 @@
           <a:p>
             <a:fld id="{094E9DE1-7995-43F9-991D-A5A93E0478F0}" type="datetime1">
               <a:rPr lang="fr-FR" smtClean="0"/>
-              <a:t>21/10/2024</a:t>
+              <a:t>23/10/2024</a:t>
             </a:fld>
             <a:endParaRPr lang="fr-FR"/>
           </a:p>
@@ -1946,7 +2031,7 @@
           <a:p>
             <a:fld id="{053B08B5-B0C1-46E8-BDD3-700655DE7CC5}" type="datetime1">
               <a:rPr lang="fr-FR" smtClean="0"/>
-              <a:t>21/10/2024</a:t>
+              <a:t>23/10/2024</a:t>
             </a:fld>
             <a:endParaRPr lang="fr-FR"/>
           </a:p>
@@ -2358,7 +2443,7 @@
           <a:p>
             <a:fld id="{3C492FBF-EA20-4B8A-AB3E-A6E8D0CC354F}" type="datetime1">
               <a:rPr lang="fr-FR" smtClean="0"/>
-              <a:t>21/10/2024</a:t>
+              <a:t>23/10/2024</a:t>
             </a:fld>
             <a:endParaRPr lang="fr-FR"/>
           </a:p>
@@ -2499,7 +2584,7 @@
           <a:p>
             <a:fld id="{9E53FCEB-A186-42D3-9A43-6D06E4CD287B}" type="datetime1">
               <a:rPr lang="fr-FR" smtClean="0"/>
-              <a:t>21/10/2024</a:t>
+              <a:t>23/10/2024</a:t>
             </a:fld>
             <a:endParaRPr lang="fr-FR"/>
           </a:p>
@@ -2612,7 +2697,7 @@
           <a:p>
             <a:fld id="{C170BFAA-2AA9-4C82-A857-08FE27EFAC87}" type="datetime1">
               <a:rPr lang="fr-FR" smtClean="0"/>
-              <a:t>21/10/2024</a:t>
+              <a:t>23/10/2024</a:t>
             </a:fld>
             <a:endParaRPr lang="fr-FR"/>
           </a:p>
@@ -2923,7 +3008,7 @@
           <a:p>
             <a:fld id="{45FA2CA3-C397-4A14-A3DB-ECD260EB106D}" type="datetime1">
               <a:rPr lang="fr-FR" smtClean="0"/>
-              <a:t>21/10/2024</a:t>
+              <a:t>23/10/2024</a:t>
             </a:fld>
             <a:endParaRPr lang="fr-FR"/>
           </a:p>
@@ -3211,7 +3296,7 @@
           <a:p>
             <a:fld id="{A749108A-B06E-447E-A193-61B77A5828ED}" type="datetime1">
               <a:rPr lang="fr-FR" smtClean="0"/>
-              <a:t>21/10/2024</a:t>
+              <a:t>23/10/2024</a:t>
             </a:fld>
             <a:endParaRPr lang="fr-FR"/>
           </a:p>
@@ -3452,7 +3537,7 @@
           <a:p>
             <a:fld id="{E44FC4A1-A753-46C7-AC70-0CBDD0D3C809}" type="datetime1">
               <a:rPr lang="fr-FR" smtClean="0"/>
-              <a:t>21/10/2024</a:t>
+              <a:t>23/10/2024</a:t>
             </a:fld>
             <a:endParaRPr lang="fr-FR"/>
           </a:p>
@@ -3897,16 +3982,16 @@
         </p:spPr>
         <p:txBody>
           <a:bodyPr>
-            <a:normAutofit fontScale="90000"/>
+            <a:noAutofit/>
           </a:bodyPr>
           <a:lstStyle/>
           <a:p>
             <a:r>
-              <a:rPr lang="fr-FR" dirty="0">
+              <a:rPr lang="fr-FR" sz="3600" dirty="0">
                 <a:latin typeface="Times New Roman" panose="02020603050405020304" pitchFamily="18" charset="0"/>
                 <a:cs typeface="Times New Roman" panose="02020603050405020304" pitchFamily="18" charset="0"/>
               </a:rPr>
-              <a:t>Présentation de projet pour le titre professionnel Concepteur Développeur d’Applications</a:t>
+              <a:t>PRÉSENTATION DE PROJET POUR LE TITRE PROFESSIONNEL CONCEPTEUR DÉVELOPPEUR D’APPLICATIONS</a:t>
             </a:r>
           </a:p>
         </p:txBody>
@@ -4027,7 +4112,7 @@
           <a:p>
             <a:r>
               <a:rPr lang="fr-FR" dirty="0"/>
-              <a:t>Promotion : 23/09/2024</a:t>
+              <a:t>23/10/2024</a:t>
             </a:r>
           </a:p>
         </p:txBody>
@@ -4083,6 +4168,38 @@
           </a:extLst>
         </p:spPr>
       </p:pic>
+      <p:sp>
+        <p:nvSpPr>
+          <p:cNvPr id="4" name="ZoneTexte 3">
+            <a:extLst>
+              <a:ext uri="{FF2B5EF4-FFF2-40B4-BE49-F238E27FC236}">
+                <a16:creationId xmlns:a16="http://schemas.microsoft.com/office/drawing/2014/main" id="{25DFD404-C83B-25DE-C207-E4087A8A32F0}"/>
+              </a:ext>
+            </a:extLst>
+          </p:cNvPr>
+          <p:cNvSpPr txBox="1"/>
+          <p:nvPr/>
+        </p:nvSpPr>
+        <p:spPr>
+          <a:xfrm>
+            <a:off x="3048000" y="3246792"/>
+            <a:ext cx="6096000" cy="369332"/>
+          </a:xfrm>
+          <a:prstGeom prst="rect">
+            <a:avLst/>
+          </a:prstGeom>
+          <a:noFill/>
+        </p:spPr>
+        <p:txBody>
+          <a:bodyPr wrap="square">
+            <a:spAutoFit/>
+          </a:bodyPr>
+          <a:lstStyle/>
+          <a:p>
+            <a:endParaRPr lang="fr-FR" dirty="0"/>
+          </a:p>
+        </p:txBody>
+      </p:sp>
     </p:spTree>
     <p:extLst>
       <p:ext uri="{BB962C8B-B14F-4D97-AF65-F5344CB8AC3E}">
@@ -5401,7 +5518,7 @@
           </p:nvPr>
         </p:nvPicPr>
         <p:blipFill>
-          <a:blip r:embed="rId15">
+          <a:blip r:embed="rId17">
             <a:extLst>
               <a:ext uri="{28A0092B-C50C-407E-A947-70E740481C1C}">
                 <a14:useLocalDpi xmlns:a14="http://schemas.microsoft.com/office/drawing/2010/main" val="0"/>
@@ -5414,7 +5531,7 @@
         </p:blipFill>
         <p:spPr>
           <a:xfrm>
-            <a:off x="2334453" y="4097766"/>
+            <a:off x="1686360" y="4829812"/>
             <a:ext cx="950956" cy="935107"/>
           </a:xfrm>
           <a:prstGeom prst="rect">
@@ -5441,7 +5558,7 @@
           </p:nvPr>
         </p:nvPicPr>
         <p:blipFill>
-          <a:blip r:embed="rId16">
+          <a:blip r:embed="rId18">
             <a:extLst>
               <a:ext uri="{28A0092B-C50C-407E-A947-70E740481C1C}">
                 <a14:useLocalDpi xmlns:a14="http://schemas.microsoft.com/office/drawing/2010/main" val="0"/>
@@ -5453,7 +5570,7 @@
         </p:blipFill>
         <p:spPr>
           <a:xfrm>
-            <a:off x="3407965" y="2421047"/>
+            <a:off x="3407965" y="1890105"/>
             <a:ext cx="1947278" cy="1143668"/>
           </a:xfrm>
           <a:prstGeom prst="rect">
@@ -5480,7 +5597,7 @@
           </p:nvPr>
         </p:nvPicPr>
         <p:blipFill>
-          <a:blip r:embed="rId17">
+          <a:blip r:embed="rId19">
             <a:extLst>
               <a:ext uri="{28A0092B-C50C-407E-A947-70E740481C1C}">
                 <a14:useLocalDpi xmlns:a14="http://schemas.microsoft.com/office/drawing/2010/main" val="0"/>
@@ -5494,7 +5611,7 @@
         </p:blipFill>
         <p:spPr bwMode="auto">
           <a:xfrm>
-            <a:off x="3778472" y="3915161"/>
+            <a:off x="2050246" y="3395413"/>
             <a:ext cx="1226147" cy="1226147"/>
           </a:xfrm>
           <a:prstGeom prst="rect">
@@ -5531,7 +5648,7 @@
           </p:nvPr>
         </p:nvPicPr>
         <p:blipFill rotWithShape="1">
-          <a:blip r:embed="rId18">
+          <a:blip r:embed="rId20">
             <a:extLst>
               <a:ext uri="{28A0092B-C50C-407E-A947-70E740481C1C}">
                 <a14:useLocalDpi xmlns:a14="http://schemas.microsoft.com/office/drawing/2010/main" val="0"/>
@@ -5543,7 +5660,7 @@
         </p:blipFill>
         <p:spPr bwMode="auto">
           <a:xfrm>
-            <a:off x="2221522" y="2567686"/>
+            <a:off x="2221522" y="2036744"/>
             <a:ext cx="883597" cy="908015"/>
           </a:xfrm>
           <a:prstGeom prst="rect">
@@ -5580,7 +5697,7 @@
           </p:nvPr>
         </p:nvPicPr>
         <p:blipFill>
-          <a:blip r:embed="rId19">
+          <a:blip r:embed="rId21">
             <a:extLst>
               <a:ext uri="{28A0092B-C50C-407E-A947-70E740481C1C}">
                 <a14:useLocalDpi xmlns:a14="http://schemas.microsoft.com/office/drawing/2010/main" val="0"/>
@@ -5594,7 +5711,7 @@
         </p:blipFill>
         <p:spPr bwMode="auto">
           <a:xfrm>
-            <a:off x="8115299" y="2548319"/>
+            <a:off x="8269646" y="1411351"/>
             <a:ext cx="2565607" cy="1325563"/>
           </a:xfrm>
           <a:prstGeom prst="rect">
@@ -5632,7 +5749,7 @@
         </p:nvSpPr>
         <p:spPr>
           <a:xfrm>
-            <a:off x="746719" y="2863209"/>
+            <a:off x="746719" y="2332267"/>
             <a:ext cx="1474803" cy="1006066"/>
           </a:xfrm>
           <a:prstGeom prst="rect">
@@ -5854,7 +5971,7 @@
         </p:nvSpPr>
         <p:spPr>
           <a:xfrm>
-            <a:off x="667564" y="4507873"/>
+            <a:off x="746719" y="3879354"/>
             <a:ext cx="1474803" cy="456774"/>
           </a:xfrm>
           <a:prstGeom prst="rect">
@@ -6076,7 +6193,7 @@
         </p:nvSpPr>
         <p:spPr>
           <a:xfrm>
-            <a:off x="5941653" y="3404640"/>
+            <a:off x="6096000" y="2267672"/>
             <a:ext cx="2061436" cy="536454"/>
           </a:xfrm>
           <a:prstGeom prst="rect">
@@ -6271,6 +6388,624 @@
           </a:p>
         </p:txBody>
       </p:sp>
+      <p:pic>
+        <p:nvPicPr>
+          <p:cNvPr id="1026" name="Picture 2">
+            <a:extLst>
+              <a:ext uri="{FF2B5EF4-FFF2-40B4-BE49-F238E27FC236}">
+                <a16:creationId xmlns:a16="http://schemas.microsoft.com/office/drawing/2014/main" id="{4B947567-9BF6-DC3B-D99C-8DFFAA670609}"/>
+              </a:ext>
+            </a:extLst>
+          </p:cNvPr>
+          <p:cNvPicPr>
+            <a:picLocks noChangeAspect="1" noChangeArrowheads="1"/>
+          </p:cNvPicPr>
+          <p:nvPr/>
+        </p:nvPicPr>
+        <p:blipFill>
+          <a:blip r:embed="rId22">
+            <a:extLst>
+              <a:ext uri="{28A0092B-C50C-407E-A947-70E740481C1C}">
+                <a14:useLocalDpi xmlns:a14="http://schemas.microsoft.com/office/drawing/2010/main" val="0"/>
+              </a:ext>
+            </a:extLst>
+          </a:blip>
+          <a:srcRect/>
+          <a:stretch>
+            <a:fillRect/>
+          </a:stretch>
+        </p:blipFill>
+        <p:spPr bwMode="auto">
+          <a:xfrm>
+            <a:off x="4331266" y="4793467"/>
+            <a:ext cx="778537" cy="1167805"/>
+          </a:xfrm>
+          <a:prstGeom prst="rect">
+            <a:avLst/>
+          </a:prstGeom>
+          <a:noFill/>
+          <a:extLst>
+            <a:ext uri="{909E8E84-426E-40DD-AFC4-6F175D3DCCD1}">
+              <a14:hiddenFill xmlns:a14="http://schemas.microsoft.com/office/drawing/2010/main">
+                <a:solidFill>
+                  <a:srgbClr val="FFFFFF"/>
+                </a:solidFill>
+              </a14:hiddenFill>
+            </a:ext>
+          </a:extLst>
+        </p:spPr>
+      </p:pic>
+      <p:sp>
+        <p:nvSpPr>
+          <p:cNvPr id="7" name="Espace réservé du contenu 2">
+            <a:extLst>
+              <a:ext uri="{FF2B5EF4-FFF2-40B4-BE49-F238E27FC236}">
+                <a16:creationId xmlns:a16="http://schemas.microsoft.com/office/drawing/2014/main" id="{F4ABEE2A-6F10-7FD7-3249-43EEE1E68054}"/>
+              </a:ext>
+            </a:extLst>
+          </p:cNvPr>
+          <p:cNvSpPr txBox="1">
+            <a:spLocks/>
+          </p:cNvSpPr>
+          <p:nvPr>
+            <p:custDataLst>
+              <p:tags r:id="rId14"/>
+            </p:custDataLst>
+          </p:nvPr>
+        </p:nvSpPr>
+        <p:spPr>
+          <a:xfrm>
+            <a:off x="3105119" y="5098444"/>
+            <a:ext cx="1226147" cy="536454"/>
+          </a:xfrm>
+          <a:prstGeom prst="rect">
+            <a:avLst/>
+          </a:prstGeom>
+        </p:spPr>
+        <p:txBody>
+          <a:bodyPr vert="horz" lIns="91440" tIns="45720" rIns="91440" bIns="45720" rtlCol="0">
+            <a:normAutofit/>
+          </a:bodyPr>
+          <a:lstStyle>
+            <a:lvl1pPr marL="228600" indent="-228600" algn="l" defTabSz="914400" rtl="0" eaLnBrk="1" latinLnBrk="0" hangingPunct="1">
+              <a:lnSpc>
+                <a:spcPct val="90000"/>
+              </a:lnSpc>
+              <a:spcBef>
+                <a:spcPts val="1000"/>
+              </a:spcBef>
+              <a:buFont typeface="Arial" panose="020B0604020202020204" pitchFamily="34" charset="0"/>
+              <a:buChar char="•"/>
+              <a:defRPr sz="2800" kern="1200">
+                <a:solidFill>
+                  <a:schemeClr val="tx1"/>
+                </a:solidFill>
+                <a:latin typeface="+mn-lt"/>
+                <a:ea typeface="+mn-ea"/>
+                <a:cs typeface="+mn-cs"/>
+              </a:defRPr>
+            </a:lvl1pPr>
+            <a:lvl2pPr marL="685800" indent="-228600" algn="l" defTabSz="914400" rtl="0" eaLnBrk="1" latinLnBrk="0" hangingPunct="1">
+              <a:lnSpc>
+                <a:spcPct val="90000"/>
+              </a:lnSpc>
+              <a:spcBef>
+                <a:spcPts val="500"/>
+              </a:spcBef>
+              <a:buFont typeface="Arial" panose="020B0604020202020204" pitchFamily="34" charset="0"/>
+              <a:buChar char="•"/>
+              <a:defRPr sz="2400" kern="1200">
+                <a:solidFill>
+                  <a:schemeClr val="tx1"/>
+                </a:solidFill>
+                <a:latin typeface="+mn-lt"/>
+                <a:ea typeface="+mn-ea"/>
+                <a:cs typeface="+mn-cs"/>
+              </a:defRPr>
+            </a:lvl2pPr>
+            <a:lvl3pPr marL="1143000" indent="-228600" algn="l" defTabSz="914400" rtl="0" eaLnBrk="1" latinLnBrk="0" hangingPunct="1">
+              <a:lnSpc>
+                <a:spcPct val="90000"/>
+              </a:lnSpc>
+              <a:spcBef>
+                <a:spcPts val="500"/>
+              </a:spcBef>
+              <a:buFont typeface="Arial" panose="020B0604020202020204" pitchFamily="34" charset="0"/>
+              <a:buChar char="•"/>
+              <a:defRPr sz="2000" kern="1200">
+                <a:solidFill>
+                  <a:schemeClr val="tx1"/>
+                </a:solidFill>
+                <a:latin typeface="+mn-lt"/>
+                <a:ea typeface="+mn-ea"/>
+                <a:cs typeface="+mn-cs"/>
+              </a:defRPr>
+            </a:lvl3pPr>
+            <a:lvl4pPr marL="1600200" indent="-228600" algn="l" defTabSz="914400" rtl="0" eaLnBrk="1" latinLnBrk="0" hangingPunct="1">
+              <a:lnSpc>
+                <a:spcPct val="90000"/>
+              </a:lnSpc>
+              <a:spcBef>
+                <a:spcPts val="500"/>
+              </a:spcBef>
+              <a:buFont typeface="Arial" panose="020B0604020202020204" pitchFamily="34" charset="0"/>
+              <a:buChar char="•"/>
+              <a:defRPr sz="1800" kern="1200">
+                <a:solidFill>
+                  <a:schemeClr val="tx1"/>
+                </a:solidFill>
+                <a:latin typeface="+mn-lt"/>
+                <a:ea typeface="+mn-ea"/>
+                <a:cs typeface="+mn-cs"/>
+              </a:defRPr>
+            </a:lvl4pPr>
+            <a:lvl5pPr marL="2057400" indent="-228600" algn="l" defTabSz="914400" rtl="0" eaLnBrk="1" latinLnBrk="0" hangingPunct="1">
+              <a:lnSpc>
+                <a:spcPct val="90000"/>
+              </a:lnSpc>
+              <a:spcBef>
+                <a:spcPts val="500"/>
+              </a:spcBef>
+              <a:buFont typeface="Arial" panose="020B0604020202020204" pitchFamily="34" charset="0"/>
+              <a:buChar char="•"/>
+              <a:defRPr sz="1800" kern="1200">
+                <a:solidFill>
+                  <a:schemeClr val="tx1"/>
+                </a:solidFill>
+                <a:latin typeface="+mn-lt"/>
+                <a:ea typeface="+mn-ea"/>
+                <a:cs typeface="+mn-cs"/>
+              </a:defRPr>
+            </a:lvl5pPr>
+            <a:lvl6pPr marL="2514600" indent="-228600" algn="l" defTabSz="914400" rtl="0" eaLnBrk="1" latinLnBrk="0" hangingPunct="1">
+              <a:lnSpc>
+                <a:spcPct val="90000"/>
+              </a:lnSpc>
+              <a:spcBef>
+                <a:spcPts val="500"/>
+              </a:spcBef>
+              <a:buFont typeface="Arial" panose="020B0604020202020204" pitchFamily="34" charset="0"/>
+              <a:buChar char="•"/>
+              <a:defRPr sz="1800" kern="1200">
+                <a:solidFill>
+                  <a:schemeClr val="tx1"/>
+                </a:solidFill>
+                <a:latin typeface="+mn-lt"/>
+                <a:ea typeface="+mn-ea"/>
+                <a:cs typeface="+mn-cs"/>
+              </a:defRPr>
+            </a:lvl6pPr>
+            <a:lvl7pPr marL="2971800" indent="-228600" algn="l" defTabSz="914400" rtl="0" eaLnBrk="1" latinLnBrk="0" hangingPunct="1">
+              <a:lnSpc>
+                <a:spcPct val="90000"/>
+              </a:lnSpc>
+              <a:spcBef>
+                <a:spcPts val="500"/>
+              </a:spcBef>
+              <a:buFont typeface="Arial" panose="020B0604020202020204" pitchFamily="34" charset="0"/>
+              <a:buChar char="•"/>
+              <a:defRPr sz="1800" kern="1200">
+                <a:solidFill>
+                  <a:schemeClr val="tx1"/>
+                </a:solidFill>
+                <a:latin typeface="+mn-lt"/>
+                <a:ea typeface="+mn-ea"/>
+                <a:cs typeface="+mn-cs"/>
+              </a:defRPr>
+            </a:lvl7pPr>
+            <a:lvl8pPr marL="3429000" indent="-228600" algn="l" defTabSz="914400" rtl="0" eaLnBrk="1" latinLnBrk="0" hangingPunct="1">
+              <a:lnSpc>
+                <a:spcPct val="90000"/>
+              </a:lnSpc>
+              <a:spcBef>
+                <a:spcPts val="500"/>
+              </a:spcBef>
+              <a:buFont typeface="Arial" panose="020B0604020202020204" pitchFamily="34" charset="0"/>
+              <a:buChar char="•"/>
+              <a:defRPr sz="1800" kern="1200">
+                <a:solidFill>
+                  <a:schemeClr val="tx1"/>
+                </a:solidFill>
+                <a:latin typeface="+mn-lt"/>
+                <a:ea typeface="+mn-ea"/>
+                <a:cs typeface="+mn-cs"/>
+              </a:defRPr>
+            </a:lvl8pPr>
+            <a:lvl9pPr marL="3886200" indent="-228600" algn="l" defTabSz="914400" rtl="0" eaLnBrk="1" latinLnBrk="0" hangingPunct="1">
+              <a:lnSpc>
+                <a:spcPct val="90000"/>
+              </a:lnSpc>
+              <a:spcBef>
+                <a:spcPts val="500"/>
+              </a:spcBef>
+              <a:buFont typeface="Arial" panose="020B0604020202020204" pitchFamily="34" charset="0"/>
+              <a:buChar char="•"/>
+              <a:defRPr sz="1800" kern="1200">
+                <a:solidFill>
+                  <a:schemeClr val="tx1"/>
+                </a:solidFill>
+                <a:latin typeface="+mn-lt"/>
+                <a:ea typeface="+mn-ea"/>
+                <a:cs typeface="+mn-cs"/>
+              </a:defRPr>
+            </a:lvl9pPr>
+          </a:lstStyle>
+          <a:p>
+            <a:pPr marL="0" indent="0">
+              <a:buNone/>
+            </a:pPr>
+            <a:r>
+              <a:rPr lang="fr-FR" sz="1800" dirty="0">
+                <a:latin typeface="Times New Roman" panose="02020603050405020304" pitchFamily="18" charset="0"/>
+                <a:cs typeface="Times New Roman" panose="02020603050405020304" pitchFamily="18" charset="0"/>
+              </a:rPr>
+              <a:t>Design :</a:t>
+            </a:r>
+            <a:endParaRPr lang="fr-FR" sz="1800" kern="100" dirty="0">
+              <a:effectLst/>
+              <a:latin typeface="Times New Roman" panose="02020603050405020304" pitchFamily="18" charset="0"/>
+              <a:ea typeface="Aptos" panose="020B0004020202020204" pitchFamily="34" charset="0"/>
+              <a:cs typeface="Times New Roman" panose="02020603050405020304" pitchFamily="18" charset="0"/>
+            </a:endParaRPr>
+          </a:p>
+        </p:txBody>
+      </p:sp>
+      <p:pic>
+        <p:nvPicPr>
+          <p:cNvPr id="8" name="Picture 2" descr="undefined">
+            <a:extLst>
+              <a:ext uri="{FF2B5EF4-FFF2-40B4-BE49-F238E27FC236}">
+                <a16:creationId xmlns:a16="http://schemas.microsoft.com/office/drawing/2014/main" id="{859C6043-590B-DF5A-FC96-0B72F8613BC2}"/>
+              </a:ext>
+            </a:extLst>
+          </p:cNvPr>
+          <p:cNvPicPr>
+            <a:picLocks noChangeAspect="1" noChangeArrowheads="1"/>
+          </p:cNvPicPr>
+          <p:nvPr/>
+        </p:nvPicPr>
+        <p:blipFill>
+          <a:blip r:embed="rId23">
+            <a:extLst>
+              <a:ext uri="{28A0092B-C50C-407E-A947-70E740481C1C}">
+                <a14:useLocalDpi xmlns:a14="http://schemas.microsoft.com/office/drawing/2010/main" val="0"/>
+              </a:ext>
+            </a:extLst>
+          </a:blip>
+          <a:srcRect/>
+          <a:stretch>
+            <a:fillRect/>
+          </a:stretch>
+        </p:blipFill>
+        <p:spPr bwMode="auto">
+          <a:xfrm>
+            <a:off x="3332218" y="3421807"/>
+            <a:ext cx="1049386" cy="1049386"/>
+          </a:xfrm>
+          <a:prstGeom prst="rect">
+            <a:avLst/>
+          </a:prstGeom>
+          <a:noFill/>
+          <a:extLst>
+            <a:ext uri="{909E8E84-426E-40DD-AFC4-6F175D3DCCD1}">
+              <a14:hiddenFill xmlns:a14="http://schemas.microsoft.com/office/drawing/2010/main">
+                <a:solidFill>
+                  <a:srgbClr val="FFFFFF"/>
+                </a:solidFill>
+              </a14:hiddenFill>
+            </a:ext>
+          </a:extLst>
+        </p:spPr>
+      </p:pic>
+      <p:pic>
+        <p:nvPicPr>
+          <p:cNvPr id="1028" name="Picture 4" descr="undefined">
+            <a:extLst>
+              <a:ext uri="{FF2B5EF4-FFF2-40B4-BE49-F238E27FC236}">
+                <a16:creationId xmlns:a16="http://schemas.microsoft.com/office/drawing/2014/main" id="{8C04173A-532A-5CE2-F206-E2E2A03AA259}"/>
+              </a:ext>
+            </a:extLst>
+          </p:cNvPr>
+          <p:cNvPicPr>
+            <a:picLocks noChangeAspect="1" noChangeArrowheads="1"/>
+          </p:cNvPicPr>
+          <p:nvPr/>
+        </p:nvPicPr>
+        <p:blipFill>
+          <a:blip r:embed="rId24">
+            <a:extLst>
+              <a:ext uri="{28A0092B-C50C-407E-A947-70E740481C1C}">
+                <a14:useLocalDpi xmlns:a14="http://schemas.microsoft.com/office/drawing/2010/main" val="0"/>
+              </a:ext>
+            </a:extLst>
+          </a:blip>
+          <a:srcRect/>
+          <a:stretch>
+            <a:fillRect/>
+          </a:stretch>
+        </p:blipFill>
+        <p:spPr bwMode="auto">
+          <a:xfrm>
+            <a:off x="4556626" y="3415102"/>
+            <a:ext cx="762639" cy="1077372"/>
+          </a:xfrm>
+          <a:prstGeom prst="rect">
+            <a:avLst/>
+          </a:prstGeom>
+          <a:noFill/>
+          <a:extLst>
+            <a:ext uri="{909E8E84-426E-40DD-AFC4-6F175D3DCCD1}">
+              <a14:hiddenFill xmlns:a14="http://schemas.microsoft.com/office/drawing/2010/main">
+                <a:solidFill>
+                  <a:srgbClr val="FFFFFF"/>
+                </a:solidFill>
+              </a14:hiddenFill>
+            </a:ext>
+          </a:extLst>
+        </p:spPr>
+      </p:pic>
+      <p:pic>
+        <p:nvPicPr>
+          <p:cNvPr id="9" name="Picture 6">
+            <a:extLst>
+              <a:ext uri="{FF2B5EF4-FFF2-40B4-BE49-F238E27FC236}">
+                <a16:creationId xmlns:a16="http://schemas.microsoft.com/office/drawing/2014/main" id="{AFE5A70C-03CF-B3A5-B939-265CFF4212FB}"/>
+              </a:ext>
+            </a:extLst>
+          </p:cNvPr>
+          <p:cNvPicPr>
+            <a:picLocks noChangeAspect="1" noChangeArrowheads="1"/>
+          </p:cNvPicPr>
+          <p:nvPr/>
+        </p:nvPicPr>
+        <p:blipFill>
+          <a:blip r:embed="rId25">
+            <a:extLst>
+              <a:ext uri="{28A0092B-C50C-407E-A947-70E740481C1C}">
+                <a14:useLocalDpi xmlns:a14="http://schemas.microsoft.com/office/drawing/2010/main" val="0"/>
+              </a:ext>
+            </a:extLst>
+          </a:blip>
+          <a:srcRect/>
+          <a:stretch>
+            <a:fillRect/>
+          </a:stretch>
+        </p:blipFill>
+        <p:spPr bwMode="auto">
+          <a:xfrm>
+            <a:off x="5661837" y="3494838"/>
+            <a:ext cx="1151838" cy="917900"/>
+          </a:xfrm>
+          <a:prstGeom prst="rect">
+            <a:avLst/>
+          </a:prstGeom>
+          <a:noFill/>
+          <a:extLst>
+            <a:ext uri="{909E8E84-426E-40DD-AFC4-6F175D3DCCD1}">
+              <a14:hiddenFill xmlns:a14="http://schemas.microsoft.com/office/drawing/2010/main">
+                <a:solidFill>
+                  <a:srgbClr val="FFFFFF"/>
+                </a:solidFill>
+              </a14:hiddenFill>
+            </a:ext>
+          </a:extLst>
+        </p:spPr>
+      </p:pic>
+      <p:sp>
+        <p:nvSpPr>
+          <p:cNvPr id="11" name="Espace réservé du contenu 2">
+            <a:extLst>
+              <a:ext uri="{FF2B5EF4-FFF2-40B4-BE49-F238E27FC236}">
+                <a16:creationId xmlns:a16="http://schemas.microsoft.com/office/drawing/2014/main" id="{F137CFFF-57AE-6649-2BC7-A384BF6AF46A}"/>
+              </a:ext>
+            </a:extLst>
+          </p:cNvPr>
+          <p:cNvSpPr txBox="1">
+            <a:spLocks/>
+          </p:cNvSpPr>
+          <p:nvPr>
+            <p:custDataLst>
+              <p:tags r:id="rId15"/>
+            </p:custDataLst>
+          </p:nvPr>
+        </p:nvSpPr>
+        <p:spPr>
+          <a:xfrm>
+            <a:off x="746719" y="5138542"/>
+            <a:ext cx="813516" cy="536454"/>
+          </a:xfrm>
+          <a:prstGeom prst="rect">
+            <a:avLst/>
+          </a:prstGeom>
+        </p:spPr>
+        <p:txBody>
+          <a:bodyPr vert="horz" lIns="91440" tIns="45720" rIns="91440" bIns="45720" rtlCol="0">
+            <a:normAutofit/>
+          </a:bodyPr>
+          <a:lstStyle>
+            <a:lvl1pPr marL="228600" indent="-228600" algn="l" defTabSz="914400" rtl="0" eaLnBrk="1" latinLnBrk="0" hangingPunct="1">
+              <a:lnSpc>
+                <a:spcPct val="90000"/>
+              </a:lnSpc>
+              <a:spcBef>
+                <a:spcPts val="1000"/>
+              </a:spcBef>
+              <a:buFont typeface="Arial" panose="020B0604020202020204" pitchFamily="34" charset="0"/>
+              <a:buChar char="•"/>
+              <a:defRPr sz="2800" kern="1200">
+                <a:solidFill>
+                  <a:schemeClr val="tx1"/>
+                </a:solidFill>
+                <a:latin typeface="+mn-lt"/>
+                <a:ea typeface="+mn-ea"/>
+                <a:cs typeface="+mn-cs"/>
+              </a:defRPr>
+            </a:lvl1pPr>
+            <a:lvl2pPr marL="685800" indent="-228600" algn="l" defTabSz="914400" rtl="0" eaLnBrk="1" latinLnBrk="0" hangingPunct="1">
+              <a:lnSpc>
+                <a:spcPct val="90000"/>
+              </a:lnSpc>
+              <a:spcBef>
+                <a:spcPts val="500"/>
+              </a:spcBef>
+              <a:buFont typeface="Arial" panose="020B0604020202020204" pitchFamily="34" charset="0"/>
+              <a:buChar char="•"/>
+              <a:defRPr sz="2400" kern="1200">
+                <a:solidFill>
+                  <a:schemeClr val="tx1"/>
+                </a:solidFill>
+                <a:latin typeface="+mn-lt"/>
+                <a:ea typeface="+mn-ea"/>
+                <a:cs typeface="+mn-cs"/>
+              </a:defRPr>
+            </a:lvl2pPr>
+            <a:lvl3pPr marL="1143000" indent="-228600" algn="l" defTabSz="914400" rtl="0" eaLnBrk="1" latinLnBrk="0" hangingPunct="1">
+              <a:lnSpc>
+                <a:spcPct val="90000"/>
+              </a:lnSpc>
+              <a:spcBef>
+                <a:spcPts val="500"/>
+              </a:spcBef>
+              <a:buFont typeface="Arial" panose="020B0604020202020204" pitchFamily="34" charset="0"/>
+              <a:buChar char="•"/>
+              <a:defRPr sz="2000" kern="1200">
+                <a:solidFill>
+                  <a:schemeClr val="tx1"/>
+                </a:solidFill>
+                <a:latin typeface="+mn-lt"/>
+                <a:ea typeface="+mn-ea"/>
+                <a:cs typeface="+mn-cs"/>
+              </a:defRPr>
+            </a:lvl3pPr>
+            <a:lvl4pPr marL="1600200" indent="-228600" algn="l" defTabSz="914400" rtl="0" eaLnBrk="1" latinLnBrk="0" hangingPunct="1">
+              <a:lnSpc>
+                <a:spcPct val="90000"/>
+              </a:lnSpc>
+              <a:spcBef>
+                <a:spcPts val="500"/>
+              </a:spcBef>
+              <a:buFont typeface="Arial" panose="020B0604020202020204" pitchFamily="34" charset="0"/>
+              <a:buChar char="•"/>
+              <a:defRPr sz="1800" kern="1200">
+                <a:solidFill>
+                  <a:schemeClr val="tx1"/>
+                </a:solidFill>
+                <a:latin typeface="+mn-lt"/>
+                <a:ea typeface="+mn-ea"/>
+                <a:cs typeface="+mn-cs"/>
+              </a:defRPr>
+            </a:lvl4pPr>
+            <a:lvl5pPr marL="2057400" indent="-228600" algn="l" defTabSz="914400" rtl="0" eaLnBrk="1" latinLnBrk="0" hangingPunct="1">
+              <a:lnSpc>
+                <a:spcPct val="90000"/>
+              </a:lnSpc>
+              <a:spcBef>
+                <a:spcPts val="500"/>
+              </a:spcBef>
+              <a:buFont typeface="Arial" panose="020B0604020202020204" pitchFamily="34" charset="0"/>
+              <a:buChar char="•"/>
+              <a:defRPr sz="1800" kern="1200">
+                <a:solidFill>
+                  <a:schemeClr val="tx1"/>
+                </a:solidFill>
+                <a:latin typeface="+mn-lt"/>
+                <a:ea typeface="+mn-ea"/>
+                <a:cs typeface="+mn-cs"/>
+              </a:defRPr>
+            </a:lvl5pPr>
+            <a:lvl6pPr marL="2514600" indent="-228600" algn="l" defTabSz="914400" rtl="0" eaLnBrk="1" latinLnBrk="0" hangingPunct="1">
+              <a:lnSpc>
+                <a:spcPct val="90000"/>
+              </a:lnSpc>
+              <a:spcBef>
+                <a:spcPts val="500"/>
+              </a:spcBef>
+              <a:buFont typeface="Arial" panose="020B0604020202020204" pitchFamily="34" charset="0"/>
+              <a:buChar char="•"/>
+              <a:defRPr sz="1800" kern="1200">
+                <a:solidFill>
+                  <a:schemeClr val="tx1"/>
+                </a:solidFill>
+                <a:latin typeface="+mn-lt"/>
+                <a:ea typeface="+mn-ea"/>
+                <a:cs typeface="+mn-cs"/>
+              </a:defRPr>
+            </a:lvl6pPr>
+            <a:lvl7pPr marL="2971800" indent="-228600" algn="l" defTabSz="914400" rtl="0" eaLnBrk="1" latinLnBrk="0" hangingPunct="1">
+              <a:lnSpc>
+                <a:spcPct val="90000"/>
+              </a:lnSpc>
+              <a:spcBef>
+                <a:spcPts val="500"/>
+              </a:spcBef>
+              <a:buFont typeface="Arial" panose="020B0604020202020204" pitchFamily="34" charset="0"/>
+              <a:buChar char="•"/>
+              <a:defRPr sz="1800" kern="1200">
+                <a:solidFill>
+                  <a:schemeClr val="tx1"/>
+                </a:solidFill>
+                <a:latin typeface="+mn-lt"/>
+                <a:ea typeface="+mn-ea"/>
+                <a:cs typeface="+mn-cs"/>
+              </a:defRPr>
+            </a:lvl7pPr>
+            <a:lvl8pPr marL="3429000" indent="-228600" algn="l" defTabSz="914400" rtl="0" eaLnBrk="1" latinLnBrk="0" hangingPunct="1">
+              <a:lnSpc>
+                <a:spcPct val="90000"/>
+              </a:lnSpc>
+              <a:spcBef>
+                <a:spcPts val="500"/>
+              </a:spcBef>
+              <a:buFont typeface="Arial" panose="020B0604020202020204" pitchFamily="34" charset="0"/>
+              <a:buChar char="•"/>
+              <a:defRPr sz="1800" kern="1200">
+                <a:solidFill>
+                  <a:schemeClr val="tx1"/>
+                </a:solidFill>
+                <a:latin typeface="+mn-lt"/>
+                <a:ea typeface="+mn-ea"/>
+                <a:cs typeface="+mn-cs"/>
+              </a:defRPr>
+            </a:lvl8pPr>
+            <a:lvl9pPr marL="3886200" indent="-228600" algn="l" defTabSz="914400" rtl="0" eaLnBrk="1" latinLnBrk="0" hangingPunct="1">
+              <a:lnSpc>
+                <a:spcPct val="90000"/>
+              </a:lnSpc>
+              <a:spcBef>
+                <a:spcPts val="500"/>
+              </a:spcBef>
+              <a:buFont typeface="Arial" panose="020B0604020202020204" pitchFamily="34" charset="0"/>
+              <a:buChar char="•"/>
+              <a:defRPr sz="1800" kern="1200">
+                <a:solidFill>
+                  <a:schemeClr val="tx1"/>
+                </a:solidFill>
+                <a:latin typeface="+mn-lt"/>
+                <a:ea typeface="+mn-ea"/>
+                <a:cs typeface="+mn-cs"/>
+              </a:defRPr>
+            </a:lvl9pPr>
+          </a:lstStyle>
+          <a:p>
+            <a:pPr marL="0" indent="0">
+              <a:buNone/>
+            </a:pPr>
+            <a:r>
+              <a:rPr lang="fr-FR" sz="1800" dirty="0">
+                <a:latin typeface="Times New Roman" panose="02020603050405020304" pitchFamily="18" charset="0"/>
+                <a:cs typeface="Times New Roman" panose="02020603050405020304" pitchFamily="18" charset="0"/>
+              </a:rPr>
+              <a:t>IDE :</a:t>
+            </a:r>
+            <a:endParaRPr lang="fr-FR" sz="1800" kern="100" dirty="0">
+              <a:effectLst/>
+              <a:latin typeface="Times New Roman" panose="02020603050405020304" pitchFamily="18" charset="0"/>
+              <a:ea typeface="Aptos" panose="020B0004020202020204" pitchFamily="34" charset="0"/>
+              <a:cs typeface="Times New Roman" panose="02020603050405020304" pitchFamily="18" charset="0"/>
+            </a:endParaRPr>
+          </a:p>
+        </p:txBody>
+      </p:sp>
     </p:spTree>
     <p:extLst>
       <p:ext uri="{BB962C8B-B14F-4D97-AF65-F5344CB8AC3E}">
@@ -6311,7 +7046,7 @@
       </p:grpSpPr>
       <p:sp useBgFill="1">
         <p:nvSpPr>
-          <p:cNvPr id="32" name="Rectangle 31">
+          <p:cNvPr id="2055" name="Rectangle 2054">
             <a:extLst>
               <a:ext uri="{FF2B5EF4-FFF2-40B4-BE49-F238E27FC236}">
                 <a16:creationId xmlns:a16="http://schemas.microsoft.com/office/drawing/2014/main" id="{3C54F4CE-85F0-46ED-80DA-9518C9251AD1}"/>
@@ -6387,7 +7122,7 @@
       </p:sp>
       <p:sp>
         <p:nvSpPr>
-          <p:cNvPr id="34" name="Freeform: Shape 33">
+          <p:cNvPr id="2057" name="Freeform: Shape 2056">
             <a:extLst>
               <a:ext uri="{FF2B5EF4-FFF2-40B4-BE49-F238E27FC236}">
                 <a16:creationId xmlns:a16="http://schemas.microsoft.com/office/drawing/2014/main" id="{DADD1FCA-8ACB-4958-81DD-4CDD6D3E1921}"/>
@@ -8945,37 +9680,83 @@
           </a:bodyPr>
           <a:lstStyle/>
           <a:p>
-            <a:pPr algn="ctr"/>
+            <a:pPr algn="just"/>
             <a:r>
-              <a:rPr lang="en-US" kern="1200">
+              <a:rPr lang="en-US" kern="1200" dirty="0" err="1">
                 <a:solidFill>
                   <a:schemeClr val="tx1"/>
                 </a:solidFill>
-                <a:latin typeface="+mj-lt"/>
-                <a:ea typeface="+mj-ea"/>
-                <a:cs typeface="+mj-cs"/>
+                <a:latin typeface="Times New Roman" panose="02020603050405020304" pitchFamily="18" charset="0"/>
+                <a:cs typeface="Times New Roman" panose="02020603050405020304" pitchFamily="18" charset="0"/>
               </a:rPr>
-              <a:t>Diagrammes UML des cas d’utilisation</a:t>
+              <a:t>Diagramme</a:t>
             </a:r>
+            <a:r>
+              <a:rPr lang="en-US" kern="1200" dirty="0">
+                <a:solidFill>
+                  <a:schemeClr val="tx1"/>
+                </a:solidFill>
+                <a:latin typeface="Times New Roman" panose="02020603050405020304" pitchFamily="18" charset="0"/>
+                <a:cs typeface="Times New Roman" panose="02020603050405020304" pitchFamily="18" charset="0"/>
+              </a:rPr>
+              <a:t> UML des </a:t>
+            </a:r>
+            <a:r>
+              <a:rPr lang="en-US" kern="1200" dirty="0" err="1">
+                <a:solidFill>
+                  <a:schemeClr val="tx1"/>
+                </a:solidFill>
+                <a:latin typeface="Times New Roman" panose="02020603050405020304" pitchFamily="18" charset="0"/>
+                <a:cs typeface="Times New Roman" panose="02020603050405020304" pitchFamily="18" charset="0"/>
+              </a:rPr>
+              <a:t>cas</a:t>
+            </a:r>
+            <a:r>
+              <a:rPr lang="en-US" kern="1200" dirty="0">
+                <a:solidFill>
+                  <a:schemeClr val="tx1"/>
+                </a:solidFill>
+                <a:latin typeface="Times New Roman" panose="02020603050405020304" pitchFamily="18" charset="0"/>
+                <a:cs typeface="Times New Roman" panose="02020603050405020304" pitchFamily="18" charset="0"/>
+              </a:rPr>
+              <a:t> </a:t>
+            </a:r>
+            <a:r>
+              <a:rPr lang="en-US" kern="1200" dirty="0" err="1">
+                <a:solidFill>
+                  <a:schemeClr val="tx1"/>
+                </a:solidFill>
+                <a:latin typeface="Times New Roman" panose="02020603050405020304" pitchFamily="18" charset="0"/>
+                <a:cs typeface="Times New Roman" panose="02020603050405020304" pitchFamily="18" charset="0"/>
+              </a:rPr>
+              <a:t>d’utilisation</a:t>
+            </a:r>
+            <a:endParaRPr lang="en-US" kern="1200" dirty="0">
+              <a:solidFill>
+                <a:schemeClr val="tx1"/>
+              </a:solidFill>
+              <a:latin typeface="Times New Roman" panose="02020603050405020304" pitchFamily="18" charset="0"/>
+              <a:cs typeface="Times New Roman" panose="02020603050405020304" pitchFamily="18" charset="0"/>
+            </a:endParaRPr>
           </a:p>
         </p:txBody>
       </p:sp>
       <p:pic>
         <p:nvPicPr>
-          <p:cNvPr id="4" name="Image 3" descr="Une image contenant texte, document, capture d’écran, Police&#10;&#10;Description générée automatiquement">
+          <p:cNvPr id="2050" name="Picture 2">
             <a:extLst>
               <a:ext uri="{FF2B5EF4-FFF2-40B4-BE49-F238E27FC236}">
-                <a16:creationId xmlns:a16="http://schemas.microsoft.com/office/drawing/2014/main" id="{B1AE916B-C739-EB15-D044-D8F184B63DC7}"/>
+                <a16:creationId xmlns:a16="http://schemas.microsoft.com/office/drawing/2014/main" id="{73A75F07-2E8A-D745-690F-6D22FC671B85}"/>
               </a:ext>
             </a:extLst>
           </p:cNvPr>
           <p:cNvPicPr>
-            <a:picLocks noChangeAspect="1"/>
+            <a:picLocks noChangeAspect="1" noChangeArrowheads="1"/>
           </p:cNvPicPr>
           <p:nvPr/>
         </p:nvPicPr>
         <p:blipFill>
-          <a:blip r:embed="rId4">
+          <a:blip r:embed="rId5">
             <a:extLst>
               <a:ext uri="{28A0092B-C50C-407E-A947-70E740481C1C}">
                 <a14:useLocalDpi xmlns:a14="http://schemas.microsoft.com/office/drawing/2010/main" val="0"/>
@@ -8986,14 +9767,24 @@
             <a:fillRect/>
           </a:stretch>
         </p:blipFill>
-        <p:spPr>
+        <p:spPr bwMode="auto">
           <a:xfrm>
-            <a:off x="5710814" y="865062"/>
-            <a:ext cx="6261007" cy="5212288"/>
+            <a:off x="5669280" y="808400"/>
+            <a:ext cx="6226644" cy="4934614"/>
           </a:xfrm>
           <a:prstGeom prst="rect">
             <a:avLst/>
           </a:prstGeom>
+          <a:noFill/>
+          <a:extLst>
+            <a:ext uri="{909E8E84-426E-40DD-AFC4-6F175D3DCCD1}">
+              <a14:hiddenFill xmlns:a14="http://schemas.microsoft.com/office/drawing/2010/main">
+                <a:solidFill>
+                  <a:srgbClr val="FFFFFF"/>
+                </a:solidFill>
+              </a14:hiddenFill>
+            </a:ext>
+          </a:extLst>
         </p:spPr>
       </p:pic>
       <p:sp>
@@ -9371,12 +10162,14 @@
         </p:nvSpPr>
         <p:spPr>
           <a:xfrm>
-            <a:off x="546081" y="805146"/>
-            <a:ext cx="3814187" cy="1325563"/>
+            <a:off x="541759" y="1023668"/>
+            <a:ext cx="3821305" cy="858800"/>
           </a:xfrm>
         </p:spPr>
         <p:txBody>
-          <a:bodyPr/>
+          <a:bodyPr>
+            <a:normAutofit fontScale="90000"/>
+          </a:bodyPr>
           <a:lstStyle/>
           <a:p>
             <a:pPr algn="just"/>
@@ -9412,79 +10205,94 @@
                 <a:latin typeface="Times New Roman" panose="02020603050405020304" pitchFamily="18" charset="0"/>
                 <a:cs typeface="Times New Roman" panose="02020603050405020304" pitchFamily="18" charset="0"/>
               </a:rPr>
-              <a:t> et US	</a:t>
+              <a:t> et User Stories	</a:t>
             </a:r>
           </a:p>
         </p:txBody>
       </p:sp>
-      <p:pic>
-        <p:nvPicPr>
-          <p:cNvPr id="3" name="Image 2">
+      <p:sp>
+        <p:nvSpPr>
+          <p:cNvPr id="4" name="Espace réservé du contenu 2">
             <a:extLst>
               <a:ext uri="{FF2B5EF4-FFF2-40B4-BE49-F238E27FC236}">
-                <a16:creationId xmlns:a16="http://schemas.microsoft.com/office/drawing/2014/main" id="{6BA5F69E-F3A1-C3B3-ACAD-F34F371E30A7}"/>
+                <a16:creationId xmlns:a16="http://schemas.microsoft.com/office/drawing/2014/main" id="{615E1F5C-5ABD-1EF0-9D0D-518359F30D84}"/>
               </a:ext>
             </a:extLst>
           </p:cNvPr>
-          <p:cNvPicPr>
-            <a:picLocks noChangeAspect="1"/>
-          </p:cNvPicPr>
+          <p:cNvSpPr>
+            <a:spLocks noGrp="1"/>
+          </p:cNvSpPr>
           <p:nvPr>
+            <p:ph idx="1"/>
             <p:custDataLst>
               <p:tags r:id="rId6"/>
             </p:custDataLst>
           </p:nvPr>
-        </p:nvPicPr>
-        <p:blipFill>
-          <a:blip r:embed="rId9"/>
-          <a:stretch>
-            <a:fillRect/>
-          </a:stretch>
-        </p:blipFill>
+        </p:nvSpPr>
         <p:spPr>
           <a:xfrm>
-            <a:off x="5530237" y="140660"/>
-            <a:ext cx="6447586" cy="3714792"/>
+            <a:off x="1642971" y="2782256"/>
+            <a:ext cx="8454757" cy="2084711"/>
           </a:xfrm>
-          <a:prstGeom prst="rect">
-            <a:avLst/>
-          </a:prstGeom>
         </p:spPr>
-      </p:pic>
-      <p:pic>
-        <p:nvPicPr>
-          <p:cNvPr id="6" name="Image 5">
-            <a:extLst>
-              <a:ext uri="{FF2B5EF4-FFF2-40B4-BE49-F238E27FC236}">
-                <a16:creationId xmlns:a16="http://schemas.microsoft.com/office/drawing/2014/main" id="{AA75CB6A-7C6C-DB79-C13E-3C4645C94F80}"/>
-              </a:ext>
-            </a:extLst>
-          </p:cNvPr>
-          <p:cNvPicPr>
-            <a:picLocks noChangeAspect="1"/>
-          </p:cNvPicPr>
-          <p:nvPr>
-            <p:custDataLst>
-              <p:tags r:id="rId7"/>
-            </p:custDataLst>
-          </p:nvPr>
-        </p:nvPicPr>
-        <p:blipFill>
-          <a:blip r:embed="rId10"/>
-          <a:stretch>
-            <a:fillRect/>
-          </a:stretch>
-        </p:blipFill>
-        <p:spPr>
-          <a:xfrm>
-            <a:off x="240981" y="3174175"/>
-            <a:ext cx="7895954" cy="3204399"/>
-          </a:xfrm>
-          <a:prstGeom prst="rect">
-            <a:avLst/>
-          </a:prstGeom>
-        </p:spPr>
-      </p:pic>
+        <p:txBody>
+          <a:bodyPr>
+            <a:noAutofit/>
+          </a:bodyPr>
+          <a:lstStyle/>
+          <a:p>
+            <a:pPr algn="just"/>
+            <a:r>
+              <a:rPr lang="fr-FR" sz="1800" b="0" i="0" dirty="0">
+                <a:solidFill>
+                  <a:srgbClr val="000000"/>
+                </a:solidFill>
+                <a:effectLst/>
+                <a:latin typeface="Times New Roman" panose="02020603050405020304" pitchFamily="18" charset="0"/>
+                <a:cs typeface="Times New Roman" panose="02020603050405020304" pitchFamily="18" charset="0"/>
+              </a:rPr>
+              <a:t>En tant que lecteur inscrit, je veux ajouter un livre que j’ai apprécié à la bibliothèque afin de partager mes découvertes avec d’autres lecteurs. </a:t>
+            </a:r>
+          </a:p>
+          <a:p>
+            <a:pPr algn="just"/>
+            <a:r>
+              <a:rPr lang="fr-FR" sz="1800" b="0" i="0" dirty="0">
+                <a:solidFill>
+                  <a:srgbClr val="000000"/>
+                </a:solidFill>
+                <a:effectLst/>
+                <a:latin typeface="Times New Roman" panose="02020603050405020304" pitchFamily="18" charset="0"/>
+                <a:cs typeface="Times New Roman" panose="02020603050405020304" pitchFamily="18" charset="0"/>
+              </a:rPr>
+              <a:t>En tant que lecteur inscrit, je veux laisser un commentaire sur un livre que j’ai lu afin de partager mon avis et échanger avec d’autres utilisateurs autour de cette lecture. </a:t>
+            </a:r>
+          </a:p>
+          <a:p>
+            <a:pPr algn="just"/>
+            <a:r>
+              <a:rPr lang="fr-FR" sz="1800" b="0" i="0" dirty="0">
+                <a:solidFill>
+                  <a:srgbClr val="000000"/>
+                </a:solidFill>
+                <a:effectLst/>
+                <a:latin typeface="Times New Roman" panose="02020603050405020304" pitchFamily="18" charset="0"/>
+                <a:cs typeface="Times New Roman" panose="02020603050405020304" pitchFamily="18" charset="0"/>
+              </a:rPr>
+              <a:t>En tant que lecteur engagé je veux pouvoir interagir des discussions autour d’un livre en mettant des likes.</a:t>
+            </a:r>
+          </a:p>
+          <a:p>
+            <a:pPr marL="0" indent="0" algn="just">
+              <a:buNone/>
+            </a:pPr>
+            <a:endParaRPr lang="fr-FR" sz="1800" dirty="0">
+              <a:latin typeface="Times New Roman" panose="02020603050405020304" pitchFamily="18" charset="0"/>
+              <a:cs typeface="Times New Roman" panose="02020603050405020304" pitchFamily="18" charset="0"/>
+            </a:endParaRPr>
+          </a:p>
+        </p:txBody>
+      </p:sp>
     </p:spTree>
     <p:extLst>
       <p:ext uri="{BB962C8B-B14F-4D97-AF65-F5344CB8AC3E}">
@@ -9499,6 +10307,814 @@
 </file>
 
 <file path=ppt/slides/slide14.xml><?xml version="1.0" encoding="utf-8"?>
+<p:sld xmlns:a="http://schemas.openxmlformats.org/drawingml/2006/main" xmlns:r="http://schemas.openxmlformats.org/officeDocument/2006/relationships" xmlns:p="http://schemas.openxmlformats.org/presentationml/2006/main">
+  <p:cSld>
+    <p:spTree>
+      <p:nvGrpSpPr>
+        <p:cNvPr id="1" name=""/>
+        <p:cNvGrpSpPr/>
+        <p:nvPr/>
+      </p:nvGrpSpPr>
+      <p:grpSpPr>
+        <a:xfrm>
+          <a:off x="0" y="0"/>
+          <a:ext cx="0" cy="0"/>
+          <a:chOff x="0" y="0"/>
+          <a:chExt cx="0" cy="0"/>
+        </a:xfrm>
+      </p:grpSpPr>
+      <p:sp useBgFill="1">
+        <p:nvSpPr>
+          <p:cNvPr id="16" name="Rectangle 15">
+            <a:extLst>
+              <a:ext uri="{FF2B5EF4-FFF2-40B4-BE49-F238E27FC236}">
+                <a16:creationId xmlns:a16="http://schemas.microsoft.com/office/drawing/2014/main" id="{3346177D-ADC4-4968-B747-5CFCD390B5B9}"/>
+              </a:ext>
+              <a:ext uri="{C183D7F6-B498-43B3-948B-1728B52AA6E4}">
+                <adec:decorative xmlns:adec="http://schemas.microsoft.com/office/drawing/2017/decorative" val="1"/>
+              </a:ext>
+            </a:extLst>
+          </p:cNvPr>
+          <p:cNvSpPr>
+            <a:spLocks noGrp="1" noRot="1" noChangeAspect="1" noMove="1" noResize="1" noEditPoints="1" noAdjustHandles="1" noChangeArrowheads="1" noChangeShapeType="1" noTextEdit="1"/>
+          </p:cNvSpPr>
+          <p:nvPr>
+            <p:custDataLst>
+              <p:tags r:id="rId1"/>
+            </p:custDataLst>
+            <p:extLst>
+              <p:ext uri="{386F3935-93C4-4BCD-93E2-E3B085C9AB24}">
+                <p16:designElem xmlns:p16="http://schemas.microsoft.com/office/powerpoint/2015/main" val="1"/>
+              </p:ext>
+            </p:extLst>
+          </p:nvPr>
+        </p:nvSpPr>
+        <p:spPr>
+          <a:xfrm>
+            <a:off x="0" y="0"/>
+            <a:ext cx="12192000" cy="6858000"/>
+          </a:xfrm>
+          <a:prstGeom prst="rect">
+            <a:avLst/>
+          </a:prstGeom>
+          <a:ln w="12700" cap="flat" cmpd="sng" algn="ctr">
+            <a:noFill/>
+            <a:prstDash val="solid"/>
+            <a:miter lim="800000"/>
+          </a:ln>
+          <a:effectLst/>
+          <a:extLst>
+            <a:ext uri="{91240B29-F687-4F45-9708-019B960494DF}">
+              <a14:hiddenLine xmlns:a14="http://schemas.microsoft.com/office/drawing/2010/main" w="12700" cap="flat" cmpd="sng" algn="ctr">
+                <a:solidFill>
+                  <a:schemeClr val="accent1">
+                    <a:shade val="50000"/>
+                  </a:schemeClr>
+                </a:solidFill>
+                <a:prstDash val="solid"/>
+                <a:miter lim="800000"/>
+              </a14:hiddenLine>
+            </a:ext>
+          </a:extLst>
+        </p:spPr>
+        <p:style>
+          <a:lnRef idx="2">
+            <a:schemeClr val="accent1">
+              <a:shade val="50000"/>
+            </a:schemeClr>
+          </a:lnRef>
+          <a:fillRef idx="1">
+            <a:schemeClr val="accent1"/>
+          </a:fillRef>
+          <a:effectRef idx="0">
+            <a:schemeClr val="accent1"/>
+          </a:effectRef>
+          <a:fontRef idx="minor">
+            <a:schemeClr val="lt1"/>
+          </a:fontRef>
+        </p:style>
+        <p:txBody>
+          <a:bodyPr rtlCol="0" anchor="ctr"/>
+          <a:lstStyle/>
+          <a:p>
+            <a:pPr algn="ctr"/>
+            <a:endParaRPr lang="en-US"/>
+          </a:p>
+        </p:txBody>
+      </p:sp>
+      <p:sp>
+        <p:nvSpPr>
+          <p:cNvPr id="18" name="Rectangle 17">
+            <a:extLst>
+              <a:ext uri="{FF2B5EF4-FFF2-40B4-BE49-F238E27FC236}">
+                <a16:creationId xmlns:a16="http://schemas.microsoft.com/office/drawing/2014/main" id="{0844A943-BF79-4FEA-ABB1-3BD54D236606}"/>
+              </a:ext>
+              <a:ext uri="{C183D7F6-B498-43B3-948B-1728B52AA6E4}">
+                <adec:decorative xmlns:adec="http://schemas.microsoft.com/office/drawing/2017/decorative" val="1"/>
+              </a:ext>
+            </a:extLst>
+          </p:cNvPr>
+          <p:cNvSpPr>
+            <a:spLocks noGrp="1" noRot="1" noChangeAspect="1" noMove="1" noResize="1" noEditPoints="1" noAdjustHandles="1" noChangeArrowheads="1" noChangeShapeType="1" noTextEdit="1"/>
+          </p:cNvSpPr>
+          <p:nvPr>
+            <p:custDataLst>
+              <p:tags r:id="rId2"/>
+            </p:custDataLst>
+            <p:extLst>
+              <p:ext uri="{386F3935-93C4-4BCD-93E2-E3B085C9AB24}">
+                <p16:designElem xmlns:p16="http://schemas.microsoft.com/office/powerpoint/2015/main" val="1"/>
+              </p:ext>
+            </p:extLst>
+          </p:nvPr>
+        </p:nvSpPr>
+        <p:spPr>
+          <a:xfrm rot="10800000" flipH="1">
+            <a:off x="0" y="6400799"/>
+            <a:ext cx="12192000" cy="456773"/>
+          </a:xfrm>
+          <a:prstGeom prst="rect">
+            <a:avLst/>
+          </a:prstGeom>
+          <a:gradFill>
+            <a:gsLst>
+              <a:gs pos="0">
+                <a:schemeClr val="accent1"/>
+              </a:gs>
+              <a:gs pos="90000">
+                <a:srgbClr val="000000"/>
+              </a:gs>
+            </a:gsLst>
+            <a:lin ang="2400000" scaled="0"/>
+          </a:gradFill>
+          <a:ln>
+            <a:noFill/>
+          </a:ln>
+        </p:spPr>
+        <p:style>
+          <a:lnRef idx="2">
+            <a:schemeClr val="accent1">
+              <a:shade val="50000"/>
+            </a:schemeClr>
+          </a:lnRef>
+          <a:fillRef idx="1">
+            <a:schemeClr val="accent1"/>
+          </a:fillRef>
+          <a:effectRef idx="0">
+            <a:schemeClr val="accent1"/>
+          </a:effectRef>
+          <a:fontRef idx="minor">
+            <a:schemeClr val="lt1"/>
+          </a:fontRef>
+        </p:style>
+        <p:txBody>
+          <a:bodyPr rtlCol="0" anchor="ctr"/>
+          <a:lstStyle/>
+          <a:p>
+            <a:pPr algn="ctr"/>
+            <a:endParaRPr lang="en-US"/>
+          </a:p>
+        </p:txBody>
+      </p:sp>
+      <p:sp>
+        <p:nvSpPr>
+          <p:cNvPr id="20" name="Rectangle 19">
+            <a:extLst>
+              <a:ext uri="{FF2B5EF4-FFF2-40B4-BE49-F238E27FC236}">
+                <a16:creationId xmlns:a16="http://schemas.microsoft.com/office/drawing/2014/main" id="{6437CC72-F4A8-4DC3-AFAB-D22C482C8100}"/>
+              </a:ext>
+              <a:ext uri="{C183D7F6-B498-43B3-948B-1728B52AA6E4}">
+                <adec:decorative xmlns:adec="http://schemas.microsoft.com/office/drawing/2017/decorative" val="1"/>
+              </a:ext>
+            </a:extLst>
+          </p:cNvPr>
+          <p:cNvSpPr>
+            <a:spLocks noGrp="1" noRot="1" noChangeAspect="1" noMove="1" noResize="1" noEditPoints="1" noAdjustHandles="1" noChangeArrowheads="1" noChangeShapeType="1" noTextEdit="1"/>
+          </p:cNvSpPr>
+          <p:nvPr>
+            <p:custDataLst>
+              <p:tags r:id="rId3"/>
+            </p:custDataLst>
+            <p:extLst>
+              <p:ext uri="{386F3935-93C4-4BCD-93E2-E3B085C9AB24}">
+                <p16:designElem xmlns:p16="http://schemas.microsoft.com/office/powerpoint/2015/main" val="1"/>
+              </p:ext>
+            </p:extLst>
+          </p:nvPr>
+        </p:nvSpPr>
+        <p:spPr>
+          <a:xfrm flipH="1">
+            <a:off x="4038600" y="6400799"/>
+            <a:ext cx="8153398" cy="456772"/>
+          </a:xfrm>
+          <a:prstGeom prst="rect">
+            <a:avLst/>
+          </a:prstGeom>
+          <a:gradFill>
+            <a:gsLst>
+              <a:gs pos="0">
+                <a:srgbClr val="000000">
+                  <a:alpha val="50000"/>
+                </a:srgbClr>
+              </a:gs>
+              <a:gs pos="100000">
+                <a:schemeClr val="accent1">
+                  <a:lumMod val="75000"/>
+                </a:schemeClr>
+              </a:gs>
+            </a:gsLst>
+            <a:lin ang="13800000" scaled="0"/>
+          </a:gradFill>
+          <a:ln>
+            <a:noFill/>
+          </a:ln>
+        </p:spPr>
+        <p:style>
+          <a:lnRef idx="2">
+            <a:schemeClr val="accent1">
+              <a:shade val="50000"/>
+            </a:schemeClr>
+          </a:lnRef>
+          <a:fillRef idx="1">
+            <a:schemeClr val="accent1"/>
+          </a:fillRef>
+          <a:effectRef idx="0">
+            <a:schemeClr val="accent1"/>
+          </a:effectRef>
+          <a:fontRef idx="minor">
+            <a:schemeClr val="lt1"/>
+          </a:fontRef>
+        </p:style>
+        <p:txBody>
+          <a:bodyPr rtlCol="0" anchor="ctr"/>
+          <a:lstStyle/>
+          <a:p>
+            <a:pPr algn="ctr"/>
+            <a:endParaRPr lang="en-US"/>
+          </a:p>
+        </p:txBody>
+      </p:sp>
+      <p:sp>
+        <p:nvSpPr>
+          <p:cNvPr id="5" name="Espace réservé du numéro de diapositive 4">
+            <a:extLst>
+              <a:ext uri="{FF2B5EF4-FFF2-40B4-BE49-F238E27FC236}">
+                <a16:creationId xmlns:a16="http://schemas.microsoft.com/office/drawing/2014/main" id="{ACBB2F2A-A517-48B6-AD57-A1EB87CB5543}"/>
+              </a:ext>
+            </a:extLst>
+          </p:cNvPr>
+          <p:cNvSpPr>
+            <a:spLocks noGrp="1"/>
+          </p:cNvSpPr>
+          <p:nvPr>
+            <p:ph type="sldNum" sz="quarter" idx="12"/>
+            <p:custDataLst>
+              <p:tags r:id="rId4"/>
+            </p:custDataLst>
+          </p:nvPr>
+        </p:nvSpPr>
+        <p:spPr/>
+        <p:txBody>
+          <a:bodyPr/>
+          <a:lstStyle/>
+          <a:p>
+            <a:fld id="{23120ADE-45B3-4262-A680-7B402FD9570E}" type="slidenum">
+              <a:rPr lang="fr-FR" smtClean="0"/>
+              <a:t>14</a:t>
+            </a:fld>
+            <a:endParaRPr lang="fr-FR"/>
+          </a:p>
+        </p:txBody>
+      </p:sp>
+      <p:sp>
+        <p:nvSpPr>
+          <p:cNvPr id="19" name="Titre 1">
+            <a:extLst>
+              <a:ext uri="{FF2B5EF4-FFF2-40B4-BE49-F238E27FC236}">
+                <a16:creationId xmlns:a16="http://schemas.microsoft.com/office/drawing/2014/main" id="{6E4BB0B2-6F22-4054-9D36-8913D9A69CB6}"/>
+              </a:ext>
+            </a:extLst>
+          </p:cNvPr>
+          <p:cNvSpPr>
+            <a:spLocks noGrp="1"/>
+          </p:cNvSpPr>
+          <p:nvPr>
+            <p:ph type="title"/>
+            <p:custDataLst>
+              <p:tags r:id="rId5"/>
+            </p:custDataLst>
+          </p:nvPr>
+        </p:nvSpPr>
+        <p:spPr>
+          <a:xfrm>
+            <a:off x="217295" y="633698"/>
+            <a:ext cx="3821305" cy="858800"/>
+          </a:xfrm>
+        </p:spPr>
+        <p:txBody>
+          <a:bodyPr>
+            <a:normAutofit fontScale="90000"/>
+          </a:bodyPr>
+          <a:lstStyle/>
+          <a:p>
+            <a:pPr algn="just"/>
+            <a:r>
+              <a:rPr lang="fr-FR" dirty="0" err="1">
+                <a:latin typeface="Times New Roman" panose="02020603050405020304" pitchFamily="18" charset="0"/>
+                <a:cs typeface="Times New Roman" panose="02020603050405020304" pitchFamily="18" charset="0"/>
+              </a:rPr>
+              <a:t>Github</a:t>
+            </a:r>
+            <a:r>
+              <a:rPr lang="fr-FR" dirty="0">
+                <a:latin typeface="Times New Roman" panose="02020603050405020304" pitchFamily="18" charset="0"/>
+                <a:cs typeface="Times New Roman" panose="02020603050405020304" pitchFamily="18" charset="0"/>
+              </a:rPr>
+              <a:t> </a:t>
+            </a:r>
+            <a:r>
+              <a:rPr lang="fr-FR" dirty="0" err="1">
+                <a:latin typeface="Times New Roman" panose="02020603050405020304" pitchFamily="18" charset="0"/>
+                <a:cs typeface="Times New Roman" panose="02020603050405020304" pitchFamily="18" charset="0"/>
+              </a:rPr>
+              <a:t>Projects</a:t>
+            </a:r>
+            <a:br>
+              <a:rPr lang="fr-FR" dirty="0">
+                <a:latin typeface="Times New Roman" panose="02020603050405020304" pitchFamily="18" charset="0"/>
+                <a:cs typeface="Times New Roman" panose="02020603050405020304" pitchFamily="18" charset="0"/>
+              </a:rPr>
+            </a:br>
+            <a:r>
+              <a:rPr lang="fr-FR" dirty="0">
+                <a:latin typeface="Times New Roman" panose="02020603050405020304" pitchFamily="18" charset="0"/>
+                <a:cs typeface="Times New Roman" panose="02020603050405020304" pitchFamily="18" charset="0"/>
+              </a:rPr>
+              <a:t> et User Stories	</a:t>
+            </a:r>
+          </a:p>
+        </p:txBody>
+      </p:sp>
+      <p:pic>
+        <p:nvPicPr>
+          <p:cNvPr id="6" name="Image 5">
+            <a:extLst>
+              <a:ext uri="{FF2B5EF4-FFF2-40B4-BE49-F238E27FC236}">
+                <a16:creationId xmlns:a16="http://schemas.microsoft.com/office/drawing/2014/main" id="{9EF53FF5-52A4-8947-9589-C0081E09E9C1}"/>
+              </a:ext>
+            </a:extLst>
+          </p:cNvPr>
+          <p:cNvPicPr>
+            <a:picLocks noChangeAspect="1"/>
+          </p:cNvPicPr>
+          <p:nvPr/>
+        </p:nvPicPr>
+        <p:blipFill>
+          <a:blip r:embed="rId7"/>
+          <a:stretch>
+            <a:fillRect/>
+          </a:stretch>
+        </p:blipFill>
+        <p:spPr>
+          <a:xfrm>
+            <a:off x="672403" y="1616943"/>
+            <a:ext cx="10681397" cy="3887407"/>
+          </a:xfrm>
+          <a:prstGeom prst="rect">
+            <a:avLst/>
+          </a:prstGeom>
+        </p:spPr>
+      </p:pic>
+    </p:spTree>
+    <p:extLst>
+      <p:ext uri="{BB962C8B-B14F-4D97-AF65-F5344CB8AC3E}">
+        <p14:creationId xmlns:p14="http://schemas.microsoft.com/office/powerpoint/2010/main" val="1441715120"/>
+      </p:ext>
+    </p:extLst>
+  </p:cSld>
+  <p:clrMapOvr>
+    <a:masterClrMapping/>
+  </p:clrMapOvr>
+</p:sld>
+</file>
+
+<file path=ppt/slides/slide15.xml><?xml version="1.0" encoding="utf-8"?>
+<p:sld xmlns:a="http://schemas.openxmlformats.org/drawingml/2006/main" xmlns:r="http://schemas.openxmlformats.org/officeDocument/2006/relationships" xmlns:p="http://schemas.openxmlformats.org/presentationml/2006/main">
+  <p:cSld>
+    <p:spTree>
+      <p:nvGrpSpPr>
+        <p:cNvPr id="1" name=""/>
+        <p:cNvGrpSpPr/>
+        <p:nvPr/>
+      </p:nvGrpSpPr>
+      <p:grpSpPr>
+        <a:xfrm>
+          <a:off x="0" y="0"/>
+          <a:ext cx="0" cy="0"/>
+          <a:chOff x="0" y="0"/>
+          <a:chExt cx="0" cy="0"/>
+        </a:xfrm>
+      </p:grpSpPr>
+      <p:sp useBgFill="1">
+        <p:nvSpPr>
+          <p:cNvPr id="16" name="Rectangle 15">
+            <a:extLst>
+              <a:ext uri="{FF2B5EF4-FFF2-40B4-BE49-F238E27FC236}">
+                <a16:creationId xmlns:a16="http://schemas.microsoft.com/office/drawing/2014/main" id="{3346177D-ADC4-4968-B747-5CFCD390B5B9}"/>
+              </a:ext>
+              <a:ext uri="{C183D7F6-B498-43B3-948B-1728B52AA6E4}">
+                <adec:decorative xmlns:adec="http://schemas.microsoft.com/office/drawing/2017/decorative" val="1"/>
+              </a:ext>
+            </a:extLst>
+          </p:cNvPr>
+          <p:cNvSpPr>
+            <a:spLocks noGrp="1" noRot="1" noChangeAspect="1" noMove="1" noResize="1" noEditPoints="1" noAdjustHandles="1" noChangeArrowheads="1" noChangeShapeType="1" noTextEdit="1"/>
+          </p:cNvSpPr>
+          <p:nvPr>
+            <p:custDataLst>
+              <p:tags r:id="rId1"/>
+            </p:custDataLst>
+            <p:extLst>
+              <p:ext uri="{386F3935-93C4-4BCD-93E2-E3B085C9AB24}">
+                <p16:designElem xmlns:p16="http://schemas.microsoft.com/office/powerpoint/2015/main" val="1"/>
+              </p:ext>
+            </p:extLst>
+          </p:nvPr>
+        </p:nvSpPr>
+        <p:spPr>
+          <a:xfrm>
+            <a:off x="0" y="0"/>
+            <a:ext cx="12192000" cy="6858000"/>
+          </a:xfrm>
+          <a:prstGeom prst="rect">
+            <a:avLst/>
+          </a:prstGeom>
+          <a:ln w="12700" cap="flat" cmpd="sng" algn="ctr">
+            <a:noFill/>
+            <a:prstDash val="solid"/>
+            <a:miter lim="800000"/>
+          </a:ln>
+          <a:effectLst/>
+          <a:extLst>
+            <a:ext uri="{91240B29-F687-4F45-9708-019B960494DF}">
+              <a14:hiddenLine xmlns:a14="http://schemas.microsoft.com/office/drawing/2010/main" w="12700" cap="flat" cmpd="sng" algn="ctr">
+                <a:solidFill>
+                  <a:schemeClr val="accent1">
+                    <a:shade val="50000"/>
+                  </a:schemeClr>
+                </a:solidFill>
+                <a:prstDash val="solid"/>
+                <a:miter lim="800000"/>
+              </a14:hiddenLine>
+            </a:ext>
+          </a:extLst>
+        </p:spPr>
+        <p:style>
+          <a:lnRef idx="2">
+            <a:schemeClr val="accent1">
+              <a:shade val="50000"/>
+            </a:schemeClr>
+          </a:lnRef>
+          <a:fillRef idx="1">
+            <a:schemeClr val="accent1"/>
+          </a:fillRef>
+          <a:effectRef idx="0">
+            <a:schemeClr val="accent1"/>
+          </a:effectRef>
+          <a:fontRef idx="minor">
+            <a:schemeClr val="lt1"/>
+          </a:fontRef>
+        </p:style>
+        <p:txBody>
+          <a:bodyPr rtlCol="0" anchor="ctr"/>
+          <a:lstStyle/>
+          <a:p>
+            <a:pPr algn="ctr"/>
+            <a:endParaRPr lang="en-US"/>
+          </a:p>
+        </p:txBody>
+      </p:sp>
+      <p:sp>
+        <p:nvSpPr>
+          <p:cNvPr id="18" name="Rectangle 17">
+            <a:extLst>
+              <a:ext uri="{FF2B5EF4-FFF2-40B4-BE49-F238E27FC236}">
+                <a16:creationId xmlns:a16="http://schemas.microsoft.com/office/drawing/2014/main" id="{0844A943-BF79-4FEA-ABB1-3BD54D236606}"/>
+              </a:ext>
+              <a:ext uri="{C183D7F6-B498-43B3-948B-1728B52AA6E4}">
+                <adec:decorative xmlns:adec="http://schemas.microsoft.com/office/drawing/2017/decorative" val="1"/>
+              </a:ext>
+            </a:extLst>
+          </p:cNvPr>
+          <p:cNvSpPr>
+            <a:spLocks noGrp="1" noRot="1" noChangeAspect="1" noMove="1" noResize="1" noEditPoints="1" noAdjustHandles="1" noChangeArrowheads="1" noChangeShapeType="1" noTextEdit="1"/>
+          </p:cNvSpPr>
+          <p:nvPr>
+            <p:custDataLst>
+              <p:tags r:id="rId2"/>
+            </p:custDataLst>
+            <p:extLst>
+              <p:ext uri="{386F3935-93C4-4BCD-93E2-E3B085C9AB24}">
+                <p16:designElem xmlns:p16="http://schemas.microsoft.com/office/powerpoint/2015/main" val="1"/>
+              </p:ext>
+            </p:extLst>
+          </p:nvPr>
+        </p:nvSpPr>
+        <p:spPr>
+          <a:xfrm rot="10800000" flipH="1">
+            <a:off x="0" y="6400799"/>
+            <a:ext cx="12192000" cy="456773"/>
+          </a:xfrm>
+          <a:prstGeom prst="rect">
+            <a:avLst/>
+          </a:prstGeom>
+          <a:gradFill>
+            <a:gsLst>
+              <a:gs pos="0">
+                <a:schemeClr val="accent1"/>
+              </a:gs>
+              <a:gs pos="90000">
+                <a:srgbClr val="000000"/>
+              </a:gs>
+            </a:gsLst>
+            <a:lin ang="2400000" scaled="0"/>
+          </a:gradFill>
+          <a:ln>
+            <a:noFill/>
+          </a:ln>
+        </p:spPr>
+        <p:style>
+          <a:lnRef idx="2">
+            <a:schemeClr val="accent1">
+              <a:shade val="50000"/>
+            </a:schemeClr>
+          </a:lnRef>
+          <a:fillRef idx="1">
+            <a:schemeClr val="accent1"/>
+          </a:fillRef>
+          <a:effectRef idx="0">
+            <a:schemeClr val="accent1"/>
+          </a:effectRef>
+          <a:fontRef idx="minor">
+            <a:schemeClr val="lt1"/>
+          </a:fontRef>
+        </p:style>
+        <p:txBody>
+          <a:bodyPr rtlCol="0" anchor="ctr"/>
+          <a:lstStyle/>
+          <a:p>
+            <a:pPr algn="ctr"/>
+            <a:endParaRPr lang="en-US"/>
+          </a:p>
+        </p:txBody>
+      </p:sp>
+      <p:sp>
+        <p:nvSpPr>
+          <p:cNvPr id="20" name="Rectangle 19">
+            <a:extLst>
+              <a:ext uri="{FF2B5EF4-FFF2-40B4-BE49-F238E27FC236}">
+                <a16:creationId xmlns:a16="http://schemas.microsoft.com/office/drawing/2014/main" id="{6437CC72-F4A8-4DC3-AFAB-D22C482C8100}"/>
+              </a:ext>
+              <a:ext uri="{C183D7F6-B498-43B3-948B-1728B52AA6E4}">
+                <adec:decorative xmlns:adec="http://schemas.microsoft.com/office/drawing/2017/decorative" val="1"/>
+              </a:ext>
+            </a:extLst>
+          </p:cNvPr>
+          <p:cNvSpPr>
+            <a:spLocks noGrp="1" noRot="1" noChangeAspect="1" noMove="1" noResize="1" noEditPoints="1" noAdjustHandles="1" noChangeArrowheads="1" noChangeShapeType="1" noTextEdit="1"/>
+          </p:cNvSpPr>
+          <p:nvPr>
+            <p:custDataLst>
+              <p:tags r:id="rId3"/>
+            </p:custDataLst>
+            <p:extLst>
+              <p:ext uri="{386F3935-93C4-4BCD-93E2-E3B085C9AB24}">
+                <p16:designElem xmlns:p16="http://schemas.microsoft.com/office/powerpoint/2015/main" val="1"/>
+              </p:ext>
+            </p:extLst>
+          </p:nvPr>
+        </p:nvSpPr>
+        <p:spPr>
+          <a:xfrm flipH="1">
+            <a:off x="4038600" y="6400799"/>
+            <a:ext cx="8153398" cy="456772"/>
+          </a:xfrm>
+          <a:prstGeom prst="rect">
+            <a:avLst/>
+          </a:prstGeom>
+          <a:gradFill>
+            <a:gsLst>
+              <a:gs pos="0">
+                <a:srgbClr val="000000">
+                  <a:alpha val="50000"/>
+                </a:srgbClr>
+              </a:gs>
+              <a:gs pos="100000">
+                <a:schemeClr val="accent1">
+                  <a:lumMod val="75000"/>
+                </a:schemeClr>
+              </a:gs>
+            </a:gsLst>
+            <a:lin ang="13800000" scaled="0"/>
+          </a:gradFill>
+          <a:ln>
+            <a:noFill/>
+          </a:ln>
+        </p:spPr>
+        <p:style>
+          <a:lnRef idx="2">
+            <a:schemeClr val="accent1">
+              <a:shade val="50000"/>
+            </a:schemeClr>
+          </a:lnRef>
+          <a:fillRef idx="1">
+            <a:schemeClr val="accent1"/>
+          </a:fillRef>
+          <a:effectRef idx="0">
+            <a:schemeClr val="accent1"/>
+          </a:effectRef>
+          <a:fontRef idx="minor">
+            <a:schemeClr val="lt1"/>
+          </a:fontRef>
+        </p:style>
+        <p:txBody>
+          <a:bodyPr rtlCol="0" anchor="ctr"/>
+          <a:lstStyle/>
+          <a:p>
+            <a:pPr algn="ctr"/>
+            <a:endParaRPr lang="en-US"/>
+          </a:p>
+        </p:txBody>
+      </p:sp>
+      <p:sp>
+        <p:nvSpPr>
+          <p:cNvPr id="5" name="Espace réservé du numéro de diapositive 4">
+            <a:extLst>
+              <a:ext uri="{FF2B5EF4-FFF2-40B4-BE49-F238E27FC236}">
+                <a16:creationId xmlns:a16="http://schemas.microsoft.com/office/drawing/2014/main" id="{ACBB2F2A-A517-48B6-AD57-A1EB87CB5543}"/>
+              </a:ext>
+            </a:extLst>
+          </p:cNvPr>
+          <p:cNvSpPr>
+            <a:spLocks noGrp="1"/>
+          </p:cNvSpPr>
+          <p:nvPr>
+            <p:ph type="sldNum" sz="quarter" idx="12"/>
+            <p:custDataLst>
+              <p:tags r:id="rId4"/>
+            </p:custDataLst>
+          </p:nvPr>
+        </p:nvSpPr>
+        <p:spPr/>
+        <p:txBody>
+          <a:bodyPr/>
+          <a:lstStyle/>
+          <a:p>
+            <a:fld id="{23120ADE-45B3-4262-A680-7B402FD9570E}" type="slidenum">
+              <a:rPr lang="fr-FR" smtClean="0"/>
+              <a:t>15</a:t>
+            </a:fld>
+            <a:endParaRPr lang="fr-FR"/>
+          </a:p>
+        </p:txBody>
+      </p:sp>
+      <p:sp>
+        <p:nvSpPr>
+          <p:cNvPr id="19" name="Titre 1">
+            <a:extLst>
+              <a:ext uri="{FF2B5EF4-FFF2-40B4-BE49-F238E27FC236}">
+                <a16:creationId xmlns:a16="http://schemas.microsoft.com/office/drawing/2014/main" id="{6E4BB0B2-6F22-4054-9D36-8913D9A69CB6}"/>
+              </a:ext>
+            </a:extLst>
+          </p:cNvPr>
+          <p:cNvSpPr>
+            <a:spLocks noGrp="1"/>
+          </p:cNvSpPr>
+          <p:nvPr>
+            <p:ph type="title"/>
+            <p:custDataLst>
+              <p:tags r:id="rId5"/>
+            </p:custDataLst>
+          </p:nvPr>
+        </p:nvSpPr>
+        <p:spPr>
+          <a:xfrm>
+            <a:off x="443436" y="328898"/>
+            <a:ext cx="7520692" cy="858800"/>
+          </a:xfrm>
+        </p:spPr>
+        <p:txBody>
+          <a:bodyPr>
+            <a:normAutofit/>
+          </a:bodyPr>
+          <a:lstStyle/>
+          <a:p>
+            <a:pPr algn="just"/>
+            <a:r>
+              <a:rPr lang="fr-FR" dirty="0" err="1">
+                <a:latin typeface="Times New Roman" panose="02020603050405020304" pitchFamily="18" charset="0"/>
+                <a:cs typeface="Times New Roman" panose="02020603050405020304" pitchFamily="18" charset="0"/>
+              </a:rPr>
+              <a:t>Github</a:t>
+            </a:r>
+            <a:r>
+              <a:rPr lang="fr-FR" dirty="0">
+                <a:latin typeface="Times New Roman" panose="02020603050405020304" pitchFamily="18" charset="0"/>
+                <a:cs typeface="Times New Roman" panose="02020603050405020304" pitchFamily="18" charset="0"/>
+              </a:rPr>
+              <a:t> </a:t>
+            </a:r>
+            <a:r>
+              <a:rPr lang="fr-FR" dirty="0" err="1">
+                <a:latin typeface="Times New Roman" panose="02020603050405020304" pitchFamily="18" charset="0"/>
+                <a:cs typeface="Times New Roman" panose="02020603050405020304" pitchFamily="18" charset="0"/>
+              </a:rPr>
+              <a:t>Projects</a:t>
+            </a:r>
+            <a:r>
+              <a:rPr lang="fr-FR" dirty="0">
+                <a:latin typeface="Times New Roman" panose="02020603050405020304" pitchFamily="18" charset="0"/>
+                <a:cs typeface="Times New Roman" panose="02020603050405020304" pitchFamily="18" charset="0"/>
+              </a:rPr>
+              <a:t> et User Stories	</a:t>
+            </a:r>
+          </a:p>
+        </p:txBody>
+      </p:sp>
+      <p:pic>
+        <p:nvPicPr>
+          <p:cNvPr id="6" name="Image 5">
+            <a:extLst>
+              <a:ext uri="{FF2B5EF4-FFF2-40B4-BE49-F238E27FC236}">
+                <a16:creationId xmlns:a16="http://schemas.microsoft.com/office/drawing/2014/main" id="{15C64B58-8085-5FFE-F415-7B565D12451C}"/>
+              </a:ext>
+            </a:extLst>
+          </p:cNvPr>
+          <p:cNvPicPr>
+            <a:picLocks noChangeAspect="1"/>
+          </p:cNvPicPr>
+          <p:nvPr/>
+        </p:nvPicPr>
+        <p:blipFill>
+          <a:blip r:embed="rId7"/>
+          <a:stretch>
+            <a:fillRect/>
+          </a:stretch>
+        </p:blipFill>
+        <p:spPr>
+          <a:xfrm>
+            <a:off x="1900535" y="1187698"/>
+            <a:ext cx="7977972" cy="2520953"/>
+          </a:xfrm>
+          <a:prstGeom prst="rect">
+            <a:avLst/>
+          </a:prstGeom>
+        </p:spPr>
+      </p:pic>
+      <p:pic>
+        <p:nvPicPr>
+          <p:cNvPr id="9" name="Image 8">
+            <a:extLst>
+              <a:ext uri="{FF2B5EF4-FFF2-40B4-BE49-F238E27FC236}">
+                <a16:creationId xmlns:a16="http://schemas.microsoft.com/office/drawing/2014/main" id="{DA292036-3D43-00E6-FB56-A12F5A4B48A9}"/>
+              </a:ext>
+            </a:extLst>
+          </p:cNvPr>
+          <p:cNvPicPr>
+            <a:picLocks noChangeAspect="1"/>
+          </p:cNvPicPr>
+          <p:nvPr/>
+        </p:nvPicPr>
+        <p:blipFill>
+          <a:blip r:embed="rId8"/>
+          <a:stretch>
+            <a:fillRect/>
+          </a:stretch>
+        </p:blipFill>
+        <p:spPr>
+          <a:xfrm>
+            <a:off x="1389268" y="3753730"/>
+            <a:ext cx="8961185" cy="2630944"/>
+          </a:xfrm>
+          <a:prstGeom prst="rect">
+            <a:avLst/>
+          </a:prstGeom>
+        </p:spPr>
+      </p:pic>
+    </p:spTree>
+    <p:extLst>
+      <p:ext uri="{BB962C8B-B14F-4D97-AF65-F5344CB8AC3E}">
+        <p14:creationId xmlns:p14="http://schemas.microsoft.com/office/powerpoint/2010/main" val="2751482309"/>
+      </p:ext>
+    </p:extLst>
+  </p:cSld>
+  <p:clrMapOvr>
+    <a:masterClrMapping/>
+  </p:clrMapOvr>
+</p:sld>
+</file>
+
+<file path=ppt/slides/slide16.xml><?xml version="1.0" encoding="utf-8"?>
 <p:sld xmlns:a="http://schemas.openxmlformats.org/drawingml/2006/main" xmlns:r="http://schemas.openxmlformats.org/officeDocument/2006/relationships" xmlns:p="http://schemas.openxmlformats.org/presentationml/2006/main">
   <p:cSld>
     <p:bg>
@@ -11205,7 +12821,7 @@
         </p:nvSpPr>
         <p:spPr>
           <a:xfrm>
-            <a:off x="895862" y="2232924"/>
+            <a:off x="787363" y="3125469"/>
             <a:ext cx="3427001" cy="962053"/>
           </a:xfrm>
         </p:spPr>
@@ -11312,7 +12928,7 @@
                   <a:spcPts val="600"/>
                 </a:spcAft>
               </a:pPr>
-              <a:t>14</a:t>
+              <a:t>16</a:t>
             </a:fld>
             <a:endParaRPr lang="fr-FR" sz="1000">
               <a:solidFill>
@@ -11345,8 +12961,8 @@
         </p:nvSpPr>
         <p:spPr>
           <a:xfrm>
-            <a:off x="6207109" y="1178061"/>
-            <a:ext cx="2260145" cy="1139686"/>
+            <a:off x="5667193" y="1178061"/>
+            <a:ext cx="2800061" cy="1139686"/>
           </a:xfrm>
           <a:prstGeom prst="rect">
             <a:avLst/>
@@ -11540,7 +13156,7 @@
                 <a:cs typeface="Times New Roman" panose="02020603050405020304" pitchFamily="18" charset="0"/>
                 <a:sym typeface="Wingdings" panose="05000000000000000000" pitchFamily="2" charset="2"/>
               </a:rPr>
-              <a:t> Objectifs du projet</a:t>
+              <a:t> Objectifs du projet :</a:t>
             </a:r>
             <a:endParaRPr lang="fr-FR" sz="2000" dirty="0">
               <a:latin typeface="Times New Roman" panose="02020603050405020304" pitchFamily="18" charset="0"/>
@@ -11845,8 +13461,8 @@
         </p:blipFill>
         <p:spPr>
           <a:xfrm>
-            <a:off x="9103360" y="806521"/>
-            <a:ext cx="872793" cy="872793"/>
+            <a:off x="9015562" y="718723"/>
+            <a:ext cx="960591" cy="960591"/>
           </a:xfrm>
           <a:prstGeom prst="rect">
             <a:avLst/>
@@ -11906,7 +13522,7 @@
 </p:sld>
 </file>
 
-<file path=ppt/slides/slide15.xml><?xml version="1.0" encoding="utf-8"?>
+<file path=ppt/slides/slide17.xml><?xml version="1.0" encoding="utf-8"?>
 <p:sld xmlns:a="http://schemas.openxmlformats.org/drawingml/2006/main" xmlns:r="http://schemas.openxmlformats.org/officeDocument/2006/relationships" xmlns:p="http://schemas.openxmlformats.org/presentationml/2006/main">
   <p:cSld>
     <p:spTree>
@@ -12180,7 +13796,7 @@
           <a:p>
             <a:fld id="{23120ADE-45B3-4262-A680-7B402FD9570E}" type="slidenum">
               <a:rPr lang="fr-FR" smtClean="0"/>
-              <a:t>15</a:t>
+              <a:t>17</a:t>
             </a:fld>
             <a:endParaRPr lang="fr-FR"/>
           </a:p>
@@ -12286,7 +13902,7 @@
 </p:sld>
 </file>
 
-<file path=ppt/slides/slide16.xml><?xml version="1.0" encoding="utf-8"?>
+<file path=ppt/slides/slide18.xml><?xml version="1.0" encoding="utf-8"?>
 <p:sld xmlns:a="http://schemas.openxmlformats.org/drawingml/2006/main" xmlns:r="http://schemas.openxmlformats.org/officeDocument/2006/relationships" xmlns:p="http://schemas.openxmlformats.org/presentationml/2006/main">
   <p:cSld>
     <p:bg>
@@ -15083,7 +16699,7 @@
                   <a:spcPts val="600"/>
                 </a:spcAft>
               </a:pPr>
-              <a:t>16</a:t>
+              <a:t>18</a:t>
             </a:fld>
             <a:endParaRPr lang="en-US" sz="1000">
               <a:solidFill>
@@ -15108,1268 +16724,7 @@
 </p:sld>
 </file>
 
-<file path=ppt/slides/slide17.xml><?xml version="1.0" encoding="utf-8"?>
-<p:sld xmlns:a="http://schemas.openxmlformats.org/drawingml/2006/main" xmlns:r="http://schemas.openxmlformats.org/officeDocument/2006/relationships" xmlns:p="http://schemas.openxmlformats.org/presentationml/2006/main">
-  <p:cSld>
-    <p:bg>
-      <p:bgPr>
-        <a:solidFill>
-          <a:schemeClr val="bg1"/>
-        </a:solidFill>
-        <a:effectLst/>
-      </p:bgPr>
-    </p:bg>
-    <p:spTree>
-      <p:nvGrpSpPr>
-        <p:cNvPr id="1" name=""/>
-        <p:cNvGrpSpPr/>
-        <p:nvPr/>
-      </p:nvGrpSpPr>
-      <p:grpSpPr>
-        <a:xfrm>
-          <a:off x="0" y="0"/>
-          <a:ext cx="0" cy="0"/>
-          <a:chOff x="0" y="0"/>
-          <a:chExt cx="0" cy="0"/>
-        </a:xfrm>
-      </p:grpSpPr>
-      <p:sp useBgFill="1">
-        <p:nvSpPr>
-          <p:cNvPr id="25" name="Rectangle 24">
-            <a:extLst>
-              <a:ext uri="{FF2B5EF4-FFF2-40B4-BE49-F238E27FC236}">
-                <a16:creationId xmlns:a16="http://schemas.microsoft.com/office/drawing/2014/main" id="{B7BD7FCF-A254-4A97-A15C-319B67622677}"/>
-              </a:ext>
-              <a:ext uri="{C183D7F6-B498-43B3-948B-1728B52AA6E4}">
-                <adec:decorative xmlns:adec="http://schemas.microsoft.com/office/drawing/2017/decorative" val="1"/>
-              </a:ext>
-            </a:extLst>
-          </p:cNvPr>
-          <p:cNvSpPr>
-            <a:spLocks noGrp="1" noRot="1" noChangeAspect="1" noMove="1" noResize="1" noEditPoints="1" noAdjustHandles="1" noChangeArrowheads="1" noChangeShapeType="1" noTextEdit="1"/>
-          </p:cNvSpPr>
-          <p:nvPr>
-            <p:custDataLst>
-              <p:tags r:id="rId1"/>
-            </p:custDataLst>
-            <p:extLst>
-              <p:ext uri="{386F3935-93C4-4BCD-93E2-E3B085C9AB24}">
-                <p16:designElem xmlns:p16="http://schemas.microsoft.com/office/powerpoint/2015/main" val="1"/>
-              </p:ext>
-            </p:extLst>
-          </p:nvPr>
-        </p:nvSpPr>
-        <p:spPr>
-          <a:xfrm>
-            <a:off x="0" y="0"/>
-            <a:ext cx="12188952" cy="6858000"/>
-          </a:xfrm>
-          <a:prstGeom prst="rect">
-            <a:avLst/>
-          </a:prstGeom>
-          <a:ln>
-            <a:noFill/>
-          </a:ln>
-        </p:spPr>
-        <p:style>
-          <a:lnRef idx="2">
-            <a:schemeClr val="accent1">
-              <a:shade val="50000"/>
-            </a:schemeClr>
-          </a:lnRef>
-          <a:fillRef idx="1">
-            <a:schemeClr val="accent1"/>
-          </a:fillRef>
-          <a:effectRef idx="0">
-            <a:schemeClr val="accent1"/>
-          </a:effectRef>
-          <a:fontRef idx="minor">
-            <a:schemeClr val="lt1"/>
-          </a:fontRef>
-        </p:style>
-        <p:txBody>
-          <a:bodyPr rtlCol="0" anchor="ctr"/>
-          <a:lstStyle/>
-          <a:p>
-            <a:pPr algn="ctr"/>
-            <a:endParaRPr lang="en-US"/>
-          </a:p>
-        </p:txBody>
-      </p:sp>
-      <p:sp>
-        <p:nvSpPr>
-          <p:cNvPr id="27" name="Freeform: Shape 26">
-            <a:extLst>
-              <a:ext uri="{FF2B5EF4-FFF2-40B4-BE49-F238E27FC236}">
-                <a16:creationId xmlns:a16="http://schemas.microsoft.com/office/drawing/2014/main" id="{52FFAF72-6204-4676-9C6F-9A4CC4D91805}"/>
-              </a:ext>
-              <a:ext uri="{C183D7F6-B498-43B3-948B-1728B52AA6E4}">
-                <adec:decorative xmlns:adec="http://schemas.microsoft.com/office/drawing/2017/decorative" val="1"/>
-              </a:ext>
-            </a:extLst>
-          </p:cNvPr>
-          <p:cNvSpPr>
-            <a:spLocks noGrp="1" noRot="1" noChangeAspect="1" noMove="1" noResize="1" noEditPoints="1" noAdjustHandles="1" noChangeArrowheads="1" noChangeShapeType="1" noTextEdit="1"/>
-          </p:cNvSpPr>
-          <p:nvPr>
-            <p:custDataLst>
-              <p:tags r:id="rId2"/>
-            </p:custDataLst>
-            <p:extLst>
-              <p:ext uri="{386F3935-93C4-4BCD-93E2-E3B085C9AB24}">
-                <p16:designElem xmlns:p16="http://schemas.microsoft.com/office/powerpoint/2015/main" val="1"/>
-              </p:ext>
-            </p:extLst>
-          </p:nvPr>
-        </p:nvSpPr>
-        <p:spPr>
-          <a:xfrm flipH="1">
-            <a:off x="0" y="0"/>
-            <a:ext cx="5962785" cy="6858000"/>
-          </a:xfrm>
-          <a:custGeom>
-            <a:avLst/>
-            <a:gdLst>
-              <a:gd name="connsiteX0" fmla="*/ 1044839 w 5962785"/>
-              <a:gd name="connsiteY0" fmla="*/ 0 h 6858000"/>
-              <a:gd name="connsiteX1" fmla="*/ 5962785 w 5962785"/>
-              <a:gd name="connsiteY1" fmla="*/ 0 h 6858000"/>
-              <a:gd name="connsiteX2" fmla="*/ 5962785 w 5962785"/>
-              <a:gd name="connsiteY2" fmla="*/ 6858000 h 6858000"/>
-              <a:gd name="connsiteX3" fmla="*/ 1469886 w 5962785"/>
-              <a:gd name="connsiteY3" fmla="*/ 6858000 h 6858000"/>
-              <a:gd name="connsiteX4" fmla="*/ 1416006 w 5962785"/>
-              <a:gd name="connsiteY4" fmla="*/ 6823984 h 6858000"/>
-              <a:gd name="connsiteX5" fmla="*/ 1232473 w 5962785"/>
-              <a:gd name="connsiteY5" fmla="*/ 6733873 h 6858000"/>
-              <a:gd name="connsiteX6" fmla="*/ 1075471 w 5962785"/>
-              <a:gd name="connsiteY6" fmla="*/ 6503186 h 6858000"/>
-              <a:gd name="connsiteX7" fmla="*/ 1020229 w 5962785"/>
-              <a:gd name="connsiteY7" fmla="*/ 6438306 h 6858000"/>
-              <a:gd name="connsiteX8" fmla="*/ 883579 w 5962785"/>
-              <a:gd name="connsiteY8" fmla="*/ 6351798 h 6858000"/>
-              <a:gd name="connsiteX9" fmla="*/ 645167 w 5962785"/>
-              <a:gd name="connsiteY9" fmla="*/ 6167969 h 6858000"/>
-              <a:gd name="connsiteX10" fmla="*/ 732391 w 5962785"/>
-              <a:gd name="connsiteY10" fmla="*/ 6124716 h 6858000"/>
-              <a:gd name="connsiteX11" fmla="*/ 985339 w 5962785"/>
-              <a:gd name="connsiteY11" fmla="*/ 6236455 h 6858000"/>
-              <a:gd name="connsiteX12" fmla="*/ 1168509 w 5962785"/>
-              <a:gd name="connsiteY12" fmla="*/ 6265291 h 6858000"/>
-              <a:gd name="connsiteX13" fmla="*/ 909746 w 5962785"/>
-              <a:gd name="connsiteY13" fmla="*/ 6070649 h 6858000"/>
-              <a:gd name="connsiteX14" fmla="*/ 659704 w 5962785"/>
-              <a:gd name="connsiteY14" fmla="*/ 5818335 h 6858000"/>
-              <a:gd name="connsiteX15" fmla="*/ 851597 w 5962785"/>
-              <a:gd name="connsiteY15" fmla="*/ 5865193 h 6858000"/>
-              <a:gd name="connsiteX16" fmla="*/ 860319 w 5962785"/>
-              <a:gd name="connsiteY16" fmla="*/ 5832753 h 6858000"/>
-              <a:gd name="connsiteX17" fmla="*/ 691686 w 5962785"/>
-              <a:gd name="connsiteY17" fmla="*/ 5533581 h 6858000"/>
-              <a:gd name="connsiteX18" fmla="*/ 610278 w 5962785"/>
-              <a:gd name="connsiteY18" fmla="*/ 5411029 h 6858000"/>
-              <a:gd name="connsiteX19" fmla="*/ 238123 w 5962785"/>
-              <a:gd name="connsiteY19" fmla="*/ 5046976 h 6858000"/>
-              <a:gd name="connsiteX20" fmla="*/ 592833 w 5962785"/>
-              <a:gd name="connsiteY20" fmla="*/ 5209177 h 6858000"/>
-              <a:gd name="connsiteX21" fmla="*/ 226494 w 5962785"/>
-              <a:gd name="connsiteY21" fmla="*/ 4855939 h 6858000"/>
-              <a:gd name="connsiteX22" fmla="*/ 49139 w 5962785"/>
-              <a:gd name="connsiteY22" fmla="*/ 4726177 h 6858000"/>
-              <a:gd name="connsiteX23" fmla="*/ 5527 w 5962785"/>
-              <a:gd name="connsiteY23" fmla="*/ 4650483 h 6858000"/>
-              <a:gd name="connsiteX24" fmla="*/ 84029 w 5962785"/>
-              <a:gd name="connsiteY24" fmla="*/ 4632460 h 6858000"/>
-              <a:gd name="connsiteX25" fmla="*/ 325347 w 5962785"/>
-              <a:gd name="connsiteY25" fmla="*/ 4661296 h 6858000"/>
-              <a:gd name="connsiteX26" fmla="*/ 25879 w 5962785"/>
-              <a:gd name="connsiteY26" fmla="*/ 4423401 h 6858000"/>
-              <a:gd name="connsiteX27" fmla="*/ 249753 w 5962785"/>
-              <a:gd name="connsiteY27" fmla="*/ 4459446 h 6858000"/>
-              <a:gd name="connsiteX28" fmla="*/ 313718 w 5962785"/>
-              <a:gd name="connsiteY28" fmla="*/ 4365729 h 6858000"/>
-              <a:gd name="connsiteX29" fmla="*/ 418386 w 5962785"/>
-              <a:gd name="connsiteY29" fmla="*/ 4214341 h 6858000"/>
-              <a:gd name="connsiteX30" fmla="*/ 491072 w 5962785"/>
-              <a:gd name="connsiteY30" fmla="*/ 4131438 h 6858000"/>
-              <a:gd name="connsiteX31" fmla="*/ 520147 w 5962785"/>
-              <a:gd name="connsiteY31" fmla="*/ 3864706 h 6858000"/>
-              <a:gd name="connsiteX32" fmla="*/ 459090 w 5962785"/>
-              <a:gd name="connsiteY32" fmla="*/ 3572743 h 6858000"/>
-              <a:gd name="connsiteX33" fmla="*/ 290458 w 5962785"/>
-              <a:gd name="connsiteY33" fmla="*/ 3424959 h 6858000"/>
-              <a:gd name="connsiteX34" fmla="*/ 339884 w 5962785"/>
-              <a:gd name="connsiteY34" fmla="*/ 3259153 h 6858000"/>
-              <a:gd name="connsiteX35" fmla="*/ 697501 w 5962785"/>
-              <a:gd name="connsiteY35" fmla="*/ 3360078 h 6858000"/>
-              <a:gd name="connsiteX36" fmla="*/ 165437 w 5962785"/>
-              <a:gd name="connsiteY36" fmla="*/ 2967190 h 6858000"/>
-              <a:gd name="connsiteX37" fmla="*/ 255568 w 5962785"/>
-              <a:gd name="connsiteY37" fmla="*/ 2949167 h 6858000"/>
-              <a:gd name="connsiteX38" fmla="*/ 578296 w 5962785"/>
-              <a:gd name="connsiteY38" fmla="*/ 2725691 h 6858000"/>
-              <a:gd name="connsiteX39" fmla="*/ 595740 w 5962785"/>
-              <a:gd name="connsiteY39" fmla="*/ 2714876 h 6858000"/>
-              <a:gd name="connsiteX40" fmla="*/ 650982 w 5962785"/>
-              <a:gd name="connsiteY40" fmla="*/ 2574301 h 6858000"/>
-              <a:gd name="connsiteX41" fmla="*/ 825429 w 5962785"/>
-              <a:gd name="connsiteY41" fmla="*/ 2552674 h 6858000"/>
-              <a:gd name="connsiteX42" fmla="*/ 970802 w 5962785"/>
-              <a:gd name="connsiteY42" fmla="*/ 2585115 h 6858000"/>
-              <a:gd name="connsiteX43" fmla="*/ 1127805 w 5962785"/>
-              <a:gd name="connsiteY43" fmla="*/ 2545465 h 6858000"/>
-              <a:gd name="connsiteX44" fmla="*/ 1267362 w 5962785"/>
-              <a:gd name="connsiteY44" fmla="*/ 2563488 h 6858000"/>
-              <a:gd name="connsiteX45" fmla="*/ 1386568 w 5962785"/>
-              <a:gd name="connsiteY45" fmla="*/ 2538257 h 6858000"/>
-              <a:gd name="connsiteX46" fmla="*/ 1270270 w 5962785"/>
-              <a:gd name="connsiteY46" fmla="*/ 2419309 h 6858000"/>
-              <a:gd name="connsiteX47" fmla="*/ 1107453 w 5962785"/>
-              <a:gd name="connsiteY47" fmla="*/ 2419309 h 6858000"/>
-              <a:gd name="connsiteX48" fmla="*/ 991154 w 5962785"/>
-              <a:gd name="connsiteY48" fmla="*/ 2343615 h 6858000"/>
-              <a:gd name="connsiteX49" fmla="*/ 880671 w 5962785"/>
-              <a:gd name="connsiteY49" fmla="*/ 2206645 h 6858000"/>
-              <a:gd name="connsiteX50" fmla="*/ 491072 w 5962785"/>
-              <a:gd name="connsiteY50" fmla="*/ 1986771 h 6858000"/>
-              <a:gd name="connsiteX51" fmla="*/ 421293 w 5962785"/>
-              <a:gd name="connsiteY51" fmla="*/ 1903868 h 6858000"/>
-              <a:gd name="connsiteX52" fmla="*/ 1531941 w 5962785"/>
-              <a:gd name="connsiteY52" fmla="*/ 2224667 h 6858000"/>
-              <a:gd name="connsiteX53" fmla="*/ 1188861 w 5962785"/>
-              <a:gd name="connsiteY53" fmla="*/ 2091301 h 6858000"/>
-              <a:gd name="connsiteX54" fmla="*/ 1421458 w 5962785"/>
-              <a:gd name="connsiteY54" fmla="*/ 2116532 h 6858000"/>
-              <a:gd name="connsiteX55" fmla="*/ 1549386 w 5962785"/>
-              <a:gd name="connsiteY55" fmla="*/ 2026420 h 6858000"/>
-              <a:gd name="connsiteX56" fmla="*/ 1549386 w 5962785"/>
-              <a:gd name="connsiteY56" fmla="*/ 1997584 h 6858000"/>
-              <a:gd name="connsiteX57" fmla="*/ 1453440 w 5962785"/>
-              <a:gd name="connsiteY57" fmla="*/ 1914682 h 6858000"/>
-              <a:gd name="connsiteX58" fmla="*/ 1398198 w 5962785"/>
-              <a:gd name="connsiteY58" fmla="*/ 1860614 h 6858000"/>
-              <a:gd name="connsiteX59" fmla="*/ 1247011 w 5962785"/>
-              <a:gd name="connsiteY59" fmla="*/ 1665972 h 6858000"/>
-              <a:gd name="connsiteX60" fmla="*/ 1354586 w 5962785"/>
-              <a:gd name="connsiteY60" fmla="*/ 1644345 h 6858000"/>
-              <a:gd name="connsiteX61" fmla="*/ 1395290 w 5962785"/>
-              <a:gd name="connsiteY61" fmla="*/ 1604696 h 6858000"/>
-              <a:gd name="connsiteX62" fmla="*/ 1366216 w 5962785"/>
-              <a:gd name="connsiteY62" fmla="*/ 1547025 h 6858000"/>
-              <a:gd name="connsiteX63" fmla="*/ 1031858 w 5962785"/>
-              <a:gd name="connsiteY63" fmla="*/ 1370405 h 6858000"/>
-              <a:gd name="connsiteX64" fmla="*/ 1005692 w 5962785"/>
-              <a:gd name="connsiteY64" fmla="*/ 1233435 h 6858000"/>
-              <a:gd name="connsiteX65" fmla="*/ 1069655 w 5962785"/>
-              <a:gd name="connsiteY65" fmla="*/ 1211808 h 6858000"/>
-              <a:gd name="connsiteX66" fmla="*/ 1142342 w 5962785"/>
-              <a:gd name="connsiteY66" fmla="*/ 1222621 h 6858000"/>
-              <a:gd name="connsiteX67" fmla="*/ 1084193 w 5962785"/>
-              <a:gd name="connsiteY67" fmla="*/ 1114487 h 6858000"/>
-              <a:gd name="connsiteX68" fmla="*/ 848689 w 5962785"/>
-              <a:gd name="connsiteY68" fmla="*/ 1006353 h 6858000"/>
-              <a:gd name="connsiteX69" fmla="*/ 805077 w 5962785"/>
-              <a:gd name="connsiteY69" fmla="*/ 948681 h 6858000"/>
-              <a:gd name="connsiteX70" fmla="*/ 863226 w 5962785"/>
-              <a:gd name="connsiteY70" fmla="*/ 919844 h 6858000"/>
-              <a:gd name="connsiteX71" fmla="*/ 906838 w 5962785"/>
-              <a:gd name="connsiteY71" fmla="*/ 909031 h 6858000"/>
-              <a:gd name="connsiteX72" fmla="*/ 5527 w 5962785"/>
-              <a:gd name="connsiteY72" fmla="*/ 458471 h 6858000"/>
-              <a:gd name="connsiteX73" fmla="*/ 209049 w 5962785"/>
-              <a:gd name="connsiteY73" fmla="*/ 454867 h 6858000"/>
-              <a:gd name="connsiteX74" fmla="*/ 409664 w 5962785"/>
-              <a:gd name="connsiteY74" fmla="*/ 526956 h 6858000"/>
-              <a:gd name="connsiteX75" fmla="*/ 621908 w 5962785"/>
-              <a:gd name="connsiteY75" fmla="*/ 516143 h 6858000"/>
-              <a:gd name="connsiteX76" fmla="*/ 822522 w 5962785"/>
-              <a:gd name="connsiteY76" fmla="*/ 552188 h 6858000"/>
-              <a:gd name="connsiteX77" fmla="*/ 996969 w 5962785"/>
-              <a:gd name="connsiteY77" fmla="*/ 552188 h 6858000"/>
-              <a:gd name="connsiteX78" fmla="*/ 834151 w 5962785"/>
-              <a:gd name="connsiteY78" fmla="*/ 498120 h 6858000"/>
-              <a:gd name="connsiteX79" fmla="*/ 773095 w 5962785"/>
-              <a:gd name="connsiteY79" fmla="*/ 408008 h 6858000"/>
-              <a:gd name="connsiteX80" fmla="*/ 793447 w 5962785"/>
-              <a:gd name="connsiteY80" fmla="*/ 325106 h 6858000"/>
-              <a:gd name="connsiteX81" fmla="*/ 860319 w 5962785"/>
-              <a:gd name="connsiteY81" fmla="*/ 350336 h 6858000"/>
-              <a:gd name="connsiteX82" fmla="*/ 938820 w 5962785"/>
-              <a:gd name="connsiteY82" fmla="*/ 444054 h 6858000"/>
-              <a:gd name="connsiteX83" fmla="*/ 956265 w 5962785"/>
-              <a:gd name="connsiteY83" fmla="*/ 386381 h 6858000"/>
-              <a:gd name="connsiteX84" fmla="*/ 1002784 w 5962785"/>
-              <a:gd name="connsiteY84" fmla="*/ 343127 h 6858000"/>
-              <a:gd name="connsiteX85" fmla="*/ 1270270 w 5962785"/>
-              <a:gd name="connsiteY85" fmla="*/ 364755 h 6858000"/>
-              <a:gd name="connsiteX86" fmla="*/ 1092915 w 5962785"/>
-              <a:gd name="connsiteY86" fmla="*/ 180926 h 6858000"/>
-              <a:gd name="connsiteX87" fmla="*/ 979525 w 5962785"/>
-              <a:gd name="connsiteY87" fmla="*/ 152090 h 6858000"/>
-              <a:gd name="connsiteX88" fmla="*/ 953358 w 5962785"/>
-              <a:gd name="connsiteY88" fmla="*/ 76396 h 6858000"/>
-              <a:gd name="connsiteX89" fmla="*/ 1005692 w 5962785"/>
-              <a:gd name="connsiteY89" fmla="*/ 58373 h 6858000"/>
-              <a:gd name="connsiteX90" fmla="*/ 1267362 w 5962785"/>
-              <a:gd name="connsiteY90" fmla="*/ 123254 h 6858000"/>
-              <a:gd name="connsiteX91" fmla="*/ 1310975 w 5962785"/>
-              <a:gd name="connsiteY91" fmla="*/ 98023 h 6858000"/>
-              <a:gd name="connsiteX92" fmla="*/ 1159787 w 5962785"/>
-              <a:gd name="connsiteY92" fmla="*/ 43505 h 6858000"/>
-            </a:gdLst>
-            <a:ahLst/>
-            <a:cxnLst>
-              <a:cxn ang="0">
-                <a:pos x="connsiteX0" y="connsiteY0"/>
-              </a:cxn>
-              <a:cxn ang="0">
-                <a:pos x="connsiteX1" y="connsiteY1"/>
-              </a:cxn>
-              <a:cxn ang="0">
-                <a:pos x="connsiteX2" y="connsiteY2"/>
-              </a:cxn>
-              <a:cxn ang="0">
-                <a:pos x="connsiteX3" y="connsiteY3"/>
-              </a:cxn>
-              <a:cxn ang="0">
-                <a:pos x="connsiteX4" y="connsiteY4"/>
-              </a:cxn>
-              <a:cxn ang="0">
-                <a:pos x="connsiteX5" y="connsiteY5"/>
-              </a:cxn>
-              <a:cxn ang="0">
-                <a:pos x="connsiteX6" y="connsiteY6"/>
-              </a:cxn>
-              <a:cxn ang="0">
-                <a:pos x="connsiteX7" y="connsiteY7"/>
-              </a:cxn>
-              <a:cxn ang="0">
-                <a:pos x="connsiteX8" y="connsiteY8"/>
-              </a:cxn>
-              <a:cxn ang="0">
-                <a:pos x="connsiteX9" y="connsiteY9"/>
-              </a:cxn>
-              <a:cxn ang="0">
-                <a:pos x="connsiteX10" y="connsiteY10"/>
-              </a:cxn>
-              <a:cxn ang="0">
-                <a:pos x="connsiteX11" y="connsiteY11"/>
-              </a:cxn>
-              <a:cxn ang="0">
-                <a:pos x="connsiteX12" y="connsiteY12"/>
-              </a:cxn>
-              <a:cxn ang="0">
-                <a:pos x="connsiteX13" y="connsiteY13"/>
-              </a:cxn>
-              <a:cxn ang="0">
-                <a:pos x="connsiteX14" y="connsiteY14"/>
-              </a:cxn>
-              <a:cxn ang="0">
-                <a:pos x="connsiteX15" y="connsiteY15"/>
-              </a:cxn>
-              <a:cxn ang="0">
-                <a:pos x="connsiteX16" y="connsiteY16"/>
-              </a:cxn>
-              <a:cxn ang="0">
-                <a:pos x="connsiteX17" y="connsiteY17"/>
-              </a:cxn>
-              <a:cxn ang="0">
-                <a:pos x="connsiteX18" y="connsiteY18"/>
-              </a:cxn>
-              <a:cxn ang="0">
-                <a:pos x="connsiteX19" y="connsiteY19"/>
-              </a:cxn>
-              <a:cxn ang="0">
-                <a:pos x="connsiteX20" y="connsiteY20"/>
-              </a:cxn>
-              <a:cxn ang="0">
-                <a:pos x="connsiteX21" y="connsiteY21"/>
-              </a:cxn>
-              <a:cxn ang="0">
-                <a:pos x="connsiteX22" y="connsiteY22"/>
-              </a:cxn>
-              <a:cxn ang="0">
-                <a:pos x="connsiteX23" y="connsiteY23"/>
-              </a:cxn>
-              <a:cxn ang="0">
-                <a:pos x="connsiteX24" y="connsiteY24"/>
-              </a:cxn>
-              <a:cxn ang="0">
-                <a:pos x="connsiteX25" y="connsiteY25"/>
-              </a:cxn>
-              <a:cxn ang="0">
-                <a:pos x="connsiteX26" y="connsiteY26"/>
-              </a:cxn>
-              <a:cxn ang="0">
-                <a:pos x="connsiteX27" y="connsiteY27"/>
-              </a:cxn>
-              <a:cxn ang="0">
-                <a:pos x="connsiteX28" y="connsiteY28"/>
-              </a:cxn>
-              <a:cxn ang="0">
-                <a:pos x="connsiteX29" y="connsiteY29"/>
-              </a:cxn>
-              <a:cxn ang="0">
-                <a:pos x="connsiteX30" y="connsiteY30"/>
-              </a:cxn>
-              <a:cxn ang="0">
-                <a:pos x="connsiteX31" y="connsiteY31"/>
-              </a:cxn>
-              <a:cxn ang="0">
-                <a:pos x="connsiteX32" y="connsiteY32"/>
-              </a:cxn>
-              <a:cxn ang="0">
-                <a:pos x="connsiteX33" y="connsiteY33"/>
-              </a:cxn>
-              <a:cxn ang="0">
-                <a:pos x="connsiteX34" y="connsiteY34"/>
-              </a:cxn>
-              <a:cxn ang="0">
-                <a:pos x="connsiteX35" y="connsiteY35"/>
-              </a:cxn>
-              <a:cxn ang="0">
-                <a:pos x="connsiteX36" y="connsiteY36"/>
-              </a:cxn>
-              <a:cxn ang="0">
-                <a:pos x="connsiteX37" y="connsiteY37"/>
-              </a:cxn>
-              <a:cxn ang="0">
-                <a:pos x="connsiteX38" y="connsiteY38"/>
-              </a:cxn>
-              <a:cxn ang="0">
-                <a:pos x="connsiteX39" y="connsiteY39"/>
-              </a:cxn>
-              <a:cxn ang="0">
-                <a:pos x="connsiteX40" y="connsiteY40"/>
-              </a:cxn>
-              <a:cxn ang="0">
-                <a:pos x="connsiteX41" y="connsiteY41"/>
-              </a:cxn>
-              <a:cxn ang="0">
-                <a:pos x="connsiteX42" y="connsiteY42"/>
-              </a:cxn>
-              <a:cxn ang="0">
-                <a:pos x="connsiteX43" y="connsiteY43"/>
-              </a:cxn>
-              <a:cxn ang="0">
-                <a:pos x="connsiteX44" y="connsiteY44"/>
-              </a:cxn>
-              <a:cxn ang="0">
-                <a:pos x="connsiteX45" y="connsiteY45"/>
-              </a:cxn>
-              <a:cxn ang="0">
-                <a:pos x="connsiteX46" y="connsiteY46"/>
-              </a:cxn>
-              <a:cxn ang="0">
-                <a:pos x="connsiteX47" y="connsiteY47"/>
-              </a:cxn>
-              <a:cxn ang="0">
-                <a:pos x="connsiteX48" y="connsiteY48"/>
-              </a:cxn>
-              <a:cxn ang="0">
-                <a:pos x="connsiteX49" y="connsiteY49"/>
-              </a:cxn>
-              <a:cxn ang="0">
-                <a:pos x="connsiteX50" y="connsiteY50"/>
-              </a:cxn>
-              <a:cxn ang="0">
-                <a:pos x="connsiteX51" y="connsiteY51"/>
-              </a:cxn>
-              <a:cxn ang="0">
-                <a:pos x="connsiteX52" y="connsiteY52"/>
-              </a:cxn>
-              <a:cxn ang="0">
-                <a:pos x="connsiteX53" y="connsiteY53"/>
-              </a:cxn>
-              <a:cxn ang="0">
-                <a:pos x="connsiteX54" y="connsiteY54"/>
-              </a:cxn>
-              <a:cxn ang="0">
-                <a:pos x="connsiteX55" y="connsiteY55"/>
-              </a:cxn>
-              <a:cxn ang="0">
-                <a:pos x="connsiteX56" y="connsiteY56"/>
-              </a:cxn>
-              <a:cxn ang="0">
-                <a:pos x="connsiteX57" y="connsiteY57"/>
-              </a:cxn>
-              <a:cxn ang="0">
-                <a:pos x="connsiteX58" y="connsiteY58"/>
-              </a:cxn>
-              <a:cxn ang="0">
-                <a:pos x="connsiteX59" y="connsiteY59"/>
-              </a:cxn>
-              <a:cxn ang="0">
-                <a:pos x="connsiteX60" y="connsiteY60"/>
-              </a:cxn>
-              <a:cxn ang="0">
-                <a:pos x="connsiteX61" y="connsiteY61"/>
-              </a:cxn>
-              <a:cxn ang="0">
-                <a:pos x="connsiteX62" y="connsiteY62"/>
-              </a:cxn>
-              <a:cxn ang="0">
-                <a:pos x="connsiteX63" y="connsiteY63"/>
-              </a:cxn>
-              <a:cxn ang="0">
-                <a:pos x="connsiteX64" y="connsiteY64"/>
-              </a:cxn>
-              <a:cxn ang="0">
-                <a:pos x="connsiteX65" y="connsiteY65"/>
-              </a:cxn>
-              <a:cxn ang="0">
-                <a:pos x="connsiteX66" y="connsiteY66"/>
-              </a:cxn>
-              <a:cxn ang="0">
-                <a:pos x="connsiteX67" y="connsiteY67"/>
-              </a:cxn>
-              <a:cxn ang="0">
-                <a:pos x="connsiteX68" y="connsiteY68"/>
-              </a:cxn>
-              <a:cxn ang="0">
-                <a:pos x="connsiteX69" y="connsiteY69"/>
-              </a:cxn>
-              <a:cxn ang="0">
-                <a:pos x="connsiteX70" y="connsiteY70"/>
-              </a:cxn>
-              <a:cxn ang="0">
-                <a:pos x="connsiteX71" y="connsiteY71"/>
-              </a:cxn>
-              <a:cxn ang="0">
-                <a:pos x="connsiteX72" y="connsiteY72"/>
-              </a:cxn>
-              <a:cxn ang="0">
-                <a:pos x="connsiteX73" y="connsiteY73"/>
-              </a:cxn>
-              <a:cxn ang="0">
-                <a:pos x="connsiteX74" y="connsiteY74"/>
-              </a:cxn>
-              <a:cxn ang="0">
-                <a:pos x="connsiteX75" y="connsiteY75"/>
-              </a:cxn>
-              <a:cxn ang="0">
-                <a:pos x="connsiteX76" y="connsiteY76"/>
-              </a:cxn>
-              <a:cxn ang="0">
-                <a:pos x="connsiteX77" y="connsiteY77"/>
-              </a:cxn>
-              <a:cxn ang="0">
-                <a:pos x="connsiteX78" y="connsiteY78"/>
-              </a:cxn>
-              <a:cxn ang="0">
-                <a:pos x="connsiteX79" y="connsiteY79"/>
-              </a:cxn>
-              <a:cxn ang="0">
-                <a:pos x="connsiteX80" y="connsiteY80"/>
-              </a:cxn>
-              <a:cxn ang="0">
-                <a:pos x="connsiteX81" y="connsiteY81"/>
-              </a:cxn>
-              <a:cxn ang="0">
-                <a:pos x="connsiteX82" y="connsiteY82"/>
-              </a:cxn>
-              <a:cxn ang="0">
-                <a:pos x="connsiteX83" y="connsiteY83"/>
-              </a:cxn>
-              <a:cxn ang="0">
-                <a:pos x="connsiteX84" y="connsiteY84"/>
-              </a:cxn>
-              <a:cxn ang="0">
-                <a:pos x="connsiteX85" y="connsiteY85"/>
-              </a:cxn>
-              <a:cxn ang="0">
-                <a:pos x="connsiteX86" y="connsiteY86"/>
-              </a:cxn>
-              <a:cxn ang="0">
-                <a:pos x="connsiteX87" y="connsiteY87"/>
-              </a:cxn>
-              <a:cxn ang="0">
-                <a:pos x="connsiteX88" y="connsiteY88"/>
-              </a:cxn>
-              <a:cxn ang="0">
-                <a:pos x="connsiteX89" y="connsiteY89"/>
-              </a:cxn>
-              <a:cxn ang="0">
-                <a:pos x="connsiteX90" y="connsiteY90"/>
-              </a:cxn>
-              <a:cxn ang="0">
-                <a:pos x="connsiteX91" y="connsiteY91"/>
-              </a:cxn>
-              <a:cxn ang="0">
-                <a:pos x="connsiteX92" y="connsiteY92"/>
-              </a:cxn>
-            </a:cxnLst>
-            <a:rect l="l" t="t" r="r" b="b"/>
-            <a:pathLst>
-              <a:path w="5962785" h="6858000">
-                <a:moveTo>
-                  <a:pt x="1044839" y="0"/>
-                </a:moveTo>
-                <a:lnTo>
-                  <a:pt x="5962785" y="0"/>
-                </a:lnTo>
-                <a:lnTo>
-                  <a:pt x="5962785" y="6858000"/>
-                </a:lnTo>
-                <a:lnTo>
-                  <a:pt x="1469886" y="6858000"/>
-                </a:lnTo>
-                <a:lnTo>
-                  <a:pt x="1416006" y="6823984"/>
-                </a:lnTo>
-                <a:cubicBezTo>
-                  <a:pt x="1356767" y="6787940"/>
-                  <a:pt x="1296437" y="6755500"/>
-                  <a:pt x="1232473" y="6733873"/>
-                </a:cubicBezTo>
-                <a:cubicBezTo>
-                  <a:pt x="1145250" y="6705037"/>
-                  <a:pt x="1060933" y="6654575"/>
-                  <a:pt x="1075471" y="6503186"/>
-                </a:cubicBezTo>
-                <a:cubicBezTo>
-                  <a:pt x="1078378" y="6459932"/>
-                  <a:pt x="1055118" y="6427493"/>
-                  <a:pt x="1020229" y="6438306"/>
-                </a:cubicBezTo>
-                <a:cubicBezTo>
-                  <a:pt x="953358" y="6459932"/>
-                  <a:pt x="921375" y="6398656"/>
-                  <a:pt x="883579" y="6351798"/>
-                </a:cubicBezTo>
-                <a:cubicBezTo>
-                  <a:pt x="816707" y="6268895"/>
-                  <a:pt x="752743" y="6182387"/>
-                  <a:pt x="645167" y="6167969"/>
-                </a:cubicBezTo>
-                <a:cubicBezTo>
-                  <a:pt x="665519" y="6103088"/>
-                  <a:pt x="700408" y="6110298"/>
-                  <a:pt x="732391" y="6124716"/>
-                </a:cubicBezTo>
-                <a:cubicBezTo>
-                  <a:pt x="816707" y="6160761"/>
-                  <a:pt x="901023" y="6200410"/>
-                  <a:pt x="985339" y="6236455"/>
-                </a:cubicBezTo>
-                <a:cubicBezTo>
-                  <a:pt x="1040581" y="6258081"/>
-                  <a:pt x="1095822" y="6290522"/>
-                  <a:pt x="1168509" y="6265291"/>
-                </a:cubicBezTo>
-                <a:cubicBezTo>
-                  <a:pt x="1104545" y="6135530"/>
-                  <a:pt x="996969" y="6110298"/>
-                  <a:pt x="909746" y="6070649"/>
-                </a:cubicBezTo>
-                <a:cubicBezTo>
-                  <a:pt x="802169" y="6020185"/>
-                  <a:pt x="738206" y="5926470"/>
-                  <a:pt x="659704" y="5818335"/>
-                </a:cubicBezTo>
-                <a:cubicBezTo>
-                  <a:pt x="738206" y="5789500"/>
-                  <a:pt x="787632" y="5868798"/>
-                  <a:pt x="851597" y="5865193"/>
-                </a:cubicBezTo>
-                <a:cubicBezTo>
-                  <a:pt x="854504" y="5854380"/>
-                  <a:pt x="860319" y="5832753"/>
-                  <a:pt x="860319" y="5832753"/>
-                </a:cubicBezTo>
-                <a:cubicBezTo>
-                  <a:pt x="755650" y="5775081"/>
-                  <a:pt x="709132" y="5666947"/>
-                  <a:pt x="691686" y="5533581"/>
-                </a:cubicBezTo>
-                <a:cubicBezTo>
-                  <a:pt x="685872" y="5465095"/>
-                  <a:pt x="648075" y="5443468"/>
-                  <a:pt x="610278" y="5411029"/>
-                </a:cubicBezTo>
-                <a:cubicBezTo>
-                  <a:pt x="482350" y="5299289"/>
-                  <a:pt x="345700" y="5198364"/>
-                  <a:pt x="238123" y="5046976"/>
-                </a:cubicBezTo>
-                <a:cubicBezTo>
-                  <a:pt x="363144" y="5064998"/>
-                  <a:pt x="461997" y="5165924"/>
-                  <a:pt x="592833" y="5209177"/>
-                </a:cubicBezTo>
-                <a:cubicBezTo>
-                  <a:pt x="488165" y="5043371"/>
-                  <a:pt x="351514" y="4956864"/>
-                  <a:pt x="226494" y="4855939"/>
-                </a:cubicBezTo>
-                <a:cubicBezTo>
-                  <a:pt x="168344" y="4809081"/>
-                  <a:pt x="116011" y="4751408"/>
-                  <a:pt x="49139" y="4726177"/>
-                </a:cubicBezTo>
-                <a:cubicBezTo>
-                  <a:pt x="25879" y="4718968"/>
-                  <a:pt x="-14825" y="4700947"/>
-                  <a:pt x="5527" y="4650483"/>
-                </a:cubicBezTo>
-                <a:cubicBezTo>
-                  <a:pt x="22972" y="4607230"/>
-                  <a:pt x="54954" y="4621648"/>
-                  <a:pt x="84029" y="4632460"/>
-                </a:cubicBezTo>
-                <a:cubicBezTo>
-                  <a:pt x="153807" y="4661296"/>
-                  <a:pt x="229401" y="4661296"/>
-                  <a:pt x="325347" y="4661296"/>
-                </a:cubicBezTo>
-                <a:cubicBezTo>
-                  <a:pt x="243939" y="4524326"/>
-                  <a:pt x="95658" y="4567580"/>
-                  <a:pt x="25879" y="4423401"/>
-                </a:cubicBezTo>
-                <a:cubicBezTo>
-                  <a:pt x="113103" y="4398170"/>
-                  <a:pt x="179975" y="4448632"/>
-                  <a:pt x="249753" y="4459446"/>
-                </a:cubicBezTo>
-                <a:cubicBezTo>
-                  <a:pt x="313718" y="4470259"/>
-                  <a:pt x="328254" y="4445028"/>
-                  <a:pt x="313718" y="4365729"/>
-                </a:cubicBezTo>
-                <a:cubicBezTo>
-                  <a:pt x="290458" y="4243177"/>
-                  <a:pt x="325347" y="4181900"/>
-                  <a:pt x="418386" y="4214341"/>
-                </a:cubicBezTo>
-                <a:cubicBezTo>
-                  <a:pt x="505609" y="4246781"/>
-                  <a:pt x="514332" y="4199922"/>
-                  <a:pt x="491072" y="4131438"/>
-                </a:cubicBezTo>
-                <a:cubicBezTo>
-                  <a:pt x="456183" y="4030512"/>
-                  <a:pt x="493979" y="3951214"/>
-                  <a:pt x="520147" y="3864706"/>
-                </a:cubicBezTo>
-                <a:cubicBezTo>
-                  <a:pt x="560851" y="3734945"/>
-                  <a:pt x="543407" y="3670064"/>
-                  <a:pt x="459090" y="3572743"/>
-                </a:cubicBezTo>
-                <a:cubicBezTo>
-                  <a:pt x="409664" y="3518676"/>
-                  <a:pt x="360236" y="3471818"/>
-                  <a:pt x="290458" y="3424959"/>
-                </a:cubicBezTo>
-                <a:cubicBezTo>
-                  <a:pt x="450368" y="3399728"/>
-                  <a:pt x="284643" y="3313221"/>
-                  <a:pt x="339884" y="3259153"/>
-                </a:cubicBezTo>
-                <a:cubicBezTo>
-                  <a:pt x="453275" y="3237527"/>
-                  <a:pt x="543407" y="3410542"/>
-                  <a:pt x="697501" y="3360078"/>
-                </a:cubicBezTo>
-                <a:cubicBezTo>
-                  <a:pt x="511425" y="3212294"/>
-                  <a:pt x="302087" y="3165436"/>
-                  <a:pt x="165437" y="2967190"/>
-                </a:cubicBezTo>
-                <a:cubicBezTo>
-                  <a:pt x="197419" y="2923937"/>
-                  <a:pt x="229401" y="2967190"/>
-                  <a:pt x="255568" y="2949167"/>
-                </a:cubicBezTo>
-                <a:cubicBezTo>
-                  <a:pt x="255568" y="2938354"/>
-                  <a:pt x="560851" y="3006840"/>
-                  <a:pt x="578296" y="2725691"/>
-                </a:cubicBezTo>
-                <a:cubicBezTo>
-                  <a:pt x="584111" y="2725691"/>
-                  <a:pt x="589926" y="2725691"/>
-                  <a:pt x="595740" y="2714876"/>
-                </a:cubicBezTo>
-                <a:cubicBezTo>
-                  <a:pt x="627722" y="2675228"/>
-                  <a:pt x="598648" y="2581510"/>
-                  <a:pt x="650982" y="2574301"/>
-                </a:cubicBezTo>
-                <a:cubicBezTo>
-                  <a:pt x="709132" y="2567092"/>
-                  <a:pt x="764373" y="2534653"/>
-                  <a:pt x="825429" y="2552674"/>
-                </a:cubicBezTo>
-                <a:cubicBezTo>
-                  <a:pt x="871949" y="2567092"/>
-                  <a:pt x="921375" y="2585115"/>
-                  <a:pt x="970802" y="2585115"/>
-                </a:cubicBezTo>
-                <a:cubicBezTo>
-                  <a:pt x="1023136" y="2585115"/>
-                  <a:pt x="1095822" y="2707668"/>
-                  <a:pt x="1127805" y="2545465"/>
-                </a:cubicBezTo>
-                <a:cubicBezTo>
-                  <a:pt x="1127805" y="2538257"/>
-                  <a:pt x="1217936" y="2556280"/>
-                  <a:pt x="1267362" y="2563488"/>
-                </a:cubicBezTo>
-                <a:cubicBezTo>
-                  <a:pt x="1308067" y="2570698"/>
-                  <a:pt x="1357494" y="2603137"/>
-                  <a:pt x="1386568" y="2538257"/>
-                </a:cubicBezTo>
-                <a:cubicBezTo>
-                  <a:pt x="1401105" y="2498607"/>
-                  <a:pt x="1331326" y="2426518"/>
-                  <a:pt x="1270270" y="2419309"/>
-                </a:cubicBezTo>
-                <a:cubicBezTo>
-                  <a:pt x="1215029" y="2412101"/>
-                  <a:pt x="1159787" y="2404892"/>
-                  <a:pt x="1107453" y="2419309"/>
-                </a:cubicBezTo>
-                <a:cubicBezTo>
-                  <a:pt x="1043489" y="2437331"/>
-                  <a:pt x="1008599" y="2408495"/>
-                  <a:pt x="991154" y="2343615"/>
-                </a:cubicBezTo>
-                <a:cubicBezTo>
-                  <a:pt x="970802" y="2275131"/>
-                  <a:pt x="933005" y="2239085"/>
-                  <a:pt x="880671" y="2206645"/>
-                </a:cubicBezTo>
-                <a:cubicBezTo>
-                  <a:pt x="752743" y="2127346"/>
-                  <a:pt x="630630" y="2033629"/>
-                  <a:pt x="491072" y="1986771"/>
-                </a:cubicBezTo>
-                <a:cubicBezTo>
-                  <a:pt x="464905" y="1979562"/>
-                  <a:pt x="432923" y="1965145"/>
-                  <a:pt x="421293" y="1903868"/>
-                </a:cubicBezTo>
-                <a:cubicBezTo>
-                  <a:pt x="799262" y="1997584"/>
-                  <a:pt x="1142342" y="2239085"/>
-                  <a:pt x="1531941" y="2224667"/>
-                </a:cubicBezTo>
-                <a:cubicBezTo>
-                  <a:pt x="1427272" y="2148974"/>
-                  <a:pt x="1302252" y="2145369"/>
-                  <a:pt x="1188861" y="2091301"/>
-                </a:cubicBezTo>
-                <a:cubicBezTo>
-                  <a:pt x="1270270" y="2051652"/>
-                  <a:pt x="1345864" y="2094906"/>
-                  <a:pt x="1421458" y="2116532"/>
-                </a:cubicBezTo>
-                <a:cubicBezTo>
-                  <a:pt x="1485422" y="2134554"/>
-                  <a:pt x="1543571" y="2138160"/>
-                  <a:pt x="1549386" y="2026420"/>
-                </a:cubicBezTo>
-                <a:cubicBezTo>
-                  <a:pt x="1549386" y="2015607"/>
-                  <a:pt x="1549386" y="2008398"/>
-                  <a:pt x="1549386" y="1997584"/>
-                </a:cubicBezTo>
-                <a:cubicBezTo>
-                  <a:pt x="1526126" y="1950727"/>
-                  <a:pt x="1494144" y="1929099"/>
-                  <a:pt x="1453440" y="1914682"/>
-                </a:cubicBezTo>
-                <a:cubicBezTo>
-                  <a:pt x="1430180" y="1907473"/>
-                  <a:pt x="1398198" y="1893056"/>
-                  <a:pt x="1398198" y="1860614"/>
-                </a:cubicBezTo>
-                <a:cubicBezTo>
-                  <a:pt x="1401105" y="1738063"/>
-                  <a:pt x="1322604" y="1702018"/>
-                  <a:pt x="1247011" y="1665972"/>
-                </a:cubicBezTo>
-                <a:cubicBezTo>
-                  <a:pt x="1287715" y="1604696"/>
-                  <a:pt x="1322604" y="1647950"/>
-                  <a:pt x="1354586" y="1644345"/>
-                </a:cubicBezTo>
-                <a:cubicBezTo>
-                  <a:pt x="1374939" y="1640741"/>
-                  <a:pt x="1395290" y="1637138"/>
-                  <a:pt x="1395290" y="1604696"/>
-                </a:cubicBezTo>
-                <a:cubicBezTo>
-                  <a:pt x="1395290" y="1579465"/>
-                  <a:pt x="1386568" y="1547025"/>
-                  <a:pt x="1366216" y="1547025"/>
-                </a:cubicBezTo>
-                <a:cubicBezTo>
-                  <a:pt x="1238288" y="1543420"/>
-                  <a:pt x="1165601" y="1370405"/>
-                  <a:pt x="1031858" y="1370405"/>
-                </a:cubicBezTo>
-                <a:cubicBezTo>
-                  <a:pt x="950450" y="1370405"/>
-                  <a:pt x="1072563" y="1273083"/>
-                  <a:pt x="1005692" y="1233435"/>
-                </a:cubicBezTo>
-                <a:cubicBezTo>
-                  <a:pt x="991154" y="1222621"/>
-                  <a:pt x="1046396" y="1208203"/>
-                  <a:pt x="1069655" y="1211808"/>
-                </a:cubicBezTo>
-                <a:cubicBezTo>
-                  <a:pt x="1092915" y="1215412"/>
-                  <a:pt x="1113268" y="1240644"/>
-                  <a:pt x="1142342" y="1222621"/>
-                </a:cubicBezTo>
-                <a:cubicBezTo>
-                  <a:pt x="1156879" y="1157741"/>
-                  <a:pt x="1119082" y="1132510"/>
-                  <a:pt x="1084193" y="1114487"/>
-                </a:cubicBezTo>
-                <a:cubicBezTo>
-                  <a:pt x="1008599" y="1071234"/>
-                  <a:pt x="933005" y="1020771"/>
-                  <a:pt x="848689" y="1006353"/>
-                </a:cubicBezTo>
-                <a:cubicBezTo>
-                  <a:pt x="819615" y="1002748"/>
-                  <a:pt x="802169" y="984726"/>
-                  <a:pt x="805077" y="948681"/>
-                </a:cubicBezTo>
-                <a:cubicBezTo>
-                  <a:pt x="810892" y="901822"/>
-                  <a:pt x="839967" y="916240"/>
-                  <a:pt x="863226" y="919844"/>
-                </a:cubicBezTo>
-                <a:cubicBezTo>
-                  <a:pt x="877764" y="923450"/>
-                  <a:pt x="892301" y="934263"/>
-                  <a:pt x="906838" y="909031"/>
-                </a:cubicBezTo>
-                <a:cubicBezTo>
-                  <a:pt x="566666" y="653113"/>
-                  <a:pt x="386404" y="667532"/>
-                  <a:pt x="5527" y="458471"/>
-                </a:cubicBezTo>
-                <a:cubicBezTo>
-                  <a:pt x="89843" y="418822"/>
-                  <a:pt x="150900" y="447658"/>
-                  <a:pt x="209049" y="454867"/>
-                </a:cubicBezTo>
-                <a:cubicBezTo>
-                  <a:pt x="354422" y="472890"/>
-                  <a:pt x="264290" y="505329"/>
-                  <a:pt x="409664" y="526956"/>
-                </a:cubicBezTo>
-                <a:cubicBezTo>
-                  <a:pt x="479443" y="537770"/>
-                  <a:pt x="543407" y="573815"/>
-                  <a:pt x="621908" y="516143"/>
-                </a:cubicBezTo>
-                <a:cubicBezTo>
-                  <a:pt x="674242" y="476494"/>
-                  <a:pt x="758558" y="519747"/>
-                  <a:pt x="822522" y="552188"/>
-                </a:cubicBezTo>
-                <a:cubicBezTo>
-                  <a:pt x="874856" y="581024"/>
-                  <a:pt x="927190" y="588232"/>
-                  <a:pt x="996969" y="552188"/>
-                </a:cubicBezTo>
-                <a:cubicBezTo>
-                  <a:pt x="933005" y="530562"/>
-                  <a:pt x="883579" y="512539"/>
-                  <a:pt x="834151" y="498120"/>
-                </a:cubicBezTo>
-                <a:cubicBezTo>
-                  <a:pt x="793447" y="487307"/>
-                  <a:pt x="770187" y="462076"/>
-                  <a:pt x="773095" y="408008"/>
-                </a:cubicBezTo>
-                <a:cubicBezTo>
-                  <a:pt x="773095" y="379172"/>
-                  <a:pt x="764373" y="339523"/>
-                  <a:pt x="793447" y="325106"/>
-                </a:cubicBezTo>
-                <a:cubicBezTo>
-                  <a:pt x="816707" y="310688"/>
-                  <a:pt x="848689" y="325106"/>
-                  <a:pt x="860319" y="350336"/>
-                </a:cubicBezTo>
-                <a:cubicBezTo>
-                  <a:pt x="874856" y="397195"/>
-                  <a:pt x="889393" y="440449"/>
-                  <a:pt x="938820" y="444054"/>
-                </a:cubicBezTo>
-                <a:cubicBezTo>
-                  <a:pt x="1005692" y="451262"/>
-                  <a:pt x="967894" y="422426"/>
-                  <a:pt x="956265" y="386381"/>
-                </a:cubicBezTo>
-                <a:cubicBezTo>
-                  <a:pt x="944635" y="346733"/>
-                  <a:pt x="979525" y="335919"/>
-                  <a:pt x="1002784" y="343127"/>
-                </a:cubicBezTo>
-                <a:cubicBezTo>
-                  <a:pt x="1090008" y="375569"/>
-                  <a:pt x="1180139" y="317897"/>
-                  <a:pt x="1270270" y="364755"/>
-                </a:cubicBezTo>
-                <a:cubicBezTo>
-                  <a:pt x="1247011" y="249411"/>
-                  <a:pt x="1197583" y="198949"/>
-                  <a:pt x="1092915" y="180926"/>
-                </a:cubicBezTo>
-                <a:cubicBezTo>
-                  <a:pt x="1055118" y="177322"/>
-                  <a:pt x="1014414" y="184530"/>
-                  <a:pt x="979525" y="152090"/>
-                </a:cubicBezTo>
-                <a:cubicBezTo>
-                  <a:pt x="959172" y="134068"/>
-                  <a:pt x="938820" y="112441"/>
-                  <a:pt x="953358" y="76396"/>
-                </a:cubicBezTo>
-                <a:cubicBezTo>
-                  <a:pt x="962080" y="51165"/>
-                  <a:pt x="985339" y="51165"/>
-                  <a:pt x="1005692" y="58373"/>
-                </a:cubicBezTo>
-                <a:cubicBezTo>
-                  <a:pt x="1090008" y="98023"/>
-                  <a:pt x="1180139" y="108837"/>
-                  <a:pt x="1267362" y="123254"/>
-                </a:cubicBezTo>
-                <a:cubicBezTo>
-                  <a:pt x="1281900" y="126859"/>
-                  <a:pt x="1296437" y="134068"/>
-                  <a:pt x="1310975" y="98023"/>
-                </a:cubicBezTo>
-                <a:cubicBezTo>
-                  <a:pt x="1260095" y="81803"/>
-                  <a:pt x="1209941" y="62879"/>
-                  <a:pt x="1159787" y="43505"/>
-                </a:cubicBezTo>
-                <a:close/>
-              </a:path>
-            </a:pathLst>
-          </a:custGeom>
-          <a:solidFill>
-            <a:schemeClr val="bg2">
-              <a:alpha val="50000"/>
-            </a:schemeClr>
-          </a:solidFill>
-          <a:ln w="32707" cap="flat">
-            <a:noFill/>
-            <a:prstDash val="solid"/>
-            <a:miter/>
-          </a:ln>
-        </p:spPr>
-        <p:txBody>
-          <a:bodyPr wrap="square" rtlCol="0" anchor="ctr">
-            <a:noAutofit/>
-          </a:bodyPr>
-          <a:lstStyle/>
-          <a:p>
-            <a:pPr algn="ctr"/>
-            <a:endParaRPr lang="en-US"/>
-          </a:p>
-        </p:txBody>
-      </p:sp>
-      <p:sp>
-        <p:nvSpPr>
-          <p:cNvPr id="19" name="Titre 1">
-            <a:extLst>
-              <a:ext uri="{FF2B5EF4-FFF2-40B4-BE49-F238E27FC236}">
-                <a16:creationId xmlns:a16="http://schemas.microsoft.com/office/drawing/2014/main" id="{6E4BB0B2-6F22-4054-9D36-8913D9A69CB6}"/>
-              </a:ext>
-            </a:extLst>
-          </p:cNvPr>
-          <p:cNvSpPr>
-            <a:spLocks noGrp="1"/>
-          </p:cNvSpPr>
-          <p:nvPr>
-            <p:ph type="title"/>
-            <p:custDataLst>
-              <p:tags r:id="rId3"/>
-            </p:custDataLst>
-          </p:nvPr>
-        </p:nvSpPr>
-        <p:spPr>
-          <a:xfrm>
-            <a:off x="671100" y="2072640"/>
-            <a:ext cx="4620584" cy="2061004"/>
-          </a:xfrm>
-        </p:spPr>
-        <p:txBody>
-          <a:bodyPr vert="horz" lIns="91440" tIns="45720" rIns="91440" bIns="45720" rtlCol="0" anchor="b">
-            <a:normAutofit/>
-          </a:bodyPr>
-          <a:lstStyle/>
-          <a:p>
-            <a:pPr algn="just"/>
-            <a:r>
-              <a:rPr lang="en-US" kern="1200" dirty="0" err="1">
-                <a:solidFill>
-                  <a:schemeClr val="tx1"/>
-                </a:solidFill>
-                <a:latin typeface="Times New Roman" panose="02020603050405020304" pitchFamily="18" charset="0"/>
-                <a:cs typeface="Times New Roman" panose="02020603050405020304" pitchFamily="18" charset="0"/>
-              </a:rPr>
-              <a:t>Diagramme</a:t>
-            </a:r>
-            <a:r>
-              <a:rPr lang="en-US" kern="1200" dirty="0">
-                <a:solidFill>
-                  <a:schemeClr val="tx1"/>
-                </a:solidFill>
-                <a:latin typeface="Times New Roman" panose="02020603050405020304" pitchFamily="18" charset="0"/>
-                <a:cs typeface="Times New Roman" panose="02020603050405020304" pitchFamily="18" charset="0"/>
-              </a:rPr>
-              <a:t> UML </a:t>
-            </a:r>
-            <a:r>
-              <a:rPr lang="en-US" kern="1200" dirty="0" err="1">
-                <a:solidFill>
-                  <a:schemeClr val="tx1"/>
-                </a:solidFill>
-                <a:latin typeface="Times New Roman" panose="02020603050405020304" pitchFamily="18" charset="0"/>
-                <a:cs typeface="Times New Roman" panose="02020603050405020304" pitchFamily="18" charset="0"/>
-              </a:rPr>
-              <a:t>d’activité</a:t>
-            </a:r>
-            <a:endParaRPr lang="en-US" kern="1200" dirty="0">
-              <a:solidFill>
-                <a:schemeClr val="tx1"/>
-              </a:solidFill>
-              <a:latin typeface="Times New Roman" panose="02020603050405020304" pitchFamily="18" charset="0"/>
-              <a:cs typeface="Times New Roman" panose="02020603050405020304" pitchFamily="18" charset="0"/>
-            </a:endParaRPr>
-          </a:p>
-        </p:txBody>
-      </p:sp>
-      <p:pic>
-        <p:nvPicPr>
-          <p:cNvPr id="6" name="Image 5" descr="Une image contenant texte, capture d’écran, reçu, diagramme&#10;&#10;Description générée automatiquement">
-            <a:extLst>
-              <a:ext uri="{FF2B5EF4-FFF2-40B4-BE49-F238E27FC236}">
-                <a16:creationId xmlns:a16="http://schemas.microsoft.com/office/drawing/2014/main" id="{27B7144C-3E5A-CB44-25D7-53E3E28B0FA4}"/>
-              </a:ext>
-            </a:extLst>
-          </p:cNvPr>
-          <p:cNvPicPr>
-            <a:picLocks noChangeAspect="1"/>
-          </p:cNvPicPr>
-          <p:nvPr>
-            <p:custDataLst>
-              <p:tags r:id="rId4"/>
-            </p:custDataLst>
-          </p:nvPr>
-        </p:nvPicPr>
-        <p:blipFill>
-          <a:blip r:embed="rId7">
-            <a:extLst>
-              <a:ext uri="{28A0092B-C50C-407E-A947-70E740481C1C}">
-                <a14:useLocalDpi xmlns:a14="http://schemas.microsoft.com/office/drawing/2010/main" val="0"/>
-              </a:ext>
-            </a:extLst>
-          </a:blip>
-          <a:stretch>
-            <a:fillRect/>
-          </a:stretch>
-        </p:blipFill>
-        <p:spPr>
-          <a:xfrm>
-            <a:off x="6960388" y="643467"/>
-            <a:ext cx="4234009" cy="5571066"/>
-          </a:xfrm>
-          <a:prstGeom prst="rect">
-            <a:avLst/>
-          </a:prstGeom>
-        </p:spPr>
-      </p:pic>
-      <p:sp>
-        <p:nvSpPr>
-          <p:cNvPr id="5" name="Espace réservé du numéro de diapositive 4">
-            <a:extLst>
-              <a:ext uri="{FF2B5EF4-FFF2-40B4-BE49-F238E27FC236}">
-                <a16:creationId xmlns:a16="http://schemas.microsoft.com/office/drawing/2014/main" id="{ACBB2F2A-A517-48B6-AD57-A1EB87CB5543}"/>
-              </a:ext>
-            </a:extLst>
-          </p:cNvPr>
-          <p:cNvSpPr>
-            <a:spLocks noGrp="1"/>
-          </p:cNvSpPr>
-          <p:nvPr>
-            <p:ph type="sldNum" sz="quarter" idx="12"/>
-            <p:custDataLst>
-              <p:tags r:id="rId5"/>
-            </p:custDataLst>
-          </p:nvPr>
-        </p:nvSpPr>
-        <p:spPr>
-          <a:xfrm>
-            <a:off x="8610600" y="6356350"/>
-            <a:ext cx="2743200" cy="365125"/>
-          </a:xfrm>
-        </p:spPr>
-        <p:txBody>
-          <a:bodyPr vert="horz" lIns="91440" tIns="45720" rIns="91440" bIns="45720" rtlCol="0" anchor="ctr">
-            <a:normAutofit/>
-          </a:bodyPr>
-          <a:lstStyle/>
-          <a:p>
-            <a:pPr>
-              <a:spcAft>
-                <a:spcPts val="600"/>
-              </a:spcAft>
-            </a:pPr>
-            <a:fld id="{23120ADE-45B3-4262-A680-7B402FD9570E}" type="slidenum">
-              <a:rPr lang="en-US" smtClean="0">
-                <a:solidFill>
-                  <a:schemeClr val="tx1">
-                    <a:tint val="75000"/>
-                  </a:schemeClr>
-                </a:solidFill>
-              </a:rPr>
-              <a:pPr>
-                <a:spcAft>
-                  <a:spcPts val="600"/>
-                </a:spcAft>
-              </a:pPr>
-              <a:t>17</a:t>
-            </a:fld>
-            <a:endParaRPr lang="en-US">
-              <a:solidFill>
-                <a:schemeClr val="tx1">
-                  <a:tint val="75000"/>
-                </a:schemeClr>
-              </a:solidFill>
-            </a:endParaRPr>
-          </a:p>
-        </p:txBody>
-      </p:sp>
-    </p:spTree>
-    <p:extLst>
-      <p:ext uri="{BB962C8B-B14F-4D97-AF65-F5344CB8AC3E}">
-        <p14:creationId xmlns:p14="http://schemas.microsoft.com/office/powerpoint/2010/main" val="3230790145"/>
-      </p:ext>
-    </p:extLst>
-  </p:cSld>
-  <p:clrMapOvr>
-    <a:masterClrMapping/>
-  </p:clrMapOvr>
-</p:sld>
-</file>
-
-<file path=ppt/slides/slide18.xml><?xml version="1.0" encoding="utf-8"?>
+<file path=ppt/slides/slide19.xml><?xml version="1.0" encoding="utf-8"?>
 <p:sld xmlns:a="http://schemas.openxmlformats.org/drawingml/2006/main" xmlns:r="http://schemas.openxmlformats.org/officeDocument/2006/relationships" xmlns:p="http://schemas.openxmlformats.org/presentationml/2006/main">
   <p:cSld>
     <p:bg>
@@ -19030,18 +19385,44 @@
           </a:bodyPr>
           <a:lstStyle/>
           <a:p>
-            <a:pPr algn="ctr"/>
+            <a:pPr algn="just"/>
             <a:r>
-              <a:rPr lang="en-US" kern="1200">
+              <a:rPr lang="en-US" kern="1200" dirty="0" err="1">
                 <a:solidFill>
                   <a:schemeClr val="tx1"/>
                 </a:solidFill>
-                <a:latin typeface="+mj-lt"/>
-                <a:ea typeface="+mj-ea"/>
-                <a:cs typeface="+mj-cs"/>
+                <a:latin typeface="Times New Roman" panose="02020603050405020304" pitchFamily="18" charset="0"/>
+                <a:cs typeface="Times New Roman" panose="02020603050405020304" pitchFamily="18" charset="0"/>
               </a:rPr>
-              <a:t>Diagramme UML de classes pour les entités</a:t>
+              <a:t>Diagramme</a:t>
             </a:r>
+            <a:r>
+              <a:rPr lang="en-US" kern="1200" dirty="0">
+                <a:solidFill>
+                  <a:schemeClr val="tx1"/>
+                </a:solidFill>
+                <a:latin typeface="Times New Roman" panose="02020603050405020304" pitchFamily="18" charset="0"/>
+                <a:cs typeface="Times New Roman" panose="02020603050405020304" pitchFamily="18" charset="0"/>
+              </a:rPr>
+              <a:t> UML de classes pour les </a:t>
+            </a:r>
+            <a:r>
+              <a:rPr lang="en-US" kern="1200" dirty="0" err="1">
+                <a:solidFill>
+                  <a:schemeClr val="tx1"/>
+                </a:solidFill>
+                <a:latin typeface="Times New Roman" panose="02020603050405020304" pitchFamily="18" charset="0"/>
+                <a:cs typeface="Times New Roman" panose="02020603050405020304" pitchFamily="18" charset="0"/>
+              </a:rPr>
+              <a:t>entités</a:t>
+            </a:r>
+            <a:endParaRPr lang="en-US" kern="1200" dirty="0">
+              <a:solidFill>
+                <a:schemeClr val="tx1"/>
+              </a:solidFill>
+              <a:latin typeface="Times New Roman" panose="02020603050405020304" pitchFamily="18" charset="0"/>
+              <a:cs typeface="Times New Roman" panose="02020603050405020304" pitchFamily="18" charset="0"/>
+            </a:endParaRPr>
           </a:p>
         </p:txBody>
       </p:sp>
@@ -19140,7 +19521,7 @@
                   <a:spcPts val="600"/>
                 </a:spcAft>
               </a:pPr>
-              <a:t>18</a:t>
+              <a:t>19</a:t>
             </a:fld>
             <a:endParaRPr lang="en-US" sz="1000">
               <a:solidFill>
@@ -19165,7 +19546,7 @@
 </p:sld>
 </file>
 
-<file path=ppt/slides/slide19.xml><?xml version="1.0" encoding="utf-8"?>
+<file path=ppt/slides/slide2.xml><?xml version="1.0" encoding="utf-8"?>
 <p:sld xmlns:a="http://schemas.openxmlformats.org/drawingml/2006/main" xmlns:r="http://schemas.openxmlformats.org/officeDocument/2006/relationships" xmlns:p="http://schemas.openxmlformats.org/presentationml/2006/main">
   <p:cSld>
     <p:spTree>
@@ -19418,7 +19799,7 @@
           <p:cNvPr id="5" name="Espace réservé du numéro de diapositive 4">
             <a:extLst>
               <a:ext uri="{FF2B5EF4-FFF2-40B4-BE49-F238E27FC236}">
-                <a16:creationId xmlns:a16="http://schemas.microsoft.com/office/drawing/2014/main" id="{ACBB2F2A-A517-48B6-AD57-A1EB87CB5543}"/>
+                <a16:creationId xmlns:a16="http://schemas.microsoft.com/office/drawing/2014/main" id="{23A69C43-E9EC-488D-8077-CF60AE22795A}"/>
               </a:ext>
             </a:extLst>
           </p:cNvPr>
@@ -19439,7 +19820,7 @@
           <a:p>
             <a:fld id="{23120ADE-45B3-4262-A680-7B402FD9570E}" type="slidenum">
               <a:rPr lang="fr-FR" smtClean="0"/>
-              <a:t>19</a:t>
+              <a:t>2</a:t>
             </a:fld>
             <a:endParaRPr lang="fr-FR"/>
           </a:p>
@@ -19447,18 +19828,17 @@
       </p:sp>
       <p:sp>
         <p:nvSpPr>
-          <p:cNvPr id="19" name="Titre 1">
+          <p:cNvPr id="15" name="Titre 1">
             <a:extLst>
               <a:ext uri="{FF2B5EF4-FFF2-40B4-BE49-F238E27FC236}">
-                <a16:creationId xmlns:a16="http://schemas.microsoft.com/office/drawing/2014/main" id="{6E4BB0B2-6F22-4054-9D36-8913D9A69CB6}"/>
+                <a16:creationId xmlns:a16="http://schemas.microsoft.com/office/drawing/2014/main" id="{4F70135B-E772-4881-83E8-BD534562EF23}"/>
               </a:ext>
             </a:extLst>
           </p:cNvPr>
-          <p:cNvSpPr>
-            <a:spLocks noGrp="1"/>
+          <p:cNvSpPr txBox="1">
+            <a:spLocks/>
           </p:cNvSpPr>
           <p:nvPr>
-            <p:ph type="title"/>
             <p:custDataLst>
               <p:tags r:id="rId5"/>
             </p:custDataLst>
@@ -19466,113 +19846,8 @@
         </p:nvSpPr>
         <p:spPr>
           <a:xfrm>
-            <a:off x="838200" y="336550"/>
-            <a:ext cx="3317240" cy="1325563"/>
-          </a:xfrm>
-        </p:spPr>
-        <p:txBody>
-          <a:bodyPr/>
-          <a:lstStyle/>
-          <a:p>
-            <a:r>
-              <a:rPr lang="fr-FR" dirty="0">
-                <a:latin typeface="Times New Roman" panose="02020603050405020304" pitchFamily="18" charset="0"/>
-                <a:cs typeface="Times New Roman" panose="02020603050405020304" pitchFamily="18" charset="0"/>
-              </a:rPr>
-              <a:t>Wireframes</a:t>
-            </a:r>
-          </a:p>
-        </p:txBody>
-      </p:sp>
-      <p:pic>
-        <p:nvPicPr>
-          <p:cNvPr id="12" name="Image 11">
-            <a:extLst>
-              <a:ext uri="{FF2B5EF4-FFF2-40B4-BE49-F238E27FC236}">
-                <a16:creationId xmlns:a16="http://schemas.microsoft.com/office/drawing/2014/main" id="{925C0840-F38B-42B3-8395-B90AC99A2E30}"/>
-              </a:ext>
-            </a:extLst>
-          </p:cNvPr>
-          <p:cNvPicPr>
-            <a:picLocks noChangeAspect="1"/>
-          </p:cNvPicPr>
-          <p:nvPr>
-            <p:custDataLst>
-              <p:tags r:id="rId6"/>
-            </p:custDataLst>
-          </p:nvPr>
-        </p:nvPicPr>
-        <p:blipFill>
-          <a:blip r:embed="rId11"/>
-          <a:stretch>
-            <a:fillRect/>
-          </a:stretch>
-        </p:blipFill>
-        <p:spPr>
-          <a:xfrm>
-            <a:off x="1721246" y="2018829"/>
-            <a:ext cx="4244636" cy="2988447"/>
-          </a:xfrm>
-          <a:prstGeom prst="rect">
-            <a:avLst/>
-          </a:prstGeom>
-        </p:spPr>
-      </p:pic>
-      <p:pic>
-        <p:nvPicPr>
-          <p:cNvPr id="14" name="Image 13">
-            <a:extLst>
-              <a:ext uri="{FF2B5EF4-FFF2-40B4-BE49-F238E27FC236}">
-                <a16:creationId xmlns:a16="http://schemas.microsoft.com/office/drawing/2014/main" id="{10BC8FD9-681E-F465-FB04-ECFE43188AB8}"/>
-              </a:ext>
-            </a:extLst>
-          </p:cNvPr>
-          <p:cNvPicPr>
-            <a:picLocks noChangeAspect="1"/>
-          </p:cNvPicPr>
-          <p:nvPr>
-            <p:custDataLst>
-              <p:tags r:id="rId7"/>
-            </p:custDataLst>
-          </p:nvPr>
-        </p:nvPicPr>
-        <p:blipFill>
-          <a:blip r:embed="rId12"/>
-          <a:srcRect t="-670" b="670"/>
-          <a:stretch/>
-        </p:blipFill>
-        <p:spPr>
-          <a:xfrm>
-            <a:off x="6385528" y="1998663"/>
-            <a:ext cx="4232863" cy="3008613"/>
-          </a:xfrm>
-          <a:prstGeom prst="rect">
-            <a:avLst/>
-          </a:prstGeom>
-        </p:spPr>
-      </p:pic>
-      <p:sp>
-        <p:nvSpPr>
-          <p:cNvPr id="2" name="Titre 1">
-            <a:extLst>
-              <a:ext uri="{FF2B5EF4-FFF2-40B4-BE49-F238E27FC236}">
-                <a16:creationId xmlns:a16="http://schemas.microsoft.com/office/drawing/2014/main" id="{890A9BA7-E3C9-E47D-5323-E3B0DE3F0ED7}"/>
-              </a:ext>
-            </a:extLst>
-          </p:cNvPr>
-          <p:cNvSpPr txBox="1">
-            <a:spLocks/>
-          </p:cNvSpPr>
-          <p:nvPr>
-            <p:custDataLst>
-              <p:tags r:id="rId8"/>
-            </p:custDataLst>
-          </p:nvPr>
-        </p:nvSpPr>
-        <p:spPr>
-          <a:xfrm>
-            <a:off x="3041484" y="4924729"/>
-            <a:ext cx="1604160" cy="456774"/>
+            <a:off x="597317" y="275599"/>
+            <a:ext cx="9144000" cy="1071563"/>
           </a:xfrm>
           <a:prstGeom prst="rect">
             <a:avLst/>
@@ -19603,80 +19878,167 @@
           </a:lstStyle>
           <a:p>
             <a:r>
-              <a:rPr lang="fr-FR" sz="1800" dirty="0">
+              <a:rPr lang="fr-FR" dirty="0">
                 <a:latin typeface="Times New Roman" panose="02020603050405020304" pitchFamily="18" charset="0"/>
                 <a:cs typeface="Times New Roman" panose="02020603050405020304" pitchFamily="18" charset="0"/>
               </a:rPr>
-              <a:t>Page d’accueil</a:t>
+              <a:t>Remerciements</a:t>
             </a:r>
           </a:p>
         </p:txBody>
       </p:sp>
       <p:sp>
         <p:nvSpPr>
-          <p:cNvPr id="3" name="Titre 1">
+          <p:cNvPr id="17" name="ZoneTexte 16">
             <a:extLst>
               <a:ext uri="{FF2B5EF4-FFF2-40B4-BE49-F238E27FC236}">
-                <a16:creationId xmlns:a16="http://schemas.microsoft.com/office/drawing/2014/main" id="{0D691B4A-CBAE-B89A-5B72-12D99E73E90A}"/>
+                <a16:creationId xmlns:a16="http://schemas.microsoft.com/office/drawing/2014/main" id="{62F3E31D-462A-4553-9099-5A9A8088ABD7}"/>
               </a:ext>
             </a:extLst>
           </p:cNvPr>
-          <p:cNvSpPr txBox="1">
-            <a:spLocks/>
-          </p:cNvSpPr>
+          <p:cNvSpPr txBox="1"/>
           <p:nvPr>
             <p:custDataLst>
-              <p:tags r:id="rId9"/>
+              <p:tags r:id="rId6"/>
             </p:custDataLst>
           </p:nvPr>
         </p:nvSpPr>
         <p:spPr>
           <a:xfrm>
-            <a:off x="7004619" y="4966660"/>
-            <a:ext cx="3211961" cy="456774"/>
+            <a:off x="4854682" y="2222967"/>
+            <a:ext cx="3500900" cy="369332"/>
           </a:xfrm>
           <a:prstGeom prst="rect">
             <a:avLst/>
           </a:prstGeom>
+          <a:noFill/>
         </p:spPr>
         <p:txBody>
-          <a:bodyPr vert="horz" lIns="91440" tIns="45720" rIns="91440" bIns="45720" rtlCol="0" anchor="ctr">
-            <a:normAutofit fontScale="85000" lnSpcReduction="10000"/>
+          <a:bodyPr wrap="square" rtlCol="0">
+            <a:spAutoFit/>
           </a:bodyPr>
-          <a:lstStyle>
-            <a:lvl1pPr algn="l" defTabSz="914400" rtl="0" eaLnBrk="1" latinLnBrk="0" hangingPunct="1">
-              <a:lnSpc>
-                <a:spcPct val="90000"/>
-              </a:lnSpc>
-              <a:spcBef>
-                <a:spcPct val="0"/>
-              </a:spcBef>
-              <a:buNone/>
-              <a:defRPr sz="4400" kern="1200">
+          <a:lstStyle/>
+          <a:p>
+            <a:pPr marL="285750" indent="-285750">
+              <a:buFont typeface="Arial" panose="020B0604020202020204" pitchFamily="34" charset="0"/>
+              <a:buChar char="•"/>
+            </a:pPr>
+            <a:r>
+              <a:rPr lang="fr-FR" dirty="0"/>
+              <a:t>G2R formation</a:t>
+            </a:r>
+          </a:p>
+        </p:txBody>
+      </p:sp>
+      <p:pic>
+        <p:nvPicPr>
+          <p:cNvPr id="2" name="Picture 2" descr="G2R Formation - Accueil">
+            <a:extLst>
+              <a:ext uri="{FF2B5EF4-FFF2-40B4-BE49-F238E27FC236}">
+                <a16:creationId xmlns:a16="http://schemas.microsoft.com/office/drawing/2014/main" id="{85FC2B32-FDBD-8011-DE9B-79F47C20B32A}"/>
+              </a:ext>
+            </a:extLst>
+          </p:cNvPr>
+          <p:cNvPicPr>
+            <a:picLocks noChangeAspect="1" noChangeArrowheads="1"/>
+          </p:cNvPicPr>
+          <p:nvPr>
+            <p:custDataLst>
+              <p:tags r:id="rId7"/>
+            </p:custDataLst>
+          </p:nvPr>
+        </p:nvPicPr>
+        <p:blipFill>
+          <a:blip r:embed="rId11">
+            <a:extLst>
+              <a:ext uri="{28A0092B-C50C-407E-A947-70E740481C1C}">
+                <a14:useLocalDpi xmlns:a14="http://schemas.microsoft.com/office/drawing/2010/main" val="0"/>
+              </a:ext>
+            </a:extLst>
+          </a:blip>
+          <a:srcRect/>
+          <a:stretch>
+            <a:fillRect/>
+          </a:stretch>
+        </p:blipFill>
+        <p:spPr bwMode="auto">
+          <a:xfrm>
+            <a:off x="4652971" y="2826123"/>
+            <a:ext cx="2128836" cy="682725"/>
+          </a:xfrm>
+          <a:prstGeom prst="rect">
+            <a:avLst/>
+          </a:prstGeom>
+          <a:noFill/>
+          <a:extLst>
+            <a:ext uri="{909E8E84-426E-40DD-AFC4-6F175D3DCCD1}">
+              <a14:hiddenFill xmlns:a14="http://schemas.microsoft.com/office/drawing/2010/main">
                 <a:solidFill>
-                  <a:schemeClr val="tx1"/>
+                  <a:srgbClr val="FFFFFF"/>
                 </a:solidFill>
-                <a:latin typeface="+mj-lt"/>
-                <a:ea typeface="+mj-ea"/>
-                <a:cs typeface="+mj-cs"/>
-              </a:defRPr>
-            </a:lvl1pPr>
-          </a:lstStyle>
-          <a:p>
+              </a14:hiddenFill>
+            </a:ext>
+          </a:extLst>
+        </p:spPr>
+      </p:pic>
+      <p:sp>
+        <p:nvSpPr>
+          <p:cNvPr id="3" name="ZoneTexte 2">
+            <a:extLst>
+              <a:ext uri="{FF2B5EF4-FFF2-40B4-BE49-F238E27FC236}">
+                <a16:creationId xmlns:a16="http://schemas.microsoft.com/office/drawing/2014/main" id="{65A920D2-3024-9338-BC5C-3F62F0362921}"/>
+              </a:ext>
+            </a:extLst>
+          </p:cNvPr>
+          <p:cNvSpPr txBox="1"/>
+          <p:nvPr>
+            <p:custDataLst>
+              <p:tags r:id="rId8"/>
+            </p:custDataLst>
+          </p:nvPr>
+        </p:nvSpPr>
+        <p:spPr>
+          <a:xfrm>
+            <a:off x="4854682" y="3770048"/>
+            <a:ext cx="3500900" cy="646331"/>
+          </a:xfrm>
+          <a:prstGeom prst="rect">
+            <a:avLst/>
+          </a:prstGeom>
+          <a:noFill/>
+        </p:spPr>
+        <p:txBody>
+          <a:bodyPr wrap="square" rtlCol="0">
+            <a:spAutoFit/>
+          </a:bodyPr>
+          <a:lstStyle/>
+          <a:p>
+            <a:pPr marL="285750" indent="-285750">
+              <a:buFont typeface="Arial" panose="020B0604020202020204" pitchFamily="34" charset="0"/>
+              <a:buChar char="•"/>
+            </a:pPr>
             <a:r>
-              <a:rPr lang="fr-FR" sz="1800" dirty="0">
-                <a:latin typeface="Times New Roman" panose="02020603050405020304" pitchFamily="18" charset="0"/>
-                <a:cs typeface="Times New Roman" panose="02020603050405020304" pitchFamily="18" charset="0"/>
-              </a:rPr>
-              <a:t>Page d’information sur un livre ajouté</a:t>
+              <a:rPr lang="fr-FR" dirty="0"/>
+              <a:t>Les formateurs</a:t>
             </a:r>
+          </a:p>
+          <a:p>
+            <a:pPr marL="285750" indent="-285750">
+              <a:buFont typeface="Arial" panose="020B0604020202020204" pitchFamily="34" charset="0"/>
+              <a:buChar char="•"/>
+            </a:pPr>
+            <a:r>
+              <a:rPr lang="fr-FR" dirty="0" err="1"/>
+              <a:t>Educentre</a:t>
+            </a:r>
+            <a:endParaRPr lang="fr-FR" dirty="0"/>
           </a:p>
         </p:txBody>
       </p:sp>
     </p:spTree>
     <p:extLst>
       <p:ext uri="{BB962C8B-B14F-4D97-AF65-F5344CB8AC3E}">
-        <p14:creationId xmlns:p14="http://schemas.microsoft.com/office/powerpoint/2010/main" val="1648977297"/>
+        <p14:creationId xmlns:p14="http://schemas.microsoft.com/office/powerpoint/2010/main" val="588775347"/>
       </p:ext>
     </p:extLst>
   </p:cSld>
@@ -19686,7 +20048,7 @@
 </p:sld>
 </file>
 
-<file path=ppt/slides/slide2.xml><?xml version="1.0" encoding="utf-8"?>
+<file path=ppt/slides/slide20.xml><?xml version="1.0" encoding="utf-8"?>
 <p:sld xmlns:a="http://schemas.openxmlformats.org/drawingml/2006/main" xmlns:r="http://schemas.openxmlformats.org/officeDocument/2006/relationships" xmlns:p="http://schemas.openxmlformats.org/presentationml/2006/main">
   <p:cSld>
     <p:spTree>
@@ -19939,7 +20301,7 @@
           <p:cNvPr id="5" name="Espace réservé du numéro de diapositive 4">
             <a:extLst>
               <a:ext uri="{FF2B5EF4-FFF2-40B4-BE49-F238E27FC236}">
-                <a16:creationId xmlns:a16="http://schemas.microsoft.com/office/drawing/2014/main" id="{23A69C43-E9EC-488D-8077-CF60AE22795A}"/>
+                <a16:creationId xmlns:a16="http://schemas.microsoft.com/office/drawing/2014/main" id="{ACBB2F2A-A517-48B6-AD57-A1EB87CB5543}"/>
               </a:ext>
             </a:extLst>
           </p:cNvPr>
@@ -19960,7 +20322,7 @@
           <a:p>
             <a:fld id="{23120ADE-45B3-4262-A680-7B402FD9570E}" type="slidenum">
               <a:rPr lang="fr-FR" smtClean="0"/>
-              <a:t>2</a:t>
+              <a:t>20</a:t>
             </a:fld>
             <a:endParaRPr lang="fr-FR"/>
           </a:p>
@@ -19968,10 +20330,116 @@
       </p:sp>
       <p:sp>
         <p:nvSpPr>
-          <p:cNvPr id="15" name="Titre 1">
+          <p:cNvPr id="19" name="Titre 1">
             <a:extLst>
               <a:ext uri="{FF2B5EF4-FFF2-40B4-BE49-F238E27FC236}">
-                <a16:creationId xmlns:a16="http://schemas.microsoft.com/office/drawing/2014/main" id="{4F70135B-E772-4881-83E8-BD534562EF23}"/>
+                <a16:creationId xmlns:a16="http://schemas.microsoft.com/office/drawing/2014/main" id="{6E4BB0B2-6F22-4054-9D36-8913D9A69CB6}"/>
+              </a:ext>
+            </a:extLst>
+          </p:cNvPr>
+          <p:cNvSpPr>
+            <a:spLocks noGrp="1"/>
+          </p:cNvSpPr>
+          <p:nvPr>
+            <p:ph type="title"/>
+            <p:custDataLst>
+              <p:tags r:id="rId5"/>
+            </p:custDataLst>
+          </p:nvPr>
+        </p:nvSpPr>
+        <p:spPr>
+          <a:xfrm>
+            <a:off x="838200" y="336550"/>
+            <a:ext cx="3317240" cy="1325563"/>
+          </a:xfrm>
+        </p:spPr>
+        <p:txBody>
+          <a:bodyPr/>
+          <a:lstStyle/>
+          <a:p>
+            <a:r>
+              <a:rPr lang="fr-FR" dirty="0">
+                <a:latin typeface="Times New Roman" panose="02020603050405020304" pitchFamily="18" charset="0"/>
+                <a:cs typeface="Times New Roman" panose="02020603050405020304" pitchFamily="18" charset="0"/>
+              </a:rPr>
+              <a:t>Wireframes</a:t>
+            </a:r>
+          </a:p>
+        </p:txBody>
+      </p:sp>
+      <p:pic>
+        <p:nvPicPr>
+          <p:cNvPr id="12" name="Image 11">
+            <a:extLst>
+              <a:ext uri="{FF2B5EF4-FFF2-40B4-BE49-F238E27FC236}">
+                <a16:creationId xmlns:a16="http://schemas.microsoft.com/office/drawing/2014/main" id="{925C0840-F38B-42B3-8395-B90AC99A2E30}"/>
+              </a:ext>
+            </a:extLst>
+          </p:cNvPr>
+          <p:cNvPicPr>
+            <a:picLocks noChangeAspect="1"/>
+          </p:cNvPicPr>
+          <p:nvPr>
+            <p:custDataLst>
+              <p:tags r:id="rId6"/>
+            </p:custDataLst>
+          </p:nvPr>
+        </p:nvPicPr>
+        <p:blipFill>
+          <a:blip r:embed="rId11"/>
+          <a:stretch>
+            <a:fillRect/>
+          </a:stretch>
+        </p:blipFill>
+        <p:spPr>
+          <a:xfrm>
+            <a:off x="1721246" y="2018829"/>
+            <a:ext cx="4244636" cy="2988447"/>
+          </a:xfrm>
+          <a:prstGeom prst="rect">
+            <a:avLst/>
+          </a:prstGeom>
+        </p:spPr>
+      </p:pic>
+      <p:pic>
+        <p:nvPicPr>
+          <p:cNvPr id="14" name="Image 13">
+            <a:extLst>
+              <a:ext uri="{FF2B5EF4-FFF2-40B4-BE49-F238E27FC236}">
+                <a16:creationId xmlns:a16="http://schemas.microsoft.com/office/drawing/2014/main" id="{10BC8FD9-681E-F465-FB04-ECFE43188AB8}"/>
+              </a:ext>
+            </a:extLst>
+          </p:cNvPr>
+          <p:cNvPicPr>
+            <a:picLocks noChangeAspect="1"/>
+          </p:cNvPicPr>
+          <p:nvPr>
+            <p:custDataLst>
+              <p:tags r:id="rId7"/>
+            </p:custDataLst>
+          </p:nvPr>
+        </p:nvPicPr>
+        <p:blipFill>
+          <a:blip r:embed="rId12"/>
+          <a:srcRect t="-670" b="670"/>
+          <a:stretch/>
+        </p:blipFill>
+        <p:spPr>
+          <a:xfrm>
+            <a:off x="6385528" y="1998663"/>
+            <a:ext cx="4232863" cy="3008613"/>
+          </a:xfrm>
+          <a:prstGeom prst="rect">
+            <a:avLst/>
+          </a:prstGeom>
+        </p:spPr>
+      </p:pic>
+      <p:sp>
+        <p:nvSpPr>
+          <p:cNvPr id="2" name="Titre 1">
+            <a:extLst>
+              <a:ext uri="{FF2B5EF4-FFF2-40B4-BE49-F238E27FC236}">
+                <a16:creationId xmlns:a16="http://schemas.microsoft.com/office/drawing/2014/main" id="{890A9BA7-E3C9-E47D-5323-E3B0DE3F0ED7}"/>
               </a:ext>
             </a:extLst>
           </p:cNvPr>
@@ -19980,14 +20448,14 @@
           </p:cNvSpPr>
           <p:nvPr>
             <p:custDataLst>
-              <p:tags r:id="rId5"/>
+              <p:tags r:id="rId8"/>
             </p:custDataLst>
           </p:nvPr>
         </p:nvSpPr>
         <p:spPr>
           <a:xfrm>
-            <a:off x="597317" y="275599"/>
-            <a:ext cx="9144000" cy="1071563"/>
+            <a:off x="3041484" y="4924729"/>
+            <a:ext cx="1604160" cy="456774"/>
           </a:xfrm>
           <a:prstGeom prst="rect">
             <a:avLst/>
@@ -20018,148 +20486,72 @@
           </a:lstStyle>
           <a:p>
             <a:r>
-              <a:rPr lang="fr-FR" dirty="0">
+              <a:rPr lang="fr-FR" sz="1800" dirty="0">
                 <a:latin typeface="Times New Roman" panose="02020603050405020304" pitchFamily="18" charset="0"/>
                 <a:cs typeface="Times New Roman" panose="02020603050405020304" pitchFamily="18" charset="0"/>
               </a:rPr>
-              <a:t>Remerciements</a:t>
+              <a:t>Page d’accueil</a:t>
             </a:r>
           </a:p>
         </p:txBody>
       </p:sp>
       <p:sp>
         <p:nvSpPr>
-          <p:cNvPr id="17" name="ZoneTexte 16">
+          <p:cNvPr id="3" name="Titre 1">
             <a:extLst>
               <a:ext uri="{FF2B5EF4-FFF2-40B4-BE49-F238E27FC236}">
-                <a16:creationId xmlns:a16="http://schemas.microsoft.com/office/drawing/2014/main" id="{62F3E31D-462A-4553-9099-5A9A8088ABD7}"/>
+                <a16:creationId xmlns:a16="http://schemas.microsoft.com/office/drawing/2014/main" id="{0D691B4A-CBAE-B89A-5B72-12D99E73E90A}"/>
               </a:ext>
             </a:extLst>
           </p:cNvPr>
-          <p:cNvSpPr txBox="1"/>
+          <p:cNvSpPr txBox="1">
+            <a:spLocks/>
+          </p:cNvSpPr>
           <p:nvPr>
             <p:custDataLst>
-              <p:tags r:id="rId6"/>
+              <p:tags r:id="rId9"/>
             </p:custDataLst>
           </p:nvPr>
         </p:nvSpPr>
         <p:spPr>
           <a:xfrm>
-            <a:off x="4854682" y="2222967"/>
-            <a:ext cx="3500900" cy="369332"/>
+            <a:off x="7004619" y="4966660"/>
+            <a:ext cx="3211961" cy="456774"/>
           </a:xfrm>
           <a:prstGeom prst="rect">
             <a:avLst/>
           </a:prstGeom>
-          <a:noFill/>
         </p:spPr>
         <p:txBody>
-          <a:bodyPr wrap="square" rtlCol="0">
-            <a:spAutoFit/>
+          <a:bodyPr vert="horz" lIns="91440" tIns="45720" rIns="91440" bIns="45720" rtlCol="0" anchor="ctr">
+            <a:normAutofit fontScale="85000" lnSpcReduction="10000"/>
           </a:bodyPr>
-          <a:lstStyle/>
-          <a:p>
-            <a:pPr marL="285750" indent="-285750">
-              <a:buFont typeface="Arial" panose="020B0604020202020204" pitchFamily="34" charset="0"/>
-              <a:buChar char="•"/>
-            </a:pPr>
+          <a:lstStyle>
+            <a:lvl1pPr algn="l" defTabSz="914400" rtl="0" eaLnBrk="1" latinLnBrk="0" hangingPunct="1">
+              <a:lnSpc>
+                <a:spcPct val="90000"/>
+              </a:lnSpc>
+              <a:spcBef>
+                <a:spcPct val="0"/>
+              </a:spcBef>
+              <a:buNone/>
+              <a:defRPr sz="4400" kern="1200">
+                <a:solidFill>
+                  <a:schemeClr val="tx1"/>
+                </a:solidFill>
+                <a:latin typeface="+mj-lt"/>
+                <a:ea typeface="+mj-ea"/>
+                <a:cs typeface="+mj-cs"/>
+              </a:defRPr>
+            </a:lvl1pPr>
+          </a:lstStyle>
+          <a:p>
             <a:r>
-              <a:rPr lang="fr-FR" dirty="0"/>
-              <a:t>G2R formation</a:t>
-            </a:r>
-          </a:p>
-        </p:txBody>
-      </p:sp>
-      <p:pic>
-        <p:nvPicPr>
-          <p:cNvPr id="2" name="Picture 2" descr="G2R Formation - Accueil">
-            <a:extLst>
-              <a:ext uri="{FF2B5EF4-FFF2-40B4-BE49-F238E27FC236}">
-                <a16:creationId xmlns:a16="http://schemas.microsoft.com/office/drawing/2014/main" id="{85FC2B32-FDBD-8011-DE9B-79F47C20B32A}"/>
-              </a:ext>
-            </a:extLst>
-          </p:cNvPr>
-          <p:cNvPicPr>
-            <a:picLocks noChangeAspect="1" noChangeArrowheads="1"/>
-          </p:cNvPicPr>
-          <p:nvPr>
-            <p:custDataLst>
-              <p:tags r:id="rId7"/>
-            </p:custDataLst>
-          </p:nvPr>
-        </p:nvPicPr>
-        <p:blipFill>
-          <a:blip r:embed="rId11">
-            <a:extLst>
-              <a:ext uri="{28A0092B-C50C-407E-A947-70E740481C1C}">
-                <a14:useLocalDpi xmlns:a14="http://schemas.microsoft.com/office/drawing/2010/main" val="0"/>
-              </a:ext>
-            </a:extLst>
-          </a:blip>
-          <a:srcRect/>
-          <a:stretch>
-            <a:fillRect/>
-          </a:stretch>
-        </p:blipFill>
-        <p:spPr bwMode="auto">
-          <a:xfrm>
-            <a:off x="4652971" y="2826123"/>
-            <a:ext cx="2128836" cy="682725"/>
-          </a:xfrm>
-          <a:prstGeom prst="rect">
-            <a:avLst/>
-          </a:prstGeom>
-          <a:noFill/>
-          <a:extLst>
-            <a:ext uri="{909E8E84-426E-40DD-AFC4-6F175D3DCCD1}">
-              <a14:hiddenFill xmlns:a14="http://schemas.microsoft.com/office/drawing/2010/main">
-                <a:solidFill>
-                  <a:srgbClr val="FFFFFF"/>
-                </a:solidFill>
-              </a14:hiddenFill>
-            </a:ext>
-          </a:extLst>
-        </p:spPr>
-      </p:pic>
-      <p:sp>
-        <p:nvSpPr>
-          <p:cNvPr id="3" name="ZoneTexte 2">
-            <a:extLst>
-              <a:ext uri="{FF2B5EF4-FFF2-40B4-BE49-F238E27FC236}">
-                <a16:creationId xmlns:a16="http://schemas.microsoft.com/office/drawing/2014/main" id="{65A920D2-3024-9338-BC5C-3F62F0362921}"/>
-              </a:ext>
-            </a:extLst>
-          </p:cNvPr>
-          <p:cNvSpPr txBox="1"/>
-          <p:nvPr>
-            <p:custDataLst>
-              <p:tags r:id="rId8"/>
-            </p:custDataLst>
-          </p:nvPr>
-        </p:nvSpPr>
-        <p:spPr>
-          <a:xfrm>
-            <a:off x="4854682" y="3770048"/>
-            <a:ext cx="3500900" cy="369332"/>
-          </a:xfrm>
-          <a:prstGeom prst="rect">
-            <a:avLst/>
-          </a:prstGeom>
-          <a:noFill/>
-        </p:spPr>
-        <p:txBody>
-          <a:bodyPr wrap="square" rtlCol="0">
-            <a:spAutoFit/>
-          </a:bodyPr>
-          <a:lstStyle/>
-          <a:p>
-            <a:pPr marL="285750" indent="-285750">
-              <a:buFont typeface="Arial" panose="020B0604020202020204" pitchFamily="34" charset="0"/>
-              <a:buChar char="•"/>
-            </a:pPr>
-            <a:r>
-              <a:rPr lang="fr-FR" dirty="0"/>
-              <a:t>Les formateurs</a:t>
+              <a:rPr lang="fr-FR" sz="1800" dirty="0">
+                <a:latin typeface="Times New Roman" panose="02020603050405020304" pitchFamily="18" charset="0"/>
+                <a:cs typeface="Times New Roman" panose="02020603050405020304" pitchFamily="18" charset="0"/>
+              </a:rPr>
+              <a:t>Page d’information sur un livre ajouté</a:t>
             </a:r>
           </a:p>
         </p:txBody>
@@ -20167,7 +20559,7 @@
     </p:spTree>
     <p:extLst>
       <p:ext uri="{BB962C8B-B14F-4D97-AF65-F5344CB8AC3E}">
-        <p14:creationId xmlns:p14="http://schemas.microsoft.com/office/powerpoint/2010/main" val="588775347"/>
+        <p14:creationId xmlns:p14="http://schemas.microsoft.com/office/powerpoint/2010/main" val="1648977297"/>
       </p:ext>
     </p:extLst>
   </p:cSld>
@@ -20177,7 +20569,7 @@
 </p:sld>
 </file>
 
-<file path=ppt/slides/slide20.xml><?xml version="1.0" encoding="utf-8"?>
+<file path=ppt/slides/slide21.xml><?xml version="1.0" encoding="utf-8"?>
 <p:sld xmlns:a="http://schemas.openxmlformats.org/drawingml/2006/main" xmlns:r="http://schemas.openxmlformats.org/officeDocument/2006/relationships" xmlns:p="http://schemas.openxmlformats.org/presentationml/2006/main">
   <p:cSld>
     <p:spTree>
@@ -20451,7 +20843,7 @@
           <a:p>
             <a:fld id="{23120ADE-45B3-4262-A680-7B402FD9570E}" type="slidenum">
               <a:rPr lang="fr-FR" smtClean="0"/>
-              <a:t>20</a:t>
+              <a:t>21</a:t>
             </a:fld>
             <a:endParaRPr lang="fr-FR"/>
           </a:p>
@@ -20543,7 +20935,7 @@
 </p:sld>
 </file>
 
-<file path=ppt/slides/slide21.xml><?xml version="1.0" encoding="utf-8"?>
+<file path=ppt/slides/slide22.xml><?xml version="1.0" encoding="utf-8"?>
 <p:sld xmlns:a="http://schemas.openxmlformats.org/drawingml/2006/main" xmlns:r="http://schemas.openxmlformats.org/officeDocument/2006/relationships" xmlns:p="http://schemas.openxmlformats.org/presentationml/2006/main">
   <p:cSld>
     <p:bg>
@@ -21183,7 +21575,7 @@
                   <a:spcPts val="600"/>
                 </a:spcAft>
               </a:pPr>
-              <a:t>21</a:t>
+              <a:t>22</a:t>
             </a:fld>
             <a:endParaRPr lang="en-US" sz="1100">
               <a:solidFill>
@@ -21623,7 +22015,7 @@
                 <a:cs typeface="Times New Roman" panose="02020603050405020304" pitchFamily="18" charset="0"/>
                 <a:sym typeface="Wingdings" panose="05000000000000000000" pitchFamily="2" charset="2"/>
               </a:rPr>
-              <a:t>Programmation en C et Python</a:t>
+              <a:t>Programmation en C, C++ et Python</a:t>
             </a:r>
           </a:p>
           <a:p>
@@ -21681,7 +22073,7 @@
                 <a:latin typeface="Times New Roman" panose="02020603050405020304" pitchFamily="18" charset="0"/>
                 <a:cs typeface="Times New Roman" panose="02020603050405020304" pitchFamily="18" charset="0"/>
               </a:rPr>
-              <a:t>Reconversion professionnelle dans la conception et développement d’applications</a:t>
+              <a:t>Reconversion professionnelle en conception et développement d’applications</a:t>
             </a:r>
           </a:p>
         </p:txBody>
@@ -22497,6 +22889,77 @@
           </a:prstGeom>
         </p:spPr>
       </p:pic>
+      <p:pic>
+        <p:nvPicPr>
+          <p:cNvPr id="3" name="Image 2" descr="Une image contenant outil d’écriture, stylos et plumes, plume&#10;&#10;Description générée automatiquement">
+            <a:extLst>
+              <a:ext uri="{FF2B5EF4-FFF2-40B4-BE49-F238E27FC236}">
+                <a16:creationId xmlns:a16="http://schemas.microsoft.com/office/drawing/2014/main" id="{7B7ADA16-D4F9-E71C-5083-1EB4D526B98C}"/>
+              </a:ext>
+            </a:extLst>
+          </p:cNvPr>
+          <p:cNvPicPr>
+            <a:picLocks noChangeAspect="1"/>
+          </p:cNvPicPr>
+          <p:nvPr/>
+        </p:nvPicPr>
+        <p:blipFill>
+          <a:blip r:embed="rId18">
+            <a:extLst>
+              <a:ext uri="{28A0092B-C50C-407E-A947-70E740481C1C}">
+                <a14:useLocalDpi xmlns:a14="http://schemas.microsoft.com/office/drawing/2010/main" val="0"/>
+              </a:ext>
+            </a:extLst>
+          </a:blip>
+          <a:stretch>
+            <a:fillRect/>
+          </a:stretch>
+        </p:blipFill>
+        <p:spPr>
+          <a:xfrm>
+            <a:off x="5225074" y="-144702"/>
+            <a:ext cx="2087203" cy="2041739"/>
+          </a:xfrm>
+          <a:prstGeom prst="rect">
+            <a:avLst/>
+          </a:prstGeom>
+        </p:spPr>
+      </p:pic>
+      <p:sp>
+        <p:nvSpPr>
+          <p:cNvPr id="4" name="ZoneTexte 3">
+            <a:extLst>
+              <a:ext uri="{FF2B5EF4-FFF2-40B4-BE49-F238E27FC236}">
+                <a16:creationId xmlns:a16="http://schemas.microsoft.com/office/drawing/2014/main" id="{7D7C1997-BDC6-7694-FCA1-2629418ED109}"/>
+              </a:ext>
+            </a:extLst>
+          </p:cNvPr>
+          <p:cNvSpPr txBox="1"/>
+          <p:nvPr/>
+        </p:nvSpPr>
+        <p:spPr>
+          <a:xfrm>
+            <a:off x="6236720" y="1245915"/>
+            <a:ext cx="3076885" cy="369332"/>
+          </a:xfrm>
+          <a:prstGeom prst="rect">
+            <a:avLst/>
+          </a:prstGeom>
+          <a:noFill/>
+        </p:spPr>
+        <p:txBody>
+          <a:bodyPr wrap="square" rtlCol="0">
+            <a:spAutoFit/>
+          </a:bodyPr>
+          <a:lstStyle/>
+          <a:p>
+            <a:r>
+              <a:rPr lang="fr-FR" dirty="0"/>
+              <a:t>Livrosphère</a:t>
+            </a:r>
+          </a:p>
+        </p:txBody>
+      </p:sp>
     </p:spTree>
     <p:extLst>
       <p:ext uri="{BB962C8B-B14F-4D97-AF65-F5344CB8AC3E}">
@@ -22668,7 +23131,7 @@
         </p:nvSpPr>
         <p:spPr>
           <a:xfrm>
-            <a:off x="4493694" y="1636567"/>
+            <a:off x="4493694" y="1914446"/>
             <a:ext cx="5550366" cy="2304602"/>
           </a:xfrm>
         </p:spPr>
@@ -22712,7 +23175,7 @@
                 <a:latin typeface="Times New Roman" panose="02020603050405020304" pitchFamily="18" charset="0"/>
                 <a:cs typeface="Times New Roman" panose="02020603050405020304" pitchFamily="18" charset="0"/>
               </a:rPr>
-              <a:t>24 ans</a:t>
+              <a:t>28 ans</a:t>
             </a:r>
           </a:p>
           <a:p>
@@ -22931,7 +23394,2337 @@
         </p:nvSpPr>
         <p:spPr>
           <a:xfrm>
-            <a:off x="4493694" y="3725123"/>
+            <a:off x="4493694" y="3985618"/>
+            <a:ext cx="5550366" cy="1496310"/>
+          </a:xfrm>
+          <a:prstGeom prst="rect">
+            <a:avLst/>
+          </a:prstGeom>
+        </p:spPr>
+        <p:txBody>
+          <a:bodyPr vert="horz" lIns="91440" tIns="45720" rIns="91440" bIns="45720" rtlCol="0" anchor="t">
+            <a:noAutofit/>
+          </a:bodyPr>
+          <a:lstStyle>
+            <a:lvl1pPr marL="228600" indent="-228600" algn="l" defTabSz="914400" rtl="0" eaLnBrk="1" latinLnBrk="0" hangingPunct="1">
+              <a:lnSpc>
+                <a:spcPct val="90000"/>
+              </a:lnSpc>
+              <a:spcBef>
+                <a:spcPts val="1000"/>
+              </a:spcBef>
+              <a:buFont typeface="Arial" panose="020B0604020202020204" pitchFamily="34" charset="0"/>
+              <a:buChar char="•"/>
+              <a:defRPr sz="2800" kern="1200">
+                <a:solidFill>
+                  <a:schemeClr val="tx1"/>
+                </a:solidFill>
+                <a:latin typeface="+mn-lt"/>
+                <a:ea typeface="+mn-ea"/>
+                <a:cs typeface="+mn-cs"/>
+              </a:defRPr>
+            </a:lvl1pPr>
+            <a:lvl2pPr marL="685800" indent="-228600" algn="l" defTabSz="914400" rtl="0" eaLnBrk="1" latinLnBrk="0" hangingPunct="1">
+              <a:lnSpc>
+                <a:spcPct val="90000"/>
+              </a:lnSpc>
+              <a:spcBef>
+                <a:spcPts val="500"/>
+              </a:spcBef>
+              <a:buFont typeface="Arial" panose="020B0604020202020204" pitchFamily="34" charset="0"/>
+              <a:buChar char="•"/>
+              <a:defRPr sz="2400" kern="1200">
+                <a:solidFill>
+                  <a:schemeClr val="tx1"/>
+                </a:solidFill>
+                <a:latin typeface="+mn-lt"/>
+                <a:ea typeface="+mn-ea"/>
+                <a:cs typeface="+mn-cs"/>
+              </a:defRPr>
+            </a:lvl2pPr>
+            <a:lvl3pPr marL="1143000" indent="-228600" algn="l" defTabSz="914400" rtl="0" eaLnBrk="1" latinLnBrk="0" hangingPunct="1">
+              <a:lnSpc>
+                <a:spcPct val="90000"/>
+              </a:lnSpc>
+              <a:spcBef>
+                <a:spcPts val="500"/>
+              </a:spcBef>
+              <a:buFont typeface="Arial" panose="020B0604020202020204" pitchFamily="34" charset="0"/>
+              <a:buChar char="•"/>
+              <a:defRPr sz="2000" kern="1200">
+                <a:solidFill>
+                  <a:schemeClr val="tx1"/>
+                </a:solidFill>
+                <a:latin typeface="+mn-lt"/>
+                <a:ea typeface="+mn-ea"/>
+                <a:cs typeface="+mn-cs"/>
+              </a:defRPr>
+            </a:lvl3pPr>
+            <a:lvl4pPr marL="1600200" indent="-228600" algn="l" defTabSz="914400" rtl="0" eaLnBrk="1" latinLnBrk="0" hangingPunct="1">
+              <a:lnSpc>
+                <a:spcPct val="90000"/>
+              </a:lnSpc>
+              <a:spcBef>
+                <a:spcPts val="500"/>
+              </a:spcBef>
+              <a:buFont typeface="Arial" panose="020B0604020202020204" pitchFamily="34" charset="0"/>
+              <a:buChar char="•"/>
+              <a:defRPr sz="1800" kern="1200">
+                <a:solidFill>
+                  <a:schemeClr val="tx1"/>
+                </a:solidFill>
+                <a:latin typeface="+mn-lt"/>
+                <a:ea typeface="+mn-ea"/>
+                <a:cs typeface="+mn-cs"/>
+              </a:defRPr>
+            </a:lvl4pPr>
+            <a:lvl5pPr marL="2057400" indent="-228600" algn="l" defTabSz="914400" rtl="0" eaLnBrk="1" latinLnBrk="0" hangingPunct="1">
+              <a:lnSpc>
+                <a:spcPct val="90000"/>
+              </a:lnSpc>
+              <a:spcBef>
+                <a:spcPts val="500"/>
+              </a:spcBef>
+              <a:buFont typeface="Arial" panose="020B0604020202020204" pitchFamily="34" charset="0"/>
+              <a:buChar char="•"/>
+              <a:defRPr sz="1800" kern="1200">
+                <a:solidFill>
+                  <a:schemeClr val="tx1"/>
+                </a:solidFill>
+                <a:latin typeface="+mn-lt"/>
+                <a:ea typeface="+mn-ea"/>
+                <a:cs typeface="+mn-cs"/>
+              </a:defRPr>
+            </a:lvl5pPr>
+            <a:lvl6pPr marL="2514600" indent="-228600" algn="l" defTabSz="914400" rtl="0" eaLnBrk="1" latinLnBrk="0" hangingPunct="1">
+              <a:lnSpc>
+                <a:spcPct val="90000"/>
+              </a:lnSpc>
+              <a:spcBef>
+                <a:spcPts val="500"/>
+              </a:spcBef>
+              <a:buFont typeface="Arial" panose="020B0604020202020204" pitchFamily="34" charset="0"/>
+              <a:buChar char="•"/>
+              <a:defRPr sz="1800" kern="1200">
+                <a:solidFill>
+                  <a:schemeClr val="tx1"/>
+                </a:solidFill>
+                <a:latin typeface="+mn-lt"/>
+                <a:ea typeface="+mn-ea"/>
+                <a:cs typeface="+mn-cs"/>
+              </a:defRPr>
+            </a:lvl6pPr>
+            <a:lvl7pPr marL="2971800" indent="-228600" algn="l" defTabSz="914400" rtl="0" eaLnBrk="1" latinLnBrk="0" hangingPunct="1">
+              <a:lnSpc>
+                <a:spcPct val="90000"/>
+              </a:lnSpc>
+              <a:spcBef>
+                <a:spcPts val="500"/>
+              </a:spcBef>
+              <a:buFont typeface="Arial" panose="020B0604020202020204" pitchFamily="34" charset="0"/>
+              <a:buChar char="•"/>
+              <a:defRPr sz="1800" kern="1200">
+                <a:solidFill>
+                  <a:schemeClr val="tx1"/>
+                </a:solidFill>
+                <a:latin typeface="+mn-lt"/>
+                <a:ea typeface="+mn-ea"/>
+                <a:cs typeface="+mn-cs"/>
+              </a:defRPr>
+            </a:lvl7pPr>
+            <a:lvl8pPr marL="3429000" indent="-228600" algn="l" defTabSz="914400" rtl="0" eaLnBrk="1" latinLnBrk="0" hangingPunct="1">
+              <a:lnSpc>
+                <a:spcPct val="90000"/>
+              </a:lnSpc>
+              <a:spcBef>
+                <a:spcPts val="500"/>
+              </a:spcBef>
+              <a:buFont typeface="Arial" panose="020B0604020202020204" pitchFamily="34" charset="0"/>
+              <a:buChar char="•"/>
+              <a:defRPr sz="1800" kern="1200">
+                <a:solidFill>
+                  <a:schemeClr val="tx1"/>
+                </a:solidFill>
+                <a:latin typeface="+mn-lt"/>
+                <a:ea typeface="+mn-ea"/>
+                <a:cs typeface="+mn-cs"/>
+              </a:defRPr>
+            </a:lvl8pPr>
+            <a:lvl9pPr marL="3886200" indent="-228600" algn="l" defTabSz="914400" rtl="0" eaLnBrk="1" latinLnBrk="0" hangingPunct="1">
+              <a:lnSpc>
+                <a:spcPct val="90000"/>
+              </a:lnSpc>
+              <a:spcBef>
+                <a:spcPts val="500"/>
+              </a:spcBef>
+              <a:buFont typeface="Arial" panose="020B0604020202020204" pitchFamily="34" charset="0"/>
+              <a:buChar char="•"/>
+              <a:defRPr sz="1800" kern="1200">
+                <a:solidFill>
+                  <a:schemeClr val="tx1"/>
+                </a:solidFill>
+                <a:latin typeface="+mn-lt"/>
+                <a:ea typeface="+mn-ea"/>
+                <a:cs typeface="+mn-cs"/>
+              </a:defRPr>
+            </a:lvl9pPr>
+          </a:lstStyle>
+          <a:p>
+            <a:pPr marL="0" indent="0" algn="just">
+              <a:buNone/>
+            </a:pPr>
+            <a:r>
+              <a:rPr lang="fr-FR" sz="1800" b="1" dirty="0">
+                <a:latin typeface="Times New Roman" panose="02020603050405020304" pitchFamily="18" charset="0"/>
+                <a:cs typeface="Times New Roman" panose="02020603050405020304" pitchFamily="18" charset="0"/>
+              </a:rPr>
+              <a:t>Motivation : </a:t>
+            </a:r>
+            <a:r>
+              <a:rPr lang="fr-FR" sz="1800" dirty="0">
+                <a:latin typeface="Times New Roman" panose="02020603050405020304" pitchFamily="18" charset="0"/>
+                <a:cs typeface="Times New Roman" panose="02020603050405020304" pitchFamily="18" charset="0"/>
+              </a:rPr>
+              <a:t>Motiver par l’envie de découvrir des livres qui ne sont pas proposés par des grandes publicités.</a:t>
+            </a:r>
+          </a:p>
+          <a:p>
+            <a:pPr marL="0" indent="0" algn="just">
+              <a:buNone/>
+            </a:pPr>
+            <a:r>
+              <a:rPr lang="fr-FR" sz="1800" b="1" dirty="0">
+                <a:latin typeface="Times New Roman" panose="02020603050405020304" pitchFamily="18" charset="0"/>
+                <a:cs typeface="Times New Roman" panose="02020603050405020304" pitchFamily="18" charset="0"/>
+              </a:rPr>
+              <a:t>Comportements : </a:t>
+            </a:r>
+            <a:r>
+              <a:rPr lang="fr-FR" sz="1800" dirty="0">
+                <a:latin typeface="Times New Roman" panose="02020603050405020304" pitchFamily="18" charset="0"/>
+                <a:cs typeface="Times New Roman" panose="02020603050405020304" pitchFamily="18" charset="0"/>
+              </a:rPr>
+              <a:t>Elle apprécie les critiques bien rédigées et les discussions sur les forums littéraires.</a:t>
+            </a:r>
+          </a:p>
+        </p:txBody>
+      </p:sp>
+      <p:sp>
+        <p:nvSpPr>
+          <p:cNvPr id="5" name="Espace réservé du numéro de diapositive 4">
+            <a:extLst>
+              <a:ext uri="{FF2B5EF4-FFF2-40B4-BE49-F238E27FC236}">
+                <a16:creationId xmlns:a16="http://schemas.microsoft.com/office/drawing/2014/main" id="{23A69C43-E9EC-488D-8077-CF60AE22795A}"/>
+              </a:ext>
+            </a:extLst>
+          </p:cNvPr>
+          <p:cNvSpPr>
+            <a:spLocks noGrp="1"/>
+          </p:cNvSpPr>
+          <p:nvPr>
+            <p:ph type="sldNum" sz="quarter" idx="12"/>
+            <p:custDataLst>
+              <p:tags r:id="rId7"/>
+            </p:custDataLst>
+          </p:nvPr>
+        </p:nvSpPr>
+        <p:spPr/>
+        <p:txBody>
+          <a:bodyPr/>
+          <a:lstStyle/>
+          <a:p>
+            <a:fld id="{23120ADE-45B3-4262-A680-7B402FD9570E}" type="slidenum">
+              <a:rPr lang="fr-FR" smtClean="0"/>
+              <a:t>5</a:t>
+            </a:fld>
+            <a:endParaRPr lang="fr-FR"/>
+          </a:p>
+        </p:txBody>
+      </p:sp>
+      <p:pic>
+        <p:nvPicPr>
+          <p:cNvPr id="9" name="Image 8" descr="Une image contenant personne, habits, Visage humain, mur&#10;&#10;Description générée automatiquement">
+            <a:extLst>
+              <a:ext uri="{FF2B5EF4-FFF2-40B4-BE49-F238E27FC236}">
+                <a16:creationId xmlns:a16="http://schemas.microsoft.com/office/drawing/2014/main" id="{6D844316-DAE8-4B04-13B7-76A4644C1027}"/>
+              </a:ext>
+            </a:extLst>
+          </p:cNvPr>
+          <p:cNvPicPr>
+            <a:picLocks noChangeAspect="1"/>
+          </p:cNvPicPr>
+          <p:nvPr>
+            <p:custDataLst>
+              <p:tags r:id="rId8"/>
+            </p:custDataLst>
+          </p:nvPr>
+        </p:nvPicPr>
+        <p:blipFill>
+          <a:blip r:embed="rId12">
+            <a:extLst>
+              <a:ext uri="{28A0092B-C50C-407E-A947-70E740481C1C}">
+                <a14:useLocalDpi xmlns:a14="http://schemas.microsoft.com/office/drawing/2010/main" val="0"/>
+              </a:ext>
+            </a:extLst>
+          </a:blip>
+          <a:stretch>
+            <a:fillRect/>
+          </a:stretch>
+        </p:blipFill>
+        <p:spPr>
+          <a:xfrm>
+            <a:off x="439510" y="1951020"/>
+            <a:ext cx="3271178" cy="3271178"/>
+          </a:xfrm>
+          <a:prstGeom prst="rect">
+            <a:avLst/>
+          </a:prstGeom>
+        </p:spPr>
+      </p:pic>
+      <p:sp>
+        <p:nvSpPr>
+          <p:cNvPr id="3" name="Espace réservé du contenu 6">
+            <a:extLst>
+              <a:ext uri="{FF2B5EF4-FFF2-40B4-BE49-F238E27FC236}">
+                <a16:creationId xmlns:a16="http://schemas.microsoft.com/office/drawing/2014/main" id="{5945ACBD-8C8F-75B2-7416-976D94D706BD}"/>
+              </a:ext>
+            </a:extLst>
+          </p:cNvPr>
+          <p:cNvSpPr txBox="1">
+            <a:spLocks/>
+          </p:cNvSpPr>
+          <p:nvPr>
+            <p:custDataLst>
+              <p:tags r:id="rId9"/>
+            </p:custDataLst>
+          </p:nvPr>
+        </p:nvSpPr>
+        <p:spPr>
+          <a:xfrm>
+            <a:off x="270124" y="5481329"/>
+            <a:ext cx="3948060" cy="330169"/>
+          </a:xfrm>
+          <a:prstGeom prst="rect">
+            <a:avLst/>
+          </a:prstGeom>
+        </p:spPr>
+        <p:txBody>
+          <a:bodyPr vert="horz" lIns="91440" tIns="45720" rIns="91440" bIns="45720" rtlCol="0" anchor="t">
+            <a:noAutofit/>
+          </a:bodyPr>
+          <a:lstStyle>
+            <a:lvl1pPr marL="228600" indent="-228600" algn="l" defTabSz="914400" rtl="0" eaLnBrk="1" latinLnBrk="0" hangingPunct="1">
+              <a:lnSpc>
+                <a:spcPct val="90000"/>
+              </a:lnSpc>
+              <a:spcBef>
+                <a:spcPts val="1000"/>
+              </a:spcBef>
+              <a:buFont typeface="Arial" panose="020B0604020202020204" pitchFamily="34" charset="0"/>
+              <a:buChar char="•"/>
+              <a:defRPr sz="2800" kern="1200">
+                <a:solidFill>
+                  <a:schemeClr val="tx1"/>
+                </a:solidFill>
+                <a:latin typeface="+mn-lt"/>
+                <a:ea typeface="+mn-ea"/>
+                <a:cs typeface="+mn-cs"/>
+              </a:defRPr>
+            </a:lvl1pPr>
+            <a:lvl2pPr marL="685800" indent="-228600" algn="l" defTabSz="914400" rtl="0" eaLnBrk="1" latinLnBrk="0" hangingPunct="1">
+              <a:lnSpc>
+                <a:spcPct val="90000"/>
+              </a:lnSpc>
+              <a:spcBef>
+                <a:spcPts val="500"/>
+              </a:spcBef>
+              <a:buFont typeface="Arial" panose="020B0604020202020204" pitchFamily="34" charset="0"/>
+              <a:buChar char="•"/>
+              <a:defRPr sz="2400" kern="1200">
+                <a:solidFill>
+                  <a:schemeClr val="tx1"/>
+                </a:solidFill>
+                <a:latin typeface="+mn-lt"/>
+                <a:ea typeface="+mn-ea"/>
+                <a:cs typeface="+mn-cs"/>
+              </a:defRPr>
+            </a:lvl2pPr>
+            <a:lvl3pPr marL="1143000" indent="-228600" algn="l" defTabSz="914400" rtl="0" eaLnBrk="1" latinLnBrk="0" hangingPunct="1">
+              <a:lnSpc>
+                <a:spcPct val="90000"/>
+              </a:lnSpc>
+              <a:spcBef>
+                <a:spcPts val="500"/>
+              </a:spcBef>
+              <a:buFont typeface="Arial" panose="020B0604020202020204" pitchFamily="34" charset="0"/>
+              <a:buChar char="•"/>
+              <a:defRPr sz="2000" kern="1200">
+                <a:solidFill>
+                  <a:schemeClr val="tx1"/>
+                </a:solidFill>
+                <a:latin typeface="+mn-lt"/>
+                <a:ea typeface="+mn-ea"/>
+                <a:cs typeface="+mn-cs"/>
+              </a:defRPr>
+            </a:lvl3pPr>
+            <a:lvl4pPr marL="1600200" indent="-228600" algn="l" defTabSz="914400" rtl="0" eaLnBrk="1" latinLnBrk="0" hangingPunct="1">
+              <a:lnSpc>
+                <a:spcPct val="90000"/>
+              </a:lnSpc>
+              <a:spcBef>
+                <a:spcPts val="500"/>
+              </a:spcBef>
+              <a:buFont typeface="Arial" panose="020B0604020202020204" pitchFamily="34" charset="0"/>
+              <a:buChar char="•"/>
+              <a:defRPr sz="1800" kern="1200">
+                <a:solidFill>
+                  <a:schemeClr val="tx1"/>
+                </a:solidFill>
+                <a:latin typeface="+mn-lt"/>
+                <a:ea typeface="+mn-ea"/>
+                <a:cs typeface="+mn-cs"/>
+              </a:defRPr>
+            </a:lvl4pPr>
+            <a:lvl5pPr marL="2057400" indent="-228600" algn="l" defTabSz="914400" rtl="0" eaLnBrk="1" latinLnBrk="0" hangingPunct="1">
+              <a:lnSpc>
+                <a:spcPct val="90000"/>
+              </a:lnSpc>
+              <a:spcBef>
+                <a:spcPts val="500"/>
+              </a:spcBef>
+              <a:buFont typeface="Arial" panose="020B0604020202020204" pitchFamily="34" charset="0"/>
+              <a:buChar char="•"/>
+              <a:defRPr sz="1800" kern="1200">
+                <a:solidFill>
+                  <a:schemeClr val="tx1"/>
+                </a:solidFill>
+                <a:latin typeface="+mn-lt"/>
+                <a:ea typeface="+mn-ea"/>
+                <a:cs typeface="+mn-cs"/>
+              </a:defRPr>
+            </a:lvl5pPr>
+            <a:lvl6pPr marL="2514600" indent="-228600" algn="l" defTabSz="914400" rtl="0" eaLnBrk="1" latinLnBrk="0" hangingPunct="1">
+              <a:lnSpc>
+                <a:spcPct val="90000"/>
+              </a:lnSpc>
+              <a:spcBef>
+                <a:spcPts val="500"/>
+              </a:spcBef>
+              <a:buFont typeface="Arial" panose="020B0604020202020204" pitchFamily="34" charset="0"/>
+              <a:buChar char="•"/>
+              <a:defRPr sz="1800" kern="1200">
+                <a:solidFill>
+                  <a:schemeClr val="tx1"/>
+                </a:solidFill>
+                <a:latin typeface="+mn-lt"/>
+                <a:ea typeface="+mn-ea"/>
+                <a:cs typeface="+mn-cs"/>
+              </a:defRPr>
+            </a:lvl6pPr>
+            <a:lvl7pPr marL="2971800" indent="-228600" algn="l" defTabSz="914400" rtl="0" eaLnBrk="1" latinLnBrk="0" hangingPunct="1">
+              <a:lnSpc>
+                <a:spcPct val="90000"/>
+              </a:lnSpc>
+              <a:spcBef>
+                <a:spcPts val="500"/>
+              </a:spcBef>
+              <a:buFont typeface="Arial" panose="020B0604020202020204" pitchFamily="34" charset="0"/>
+              <a:buChar char="•"/>
+              <a:defRPr sz="1800" kern="1200">
+                <a:solidFill>
+                  <a:schemeClr val="tx1"/>
+                </a:solidFill>
+                <a:latin typeface="+mn-lt"/>
+                <a:ea typeface="+mn-ea"/>
+                <a:cs typeface="+mn-cs"/>
+              </a:defRPr>
+            </a:lvl7pPr>
+            <a:lvl8pPr marL="3429000" indent="-228600" algn="l" defTabSz="914400" rtl="0" eaLnBrk="1" latinLnBrk="0" hangingPunct="1">
+              <a:lnSpc>
+                <a:spcPct val="90000"/>
+              </a:lnSpc>
+              <a:spcBef>
+                <a:spcPts val="500"/>
+              </a:spcBef>
+              <a:buFont typeface="Arial" panose="020B0604020202020204" pitchFamily="34" charset="0"/>
+              <a:buChar char="•"/>
+              <a:defRPr sz="1800" kern="1200">
+                <a:solidFill>
+                  <a:schemeClr val="tx1"/>
+                </a:solidFill>
+                <a:latin typeface="+mn-lt"/>
+                <a:ea typeface="+mn-ea"/>
+                <a:cs typeface="+mn-cs"/>
+              </a:defRPr>
+            </a:lvl8pPr>
+            <a:lvl9pPr marL="3886200" indent="-228600" algn="l" defTabSz="914400" rtl="0" eaLnBrk="1" latinLnBrk="0" hangingPunct="1">
+              <a:lnSpc>
+                <a:spcPct val="90000"/>
+              </a:lnSpc>
+              <a:spcBef>
+                <a:spcPts val="500"/>
+              </a:spcBef>
+              <a:buFont typeface="Arial" panose="020B0604020202020204" pitchFamily="34" charset="0"/>
+              <a:buChar char="•"/>
+              <a:defRPr sz="1800" kern="1200">
+                <a:solidFill>
+                  <a:schemeClr val="tx1"/>
+                </a:solidFill>
+                <a:latin typeface="+mn-lt"/>
+                <a:ea typeface="+mn-ea"/>
+                <a:cs typeface="+mn-cs"/>
+              </a:defRPr>
+            </a:lvl9pPr>
+          </a:lstStyle>
+          <a:p>
+            <a:pPr marL="0" indent="0" algn="just">
+              <a:buNone/>
+            </a:pPr>
+            <a:r>
+              <a:rPr lang="fr-FR" sz="1800" b="1" dirty="0">
+                <a:latin typeface="Times New Roman" panose="02020603050405020304" pitchFamily="18" charset="0"/>
+                <a:cs typeface="Times New Roman" panose="02020603050405020304" pitchFamily="18" charset="0"/>
+              </a:rPr>
+              <a:t>Profession : </a:t>
+            </a:r>
+            <a:r>
+              <a:rPr lang="fr-FR" sz="1800" dirty="0">
+                <a:latin typeface="Times New Roman" panose="02020603050405020304" pitchFamily="18" charset="0"/>
+                <a:cs typeface="Times New Roman" panose="02020603050405020304" pitchFamily="18" charset="0"/>
+              </a:rPr>
+              <a:t>Enseignante dans un lycée</a:t>
+            </a:r>
+            <a:endParaRPr lang="fr-FR" sz="1800" b="1" dirty="0">
+              <a:latin typeface="Times New Roman" panose="02020603050405020304" pitchFamily="18" charset="0"/>
+              <a:cs typeface="Times New Roman" panose="02020603050405020304" pitchFamily="18" charset="0"/>
+            </a:endParaRPr>
+          </a:p>
+        </p:txBody>
+      </p:sp>
+      <p:sp>
+        <p:nvSpPr>
+          <p:cNvPr id="4" name="Espace réservé du contenu 6">
+            <a:extLst>
+              <a:ext uri="{FF2B5EF4-FFF2-40B4-BE49-F238E27FC236}">
+                <a16:creationId xmlns:a16="http://schemas.microsoft.com/office/drawing/2014/main" id="{2C1372E9-F697-0BCA-363F-689996881C51}"/>
+              </a:ext>
+            </a:extLst>
+          </p:cNvPr>
+          <p:cNvSpPr txBox="1">
+            <a:spLocks/>
+          </p:cNvSpPr>
+          <p:nvPr>
+            <p:custDataLst>
+              <p:tags r:id="rId10"/>
+            </p:custDataLst>
+          </p:nvPr>
+        </p:nvSpPr>
+        <p:spPr>
+          <a:xfrm>
+            <a:off x="270123" y="5810900"/>
+            <a:ext cx="7143399" cy="330169"/>
+          </a:xfrm>
+          <a:prstGeom prst="rect">
+            <a:avLst/>
+          </a:prstGeom>
+        </p:spPr>
+        <p:txBody>
+          <a:bodyPr vert="horz" lIns="91440" tIns="45720" rIns="91440" bIns="45720" rtlCol="0" anchor="t">
+            <a:noAutofit/>
+          </a:bodyPr>
+          <a:lstStyle>
+            <a:lvl1pPr marL="228600" indent="-228600" algn="l" defTabSz="914400" rtl="0" eaLnBrk="1" latinLnBrk="0" hangingPunct="1">
+              <a:lnSpc>
+                <a:spcPct val="90000"/>
+              </a:lnSpc>
+              <a:spcBef>
+                <a:spcPts val="1000"/>
+              </a:spcBef>
+              <a:buFont typeface="Arial" panose="020B0604020202020204" pitchFamily="34" charset="0"/>
+              <a:buChar char="•"/>
+              <a:defRPr sz="2800" kern="1200">
+                <a:solidFill>
+                  <a:schemeClr val="tx1"/>
+                </a:solidFill>
+                <a:latin typeface="+mn-lt"/>
+                <a:ea typeface="+mn-ea"/>
+                <a:cs typeface="+mn-cs"/>
+              </a:defRPr>
+            </a:lvl1pPr>
+            <a:lvl2pPr marL="685800" indent="-228600" algn="l" defTabSz="914400" rtl="0" eaLnBrk="1" latinLnBrk="0" hangingPunct="1">
+              <a:lnSpc>
+                <a:spcPct val="90000"/>
+              </a:lnSpc>
+              <a:spcBef>
+                <a:spcPts val="500"/>
+              </a:spcBef>
+              <a:buFont typeface="Arial" panose="020B0604020202020204" pitchFamily="34" charset="0"/>
+              <a:buChar char="•"/>
+              <a:defRPr sz="2400" kern="1200">
+                <a:solidFill>
+                  <a:schemeClr val="tx1"/>
+                </a:solidFill>
+                <a:latin typeface="+mn-lt"/>
+                <a:ea typeface="+mn-ea"/>
+                <a:cs typeface="+mn-cs"/>
+              </a:defRPr>
+            </a:lvl2pPr>
+            <a:lvl3pPr marL="1143000" indent="-228600" algn="l" defTabSz="914400" rtl="0" eaLnBrk="1" latinLnBrk="0" hangingPunct="1">
+              <a:lnSpc>
+                <a:spcPct val="90000"/>
+              </a:lnSpc>
+              <a:spcBef>
+                <a:spcPts val="500"/>
+              </a:spcBef>
+              <a:buFont typeface="Arial" panose="020B0604020202020204" pitchFamily="34" charset="0"/>
+              <a:buChar char="•"/>
+              <a:defRPr sz="2000" kern="1200">
+                <a:solidFill>
+                  <a:schemeClr val="tx1"/>
+                </a:solidFill>
+                <a:latin typeface="+mn-lt"/>
+                <a:ea typeface="+mn-ea"/>
+                <a:cs typeface="+mn-cs"/>
+              </a:defRPr>
+            </a:lvl3pPr>
+            <a:lvl4pPr marL="1600200" indent="-228600" algn="l" defTabSz="914400" rtl="0" eaLnBrk="1" latinLnBrk="0" hangingPunct="1">
+              <a:lnSpc>
+                <a:spcPct val="90000"/>
+              </a:lnSpc>
+              <a:spcBef>
+                <a:spcPts val="500"/>
+              </a:spcBef>
+              <a:buFont typeface="Arial" panose="020B0604020202020204" pitchFamily="34" charset="0"/>
+              <a:buChar char="•"/>
+              <a:defRPr sz="1800" kern="1200">
+                <a:solidFill>
+                  <a:schemeClr val="tx1"/>
+                </a:solidFill>
+                <a:latin typeface="+mn-lt"/>
+                <a:ea typeface="+mn-ea"/>
+                <a:cs typeface="+mn-cs"/>
+              </a:defRPr>
+            </a:lvl4pPr>
+            <a:lvl5pPr marL="2057400" indent="-228600" algn="l" defTabSz="914400" rtl="0" eaLnBrk="1" latinLnBrk="0" hangingPunct="1">
+              <a:lnSpc>
+                <a:spcPct val="90000"/>
+              </a:lnSpc>
+              <a:spcBef>
+                <a:spcPts val="500"/>
+              </a:spcBef>
+              <a:buFont typeface="Arial" panose="020B0604020202020204" pitchFamily="34" charset="0"/>
+              <a:buChar char="•"/>
+              <a:defRPr sz="1800" kern="1200">
+                <a:solidFill>
+                  <a:schemeClr val="tx1"/>
+                </a:solidFill>
+                <a:latin typeface="+mn-lt"/>
+                <a:ea typeface="+mn-ea"/>
+                <a:cs typeface="+mn-cs"/>
+              </a:defRPr>
+            </a:lvl5pPr>
+            <a:lvl6pPr marL="2514600" indent="-228600" algn="l" defTabSz="914400" rtl="0" eaLnBrk="1" latinLnBrk="0" hangingPunct="1">
+              <a:lnSpc>
+                <a:spcPct val="90000"/>
+              </a:lnSpc>
+              <a:spcBef>
+                <a:spcPts val="500"/>
+              </a:spcBef>
+              <a:buFont typeface="Arial" panose="020B0604020202020204" pitchFamily="34" charset="0"/>
+              <a:buChar char="•"/>
+              <a:defRPr sz="1800" kern="1200">
+                <a:solidFill>
+                  <a:schemeClr val="tx1"/>
+                </a:solidFill>
+                <a:latin typeface="+mn-lt"/>
+                <a:ea typeface="+mn-ea"/>
+                <a:cs typeface="+mn-cs"/>
+              </a:defRPr>
+            </a:lvl6pPr>
+            <a:lvl7pPr marL="2971800" indent="-228600" algn="l" defTabSz="914400" rtl="0" eaLnBrk="1" latinLnBrk="0" hangingPunct="1">
+              <a:lnSpc>
+                <a:spcPct val="90000"/>
+              </a:lnSpc>
+              <a:spcBef>
+                <a:spcPts val="500"/>
+              </a:spcBef>
+              <a:buFont typeface="Arial" panose="020B0604020202020204" pitchFamily="34" charset="0"/>
+              <a:buChar char="•"/>
+              <a:defRPr sz="1800" kern="1200">
+                <a:solidFill>
+                  <a:schemeClr val="tx1"/>
+                </a:solidFill>
+                <a:latin typeface="+mn-lt"/>
+                <a:ea typeface="+mn-ea"/>
+                <a:cs typeface="+mn-cs"/>
+              </a:defRPr>
+            </a:lvl7pPr>
+            <a:lvl8pPr marL="3429000" indent="-228600" algn="l" defTabSz="914400" rtl="0" eaLnBrk="1" latinLnBrk="0" hangingPunct="1">
+              <a:lnSpc>
+                <a:spcPct val="90000"/>
+              </a:lnSpc>
+              <a:spcBef>
+                <a:spcPts val="500"/>
+              </a:spcBef>
+              <a:buFont typeface="Arial" panose="020B0604020202020204" pitchFamily="34" charset="0"/>
+              <a:buChar char="•"/>
+              <a:defRPr sz="1800" kern="1200">
+                <a:solidFill>
+                  <a:schemeClr val="tx1"/>
+                </a:solidFill>
+                <a:latin typeface="+mn-lt"/>
+                <a:ea typeface="+mn-ea"/>
+                <a:cs typeface="+mn-cs"/>
+              </a:defRPr>
+            </a:lvl8pPr>
+            <a:lvl9pPr marL="3886200" indent="-228600" algn="l" defTabSz="914400" rtl="0" eaLnBrk="1" latinLnBrk="0" hangingPunct="1">
+              <a:lnSpc>
+                <a:spcPct val="90000"/>
+              </a:lnSpc>
+              <a:spcBef>
+                <a:spcPts val="500"/>
+              </a:spcBef>
+              <a:buFont typeface="Arial" panose="020B0604020202020204" pitchFamily="34" charset="0"/>
+              <a:buChar char="•"/>
+              <a:defRPr sz="1800" kern="1200">
+                <a:solidFill>
+                  <a:schemeClr val="tx1"/>
+                </a:solidFill>
+                <a:latin typeface="+mn-lt"/>
+                <a:ea typeface="+mn-ea"/>
+                <a:cs typeface="+mn-cs"/>
+              </a:defRPr>
+            </a:lvl9pPr>
+          </a:lstStyle>
+          <a:p>
+            <a:pPr marL="0" indent="0" algn="just">
+              <a:buNone/>
+            </a:pPr>
+            <a:r>
+              <a:rPr lang="fr-FR" sz="1800" b="1" dirty="0">
+                <a:latin typeface="Times New Roman" panose="02020603050405020304" pitchFamily="18" charset="0"/>
+                <a:cs typeface="Times New Roman" panose="02020603050405020304" pitchFamily="18" charset="0"/>
+              </a:rPr>
+              <a:t>Catégorie du persona : </a:t>
+            </a:r>
+            <a:r>
+              <a:rPr lang="fr-FR" sz="1800" dirty="0">
+                <a:latin typeface="Times New Roman" panose="02020603050405020304" pitchFamily="18" charset="0"/>
+                <a:cs typeface="Times New Roman" panose="02020603050405020304" pitchFamily="18" charset="0"/>
+              </a:rPr>
+              <a:t>Intéressé par la découverte de nouveau livre</a:t>
+            </a:r>
+            <a:endParaRPr lang="fr-FR" sz="1800" b="1" dirty="0">
+              <a:latin typeface="Times New Roman" panose="02020603050405020304" pitchFamily="18" charset="0"/>
+              <a:cs typeface="Times New Roman" panose="02020603050405020304" pitchFamily="18" charset="0"/>
+            </a:endParaRPr>
+          </a:p>
+        </p:txBody>
+      </p:sp>
+    </p:spTree>
+    <p:extLst>
+      <p:ext uri="{BB962C8B-B14F-4D97-AF65-F5344CB8AC3E}">
+        <p14:creationId xmlns:p14="http://schemas.microsoft.com/office/powerpoint/2010/main" val="1399475525"/>
+      </p:ext>
+    </p:extLst>
+  </p:cSld>
+  <p:clrMapOvr>
+    <a:masterClrMapping/>
+  </p:clrMapOvr>
+</p:sld>
+</file>
+
+<file path=ppt/slides/slide6.xml><?xml version="1.0" encoding="utf-8"?>
+<p:sld xmlns:a="http://schemas.openxmlformats.org/drawingml/2006/main" xmlns:r="http://schemas.openxmlformats.org/officeDocument/2006/relationships" xmlns:p="http://schemas.openxmlformats.org/presentationml/2006/main">
+  <p:cSld>
+    <p:spTree>
+      <p:nvGrpSpPr>
+        <p:cNvPr id="1" name=""/>
+        <p:cNvGrpSpPr/>
+        <p:nvPr/>
+      </p:nvGrpSpPr>
+      <p:grpSpPr>
+        <a:xfrm>
+          <a:off x="0" y="0"/>
+          <a:ext cx="0" cy="0"/>
+          <a:chOff x="0" y="0"/>
+          <a:chExt cx="0" cy="0"/>
+        </a:xfrm>
+      </p:grpSpPr>
+      <p:sp useBgFill="1">
+        <p:nvSpPr>
+          <p:cNvPr id="16" name="Rectangle 15">
+            <a:extLst>
+              <a:ext uri="{FF2B5EF4-FFF2-40B4-BE49-F238E27FC236}">
+                <a16:creationId xmlns:a16="http://schemas.microsoft.com/office/drawing/2014/main" id="{3346177D-ADC4-4968-B747-5CFCD390B5B9}"/>
+              </a:ext>
+              <a:ext uri="{C183D7F6-B498-43B3-948B-1728B52AA6E4}">
+                <adec:decorative xmlns:adec="http://schemas.microsoft.com/office/drawing/2017/decorative" val="1"/>
+              </a:ext>
+            </a:extLst>
+          </p:cNvPr>
+          <p:cNvSpPr>
+            <a:spLocks noGrp="1" noRot="1" noChangeAspect="1" noMove="1" noResize="1" noEditPoints="1" noAdjustHandles="1" noChangeArrowheads="1" noChangeShapeType="1" noTextEdit="1"/>
+          </p:cNvSpPr>
+          <p:nvPr>
+            <p:custDataLst>
+              <p:tags r:id="rId1"/>
+            </p:custDataLst>
+            <p:extLst>
+              <p:ext uri="{386F3935-93C4-4BCD-93E2-E3B085C9AB24}">
+                <p16:designElem xmlns:p16="http://schemas.microsoft.com/office/powerpoint/2015/main" val="1"/>
+              </p:ext>
+            </p:extLst>
+          </p:nvPr>
+        </p:nvSpPr>
+        <p:spPr>
+          <a:xfrm>
+            <a:off x="0" y="0"/>
+            <a:ext cx="12192000" cy="6858000"/>
+          </a:xfrm>
+          <a:prstGeom prst="rect">
+            <a:avLst/>
+          </a:prstGeom>
+          <a:ln w="12700" cap="flat" cmpd="sng" algn="ctr">
+            <a:noFill/>
+            <a:prstDash val="solid"/>
+            <a:miter lim="800000"/>
+          </a:ln>
+          <a:effectLst/>
+          <a:extLst>
+            <a:ext uri="{91240B29-F687-4F45-9708-019B960494DF}">
+              <a14:hiddenLine xmlns:a14="http://schemas.microsoft.com/office/drawing/2010/main" w="12700" cap="flat" cmpd="sng" algn="ctr">
+                <a:solidFill>
+                  <a:schemeClr val="accent1">
+                    <a:shade val="50000"/>
+                  </a:schemeClr>
+                </a:solidFill>
+                <a:prstDash val="solid"/>
+                <a:miter lim="800000"/>
+              </a14:hiddenLine>
+            </a:ext>
+          </a:extLst>
+        </p:spPr>
+        <p:style>
+          <a:lnRef idx="2">
+            <a:schemeClr val="accent1">
+              <a:shade val="50000"/>
+            </a:schemeClr>
+          </a:lnRef>
+          <a:fillRef idx="1">
+            <a:schemeClr val="accent1"/>
+          </a:fillRef>
+          <a:effectRef idx="0">
+            <a:schemeClr val="accent1"/>
+          </a:effectRef>
+          <a:fontRef idx="minor">
+            <a:schemeClr val="lt1"/>
+          </a:fontRef>
+        </p:style>
+        <p:txBody>
+          <a:bodyPr rtlCol="0" anchor="ctr"/>
+          <a:lstStyle/>
+          <a:p>
+            <a:pPr algn="ctr"/>
+            <a:endParaRPr lang="en-US"/>
+          </a:p>
+        </p:txBody>
+      </p:sp>
+      <p:sp>
+        <p:nvSpPr>
+          <p:cNvPr id="2" name="Titre 1">
+            <a:extLst>
+              <a:ext uri="{FF2B5EF4-FFF2-40B4-BE49-F238E27FC236}">
+                <a16:creationId xmlns:a16="http://schemas.microsoft.com/office/drawing/2014/main" id="{CAB3509C-2EDD-C4C5-76D2-4EDE012B0367}"/>
+              </a:ext>
+            </a:extLst>
+          </p:cNvPr>
+          <p:cNvSpPr>
+            <a:spLocks noGrp="1"/>
+          </p:cNvSpPr>
+          <p:nvPr>
+            <p:ph type="title"/>
+            <p:custDataLst>
+              <p:tags r:id="rId2"/>
+            </p:custDataLst>
+          </p:nvPr>
+        </p:nvSpPr>
+        <p:spPr>
+          <a:xfrm>
+            <a:off x="1040676" y="149650"/>
+            <a:ext cx="2406956" cy="1026367"/>
+          </a:xfrm>
+        </p:spPr>
+        <p:txBody>
+          <a:bodyPr anchor="b">
+            <a:normAutofit/>
+          </a:bodyPr>
+          <a:lstStyle/>
+          <a:p>
+            <a:r>
+              <a:rPr lang="fr-FR" sz="4000" dirty="0">
+                <a:latin typeface="Times New Roman" panose="02020603050405020304" pitchFamily="18" charset="0"/>
+                <a:cs typeface="Times New Roman" panose="02020603050405020304" pitchFamily="18" charset="0"/>
+              </a:rPr>
+              <a:t>Persona</a:t>
+            </a:r>
+          </a:p>
+        </p:txBody>
+      </p:sp>
+      <p:sp>
+        <p:nvSpPr>
+          <p:cNvPr id="7" name="Espace réservé du contenu 6">
+            <a:extLst>
+              <a:ext uri="{FF2B5EF4-FFF2-40B4-BE49-F238E27FC236}">
+                <a16:creationId xmlns:a16="http://schemas.microsoft.com/office/drawing/2014/main" id="{D7EF0F2A-A904-581F-6BBA-BED4997A259B}"/>
+              </a:ext>
+            </a:extLst>
+          </p:cNvPr>
+          <p:cNvSpPr>
+            <a:spLocks noGrp="1"/>
+          </p:cNvSpPr>
+          <p:nvPr>
+            <p:ph idx="1"/>
+            <p:custDataLst>
+              <p:tags r:id="rId3"/>
+            </p:custDataLst>
+          </p:nvPr>
+        </p:nvSpPr>
+        <p:spPr>
+          <a:xfrm>
+            <a:off x="4514014" y="1520497"/>
+            <a:ext cx="5550366" cy="2304602"/>
+          </a:xfrm>
+        </p:spPr>
+        <p:txBody>
+          <a:bodyPr anchor="t">
+            <a:noAutofit/>
+          </a:bodyPr>
+          <a:lstStyle/>
+          <a:p>
+            <a:pPr marL="0" indent="0" algn="just">
+              <a:buNone/>
+            </a:pPr>
+            <a:r>
+              <a:rPr lang="fr-FR" sz="1800" b="1" dirty="0">
+                <a:latin typeface="Times New Roman" panose="02020603050405020304" pitchFamily="18" charset="0"/>
+                <a:cs typeface="Times New Roman" panose="02020603050405020304" pitchFamily="18" charset="0"/>
+              </a:rPr>
+              <a:t>Nom et Prénom : </a:t>
+            </a:r>
+            <a:r>
+              <a:rPr lang="fr-FR" sz="1800" dirty="0">
+                <a:latin typeface="Times New Roman" panose="02020603050405020304" pitchFamily="18" charset="0"/>
+                <a:cs typeface="Times New Roman" panose="02020603050405020304" pitchFamily="18" charset="0"/>
+              </a:rPr>
+              <a:t>Luc Martin</a:t>
+            </a:r>
+          </a:p>
+          <a:p>
+            <a:pPr marL="0" indent="0" algn="just">
+              <a:buNone/>
+            </a:pPr>
+            <a:r>
+              <a:rPr lang="fr-FR" sz="1800" b="1" dirty="0">
+                <a:latin typeface="Times New Roman" panose="02020603050405020304" pitchFamily="18" charset="0"/>
+                <a:cs typeface="Times New Roman" panose="02020603050405020304" pitchFamily="18" charset="0"/>
+              </a:rPr>
+              <a:t>Âge : </a:t>
+            </a:r>
+            <a:r>
+              <a:rPr lang="fr-FR" sz="1800" dirty="0">
+                <a:latin typeface="Times New Roman" panose="02020603050405020304" pitchFamily="18" charset="0"/>
+                <a:cs typeface="Times New Roman" panose="02020603050405020304" pitchFamily="18" charset="0"/>
+              </a:rPr>
+              <a:t>55 ans</a:t>
+            </a:r>
+          </a:p>
+          <a:p>
+            <a:pPr marL="0" indent="0" algn="just">
+              <a:buNone/>
+            </a:pPr>
+            <a:r>
+              <a:rPr lang="fr-FR" sz="1800" b="1" dirty="0">
+                <a:latin typeface="Times New Roman" panose="02020603050405020304" pitchFamily="18" charset="0"/>
+                <a:cs typeface="Times New Roman" panose="02020603050405020304" pitchFamily="18" charset="0"/>
+              </a:rPr>
+              <a:t>Objectif :  </a:t>
+            </a:r>
+            <a:r>
+              <a:rPr lang="fr-FR" sz="1800" dirty="0">
+                <a:latin typeface="Times New Roman" panose="02020603050405020304" pitchFamily="18" charset="0"/>
+                <a:cs typeface="Times New Roman" panose="02020603050405020304" pitchFamily="18" charset="0"/>
+              </a:rPr>
+              <a:t>Partager ses livres préférés avec la communauté, aider les jeunes lecteurs à découvrir des classiques.</a:t>
+            </a:r>
+            <a:endParaRPr lang="fr-FR" sz="1800" b="1" dirty="0">
+              <a:latin typeface="Times New Roman" panose="02020603050405020304" pitchFamily="18" charset="0"/>
+              <a:cs typeface="Times New Roman" panose="02020603050405020304" pitchFamily="18" charset="0"/>
+            </a:endParaRPr>
+          </a:p>
+          <a:p>
+            <a:pPr marL="0" indent="0" algn="just">
+              <a:buNone/>
+            </a:pPr>
+            <a:r>
+              <a:rPr lang="fr-FR" sz="1800" b="1" dirty="0">
+                <a:latin typeface="Times New Roman" panose="02020603050405020304" pitchFamily="18" charset="0"/>
+                <a:cs typeface="Times New Roman" panose="02020603050405020304" pitchFamily="18" charset="0"/>
+              </a:rPr>
+              <a:t>Frustration : </a:t>
+            </a:r>
+            <a:r>
+              <a:rPr lang="fr-FR" sz="1800" dirty="0">
+                <a:latin typeface="Times New Roman" panose="02020603050405020304" pitchFamily="18" charset="0"/>
+                <a:cs typeface="Times New Roman" panose="02020603050405020304" pitchFamily="18" charset="0"/>
+              </a:rPr>
+              <a:t>Il est difficile de trouver des discussions sérieuses sur certains ouvrages</a:t>
+            </a:r>
+            <a:endParaRPr lang="fr-FR" sz="1800" b="1" dirty="0">
+              <a:latin typeface="Times New Roman" panose="02020603050405020304" pitchFamily="18" charset="0"/>
+              <a:cs typeface="Times New Roman" panose="02020603050405020304" pitchFamily="18" charset="0"/>
+            </a:endParaRPr>
+          </a:p>
+        </p:txBody>
+      </p:sp>
+      <p:sp>
+        <p:nvSpPr>
+          <p:cNvPr id="18" name="Rectangle 17">
+            <a:extLst>
+              <a:ext uri="{FF2B5EF4-FFF2-40B4-BE49-F238E27FC236}">
+                <a16:creationId xmlns:a16="http://schemas.microsoft.com/office/drawing/2014/main" id="{0844A943-BF79-4FEA-ABB1-3BD54D236606}"/>
+              </a:ext>
+              <a:ext uri="{C183D7F6-B498-43B3-948B-1728B52AA6E4}">
+                <adec:decorative xmlns:adec="http://schemas.microsoft.com/office/drawing/2017/decorative" val="1"/>
+              </a:ext>
+            </a:extLst>
+          </p:cNvPr>
+          <p:cNvSpPr>
+            <a:spLocks noGrp="1" noRot="1" noChangeAspect="1" noMove="1" noResize="1" noEditPoints="1" noAdjustHandles="1" noChangeArrowheads="1" noChangeShapeType="1" noTextEdit="1"/>
+          </p:cNvSpPr>
+          <p:nvPr>
+            <p:custDataLst>
+              <p:tags r:id="rId4"/>
+            </p:custDataLst>
+            <p:extLst>
+              <p:ext uri="{386F3935-93C4-4BCD-93E2-E3B085C9AB24}">
+                <p16:designElem xmlns:p16="http://schemas.microsoft.com/office/powerpoint/2015/main" val="1"/>
+              </p:ext>
+            </p:extLst>
+          </p:nvPr>
+        </p:nvSpPr>
+        <p:spPr>
+          <a:xfrm rot="10800000" flipH="1">
+            <a:off x="0" y="6400799"/>
+            <a:ext cx="12192000" cy="456773"/>
+          </a:xfrm>
+          <a:prstGeom prst="rect">
+            <a:avLst/>
+          </a:prstGeom>
+          <a:gradFill>
+            <a:gsLst>
+              <a:gs pos="0">
+                <a:schemeClr val="accent1"/>
+              </a:gs>
+              <a:gs pos="90000">
+                <a:srgbClr val="000000"/>
+              </a:gs>
+            </a:gsLst>
+            <a:lin ang="2400000" scaled="0"/>
+          </a:gradFill>
+          <a:ln>
+            <a:noFill/>
+          </a:ln>
+        </p:spPr>
+        <p:style>
+          <a:lnRef idx="2">
+            <a:schemeClr val="accent1">
+              <a:shade val="50000"/>
+            </a:schemeClr>
+          </a:lnRef>
+          <a:fillRef idx="1">
+            <a:schemeClr val="accent1"/>
+          </a:fillRef>
+          <a:effectRef idx="0">
+            <a:schemeClr val="accent1"/>
+          </a:effectRef>
+          <a:fontRef idx="minor">
+            <a:schemeClr val="lt1"/>
+          </a:fontRef>
+        </p:style>
+        <p:txBody>
+          <a:bodyPr rtlCol="0" anchor="ctr"/>
+          <a:lstStyle/>
+          <a:p>
+            <a:pPr algn="ctr"/>
+            <a:endParaRPr lang="en-US"/>
+          </a:p>
+        </p:txBody>
+      </p:sp>
+      <p:sp>
+        <p:nvSpPr>
+          <p:cNvPr id="20" name="Rectangle 19">
+            <a:extLst>
+              <a:ext uri="{FF2B5EF4-FFF2-40B4-BE49-F238E27FC236}">
+                <a16:creationId xmlns:a16="http://schemas.microsoft.com/office/drawing/2014/main" id="{6437CC72-F4A8-4DC3-AFAB-D22C482C8100}"/>
+              </a:ext>
+              <a:ext uri="{C183D7F6-B498-43B3-948B-1728B52AA6E4}">
+                <adec:decorative xmlns:adec="http://schemas.microsoft.com/office/drawing/2017/decorative" val="1"/>
+              </a:ext>
+            </a:extLst>
+          </p:cNvPr>
+          <p:cNvSpPr>
+            <a:spLocks noGrp="1" noRot="1" noChangeAspect="1" noMove="1" noResize="1" noEditPoints="1" noAdjustHandles="1" noChangeArrowheads="1" noChangeShapeType="1" noTextEdit="1"/>
+          </p:cNvSpPr>
+          <p:nvPr>
+            <p:custDataLst>
+              <p:tags r:id="rId5"/>
+            </p:custDataLst>
+            <p:extLst>
+              <p:ext uri="{386F3935-93C4-4BCD-93E2-E3B085C9AB24}">
+                <p16:designElem xmlns:p16="http://schemas.microsoft.com/office/powerpoint/2015/main" val="1"/>
+              </p:ext>
+            </p:extLst>
+          </p:nvPr>
+        </p:nvSpPr>
+        <p:spPr>
+          <a:xfrm flipH="1">
+            <a:off x="4038600" y="6400799"/>
+            <a:ext cx="8153398" cy="456772"/>
+          </a:xfrm>
+          <a:prstGeom prst="rect">
+            <a:avLst/>
+          </a:prstGeom>
+          <a:gradFill>
+            <a:gsLst>
+              <a:gs pos="0">
+                <a:srgbClr val="000000">
+                  <a:alpha val="50000"/>
+                </a:srgbClr>
+              </a:gs>
+              <a:gs pos="100000">
+                <a:schemeClr val="accent1">
+                  <a:lumMod val="75000"/>
+                </a:schemeClr>
+              </a:gs>
+            </a:gsLst>
+            <a:lin ang="13800000" scaled="0"/>
+          </a:gradFill>
+          <a:ln>
+            <a:noFill/>
+          </a:ln>
+        </p:spPr>
+        <p:style>
+          <a:lnRef idx="2">
+            <a:schemeClr val="accent1">
+              <a:shade val="50000"/>
+            </a:schemeClr>
+          </a:lnRef>
+          <a:fillRef idx="1">
+            <a:schemeClr val="accent1"/>
+          </a:fillRef>
+          <a:effectRef idx="0">
+            <a:schemeClr val="accent1"/>
+          </a:effectRef>
+          <a:fontRef idx="minor">
+            <a:schemeClr val="lt1"/>
+          </a:fontRef>
+        </p:style>
+        <p:txBody>
+          <a:bodyPr rtlCol="0" anchor="ctr"/>
+          <a:lstStyle/>
+          <a:p>
+            <a:pPr algn="ctr"/>
+            <a:endParaRPr lang="en-US"/>
+          </a:p>
+        </p:txBody>
+      </p:sp>
+      <p:sp>
+        <p:nvSpPr>
+          <p:cNvPr id="12" name="Espace réservé du contenu 6">
+            <a:extLst>
+              <a:ext uri="{FF2B5EF4-FFF2-40B4-BE49-F238E27FC236}">
+                <a16:creationId xmlns:a16="http://schemas.microsoft.com/office/drawing/2014/main" id="{48C1E2C7-EE73-66FE-25EC-DB293282AB18}"/>
+              </a:ext>
+            </a:extLst>
+          </p:cNvPr>
+          <p:cNvSpPr txBox="1">
+            <a:spLocks/>
+          </p:cNvSpPr>
+          <p:nvPr>
+            <p:custDataLst>
+              <p:tags r:id="rId6"/>
+            </p:custDataLst>
+          </p:nvPr>
+        </p:nvSpPr>
+        <p:spPr>
+          <a:xfrm>
+            <a:off x="4514014" y="3825099"/>
+            <a:ext cx="5550366" cy="1834021"/>
+          </a:xfrm>
+          <a:prstGeom prst="rect">
+            <a:avLst/>
+          </a:prstGeom>
+        </p:spPr>
+        <p:txBody>
+          <a:bodyPr vert="horz" lIns="91440" tIns="45720" rIns="91440" bIns="45720" rtlCol="0" anchor="t">
+            <a:noAutofit/>
+          </a:bodyPr>
+          <a:lstStyle>
+            <a:lvl1pPr marL="228600" indent="-228600" algn="l" defTabSz="914400" rtl="0" eaLnBrk="1" latinLnBrk="0" hangingPunct="1">
+              <a:lnSpc>
+                <a:spcPct val="90000"/>
+              </a:lnSpc>
+              <a:spcBef>
+                <a:spcPts val="1000"/>
+              </a:spcBef>
+              <a:buFont typeface="Arial" panose="020B0604020202020204" pitchFamily="34" charset="0"/>
+              <a:buChar char="•"/>
+              <a:defRPr sz="2800" kern="1200">
+                <a:solidFill>
+                  <a:schemeClr val="tx1"/>
+                </a:solidFill>
+                <a:latin typeface="+mn-lt"/>
+                <a:ea typeface="+mn-ea"/>
+                <a:cs typeface="+mn-cs"/>
+              </a:defRPr>
+            </a:lvl1pPr>
+            <a:lvl2pPr marL="685800" indent="-228600" algn="l" defTabSz="914400" rtl="0" eaLnBrk="1" latinLnBrk="0" hangingPunct="1">
+              <a:lnSpc>
+                <a:spcPct val="90000"/>
+              </a:lnSpc>
+              <a:spcBef>
+                <a:spcPts val="500"/>
+              </a:spcBef>
+              <a:buFont typeface="Arial" panose="020B0604020202020204" pitchFamily="34" charset="0"/>
+              <a:buChar char="•"/>
+              <a:defRPr sz="2400" kern="1200">
+                <a:solidFill>
+                  <a:schemeClr val="tx1"/>
+                </a:solidFill>
+                <a:latin typeface="+mn-lt"/>
+                <a:ea typeface="+mn-ea"/>
+                <a:cs typeface="+mn-cs"/>
+              </a:defRPr>
+            </a:lvl2pPr>
+            <a:lvl3pPr marL="1143000" indent="-228600" algn="l" defTabSz="914400" rtl="0" eaLnBrk="1" latinLnBrk="0" hangingPunct="1">
+              <a:lnSpc>
+                <a:spcPct val="90000"/>
+              </a:lnSpc>
+              <a:spcBef>
+                <a:spcPts val="500"/>
+              </a:spcBef>
+              <a:buFont typeface="Arial" panose="020B0604020202020204" pitchFamily="34" charset="0"/>
+              <a:buChar char="•"/>
+              <a:defRPr sz="2000" kern="1200">
+                <a:solidFill>
+                  <a:schemeClr val="tx1"/>
+                </a:solidFill>
+                <a:latin typeface="+mn-lt"/>
+                <a:ea typeface="+mn-ea"/>
+                <a:cs typeface="+mn-cs"/>
+              </a:defRPr>
+            </a:lvl3pPr>
+            <a:lvl4pPr marL="1600200" indent="-228600" algn="l" defTabSz="914400" rtl="0" eaLnBrk="1" latinLnBrk="0" hangingPunct="1">
+              <a:lnSpc>
+                <a:spcPct val="90000"/>
+              </a:lnSpc>
+              <a:spcBef>
+                <a:spcPts val="500"/>
+              </a:spcBef>
+              <a:buFont typeface="Arial" panose="020B0604020202020204" pitchFamily="34" charset="0"/>
+              <a:buChar char="•"/>
+              <a:defRPr sz="1800" kern="1200">
+                <a:solidFill>
+                  <a:schemeClr val="tx1"/>
+                </a:solidFill>
+                <a:latin typeface="+mn-lt"/>
+                <a:ea typeface="+mn-ea"/>
+                <a:cs typeface="+mn-cs"/>
+              </a:defRPr>
+            </a:lvl4pPr>
+            <a:lvl5pPr marL="2057400" indent="-228600" algn="l" defTabSz="914400" rtl="0" eaLnBrk="1" latinLnBrk="0" hangingPunct="1">
+              <a:lnSpc>
+                <a:spcPct val="90000"/>
+              </a:lnSpc>
+              <a:spcBef>
+                <a:spcPts val="500"/>
+              </a:spcBef>
+              <a:buFont typeface="Arial" panose="020B0604020202020204" pitchFamily="34" charset="0"/>
+              <a:buChar char="•"/>
+              <a:defRPr sz="1800" kern="1200">
+                <a:solidFill>
+                  <a:schemeClr val="tx1"/>
+                </a:solidFill>
+                <a:latin typeface="+mn-lt"/>
+                <a:ea typeface="+mn-ea"/>
+                <a:cs typeface="+mn-cs"/>
+              </a:defRPr>
+            </a:lvl5pPr>
+            <a:lvl6pPr marL="2514600" indent="-228600" algn="l" defTabSz="914400" rtl="0" eaLnBrk="1" latinLnBrk="0" hangingPunct="1">
+              <a:lnSpc>
+                <a:spcPct val="90000"/>
+              </a:lnSpc>
+              <a:spcBef>
+                <a:spcPts val="500"/>
+              </a:spcBef>
+              <a:buFont typeface="Arial" panose="020B0604020202020204" pitchFamily="34" charset="0"/>
+              <a:buChar char="•"/>
+              <a:defRPr sz="1800" kern="1200">
+                <a:solidFill>
+                  <a:schemeClr val="tx1"/>
+                </a:solidFill>
+                <a:latin typeface="+mn-lt"/>
+                <a:ea typeface="+mn-ea"/>
+                <a:cs typeface="+mn-cs"/>
+              </a:defRPr>
+            </a:lvl6pPr>
+            <a:lvl7pPr marL="2971800" indent="-228600" algn="l" defTabSz="914400" rtl="0" eaLnBrk="1" latinLnBrk="0" hangingPunct="1">
+              <a:lnSpc>
+                <a:spcPct val="90000"/>
+              </a:lnSpc>
+              <a:spcBef>
+                <a:spcPts val="500"/>
+              </a:spcBef>
+              <a:buFont typeface="Arial" panose="020B0604020202020204" pitchFamily="34" charset="0"/>
+              <a:buChar char="•"/>
+              <a:defRPr sz="1800" kern="1200">
+                <a:solidFill>
+                  <a:schemeClr val="tx1"/>
+                </a:solidFill>
+                <a:latin typeface="+mn-lt"/>
+                <a:ea typeface="+mn-ea"/>
+                <a:cs typeface="+mn-cs"/>
+              </a:defRPr>
+            </a:lvl7pPr>
+            <a:lvl8pPr marL="3429000" indent="-228600" algn="l" defTabSz="914400" rtl="0" eaLnBrk="1" latinLnBrk="0" hangingPunct="1">
+              <a:lnSpc>
+                <a:spcPct val="90000"/>
+              </a:lnSpc>
+              <a:spcBef>
+                <a:spcPts val="500"/>
+              </a:spcBef>
+              <a:buFont typeface="Arial" panose="020B0604020202020204" pitchFamily="34" charset="0"/>
+              <a:buChar char="•"/>
+              <a:defRPr sz="1800" kern="1200">
+                <a:solidFill>
+                  <a:schemeClr val="tx1"/>
+                </a:solidFill>
+                <a:latin typeface="+mn-lt"/>
+                <a:ea typeface="+mn-ea"/>
+                <a:cs typeface="+mn-cs"/>
+              </a:defRPr>
+            </a:lvl8pPr>
+            <a:lvl9pPr marL="3886200" indent="-228600" algn="l" defTabSz="914400" rtl="0" eaLnBrk="1" latinLnBrk="0" hangingPunct="1">
+              <a:lnSpc>
+                <a:spcPct val="90000"/>
+              </a:lnSpc>
+              <a:spcBef>
+                <a:spcPts val="500"/>
+              </a:spcBef>
+              <a:buFont typeface="Arial" panose="020B0604020202020204" pitchFamily="34" charset="0"/>
+              <a:buChar char="•"/>
+              <a:defRPr sz="1800" kern="1200">
+                <a:solidFill>
+                  <a:schemeClr val="tx1"/>
+                </a:solidFill>
+                <a:latin typeface="+mn-lt"/>
+                <a:ea typeface="+mn-ea"/>
+                <a:cs typeface="+mn-cs"/>
+              </a:defRPr>
+            </a:lvl9pPr>
+          </a:lstStyle>
+          <a:p>
+            <a:pPr marL="0" indent="0" algn="just">
+              <a:buNone/>
+            </a:pPr>
+            <a:r>
+              <a:rPr lang="fr-FR" sz="1800" b="1" dirty="0">
+                <a:latin typeface="Times New Roman" panose="02020603050405020304" pitchFamily="18" charset="0"/>
+                <a:cs typeface="Times New Roman" panose="02020603050405020304" pitchFamily="18" charset="0"/>
+              </a:rPr>
+              <a:t>Motivation : </a:t>
+            </a:r>
+            <a:r>
+              <a:rPr lang="fr-FR" sz="1800" dirty="0">
+                <a:latin typeface="Times New Roman" panose="02020603050405020304" pitchFamily="18" charset="0"/>
+                <a:cs typeface="Times New Roman" panose="02020603050405020304" pitchFamily="18" charset="0"/>
+              </a:rPr>
+              <a:t>Il est passionné par la littérature et souhaite transmettre cette passion à d’autres. </a:t>
+            </a:r>
+            <a:endParaRPr lang="fr-FR" sz="1800" b="1" dirty="0">
+              <a:latin typeface="Times New Roman" panose="02020603050405020304" pitchFamily="18" charset="0"/>
+              <a:cs typeface="Times New Roman" panose="02020603050405020304" pitchFamily="18" charset="0"/>
+            </a:endParaRPr>
+          </a:p>
+          <a:p>
+            <a:pPr marL="0" indent="0" algn="just">
+              <a:buNone/>
+            </a:pPr>
+            <a:r>
+              <a:rPr lang="fr-FR" sz="1800" b="1" dirty="0">
+                <a:latin typeface="Times New Roman" panose="02020603050405020304" pitchFamily="18" charset="0"/>
+                <a:cs typeface="Times New Roman" panose="02020603050405020304" pitchFamily="18" charset="0"/>
+              </a:rPr>
+              <a:t>Comportements : </a:t>
+            </a:r>
+            <a:r>
+              <a:rPr lang="fr-FR" sz="1800" dirty="0">
+                <a:latin typeface="Times New Roman" panose="02020603050405020304" pitchFamily="18" charset="0"/>
+                <a:cs typeface="Times New Roman" panose="02020603050405020304" pitchFamily="18" charset="0"/>
+              </a:rPr>
+              <a:t>Il est souvent à la recherche de nouvelles plateformes pour partager sa passion. Il écrit des critiques de livres sur plusieurs sites et est prêt à partager son avis avec d’autres lecteurs.</a:t>
+            </a:r>
+            <a:endParaRPr lang="fr-FR" sz="1800" b="1" dirty="0">
+              <a:latin typeface="Times New Roman" panose="02020603050405020304" pitchFamily="18" charset="0"/>
+              <a:cs typeface="Times New Roman" panose="02020603050405020304" pitchFamily="18" charset="0"/>
+            </a:endParaRPr>
+          </a:p>
+        </p:txBody>
+      </p:sp>
+      <p:sp>
+        <p:nvSpPr>
+          <p:cNvPr id="6" name="Espace réservé du numéro de diapositive 5">
+            <a:extLst>
+              <a:ext uri="{FF2B5EF4-FFF2-40B4-BE49-F238E27FC236}">
+                <a16:creationId xmlns:a16="http://schemas.microsoft.com/office/drawing/2014/main" id="{9BDAA558-1305-470B-BF68-947AD6B1C1D3}"/>
+              </a:ext>
+            </a:extLst>
+          </p:cNvPr>
+          <p:cNvSpPr>
+            <a:spLocks noGrp="1"/>
+          </p:cNvSpPr>
+          <p:nvPr>
+            <p:ph type="sldNum" sz="quarter" idx="12"/>
+            <p:custDataLst>
+              <p:tags r:id="rId7"/>
+            </p:custDataLst>
+          </p:nvPr>
+        </p:nvSpPr>
+        <p:spPr/>
+        <p:txBody>
+          <a:bodyPr/>
+          <a:lstStyle/>
+          <a:p>
+            <a:fld id="{23120ADE-45B3-4262-A680-7B402FD9570E}" type="slidenum">
+              <a:rPr lang="fr-FR" smtClean="0"/>
+              <a:t>6</a:t>
+            </a:fld>
+            <a:endParaRPr lang="fr-FR"/>
+          </a:p>
+        </p:txBody>
+      </p:sp>
+      <p:pic>
+        <p:nvPicPr>
+          <p:cNvPr id="9" name="Image 8" descr="Une image contenant Visage humain, personne, portrait, Front&#10;&#10;Description générée automatiquement">
+            <a:extLst>
+              <a:ext uri="{FF2B5EF4-FFF2-40B4-BE49-F238E27FC236}">
+                <a16:creationId xmlns:a16="http://schemas.microsoft.com/office/drawing/2014/main" id="{7E834B14-4117-1DCF-5A43-D2B20EFFAC66}"/>
+              </a:ext>
+            </a:extLst>
+          </p:cNvPr>
+          <p:cNvPicPr>
+            <a:picLocks noChangeAspect="1"/>
+          </p:cNvPicPr>
+          <p:nvPr/>
+        </p:nvPicPr>
+        <p:blipFill>
+          <a:blip r:embed="rId11">
+            <a:extLst>
+              <a:ext uri="{28A0092B-C50C-407E-A947-70E740481C1C}">
+                <a14:useLocalDpi xmlns:a14="http://schemas.microsoft.com/office/drawing/2010/main" val="0"/>
+              </a:ext>
+            </a:extLst>
+          </a:blip>
+          <a:stretch>
+            <a:fillRect/>
+          </a:stretch>
+        </p:blipFill>
+        <p:spPr>
+          <a:xfrm>
+            <a:off x="416473" y="1911675"/>
+            <a:ext cx="3240428" cy="3240428"/>
+          </a:xfrm>
+          <a:prstGeom prst="rect">
+            <a:avLst/>
+          </a:prstGeom>
+        </p:spPr>
+      </p:pic>
+      <p:sp>
+        <p:nvSpPr>
+          <p:cNvPr id="3" name="Espace réservé du contenu 6">
+            <a:extLst>
+              <a:ext uri="{FF2B5EF4-FFF2-40B4-BE49-F238E27FC236}">
+                <a16:creationId xmlns:a16="http://schemas.microsoft.com/office/drawing/2014/main" id="{2A1A5D3A-315C-A9D7-7B75-819FAE076838}"/>
+              </a:ext>
+            </a:extLst>
+          </p:cNvPr>
+          <p:cNvSpPr txBox="1">
+            <a:spLocks/>
+          </p:cNvSpPr>
+          <p:nvPr>
+            <p:custDataLst>
+              <p:tags r:id="rId8"/>
+            </p:custDataLst>
+          </p:nvPr>
+        </p:nvSpPr>
+        <p:spPr>
+          <a:xfrm>
+            <a:off x="416473" y="5378654"/>
+            <a:ext cx="2992513" cy="568099"/>
+          </a:xfrm>
+          <a:prstGeom prst="rect">
+            <a:avLst/>
+          </a:prstGeom>
+        </p:spPr>
+        <p:txBody>
+          <a:bodyPr vert="horz" lIns="91440" tIns="45720" rIns="91440" bIns="45720" rtlCol="0" anchor="t">
+            <a:noAutofit/>
+          </a:bodyPr>
+          <a:lstStyle>
+            <a:lvl1pPr marL="228600" indent="-228600" algn="l" defTabSz="914400" rtl="0" eaLnBrk="1" latinLnBrk="0" hangingPunct="1">
+              <a:lnSpc>
+                <a:spcPct val="90000"/>
+              </a:lnSpc>
+              <a:spcBef>
+                <a:spcPts val="1000"/>
+              </a:spcBef>
+              <a:buFont typeface="Arial" panose="020B0604020202020204" pitchFamily="34" charset="0"/>
+              <a:buChar char="•"/>
+              <a:defRPr sz="2800" kern="1200">
+                <a:solidFill>
+                  <a:schemeClr val="tx1"/>
+                </a:solidFill>
+                <a:latin typeface="+mn-lt"/>
+                <a:ea typeface="+mn-ea"/>
+                <a:cs typeface="+mn-cs"/>
+              </a:defRPr>
+            </a:lvl1pPr>
+            <a:lvl2pPr marL="685800" indent="-228600" algn="l" defTabSz="914400" rtl="0" eaLnBrk="1" latinLnBrk="0" hangingPunct="1">
+              <a:lnSpc>
+                <a:spcPct val="90000"/>
+              </a:lnSpc>
+              <a:spcBef>
+                <a:spcPts val="500"/>
+              </a:spcBef>
+              <a:buFont typeface="Arial" panose="020B0604020202020204" pitchFamily="34" charset="0"/>
+              <a:buChar char="•"/>
+              <a:defRPr sz="2400" kern="1200">
+                <a:solidFill>
+                  <a:schemeClr val="tx1"/>
+                </a:solidFill>
+                <a:latin typeface="+mn-lt"/>
+                <a:ea typeface="+mn-ea"/>
+                <a:cs typeface="+mn-cs"/>
+              </a:defRPr>
+            </a:lvl2pPr>
+            <a:lvl3pPr marL="1143000" indent="-228600" algn="l" defTabSz="914400" rtl="0" eaLnBrk="1" latinLnBrk="0" hangingPunct="1">
+              <a:lnSpc>
+                <a:spcPct val="90000"/>
+              </a:lnSpc>
+              <a:spcBef>
+                <a:spcPts val="500"/>
+              </a:spcBef>
+              <a:buFont typeface="Arial" panose="020B0604020202020204" pitchFamily="34" charset="0"/>
+              <a:buChar char="•"/>
+              <a:defRPr sz="2000" kern="1200">
+                <a:solidFill>
+                  <a:schemeClr val="tx1"/>
+                </a:solidFill>
+                <a:latin typeface="+mn-lt"/>
+                <a:ea typeface="+mn-ea"/>
+                <a:cs typeface="+mn-cs"/>
+              </a:defRPr>
+            </a:lvl3pPr>
+            <a:lvl4pPr marL="1600200" indent="-228600" algn="l" defTabSz="914400" rtl="0" eaLnBrk="1" latinLnBrk="0" hangingPunct="1">
+              <a:lnSpc>
+                <a:spcPct val="90000"/>
+              </a:lnSpc>
+              <a:spcBef>
+                <a:spcPts val="500"/>
+              </a:spcBef>
+              <a:buFont typeface="Arial" panose="020B0604020202020204" pitchFamily="34" charset="0"/>
+              <a:buChar char="•"/>
+              <a:defRPr sz="1800" kern="1200">
+                <a:solidFill>
+                  <a:schemeClr val="tx1"/>
+                </a:solidFill>
+                <a:latin typeface="+mn-lt"/>
+                <a:ea typeface="+mn-ea"/>
+                <a:cs typeface="+mn-cs"/>
+              </a:defRPr>
+            </a:lvl4pPr>
+            <a:lvl5pPr marL="2057400" indent="-228600" algn="l" defTabSz="914400" rtl="0" eaLnBrk="1" latinLnBrk="0" hangingPunct="1">
+              <a:lnSpc>
+                <a:spcPct val="90000"/>
+              </a:lnSpc>
+              <a:spcBef>
+                <a:spcPts val="500"/>
+              </a:spcBef>
+              <a:buFont typeface="Arial" panose="020B0604020202020204" pitchFamily="34" charset="0"/>
+              <a:buChar char="•"/>
+              <a:defRPr sz="1800" kern="1200">
+                <a:solidFill>
+                  <a:schemeClr val="tx1"/>
+                </a:solidFill>
+                <a:latin typeface="+mn-lt"/>
+                <a:ea typeface="+mn-ea"/>
+                <a:cs typeface="+mn-cs"/>
+              </a:defRPr>
+            </a:lvl5pPr>
+            <a:lvl6pPr marL="2514600" indent="-228600" algn="l" defTabSz="914400" rtl="0" eaLnBrk="1" latinLnBrk="0" hangingPunct="1">
+              <a:lnSpc>
+                <a:spcPct val="90000"/>
+              </a:lnSpc>
+              <a:spcBef>
+                <a:spcPts val="500"/>
+              </a:spcBef>
+              <a:buFont typeface="Arial" panose="020B0604020202020204" pitchFamily="34" charset="0"/>
+              <a:buChar char="•"/>
+              <a:defRPr sz="1800" kern="1200">
+                <a:solidFill>
+                  <a:schemeClr val="tx1"/>
+                </a:solidFill>
+                <a:latin typeface="+mn-lt"/>
+                <a:ea typeface="+mn-ea"/>
+                <a:cs typeface="+mn-cs"/>
+              </a:defRPr>
+            </a:lvl6pPr>
+            <a:lvl7pPr marL="2971800" indent="-228600" algn="l" defTabSz="914400" rtl="0" eaLnBrk="1" latinLnBrk="0" hangingPunct="1">
+              <a:lnSpc>
+                <a:spcPct val="90000"/>
+              </a:lnSpc>
+              <a:spcBef>
+                <a:spcPts val="500"/>
+              </a:spcBef>
+              <a:buFont typeface="Arial" panose="020B0604020202020204" pitchFamily="34" charset="0"/>
+              <a:buChar char="•"/>
+              <a:defRPr sz="1800" kern="1200">
+                <a:solidFill>
+                  <a:schemeClr val="tx1"/>
+                </a:solidFill>
+                <a:latin typeface="+mn-lt"/>
+                <a:ea typeface="+mn-ea"/>
+                <a:cs typeface="+mn-cs"/>
+              </a:defRPr>
+            </a:lvl7pPr>
+            <a:lvl8pPr marL="3429000" indent="-228600" algn="l" defTabSz="914400" rtl="0" eaLnBrk="1" latinLnBrk="0" hangingPunct="1">
+              <a:lnSpc>
+                <a:spcPct val="90000"/>
+              </a:lnSpc>
+              <a:spcBef>
+                <a:spcPts val="500"/>
+              </a:spcBef>
+              <a:buFont typeface="Arial" panose="020B0604020202020204" pitchFamily="34" charset="0"/>
+              <a:buChar char="•"/>
+              <a:defRPr sz="1800" kern="1200">
+                <a:solidFill>
+                  <a:schemeClr val="tx1"/>
+                </a:solidFill>
+                <a:latin typeface="+mn-lt"/>
+                <a:ea typeface="+mn-ea"/>
+                <a:cs typeface="+mn-cs"/>
+              </a:defRPr>
+            </a:lvl8pPr>
+            <a:lvl9pPr marL="3886200" indent="-228600" algn="l" defTabSz="914400" rtl="0" eaLnBrk="1" latinLnBrk="0" hangingPunct="1">
+              <a:lnSpc>
+                <a:spcPct val="90000"/>
+              </a:lnSpc>
+              <a:spcBef>
+                <a:spcPts val="500"/>
+              </a:spcBef>
+              <a:buFont typeface="Arial" panose="020B0604020202020204" pitchFamily="34" charset="0"/>
+              <a:buChar char="•"/>
+              <a:defRPr sz="1800" kern="1200">
+                <a:solidFill>
+                  <a:schemeClr val="tx1"/>
+                </a:solidFill>
+                <a:latin typeface="+mn-lt"/>
+                <a:ea typeface="+mn-ea"/>
+                <a:cs typeface="+mn-cs"/>
+              </a:defRPr>
+            </a:lvl9pPr>
+          </a:lstStyle>
+          <a:p>
+            <a:pPr marL="0" indent="0" algn="just">
+              <a:buNone/>
+            </a:pPr>
+            <a:r>
+              <a:rPr lang="fr-FR" sz="1800" b="1" dirty="0">
+                <a:latin typeface="Times New Roman" panose="02020603050405020304" pitchFamily="18" charset="0"/>
+                <a:cs typeface="Times New Roman" panose="02020603050405020304" pitchFamily="18" charset="0"/>
+              </a:rPr>
+              <a:t>Profession : </a:t>
+            </a:r>
+            <a:r>
+              <a:rPr lang="fr-FR" sz="1800" dirty="0">
+                <a:latin typeface="Times New Roman" panose="02020603050405020304" pitchFamily="18" charset="0"/>
+                <a:cs typeface="Times New Roman" panose="02020603050405020304" pitchFamily="18" charset="0"/>
+              </a:rPr>
+              <a:t>Bibliothécaire</a:t>
+            </a:r>
+            <a:endParaRPr lang="fr-FR" sz="1800" b="1" dirty="0">
+              <a:latin typeface="Times New Roman" panose="02020603050405020304" pitchFamily="18" charset="0"/>
+              <a:cs typeface="Times New Roman" panose="02020603050405020304" pitchFamily="18" charset="0"/>
+            </a:endParaRPr>
+          </a:p>
+        </p:txBody>
+      </p:sp>
+      <p:sp>
+        <p:nvSpPr>
+          <p:cNvPr id="4" name="Espace réservé du contenu 6">
+            <a:extLst>
+              <a:ext uri="{FF2B5EF4-FFF2-40B4-BE49-F238E27FC236}">
+                <a16:creationId xmlns:a16="http://schemas.microsoft.com/office/drawing/2014/main" id="{D8A5ABF5-1EEE-94B9-ED98-DA18FB25ECA8}"/>
+              </a:ext>
+            </a:extLst>
+          </p:cNvPr>
+          <p:cNvSpPr txBox="1">
+            <a:spLocks/>
+          </p:cNvSpPr>
+          <p:nvPr>
+            <p:custDataLst>
+              <p:tags r:id="rId9"/>
+            </p:custDataLst>
+          </p:nvPr>
+        </p:nvSpPr>
+        <p:spPr>
+          <a:xfrm>
+            <a:off x="416473" y="5723685"/>
+            <a:ext cx="7380359" cy="568099"/>
+          </a:xfrm>
+          <a:prstGeom prst="rect">
+            <a:avLst/>
+          </a:prstGeom>
+        </p:spPr>
+        <p:txBody>
+          <a:bodyPr vert="horz" lIns="91440" tIns="45720" rIns="91440" bIns="45720" rtlCol="0" anchor="t">
+            <a:noAutofit/>
+          </a:bodyPr>
+          <a:lstStyle>
+            <a:lvl1pPr marL="228600" indent="-228600" algn="l" defTabSz="914400" rtl="0" eaLnBrk="1" latinLnBrk="0" hangingPunct="1">
+              <a:lnSpc>
+                <a:spcPct val="90000"/>
+              </a:lnSpc>
+              <a:spcBef>
+                <a:spcPts val="1000"/>
+              </a:spcBef>
+              <a:buFont typeface="Arial" panose="020B0604020202020204" pitchFamily="34" charset="0"/>
+              <a:buChar char="•"/>
+              <a:defRPr sz="2800" kern="1200">
+                <a:solidFill>
+                  <a:schemeClr val="tx1"/>
+                </a:solidFill>
+                <a:latin typeface="+mn-lt"/>
+                <a:ea typeface="+mn-ea"/>
+                <a:cs typeface="+mn-cs"/>
+              </a:defRPr>
+            </a:lvl1pPr>
+            <a:lvl2pPr marL="685800" indent="-228600" algn="l" defTabSz="914400" rtl="0" eaLnBrk="1" latinLnBrk="0" hangingPunct="1">
+              <a:lnSpc>
+                <a:spcPct val="90000"/>
+              </a:lnSpc>
+              <a:spcBef>
+                <a:spcPts val="500"/>
+              </a:spcBef>
+              <a:buFont typeface="Arial" panose="020B0604020202020204" pitchFamily="34" charset="0"/>
+              <a:buChar char="•"/>
+              <a:defRPr sz="2400" kern="1200">
+                <a:solidFill>
+                  <a:schemeClr val="tx1"/>
+                </a:solidFill>
+                <a:latin typeface="+mn-lt"/>
+                <a:ea typeface="+mn-ea"/>
+                <a:cs typeface="+mn-cs"/>
+              </a:defRPr>
+            </a:lvl2pPr>
+            <a:lvl3pPr marL="1143000" indent="-228600" algn="l" defTabSz="914400" rtl="0" eaLnBrk="1" latinLnBrk="0" hangingPunct="1">
+              <a:lnSpc>
+                <a:spcPct val="90000"/>
+              </a:lnSpc>
+              <a:spcBef>
+                <a:spcPts val="500"/>
+              </a:spcBef>
+              <a:buFont typeface="Arial" panose="020B0604020202020204" pitchFamily="34" charset="0"/>
+              <a:buChar char="•"/>
+              <a:defRPr sz="2000" kern="1200">
+                <a:solidFill>
+                  <a:schemeClr val="tx1"/>
+                </a:solidFill>
+                <a:latin typeface="+mn-lt"/>
+                <a:ea typeface="+mn-ea"/>
+                <a:cs typeface="+mn-cs"/>
+              </a:defRPr>
+            </a:lvl3pPr>
+            <a:lvl4pPr marL="1600200" indent="-228600" algn="l" defTabSz="914400" rtl="0" eaLnBrk="1" latinLnBrk="0" hangingPunct="1">
+              <a:lnSpc>
+                <a:spcPct val="90000"/>
+              </a:lnSpc>
+              <a:spcBef>
+                <a:spcPts val="500"/>
+              </a:spcBef>
+              <a:buFont typeface="Arial" panose="020B0604020202020204" pitchFamily="34" charset="0"/>
+              <a:buChar char="•"/>
+              <a:defRPr sz="1800" kern="1200">
+                <a:solidFill>
+                  <a:schemeClr val="tx1"/>
+                </a:solidFill>
+                <a:latin typeface="+mn-lt"/>
+                <a:ea typeface="+mn-ea"/>
+                <a:cs typeface="+mn-cs"/>
+              </a:defRPr>
+            </a:lvl4pPr>
+            <a:lvl5pPr marL="2057400" indent="-228600" algn="l" defTabSz="914400" rtl="0" eaLnBrk="1" latinLnBrk="0" hangingPunct="1">
+              <a:lnSpc>
+                <a:spcPct val="90000"/>
+              </a:lnSpc>
+              <a:spcBef>
+                <a:spcPts val="500"/>
+              </a:spcBef>
+              <a:buFont typeface="Arial" panose="020B0604020202020204" pitchFamily="34" charset="0"/>
+              <a:buChar char="•"/>
+              <a:defRPr sz="1800" kern="1200">
+                <a:solidFill>
+                  <a:schemeClr val="tx1"/>
+                </a:solidFill>
+                <a:latin typeface="+mn-lt"/>
+                <a:ea typeface="+mn-ea"/>
+                <a:cs typeface="+mn-cs"/>
+              </a:defRPr>
+            </a:lvl5pPr>
+            <a:lvl6pPr marL="2514600" indent="-228600" algn="l" defTabSz="914400" rtl="0" eaLnBrk="1" latinLnBrk="0" hangingPunct="1">
+              <a:lnSpc>
+                <a:spcPct val="90000"/>
+              </a:lnSpc>
+              <a:spcBef>
+                <a:spcPts val="500"/>
+              </a:spcBef>
+              <a:buFont typeface="Arial" panose="020B0604020202020204" pitchFamily="34" charset="0"/>
+              <a:buChar char="•"/>
+              <a:defRPr sz="1800" kern="1200">
+                <a:solidFill>
+                  <a:schemeClr val="tx1"/>
+                </a:solidFill>
+                <a:latin typeface="+mn-lt"/>
+                <a:ea typeface="+mn-ea"/>
+                <a:cs typeface="+mn-cs"/>
+              </a:defRPr>
+            </a:lvl6pPr>
+            <a:lvl7pPr marL="2971800" indent="-228600" algn="l" defTabSz="914400" rtl="0" eaLnBrk="1" latinLnBrk="0" hangingPunct="1">
+              <a:lnSpc>
+                <a:spcPct val="90000"/>
+              </a:lnSpc>
+              <a:spcBef>
+                <a:spcPts val="500"/>
+              </a:spcBef>
+              <a:buFont typeface="Arial" panose="020B0604020202020204" pitchFamily="34" charset="0"/>
+              <a:buChar char="•"/>
+              <a:defRPr sz="1800" kern="1200">
+                <a:solidFill>
+                  <a:schemeClr val="tx1"/>
+                </a:solidFill>
+                <a:latin typeface="+mn-lt"/>
+                <a:ea typeface="+mn-ea"/>
+                <a:cs typeface="+mn-cs"/>
+              </a:defRPr>
+            </a:lvl7pPr>
+            <a:lvl8pPr marL="3429000" indent="-228600" algn="l" defTabSz="914400" rtl="0" eaLnBrk="1" latinLnBrk="0" hangingPunct="1">
+              <a:lnSpc>
+                <a:spcPct val="90000"/>
+              </a:lnSpc>
+              <a:spcBef>
+                <a:spcPts val="500"/>
+              </a:spcBef>
+              <a:buFont typeface="Arial" panose="020B0604020202020204" pitchFamily="34" charset="0"/>
+              <a:buChar char="•"/>
+              <a:defRPr sz="1800" kern="1200">
+                <a:solidFill>
+                  <a:schemeClr val="tx1"/>
+                </a:solidFill>
+                <a:latin typeface="+mn-lt"/>
+                <a:ea typeface="+mn-ea"/>
+                <a:cs typeface="+mn-cs"/>
+              </a:defRPr>
+            </a:lvl8pPr>
+            <a:lvl9pPr marL="3886200" indent="-228600" algn="l" defTabSz="914400" rtl="0" eaLnBrk="1" latinLnBrk="0" hangingPunct="1">
+              <a:lnSpc>
+                <a:spcPct val="90000"/>
+              </a:lnSpc>
+              <a:spcBef>
+                <a:spcPts val="500"/>
+              </a:spcBef>
+              <a:buFont typeface="Arial" panose="020B0604020202020204" pitchFamily="34" charset="0"/>
+              <a:buChar char="•"/>
+              <a:defRPr sz="1800" kern="1200">
+                <a:solidFill>
+                  <a:schemeClr val="tx1"/>
+                </a:solidFill>
+                <a:latin typeface="+mn-lt"/>
+                <a:ea typeface="+mn-ea"/>
+                <a:cs typeface="+mn-cs"/>
+              </a:defRPr>
+            </a:lvl9pPr>
+          </a:lstStyle>
+          <a:p>
+            <a:pPr marL="0" indent="0" algn="just">
+              <a:buNone/>
+            </a:pPr>
+            <a:r>
+              <a:rPr lang="fr-FR" sz="1800" b="1" dirty="0">
+                <a:latin typeface="Times New Roman" panose="02020603050405020304" pitchFamily="18" charset="0"/>
+                <a:cs typeface="Times New Roman" panose="02020603050405020304" pitchFamily="18" charset="0"/>
+              </a:rPr>
+              <a:t>Catégorie du persona : </a:t>
+            </a:r>
+            <a:r>
+              <a:rPr lang="fr-FR" sz="1800" dirty="0">
+                <a:latin typeface="Times New Roman" panose="02020603050405020304" pitchFamily="18" charset="0"/>
+                <a:cs typeface="Times New Roman" panose="02020603050405020304" pitchFamily="18" charset="0"/>
+              </a:rPr>
+              <a:t>Partager ses livres préférés avec une communauté</a:t>
+            </a:r>
+            <a:endParaRPr lang="fr-FR" sz="1800" b="1" dirty="0">
+              <a:latin typeface="Times New Roman" panose="02020603050405020304" pitchFamily="18" charset="0"/>
+              <a:cs typeface="Times New Roman" panose="02020603050405020304" pitchFamily="18" charset="0"/>
+            </a:endParaRPr>
+          </a:p>
+        </p:txBody>
+      </p:sp>
+    </p:spTree>
+    <p:extLst>
+      <p:ext uri="{BB962C8B-B14F-4D97-AF65-F5344CB8AC3E}">
+        <p14:creationId xmlns:p14="http://schemas.microsoft.com/office/powerpoint/2010/main" val="3136216797"/>
+      </p:ext>
+    </p:extLst>
+  </p:cSld>
+  <p:clrMapOvr>
+    <a:masterClrMapping/>
+  </p:clrMapOvr>
+</p:sld>
+</file>
+
+<file path=ppt/slides/slide7.xml><?xml version="1.0" encoding="utf-8"?>
+<p:sld xmlns:a="http://schemas.openxmlformats.org/drawingml/2006/main" xmlns:r="http://schemas.openxmlformats.org/officeDocument/2006/relationships" xmlns:p="http://schemas.openxmlformats.org/presentationml/2006/main">
+  <p:cSld>
+    <p:spTree>
+      <p:nvGrpSpPr>
+        <p:cNvPr id="1" name=""/>
+        <p:cNvGrpSpPr/>
+        <p:nvPr/>
+      </p:nvGrpSpPr>
+      <p:grpSpPr>
+        <a:xfrm>
+          <a:off x="0" y="0"/>
+          <a:ext cx="0" cy="0"/>
+          <a:chOff x="0" y="0"/>
+          <a:chExt cx="0" cy="0"/>
+        </a:xfrm>
+      </p:grpSpPr>
+      <p:sp useBgFill="1">
+        <p:nvSpPr>
+          <p:cNvPr id="16" name="Rectangle 15">
+            <a:extLst>
+              <a:ext uri="{FF2B5EF4-FFF2-40B4-BE49-F238E27FC236}">
+                <a16:creationId xmlns:a16="http://schemas.microsoft.com/office/drawing/2014/main" id="{3346177D-ADC4-4968-B747-5CFCD390B5B9}"/>
+              </a:ext>
+              <a:ext uri="{C183D7F6-B498-43B3-948B-1728B52AA6E4}">
+                <adec:decorative xmlns:adec="http://schemas.microsoft.com/office/drawing/2017/decorative" val="1"/>
+              </a:ext>
+            </a:extLst>
+          </p:cNvPr>
+          <p:cNvSpPr>
+            <a:spLocks noGrp="1" noRot="1" noChangeAspect="1" noMove="1" noResize="1" noEditPoints="1" noAdjustHandles="1" noChangeArrowheads="1" noChangeShapeType="1" noTextEdit="1"/>
+          </p:cNvSpPr>
+          <p:nvPr>
+            <p:custDataLst>
+              <p:tags r:id="rId1"/>
+            </p:custDataLst>
+            <p:extLst>
+              <p:ext uri="{386F3935-93C4-4BCD-93E2-E3B085C9AB24}">
+                <p16:designElem xmlns:p16="http://schemas.microsoft.com/office/powerpoint/2015/main" val="1"/>
+              </p:ext>
+            </p:extLst>
+          </p:nvPr>
+        </p:nvSpPr>
+        <p:spPr>
+          <a:xfrm>
+            <a:off x="0" y="0"/>
+            <a:ext cx="12192000" cy="6858000"/>
+          </a:xfrm>
+          <a:prstGeom prst="rect">
+            <a:avLst/>
+          </a:prstGeom>
+          <a:ln w="12700" cap="flat" cmpd="sng" algn="ctr">
+            <a:noFill/>
+            <a:prstDash val="solid"/>
+            <a:miter lim="800000"/>
+          </a:ln>
+          <a:effectLst/>
+          <a:extLst>
+            <a:ext uri="{91240B29-F687-4F45-9708-019B960494DF}">
+              <a14:hiddenLine xmlns:a14="http://schemas.microsoft.com/office/drawing/2010/main" w="12700" cap="flat" cmpd="sng" algn="ctr">
+                <a:solidFill>
+                  <a:schemeClr val="accent1">
+                    <a:shade val="50000"/>
+                  </a:schemeClr>
+                </a:solidFill>
+                <a:prstDash val="solid"/>
+                <a:miter lim="800000"/>
+              </a14:hiddenLine>
+            </a:ext>
+          </a:extLst>
+        </p:spPr>
+        <p:style>
+          <a:lnRef idx="2">
+            <a:schemeClr val="accent1">
+              <a:shade val="50000"/>
+            </a:schemeClr>
+          </a:lnRef>
+          <a:fillRef idx="1">
+            <a:schemeClr val="accent1"/>
+          </a:fillRef>
+          <a:effectRef idx="0">
+            <a:schemeClr val="accent1"/>
+          </a:effectRef>
+          <a:fontRef idx="minor">
+            <a:schemeClr val="lt1"/>
+          </a:fontRef>
+        </p:style>
+        <p:txBody>
+          <a:bodyPr rtlCol="0" anchor="ctr"/>
+          <a:lstStyle/>
+          <a:p>
+            <a:pPr algn="ctr"/>
+            <a:endParaRPr lang="en-US"/>
+          </a:p>
+        </p:txBody>
+      </p:sp>
+      <p:sp>
+        <p:nvSpPr>
+          <p:cNvPr id="2" name="Titre 1">
+            <a:extLst>
+              <a:ext uri="{FF2B5EF4-FFF2-40B4-BE49-F238E27FC236}">
+                <a16:creationId xmlns:a16="http://schemas.microsoft.com/office/drawing/2014/main" id="{CAB3509C-2EDD-C4C5-76D2-4EDE012B0367}"/>
+              </a:ext>
+            </a:extLst>
+          </p:cNvPr>
+          <p:cNvSpPr>
+            <a:spLocks noGrp="1"/>
+          </p:cNvSpPr>
+          <p:nvPr>
+            <p:ph type="title"/>
+            <p:custDataLst>
+              <p:tags r:id="rId2"/>
+            </p:custDataLst>
+          </p:nvPr>
+        </p:nvSpPr>
+        <p:spPr>
+          <a:xfrm>
+            <a:off x="995262" y="149650"/>
+            <a:ext cx="2406956" cy="1026367"/>
+          </a:xfrm>
+        </p:spPr>
+        <p:txBody>
+          <a:bodyPr anchor="b">
+            <a:normAutofit/>
+          </a:bodyPr>
+          <a:lstStyle/>
+          <a:p>
+            <a:r>
+              <a:rPr lang="fr-FR" sz="4000" dirty="0">
+                <a:latin typeface="Times New Roman" panose="02020603050405020304" pitchFamily="18" charset="0"/>
+                <a:cs typeface="Times New Roman" panose="02020603050405020304" pitchFamily="18" charset="0"/>
+              </a:rPr>
+              <a:t>Persona</a:t>
+            </a:r>
+          </a:p>
+        </p:txBody>
+      </p:sp>
+      <p:sp>
+        <p:nvSpPr>
+          <p:cNvPr id="7" name="Espace réservé du contenu 6">
+            <a:extLst>
+              <a:ext uri="{FF2B5EF4-FFF2-40B4-BE49-F238E27FC236}">
+                <a16:creationId xmlns:a16="http://schemas.microsoft.com/office/drawing/2014/main" id="{D7EF0F2A-A904-581F-6BBA-BED4997A259B}"/>
+              </a:ext>
+            </a:extLst>
+          </p:cNvPr>
+          <p:cNvSpPr>
+            <a:spLocks noGrp="1"/>
+          </p:cNvSpPr>
+          <p:nvPr>
+            <p:ph idx="1"/>
+            <p:custDataLst>
+              <p:tags r:id="rId3"/>
+            </p:custDataLst>
+          </p:nvPr>
+        </p:nvSpPr>
+        <p:spPr>
+          <a:xfrm>
+            <a:off x="4913618" y="388949"/>
+            <a:ext cx="5550366" cy="2304602"/>
+          </a:xfrm>
+        </p:spPr>
+        <p:txBody>
+          <a:bodyPr anchor="t">
+            <a:noAutofit/>
+          </a:bodyPr>
+          <a:lstStyle/>
+          <a:p>
+            <a:pPr marL="0" indent="0" algn="just">
+              <a:buNone/>
+            </a:pPr>
+            <a:r>
+              <a:rPr lang="fr-FR" sz="1800" b="1" dirty="0">
+                <a:latin typeface="Times New Roman" panose="02020603050405020304" pitchFamily="18" charset="0"/>
+                <a:cs typeface="Times New Roman" panose="02020603050405020304" pitchFamily="18" charset="0"/>
+              </a:rPr>
+              <a:t>Nom et Prénom : </a:t>
+            </a:r>
+            <a:r>
+              <a:rPr lang="fr-FR" sz="1800" dirty="0">
+                <a:latin typeface="Times New Roman" panose="02020603050405020304" pitchFamily="18" charset="0"/>
+                <a:cs typeface="Times New Roman" panose="02020603050405020304" pitchFamily="18" charset="0"/>
+              </a:rPr>
+              <a:t>Lola Lefebvre</a:t>
+            </a:r>
+          </a:p>
+          <a:p>
+            <a:pPr marL="0" indent="0" algn="just">
+              <a:buNone/>
+            </a:pPr>
+            <a:r>
+              <a:rPr lang="fr-FR" sz="1800" b="1" dirty="0">
+                <a:latin typeface="Times New Roman" panose="02020603050405020304" pitchFamily="18" charset="0"/>
+                <a:cs typeface="Times New Roman" panose="02020603050405020304" pitchFamily="18" charset="0"/>
+              </a:rPr>
+              <a:t>Âge : </a:t>
+            </a:r>
+            <a:r>
+              <a:rPr lang="fr-FR" sz="1800" dirty="0">
+                <a:latin typeface="Times New Roman" panose="02020603050405020304" pitchFamily="18" charset="0"/>
+                <a:cs typeface="Times New Roman" panose="02020603050405020304" pitchFamily="18" charset="0"/>
+              </a:rPr>
+              <a:t>19 ans</a:t>
+            </a:r>
+          </a:p>
+          <a:p>
+            <a:pPr marL="0" indent="0" algn="just">
+              <a:buNone/>
+            </a:pPr>
+            <a:r>
+              <a:rPr lang="fr-FR" sz="1800" b="1" dirty="0">
+                <a:latin typeface="Times New Roman" panose="02020603050405020304" pitchFamily="18" charset="0"/>
+                <a:cs typeface="Times New Roman" panose="02020603050405020304" pitchFamily="18" charset="0"/>
+              </a:rPr>
+              <a:t>Objectif : </a:t>
+            </a:r>
+            <a:r>
+              <a:rPr lang="fr-FR" sz="1800" dirty="0">
+                <a:latin typeface="Times New Roman" panose="02020603050405020304" pitchFamily="18" charset="0"/>
+                <a:cs typeface="Times New Roman" panose="02020603050405020304" pitchFamily="18" charset="0"/>
+              </a:rPr>
+              <a:t>Rechercher des livres correspondant à ses centres d’intérêt (romans) et discuter de ses lectures avec d’autres jeunes.</a:t>
+            </a:r>
+          </a:p>
+          <a:p>
+            <a:pPr marL="0" indent="0" algn="just">
+              <a:buNone/>
+            </a:pPr>
+            <a:r>
+              <a:rPr lang="fr-FR" sz="1800" b="1" dirty="0">
+                <a:latin typeface="Times New Roman" panose="02020603050405020304" pitchFamily="18" charset="0"/>
+                <a:cs typeface="Times New Roman" panose="02020603050405020304" pitchFamily="18" charset="0"/>
+              </a:rPr>
+              <a:t>Frustration : </a:t>
+            </a:r>
+            <a:r>
+              <a:rPr lang="fr-FR" sz="1800" dirty="0">
+                <a:latin typeface="Times New Roman" panose="02020603050405020304" pitchFamily="18" charset="0"/>
+                <a:cs typeface="Times New Roman" panose="02020603050405020304" pitchFamily="18" charset="0"/>
+              </a:rPr>
+              <a:t>Difficulté à trouver une communauté dédiée aux genres qu’elle aime.</a:t>
+            </a:r>
+            <a:endParaRPr lang="fr-FR" sz="1800" b="1" dirty="0">
+              <a:latin typeface="Times New Roman" panose="02020603050405020304" pitchFamily="18" charset="0"/>
+              <a:cs typeface="Times New Roman" panose="02020603050405020304" pitchFamily="18" charset="0"/>
+            </a:endParaRPr>
+          </a:p>
+        </p:txBody>
+      </p:sp>
+      <p:sp>
+        <p:nvSpPr>
+          <p:cNvPr id="18" name="Rectangle 17">
+            <a:extLst>
+              <a:ext uri="{FF2B5EF4-FFF2-40B4-BE49-F238E27FC236}">
+                <a16:creationId xmlns:a16="http://schemas.microsoft.com/office/drawing/2014/main" id="{0844A943-BF79-4FEA-ABB1-3BD54D236606}"/>
+              </a:ext>
+              <a:ext uri="{C183D7F6-B498-43B3-948B-1728B52AA6E4}">
+                <adec:decorative xmlns:adec="http://schemas.microsoft.com/office/drawing/2017/decorative" val="1"/>
+              </a:ext>
+            </a:extLst>
+          </p:cNvPr>
+          <p:cNvSpPr>
+            <a:spLocks noGrp="1" noRot="1" noChangeAspect="1" noMove="1" noResize="1" noEditPoints="1" noAdjustHandles="1" noChangeArrowheads="1" noChangeShapeType="1" noTextEdit="1"/>
+          </p:cNvSpPr>
+          <p:nvPr>
+            <p:custDataLst>
+              <p:tags r:id="rId4"/>
+            </p:custDataLst>
+            <p:extLst>
+              <p:ext uri="{386F3935-93C4-4BCD-93E2-E3B085C9AB24}">
+                <p16:designElem xmlns:p16="http://schemas.microsoft.com/office/powerpoint/2015/main" val="1"/>
+              </p:ext>
+            </p:extLst>
+          </p:nvPr>
+        </p:nvSpPr>
+        <p:spPr>
+          <a:xfrm rot="10800000" flipH="1">
+            <a:off x="0" y="6400799"/>
+            <a:ext cx="12192000" cy="456773"/>
+          </a:xfrm>
+          <a:prstGeom prst="rect">
+            <a:avLst/>
+          </a:prstGeom>
+          <a:gradFill>
+            <a:gsLst>
+              <a:gs pos="0">
+                <a:schemeClr val="accent1"/>
+              </a:gs>
+              <a:gs pos="90000">
+                <a:srgbClr val="000000"/>
+              </a:gs>
+            </a:gsLst>
+            <a:lin ang="2400000" scaled="0"/>
+          </a:gradFill>
+          <a:ln>
+            <a:noFill/>
+          </a:ln>
+        </p:spPr>
+        <p:style>
+          <a:lnRef idx="2">
+            <a:schemeClr val="accent1">
+              <a:shade val="50000"/>
+            </a:schemeClr>
+          </a:lnRef>
+          <a:fillRef idx="1">
+            <a:schemeClr val="accent1"/>
+          </a:fillRef>
+          <a:effectRef idx="0">
+            <a:schemeClr val="accent1"/>
+          </a:effectRef>
+          <a:fontRef idx="minor">
+            <a:schemeClr val="lt1"/>
+          </a:fontRef>
+        </p:style>
+        <p:txBody>
+          <a:bodyPr rtlCol="0" anchor="ctr"/>
+          <a:lstStyle/>
+          <a:p>
+            <a:pPr algn="ctr"/>
+            <a:endParaRPr lang="en-US"/>
+          </a:p>
+        </p:txBody>
+      </p:sp>
+      <p:sp>
+        <p:nvSpPr>
+          <p:cNvPr id="20" name="Rectangle 19">
+            <a:extLst>
+              <a:ext uri="{FF2B5EF4-FFF2-40B4-BE49-F238E27FC236}">
+                <a16:creationId xmlns:a16="http://schemas.microsoft.com/office/drawing/2014/main" id="{6437CC72-F4A8-4DC3-AFAB-D22C482C8100}"/>
+              </a:ext>
+              <a:ext uri="{C183D7F6-B498-43B3-948B-1728B52AA6E4}">
+                <adec:decorative xmlns:adec="http://schemas.microsoft.com/office/drawing/2017/decorative" val="1"/>
+              </a:ext>
+            </a:extLst>
+          </p:cNvPr>
+          <p:cNvSpPr>
+            <a:spLocks noGrp="1" noRot="1" noChangeAspect="1" noMove="1" noResize="1" noEditPoints="1" noAdjustHandles="1" noChangeArrowheads="1" noChangeShapeType="1" noTextEdit="1"/>
+          </p:cNvSpPr>
+          <p:nvPr>
+            <p:custDataLst>
+              <p:tags r:id="rId5"/>
+            </p:custDataLst>
+            <p:extLst>
+              <p:ext uri="{386F3935-93C4-4BCD-93E2-E3B085C9AB24}">
+                <p16:designElem xmlns:p16="http://schemas.microsoft.com/office/powerpoint/2015/main" val="1"/>
+              </p:ext>
+            </p:extLst>
+          </p:nvPr>
+        </p:nvSpPr>
+        <p:spPr>
+          <a:xfrm flipH="1">
+            <a:off x="4038600" y="6400799"/>
+            <a:ext cx="8153398" cy="456772"/>
+          </a:xfrm>
+          <a:prstGeom prst="rect">
+            <a:avLst/>
+          </a:prstGeom>
+          <a:gradFill>
+            <a:gsLst>
+              <a:gs pos="0">
+                <a:srgbClr val="000000">
+                  <a:alpha val="50000"/>
+                </a:srgbClr>
+              </a:gs>
+              <a:gs pos="100000">
+                <a:schemeClr val="accent1">
+                  <a:lumMod val="75000"/>
+                </a:schemeClr>
+              </a:gs>
+            </a:gsLst>
+            <a:lin ang="13800000" scaled="0"/>
+          </a:gradFill>
+          <a:ln>
+            <a:noFill/>
+          </a:ln>
+        </p:spPr>
+        <p:style>
+          <a:lnRef idx="2">
+            <a:schemeClr val="accent1">
+              <a:shade val="50000"/>
+            </a:schemeClr>
+          </a:lnRef>
+          <a:fillRef idx="1">
+            <a:schemeClr val="accent1"/>
+          </a:fillRef>
+          <a:effectRef idx="0">
+            <a:schemeClr val="accent1"/>
+          </a:effectRef>
+          <a:fontRef idx="minor">
+            <a:schemeClr val="lt1"/>
+          </a:fontRef>
+        </p:style>
+        <p:txBody>
+          <a:bodyPr rtlCol="0" anchor="ctr"/>
+          <a:lstStyle/>
+          <a:p>
+            <a:pPr algn="ctr"/>
+            <a:endParaRPr lang="en-US"/>
+          </a:p>
+        </p:txBody>
+      </p:sp>
+      <p:sp>
+        <p:nvSpPr>
+          <p:cNvPr id="12" name="Espace réservé du contenu 6">
+            <a:extLst>
+              <a:ext uri="{FF2B5EF4-FFF2-40B4-BE49-F238E27FC236}">
+                <a16:creationId xmlns:a16="http://schemas.microsoft.com/office/drawing/2014/main" id="{48C1E2C7-EE73-66FE-25EC-DB293282AB18}"/>
+              </a:ext>
+            </a:extLst>
+          </p:cNvPr>
+          <p:cNvSpPr txBox="1">
+            <a:spLocks/>
+          </p:cNvSpPr>
+          <p:nvPr>
+            <p:custDataLst>
+              <p:tags r:id="rId6"/>
+            </p:custDataLst>
+          </p:nvPr>
+        </p:nvSpPr>
+        <p:spPr>
+          <a:xfrm>
+            <a:off x="4913618" y="2698884"/>
             <a:ext cx="5550366" cy="2304602"/>
           </a:xfrm>
           <a:prstGeom prst="rect">
@@ -23122,8 +25915,12 @@
                 <a:latin typeface="Times New Roman" panose="02020603050405020304" pitchFamily="18" charset="0"/>
                 <a:cs typeface="Times New Roman" panose="02020603050405020304" pitchFamily="18" charset="0"/>
               </a:rPr>
-              <a:t>Motiver par l’envie de découvrir des livres indépendants et d’échanger avec des lecteurs ayant les mêmes goûts.</a:t>
+              <a:t>Lola est motivée par l’idée de faire partie d’une communauté active où elle peut trouver des livres qui ne sont pas nécessairement des best-seller, mais  qui correspondent à ses goûts.</a:t>
             </a:r>
+            <a:endParaRPr lang="fr-FR" sz="1800" b="1" dirty="0">
+              <a:latin typeface="Times New Roman" panose="02020603050405020304" pitchFamily="18" charset="0"/>
+              <a:cs typeface="Times New Roman" panose="02020603050405020304" pitchFamily="18" charset="0"/>
+            </a:endParaRPr>
           </a:p>
           <a:p>
             <a:pPr marL="0" indent="0" algn="just">
@@ -23141,8 +25938,59 @@
                 <a:latin typeface="Times New Roman" panose="02020603050405020304" pitchFamily="18" charset="0"/>
                 <a:cs typeface="Times New Roman" panose="02020603050405020304" pitchFamily="18" charset="0"/>
               </a:rPr>
-              <a:t>Elle apprécie les critiques bien rédigées et les discussions sur les forums littéraires. </a:t>
+              <a:t>Elle est très active sur les réseaux sociaux  et aime partager ses impressions de lecture sur Instagram ou Twitter.</a:t>
             </a:r>
+            <a:endParaRPr lang="fr-FR" sz="1800" b="1" dirty="0">
+              <a:latin typeface="Times New Roman" panose="02020603050405020304" pitchFamily="18" charset="0"/>
+              <a:cs typeface="Times New Roman" panose="02020603050405020304" pitchFamily="18" charset="0"/>
+            </a:endParaRPr>
+          </a:p>
+          <a:p>
+            <a:pPr marL="0" indent="0" algn="just">
+              <a:buNone/>
+            </a:pPr>
+            <a:r>
+              <a:rPr lang="fr-FR" sz="1800" b="1" dirty="0">
+                <a:latin typeface="Times New Roman" panose="02020603050405020304" pitchFamily="18" charset="0"/>
+                <a:cs typeface="Times New Roman" panose="02020603050405020304" pitchFamily="18" charset="0"/>
+              </a:rPr>
+              <a:t>Autres détails possibles : </a:t>
+            </a:r>
+            <a:r>
+              <a:rPr lang="fr-FR" sz="1800" dirty="0">
+                <a:latin typeface="Times New Roman" panose="02020603050405020304" pitchFamily="18" charset="0"/>
+                <a:cs typeface="Times New Roman" panose="02020603050405020304" pitchFamily="18" charset="0"/>
+              </a:rPr>
+              <a:t>Étudiante,</a:t>
+            </a:r>
+            <a:r>
+              <a:rPr lang="fr-FR" sz="1800" b="1" dirty="0">
+                <a:latin typeface="Times New Roman" panose="02020603050405020304" pitchFamily="18" charset="0"/>
+                <a:cs typeface="Times New Roman" panose="02020603050405020304" pitchFamily="18" charset="0"/>
+              </a:rPr>
+              <a:t> </a:t>
+            </a:r>
+            <a:r>
+              <a:rPr lang="fr-FR" sz="1800" dirty="0">
+                <a:latin typeface="Times New Roman" panose="02020603050405020304" pitchFamily="18" charset="0"/>
+                <a:cs typeface="Times New Roman" panose="02020603050405020304" pitchFamily="18" charset="0"/>
+              </a:rPr>
+              <a:t>elle passe environ 1 à 2 heures par jour à lire et à échanger avec d’autres lecteurs sur les réseaux sociaux</a:t>
+            </a:r>
+            <a:endParaRPr lang="fr-FR" sz="1800" b="1" dirty="0">
+              <a:latin typeface="Times New Roman" panose="02020603050405020304" pitchFamily="18" charset="0"/>
+              <a:cs typeface="Times New Roman" panose="02020603050405020304" pitchFamily="18" charset="0"/>
+            </a:endParaRPr>
+          </a:p>
+          <a:p>
+            <a:pPr marL="0" indent="0" algn="just">
+              <a:buFont typeface="Arial" panose="020B0604020202020204" pitchFamily="34" charset="0"/>
+              <a:buNone/>
+            </a:pPr>
+            <a:endParaRPr lang="fr-FR" sz="1800" b="1" dirty="0">
+              <a:latin typeface="Times New Roman" panose="02020603050405020304" pitchFamily="18" charset="0"/>
+              <a:cs typeface="Times New Roman" panose="02020603050405020304" pitchFamily="18" charset="0"/>
+            </a:endParaRPr>
           </a:p>
         </p:txBody>
       </p:sp>
@@ -23151,7 +25999,7 @@
           <p:cNvPr id="5" name="Espace réservé du numéro de diapositive 4">
             <a:extLst>
               <a:ext uri="{FF2B5EF4-FFF2-40B4-BE49-F238E27FC236}">
-                <a16:creationId xmlns:a16="http://schemas.microsoft.com/office/drawing/2014/main" id="{23A69C43-E9EC-488D-8077-CF60AE22795A}"/>
+                <a16:creationId xmlns:a16="http://schemas.microsoft.com/office/drawing/2014/main" id="{ACBB2F2A-A517-48B6-AD57-A1EB87CB5543}"/>
               </a:ext>
             </a:extLst>
           </p:cNvPr>
@@ -23172,7 +26020,7 @@
           <a:p>
             <a:fld id="{23120ADE-45B3-4262-A680-7B402FD9570E}" type="slidenum">
               <a:rPr lang="fr-FR" smtClean="0"/>
-              <a:t>5</a:t>
+              <a:t>7</a:t>
             </a:fld>
             <a:endParaRPr lang="fr-FR"/>
           </a:p>
@@ -23180,10 +26028,10 @@
       </p:sp>
       <p:pic>
         <p:nvPicPr>
-          <p:cNvPr id="9" name="Image 8" descr="Une image contenant personne, habits, Visage humain, mur&#10;&#10;Description générée automatiquement">
+          <p:cNvPr id="6" name="Image 5" descr="Une image contenant personne, Visage humain, pull, habits&#10;&#10;Description générée automatiquement">
             <a:extLst>
               <a:ext uri="{FF2B5EF4-FFF2-40B4-BE49-F238E27FC236}">
-                <a16:creationId xmlns:a16="http://schemas.microsoft.com/office/drawing/2014/main" id="{6D844316-DAE8-4B04-13B7-76A4644C1027}"/>
+                <a16:creationId xmlns:a16="http://schemas.microsoft.com/office/drawing/2014/main" id="{DA1E8ADE-7911-7CC0-B19C-B04769997A94}"/>
               </a:ext>
             </a:extLst>
           </p:cNvPr>
@@ -23197,7 +26045,7 @@
           </p:nvPr>
         </p:nvPicPr>
         <p:blipFill>
-          <a:blip r:embed="rId10">
+          <a:blip r:embed="rId12">
             <a:extLst>
               <a:ext uri="{28A0092B-C50C-407E-A947-70E740481C1C}">
                 <a14:useLocalDpi xmlns:a14="http://schemas.microsoft.com/office/drawing/2010/main" val="0"/>
@@ -23210,438 +26058,20 @@
         </p:blipFill>
         <p:spPr>
           <a:xfrm>
-            <a:off x="439510" y="1951020"/>
-            <a:ext cx="3271178" cy="3271178"/>
+            <a:off x="624315" y="1854575"/>
+            <a:ext cx="3148850" cy="3148850"/>
           </a:xfrm>
           <a:prstGeom prst="rect">
             <a:avLst/>
           </a:prstGeom>
         </p:spPr>
       </p:pic>
-    </p:spTree>
-    <p:extLst>
-      <p:ext uri="{BB962C8B-B14F-4D97-AF65-F5344CB8AC3E}">
-        <p14:creationId xmlns:p14="http://schemas.microsoft.com/office/powerpoint/2010/main" val="1399475525"/>
-      </p:ext>
-    </p:extLst>
-  </p:cSld>
-  <p:clrMapOvr>
-    <a:masterClrMapping/>
-  </p:clrMapOvr>
-</p:sld>
-</file>
-
-<file path=ppt/slides/slide6.xml><?xml version="1.0" encoding="utf-8"?>
-<p:sld xmlns:a="http://schemas.openxmlformats.org/drawingml/2006/main" xmlns:r="http://schemas.openxmlformats.org/officeDocument/2006/relationships" xmlns:p="http://schemas.openxmlformats.org/presentationml/2006/main">
-  <p:cSld>
-    <p:spTree>
-      <p:nvGrpSpPr>
-        <p:cNvPr id="1" name=""/>
-        <p:cNvGrpSpPr/>
-        <p:nvPr/>
-      </p:nvGrpSpPr>
-      <p:grpSpPr>
-        <a:xfrm>
-          <a:off x="0" y="0"/>
-          <a:ext cx="0" cy="0"/>
-          <a:chOff x="0" y="0"/>
-          <a:chExt cx="0" cy="0"/>
-        </a:xfrm>
-      </p:grpSpPr>
-      <p:sp useBgFill="1">
+      <p:sp>
         <p:nvSpPr>
-          <p:cNvPr id="16" name="Rectangle 15">
+          <p:cNvPr id="3" name="Espace réservé du contenu 6">
             <a:extLst>
               <a:ext uri="{FF2B5EF4-FFF2-40B4-BE49-F238E27FC236}">
-                <a16:creationId xmlns:a16="http://schemas.microsoft.com/office/drawing/2014/main" id="{3346177D-ADC4-4968-B747-5CFCD390B5B9}"/>
-              </a:ext>
-              <a:ext uri="{C183D7F6-B498-43B3-948B-1728B52AA6E4}">
-                <adec:decorative xmlns:adec="http://schemas.microsoft.com/office/drawing/2017/decorative" val="1"/>
-              </a:ext>
-            </a:extLst>
-          </p:cNvPr>
-          <p:cNvSpPr>
-            <a:spLocks noGrp="1" noRot="1" noChangeAspect="1" noMove="1" noResize="1" noEditPoints="1" noAdjustHandles="1" noChangeArrowheads="1" noChangeShapeType="1" noTextEdit="1"/>
-          </p:cNvSpPr>
-          <p:nvPr>
-            <p:custDataLst>
-              <p:tags r:id="rId1"/>
-            </p:custDataLst>
-            <p:extLst>
-              <p:ext uri="{386F3935-93C4-4BCD-93E2-E3B085C9AB24}">
-                <p16:designElem xmlns:p16="http://schemas.microsoft.com/office/powerpoint/2015/main" val="1"/>
-              </p:ext>
-            </p:extLst>
-          </p:nvPr>
-        </p:nvSpPr>
-        <p:spPr>
-          <a:xfrm>
-            <a:off x="0" y="0"/>
-            <a:ext cx="12192000" cy="6858000"/>
-          </a:xfrm>
-          <a:prstGeom prst="rect">
-            <a:avLst/>
-          </a:prstGeom>
-          <a:ln w="12700" cap="flat" cmpd="sng" algn="ctr">
-            <a:noFill/>
-            <a:prstDash val="solid"/>
-            <a:miter lim="800000"/>
-          </a:ln>
-          <a:effectLst/>
-          <a:extLst>
-            <a:ext uri="{91240B29-F687-4F45-9708-019B960494DF}">
-              <a14:hiddenLine xmlns:a14="http://schemas.microsoft.com/office/drawing/2010/main" w="12700" cap="flat" cmpd="sng" algn="ctr">
-                <a:solidFill>
-                  <a:schemeClr val="accent1">
-                    <a:shade val="50000"/>
-                  </a:schemeClr>
-                </a:solidFill>
-                <a:prstDash val="solid"/>
-                <a:miter lim="800000"/>
-              </a14:hiddenLine>
-            </a:ext>
-          </a:extLst>
-        </p:spPr>
-        <p:style>
-          <a:lnRef idx="2">
-            <a:schemeClr val="accent1">
-              <a:shade val="50000"/>
-            </a:schemeClr>
-          </a:lnRef>
-          <a:fillRef idx="1">
-            <a:schemeClr val="accent1"/>
-          </a:fillRef>
-          <a:effectRef idx="0">
-            <a:schemeClr val="accent1"/>
-          </a:effectRef>
-          <a:fontRef idx="minor">
-            <a:schemeClr val="lt1"/>
-          </a:fontRef>
-        </p:style>
-        <p:txBody>
-          <a:bodyPr rtlCol="0" anchor="ctr"/>
-          <a:lstStyle/>
-          <a:p>
-            <a:pPr algn="ctr"/>
-            <a:endParaRPr lang="en-US"/>
-          </a:p>
-        </p:txBody>
-      </p:sp>
-      <p:sp>
-        <p:nvSpPr>
-          <p:cNvPr id="2" name="Titre 1">
-            <a:extLst>
-              <a:ext uri="{FF2B5EF4-FFF2-40B4-BE49-F238E27FC236}">
-                <a16:creationId xmlns:a16="http://schemas.microsoft.com/office/drawing/2014/main" id="{CAB3509C-2EDD-C4C5-76D2-4EDE012B0367}"/>
-              </a:ext>
-            </a:extLst>
-          </p:cNvPr>
-          <p:cNvSpPr>
-            <a:spLocks noGrp="1"/>
-          </p:cNvSpPr>
-          <p:nvPr>
-            <p:ph type="title"/>
-            <p:custDataLst>
-              <p:tags r:id="rId2"/>
-            </p:custDataLst>
-          </p:nvPr>
-        </p:nvSpPr>
-        <p:spPr>
-          <a:xfrm>
-            <a:off x="1040676" y="149650"/>
-            <a:ext cx="2406956" cy="1026367"/>
-          </a:xfrm>
-        </p:spPr>
-        <p:txBody>
-          <a:bodyPr anchor="b">
-            <a:normAutofit/>
-          </a:bodyPr>
-          <a:lstStyle/>
-          <a:p>
-            <a:r>
-              <a:rPr lang="fr-FR" sz="4000" dirty="0">
-                <a:latin typeface="Times New Roman" panose="02020603050405020304" pitchFamily="18" charset="0"/>
-                <a:cs typeface="Times New Roman" panose="02020603050405020304" pitchFamily="18" charset="0"/>
-              </a:rPr>
-              <a:t>Persona</a:t>
-            </a:r>
-          </a:p>
-        </p:txBody>
-      </p:sp>
-      <p:sp>
-        <p:nvSpPr>
-          <p:cNvPr id="7" name="Espace réservé du contenu 6">
-            <a:extLst>
-              <a:ext uri="{FF2B5EF4-FFF2-40B4-BE49-F238E27FC236}">
-                <a16:creationId xmlns:a16="http://schemas.microsoft.com/office/drawing/2014/main" id="{D7EF0F2A-A904-581F-6BBA-BED4997A259B}"/>
-              </a:ext>
-            </a:extLst>
-          </p:cNvPr>
-          <p:cNvSpPr>
-            <a:spLocks noGrp="1"/>
-          </p:cNvSpPr>
-          <p:nvPr>
-            <p:ph idx="1"/>
-            <p:custDataLst>
-              <p:tags r:id="rId3"/>
-            </p:custDataLst>
-          </p:nvPr>
-        </p:nvSpPr>
-        <p:spPr>
-          <a:xfrm>
-            <a:off x="4514014" y="1520497"/>
-            <a:ext cx="5550366" cy="2304602"/>
-          </a:xfrm>
-        </p:spPr>
-        <p:txBody>
-          <a:bodyPr anchor="t">
-            <a:noAutofit/>
-          </a:bodyPr>
-          <a:lstStyle/>
-          <a:p>
-            <a:pPr marL="0" indent="0" algn="just">
-              <a:buNone/>
-            </a:pPr>
-            <a:r>
-              <a:rPr lang="fr-FR" sz="1800" b="1" dirty="0">
-                <a:latin typeface="Times New Roman" panose="02020603050405020304" pitchFamily="18" charset="0"/>
-                <a:cs typeface="Times New Roman" panose="02020603050405020304" pitchFamily="18" charset="0"/>
-              </a:rPr>
-              <a:t>Nom et Prénom : </a:t>
-            </a:r>
-            <a:r>
-              <a:rPr lang="fr-FR" sz="1800" dirty="0">
-                <a:latin typeface="Times New Roman" panose="02020603050405020304" pitchFamily="18" charset="0"/>
-                <a:cs typeface="Times New Roman" panose="02020603050405020304" pitchFamily="18" charset="0"/>
-              </a:rPr>
-              <a:t>Luc Martin</a:t>
-            </a:r>
-          </a:p>
-          <a:p>
-            <a:pPr marL="0" indent="0" algn="just">
-              <a:buNone/>
-            </a:pPr>
-            <a:r>
-              <a:rPr lang="fr-FR" sz="1800" b="1" dirty="0">
-                <a:latin typeface="Times New Roman" panose="02020603050405020304" pitchFamily="18" charset="0"/>
-                <a:cs typeface="Times New Roman" panose="02020603050405020304" pitchFamily="18" charset="0"/>
-              </a:rPr>
-              <a:t>Âge : </a:t>
-            </a:r>
-            <a:r>
-              <a:rPr lang="fr-FR" sz="1800" dirty="0">
-                <a:latin typeface="Times New Roman" panose="02020603050405020304" pitchFamily="18" charset="0"/>
-                <a:cs typeface="Times New Roman" panose="02020603050405020304" pitchFamily="18" charset="0"/>
-              </a:rPr>
-              <a:t>55 ans</a:t>
-            </a:r>
-          </a:p>
-          <a:p>
-            <a:pPr marL="0" indent="0" algn="just">
-              <a:buNone/>
-            </a:pPr>
-            <a:r>
-              <a:rPr lang="fr-FR" sz="1800" b="1" dirty="0">
-                <a:latin typeface="Times New Roman" panose="02020603050405020304" pitchFamily="18" charset="0"/>
-                <a:cs typeface="Times New Roman" panose="02020603050405020304" pitchFamily="18" charset="0"/>
-              </a:rPr>
-              <a:t>Objectif :  </a:t>
-            </a:r>
-            <a:r>
-              <a:rPr lang="fr-FR" sz="1800" dirty="0">
-                <a:latin typeface="Times New Roman" panose="02020603050405020304" pitchFamily="18" charset="0"/>
-                <a:cs typeface="Times New Roman" panose="02020603050405020304" pitchFamily="18" charset="0"/>
-              </a:rPr>
-              <a:t>Partager ses livres préférés avec la communauté, aider les jeunes lecteurs à découvrir des classiques, discuter de littérature avec des passionné.</a:t>
-            </a:r>
-            <a:endParaRPr lang="fr-FR" sz="1800" b="1" dirty="0">
-              <a:latin typeface="Times New Roman" panose="02020603050405020304" pitchFamily="18" charset="0"/>
-              <a:cs typeface="Times New Roman" panose="02020603050405020304" pitchFamily="18" charset="0"/>
-            </a:endParaRPr>
-          </a:p>
-          <a:p>
-            <a:pPr marL="0" indent="0" algn="just">
-              <a:buNone/>
-            </a:pPr>
-            <a:r>
-              <a:rPr lang="fr-FR" sz="1800" b="1" dirty="0">
-                <a:latin typeface="Times New Roman" panose="02020603050405020304" pitchFamily="18" charset="0"/>
-                <a:cs typeface="Times New Roman" panose="02020603050405020304" pitchFamily="18" charset="0"/>
-              </a:rPr>
-              <a:t>Frustration : </a:t>
-            </a:r>
-            <a:r>
-              <a:rPr lang="fr-FR" sz="1800" dirty="0">
-                <a:latin typeface="Times New Roman" panose="02020603050405020304" pitchFamily="18" charset="0"/>
-                <a:cs typeface="Times New Roman" panose="02020603050405020304" pitchFamily="18" charset="0"/>
-              </a:rPr>
-              <a:t>Il est difficile de trouver des discussions sérieuses sur certains ouvrages</a:t>
-            </a:r>
-            <a:endParaRPr lang="fr-FR" sz="1800" b="1" dirty="0">
-              <a:latin typeface="Times New Roman" panose="02020603050405020304" pitchFamily="18" charset="0"/>
-              <a:cs typeface="Times New Roman" panose="02020603050405020304" pitchFamily="18" charset="0"/>
-            </a:endParaRPr>
-          </a:p>
-        </p:txBody>
-      </p:sp>
-      <p:sp>
-        <p:nvSpPr>
-          <p:cNvPr id="18" name="Rectangle 17">
-            <a:extLst>
-              <a:ext uri="{FF2B5EF4-FFF2-40B4-BE49-F238E27FC236}">
-                <a16:creationId xmlns:a16="http://schemas.microsoft.com/office/drawing/2014/main" id="{0844A943-BF79-4FEA-ABB1-3BD54D236606}"/>
-              </a:ext>
-              <a:ext uri="{C183D7F6-B498-43B3-948B-1728B52AA6E4}">
-                <adec:decorative xmlns:adec="http://schemas.microsoft.com/office/drawing/2017/decorative" val="1"/>
-              </a:ext>
-            </a:extLst>
-          </p:cNvPr>
-          <p:cNvSpPr>
-            <a:spLocks noGrp="1" noRot="1" noChangeAspect="1" noMove="1" noResize="1" noEditPoints="1" noAdjustHandles="1" noChangeArrowheads="1" noChangeShapeType="1" noTextEdit="1"/>
-          </p:cNvSpPr>
-          <p:nvPr>
-            <p:custDataLst>
-              <p:tags r:id="rId4"/>
-            </p:custDataLst>
-            <p:extLst>
-              <p:ext uri="{386F3935-93C4-4BCD-93E2-E3B085C9AB24}">
-                <p16:designElem xmlns:p16="http://schemas.microsoft.com/office/powerpoint/2015/main" val="1"/>
-              </p:ext>
-            </p:extLst>
-          </p:nvPr>
-        </p:nvSpPr>
-        <p:spPr>
-          <a:xfrm rot="10800000" flipH="1">
-            <a:off x="0" y="6400799"/>
-            <a:ext cx="12192000" cy="456773"/>
-          </a:xfrm>
-          <a:prstGeom prst="rect">
-            <a:avLst/>
-          </a:prstGeom>
-          <a:gradFill>
-            <a:gsLst>
-              <a:gs pos="0">
-                <a:schemeClr val="accent1"/>
-              </a:gs>
-              <a:gs pos="90000">
-                <a:srgbClr val="000000"/>
-              </a:gs>
-            </a:gsLst>
-            <a:lin ang="2400000" scaled="0"/>
-          </a:gradFill>
-          <a:ln>
-            <a:noFill/>
-          </a:ln>
-        </p:spPr>
-        <p:style>
-          <a:lnRef idx="2">
-            <a:schemeClr val="accent1">
-              <a:shade val="50000"/>
-            </a:schemeClr>
-          </a:lnRef>
-          <a:fillRef idx="1">
-            <a:schemeClr val="accent1"/>
-          </a:fillRef>
-          <a:effectRef idx="0">
-            <a:schemeClr val="accent1"/>
-          </a:effectRef>
-          <a:fontRef idx="minor">
-            <a:schemeClr val="lt1"/>
-          </a:fontRef>
-        </p:style>
-        <p:txBody>
-          <a:bodyPr rtlCol="0" anchor="ctr"/>
-          <a:lstStyle/>
-          <a:p>
-            <a:pPr algn="ctr"/>
-            <a:endParaRPr lang="en-US"/>
-          </a:p>
-        </p:txBody>
-      </p:sp>
-      <p:sp>
-        <p:nvSpPr>
-          <p:cNvPr id="20" name="Rectangle 19">
-            <a:extLst>
-              <a:ext uri="{FF2B5EF4-FFF2-40B4-BE49-F238E27FC236}">
-                <a16:creationId xmlns:a16="http://schemas.microsoft.com/office/drawing/2014/main" id="{6437CC72-F4A8-4DC3-AFAB-D22C482C8100}"/>
-              </a:ext>
-              <a:ext uri="{C183D7F6-B498-43B3-948B-1728B52AA6E4}">
-                <adec:decorative xmlns:adec="http://schemas.microsoft.com/office/drawing/2017/decorative" val="1"/>
-              </a:ext>
-            </a:extLst>
-          </p:cNvPr>
-          <p:cNvSpPr>
-            <a:spLocks noGrp="1" noRot="1" noChangeAspect="1" noMove="1" noResize="1" noEditPoints="1" noAdjustHandles="1" noChangeArrowheads="1" noChangeShapeType="1" noTextEdit="1"/>
-          </p:cNvSpPr>
-          <p:nvPr>
-            <p:custDataLst>
-              <p:tags r:id="rId5"/>
-            </p:custDataLst>
-            <p:extLst>
-              <p:ext uri="{386F3935-93C4-4BCD-93E2-E3B085C9AB24}">
-                <p16:designElem xmlns:p16="http://schemas.microsoft.com/office/powerpoint/2015/main" val="1"/>
-              </p:ext>
-            </p:extLst>
-          </p:nvPr>
-        </p:nvSpPr>
-        <p:spPr>
-          <a:xfrm flipH="1">
-            <a:off x="4038600" y="6400799"/>
-            <a:ext cx="8153398" cy="456772"/>
-          </a:xfrm>
-          <a:prstGeom prst="rect">
-            <a:avLst/>
-          </a:prstGeom>
-          <a:gradFill>
-            <a:gsLst>
-              <a:gs pos="0">
-                <a:srgbClr val="000000">
-                  <a:alpha val="50000"/>
-                </a:srgbClr>
-              </a:gs>
-              <a:gs pos="100000">
-                <a:schemeClr val="accent1">
-                  <a:lumMod val="75000"/>
-                </a:schemeClr>
-              </a:gs>
-            </a:gsLst>
-            <a:lin ang="13800000" scaled="0"/>
-          </a:gradFill>
-          <a:ln>
-            <a:noFill/>
-          </a:ln>
-        </p:spPr>
-        <p:style>
-          <a:lnRef idx="2">
-            <a:schemeClr val="accent1">
-              <a:shade val="50000"/>
-            </a:schemeClr>
-          </a:lnRef>
-          <a:fillRef idx="1">
-            <a:schemeClr val="accent1"/>
-          </a:fillRef>
-          <a:effectRef idx="0">
-            <a:schemeClr val="accent1"/>
-          </a:effectRef>
-          <a:fontRef idx="minor">
-            <a:schemeClr val="lt1"/>
-          </a:fontRef>
-        </p:style>
-        <p:txBody>
-          <a:bodyPr rtlCol="0" anchor="ctr"/>
-          <a:lstStyle/>
-          <a:p>
-            <a:pPr algn="ctr"/>
-            <a:endParaRPr lang="en-US"/>
-          </a:p>
-        </p:txBody>
-      </p:sp>
-      <p:sp>
-        <p:nvSpPr>
-          <p:cNvPr id="12" name="Espace réservé du contenu 6">
-            <a:extLst>
-              <a:ext uri="{FF2B5EF4-FFF2-40B4-BE49-F238E27FC236}">
-                <a16:creationId xmlns:a16="http://schemas.microsoft.com/office/drawing/2014/main" id="{48C1E2C7-EE73-66FE-25EC-DB293282AB18}"/>
+                <a16:creationId xmlns:a16="http://schemas.microsoft.com/office/drawing/2014/main" id="{E723FD6C-0C9B-3872-2B9B-A12082F444BD}"/>
               </a:ext>
             </a:extLst>
           </p:cNvPr>
@@ -23650,14 +26080,14 @@
           </p:cNvSpPr>
           <p:nvPr>
             <p:custDataLst>
-              <p:tags r:id="rId6"/>
+              <p:tags r:id="rId9"/>
             </p:custDataLst>
           </p:nvPr>
         </p:nvSpPr>
         <p:spPr>
           <a:xfrm>
-            <a:off x="4514014" y="3825099"/>
-            <a:ext cx="5550366" cy="2304602"/>
+            <a:off x="624315" y="5225209"/>
+            <a:ext cx="2700336" cy="456774"/>
           </a:xfrm>
           <a:prstGeom prst="rect">
             <a:avLst/>
@@ -23840,529 +26270,24 @@
                 <a:latin typeface="Times New Roman" panose="02020603050405020304" pitchFamily="18" charset="0"/>
                 <a:cs typeface="Times New Roman" panose="02020603050405020304" pitchFamily="18" charset="0"/>
               </a:rPr>
-              <a:t>Motivation : </a:t>
+              <a:t>Profession : </a:t>
             </a:r>
             <a:r>
               <a:rPr lang="fr-FR" sz="1800" dirty="0">
                 <a:latin typeface="Times New Roman" panose="02020603050405020304" pitchFamily="18" charset="0"/>
                 <a:cs typeface="Times New Roman" panose="02020603050405020304" pitchFamily="18" charset="0"/>
               </a:rPr>
-              <a:t>Il est passionné par la littérature et souhaite transmettre cette passion à d’autres. </a:t>
-            </a:r>
-            <a:endParaRPr lang="fr-FR" sz="1800" b="1" dirty="0">
-              <a:latin typeface="Times New Roman" panose="02020603050405020304" pitchFamily="18" charset="0"/>
-              <a:cs typeface="Times New Roman" panose="02020603050405020304" pitchFamily="18" charset="0"/>
-            </a:endParaRPr>
-          </a:p>
-          <a:p>
-            <a:pPr marL="0" indent="0" algn="just">
-              <a:buNone/>
-            </a:pPr>
-            <a:r>
-              <a:rPr lang="fr-FR" sz="1800" b="1" dirty="0">
-                <a:latin typeface="Times New Roman" panose="02020603050405020304" pitchFamily="18" charset="0"/>
-                <a:cs typeface="Times New Roman" panose="02020603050405020304" pitchFamily="18" charset="0"/>
-              </a:rPr>
-              <a:t>Comportements : </a:t>
-            </a:r>
-            <a:r>
-              <a:rPr lang="fr-FR" sz="1800" dirty="0">
-                <a:latin typeface="Times New Roman" panose="02020603050405020304" pitchFamily="18" charset="0"/>
-                <a:cs typeface="Times New Roman" panose="02020603050405020304" pitchFamily="18" charset="0"/>
-              </a:rPr>
-              <a:t>Il est souvent à la recherche de nouvelles plateformes pour partager sa passion. Il écrit des critiques de livres sur plusieurs sites et est prêt à partager son avis avec d’autres lecteurs.</a:t>
+              <a:t>Étudiante</a:t>
             </a:r>
           </a:p>
         </p:txBody>
       </p:sp>
       <p:sp>
         <p:nvSpPr>
-          <p:cNvPr id="6" name="Espace réservé du numéro de diapositive 5">
+          <p:cNvPr id="4" name="Espace réservé du contenu 6">
             <a:extLst>
               <a:ext uri="{FF2B5EF4-FFF2-40B4-BE49-F238E27FC236}">
-                <a16:creationId xmlns:a16="http://schemas.microsoft.com/office/drawing/2014/main" id="{9BDAA558-1305-470B-BF68-947AD6B1C1D3}"/>
-              </a:ext>
-            </a:extLst>
-          </p:cNvPr>
-          <p:cNvSpPr>
-            <a:spLocks noGrp="1"/>
-          </p:cNvSpPr>
-          <p:nvPr>
-            <p:ph type="sldNum" sz="quarter" idx="12"/>
-            <p:custDataLst>
-              <p:tags r:id="rId7"/>
-            </p:custDataLst>
-          </p:nvPr>
-        </p:nvSpPr>
-        <p:spPr/>
-        <p:txBody>
-          <a:bodyPr/>
-          <a:lstStyle/>
-          <a:p>
-            <a:fld id="{23120ADE-45B3-4262-A680-7B402FD9570E}" type="slidenum">
-              <a:rPr lang="fr-FR" smtClean="0"/>
-              <a:t>6</a:t>
-            </a:fld>
-            <a:endParaRPr lang="fr-FR"/>
-          </a:p>
-        </p:txBody>
-      </p:sp>
-      <p:pic>
-        <p:nvPicPr>
-          <p:cNvPr id="9" name="Image 8" descr="Une image contenant Visage humain, personne, portrait, Front&#10;&#10;Description générée automatiquement">
-            <a:extLst>
-              <a:ext uri="{FF2B5EF4-FFF2-40B4-BE49-F238E27FC236}">
-                <a16:creationId xmlns:a16="http://schemas.microsoft.com/office/drawing/2014/main" id="{7E834B14-4117-1DCF-5A43-D2B20EFFAC66}"/>
-              </a:ext>
-            </a:extLst>
-          </p:cNvPr>
-          <p:cNvPicPr>
-            <a:picLocks noChangeAspect="1"/>
-          </p:cNvPicPr>
-          <p:nvPr/>
-        </p:nvPicPr>
-        <p:blipFill>
-          <a:blip r:embed="rId9">
-            <a:extLst>
-              <a:ext uri="{28A0092B-C50C-407E-A947-70E740481C1C}">
-                <a14:useLocalDpi xmlns:a14="http://schemas.microsoft.com/office/drawing/2010/main" val="0"/>
-              </a:ext>
-            </a:extLst>
-          </a:blip>
-          <a:stretch>
-            <a:fillRect/>
-          </a:stretch>
-        </p:blipFill>
-        <p:spPr>
-          <a:xfrm>
-            <a:off x="416473" y="1911675"/>
-            <a:ext cx="3240428" cy="3240428"/>
-          </a:xfrm>
-          <a:prstGeom prst="rect">
-            <a:avLst/>
-          </a:prstGeom>
-        </p:spPr>
-      </p:pic>
-    </p:spTree>
-    <p:extLst>
-      <p:ext uri="{BB962C8B-B14F-4D97-AF65-F5344CB8AC3E}">
-        <p14:creationId xmlns:p14="http://schemas.microsoft.com/office/powerpoint/2010/main" val="3136216797"/>
-      </p:ext>
-    </p:extLst>
-  </p:cSld>
-  <p:clrMapOvr>
-    <a:masterClrMapping/>
-  </p:clrMapOvr>
-</p:sld>
-</file>
-
-<file path=ppt/slides/slide7.xml><?xml version="1.0" encoding="utf-8"?>
-<p:sld xmlns:a="http://schemas.openxmlformats.org/drawingml/2006/main" xmlns:r="http://schemas.openxmlformats.org/officeDocument/2006/relationships" xmlns:p="http://schemas.openxmlformats.org/presentationml/2006/main">
-  <p:cSld>
-    <p:spTree>
-      <p:nvGrpSpPr>
-        <p:cNvPr id="1" name=""/>
-        <p:cNvGrpSpPr/>
-        <p:nvPr/>
-      </p:nvGrpSpPr>
-      <p:grpSpPr>
-        <a:xfrm>
-          <a:off x="0" y="0"/>
-          <a:ext cx="0" cy="0"/>
-          <a:chOff x="0" y="0"/>
-          <a:chExt cx="0" cy="0"/>
-        </a:xfrm>
-      </p:grpSpPr>
-      <p:sp useBgFill="1">
-        <p:nvSpPr>
-          <p:cNvPr id="16" name="Rectangle 15">
-            <a:extLst>
-              <a:ext uri="{FF2B5EF4-FFF2-40B4-BE49-F238E27FC236}">
-                <a16:creationId xmlns:a16="http://schemas.microsoft.com/office/drawing/2014/main" id="{3346177D-ADC4-4968-B747-5CFCD390B5B9}"/>
-              </a:ext>
-              <a:ext uri="{C183D7F6-B498-43B3-948B-1728B52AA6E4}">
-                <adec:decorative xmlns:adec="http://schemas.microsoft.com/office/drawing/2017/decorative" val="1"/>
-              </a:ext>
-            </a:extLst>
-          </p:cNvPr>
-          <p:cNvSpPr>
-            <a:spLocks noGrp="1" noRot="1" noChangeAspect="1" noMove="1" noResize="1" noEditPoints="1" noAdjustHandles="1" noChangeArrowheads="1" noChangeShapeType="1" noTextEdit="1"/>
-          </p:cNvSpPr>
-          <p:nvPr>
-            <p:custDataLst>
-              <p:tags r:id="rId1"/>
-            </p:custDataLst>
-            <p:extLst>
-              <p:ext uri="{386F3935-93C4-4BCD-93E2-E3B085C9AB24}">
-                <p16:designElem xmlns:p16="http://schemas.microsoft.com/office/powerpoint/2015/main" val="1"/>
-              </p:ext>
-            </p:extLst>
-          </p:nvPr>
-        </p:nvSpPr>
-        <p:spPr>
-          <a:xfrm>
-            <a:off x="0" y="0"/>
-            <a:ext cx="12192000" cy="6858000"/>
-          </a:xfrm>
-          <a:prstGeom prst="rect">
-            <a:avLst/>
-          </a:prstGeom>
-          <a:ln w="12700" cap="flat" cmpd="sng" algn="ctr">
-            <a:noFill/>
-            <a:prstDash val="solid"/>
-            <a:miter lim="800000"/>
-          </a:ln>
-          <a:effectLst/>
-          <a:extLst>
-            <a:ext uri="{91240B29-F687-4F45-9708-019B960494DF}">
-              <a14:hiddenLine xmlns:a14="http://schemas.microsoft.com/office/drawing/2010/main" w="12700" cap="flat" cmpd="sng" algn="ctr">
-                <a:solidFill>
-                  <a:schemeClr val="accent1">
-                    <a:shade val="50000"/>
-                  </a:schemeClr>
-                </a:solidFill>
-                <a:prstDash val="solid"/>
-                <a:miter lim="800000"/>
-              </a14:hiddenLine>
-            </a:ext>
-          </a:extLst>
-        </p:spPr>
-        <p:style>
-          <a:lnRef idx="2">
-            <a:schemeClr val="accent1">
-              <a:shade val="50000"/>
-            </a:schemeClr>
-          </a:lnRef>
-          <a:fillRef idx="1">
-            <a:schemeClr val="accent1"/>
-          </a:fillRef>
-          <a:effectRef idx="0">
-            <a:schemeClr val="accent1"/>
-          </a:effectRef>
-          <a:fontRef idx="minor">
-            <a:schemeClr val="lt1"/>
-          </a:fontRef>
-        </p:style>
-        <p:txBody>
-          <a:bodyPr rtlCol="0" anchor="ctr"/>
-          <a:lstStyle/>
-          <a:p>
-            <a:pPr algn="ctr"/>
-            <a:endParaRPr lang="en-US"/>
-          </a:p>
-        </p:txBody>
-      </p:sp>
-      <p:sp>
-        <p:nvSpPr>
-          <p:cNvPr id="2" name="Titre 1">
-            <a:extLst>
-              <a:ext uri="{FF2B5EF4-FFF2-40B4-BE49-F238E27FC236}">
-                <a16:creationId xmlns:a16="http://schemas.microsoft.com/office/drawing/2014/main" id="{CAB3509C-2EDD-C4C5-76D2-4EDE012B0367}"/>
-              </a:ext>
-            </a:extLst>
-          </p:cNvPr>
-          <p:cNvSpPr>
-            <a:spLocks noGrp="1"/>
-          </p:cNvSpPr>
-          <p:nvPr>
-            <p:ph type="title"/>
-            <p:custDataLst>
-              <p:tags r:id="rId2"/>
-            </p:custDataLst>
-          </p:nvPr>
-        </p:nvSpPr>
-        <p:spPr>
-          <a:xfrm>
-            <a:off x="995262" y="149650"/>
-            <a:ext cx="2406956" cy="1026367"/>
-          </a:xfrm>
-        </p:spPr>
-        <p:txBody>
-          <a:bodyPr anchor="b">
-            <a:normAutofit/>
-          </a:bodyPr>
-          <a:lstStyle/>
-          <a:p>
-            <a:r>
-              <a:rPr lang="fr-FR" sz="4000" dirty="0">
-                <a:latin typeface="Times New Roman" panose="02020603050405020304" pitchFamily="18" charset="0"/>
-                <a:cs typeface="Times New Roman" panose="02020603050405020304" pitchFamily="18" charset="0"/>
-              </a:rPr>
-              <a:t>Persona</a:t>
-            </a:r>
-          </a:p>
-        </p:txBody>
-      </p:sp>
-      <p:sp>
-        <p:nvSpPr>
-          <p:cNvPr id="7" name="Espace réservé du contenu 6">
-            <a:extLst>
-              <a:ext uri="{FF2B5EF4-FFF2-40B4-BE49-F238E27FC236}">
-                <a16:creationId xmlns:a16="http://schemas.microsoft.com/office/drawing/2014/main" id="{D7EF0F2A-A904-581F-6BBA-BED4997A259B}"/>
-              </a:ext>
-            </a:extLst>
-          </p:cNvPr>
-          <p:cNvSpPr>
-            <a:spLocks noGrp="1"/>
-          </p:cNvSpPr>
-          <p:nvPr>
-            <p:ph idx="1"/>
-            <p:custDataLst>
-              <p:tags r:id="rId3"/>
-            </p:custDataLst>
-          </p:nvPr>
-        </p:nvSpPr>
-        <p:spPr>
-          <a:xfrm>
-            <a:off x="4442894" y="790241"/>
-            <a:ext cx="5550366" cy="2304602"/>
-          </a:xfrm>
-        </p:spPr>
-        <p:txBody>
-          <a:bodyPr anchor="t">
-            <a:noAutofit/>
-          </a:bodyPr>
-          <a:lstStyle/>
-          <a:p>
-            <a:pPr marL="0" indent="0" algn="just">
-              <a:buNone/>
-            </a:pPr>
-            <a:r>
-              <a:rPr lang="fr-FR" sz="1800" b="1" dirty="0">
-                <a:latin typeface="Times New Roman" panose="02020603050405020304" pitchFamily="18" charset="0"/>
-                <a:cs typeface="Times New Roman" panose="02020603050405020304" pitchFamily="18" charset="0"/>
-              </a:rPr>
-              <a:t>Nom et Prénom : </a:t>
-            </a:r>
-            <a:r>
-              <a:rPr lang="fr-FR" sz="1800" dirty="0">
-                <a:latin typeface="Times New Roman" panose="02020603050405020304" pitchFamily="18" charset="0"/>
-                <a:cs typeface="Times New Roman" panose="02020603050405020304" pitchFamily="18" charset="0"/>
-              </a:rPr>
-              <a:t>Lola Lefebvre</a:t>
-            </a:r>
-          </a:p>
-          <a:p>
-            <a:pPr marL="0" indent="0" algn="just">
-              <a:buNone/>
-            </a:pPr>
-            <a:r>
-              <a:rPr lang="fr-FR" sz="1800" b="1" dirty="0">
-                <a:latin typeface="Times New Roman" panose="02020603050405020304" pitchFamily="18" charset="0"/>
-                <a:cs typeface="Times New Roman" panose="02020603050405020304" pitchFamily="18" charset="0"/>
-              </a:rPr>
-              <a:t>Âge : </a:t>
-            </a:r>
-            <a:r>
-              <a:rPr lang="fr-FR" sz="1800" dirty="0">
-                <a:latin typeface="Times New Roman" panose="02020603050405020304" pitchFamily="18" charset="0"/>
-                <a:cs typeface="Times New Roman" panose="02020603050405020304" pitchFamily="18" charset="0"/>
-              </a:rPr>
-              <a:t>19 ans</a:t>
-            </a:r>
-          </a:p>
-          <a:p>
-            <a:pPr marL="0" indent="0" algn="just">
-              <a:buNone/>
-            </a:pPr>
-            <a:r>
-              <a:rPr lang="fr-FR" sz="1800" b="1" dirty="0">
-                <a:latin typeface="Times New Roman" panose="02020603050405020304" pitchFamily="18" charset="0"/>
-                <a:cs typeface="Times New Roman" panose="02020603050405020304" pitchFamily="18" charset="0"/>
-              </a:rPr>
-              <a:t>Objectif : </a:t>
-            </a:r>
-            <a:r>
-              <a:rPr lang="fr-FR" sz="1800" dirty="0">
-                <a:latin typeface="Times New Roman" panose="02020603050405020304" pitchFamily="18" charset="0"/>
-                <a:cs typeface="Times New Roman" panose="02020603050405020304" pitchFamily="18" charset="0"/>
-              </a:rPr>
-              <a:t>Rechercher des livres correspondant à ses centres d’intérêt (romans) et discuter de ses lectures avec d’autres jeunes.</a:t>
-            </a:r>
-          </a:p>
-          <a:p>
-            <a:pPr marL="0" indent="0" algn="just">
-              <a:buNone/>
-            </a:pPr>
-            <a:r>
-              <a:rPr lang="fr-FR" sz="1800" b="1" dirty="0">
-                <a:latin typeface="Times New Roman" panose="02020603050405020304" pitchFamily="18" charset="0"/>
-                <a:cs typeface="Times New Roman" panose="02020603050405020304" pitchFamily="18" charset="0"/>
-              </a:rPr>
-              <a:t>Frustration : </a:t>
-            </a:r>
-            <a:r>
-              <a:rPr lang="fr-FR" sz="1800" dirty="0">
-                <a:latin typeface="Times New Roman" panose="02020603050405020304" pitchFamily="18" charset="0"/>
-                <a:cs typeface="Times New Roman" panose="02020603050405020304" pitchFamily="18" charset="0"/>
-              </a:rPr>
-              <a:t>Difficulté à trouver une communauté dédiée aux genres qu’elle aime.</a:t>
-            </a:r>
-            <a:endParaRPr lang="fr-FR" sz="1800" b="1" dirty="0">
-              <a:latin typeface="Times New Roman" panose="02020603050405020304" pitchFamily="18" charset="0"/>
-              <a:cs typeface="Times New Roman" panose="02020603050405020304" pitchFamily="18" charset="0"/>
-            </a:endParaRPr>
-          </a:p>
-        </p:txBody>
-      </p:sp>
-      <p:sp>
-        <p:nvSpPr>
-          <p:cNvPr id="18" name="Rectangle 17">
-            <a:extLst>
-              <a:ext uri="{FF2B5EF4-FFF2-40B4-BE49-F238E27FC236}">
-                <a16:creationId xmlns:a16="http://schemas.microsoft.com/office/drawing/2014/main" id="{0844A943-BF79-4FEA-ABB1-3BD54D236606}"/>
-              </a:ext>
-              <a:ext uri="{C183D7F6-B498-43B3-948B-1728B52AA6E4}">
-                <adec:decorative xmlns:adec="http://schemas.microsoft.com/office/drawing/2017/decorative" val="1"/>
-              </a:ext>
-            </a:extLst>
-          </p:cNvPr>
-          <p:cNvSpPr>
-            <a:spLocks noGrp="1" noRot="1" noChangeAspect="1" noMove="1" noResize="1" noEditPoints="1" noAdjustHandles="1" noChangeArrowheads="1" noChangeShapeType="1" noTextEdit="1"/>
-          </p:cNvSpPr>
-          <p:nvPr>
-            <p:custDataLst>
-              <p:tags r:id="rId4"/>
-            </p:custDataLst>
-            <p:extLst>
-              <p:ext uri="{386F3935-93C4-4BCD-93E2-E3B085C9AB24}">
-                <p16:designElem xmlns:p16="http://schemas.microsoft.com/office/powerpoint/2015/main" val="1"/>
-              </p:ext>
-            </p:extLst>
-          </p:nvPr>
-        </p:nvSpPr>
-        <p:spPr>
-          <a:xfrm rot="10800000" flipH="1">
-            <a:off x="0" y="6400799"/>
-            <a:ext cx="12192000" cy="456773"/>
-          </a:xfrm>
-          <a:prstGeom prst="rect">
-            <a:avLst/>
-          </a:prstGeom>
-          <a:gradFill>
-            <a:gsLst>
-              <a:gs pos="0">
-                <a:schemeClr val="accent1"/>
-              </a:gs>
-              <a:gs pos="90000">
-                <a:srgbClr val="000000"/>
-              </a:gs>
-            </a:gsLst>
-            <a:lin ang="2400000" scaled="0"/>
-          </a:gradFill>
-          <a:ln>
-            <a:noFill/>
-          </a:ln>
-        </p:spPr>
-        <p:style>
-          <a:lnRef idx="2">
-            <a:schemeClr val="accent1">
-              <a:shade val="50000"/>
-            </a:schemeClr>
-          </a:lnRef>
-          <a:fillRef idx="1">
-            <a:schemeClr val="accent1"/>
-          </a:fillRef>
-          <a:effectRef idx="0">
-            <a:schemeClr val="accent1"/>
-          </a:effectRef>
-          <a:fontRef idx="minor">
-            <a:schemeClr val="lt1"/>
-          </a:fontRef>
-        </p:style>
-        <p:txBody>
-          <a:bodyPr rtlCol="0" anchor="ctr"/>
-          <a:lstStyle/>
-          <a:p>
-            <a:pPr algn="ctr"/>
-            <a:endParaRPr lang="en-US"/>
-          </a:p>
-        </p:txBody>
-      </p:sp>
-      <p:sp>
-        <p:nvSpPr>
-          <p:cNvPr id="20" name="Rectangle 19">
-            <a:extLst>
-              <a:ext uri="{FF2B5EF4-FFF2-40B4-BE49-F238E27FC236}">
-                <a16:creationId xmlns:a16="http://schemas.microsoft.com/office/drawing/2014/main" id="{6437CC72-F4A8-4DC3-AFAB-D22C482C8100}"/>
-              </a:ext>
-              <a:ext uri="{C183D7F6-B498-43B3-948B-1728B52AA6E4}">
-                <adec:decorative xmlns:adec="http://schemas.microsoft.com/office/drawing/2017/decorative" val="1"/>
-              </a:ext>
-            </a:extLst>
-          </p:cNvPr>
-          <p:cNvSpPr>
-            <a:spLocks noGrp="1" noRot="1" noChangeAspect="1" noMove="1" noResize="1" noEditPoints="1" noAdjustHandles="1" noChangeArrowheads="1" noChangeShapeType="1" noTextEdit="1"/>
-          </p:cNvSpPr>
-          <p:nvPr>
-            <p:custDataLst>
-              <p:tags r:id="rId5"/>
-            </p:custDataLst>
-            <p:extLst>
-              <p:ext uri="{386F3935-93C4-4BCD-93E2-E3B085C9AB24}">
-                <p16:designElem xmlns:p16="http://schemas.microsoft.com/office/powerpoint/2015/main" val="1"/>
-              </p:ext>
-            </p:extLst>
-          </p:nvPr>
-        </p:nvSpPr>
-        <p:spPr>
-          <a:xfrm flipH="1">
-            <a:off x="4038600" y="6400799"/>
-            <a:ext cx="8153398" cy="456772"/>
-          </a:xfrm>
-          <a:prstGeom prst="rect">
-            <a:avLst/>
-          </a:prstGeom>
-          <a:gradFill>
-            <a:gsLst>
-              <a:gs pos="0">
-                <a:srgbClr val="000000">
-                  <a:alpha val="50000"/>
-                </a:srgbClr>
-              </a:gs>
-              <a:gs pos="100000">
-                <a:schemeClr val="accent1">
-                  <a:lumMod val="75000"/>
-                </a:schemeClr>
-              </a:gs>
-            </a:gsLst>
-            <a:lin ang="13800000" scaled="0"/>
-          </a:gradFill>
-          <a:ln>
-            <a:noFill/>
-          </a:ln>
-        </p:spPr>
-        <p:style>
-          <a:lnRef idx="2">
-            <a:schemeClr val="accent1">
-              <a:shade val="50000"/>
-            </a:schemeClr>
-          </a:lnRef>
-          <a:fillRef idx="1">
-            <a:schemeClr val="accent1"/>
-          </a:fillRef>
-          <a:effectRef idx="0">
-            <a:schemeClr val="accent1"/>
-          </a:effectRef>
-          <a:fontRef idx="minor">
-            <a:schemeClr val="lt1"/>
-          </a:fontRef>
-        </p:style>
-        <p:txBody>
-          <a:bodyPr rtlCol="0" anchor="ctr"/>
-          <a:lstStyle/>
-          <a:p>
-            <a:pPr algn="ctr"/>
-            <a:endParaRPr lang="en-US"/>
-          </a:p>
-        </p:txBody>
-      </p:sp>
-      <p:sp>
-        <p:nvSpPr>
-          <p:cNvPr id="12" name="Espace réservé du contenu 6">
-            <a:extLst>
-              <a:ext uri="{FF2B5EF4-FFF2-40B4-BE49-F238E27FC236}">
-                <a16:creationId xmlns:a16="http://schemas.microsoft.com/office/drawing/2014/main" id="{48C1E2C7-EE73-66FE-25EC-DB293282AB18}"/>
+                <a16:creationId xmlns:a16="http://schemas.microsoft.com/office/drawing/2014/main" id="{21D42695-3042-DD79-CDB5-24165EB8A606}"/>
               </a:ext>
             </a:extLst>
           </p:cNvPr>
@@ -24371,14 +26296,14 @@
           </p:cNvSpPr>
           <p:nvPr>
             <p:custDataLst>
-              <p:tags r:id="rId6"/>
+              <p:tags r:id="rId10"/>
             </p:custDataLst>
           </p:nvPr>
         </p:nvSpPr>
         <p:spPr>
           <a:xfrm>
-            <a:off x="4442894" y="3146283"/>
-            <a:ext cx="5550366" cy="2304602"/>
+            <a:off x="624315" y="5584617"/>
+            <a:ext cx="5720170" cy="456774"/>
           </a:xfrm>
           <a:prstGeom prst="rect">
             <a:avLst/>
@@ -24561,150 +26486,29 @@
                 <a:latin typeface="Times New Roman" panose="02020603050405020304" pitchFamily="18" charset="0"/>
                 <a:cs typeface="Times New Roman" panose="02020603050405020304" pitchFamily="18" charset="0"/>
               </a:rPr>
-              <a:t>Motivation : </a:t>
+              <a:t>Catégorie : </a:t>
             </a:r>
             <a:r>
               <a:rPr lang="fr-FR" sz="1800" dirty="0">
                 <a:latin typeface="Times New Roman" panose="02020603050405020304" pitchFamily="18" charset="0"/>
                 <a:cs typeface="Times New Roman" panose="02020603050405020304" pitchFamily="18" charset="0"/>
               </a:rPr>
-              <a:t>Lola est motivée par l’idée de faire partie d’une communauté active où elle peut trouver des livres qui ne sont pas nécessairement des best-seller, mais  qui correspondent à ses goûts.</a:t>
+              <a:t>Rechercher des livres correspondant à ses centres d’intérêt et discuter avec d’autres jeunes</a:t>
             </a:r>
-            <a:endParaRPr lang="fr-FR" sz="1800" b="1" dirty="0">
-              <a:latin typeface="Times New Roman" panose="02020603050405020304" pitchFamily="18" charset="0"/>
-              <a:cs typeface="Times New Roman" panose="02020603050405020304" pitchFamily="18" charset="0"/>
-            </a:endParaRPr>
-          </a:p>
-          <a:p>
-            <a:pPr marL="0" indent="0" algn="just">
-              <a:buNone/>
-            </a:pPr>
             <a:r>
               <a:rPr lang="fr-FR" sz="1800" b="1" dirty="0">
                 <a:latin typeface="Times New Roman" panose="02020603050405020304" pitchFamily="18" charset="0"/>
                 <a:cs typeface="Times New Roman" panose="02020603050405020304" pitchFamily="18" charset="0"/>
               </a:rPr>
-              <a:t>Comportements : </a:t>
+              <a:t> </a:t>
             </a:r>
-            <a:r>
-              <a:rPr lang="fr-FR" sz="1800" dirty="0">
-                <a:latin typeface="Times New Roman" panose="02020603050405020304" pitchFamily="18" charset="0"/>
-                <a:cs typeface="Times New Roman" panose="02020603050405020304" pitchFamily="18" charset="0"/>
-              </a:rPr>
-              <a:t>Elle est très active sur les réseaux sociaux  et aime partager ses impressions de lecture sur Instagram ou Twitter. Elle participe également à des clubs de lecture en ligne.</a:t>
-            </a:r>
-            <a:endParaRPr lang="fr-FR" sz="1800" b="1" dirty="0">
+            <a:endParaRPr lang="fr-FR" sz="1800" dirty="0">
               <a:latin typeface="Times New Roman" panose="02020603050405020304" pitchFamily="18" charset="0"/>
               <a:cs typeface="Times New Roman" panose="02020603050405020304" pitchFamily="18" charset="0"/>
             </a:endParaRPr>
           </a:p>
-          <a:p>
-            <a:pPr marL="0" indent="0" algn="just">
-              <a:buNone/>
-            </a:pPr>
-            <a:r>
-              <a:rPr lang="fr-FR" sz="1800" b="1" dirty="0">
-                <a:latin typeface="Times New Roman" panose="02020603050405020304" pitchFamily="18" charset="0"/>
-                <a:cs typeface="Times New Roman" panose="02020603050405020304" pitchFamily="18" charset="0"/>
-              </a:rPr>
-              <a:t>Autres détails possibles : </a:t>
-            </a:r>
-            <a:r>
-              <a:rPr lang="fr-FR" sz="1800" dirty="0">
-                <a:latin typeface="Times New Roman" panose="02020603050405020304" pitchFamily="18" charset="0"/>
-                <a:cs typeface="Times New Roman" panose="02020603050405020304" pitchFamily="18" charset="0"/>
-              </a:rPr>
-              <a:t>Elle passe environ 1 à 2 heures par jour à lire et à échanger avec d’autres lecteurs sur les réseaux sociaux</a:t>
-            </a:r>
-            <a:endParaRPr lang="fr-FR" sz="1800" b="1" dirty="0">
-              <a:latin typeface="Times New Roman" panose="02020603050405020304" pitchFamily="18" charset="0"/>
-              <a:cs typeface="Times New Roman" panose="02020603050405020304" pitchFamily="18" charset="0"/>
-            </a:endParaRPr>
-          </a:p>
-          <a:p>
-            <a:pPr marL="0" indent="0" algn="just">
-              <a:buFont typeface="Arial" panose="020B0604020202020204" pitchFamily="34" charset="0"/>
-              <a:buNone/>
-            </a:pPr>
-            <a:endParaRPr lang="fr-FR" sz="1800" b="1" dirty="0">
-              <a:latin typeface="Times New Roman" panose="02020603050405020304" pitchFamily="18" charset="0"/>
-              <a:cs typeface="Times New Roman" panose="02020603050405020304" pitchFamily="18" charset="0"/>
-            </a:endParaRPr>
-          </a:p>
         </p:txBody>
       </p:sp>
-      <p:sp>
-        <p:nvSpPr>
-          <p:cNvPr id="5" name="Espace réservé du numéro de diapositive 4">
-            <a:extLst>
-              <a:ext uri="{FF2B5EF4-FFF2-40B4-BE49-F238E27FC236}">
-                <a16:creationId xmlns:a16="http://schemas.microsoft.com/office/drawing/2014/main" id="{ACBB2F2A-A517-48B6-AD57-A1EB87CB5543}"/>
-              </a:ext>
-            </a:extLst>
-          </p:cNvPr>
-          <p:cNvSpPr>
-            <a:spLocks noGrp="1"/>
-          </p:cNvSpPr>
-          <p:nvPr>
-            <p:ph type="sldNum" sz="quarter" idx="12"/>
-            <p:custDataLst>
-              <p:tags r:id="rId7"/>
-            </p:custDataLst>
-          </p:nvPr>
-        </p:nvSpPr>
-        <p:spPr/>
-        <p:txBody>
-          <a:bodyPr/>
-          <a:lstStyle/>
-          <a:p>
-            <a:fld id="{23120ADE-45B3-4262-A680-7B402FD9570E}" type="slidenum">
-              <a:rPr lang="fr-FR" smtClean="0"/>
-              <a:t>7</a:t>
-            </a:fld>
-            <a:endParaRPr lang="fr-FR"/>
-          </a:p>
-        </p:txBody>
-      </p:sp>
-      <p:pic>
-        <p:nvPicPr>
-          <p:cNvPr id="6" name="Image 5" descr="Une image contenant personne, Visage humain, pull, habits&#10;&#10;Description générée automatiquement">
-            <a:extLst>
-              <a:ext uri="{FF2B5EF4-FFF2-40B4-BE49-F238E27FC236}">
-                <a16:creationId xmlns:a16="http://schemas.microsoft.com/office/drawing/2014/main" id="{DA1E8ADE-7911-7CC0-B19C-B04769997A94}"/>
-              </a:ext>
-            </a:extLst>
-          </p:cNvPr>
-          <p:cNvPicPr>
-            <a:picLocks noChangeAspect="1"/>
-          </p:cNvPicPr>
-          <p:nvPr>
-            <p:custDataLst>
-              <p:tags r:id="rId8"/>
-            </p:custDataLst>
-          </p:nvPr>
-        </p:nvPicPr>
-        <p:blipFill>
-          <a:blip r:embed="rId10">
-            <a:extLst>
-              <a:ext uri="{28A0092B-C50C-407E-A947-70E740481C1C}">
-                <a14:useLocalDpi xmlns:a14="http://schemas.microsoft.com/office/drawing/2010/main" val="0"/>
-              </a:ext>
-            </a:extLst>
-          </a:blip>
-          <a:stretch>
-            <a:fillRect/>
-          </a:stretch>
-        </p:blipFill>
-        <p:spPr>
-          <a:xfrm>
-            <a:off x="624315" y="1854575"/>
-            <a:ext cx="3148850" cy="3148850"/>
-          </a:xfrm>
-          <a:prstGeom prst="rect">
-            <a:avLst/>
-          </a:prstGeom>
-        </p:spPr>
-      </p:pic>
     </p:spTree>
     <p:extLst>
       <p:ext uri="{BB962C8B-B14F-4D97-AF65-F5344CB8AC3E}">
@@ -25019,13 +26823,13 @@
         </p:nvSpPr>
         <p:spPr>
           <a:xfrm>
-            <a:off x="283029" y="1515383"/>
-            <a:ext cx="10515600" cy="2419803"/>
+            <a:off x="283029" y="1881134"/>
+            <a:ext cx="10515600" cy="2310722"/>
           </a:xfrm>
         </p:spPr>
         <p:txBody>
           <a:bodyPr>
-            <a:normAutofit lnSpcReduction="10000"/>
+            <a:normAutofit/>
           </a:bodyPr>
           <a:lstStyle/>
           <a:p>
@@ -25053,7 +26857,7 @@
                 <a:ea typeface="Calibri" panose="020F0502020204030204" pitchFamily="34" charset="0"/>
                 <a:cs typeface="Times New Roman" panose="02020603050405020304" pitchFamily="18" charset="0"/>
               </a:rPr>
-              <a:t>L’administrateur peut créer des catégories</a:t>
+              <a:t>Création des catégories par l’administrateur pour l’ajout des livres</a:t>
             </a:r>
           </a:p>
           <a:p>
@@ -25102,7 +26906,7 @@
                 <a:ea typeface="Calibri" panose="020F0502020204030204" pitchFamily="34" charset="0"/>
                 <a:cs typeface="Times New Roman" panose="02020603050405020304" pitchFamily="18" charset="0"/>
               </a:rPr>
-              <a:t>L’utilisateur peut se créer un compte</a:t>
+              <a:t>L’utilisateur peut se créer un compte et ajouter des livres</a:t>
             </a:r>
           </a:p>
           <a:p>
@@ -25121,7 +26925,7 @@
                 <a:ea typeface="Calibri" panose="020F0502020204030204" pitchFamily="34" charset="0"/>
                 <a:cs typeface="Times New Roman" panose="02020603050405020304" pitchFamily="18" charset="0"/>
               </a:rPr>
-              <a:t>L’administrateur et les utilisateurs peuvent ajouter des livres (image de couverture, titre, auteur, résumé, date de publication)</a:t>
+              <a:t>Les utilisateurs peuvent interagir par rapport aux livres ajoutés</a:t>
             </a:r>
           </a:p>
           <a:p>
@@ -25476,13 +27280,13 @@
           </p:nvPr>
         </p:nvPicPr>
         <p:blipFill>
-          <a:blip r:embed="rId10">
+          <a:blip r:embed="rId11">
             <a:extLst>
               <a:ext uri="{28A0092B-C50C-407E-A947-70E740481C1C}">
                 <a14:useLocalDpi xmlns:a14="http://schemas.microsoft.com/office/drawing/2010/main" val="0"/>
               </a:ext>
               <a:ext uri="{96DAC541-7B7A-43D3-8B79-37D633B846F1}">
-                <asvg:svgBlip xmlns:asvg="http://schemas.microsoft.com/office/drawing/2016/SVG/main" r:embed="rId11"/>
+                <asvg:svgBlip xmlns:asvg="http://schemas.microsoft.com/office/drawing/2016/SVG/main" r:embed="rId12"/>
               </a:ext>
             </a:extLst>
           </a:blip>
@@ -25500,6 +27304,229 @@
           </a:prstGeom>
         </p:spPr>
       </p:pic>
+      <p:sp>
+        <p:nvSpPr>
+          <p:cNvPr id="2" name="Espace réservé du contenu 2">
+            <a:extLst>
+              <a:ext uri="{FF2B5EF4-FFF2-40B4-BE49-F238E27FC236}">
+                <a16:creationId xmlns:a16="http://schemas.microsoft.com/office/drawing/2014/main" id="{7909A9E3-E310-727D-2D78-45C47521D467}"/>
+              </a:ext>
+            </a:extLst>
+          </p:cNvPr>
+          <p:cNvSpPr txBox="1">
+            <a:spLocks/>
+          </p:cNvSpPr>
+          <p:nvPr>
+            <p:custDataLst>
+              <p:tags r:id="rId9"/>
+            </p:custDataLst>
+          </p:nvPr>
+        </p:nvSpPr>
+        <p:spPr>
+          <a:xfrm>
+            <a:off x="949036" y="1379343"/>
+            <a:ext cx="3255422" cy="870249"/>
+          </a:xfrm>
+          <a:prstGeom prst="rect">
+            <a:avLst/>
+          </a:prstGeom>
+        </p:spPr>
+        <p:txBody>
+          <a:bodyPr vert="horz" lIns="91440" tIns="45720" rIns="91440" bIns="45720" rtlCol="0">
+            <a:normAutofit/>
+          </a:bodyPr>
+          <a:lstStyle>
+            <a:lvl1pPr marL="228600" indent="-228600" algn="l" defTabSz="914400" rtl="0" eaLnBrk="1" latinLnBrk="0" hangingPunct="1">
+              <a:lnSpc>
+                <a:spcPct val="90000"/>
+              </a:lnSpc>
+              <a:spcBef>
+                <a:spcPts val="1000"/>
+              </a:spcBef>
+              <a:buFont typeface="Arial" panose="020B0604020202020204" pitchFamily="34" charset="0"/>
+              <a:buChar char="•"/>
+              <a:defRPr sz="2800" kern="1200">
+                <a:solidFill>
+                  <a:schemeClr val="tx1"/>
+                </a:solidFill>
+                <a:latin typeface="+mn-lt"/>
+                <a:ea typeface="+mn-ea"/>
+                <a:cs typeface="+mn-cs"/>
+              </a:defRPr>
+            </a:lvl1pPr>
+            <a:lvl2pPr marL="685800" indent="-228600" algn="l" defTabSz="914400" rtl="0" eaLnBrk="1" latinLnBrk="0" hangingPunct="1">
+              <a:lnSpc>
+                <a:spcPct val="90000"/>
+              </a:lnSpc>
+              <a:spcBef>
+                <a:spcPts val="500"/>
+              </a:spcBef>
+              <a:buFont typeface="Arial" panose="020B0604020202020204" pitchFamily="34" charset="0"/>
+              <a:buChar char="•"/>
+              <a:defRPr sz="2400" kern="1200">
+                <a:solidFill>
+                  <a:schemeClr val="tx1"/>
+                </a:solidFill>
+                <a:latin typeface="+mn-lt"/>
+                <a:ea typeface="+mn-ea"/>
+                <a:cs typeface="+mn-cs"/>
+              </a:defRPr>
+            </a:lvl2pPr>
+            <a:lvl3pPr marL="1143000" indent="-228600" algn="l" defTabSz="914400" rtl="0" eaLnBrk="1" latinLnBrk="0" hangingPunct="1">
+              <a:lnSpc>
+                <a:spcPct val="90000"/>
+              </a:lnSpc>
+              <a:spcBef>
+                <a:spcPts val="500"/>
+              </a:spcBef>
+              <a:buFont typeface="Arial" panose="020B0604020202020204" pitchFamily="34" charset="0"/>
+              <a:buChar char="•"/>
+              <a:defRPr sz="2000" kern="1200">
+                <a:solidFill>
+                  <a:schemeClr val="tx1"/>
+                </a:solidFill>
+                <a:latin typeface="+mn-lt"/>
+                <a:ea typeface="+mn-ea"/>
+                <a:cs typeface="+mn-cs"/>
+              </a:defRPr>
+            </a:lvl3pPr>
+            <a:lvl4pPr marL="1600200" indent="-228600" algn="l" defTabSz="914400" rtl="0" eaLnBrk="1" latinLnBrk="0" hangingPunct="1">
+              <a:lnSpc>
+                <a:spcPct val="90000"/>
+              </a:lnSpc>
+              <a:spcBef>
+                <a:spcPts val="500"/>
+              </a:spcBef>
+              <a:buFont typeface="Arial" panose="020B0604020202020204" pitchFamily="34" charset="0"/>
+              <a:buChar char="•"/>
+              <a:defRPr sz="1800" kern="1200">
+                <a:solidFill>
+                  <a:schemeClr val="tx1"/>
+                </a:solidFill>
+                <a:latin typeface="+mn-lt"/>
+                <a:ea typeface="+mn-ea"/>
+                <a:cs typeface="+mn-cs"/>
+              </a:defRPr>
+            </a:lvl4pPr>
+            <a:lvl5pPr marL="2057400" indent="-228600" algn="l" defTabSz="914400" rtl="0" eaLnBrk="1" latinLnBrk="0" hangingPunct="1">
+              <a:lnSpc>
+                <a:spcPct val="90000"/>
+              </a:lnSpc>
+              <a:spcBef>
+                <a:spcPts val="500"/>
+              </a:spcBef>
+              <a:buFont typeface="Arial" panose="020B0604020202020204" pitchFamily="34" charset="0"/>
+              <a:buChar char="•"/>
+              <a:defRPr sz="1800" kern="1200">
+                <a:solidFill>
+                  <a:schemeClr val="tx1"/>
+                </a:solidFill>
+                <a:latin typeface="+mn-lt"/>
+                <a:ea typeface="+mn-ea"/>
+                <a:cs typeface="+mn-cs"/>
+              </a:defRPr>
+            </a:lvl5pPr>
+            <a:lvl6pPr marL="2514600" indent="-228600" algn="l" defTabSz="914400" rtl="0" eaLnBrk="1" latinLnBrk="0" hangingPunct="1">
+              <a:lnSpc>
+                <a:spcPct val="90000"/>
+              </a:lnSpc>
+              <a:spcBef>
+                <a:spcPts val="500"/>
+              </a:spcBef>
+              <a:buFont typeface="Arial" panose="020B0604020202020204" pitchFamily="34" charset="0"/>
+              <a:buChar char="•"/>
+              <a:defRPr sz="1800" kern="1200">
+                <a:solidFill>
+                  <a:schemeClr val="tx1"/>
+                </a:solidFill>
+                <a:latin typeface="+mn-lt"/>
+                <a:ea typeface="+mn-ea"/>
+                <a:cs typeface="+mn-cs"/>
+              </a:defRPr>
+            </a:lvl6pPr>
+            <a:lvl7pPr marL="2971800" indent="-228600" algn="l" defTabSz="914400" rtl="0" eaLnBrk="1" latinLnBrk="0" hangingPunct="1">
+              <a:lnSpc>
+                <a:spcPct val="90000"/>
+              </a:lnSpc>
+              <a:spcBef>
+                <a:spcPts val="500"/>
+              </a:spcBef>
+              <a:buFont typeface="Arial" panose="020B0604020202020204" pitchFamily="34" charset="0"/>
+              <a:buChar char="•"/>
+              <a:defRPr sz="1800" kern="1200">
+                <a:solidFill>
+                  <a:schemeClr val="tx1"/>
+                </a:solidFill>
+                <a:latin typeface="+mn-lt"/>
+                <a:ea typeface="+mn-ea"/>
+                <a:cs typeface="+mn-cs"/>
+              </a:defRPr>
+            </a:lvl7pPr>
+            <a:lvl8pPr marL="3429000" indent="-228600" algn="l" defTabSz="914400" rtl="0" eaLnBrk="1" latinLnBrk="0" hangingPunct="1">
+              <a:lnSpc>
+                <a:spcPct val="90000"/>
+              </a:lnSpc>
+              <a:spcBef>
+                <a:spcPts val="500"/>
+              </a:spcBef>
+              <a:buFont typeface="Arial" panose="020B0604020202020204" pitchFamily="34" charset="0"/>
+              <a:buChar char="•"/>
+              <a:defRPr sz="1800" kern="1200">
+                <a:solidFill>
+                  <a:schemeClr val="tx1"/>
+                </a:solidFill>
+                <a:latin typeface="+mn-lt"/>
+                <a:ea typeface="+mn-ea"/>
+                <a:cs typeface="+mn-cs"/>
+              </a:defRPr>
+            </a:lvl8pPr>
+            <a:lvl9pPr marL="3886200" indent="-228600" algn="l" defTabSz="914400" rtl="0" eaLnBrk="1" latinLnBrk="0" hangingPunct="1">
+              <a:lnSpc>
+                <a:spcPct val="90000"/>
+              </a:lnSpc>
+              <a:spcBef>
+                <a:spcPts val="500"/>
+              </a:spcBef>
+              <a:buFont typeface="Arial" panose="020B0604020202020204" pitchFamily="34" charset="0"/>
+              <a:buChar char="•"/>
+              <a:defRPr sz="1800" kern="1200">
+                <a:solidFill>
+                  <a:schemeClr val="tx1"/>
+                </a:solidFill>
+                <a:latin typeface="+mn-lt"/>
+                <a:ea typeface="+mn-ea"/>
+                <a:cs typeface="+mn-cs"/>
+              </a:defRPr>
+            </a:lvl9pPr>
+          </a:lstStyle>
+          <a:p>
+            <a:pPr marL="0" indent="0" algn="just">
+              <a:buFont typeface="Arial" panose="020B0604020202020204" pitchFamily="34" charset="0"/>
+              <a:buNone/>
+            </a:pPr>
+            <a:r>
+              <a:rPr lang="fr-FR" sz="2400" dirty="0">
+                <a:latin typeface="Times New Roman" panose="02020603050405020304" pitchFamily="18" charset="0"/>
+                <a:cs typeface="Times New Roman" panose="02020603050405020304" pitchFamily="18" charset="0"/>
+                <a:sym typeface="Wingdings" panose="05000000000000000000" pitchFamily="2" charset="2"/>
+              </a:rPr>
+              <a:t> Méthode </a:t>
+            </a:r>
+            <a:r>
+              <a:rPr lang="fr-FR" sz="2400" dirty="0" err="1">
+                <a:latin typeface="Times New Roman" panose="02020603050405020304" pitchFamily="18" charset="0"/>
+                <a:cs typeface="Times New Roman" panose="02020603050405020304" pitchFamily="18" charset="0"/>
+                <a:sym typeface="Wingdings" panose="05000000000000000000" pitchFamily="2" charset="2"/>
+              </a:rPr>
+              <a:t>MoSCoW</a:t>
+            </a:r>
+            <a:endParaRPr lang="fr-FR" dirty="0">
+              <a:latin typeface="Times New Roman" panose="02020603050405020304" pitchFamily="18" charset="0"/>
+              <a:cs typeface="Times New Roman" panose="02020603050405020304" pitchFamily="18" charset="0"/>
+            </a:endParaRPr>
+          </a:p>
+        </p:txBody>
+      </p:sp>
     </p:spTree>
     <p:extLst>
       <p:ext uri="{BB962C8B-B14F-4D97-AF65-F5344CB8AC3E}">
@@ -26235,61 +28262,61 @@
 
 <file path=ppt/tags/tag100.xml><?xml version="1.0" encoding="utf-8"?>
 <p:tagLst xmlns:a="http://schemas.openxmlformats.org/drawingml/2006/main" xmlns:r="http://schemas.openxmlformats.org/officeDocument/2006/relationships" xmlns:p="http://schemas.openxmlformats.org/presentationml/2006/main">
-  <p:tag name="NUM" val="7"/>
+  <p:tag name="NUM" val="13"/>
 </p:tagLst>
 </file>
 
 <file path=ppt/tags/tag101.xml><?xml version="1.0" encoding="utf-8"?>
 <p:tagLst xmlns:a="http://schemas.openxmlformats.org/drawingml/2006/main" xmlns:r="http://schemas.openxmlformats.org/officeDocument/2006/relationships" xmlns:p="http://schemas.openxmlformats.org/presentationml/2006/main">
-  <p:tag name="NUM" val="1"/>
+  <p:tag name="NUM" val="3"/>
 </p:tagLst>
 </file>
 
 <file path=ppt/tags/tag102.xml><?xml version="1.0" encoding="utf-8"?>
 <p:tagLst xmlns:a="http://schemas.openxmlformats.org/drawingml/2006/main" xmlns:r="http://schemas.openxmlformats.org/officeDocument/2006/relationships" xmlns:p="http://schemas.openxmlformats.org/presentationml/2006/main">
-  <p:tag name="NUM" val="2"/>
+  <p:tag name="NUM" val="5"/>
 </p:tagLst>
 </file>
 
 <file path=ppt/tags/tag103.xml><?xml version="1.0" encoding="utf-8"?>
 <p:tagLst xmlns:a="http://schemas.openxmlformats.org/drawingml/2006/main" xmlns:r="http://schemas.openxmlformats.org/officeDocument/2006/relationships" xmlns:p="http://schemas.openxmlformats.org/presentationml/2006/main">
-  <p:tag name="NUM" val="3"/>
+  <p:tag name="NUM" val="1"/>
 </p:tagLst>
 </file>
 
 <file path=ppt/tags/tag104.xml><?xml version="1.0" encoding="utf-8"?>
 <p:tagLst xmlns:a="http://schemas.openxmlformats.org/drawingml/2006/main" xmlns:r="http://schemas.openxmlformats.org/officeDocument/2006/relationships" xmlns:p="http://schemas.openxmlformats.org/presentationml/2006/main">
-  <p:tag name="NUM" val="4"/>
+  <p:tag name="NUM" val="2"/>
 </p:tagLst>
 </file>
 
 <file path=ppt/tags/tag105.xml><?xml version="1.0" encoding="utf-8"?>
 <p:tagLst xmlns:a="http://schemas.openxmlformats.org/drawingml/2006/main" xmlns:r="http://schemas.openxmlformats.org/officeDocument/2006/relationships" xmlns:p="http://schemas.openxmlformats.org/presentationml/2006/main">
-  <p:tag name="NUM" val="5"/>
+  <p:tag name="NUM" val="3"/>
 </p:tagLst>
 </file>
 
 <file path=ppt/tags/tag106.xml><?xml version="1.0" encoding="utf-8"?>
 <p:tagLst xmlns:a="http://schemas.openxmlformats.org/drawingml/2006/main" xmlns:r="http://schemas.openxmlformats.org/officeDocument/2006/relationships" xmlns:p="http://schemas.openxmlformats.org/presentationml/2006/main">
-  <p:tag name="NUM" val="6"/>
+  <p:tag name="NUM" val="4"/>
 </p:tagLst>
 </file>
 
 <file path=ppt/tags/tag107.xml><?xml version="1.0" encoding="utf-8"?>
 <p:tagLst xmlns:a="http://schemas.openxmlformats.org/drawingml/2006/main" xmlns:r="http://schemas.openxmlformats.org/officeDocument/2006/relationships" xmlns:p="http://schemas.openxmlformats.org/presentationml/2006/main">
-  <p:tag name="NUM" val="7"/>
+  <p:tag name="NUM" val="5"/>
 </p:tagLst>
 </file>
 
 <file path=ppt/tags/tag108.xml><?xml version="1.0" encoding="utf-8"?>
 <p:tagLst xmlns:a="http://schemas.openxmlformats.org/drawingml/2006/main" xmlns:r="http://schemas.openxmlformats.org/officeDocument/2006/relationships" xmlns:p="http://schemas.openxmlformats.org/presentationml/2006/main">
-  <p:tag name="NUM" val="8"/>
+  <p:tag name="NUM" val="4"/>
 </p:tagLst>
 </file>
 
 <file path=ppt/tags/tag109.xml><?xml version="1.0" encoding="utf-8"?>
 <p:tagLst xmlns:a="http://schemas.openxmlformats.org/drawingml/2006/main" xmlns:r="http://schemas.openxmlformats.org/officeDocument/2006/relationships" xmlns:p="http://schemas.openxmlformats.org/presentationml/2006/main">
-  <p:tag name="NUM" val="9"/>
+  <p:tag name="NUM" val="1"/>
 </p:tagLst>
 </file>
 
@@ -26301,55 +28328,55 @@
 
 <file path=ppt/tags/tag110.xml><?xml version="1.0" encoding="utf-8"?>
 <p:tagLst xmlns:a="http://schemas.openxmlformats.org/drawingml/2006/main" xmlns:r="http://schemas.openxmlformats.org/officeDocument/2006/relationships" xmlns:p="http://schemas.openxmlformats.org/presentationml/2006/main">
-  <p:tag name="NUM" val="10"/>
+  <p:tag name="NUM" val="2"/>
 </p:tagLst>
 </file>
 
 <file path=ppt/tags/tag111.xml><?xml version="1.0" encoding="utf-8"?>
 <p:tagLst xmlns:a="http://schemas.openxmlformats.org/drawingml/2006/main" xmlns:r="http://schemas.openxmlformats.org/officeDocument/2006/relationships" xmlns:p="http://schemas.openxmlformats.org/presentationml/2006/main">
-  <p:tag name="NUM" val="11"/>
+  <p:tag name="NUM" val="3"/>
 </p:tagLst>
 </file>
 
 <file path=ppt/tags/tag112.xml><?xml version="1.0" encoding="utf-8"?>
 <p:tagLst xmlns:a="http://schemas.openxmlformats.org/drawingml/2006/main" xmlns:r="http://schemas.openxmlformats.org/officeDocument/2006/relationships" xmlns:p="http://schemas.openxmlformats.org/presentationml/2006/main">
-  <p:tag name="NUM" val="1"/>
+  <p:tag name="NUM" val="4"/>
 </p:tagLst>
 </file>
 
 <file path=ppt/tags/tag113.xml><?xml version="1.0" encoding="utf-8"?>
 <p:tagLst xmlns:a="http://schemas.openxmlformats.org/drawingml/2006/main" xmlns:r="http://schemas.openxmlformats.org/officeDocument/2006/relationships" xmlns:p="http://schemas.openxmlformats.org/presentationml/2006/main">
-  <p:tag name="NUM" val="2"/>
+  <p:tag name="NUM" val="5"/>
 </p:tagLst>
 </file>
 
 <file path=ppt/tags/tag114.xml><?xml version="1.0" encoding="utf-8"?>
 <p:tagLst xmlns:a="http://schemas.openxmlformats.org/drawingml/2006/main" xmlns:r="http://schemas.openxmlformats.org/officeDocument/2006/relationships" xmlns:p="http://schemas.openxmlformats.org/presentationml/2006/main">
-  <p:tag name="NUM" val="3"/>
+  <p:tag name="NUM" val="1"/>
 </p:tagLst>
 </file>
 
 <file path=ppt/tags/tag115.xml><?xml version="1.0" encoding="utf-8"?>
 <p:tagLst xmlns:a="http://schemas.openxmlformats.org/drawingml/2006/main" xmlns:r="http://schemas.openxmlformats.org/officeDocument/2006/relationships" xmlns:p="http://schemas.openxmlformats.org/presentationml/2006/main">
-  <p:tag name="NUM" val="4"/>
+  <p:tag name="NUM" val="2"/>
 </p:tagLst>
 </file>
 
 <file path=ppt/tags/tag116.xml><?xml version="1.0" encoding="utf-8"?>
 <p:tagLst xmlns:a="http://schemas.openxmlformats.org/drawingml/2006/main" xmlns:r="http://schemas.openxmlformats.org/officeDocument/2006/relationships" xmlns:p="http://schemas.openxmlformats.org/presentationml/2006/main">
-  <p:tag name="NUM" val="5"/>
+  <p:tag name="NUM" val="3"/>
 </p:tagLst>
 </file>
 
 <file path=ppt/tags/tag117.xml><?xml version="1.0" encoding="utf-8"?>
 <p:tagLst xmlns:a="http://schemas.openxmlformats.org/drawingml/2006/main" xmlns:r="http://schemas.openxmlformats.org/officeDocument/2006/relationships" xmlns:p="http://schemas.openxmlformats.org/presentationml/2006/main">
-  <p:tag name="NUM" val="5"/>
+  <p:tag name="NUM" val="4"/>
 </p:tagLst>
 </file>
 
 <file path=ppt/tags/tag118.xml><?xml version="1.0" encoding="utf-8"?>
 <p:tagLst xmlns:a="http://schemas.openxmlformats.org/drawingml/2006/main" xmlns:r="http://schemas.openxmlformats.org/officeDocument/2006/relationships" xmlns:p="http://schemas.openxmlformats.org/presentationml/2006/main">
-  <p:tag name="NUM" val="4"/>
+  <p:tag name="NUM" val="5"/>
 </p:tagLst>
 </file>
 
@@ -26391,37 +28418,37 @@
 
 <file path=ppt/tags/tag124.xml><?xml version="1.0" encoding="utf-8"?>
 <p:tagLst xmlns:a="http://schemas.openxmlformats.org/drawingml/2006/main" xmlns:r="http://schemas.openxmlformats.org/officeDocument/2006/relationships" xmlns:p="http://schemas.openxmlformats.org/presentationml/2006/main">
-  <p:tag name="NUM" val="3"/>
+  <p:tag name="NUM" val="6"/>
 </p:tagLst>
 </file>
 
 <file path=ppt/tags/tag125.xml><?xml version="1.0" encoding="utf-8"?>
 <p:tagLst xmlns:a="http://schemas.openxmlformats.org/drawingml/2006/main" xmlns:r="http://schemas.openxmlformats.org/officeDocument/2006/relationships" xmlns:p="http://schemas.openxmlformats.org/presentationml/2006/main">
-  <p:tag name="NUM" val="5"/>
+  <p:tag name="NUM" val="7"/>
 </p:tagLst>
 </file>
 
 <file path=ppt/tags/tag126.xml><?xml version="1.0" encoding="utf-8"?>
 <p:tagLst xmlns:a="http://schemas.openxmlformats.org/drawingml/2006/main" xmlns:r="http://schemas.openxmlformats.org/officeDocument/2006/relationships" xmlns:p="http://schemas.openxmlformats.org/presentationml/2006/main">
-  <p:tag name="NUM" val="1"/>
+  <p:tag name="NUM" val="8"/>
 </p:tagLst>
 </file>
 
 <file path=ppt/tags/tag127.xml><?xml version="1.0" encoding="utf-8"?>
 <p:tagLst xmlns:a="http://schemas.openxmlformats.org/drawingml/2006/main" xmlns:r="http://schemas.openxmlformats.org/officeDocument/2006/relationships" xmlns:p="http://schemas.openxmlformats.org/presentationml/2006/main">
-  <p:tag name="NUM" val="2"/>
+  <p:tag name="NUM" val="9"/>
 </p:tagLst>
 </file>
 
 <file path=ppt/tags/tag128.xml><?xml version="1.0" encoding="utf-8"?>
 <p:tagLst xmlns:a="http://schemas.openxmlformats.org/drawingml/2006/main" xmlns:r="http://schemas.openxmlformats.org/officeDocument/2006/relationships" xmlns:p="http://schemas.openxmlformats.org/presentationml/2006/main">
-  <p:tag name="NUM" val="3"/>
+  <p:tag name="NUM" val="10"/>
 </p:tagLst>
 </file>
 
 <file path=ppt/tags/tag129.xml><?xml version="1.0" encoding="utf-8"?>
 <p:tagLst xmlns:a="http://schemas.openxmlformats.org/drawingml/2006/main" xmlns:r="http://schemas.openxmlformats.org/officeDocument/2006/relationships" xmlns:p="http://schemas.openxmlformats.org/presentationml/2006/main">
-  <p:tag name="NUM" val="4"/>
+  <p:tag name="NUM" val="11"/>
 </p:tagLst>
 </file>
 
@@ -26433,25 +28460,25 @@
 
 <file path=ppt/tags/tag130.xml><?xml version="1.0" encoding="utf-8"?>
 <p:tagLst xmlns:a="http://schemas.openxmlformats.org/drawingml/2006/main" xmlns:r="http://schemas.openxmlformats.org/officeDocument/2006/relationships" xmlns:p="http://schemas.openxmlformats.org/presentationml/2006/main">
-  <p:tag name="NUM" val="5"/>
+  <p:tag name="NUM" val="1"/>
 </p:tagLst>
 </file>
 
 <file path=ppt/tags/tag131.xml><?xml version="1.0" encoding="utf-8"?>
 <p:tagLst xmlns:a="http://schemas.openxmlformats.org/drawingml/2006/main" xmlns:r="http://schemas.openxmlformats.org/officeDocument/2006/relationships" xmlns:p="http://schemas.openxmlformats.org/presentationml/2006/main">
-  <p:tag name="NUM" val="6"/>
+  <p:tag name="NUM" val="2"/>
 </p:tagLst>
 </file>
 
 <file path=ppt/tags/tag132.xml><?xml version="1.0" encoding="utf-8"?>
 <p:tagLst xmlns:a="http://schemas.openxmlformats.org/drawingml/2006/main" xmlns:r="http://schemas.openxmlformats.org/officeDocument/2006/relationships" xmlns:p="http://schemas.openxmlformats.org/presentationml/2006/main">
-  <p:tag name="NUM" val="7"/>
+  <p:tag name="NUM" val="3"/>
 </p:tagLst>
 </file>
 
 <file path=ppt/tags/tag133.xml><?xml version="1.0" encoding="utf-8"?>
 <p:tagLst xmlns:a="http://schemas.openxmlformats.org/drawingml/2006/main" xmlns:r="http://schemas.openxmlformats.org/officeDocument/2006/relationships" xmlns:p="http://schemas.openxmlformats.org/presentationml/2006/main">
-  <p:tag name="NUM" val="5"/>
+  <p:tag name="NUM" val="4"/>
 </p:tagLst>
 </file>
 
@@ -26463,13 +28490,13 @@
 
 <file path=ppt/tags/tag135.xml><?xml version="1.0" encoding="utf-8"?>
 <p:tagLst xmlns:a="http://schemas.openxmlformats.org/drawingml/2006/main" xmlns:r="http://schemas.openxmlformats.org/officeDocument/2006/relationships" xmlns:p="http://schemas.openxmlformats.org/presentationml/2006/main">
-  <p:tag name="NUM" val="1"/>
+  <p:tag name="NUM" val="5"/>
 </p:tagLst>
 </file>
 
 <file path=ppt/tags/tag136.xml><?xml version="1.0" encoding="utf-8"?>
 <p:tagLst xmlns:a="http://schemas.openxmlformats.org/drawingml/2006/main" xmlns:r="http://schemas.openxmlformats.org/officeDocument/2006/relationships" xmlns:p="http://schemas.openxmlformats.org/presentationml/2006/main">
-  <p:tag name="NUM" val="2"/>
+  <p:tag name="NUM" val="4"/>
 </p:tagLst>
 </file>
 
@@ -26481,13 +28508,13 @@
 
 <file path=ppt/tags/tag138.xml><?xml version="1.0" encoding="utf-8"?>
 <p:tagLst xmlns:a="http://schemas.openxmlformats.org/drawingml/2006/main" xmlns:r="http://schemas.openxmlformats.org/officeDocument/2006/relationships" xmlns:p="http://schemas.openxmlformats.org/presentationml/2006/main">
-  <p:tag name="NUM" val="4"/>
+  <p:tag name="NUM" val="5"/>
 </p:tagLst>
 </file>
 
 <file path=ppt/tags/tag139.xml><?xml version="1.0" encoding="utf-8"?>
 <p:tagLst xmlns:a="http://schemas.openxmlformats.org/drawingml/2006/main" xmlns:r="http://schemas.openxmlformats.org/officeDocument/2006/relationships" xmlns:p="http://schemas.openxmlformats.org/presentationml/2006/main">
-  <p:tag name="NUM" val="5"/>
+  <p:tag name="NUM" val="1"/>
 </p:tagLst>
 </file>
 
@@ -26499,13 +28526,13 @@
 
 <file path=ppt/tags/tag140.xml><?xml version="1.0" encoding="utf-8"?>
 <p:tagLst xmlns:a="http://schemas.openxmlformats.org/drawingml/2006/main" xmlns:r="http://schemas.openxmlformats.org/officeDocument/2006/relationships" xmlns:p="http://schemas.openxmlformats.org/presentationml/2006/main">
-  <p:tag name="NUM" val="6"/>
+  <p:tag name="NUM" val="2"/>
 </p:tagLst>
 </file>
 
 <file path=ppt/tags/tag141.xml><?xml version="1.0" encoding="utf-8"?>
 <p:tagLst xmlns:a="http://schemas.openxmlformats.org/drawingml/2006/main" xmlns:r="http://schemas.openxmlformats.org/officeDocument/2006/relationships" xmlns:p="http://schemas.openxmlformats.org/presentationml/2006/main">
-  <p:tag name="NUM" val="5"/>
+  <p:tag name="NUM" val="3"/>
 </p:tagLst>
 </file>
 
@@ -26515,9 +28542,87 @@
 </p:tagLst>
 </file>
 
+<file path=ppt/tags/tag143.xml><?xml version="1.0" encoding="utf-8"?>
+<p:tagLst xmlns:a="http://schemas.openxmlformats.org/drawingml/2006/main" xmlns:r="http://schemas.openxmlformats.org/officeDocument/2006/relationships" xmlns:p="http://schemas.openxmlformats.org/presentationml/2006/main">
+  <p:tag name="NUM" val="5"/>
+</p:tagLst>
+</file>
+
+<file path=ppt/tags/tag144.xml><?xml version="1.0" encoding="utf-8"?>
+<p:tagLst xmlns:a="http://schemas.openxmlformats.org/drawingml/2006/main" xmlns:r="http://schemas.openxmlformats.org/officeDocument/2006/relationships" xmlns:p="http://schemas.openxmlformats.org/presentationml/2006/main">
+  <p:tag name="NUM" val="6"/>
+</p:tagLst>
+</file>
+
+<file path=ppt/tags/tag145.xml><?xml version="1.0" encoding="utf-8"?>
+<p:tagLst xmlns:a="http://schemas.openxmlformats.org/drawingml/2006/main" xmlns:r="http://schemas.openxmlformats.org/officeDocument/2006/relationships" xmlns:p="http://schemas.openxmlformats.org/presentationml/2006/main">
+  <p:tag name="NUM" val="7"/>
+</p:tagLst>
+</file>
+
+<file path=ppt/tags/tag146.xml><?xml version="1.0" encoding="utf-8"?>
+<p:tagLst xmlns:a="http://schemas.openxmlformats.org/drawingml/2006/main" xmlns:r="http://schemas.openxmlformats.org/officeDocument/2006/relationships" xmlns:p="http://schemas.openxmlformats.org/presentationml/2006/main">
+  <p:tag name="NUM" val="5"/>
+</p:tagLst>
+</file>
+
+<file path=ppt/tags/tag147.xml><?xml version="1.0" encoding="utf-8"?>
+<p:tagLst xmlns:a="http://schemas.openxmlformats.org/drawingml/2006/main" xmlns:r="http://schemas.openxmlformats.org/officeDocument/2006/relationships" xmlns:p="http://schemas.openxmlformats.org/presentationml/2006/main">
+  <p:tag name="NUM" val="5"/>
+</p:tagLst>
+</file>
+
+<file path=ppt/tags/tag148.xml><?xml version="1.0" encoding="utf-8"?>
+<p:tagLst xmlns:a="http://schemas.openxmlformats.org/drawingml/2006/main" xmlns:r="http://schemas.openxmlformats.org/officeDocument/2006/relationships" xmlns:p="http://schemas.openxmlformats.org/presentationml/2006/main">
+  <p:tag name="NUM" val="1"/>
+</p:tagLst>
+</file>
+
+<file path=ppt/tags/tag149.xml><?xml version="1.0" encoding="utf-8"?>
+<p:tagLst xmlns:a="http://schemas.openxmlformats.org/drawingml/2006/main" xmlns:r="http://schemas.openxmlformats.org/officeDocument/2006/relationships" xmlns:p="http://schemas.openxmlformats.org/presentationml/2006/main">
+  <p:tag name="NUM" val="2"/>
+</p:tagLst>
+</file>
+
 <file path=ppt/tags/tag15.xml><?xml version="1.0" encoding="utf-8"?>
 <p:tagLst xmlns:a="http://schemas.openxmlformats.org/drawingml/2006/main" xmlns:r="http://schemas.openxmlformats.org/officeDocument/2006/relationships" xmlns:p="http://schemas.openxmlformats.org/presentationml/2006/main">
   <p:tag name="NUM" val="2"/>
+</p:tagLst>
+</file>
+
+<file path=ppt/tags/tag150.xml><?xml version="1.0" encoding="utf-8"?>
+<p:tagLst xmlns:a="http://schemas.openxmlformats.org/drawingml/2006/main" xmlns:r="http://schemas.openxmlformats.org/officeDocument/2006/relationships" xmlns:p="http://schemas.openxmlformats.org/presentationml/2006/main">
+  <p:tag name="NUM" val="3"/>
+</p:tagLst>
+</file>
+
+<file path=ppt/tags/tag151.xml><?xml version="1.0" encoding="utf-8"?>
+<p:tagLst xmlns:a="http://schemas.openxmlformats.org/drawingml/2006/main" xmlns:r="http://schemas.openxmlformats.org/officeDocument/2006/relationships" xmlns:p="http://schemas.openxmlformats.org/presentationml/2006/main">
+  <p:tag name="NUM" val="4"/>
+</p:tagLst>
+</file>
+
+<file path=ppt/tags/tag152.xml><?xml version="1.0" encoding="utf-8"?>
+<p:tagLst xmlns:a="http://schemas.openxmlformats.org/drawingml/2006/main" xmlns:r="http://schemas.openxmlformats.org/officeDocument/2006/relationships" xmlns:p="http://schemas.openxmlformats.org/presentationml/2006/main">
+  <p:tag name="NUM" val="5"/>
+</p:tagLst>
+</file>
+
+<file path=ppt/tags/tag153.xml><?xml version="1.0" encoding="utf-8"?>
+<p:tagLst xmlns:a="http://schemas.openxmlformats.org/drawingml/2006/main" xmlns:r="http://schemas.openxmlformats.org/officeDocument/2006/relationships" xmlns:p="http://schemas.openxmlformats.org/presentationml/2006/main">
+  <p:tag name="NUM" val="6"/>
+</p:tagLst>
+</file>
+
+<file path=ppt/tags/tag154.xml><?xml version="1.0" encoding="utf-8"?>
+<p:tagLst xmlns:a="http://schemas.openxmlformats.org/drawingml/2006/main" xmlns:r="http://schemas.openxmlformats.org/officeDocument/2006/relationships" xmlns:p="http://schemas.openxmlformats.org/presentationml/2006/main">
+  <p:tag name="NUM" val="5"/>
+</p:tagLst>
+</file>
+
+<file path=ppt/tags/tag155.xml><?xml version="1.0" encoding="utf-8"?>
+<p:tagLst xmlns:a="http://schemas.openxmlformats.org/drawingml/2006/main" xmlns:r="http://schemas.openxmlformats.org/officeDocument/2006/relationships" xmlns:p="http://schemas.openxmlformats.org/presentationml/2006/main">
+  <p:tag name="NUM" val="4"/>
 </p:tagLst>
 </file>
 
@@ -26667,13 +28772,13 @@
 
 <file path=ppt/tags/tag38.xml><?xml version="1.0" encoding="utf-8"?>
 <p:tagLst xmlns:a="http://schemas.openxmlformats.org/drawingml/2006/main" xmlns:r="http://schemas.openxmlformats.org/officeDocument/2006/relationships" xmlns:p="http://schemas.openxmlformats.org/presentationml/2006/main">
-  <p:tag name="NUM" val="1"/>
+  <p:tag name="NUM" val="6"/>
 </p:tagLst>
 </file>
 
 <file path=ppt/tags/tag39.xml><?xml version="1.0" encoding="utf-8"?>
 <p:tagLst xmlns:a="http://schemas.openxmlformats.org/drawingml/2006/main" xmlns:r="http://schemas.openxmlformats.org/officeDocument/2006/relationships" xmlns:p="http://schemas.openxmlformats.org/presentationml/2006/main">
-  <p:tag name="NUM" val="2"/>
+  <p:tag name="NUM" val="6"/>
 </p:tagLst>
 </file>
 
@@ -26685,61 +28790,61 @@
 
 <file path=ppt/tags/tag40.xml><?xml version="1.0" encoding="utf-8"?>
 <p:tagLst xmlns:a="http://schemas.openxmlformats.org/drawingml/2006/main" xmlns:r="http://schemas.openxmlformats.org/officeDocument/2006/relationships" xmlns:p="http://schemas.openxmlformats.org/presentationml/2006/main">
-  <p:tag name="NUM" val="3"/>
+  <p:tag name="NUM" val="1"/>
 </p:tagLst>
 </file>
 
 <file path=ppt/tags/tag41.xml><?xml version="1.0" encoding="utf-8"?>
 <p:tagLst xmlns:a="http://schemas.openxmlformats.org/drawingml/2006/main" xmlns:r="http://schemas.openxmlformats.org/officeDocument/2006/relationships" xmlns:p="http://schemas.openxmlformats.org/presentationml/2006/main">
-  <p:tag name="NUM" val="4"/>
+  <p:tag name="NUM" val="2"/>
 </p:tagLst>
 </file>
 
 <file path=ppt/tags/tag42.xml><?xml version="1.0" encoding="utf-8"?>
 <p:tagLst xmlns:a="http://schemas.openxmlformats.org/drawingml/2006/main" xmlns:r="http://schemas.openxmlformats.org/officeDocument/2006/relationships" xmlns:p="http://schemas.openxmlformats.org/presentationml/2006/main">
-  <p:tag name="NUM" val="5"/>
+  <p:tag name="NUM" val="3"/>
 </p:tagLst>
 </file>
 
 <file path=ppt/tags/tag43.xml><?xml version="1.0" encoding="utf-8"?>
 <p:tagLst xmlns:a="http://schemas.openxmlformats.org/drawingml/2006/main" xmlns:r="http://schemas.openxmlformats.org/officeDocument/2006/relationships" xmlns:p="http://schemas.openxmlformats.org/presentationml/2006/main">
-  <p:tag name="NUM" val="6"/>
+  <p:tag name="NUM" val="4"/>
 </p:tagLst>
 </file>
 
 <file path=ppt/tags/tag44.xml><?xml version="1.0" encoding="utf-8"?>
 <p:tagLst xmlns:a="http://schemas.openxmlformats.org/drawingml/2006/main" xmlns:r="http://schemas.openxmlformats.org/officeDocument/2006/relationships" xmlns:p="http://schemas.openxmlformats.org/presentationml/2006/main">
-  <p:tag name="NUM" val="7"/>
+  <p:tag name="NUM" val="5"/>
 </p:tagLst>
 </file>
 
 <file path=ppt/tags/tag45.xml><?xml version="1.0" encoding="utf-8"?>
 <p:tagLst xmlns:a="http://schemas.openxmlformats.org/drawingml/2006/main" xmlns:r="http://schemas.openxmlformats.org/officeDocument/2006/relationships" xmlns:p="http://schemas.openxmlformats.org/presentationml/2006/main">
-  <p:tag name="NUM" val="1"/>
+  <p:tag name="NUM" val="6"/>
 </p:tagLst>
 </file>
 
 <file path=ppt/tags/tag46.xml><?xml version="1.0" encoding="utf-8"?>
 <p:tagLst xmlns:a="http://schemas.openxmlformats.org/drawingml/2006/main" xmlns:r="http://schemas.openxmlformats.org/officeDocument/2006/relationships" xmlns:p="http://schemas.openxmlformats.org/presentationml/2006/main">
-  <p:tag name="NUM" val="2"/>
+  <p:tag name="NUM" val="7"/>
 </p:tagLst>
 </file>
 
 <file path=ppt/tags/tag47.xml><?xml version="1.0" encoding="utf-8"?>
 <p:tagLst xmlns:a="http://schemas.openxmlformats.org/drawingml/2006/main" xmlns:r="http://schemas.openxmlformats.org/officeDocument/2006/relationships" xmlns:p="http://schemas.openxmlformats.org/presentationml/2006/main">
-  <p:tag name="NUM" val="3"/>
+  <p:tag name="NUM" val="6"/>
 </p:tagLst>
 </file>
 
 <file path=ppt/tags/tag48.xml><?xml version="1.0" encoding="utf-8"?>
 <p:tagLst xmlns:a="http://schemas.openxmlformats.org/drawingml/2006/main" xmlns:r="http://schemas.openxmlformats.org/officeDocument/2006/relationships" xmlns:p="http://schemas.openxmlformats.org/presentationml/2006/main">
-  <p:tag name="NUM" val="4"/>
+  <p:tag name="NUM" val="6"/>
 </p:tagLst>
 </file>
 
 <file path=ppt/tags/tag49.xml><?xml version="1.0" encoding="utf-8"?>
 <p:tagLst xmlns:a="http://schemas.openxmlformats.org/drawingml/2006/main" xmlns:r="http://schemas.openxmlformats.org/officeDocument/2006/relationships" xmlns:p="http://schemas.openxmlformats.org/presentationml/2006/main">
-  <p:tag name="NUM" val="5"/>
+  <p:tag name="NUM" val="1"/>
 </p:tagLst>
 </file>
 
@@ -26751,49 +28856,49 @@
 
 <file path=ppt/tags/tag50.xml><?xml version="1.0" encoding="utf-8"?>
 <p:tagLst xmlns:a="http://schemas.openxmlformats.org/drawingml/2006/main" xmlns:r="http://schemas.openxmlformats.org/officeDocument/2006/relationships" xmlns:p="http://schemas.openxmlformats.org/presentationml/2006/main">
-  <p:tag name="NUM" val="6"/>
+  <p:tag name="NUM" val="2"/>
 </p:tagLst>
 </file>
 
 <file path=ppt/tags/tag51.xml><?xml version="1.0" encoding="utf-8"?>
 <p:tagLst xmlns:a="http://schemas.openxmlformats.org/drawingml/2006/main" xmlns:r="http://schemas.openxmlformats.org/officeDocument/2006/relationships" xmlns:p="http://schemas.openxmlformats.org/presentationml/2006/main">
-  <p:tag name="NUM" val="7"/>
+  <p:tag name="NUM" val="3"/>
 </p:tagLst>
 </file>
 
 <file path=ppt/tags/tag52.xml><?xml version="1.0" encoding="utf-8"?>
 <p:tagLst xmlns:a="http://schemas.openxmlformats.org/drawingml/2006/main" xmlns:r="http://schemas.openxmlformats.org/officeDocument/2006/relationships" xmlns:p="http://schemas.openxmlformats.org/presentationml/2006/main">
-  <p:tag name="NUM" val="8"/>
+  <p:tag name="NUM" val="4"/>
 </p:tagLst>
 </file>
 
 <file path=ppt/tags/tag53.xml><?xml version="1.0" encoding="utf-8"?>
 <p:tagLst xmlns:a="http://schemas.openxmlformats.org/drawingml/2006/main" xmlns:r="http://schemas.openxmlformats.org/officeDocument/2006/relationships" xmlns:p="http://schemas.openxmlformats.org/presentationml/2006/main">
-  <p:tag name="NUM" val="1"/>
+  <p:tag name="NUM" val="5"/>
 </p:tagLst>
 </file>
 
 <file path=ppt/tags/tag54.xml><?xml version="1.0" encoding="utf-8"?>
 <p:tagLst xmlns:a="http://schemas.openxmlformats.org/drawingml/2006/main" xmlns:r="http://schemas.openxmlformats.org/officeDocument/2006/relationships" xmlns:p="http://schemas.openxmlformats.org/presentationml/2006/main">
-  <p:tag name="NUM" val="2"/>
+  <p:tag name="NUM" val="6"/>
 </p:tagLst>
 </file>
 
 <file path=ppt/tags/tag55.xml><?xml version="1.0" encoding="utf-8"?>
 <p:tagLst xmlns:a="http://schemas.openxmlformats.org/drawingml/2006/main" xmlns:r="http://schemas.openxmlformats.org/officeDocument/2006/relationships" xmlns:p="http://schemas.openxmlformats.org/presentationml/2006/main">
-  <p:tag name="NUM" val="3"/>
+  <p:tag name="NUM" val="7"/>
 </p:tagLst>
 </file>
 
 <file path=ppt/tags/tag56.xml><?xml version="1.0" encoding="utf-8"?>
 <p:tagLst xmlns:a="http://schemas.openxmlformats.org/drawingml/2006/main" xmlns:r="http://schemas.openxmlformats.org/officeDocument/2006/relationships" xmlns:p="http://schemas.openxmlformats.org/presentationml/2006/main">
-  <p:tag name="NUM" val="4"/>
+  <p:tag name="NUM" val="8"/>
 </p:tagLst>
 </file>
 
 <file path=ppt/tags/tag57.xml><?xml version="1.0" encoding="utf-8"?>
 <p:tagLst xmlns:a="http://schemas.openxmlformats.org/drawingml/2006/main" xmlns:r="http://schemas.openxmlformats.org/officeDocument/2006/relationships" xmlns:p="http://schemas.openxmlformats.org/presentationml/2006/main">
-  <p:tag name="NUM" val="5"/>
+  <p:tag name="NUM" val="6"/>
 </p:tagLst>
 </file>
 
@@ -26805,7 +28910,7 @@
 
 <file path=ppt/tags/tag59.xml><?xml version="1.0" encoding="utf-8"?>
 <p:tagLst xmlns:a="http://schemas.openxmlformats.org/drawingml/2006/main" xmlns:r="http://schemas.openxmlformats.org/officeDocument/2006/relationships" xmlns:p="http://schemas.openxmlformats.org/presentationml/2006/main">
-  <p:tag name="NUM" val="7"/>
+  <p:tag name="NUM" val="1"/>
 </p:tagLst>
 </file>
 
@@ -26817,61 +28922,61 @@
 
 <file path=ppt/tags/tag60.xml><?xml version="1.0" encoding="utf-8"?>
 <p:tagLst xmlns:a="http://schemas.openxmlformats.org/drawingml/2006/main" xmlns:r="http://schemas.openxmlformats.org/officeDocument/2006/relationships" xmlns:p="http://schemas.openxmlformats.org/presentationml/2006/main">
-  <p:tag name="NUM" val="8"/>
+  <p:tag name="NUM" val="2"/>
 </p:tagLst>
 </file>
 
 <file path=ppt/tags/tag61.xml><?xml version="1.0" encoding="utf-8"?>
 <p:tagLst xmlns:a="http://schemas.openxmlformats.org/drawingml/2006/main" xmlns:r="http://schemas.openxmlformats.org/officeDocument/2006/relationships" xmlns:p="http://schemas.openxmlformats.org/presentationml/2006/main">
-  <p:tag name="NUM" val="1"/>
+  <p:tag name="NUM" val="3"/>
 </p:tagLst>
 </file>
 
 <file path=ppt/tags/tag62.xml><?xml version="1.0" encoding="utf-8"?>
 <p:tagLst xmlns:a="http://schemas.openxmlformats.org/drawingml/2006/main" xmlns:r="http://schemas.openxmlformats.org/officeDocument/2006/relationships" xmlns:p="http://schemas.openxmlformats.org/presentationml/2006/main">
-  <p:tag name="NUM" val="2"/>
+  <p:tag name="NUM" val="4"/>
 </p:tagLst>
 </file>
 
 <file path=ppt/tags/tag63.xml><?xml version="1.0" encoding="utf-8"?>
 <p:tagLst xmlns:a="http://schemas.openxmlformats.org/drawingml/2006/main" xmlns:r="http://schemas.openxmlformats.org/officeDocument/2006/relationships" xmlns:p="http://schemas.openxmlformats.org/presentationml/2006/main">
-  <p:tag name="NUM" val="3"/>
+  <p:tag name="NUM" val="5"/>
 </p:tagLst>
 </file>
 
 <file path=ppt/tags/tag64.xml><?xml version="1.0" encoding="utf-8"?>
 <p:tagLst xmlns:a="http://schemas.openxmlformats.org/drawingml/2006/main" xmlns:r="http://schemas.openxmlformats.org/officeDocument/2006/relationships" xmlns:p="http://schemas.openxmlformats.org/presentationml/2006/main">
-  <p:tag name="NUM" val="4"/>
+  <p:tag name="NUM" val="6"/>
 </p:tagLst>
 </file>
 
 <file path=ppt/tags/tag65.xml><?xml version="1.0" encoding="utf-8"?>
 <p:tagLst xmlns:a="http://schemas.openxmlformats.org/drawingml/2006/main" xmlns:r="http://schemas.openxmlformats.org/officeDocument/2006/relationships" xmlns:p="http://schemas.openxmlformats.org/presentationml/2006/main">
-  <p:tag name="NUM" val="5"/>
+  <p:tag name="NUM" val="7"/>
 </p:tagLst>
 </file>
 
 <file path=ppt/tags/tag66.xml><?xml version="1.0" encoding="utf-8"?>
 <p:tagLst xmlns:a="http://schemas.openxmlformats.org/drawingml/2006/main" xmlns:r="http://schemas.openxmlformats.org/officeDocument/2006/relationships" xmlns:p="http://schemas.openxmlformats.org/presentationml/2006/main">
-  <p:tag name="NUM" val="6"/>
+  <p:tag name="NUM" val="8"/>
 </p:tagLst>
 </file>
 
 <file path=ppt/tags/tag67.xml><?xml version="1.0" encoding="utf-8"?>
 <p:tagLst xmlns:a="http://schemas.openxmlformats.org/drawingml/2006/main" xmlns:r="http://schemas.openxmlformats.org/officeDocument/2006/relationships" xmlns:p="http://schemas.openxmlformats.org/presentationml/2006/main">
-  <p:tag name="NUM" val="7"/>
+  <p:tag name="NUM" val="5"/>
 </p:tagLst>
 </file>
 
 <file path=ppt/tags/tag68.xml><?xml version="1.0" encoding="utf-8"?>
 <p:tagLst xmlns:a="http://schemas.openxmlformats.org/drawingml/2006/main" xmlns:r="http://schemas.openxmlformats.org/officeDocument/2006/relationships" xmlns:p="http://schemas.openxmlformats.org/presentationml/2006/main">
-  <p:tag name="NUM" val="8"/>
+  <p:tag name="NUM" val="1"/>
 </p:tagLst>
 </file>
 
 <file path=ppt/tags/tag69.xml><?xml version="1.0" encoding="utf-8"?>
 <p:tagLst xmlns:a="http://schemas.openxmlformats.org/drawingml/2006/main" xmlns:r="http://schemas.openxmlformats.org/officeDocument/2006/relationships" xmlns:p="http://schemas.openxmlformats.org/presentationml/2006/main">
-  <p:tag name="NUM" val="1"/>
+  <p:tag name="NUM" val="2"/>
 </p:tagLst>
 </file>
 
@@ -26883,61 +28988,61 @@
 
 <file path=ppt/tags/tag70.xml><?xml version="1.0" encoding="utf-8"?>
 <p:tagLst xmlns:a="http://schemas.openxmlformats.org/drawingml/2006/main" xmlns:r="http://schemas.openxmlformats.org/officeDocument/2006/relationships" xmlns:p="http://schemas.openxmlformats.org/presentationml/2006/main">
-  <p:tag name="NUM" val="2"/>
+  <p:tag name="NUM" val="3"/>
 </p:tagLst>
 </file>
 
 <file path=ppt/tags/tag71.xml><?xml version="1.0" encoding="utf-8"?>
 <p:tagLst xmlns:a="http://schemas.openxmlformats.org/drawingml/2006/main" xmlns:r="http://schemas.openxmlformats.org/officeDocument/2006/relationships" xmlns:p="http://schemas.openxmlformats.org/presentationml/2006/main">
-  <p:tag name="NUM" val="3"/>
+  <p:tag name="NUM" val="4"/>
 </p:tagLst>
 </file>
 
 <file path=ppt/tags/tag72.xml><?xml version="1.0" encoding="utf-8"?>
 <p:tagLst xmlns:a="http://schemas.openxmlformats.org/drawingml/2006/main" xmlns:r="http://schemas.openxmlformats.org/officeDocument/2006/relationships" xmlns:p="http://schemas.openxmlformats.org/presentationml/2006/main">
-  <p:tag name="NUM" val="4"/>
+  <p:tag name="NUM" val="5"/>
 </p:tagLst>
 </file>
 
 <file path=ppt/tags/tag73.xml><?xml version="1.0" encoding="utf-8"?>
 <p:tagLst xmlns:a="http://schemas.openxmlformats.org/drawingml/2006/main" xmlns:r="http://schemas.openxmlformats.org/officeDocument/2006/relationships" xmlns:p="http://schemas.openxmlformats.org/presentationml/2006/main">
-  <p:tag name="NUM" val="5"/>
+  <p:tag name="NUM" val="6"/>
 </p:tagLst>
 </file>
 
 <file path=ppt/tags/tag74.xml><?xml version="1.0" encoding="utf-8"?>
 <p:tagLst xmlns:a="http://schemas.openxmlformats.org/drawingml/2006/main" xmlns:r="http://schemas.openxmlformats.org/officeDocument/2006/relationships" xmlns:p="http://schemas.openxmlformats.org/presentationml/2006/main">
-  <p:tag name="NUM" val="6"/>
+  <p:tag name="NUM" val="7"/>
 </p:tagLst>
 </file>
 
 <file path=ppt/tags/tag75.xml><?xml version="1.0" encoding="utf-8"?>
 <p:tagLst xmlns:a="http://schemas.openxmlformats.org/drawingml/2006/main" xmlns:r="http://schemas.openxmlformats.org/officeDocument/2006/relationships" xmlns:p="http://schemas.openxmlformats.org/presentationml/2006/main">
-  <p:tag name="NUM" val="7"/>
+  <p:tag name="NUM" val="8"/>
 </p:tagLst>
 </file>
 
 <file path=ppt/tags/tag76.xml><?xml version="1.0" encoding="utf-8"?>
 <p:tagLst xmlns:a="http://schemas.openxmlformats.org/drawingml/2006/main" xmlns:r="http://schemas.openxmlformats.org/officeDocument/2006/relationships" xmlns:p="http://schemas.openxmlformats.org/presentationml/2006/main">
-  <p:tag name="NUM" val="8"/>
+  <p:tag name="NUM" val="1"/>
 </p:tagLst>
 </file>
 
 <file path=ppt/tags/tag77.xml><?xml version="1.0" encoding="utf-8"?>
 <p:tagLst xmlns:a="http://schemas.openxmlformats.org/drawingml/2006/main" xmlns:r="http://schemas.openxmlformats.org/officeDocument/2006/relationships" xmlns:p="http://schemas.openxmlformats.org/presentationml/2006/main">
-  <p:tag name="NUM" val="9"/>
+  <p:tag name="NUM" val="2"/>
 </p:tagLst>
 </file>
 
 <file path=ppt/tags/tag78.xml><?xml version="1.0" encoding="utf-8"?>
 <p:tagLst xmlns:a="http://schemas.openxmlformats.org/drawingml/2006/main" xmlns:r="http://schemas.openxmlformats.org/officeDocument/2006/relationships" xmlns:p="http://schemas.openxmlformats.org/presentationml/2006/main">
-  <p:tag name="NUM" val="10"/>
+  <p:tag name="NUM" val="3"/>
 </p:tagLst>
 </file>
 
 <file path=ppt/tags/tag79.xml><?xml version="1.0" encoding="utf-8"?>
 <p:tagLst xmlns:a="http://schemas.openxmlformats.org/drawingml/2006/main" xmlns:r="http://schemas.openxmlformats.org/officeDocument/2006/relationships" xmlns:p="http://schemas.openxmlformats.org/presentationml/2006/main">
-  <p:tag name="NUM" val="1"/>
+  <p:tag name="NUM" val="4"/>
 </p:tagLst>
 </file>
 
@@ -26949,61 +29054,61 @@
 
 <file path=ppt/tags/tag80.xml><?xml version="1.0" encoding="utf-8"?>
 <p:tagLst xmlns:a="http://schemas.openxmlformats.org/drawingml/2006/main" xmlns:r="http://schemas.openxmlformats.org/officeDocument/2006/relationships" xmlns:p="http://schemas.openxmlformats.org/presentationml/2006/main">
-  <p:tag name="NUM" val="2"/>
+  <p:tag name="NUM" val="5"/>
 </p:tagLst>
 </file>
 
 <file path=ppt/tags/tag81.xml><?xml version="1.0" encoding="utf-8"?>
 <p:tagLst xmlns:a="http://schemas.openxmlformats.org/drawingml/2006/main" xmlns:r="http://schemas.openxmlformats.org/officeDocument/2006/relationships" xmlns:p="http://schemas.openxmlformats.org/presentationml/2006/main">
-  <p:tag name="NUM" val="3"/>
+  <p:tag name="NUM" val="6"/>
 </p:tagLst>
 </file>
 
 <file path=ppt/tags/tag82.xml><?xml version="1.0" encoding="utf-8"?>
 <p:tagLst xmlns:a="http://schemas.openxmlformats.org/drawingml/2006/main" xmlns:r="http://schemas.openxmlformats.org/officeDocument/2006/relationships" xmlns:p="http://schemas.openxmlformats.org/presentationml/2006/main">
-  <p:tag name="NUM" val="4"/>
+  <p:tag name="NUM" val="7"/>
 </p:tagLst>
 </file>
 
 <file path=ppt/tags/tag83.xml><?xml version="1.0" encoding="utf-8"?>
 <p:tagLst xmlns:a="http://schemas.openxmlformats.org/drawingml/2006/main" xmlns:r="http://schemas.openxmlformats.org/officeDocument/2006/relationships" xmlns:p="http://schemas.openxmlformats.org/presentationml/2006/main">
-  <p:tag name="NUM" val="5"/>
+  <p:tag name="NUM" val="8"/>
 </p:tagLst>
 </file>
 
 <file path=ppt/tags/tag84.xml><?xml version="1.0" encoding="utf-8"?>
 <p:tagLst xmlns:a="http://schemas.openxmlformats.org/drawingml/2006/main" xmlns:r="http://schemas.openxmlformats.org/officeDocument/2006/relationships" xmlns:p="http://schemas.openxmlformats.org/presentationml/2006/main">
-  <p:tag name="NUM" val="6"/>
+  <p:tag name="NUM" val="9"/>
 </p:tagLst>
 </file>
 
 <file path=ppt/tags/tag85.xml><?xml version="1.0" encoding="utf-8"?>
 <p:tagLst xmlns:a="http://schemas.openxmlformats.org/drawingml/2006/main" xmlns:r="http://schemas.openxmlformats.org/officeDocument/2006/relationships" xmlns:p="http://schemas.openxmlformats.org/presentationml/2006/main">
-  <p:tag name="NUM" val="7"/>
+  <p:tag name="NUM" val="10"/>
 </p:tagLst>
 </file>
 
 <file path=ppt/tags/tag86.xml><?xml version="1.0" encoding="utf-8"?>
 <p:tagLst xmlns:a="http://schemas.openxmlformats.org/drawingml/2006/main" xmlns:r="http://schemas.openxmlformats.org/officeDocument/2006/relationships" xmlns:p="http://schemas.openxmlformats.org/presentationml/2006/main">
-  <p:tag name="NUM" val="8"/>
+  <p:tag name="NUM" val="1"/>
 </p:tagLst>
 </file>
 
 <file path=ppt/tags/tag87.xml><?xml version="1.0" encoding="utf-8"?>
 <p:tagLst xmlns:a="http://schemas.openxmlformats.org/drawingml/2006/main" xmlns:r="http://schemas.openxmlformats.org/officeDocument/2006/relationships" xmlns:p="http://schemas.openxmlformats.org/presentationml/2006/main">
-  <p:tag name="NUM" val="9"/>
+  <p:tag name="NUM" val="2"/>
 </p:tagLst>
 </file>
 
 <file path=ppt/tags/tag88.xml><?xml version="1.0" encoding="utf-8"?>
 <p:tagLst xmlns:a="http://schemas.openxmlformats.org/drawingml/2006/main" xmlns:r="http://schemas.openxmlformats.org/officeDocument/2006/relationships" xmlns:p="http://schemas.openxmlformats.org/presentationml/2006/main">
-  <p:tag name="NUM" val="10"/>
+  <p:tag name="NUM" val="3"/>
 </p:tagLst>
 </file>
 
 <file path=ppt/tags/tag89.xml><?xml version="1.0" encoding="utf-8"?>
 <p:tagLst xmlns:a="http://schemas.openxmlformats.org/drawingml/2006/main" xmlns:r="http://schemas.openxmlformats.org/officeDocument/2006/relationships" xmlns:p="http://schemas.openxmlformats.org/presentationml/2006/main">
-  <p:tag name="NUM" val="11"/>
+  <p:tag name="NUM" val="4"/>
 </p:tagLst>
 </file>
 
@@ -27015,61 +29120,61 @@
 
 <file path=ppt/tags/tag90.xml><?xml version="1.0" encoding="utf-8"?>
 <p:tagLst xmlns:a="http://schemas.openxmlformats.org/drawingml/2006/main" xmlns:r="http://schemas.openxmlformats.org/officeDocument/2006/relationships" xmlns:p="http://schemas.openxmlformats.org/presentationml/2006/main">
-  <p:tag name="NUM" val="12"/>
+  <p:tag name="NUM" val="5"/>
 </p:tagLst>
 </file>
 
 <file path=ppt/tags/tag91.xml><?xml version="1.0" encoding="utf-8"?>
 <p:tagLst xmlns:a="http://schemas.openxmlformats.org/drawingml/2006/main" xmlns:r="http://schemas.openxmlformats.org/officeDocument/2006/relationships" xmlns:p="http://schemas.openxmlformats.org/presentationml/2006/main">
-  <p:tag name="NUM" val="13"/>
+  <p:tag name="NUM" val="6"/>
 </p:tagLst>
 </file>
 
 <file path=ppt/tags/tag92.xml><?xml version="1.0" encoding="utf-8"?>
 <p:tagLst xmlns:a="http://schemas.openxmlformats.org/drawingml/2006/main" xmlns:r="http://schemas.openxmlformats.org/officeDocument/2006/relationships" xmlns:p="http://schemas.openxmlformats.org/presentationml/2006/main">
-  <p:tag name="NUM" val="3"/>
+  <p:tag name="NUM" val="7"/>
 </p:tagLst>
 </file>
 
 <file path=ppt/tags/tag93.xml><?xml version="1.0" encoding="utf-8"?>
 <p:tagLst xmlns:a="http://schemas.openxmlformats.org/drawingml/2006/main" xmlns:r="http://schemas.openxmlformats.org/officeDocument/2006/relationships" xmlns:p="http://schemas.openxmlformats.org/presentationml/2006/main">
-  <p:tag name="NUM" val="5"/>
+  <p:tag name="NUM" val="8"/>
 </p:tagLst>
 </file>
 
 <file path=ppt/tags/tag94.xml><?xml version="1.0" encoding="utf-8"?>
 <p:tagLst xmlns:a="http://schemas.openxmlformats.org/drawingml/2006/main" xmlns:r="http://schemas.openxmlformats.org/officeDocument/2006/relationships" xmlns:p="http://schemas.openxmlformats.org/presentationml/2006/main">
-  <p:tag name="NUM" val="1"/>
+  <p:tag name="NUM" val="9"/>
 </p:tagLst>
 </file>
 
 <file path=ppt/tags/tag95.xml><?xml version="1.0" encoding="utf-8"?>
 <p:tagLst xmlns:a="http://schemas.openxmlformats.org/drawingml/2006/main" xmlns:r="http://schemas.openxmlformats.org/officeDocument/2006/relationships" xmlns:p="http://schemas.openxmlformats.org/presentationml/2006/main">
-  <p:tag name="NUM" val="2"/>
+  <p:tag name="NUM" val="10"/>
 </p:tagLst>
 </file>
 
 <file path=ppt/tags/tag96.xml><?xml version="1.0" encoding="utf-8"?>
 <p:tagLst xmlns:a="http://schemas.openxmlformats.org/drawingml/2006/main" xmlns:r="http://schemas.openxmlformats.org/officeDocument/2006/relationships" xmlns:p="http://schemas.openxmlformats.org/presentationml/2006/main">
-  <p:tag name="NUM" val="3"/>
+  <p:tag name="NUM" val="11"/>
 </p:tagLst>
 </file>
 
 <file path=ppt/tags/tag97.xml><?xml version="1.0" encoding="utf-8"?>
 <p:tagLst xmlns:a="http://schemas.openxmlformats.org/drawingml/2006/main" xmlns:r="http://schemas.openxmlformats.org/officeDocument/2006/relationships" xmlns:p="http://schemas.openxmlformats.org/presentationml/2006/main">
-  <p:tag name="NUM" val="4"/>
+  <p:tag name="NUM" val="12"/>
 </p:tagLst>
 </file>
 
 <file path=ppt/tags/tag98.xml><?xml version="1.0" encoding="utf-8"?>
 <p:tagLst xmlns:a="http://schemas.openxmlformats.org/drawingml/2006/main" xmlns:r="http://schemas.openxmlformats.org/officeDocument/2006/relationships" xmlns:p="http://schemas.openxmlformats.org/presentationml/2006/main">
-  <p:tag name="NUM" val="5"/>
+  <p:tag name="NUM" val="13"/>
 </p:tagLst>
 </file>
 
 <file path=ppt/tags/tag99.xml><?xml version="1.0" encoding="utf-8"?>
 <p:tagLst xmlns:a="http://schemas.openxmlformats.org/drawingml/2006/main" xmlns:r="http://schemas.openxmlformats.org/officeDocument/2006/relationships" xmlns:p="http://schemas.openxmlformats.org/presentationml/2006/main">
-  <p:tag name="NUM" val="6"/>
+  <p:tag name="NUM" val="13"/>
 </p:tagLst>
 </file>
 

--- a/Diaporama_Haldan.pptx
+++ b/Diaporama_Haldan.pptx
@@ -218,7 +218,7 @@
           <a:p>
             <a:fld id="{2A66B065-9387-4DBD-8600-802E541FAA81}" type="datetimeFigureOut">
               <a:rPr lang="fr-FR" smtClean="0"/>
-              <a:t>23/10/2024</a:t>
+              <a:t>14/11/2024</a:t>
             </a:fld>
             <a:endParaRPr lang="fr-FR"/>
           </a:p>
@@ -887,7 +887,7 @@
           <a:p>
             <a:fld id="{3E0B693A-D2B8-4B57-85B9-014129D5826F}" type="datetime1">
               <a:rPr lang="fr-FR" smtClean="0"/>
-              <a:t>23/10/2024</a:t>
+              <a:t>14/11/2024</a:t>
             </a:fld>
             <a:endParaRPr lang="fr-FR"/>
           </a:p>
@@ -1085,7 +1085,7 @@
           <a:p>
             <a:fld id="{F568C7D9-F8E9-4705-A480-33967B4A0D26}" type="datetime1">
               <a:rPr lang="fr-FR" smtClean="0"/>
-              <a:t>23/10/2024</a:t>
+              <a:t>14/11/2024</a:t>
             </a:fld>
             <a:endParaRPr lang="fr-FR"/>
           </a:p>
@@ -1293,7 +1293,7 @@
           <a:p>
             <a:fld id="{C1EC2290-3AE2-4E71-A7F4-18D587792CA9}" type="datetime1">
               <a:rPr lang="fr-FR" smtClean="0"/>
-              <a:t>23/10/2024</a:t>
+              <a:t>14/11/2024</a:t>
             </a:fld>
             <a:endParaRPr lang="fr-FR"/>
           </a:p>
@@ -1491,7 +1491,7 @@
           <a:p>
             <a:fld id="{766EBF72-7517-4461-B354-4191685EDDC8}" type="datetime1">
               <a:rPr lang="fr-FR" smtClean="0"/>
-              <a:t>23/10/2024</a:t>
+              <a:t>14/11/2024</a:t>
             </a:fld>
             <a:endParaRPr lang="fr-FR"/>
           </a:p>
@@ -1766,7 +1766,7 @@
           <a:p>
             <a:fld id="{094E9DE1-7995-43F9-991D-A5A93E0478F0}" type="datetime1">
               <a:rPr lang="fr-FR" smtClean="0"/>
-              <a:t>23/10/2024</a:t>
+              <a:t>14/11/2024</a:t>
             </a:fld>
             <a:endParaRPr lang="fr-FR"/>
           </a:p>
@@ -2031,7 +2031,7 @@
           <a:p>
             <a:fld id="{053B08B5-B0C1-46E8-BDD3-700655DE7CC5}" type="datetime1">
               <a:rPr lang="fr-FR" smtClean="0"/>
-              <a:t>23/10/2024</a:t>
+              <a:t>14/11/2024</a:t>
             </a:fld>
             <a:endParaRPr lang="fr-FR"/>
           </a:p>
@@ -2443,7 +2443,7 @@
           <a:p>
             <a:fld id="{3C492FBF-EA20-4B8A-AB3E-A6E8D0CC354F}" type="datetime1">
               <a:rPr lang="fr-FR" smtClean="0"/>
-              <a:t>23/10/2024</a:t>
+              <a:t>14/11/2024</a:t>
             </a:fld>
             <a:endParaRPr lang="fr-FR"/>
           </a:p>
@@ -2584,7 +2584,7 @@
           <a:p>
             <a:fld id="{9E53FCEB-A186-42D3-9A43-6D06E4CD287B}" type="datetime1">
               <a:rPr lang="fr-FR" smtClean="0"/>
-              <a:t>23/10/2024</a:t>
+              <a:t>14/11/2024</a:t>
             </a:fld>
             <a:endParaRPr lang="fr-FR"/>
           </a:p>
@@ -2697,7 +2697,7 @@
           <a:p>
             <a:fld id="{C170BFAA-2AA9-4C82-A857-08FE27EFAC87}" type="datetime1">
               <a:rPr lang="fr-FR" smtClean="0"/>
-              <a:t>23/10/2024</a:t>
+              <a:t>14/11/2024</a:t>
             </a:fld>
             <a:endParaRPr lang="fr-FR"/>
           </a:p>
@@ -3008,7 +3008,7 @@
           <a:p>
             <a:fld id="{45FA2CA3-C397-4A14-A3DB-ECD260EB106D}" type="datetime1">
               <a:rPr lang="fr-FR" smtClean="0"/>
-              <a:t>23/10/2024</a:t>
+              <a:t>14/11/2024</a:t>
             </a:fld>
             <a:endParaRPr lang="fr-FR"/>
           </a:p>
@@ -3296,7 +3296,7 @@
           <a:p>
             <a:fld id="{A749108A-B06E-447E-A193-61B77A5828ED}" type="datetime1">
               <a:rPr lang="fr-FR" smtClean="0"/>
-              <a:t>23/10/2024</a:t>
+              <a:t>14/11/2024</a:t>
             </a:fld>
             <a:endParaRPr lang="fr-FR"/>
           </a:p>
@@ -3537,7 +3537,7 @@
           <a:p>
             <a:fld id="{E44FC4A1-A753-46C7-AC70-0CBDD0D3C809}" type="datetime1">
               <a:rPr lang="fr-FR" smtClean="0"/>
-              <a:t>23/10/2024</a:t>
+              <a:t>14/11/2024</a:t>
             </a:fld>
             <a:endParaRPr lang="fr-FR"/>
           </a:p>
@@ -4552,8 +4552,8 @@
         </p:nvSpPr>
         <p:spPr>
           <a:xfrm>
-            <a:off x="838200" y="1790650"/>
-            <a:ext cx="10515600" cy="1006066"/>
+            <a:off x="501316" y="4082712"/>
+            <a:ext cx="10515600" cy="555523"/>
           </a:xfrm>
           <a:prstGeom prst="rect">
             <a:avLst/>
@@ -4766,10 +4766,10 @@
           </p:nvPr>
         </p:nvPicPr>
         <p:blipFill>
-          <a:blip r:embed="rId12">
+          <a:blip r:embed="rId14">
             <a:extLst>
               <a:ext uri="{96DAC541-7B7A-43D3-8B79-37D633B846F1}">
-                <asvg:svgBlip xmlns:asvg="http://schemas.microsoft.com/office/drawing/2016/SVG/main" r:embed="rId13"/>
+                <asvg:svgBlip xmlns:asvg="http://schemas.microsoft.com/office/drawing/2016/SVG/main" r:embed="rId15"/>
               </a:ext>
             </a:extLst>
           </a:blip>
@@ -4779,8 +4779,8 @@
         </p:blipFill>
         <p:spPr>
           <a:xfrm>
-            <a:off x="3126658" y="2180866"/>
-            <a:ext cx="1320597" cy="1320597"/>
+            <a:off x="2948862" y="4438817"/>
+            <a:ext cx="463737" cy="463737"/>
           </a:xfrm>
           <a:prstGeom prst="rect">
             <a:avLst/>
@@ -4807,8 +4807,8 @@
         </p:nvSpPr>
         <p:spPr>
           <a:xfrm>
-            <a:off x="1184787" y="2230439"/>
-            <a:ext cx="9613490" cy="3602035"/>
+            <a:off x="838200" y="4155444"/>
+            <a:ext cx="9613490" cy="1981036"/>
           </a:xfrm>
           <a:prstGeom prst="rect">
             <a:avLst/>
@@ -5005,24 +5005,6 @@
           </a:p>
           <a:p>
             <a:pPr algn="just"/>
-            <a:endParaRPr lang="fr-FR" sz="1800" kern="100" dirty="0">
-              <a:effectLst/>
-              <a:latin typeface="Times New Roman" panose="02020603050405020304" pitchFamily="18" charset="0"/>
-              <a:ea typeface="Aptos" panose="020B0004020202020204" pitchFamily="34" charset="0"/>
-              <a:cs typeface="Times New Roman" panose="02020603050405020304" pitchFamily="18" charset="0"/>
-            </a:endParaRPr>
-          </a:p>
-          <a:p>
-            <a:pPr algn="just"/>
-            <a:endParaRPr lang="fr-FR" sz="1800" kern="100" dirty="0">
-              <a:effectLst/>
-              <a:latin typeface="Times New Roman" panose="02020603050405020304" pitchFamily="18" charset="0"/>
-              <a:ea typeface="Aptos" panose="020B0004020202020204" pitchFamily="34" charset="0"/>
-              <a:cs typeface="Times New Roman" panose="02020603050405020304" pitchFamily="18" charset="0"/>
-            </a:endParaRPr>
-          </a:p>
-          <a:p>
-            <a:pPr algn="just"/>
             <a:r>
               <a:rPr lang="fr-FR" sz="1800" kern="100" dirty="0">
                 <a:effectLst/>
@@ -5032,25 +5014,6 @@
               </a:rPr>
               <a:t>Classement des utilisateurs en fonction des livres ajoutés</a:t>
             </a:r>
-          </a:p>
-          <a:p>
-            <a:pPr algn="just"/>
-            <a:endParaRPr lang="fr-FR" sz="1800" kern="100" dirty="0">
-              <a:latin typeface="Times New Roman" panose="02020603050405020304" pitchFamily="18" charset="0"/>
-              <a:ea typeface="Aptos" panose="020B0004020202020204" pitchFamily="34" charset="0"/>
-              <a:cs typeface="Times New Roman" panose="02020603050405020304" pitchFamily="18" charset="0"/>
-            </a:endParaRPr>
-          </a:p>
-          <a:p>
-            <a:pPr algn="just"/>
-            <a:endParaRPr lang="fr-FR" sz="1800" kern="100" dirty="0">
-              <a:latin typeface="Times New Roman" panose="02020603050405020304" pitchFamily="18" charset="0"/>
-              <a:ea typeface="Aptos" panose="020B0004020202020204" pitchFamily="34" charset="0"/>
-              <a:cs typeface="Times New Roman" panose="02020603050405020304" pitchFamily="18" charset="0"/>
-            </a:endParaRPr>
-          </a:p>
-          <a:p>
-            <a:pPr algn="just"/>
             <a:endParaRPr lang="fr-FR" sz="1800" kern="100" dirty="0">
               <a:latin typeface="Times New Roman" panose="02020603050405020304" pitchFamily="18" charset="0"/>
               <a:ea typeface="Aptos" panose="020B0004020202020204" pitchFamily="34" charset="0"/>
@@ -5106,10 +5069,10 @@
           </p:nvPr>
         </p:nvPicPr>
         <p:blipFill>
-          <a:blip r:embed="rId14">
+          <a:blip r:embed="rId16">
             <a:extLst>
               <a:ext uri="{96DAC541-7B7A-43D3-8B79-37D633B846F1}">
-                <asvg:svgBlip xmlns:asvg="http://schemas.microsoft.com/office/drawing/2016/SVG/main" r:embed="rId15"/>
+                <asvg:svgBlip xmlns:asvg="http://schemas.microsoft.com/office/drawing/2016/SVG/main" r:embed="rId17"/>
               </a:ext>
             </a:extLst>
           </a:blip>
@@ -5119,8 +5082,8 @@
         </p:blipFill>
         <p:spPr>
           <a:xfrm>
-            <a:off x="6940984" y="3242737"/>
-            <a:ext cx="1174315" cy="1174315"/>
+            <a:off x="6479202" y="4725012"/>
+            <a:ext cx="565236" cy="565236"/>
           </a:xfrm>
           <a:prstGeom prst="rect">
             <a:avLst/>
@@ -5146,10 +5109,10 @@
           </p:nvPr>
         </p:nvPicPr>
         <p:blipFill>
-          <a:blip r:embed="rId16">
+          <a:blip r:embed="rId18">
             <a:extLst>
               <a:ext uri="{96DAC541-7B7A-43D3-8B79-37D633B846F1}">
-                <asvg:svgBlip xmlns:asvg="http://schemas.microsoft.com/office/drawing/2016/SVG/main" r:embed="rId17"/>
+                <asvg:svgBlip xmlns:asvg="http://schemas.microsoft.com/office/drawing/2016/SVG/main" r:embed="rId19"/>
               </a:ext>
             </a:extLst>
           </a:blip>
@@ -5159,14 +5122,498 @@
         </p:blipFill>
         <p:spPr>
           <a:xfrm>
-            <a:off x="10439400" y="4808996"/>
-            <a:ext cx="914400" cy="914400"/>
+            <a:off x="10233051" y="5145962"/>
+            <a:ext cx="555523" cy="555523"/>
           </a:xfrm>
           <a:prstGeom prst="rect">
             <a:avLst/>
           </a:prstGeom>
         </p:spPr>
       </p:pic>
+      <p:sp>
+        <p:nvSpPr>
+          <p:cNvPr id="4" name="Espace réservé du contenu 2">
+            <a:extLst>
+              <a:ext uri="{FF2B5EF4-FFF2-40B4-BE49-F238E27FC236}">
+                <a16:creationId xmlns:a16="http://schemas.microsoft.com/office/drawing/2014/main" id="{D3CF44CF-4EBE-7914-8390-2711D9FCEFAC}"/>
+              </a:ext>
+            </a:extLst>
+          </p:cNvPr>
+          <p:cNvSpPr txBox="1">
+            <a:spLocks/>
+          </p:cNvSpPr>
+          <p:nvPr>
+            <p:custDataLst>
+              <p:tags r:id="rId11"/>
+            </p:custDataLst>
+          </p:nvPr>
+        </p:nvSpPr>
+        <p:spPr>
+          <a:xfrm>
+            <a:off x="501316" y="1369787"/>
+            <a:ext cx="10515600" cy="555523"/>
+          </a:xfrm>
+          <a:prstGeom prst="rect">
+            <a:avLst/>
+          </a:prstGeom>
+        </p:spPr>
+        <p:txBody>
+          <a:bodyPr vert="horz" lIns="91440" tIns="45720" rIns="91440" bIns="45720" rtlCol="0">
+            <a:normAutofit/>
+          </a:bodyPr>
+          <a:lstStyle>
+            <a:lvl1pPr marL="228600" indent="-228600" algn="l" defTabSz="914400" rtl="0" eaLnBrk="1" latinLnBrk="0" hangingPunct="1">
+              <a:lnSpc>
+                <a:spcPct val="90000"/>
+              </a:lnSpc>
+              <a:spcBef>
+                <a:spcPts val="1000"/>
+              </a:spcBef>
+              <a:buFont typeface="Arial" panose="020B0604020202020204" pitchFamily="34" charset="0"/>
+              <a:buChar char="•"/>
+              <a:defRPr sz="2800" kern="1200">
+                <a:solidFill>
+                  <a:schemeClr val="tx1"/>
+                </a:solidFill>
+                <a:latin typeface="+mn-lt"/>
+                <a:ea typeface="+mn-ea"/>
+                <a:cs typeface="+mn-cs"/>
+              </a:defRPr>
+            </a:lvl1pPr>
+            <a:lvl2pPr marL="685800" indent="-228600" algn="l" defTabSz="914400" rtl="0" eaLnBrk="1" latinLnBrk="0" hangingPunct="1">
+              <a:lnSpc>
+                <a:spcPct val="90000"/>
+              </a:lnSpc>
+              <a:spcBef>
+                <a:spcPts val="500"/>
+              </a:spcBef>
+              <a:buFont typeface="Arial" panose="020B0604020202020204" pitchFamily="34" charset="0"/>
+              <a:buChar char="•"/>
+              <a:defRPr sz="2400" kern="1200">
+                <a:solidFill>
+                  <a:schemeClr val="tx1"/>
+                </a:solidFill>
+                <a:latin typeface="+mn-lt"/>
+                <a:ea typeface="+mn-ea"/>
+                <a:cs typeface="+mn-cs"/>
+              </a:defRPr>
+            </a:lvl2pPr>
+            <a:lvl3pPr marL="1143000" indent="-228600" algn="l" defTabSz="914400" rtl="0" eaLnBrk="1" latinLnBrk="0" hangingPunct="1">
+              <a:lnSpc>
+                <a:spcPct val="90000"/>
+              </a:lnSpc>
+              <a:spcBef>
+                <a:spcPts val="500"/>
+              </a:spcBef>
+              <a:buFont typeface="Arial" panose="020B0604020202020204" pitchFamily="34" charset="0"/>
+              <a:buChar char="•"/>
+              <a:defRPr sz="2000" kern="1200">
+                <a:solidFill>
+                  <a:schemeClr val="tx1"/>
+                </a:solidFill>
+                <a:latin typeface="+mn-lt"/>
+                <a:ea typeface="+mn-ea"/>
+                <a:cs typeface="+mn-cs"/>
+              </a:defRPr>
+            </a:lvl3pPr>
+            <a:lvl4pPr marL="1600200" indent="-228600" algn="l" defTabSz="914400" rtl="0" eaLnBrk="1" latinLnBrk="0" hangingPunct="1">
+              <a:lnSpc>
+                <a:spcPct val="90000"/>
+              </a:lnSpc>
+              <a:spcBef>
+                <a:spcPts val="500"/>
+              </a:spcBef>
+              <a:buFont typeface="Arial" panose="020B0604020202020204" pitchFamily="34" charset="0"/>
+              <a:buChar char="•"/>
+              <a:defRPr sz="1800" kern="1200">
+                <a:solidFill>
+                  <a:schemeClr val="tx1"/>
+                </a:solidFill>
+                <a:latin typeface="+mn-lt"/>
+                <a:ea typeface="+mn-ea"/>
+                <a:cs typeface="+mn-cs"/>
+              </a:defRPr>
+            </a:lvl4pPr>
+            <a:lvl5pPr marL="2057400" indent="-228600" algn="l" defTabSz="914400" rtl="0" eaLnBrk="1" latinLnBrk="0" hangingPunct="1">
+              <a:lnSpc>
+                <a:spcPct val="90000"/>
+              </a:lnSpc>
+              <a:spcBef>
+                <a:spcPts val="500"/>
+              </a:spcBef>
+              <a:buFont typeface="Arial" panose="020B0604020202020204" pitchFamily="34" charset="0"/>
+              <a:buChar char="•"/>
+              <a:defRPr sz="1800" kern="1200">
+                <a:solidFill>
+                  <a:schemeClr val="tx1"/>
+                </a:solidFill>
+                <a:latin typeface="+mn-lt"/>
+                <a:ea typeface="+mn-ea"/>
+                <a:cs typeface="+mn-cs"/>
+              </a:defRPr>
+            </a:lvl5pPr>
+            <a:lvl6pPr marL="2514600" indent="-228600" algn="l" defTabSz="914400" rtl="0" eaLnBrk="1" latinLnBrk="0" hangingPunct="1">
+              <a:lnSpc>
+                <a:spcPct val="90000"/>
+              </a:lnSpc>
+              <a:spcBef>
+                <a:spcPts val="500"/>
+              </a:spcBef>
+              <a:buFont typeface="Arial" panose="020B0604020202020204" pitchFamily="34" charset="0"/>
+              <a:buChar char="•"/>
+              <a:defRPr sz="1800" kern="1200">
+                <a:solidFill>
+                  <a:schemeClr val="tx1"/>
+                </a:solidFill>
+                <a:latin typeface="+mn-lt"/>
+                <a:ea typeface="+mn-ea"/>
+                <a:cs typeface="+mn-cs"/>
+              </a:defRPr>
+            </a:lvl6pPr>
+            <a:lvl7pPr marL="2971800" indent="-228600" algn="l" defTabSz="914400" rtl="0" eaLnBrk="1" latinLnBrk="0" hangingPunct="1">
+              <a:lnSpc>
+                <a:spcPct val="90000"/>
+              </a:lnSpc>
+              <a:spcBef>
+                <a:spcPts val="500"/>
+              </a:spcBef>
+              <a:buFont typeface="Arial" panose="020B0604020202020204" pitchFamily="34" charset="0"/>
+              <a:buChar char="•"/>
+              <a:defRPr sz="1800" kern="1200">
+                <a:solidFill>
+                  <a:schemeClr val="tx1"/>
+                </a:solidFill>
+                <a:latin typeface="+mn-lt"/>
+                <a:ea typeface="+mn-ea"/>
+                <a:cs typeface="+mn-cs"/>
+              </a:defRPr>
+            </a:lvl7pPr>
+            <a:lvl8pPr marL="3429000" indent="-228600" algn="l" defTabSz="914400" rtl="0" eaLnBrk="1" latinLnBrk="0" hangingPunct="1">
+              <a:lnSpc>
+                <a:spcPct val="90000"/>
+              </a:lnSpc>
+              <a:spcBef>
+                <a:spcPts val="500"/>
+              </a:spcBef>
+              <a:buFont typeface="Arial" panose="020B0604020202020204" pitchFamily="34" charset="0"/>
+              <a:buChar char="•"/>
+              <a:defRPr sz="1800" kern="1200">
+                <a:solidFill>
+                  <a:schemeClr val="tx1"/>
+                </a:solidFill>
+                <a:latin typeface="+mn-lt"/>
+                <a:ea typeface="+mn-ea"/>
+                <a:cs typeface="+mn-cs"/>
+              </a:defRPr>
+            </a:lvl8pPr>
+            <a:lvl9pPr marL="3886200" indent="-228600" algn="l" defTabSz="914400" rtl="0" eaLnBrk="1" latinLnBrk="0" hangingPunct="1">
+              <a:lnSpc>
+                <a:spcPct val="90000"/>
+              </a:lnSpc>
+              <a:spcBef>
+                <a:spcPts val="500"/>
+              </a:spcBef>
+              <a:buFont typeface="Arial" panose="020B0604020202020204" pitchFamily="34" charset="0"/>
+              <a:buChar char="•"/>
+              <a:defRPr sz="1800" kern="1200">
+                <a:solidFill>
+                  <a:schemeClr val="tx1"/>
+                </a:solidFill>
+                <a:latin typeface="+mn-lt"/>
+                <a:ea typeface="+mn-ea"/>
+                <a:cs typeface="+mn-cs"/>
+              </a:defRPr>
+            </a:lvl9pPr>
+          </a:lstStyle>
+          <a:p>
+            <a:pPr marL="0" indent="0" algn="just">
+              <a:buNone/>
+            </a:pPr>
+            <a:r>
+              <a:rPr lang="fr-FR" sz="1800" dirty="0">
+                <a:latin typeface="Times New Roman" panose="02020603050405020304" pitchFamily="18" charset="0"/>
+                <a:cs typeface="Times New Roman" panose="02020603050405020304" pitchFamily="18" charset="0"/>
+              </a:rPr>
+              <a:t>Évolution du projet dans le futur :</a:t>
+            </a:r>
+            <a:endParaRPr lang="fr-FR" sz="1800" kern="100" dirty="0">
+              <a:effectLst/>
+              <a:latin typeface="Times New Roman" panose="02020603050405020304" pitchFamily="18" charset="0"/>
+              <a:ea typeface="Aptos" panose="020B0004020202020204" pitchFamily="34" charset="0"/>
+              <a:cs typeface="Times New Roman" panose="02020603050405020304" pitchFamily="18" charset="0"/>
+            </a:endParaRPr>
+          </a:p>
+        </p:txBody>
+      </p:sp>
+      <p:sp>
+        <p:nvSpPr>
+          <p:cNvPr id="7" name="Espace réservé du contenu 2">
+            <a:extLst>
+              <a:ext uri="{FF2B5EF4-FFF2-40B4-BE49-F238E27FC236}">
+                <a16:creationId xmlns:a16="http://schemas.microsoft.com/office/drawing/2014/main" id="{A8F6BA45-2DB8-53FF-7240-C3C04131486A}"/>
+              </a:ext>
+            </a:extLst>
+          </p:cNvPr>
+          <p:cNvSpPr txBox="1">
+            <a:spLocks/>
+          </p:cNvSpPr>
+          <p:nvPr>
+            <p:custDataLst>
+              <p:tags r:id="rId12"/>
+            </p:custDataLst>
+          </p:nvPr>
+        </p:nvSpPr>
+        <p:spPr>
+          <a:xfrm>
+            <a:off x="838200" y="1873472"/>
+            <a:ext cx="9613490" cy="1981036"/>
+          </a:xfrm>
+          <a:prstGeom prst="rect">
+            <a:avLst/>
+          </a:prstGeom>
+        </p:spPr>
+        <p:txBody>
+          <a:bodyPr vert="horz" lIns="91440" tIns="45720" rIns="91440" bIns="45720" rtlCol="0">
+            <a:normAutofit fontScale="92500" lnSpcReduction="10000"/>
+          </a:bodyPr>
+          <a:lstStyle>
+            <a:lvl1pPr marL="228600" indent="-228600" algn="l" defTabSz="914400" rtl="0" eaLnBrk="1" latinLnBrk="0" hangingPunct="1">
+              <a:lnSpc>
+                <a:spcPct val="90000"/>
+              </a:lnSpc>
+              <a:spcBef>
+                <a:spcPts val="1000"/>
+              </a:spcBef>
+              <a:buFont typeface="Arial" panose="020B0604020202020204" pitchFamily="34" charset="0"/>
+              <a:buChar char="•"/>
+              <a:defRPr sz="2800" kern="1200">
+                <a:solidFill>
+                  <a:schemeClr val="tx1"/>
+                </a:solidFill>
+                <a:latin typeface="+mn-lt"/>
+                <a:ea typeface="+mn-ea"/>
+                <a:cs typeface="+mn-cs"/>
+              </a:defRPr>
+            </a:lvl1pPr>
+            <a:lvl2pPr marL="685800" indent="-228600" algn="l" defTabSz="914400" rtl="0" eaLnBrk="1" latinLnBrk="0" hangingPunct="1">
+              <a:lnSpc>
+                <a:spcPct val="90000"/>
+              </a:lnSpc>
+              <a:spcBef>
+                <a:spcPts val="500"/>
+              </a:spcBef>
+              <a:buFont typeface="Arial" panose="020B0604020202020204" pitchFamily="34" charset="0"/>
+              <a:buChar char="•"/>
+              <a:defRPr sz="2400" kern="1200">
+                <a:solidFill>
+                  <a:schemeClr val="tx1"/>
+                </a:solidFill>
+                <a:latin typeface="+mn-lt"/>
+                <a:ea typeface="+mn-ea"/>
+                <a:cs typeface="+mn-cs"/>
+              </a:defRPr>
+            </a:lvl2pPr>
+            <a:lvl3pPr marL="1143000" indent="-228600" algn="l" defTabSz="914400" rtl="0" eaLnBrk="1" latinLnBrk="0" hangingPunct="1">
+              <a:lnSpc>
+                <a:spcPct val="90000"/>
+              </a:lnSpc>
+              <a:spcBef>
+                <a:spcPts val="500"/>
+              </a:spcBef>
+              <a:buFont typeface="Arial" panose="020B0604020202020204" pitchFamily="34" charset="0"/>
+              <a:buChar char="•"/>
+              <a:defRPr sz="2000" kern="1200">
+                <a:solidFill>
+                  <a:schemeClr val="tx1"/>
+                </a:solidFill>
+                <a:latin typeface="+mn-lt"/>
+                <a:ea typeface="+mn-ea"/>
+                <a:cs typeface="+mn-cs"/>
+              </a:defRPr>
+            </a:lvl3pPr>
+            <a:lvl4pPr marL="1600200" indent="-228600" algn="l" defTabSz="914400" rtl="0" eaLnBrk="1" latinLnBrk="0" hangingPunct="1">
+              <a:lnSpc>
+                <a:spcPct val="90000"/>
+              </a:lnSpc>
+              <a:spcBef>
+                <a:spcPts val="500"/>
+              </a:spcBef>
+              <a:buFont typeface="Arial" panose="020B0604020202020204" pitchFamily="34" charset="0"/>
+              <a:buChar char="•"/>
+              <a:defRPr sz="1800" kern="1200">
+                <a:solidFill>
+                  <a:schemeClr val="tx1"/>
+                </a:solidFill>
+                <a:latin typeface="+mn-lt"/>
+                <a:ea typeface="+mn-ea"/>
+                <a:cs typeface="+mn-cs"/>
+              </a:defRPr>
+            </a:lvl4pPr>
+            <a:lvl5pPr marL="2057400" indent="-228600" algn="l" defTabSz="914400" rtl="0" eaLnBrk="1" latinLnBrk="0" hangingPunct="1">
+              <a:lnSpc>
+                <a:spcPct val="90000"/>
+              </a:lnSpc>
+              <a:spcBef>
+                <a:spcPts val="500"/>
+              </a:spcBef>
+              <a:buFont typeface="Arial" panose="020B0604020202020204" pitchFamily="34" charset="0"/>
+              <a:buChar char="•"/>
+              <a:defRPr sz="1800" kern="1200">
+                <a:solidFill>
+                  <a:schemeClr val="tx1"/>
+                </a:solidFill>
+                <a:latin typeface="+mn-lt"/>
+                <a:ea typeface="+mn-ea"/>
+                <a:cs typeface="+mn-cs"/>
+              </a:defRPr>
+            </a:lvl5pPr>
+            <a:lvl6pPr marL="2514600" indent="-228600" algn="l" defTabSz="914400" rtl="0" eaLnBrk="1" latinLnBrk="0" hangingPunct="1">
+              <a:lnSpc>
+                <a:spcPct val="90000"/>
+              </a:lnSpc>
+              <a:spcBef>
+                <a:spcPts val="500"/>
+              </a:spcBef>
+              <a:buFont typeface="Arial" panose="020B0604020202020204" pitchFamily="34" charset="0"/>
+              <a:buChar char="•"/>
+              <a:defRPr sz="1800" kern="1200">
+                <a:solidFill>
+                  <a:schemeClr val="tx1"/>
+                </a:solidFill>
+                <a:latin typeface="+mn-lt"/>
+                <a:ea typeface="+mn-ea"/>
+                <a:cs typeface="+mn-cs"/>
+              </a:defRPr>
+            </a:lvl6pPr>
+            <a:lvl7pPr marL="2971800" indent="-228600" algn="l" defTabSz="914400" rtl="0" eaLnBrk="1" latinLnBrk="0" hangingPunct="1">
+              <a:lnSpc>
+                <a:spcPct val="90000"/>
+              </a:lnSpc>
+              <a:spcBef>
+                <a:spcPts val="500"/>
+              </a:spcBef>
+              <a:buFont typeface="Arial" panose="020B0604020202020204" pitchFamily="34" charset="0"/>
+              <a:buChar char="•"/>
+              <a:defRPr sz="1800" kern="1200">
+                <a:solidFill>
+                  <a:schemeClr val="tx1"/>
+                </a:solidFill>
+                <a:latin typeface="+mn-lt"/>
+                <a:ea typeface="+mn-ea"/>
+                <a:cs typeface="+mn-cs"/>
+              </a:defRPr>
+            </a:lvl7pPr>
+            <a:lvl8pPr marL="3429000" indent="-228600" algn="l" defTabSz="914400" rtl="0" eaLnBrk="1" latinLnBrk="0" hangingPunct="1">
+              <a:lnSpc>
+                <a:spcPct val="90000"/>
+              </a:lnSpc>
+              <a:spcBef>
+                <a:spcPts val="500"/>
+              </a:spcBef>
+              <a:buFont typeface="Arial" panose="020B0604020202020204" pitchFamily="34" charset="0"/>
+              <a:buChar char="•"/>
+              <a:defRPr sz="1800" kern="1200">
+                <a:solidFill>
+                  <a:schemeClr val="tx1"/>
+                </a:solidFill>
+                <a:latin typeface="+mn-lt"/>
+                <a:ea typeface="+mn-ea"/>
+                <a:cs typeface="+mn-cs"/>
+              </a:defRPr>
+            </a:lvl8pPr>
+            <a:lvl9pPr marL="3886200" indent="-228600" algn="l" defTabSz="914400" rtl="0" eaLnBrk="1" latinLnBrk="0" hangingPunct="1">
+              <a:lnSpc>
+                <a:spcPct val="90000"/>
+              </a:lnSpc>
+              <a:spcBef>
+                <a:spcPts val="500"/>
+              </a:spcBef>
+              <a:buFont typeface="Arial" panose="020B0604020202020204" pitchFamily="34" charset="0"/>
+              <a:buChar char="•"/>
+              <a:defRPr sz="1800" kern="1200">
+                <a:solidFill>
+                  <a:schemeClr val="tx1"/>
+                </a:solidFill>
+                <a:latin typeface="+mn-lt"/>
+                <a:ea typeface="+mn-ea"/>
+                <a:cs typeface="+mn-cs"/>
+              </a:defRPr>
+            </a:lvl9pPr>
+          </a:lstStyle>
+          <a:p>
+            <a:pPr marL="0" indent="0" algn="just">
+              <a:buNone/>
+            </a:pPr>
+            <a:endParaRPr lang="fr-FR" sz="1800" dirty="0">
+              <a:latin typeface="Times New Roman" panose="02020603050405020304" pitchFamily="18" charset="0"/>
+              <a:cs typeface="Times New Roman" panose="02020603050405020304" pitchFamily="18" charset="0"/>
+            </a:endParaRPr>
+          </a:p>
+          <a:p>
+            <a:pPr algn="just"/>
+            <a:r>
+              <a:rPr lang="fr-FR" sz="1800" kern="100" dirty="0">
+                <a:latin typeface="Times New Roman" panose="02020603050405020304" pitchFamily="18" charset="0"/>
+                <a:ea typeface="Aptos" panose="020B0004020202020204" pitchFamily="34" charset="0"/>
+                <a:cs typeface="Times New Roman" panose="02020603050405020304" pitchFamily="18" charset="0"/>
+              </a:rPr>
+              <a:t>Budget  limité : </a:t>
+            </a:r>
+            <a:r>
+              <a:rPr lang="fr-FR" sz="1200" i="1" dirty="0"/>
+              <a:t>Le projet n’a pas bénéficié d’un budget important, limitant l’acquisition de certains outils ou services (hébergement premium, solutions de sécurité avancées, etc.). Cela a impacté l'ampleur des fonctionnalités et la qualité de l'expérience utilisateur.</a:t>
+            </a:r>
+            <a:endParaRPr lang="fr-FR" sz="1800" i="1" kern="100" dirty="0">
+              <a:latin typeface="Times New Roman" panose="02020603050405020304" pitchFamily="18" charset="0"/>
+              <a:ea typeface="Aptos" panose="020B0004020202020204" pitchFamily="34" charset="0"/>
+              <a:cs typeface="Times New Roman" panose="02020603050405020304" pitchFamily="18" charset="0"/>
+            </a:endParaRPr>
+          </a:p>
+          <a:p>
+            <a:pPr algn="just"/>
+            <a:r>
+              <a:rPr lang="fr-FR" sz="1800" kern="100" dirty="0">
+                <a:effectLst/>
+                <a:latin typeface="Times New Roman" panose="02020603050405020304" pitchFamily="18" charset="0"/>
+                <a:ea typeface="Aptos" panose="020B0004020202020204" pitchFamily="34" charset="0"/>
+                <a:cs typeface="Times New Roman" panose="02020603050405020304" pitchFamily="18" charset="0"/>
+              </a:rPr>
+              <a:t>Ressources humaines : </a:t>
+            </a:r>
+            <a:r>
+              <a:rPr lang="fr-FR" sz="1200" i="1" dirty="0"/>
+              <a:t>Le projet a été réalisé avec une équipe restreinte, ce qui a limité la possibilité d'intégrer certaines fonctionnalités ou d'optimiser certains aspects techniques (performance, sécurité, etc.). Des tâches comme l'optimisation des algorithmes de recommandation ont été reportées à une phase ultérieure.</a:t>
+            </a:r>
+            <a:endParaRPr lang="fr-FR" sz="1800" i="1" kern="100" dirty="0">
+              <a:effectLst/>
+              <a:latin typeface="Times New Roman" panose="02020603050405020304" pitchFamily="18" charset="0"/>
+              <a:ea typeface="Aptos" panose="020B0004020202020204" pitchFamily="34" charset="0"/>
+              <a:cs typeface="Times New Roman" panose="02020603050405020304" pitchFamily="18" charset="0"/>
+            </a:endParaRPr>
+          </a:p>
+          <a:p>
+            <a:pPr algn="just"/>
+            <a:r>
+              <a:rPr lang="fr-FR" sz="1800" kern="100" dirty="0">
+                <a:latin typeface="Times New Roman" panose="02020603050405020304" pitchFamily="18" charset="0"/>
+                <a:ea typeface="Aptos" panose="020B0004020202020204" pitchFamily="34" charset="0"/>
+                <a:cs typeface="Times New Roman" panose="02020603050405020304" pitchFamily="18" charset="0"/>
+              </a:rPr>
+              <a:t>Temps de développement : </a:t>
+            </a:r>
+            <a:r>
+              <a:rPr lang="fr-FR" sz="1200" i="1" dirty="0"/>
+              <a:t>Le temps imparti pour réaliser le projet a imposé de prioriser certaines fonctionnalités au détriment d'autres. Certaines fonctionnalités, comme la messagerie privée ou la personnalisation avancée des profils utilisateurs, n'ont pas pu être développées dans les délais impartis.</a:t>
+            </a:r>
+            <a:endParaRPr lang="fr-FR" sz="1800" i="1" kern="100" dirty="0">
+              <a:effectLst/>
+              <a:latin typeface="Times New Roman" panose="02020603050405020304" pitchFamily="18" charset="0"/>
+              <a:ea typeface="Aptos" panose="020B0004020202020204" pitchFamily="34" charset="0"/>
+              <a:cs typeface="Times New Roman" panose="02020603050405020304" pitchFamily="18" charset="0"/>
+            </a:endParaRPr>
+          </a:p>
+        </p:txBody>
+      </p:sp>
     </p:spTree>
     <p:extLst>
       <p:ext uri="{BB962C8B-B14F-4D97-AF65-F5344CB8AC3E}">
@@ -10162,7 +10609,7 @@
         </p:nvSpPr>
         <p:spPr>
           <a:xfrm>
-            <a:off x="541759" y="1023668"/>
+            <a:off x="333719" y="2858004"/>
             <a:ext cx="3821305" cy="858800"/>
           </a:xfrm>
         </p:spPr>
@@ -10210,89 +10657,96 @@
           </a:p>
         </p:txBody>
       </p:sp>
-      <p:sp>
-        <p:nvSpPr>
-          <p:cNvPr id="4" name="Espace réservé du contenu 2">
+      <p:pic>
+        <p:nvPicPr>
+          <p:cNvPr id="7" name="Image 6">
             <a:extLst>
               <a:ext uri="{FF2B5EF4-FFF2-40B4-BE49-F238E27FC236}">
-                <a16:creationId xmlns:a16="http://schemas.microsoft.com/office/drawing/2014/main" id="{615E1F5C-5ABD-1EF0-9D0D-518359F30D84}"/>
+                <a16:creationId xmlns:a16="http://schemas.microsoft.com/office/drawing/2014/main" id="{4151BA5F-2D4A-891F-50B8-85EF4115AE00}"/>
               </a:ext>
             </a:extLst>
           </p:cNvPr>
-          <p:cNvSpPr>
-            <a:spLocks noGrp="1"/>
-          </p:cNvSpPr>
-          <p:nvPr>
-            <p:ph idx="1"/>
-            <p:custDataLst>
-              <p:tags r:id="rId6"/>
-            </p:custDataLst>
-          </p:nvPr>
-        </p:nvSpPr>
+          <p:cNvPicPr>
+            <a:picLocks noChangeAspect="1"/>
+          </p:cNvPicPr>
+          <p:nvPr/>
+        </p:nvPicPr>
+        <p:blipFill>
+          <a:blip r:embed="rId7"/>
+          <a:stretch>
+            <a:fillRect/>
+          </a:stretch>
+        </p:blipFill>
         <p:spPr>
           <a:xfrm>
-            <a:off x="1642971" y="2782256"/>
-            <a:ext cx="8454757" cy="2084711"/>
+            <a:off x="4488743" y="368300"/>
+            <a:ext cx="7577578" cy="1728724"/>
           </a:xfrm>
+          <a:prstGeom prst="rect">
+            <a:avLst/>
+          </a:prstGeom>
         </p:spPr>
-        <p:txBody>
-          <a:bodyPr>
-            <a:noAutofit/>
-          </a:bodyPr>
-          <a:lstStyle/>
-          <a:p>
-            <a:pPr algn="just"/>
-            <a:r>
-              <a:rPr lang="fr-FR" sz="1800" b="0" i="0" dirty="0">
-                <a:solidFill>
-                  <a:srgbClr val="000000"/>
-                </a:solidFill>
-                <a:effectLst/>
-                <a:latin typeface="Times New Roman" panose="02020603050405020304" pitchFamily="18" charset="0"/>
-                <a:cs typeface="Times New Roman" panose="02020603050405020304" pitchFamily="18" charset="0"/>
-              </a:rPr>
-              <a:t>En tant que lecteur inscrit, je veux ajouter un livre que j’ai apprécié à la bibliothèque afin de partager mes découvertes avec d’autres lecteurs. </a:t>
-            </a:r>
-          </a:p>
-          <a:p>
-            <a:pPr algn="just"/>
-            <a:r>
-              <a:rPr lang="fr-FR" sz="1800" b="0" i="0" dirty="0">
-                <a:solidFill>
-                  <a:srgbClr val="000000"/>
-                </a:solidFill>
-                <a:effectLst/>
-                <a:latin typeface="Times New Roman" panose="02020603050405020304" pitchFamily="18" charset="0"/>
-                <a:cs typeface="Times New Roman" panose="02020603050405020304" pitchFamily="18" charset="0"/>
-              </a:rPr>
-              <a:t>En tant que lecteur inscrit, je veux laisser un commentaire sur un livre que j’ai lu afin de partager mon avis et échanger avec d’autres utilisateurs autour de cette lecture. </a:t>
-            </a:r>
-          </a:p>
-          <a:p>
-            <a:pPr algn="just"/>
-            <a:r>
-              <a:rPr lang="fr-FR" sz="1800" b="0" i="0" dirty="0">
-                <a:solidFill>
-                  <a:srgbClr val="000000"/>
-                </a:solidFill>
-                <a:effectLst/>
-                <a:latin typeface="Times New Roman" panose="02020603050405020304" pitchFamily="18" charset="0"/>
-                <a:cs typeface="Times New Roman" panose="02020603050405020304" pitchFamily="18" charset="0"/>
-              </a:rPr>
-              <a:t>En tant que lecteur engagé je veux pouvoir interagir des discussions autour d’un livre en mettant des likes.</a:t>
-            </a:r>
-          </a:p>
-          <a:p>
-            <a:pPr marL="0" indent="0" algn="just">
-              <a:buNone/>
-            </a:pPr>
-            <a:endParaRPr lang="fr-FR" sz="1800" dirty="0">
-              <a:latin typeface="Times New Roman" panose="02020603050405020304" pitchFamily="18" charset="0"/>
-              <a:cs typeface="Times New Roman" panose="02020603050405020304" pitchFamily="18" charset="0"/>
-            </a:endParaRPr>
-          </a:p>
-        </p:txBody>
-      </p:sp>
+      </p:pic>
+      <p:pic>
+        <p:nvPicPr>
+          <p:cNvPr id="9" name="Image 8">
+            <a:extLst>
+              <a:ext uri="{FF2B5EF4-FFF2-40B4-BE49-F238E27FC236}">
+                <a16:creationId xmlns:a16="http://schemas.microsoft.com/office/drawing/2014/main" id="{E3F53F64-A9FC-D3BF-DAB8-A0CA4E0B956C}"/>
+              </a:ext>
+            </a:extLst>
+          </p:cNvPr>
+          <p:cNvPicPr>
+            <a:picLocks noChangeAspect="1"/>
+          </p:cNvPicPr>
+          <p:nvPr/>
+        </p:nvPicPr>
+        <p:blipFill>
+          <a:blip r:embed="rId8"/>
+          <a:stretch>
+            <a:fillRect/>
+          </a:stretch>
+        </p:blipFill>
+        <p:spPr>
+          <a:xfrm>
+            <a:off x="4488742" y="2488628"/>
+            <a:ext cx="7577578" cy="1597553"/>
+          </a:xfrm>
+          <a:prstGeom prst="rect">
+            <a:avLst/>
+          </a:prstGeom>
+        </p:spPr>
+      </p:pic>
+      <p:pic>
+        <p:nvPicPr>
+          <p:cNvPr id="11" name="Image 10">
+            <a:extLst>
+              <a:ext uri="{FF2B5EF4-FFF2-40B4-BE49-F238E27FC236}">
+                <a16:creationId xmlns:a16="http://schemas.microsoft.com/office/drawing/2014/main" id="{D77C4114-B1F1-D15A-B3AC-39B63460A4A8}"/>
+              </a:ext>
+            </a:extLst>
+          </p:cNvPr>
+          <p:cNvPicPr>
+            <a:picLocks noChangeAspect="1"/>
+          </p:cNvPicPr>
+          <p:nvPr/>
+        </p:nvPicPr>
+        <p:blipFill>
+          <a:blip r:embed="rId9"/>
+          <a:stretch>
+            <a:fillRect/>
+          </a:stretch>
+        </p:blipFill>
+        <p:spPr>
+          <a:xfrm>
+            <a:off x="4488742" y="4477786"/>
+            <a:ext cx="7577579" cy="1878564"/>
+          </a:xfrm>
+          <a:prstGeom prst="rect">
+            <a:avLst/>
+          </a:prstGeom>
+        </p:spPr>
+      </p:pic>
     </p:spTree>
     <p:extLst>
       <p:ext uri="{BB962C8B-B14F-4D97-AF65-F5344CB8AC3E}">
@@ -12844,40 +13298,6 @@
           </a:p>
         </p:txBody>
       </p:sp>
-      <p:pic>
-        <p:nvPicPr>
-          <p:cNvPr id="3" name="Image 2" descr="Une image contenant texte, capture d’écran, Police&#10;&#10;Description générée automatiquement">
-            <a:extLst>
-              <a:ext uri="{FF2B5EF4-FFF2-40B4-BE49-F238E27FC236}">
-                <a16:creationId xmlns:a16="http://schemas.microsoft.com/office/drawing/2014/main" id="{99839199-407D-FD42-7C0F-30A9AFDFE899}"/>
-              </a:ext>
-            </a:extLst>
-          </p:cNvPr>
-          <p:cNvPicPr>
-            <a:picLocks noChangeAspect="1"/>
-          </p:cNvPicPr>
-          <p:nvPr>
-            <p:custDataLst>
-              <p:tags r:id="rId5"/>
-            </p:custDataLst>
-          </p:nvPr>
-        </p:nvPicPr>
-        <p:blipFill>
-          <a:blip r:embed="rId13"/>
-          <a:stretch>
-            <a:fillRect/>
-          </a:stretch>
-        </p:blipFill>
-        <p:spPr>
-          <a:xfrm>
-            <a:off x="5488006" y="2810084"/>
-            <a:ext cx="6155141" cy="2415893"/>
-          </a:xfrm>
-          <a:prstGeom prst="rect">
-            <a:avLst/>
-          </a:prstGeom>
-        </p:spPr>
-      </p:pic>
       <p:sp>
         <p:nvSpPr>
           <p:cNvPr id="5" name="Espace réservé du numéro de diapositive 4">
@@ -12893,7 +13313,7 @@
           <p:nvPr>
             <p:ph type="sldNum" sz="quarter" idx="12"/>
             <p:custDataLst>
-              <p:tags r:id="rId6"/>
+              <p:tags r:id="rId5"/>
             </p:custDataLst>
           </p:nvPr>
         </p:nvSpPr>
@@ -12955,7 +13375,7 @@
           </p:cNvSpPr>
           <p:nvPr>
             <p:custDataLst>
-              <p:tags r:id="rId7"/>
+              <p:tags r:id="rId6"/>
             </p:custDataLst>
           </p:nvPr>
         </p:nvSpPr>
@@ -13179,7 +13599,7 @@
           </p:cNvSpPr>
           <p:nvPr>
             <p:custDataLst>
-              <p:tags r:id="rId8"/>
+              <p:tags r:id="rId7"/>
             </p:custDataLst>
           </p:nvPr>
         </p:nvSpPr>
@@ -13403,15 +13823,15 @@
           </p:cNvPicPr>
           <p:nvPr>
             <p:custDataLst>
-              <p:tags r:id="rId9"/>
+              <p:tags r:id="rId8"/>
             </p:custDataLst>
           </p:nvPr>
         </p:nvPicPr>
         <p:blipFill>
-          <a:blip r:embed="rId14">
+          <a:blip r:embed="rId12">
             <a:extLst>
               <a:ext uri="{96DAC541-7B7A-43D3-8B79-37D633B846F1}">
-                <asvg:svgBlip xmlns:asvg="http://schemas.microsoft.com/office/drawing/2016/SVG/main" r:embed="rId15"/>
+                <asvg:svgBlip xmlns:asvg="http://schemas.microsoft.com/office/drawing/2016/SVG/main" r:embed="rId13"/>
               </a:ext>
             </a:extLst>
           </a:blip>
@@ -13443,15 +13863,15 @@
           </p:cNvPicPr>
           <p:nvPr>
             <p:custDataLst>
-              <p:tags r:id="rId10"/>
+              <p:tags r:id="rId9"/>
             </p:custDataLst>
           </p:nvPr>
         </p:nvPicPr>
         <p:blipFill>
-          <a:blip r:embed="rId16">
+          <a:blip r:embed="rId14">
             <a:extLst>
               <a:ext uri="{96DAC541-7B7A-43D3-8B79-37D633B846F1}">
-                <asvg:svgBlip xmlns:asvg="http://schemas.microsoft.com/office/drawing/2016/SVG/main" r:embed="rId17"/>
+                <asvg:svgBlip xmlns:asvg="http://schemas.microsoft.com/office/drawing/2016/SVG/main" r:embed="rId15"/>
               </a:ext>
             </a:extLst>
           </a:blip>
@@ -13483,15 +13903,15 @@
           </p:cNvPicPr>
           <p:nvPr>
             <p:custDataLst>
-              <p:tags r:id="rId11"/>
+              <p:tags r:id="rId10"/>
             </p:custDataLst>
           </p:nvPr>
         </p:nvPicPr>
         <p:blipFill>
-          <a:blip r:embed="rId18">
+          <a:blip r:embed="rId16">
             <a:extLst>
               <a:ext uri="{96DAC541-7B7A-43D3-8B79-37D633B846F1}">
-                <asvg:svgBlip xmlns:asvg="http://schemas.microsoft.com/office/drawing/2016/SVG/main" r:embed="rId19"/>
+                <asvg:svgBlip xmlns:asvg="http://schemas.microsoft.com/office/drawing/2016/SVG/main" r:embed="rId17"/>
               </a:ext>
             </a:extLst>
           </a:blip>
@@ -13503,6 +13923,36 @@
           <a:xfrm>
             <a:off x="9292891" y="1543407"/>
             <a:ext cx="960592" cy="960592"/>
+          </a:xfrm>
+          <a:prstGeom prst="rect">
+            <a:avLst/>
+          </a:prstGeom>
+        </p:spPr>
+      </p:pic>
+      <p:pic>
+        <p:nvPicPr>
+          <p:cNvPr id="12" name="Image 11">
+            <a:extLst>
+              <a:ext uri="{FF2B5EF4-FFF2-40B4-BE49-F238E27FC236}">
+                <a16:creationId xmlns:a16="http://schemas.microsoft.com/office/drawing/2014/main" id="{FDE75C15-AAEF-0D81-4420-C66515A190FA}"/>
+              </a:ext>
+            </a:extLst>
+          </p:cNvPr>
+          <p:cNvPicPr>
+            <a:picLocks noChangeAspect="1"/>
+          </p:cNvPicPr>
+          <p:nvPr/>
+        </p:nvPicPr>
+        <p:blipFill>
+          <a:blip r:embed="rId18"/>
+          <a:stretch>
+            <a:fillRect/>
+          </a:stretch>
+        </p:blipFill>
+        <p:spPr>
+          <a:xfrm>
+            <a:off x="5278286" y="2479716"/>
+            <a:ext cx="6664627" cy="3981870"/>
           </a:xfrm>
           <a:prstGeom prst="rect">
             <a:avLst/>
@@ -16751,7 +17201,7 @@
       </p:grpSpPr>
       <p:sp useBgFill="1">
         <p:nvSpPr>
-          <p:cNvPr id="3079" name="Rectangle 3078">
+          <p:cNvPr id="3086" name="Rectangle 3085">
             <a:extLst>
               <a:ext uri="{FF2B5EF4-FFF2-40B4-BE49-F238E27FC236}">
                 <a16:creationId xmlns:a16="http://schemas.microsoft.com/office/drawing/2014/main" id="{3C54F4CE-85F0-46ED-80DA-9518C9251AD1}"/>
@@ -16827,7 +17277,7 @@
       </p:sp>
       <p:sp>
         <p:nvSpPr>
-          <p:cNvPr id="3081" name="Freeform: Shape 3080">
+          <p:cNvPr id="3088" name="Freeform: Shape 3087">
             <a:extLst>
               <a:ext uri="{FF2B5EF4-FFF2-40B4-BE49-F238E27FC236}">
                 <a16:creationId xmlns:a16="http://schemas.microsoft.com/office/drawing/2014/main" id="{DADD1FCA-8ACB-4958-81DD-4CDD6D3E1921}"/>
@@ -19375,7 +19825,7 @@
         </p:nvSpPr>
         <p:spPr>
           <a:xfrm>
-            <a:off x="773408" y="992094"/>
+            <a:off x="773408" y="1031422"/>
             <a:ext cx="3616913" cy="2795160"/>
           </a:xfrm>
         </p:spPr>
@@ -19428,10 +19878,10 @@
       </p:sp>
       <p:pic>
         <p:nvPicPr>
-          <p:cNvPr id="3074" name="Picture 2">
+          <p:cNvPr id="1026" name="Picture 2">
             <a:extLst>
               <a:ext uri="{FF2B5EF4-FFF2-40B4-BE49-F238E27FC236}">
-                <a16:creationId xmlns:a16="http://schemas.microsoft.com/office/drawing/2014/main" id="{AC3CA584-F070-7F99-FAAE-755BBA689408}"/>
+                <a16:creationId xmlns:a16="http://schemas.microsoft.com/office/drawing/2014/main" id="{7EFFCD05-60C9-6F79-33B0-E54A3B4CAA0F}"/>
               </a:ext>
             </a:extLst>
           </p:cNvPr>
@@ -19454,8 +19904,8 @@
         </p:blipFill>
         <p:spPr bwMode="auto">
           <a:xfrm>
-            <a:off x="7325249" y="121890"/>
-            <a:ext cx="2994780" cy="6655070"/>
+            <a:off x="7346536" y="83322"/>
+            <a:ext cx="2987167" cy="6638153"/>
           </a:xfrm>
           <a:prstGeom prst="rect">
             <a:avLst/>
@@ -20890,32 +21340,28 @@
       </p:sp>
       <p:pic>
         <p:nvPicPr>
-          <p:cNvPr id="6" name="Image 5">
+          <p:cNvPr id="9" name="Image 8">
             <a:extLst>
               <a:ext uri="{FF2B5EF4-FFF2-40B4-BE49-F238E27FC236}">
-                <a16:creationId xmlns:a16="http://schemas.microsoft.com/office/drawing/2014/main" id="{92339FB5-A551-414C-6649-BF3AEB629B79}"/>
+                <a16:creationId xmlns:a16="http://schemas.microsoft.com/office/drawing/2014/main" id="{E745BF02-6911-EDB2-CA19-E97F9A750D56}"/>
               </a:ext>
             </a:extLst>
           </p:cNvPr>
           <p:cNvPicPr>
             <a:picLocks noChangeAspect="1"/>
           </p:cNvPicPr>
-          <p:nvPr>
-            <p:custDataLst>
-              <p:tags r:id="rId6"/>
-            </p:custDataLst>
-          </p:nvPr>
+          <p:nvPr/>
         </p:nvPicPr>
         <p:blipFill>
-          <a:blip r:embed="rId8"/>
+          <a:blip r:embed="rId7"/>
           <a:stretch>
             <a:fillRect/>
           </a:stretch>
         </p:blipFill>
         <p:spPr>
           <a:xfrm>
-            <a:off x="4038600" y="999331"/>
-            <a:ext cx="6923098" cy="4887303"/>
+            <a:off x="3723640" y="335031"/>
+            <a:ext cx="7483488" cy="5730737"/>
           </a:xfrm>
           <a:prstGeom prst="rect">
             <a:avLst/>
@@ -23090,13 +23536,13 @@
         </p:nvSpPr>
         <p:spPr>
           <a:xfrm>
-            <a:off x="1040676" y="233848"/>
-            <a:ext cx="2406956" cy="1026367"/>
+            <a:off x="270123" y="95813"/>
+            <a:ext cx="2406956" cy="621118"/>
           </a:xfrm>
         </p:spPr>
         <p:txBody>
           <a:bodyPr anchor="b">
-            <a:normAutofit/>
+            <a:normAutofit fontScale="90000"/>
           </a:bodyPr>
           <a:lstStyle/>
           <a:p>
@@ -23131,7 +23577,7 @@
         </p:nvSpPr>
         <p:spPr>
           <a:xfrm>
-            <a:off x="4493694" y="1914446"/>
+            <a:off x="4488308" y="1618728"/>
             <a:ext cx="5550366" cy="2304602"/>
           </a:xfrm>
         </p:spPr>
@@ -23394,7 +23840,7 @@
         </p:nvSpPr>
         <p:spPr>
           <a:xfrm>
-            <a:off x="4493694" y="3985618"/>
+            <a:off x="4431834" y="3658253"/>
             <a:ext cx="5550366" cy="1496310"/>
           </a:xfrm>
           <a:prstGeom prst="rect">
@@ -23585,7 +24031,7 @@
                 <a:latin typeface="Times New Roman" panose="02020603050405020304" pitchFamily="18" charset="0"/>
                 <a:cs typeface="Times New Roman" panose="02020603050405020304" pitchFamily="18" charset="0"/>
               </a:rPr>
-              <a:t>Motiver par l’envie de découvrir des livres qui ne sont pas proposés par des grandes publicités.</a:t>
+              <a:t>Motiver par l’envie de découvrir des livres qui ne sont pas proposés par des grandes publicités. </a:t>
             </a:r>
           </a:p>
           <a:p>
@@ -23660,7 +24106,7 @@
           </p:nvPr>
         </p:nvPicPr>
         <p:blipFill>
-          <a:blip r:embed="rId12">
+          <a:blip r:embed="rId13">
             <a:extLst>
               <a:ext uri="{28A0092B-C50C-407E-A947-70E740481C1C}">
                 <a14:useLocalDpi xmlns:a14="http://schemas.microsoft.com/office/drawing/2010/main" val="0"/>
@@ -23673,7 +24119,7 @@
         </p:blipFill>
         <p:spPr>
           <a:xfrm>
-            <a:off x="439510" y="1951020"/>
+            <a:off x="439510" y="2019844"/>
             <a:ext cx="3271178" cy="3271178"/>
           </a:xfrm>
           <a:prstGeom prst="rect">
@@ -23701,7 +24147,7 @@
         </p:nvSpPr>
         <p:spPr>
           <a:xfrm>
-            <a:off x="270124" y="5481329"/>
+            <a:off x="270123" y="750591"/>
             <a:ext cx="3948060" cy="330169"/>
           </a:xfrm>
           <a:prstGeom prst="rect">
@@ -23921,8 +24367,8 @@
         </p:nvSpPr>
         <p:spPr>
           <a:xfrm>
-            <a:off x="270123" y="5810900"/>
-            <a:ext cx="7143399" cy="330169"/>
+            <a:off x="270123" y="1084628"/>
+            <a:ext cx="3768477" cy="330169"/>
           </a:xfrm>
           <a:prstGeom prst="rect">
             <a:avLst/>
@@ -24121,6 +24567,271 @@
           </a:p>
         </p:txBody>
       </p:sp>
+      <p:sp>
+        <p:nvSpPr>
+          <p:cNvPr id="6" name="Flèche : angle droit 5">
+            <a:extLst>
+              <a:ext uri="{FF2B5EF4-FFF2-40B4-BE49-F238E27FC236}">
+                <a16:creationId xmlns:a16="http://schemas.microsoft.com/office/drawing/2014/main" id="{80ACDBAE-A2CF-8248-87E8-8C849C2DEC2C}"/>
+              </a:ext>
+            </a:extLst>
+          </p:cNvPr>
+          <p:cNvSpPr/>
+          <p:nvPr/>
+        </p:nvSpPr>
+        <p:spPr>
+          <a:xfrm rot="5400000">
+            <a:off x="5598695" y="5026747"/>
+            <a:ext cx="497305" cy="421599"/>
+          </a:xfrm>
+          <a:prstGeom prst="bentUpArrow">
+            <a:avLst/>
+          </a:prstGeom>
+          <a:solidFill>
+            <a:schemeClr val="tx1"/>
+          </a:solidFill>
+        </p:spPr>
+        <p:style>
+          <a:lnRef idx="2">
+            <a:schemeClr val="accent1">
+              <a:shade val="15000"/>
+            </a:schemeClr>
+          </a:lnRef>
+          <a:fillRef idx="1">
+            <a:schemeClr val="accent1"/>
+          </a:fillRef>
+          <a:effectRef idx="0">
+            <a:schemeClr val="accent1"/>
+          </a:effectRef>
+          <a:fontRef idx="minor">
+            <a:schemeClr val="lt1"/>
+          </a:fontRef>
+        </p:style>
+        <p:txBody>
+          <a:bodyPr rtlCol="0" anchor="ctr"/>
+          <a:lstStyle/>
+          <a:p>
+            <a:pPr algn="ctr"/>
+            <a:endParaRPr lang="fr-FR" dirty="0">
+              <a:solidFill>
+                <a:schemeClr val="tx1"/>
+              </a:solidFill>
+              <a:highlight>
+                <a:srgbClr val="000000"/>
+              </a:highlight>
+            </a:endParaRPr>
+          </a:p>
+        </p:txBody>
+      </p:sp>
+      <p:sp>
+        <p:nvSpPr>
+          <p:cNvPr id="8" name="Espace réservé du contenu 6">
+            <a:extLst>
+              <a:ext uri="{FF2B5EF4-FFF2-40B4-BE49-F238E27FC236}">
+                <a16:creationId xmlns:a16="http://schemas.microsoft.com/office/drawing/2014/main" id="{8469BE72-D367-25F1-47A5-19AC05EF4E08}"/>
+              </a:ext>
+            </a:extLst>
+          </p:cNvPr>
+          <p:cNvSpPr txBox="1">
+            <a:spLocks/>
+          </p:cNvSpPr>
+          <p:nvPr>
+            <p:custDataLst>
+              <p:tags r:id="rId11"/>
+            </p:custDataLst>
+          </p:nvPr>
+        </p:nvSpPr>
+        <p:spPr>
+          <a:xfrm>
+            <a:off x="6096000" y="5108857"/>
+            <a:ext cx="5550366" cy="708082"/>
+          </a:xfrm>
+          <a:prstGeom prst="rect">
+            <a:avLst/>
+          </a:prstGeom>
+        </p:spPr>
+        <p:txBody>
+          <a:bodyPr vert="horz" lIns="91440" tIns="45720" rIns="91440" bIns="45720" rtlCol="0" anchor="t">
+            <a:noAutofit/>
+          </a:bodyPr>
+          <a:lstStyle>
+            <a:lvl1pPr marL="228600" indent="-228600" algn="l" defTabSz="914400" rtl="0" eaLnBrk="1" latinLnBrk="0" hangingPunct="1">
+              <a:lnSpc>
+                <a:spcPct val="90000"/>
+              </a:lnSpc>
+              <a:spcBef>
+                <a:spcPts val="1000"/>
+              </a:spcBef>
+              <a:buFont typeface="Arial" panose="020B0604020202020204" pitchFamily="34" charset="0"/>
+              <a:buChar char="•"/>
+              <a:defRPr sz="2800" kern="1200">
+                <a:solidFill>
+                  <a:schemeClr val="tx1"/>
+                </a:solidFill>
+                <a:latin typeface="+mn-lt"/>
+                <a:ea typeface="+mn-ea"/>
+                <a:cs typeface="+mn-cs"/>
+              </a:defRPr>
+            </a:lvl1pPr>
+            <a:lvl2pPr marL="685800" indent="-228600" algn="l" defTabSz="914400" rtl="0" eaLnBrk="1" latinLnBrk="0" hangingPunct="1">
+              <a:lnSpc>
+                <a:spcPct val="90000"/>
+              </a:lnSpc>
+              <a:spcBef>
+                <a:spcPts val="500"/>
+              </a:spcBef>
+              <a:buFont typeface="Arial" panose="020B0604020202020204" pitchFamily="34" charset="0"/>
+              <a:buChar char="•"/>
+              <a:defRPr sz="2400" kern="1200">
+                <a:solidFill>
+                  <a:schemeClr val="tx1"/>
+                </a:solidFill>
+                <a:latin typeface="+mn-lt"/>
+                <a:ea typeface="+mn-ea"/>
+                <a:cs typeface="+mn-cs"/>
+              </a:defRPr>
+            </a:lvl2pPr>
+            <a:lvl3pPr marL="1143000" indent="-228600" algn="l" defTabSz="914400" rtl="0" eaLnBrk="1" latinLnBrk="0" hangingPunct="1">
+              <a:lnSpc>
+                <a:spcPct val="90000"/>
+              </a:lnSpc>
+              <a:spcBef>
+                <a:spcPts val="500"/>
+              </a:spcBef>
+              <a:buFont typeface="Arial" panose="020B0604020202020204" pitchFamily="34" charset="0"/>
+              <a:buChar char="•"/>
+              <a:defRPr sz="2000" kern="1200">
+                <a:solidFill>
+                  <a:schemeClr val="tx1"/>
+                </a:solidFill>
+                <a:latin typeface="+mn-lt"/>
+                <a:ea typeface="+mn-ea"/>
+                <a:cs typeface="+mn-cs"/>
+              </a:defRPr>
+            </a:lvl3pPr>
+            <a:lvl4pPr marL="1600200" indent="-228600" algn="l" defTabSz="914400" rtl="0" eaLnBrk="1" latinLnBrk="0" hangingPunct="1">
+              <a:lnSpc>
+                <a:spcPct val="90000"/>
+              </a:lnSpc>
+              <a:spcBef>
+                <a:spcPts val="500"/>
+              </a:spcBef>
+              <a:buFont typeface="Arial" panose="020B0604020202020204" pitchFamily="34" charset="0"/>
+              <a:buChar char="•"/>
+              <a:defRPr sz="1800" kern="1200">
+                <a:solidFill>
+                  <a:schemeClr val="tx1"/>
+                </a:solidFill>
+                <a:latin typeface="+mn-lt"/>
+                <a:ea typeface="+mn-ea"/>
+                <a:cs typeface="+mn-cs"/>
+              </a:defRPr>
+            </a:lvl4pPr>
+            <a:lvl5pPr marL="2057400" indent="-228600" algn="l" defTabSz="914400" rtl="0" eaLnBrk="1" latinLnBrk="0" hangingPunct="1">
+              <a:lnSpc>
+                <a:spcPct val="90000"/>
+              </a:lnSpc>
+              <a:spcBef>
+                <a:spcPts val="500"/>
+              </a:spcBef>
+              <a:buFont typeface="Arial" panose="020B0604020202020204" pitchFamily="34" charset="0"/>
+              <a:buChar char="•"/>
+              <a:defRPr sz="1800" kern="1200">
+                <a:solidFill>
+                  <a:schemeClr val="tx1"/>
+                </a:solidFill>
+                <a:latin typeface="+mn-lt"/>
+                <a:ea typeface="+mn-ea"/>
+                <a:cs typeface="+mn-cs"/>
+              </a:defRPr>
+            </a:lvl5pPr>
+            <a:lvl6pPr marL="2514600" indent="-228600" algn="l" defTabSz="914400" rtl="0" eaLnBrk="1" latinLnBrk="0" hangingPunct="1">
+              <a:lnSpc>
+                <a:spcPct val="90000"/>
+              </a:lnSpc>
+              <a:spcBef>
+                <a:spcPts val="500"/>
+              </a:spcBef>
+              <a:buFont typeface="Arial" panose="020B0604020202020204" pitchFamily="34" charset="0"/>
+              <a:buChar char="•"/>
+              <a:defRPr sz="1800" kern="1200">
+                <a:solidFill>
+                  <a:schemeClr val="tx1"/>
+                </a:solidFill>
+                <a:latin typeface="+mn-lt"/>
+                <a:ea typeface="+mn-ea"/>
+                <a:cs typeface="+mn-cs"/>
+              </a:defRPr>
+            </a:lvl6pPr>
+            <a:lvl7pPr marL="2971800" indent="-228600" algn="l" defTabSz="914400" rtl="0" eaLnBrk="1" latinLnBrk="0" hangingPunct="1">
+              <a:lnSpc>
+                <a:spcPct val="90000"/>
+              </a:lnSpc>
+              <a:spcBef>
+                <a:spcPts val="500"/>
+              </a:spcBef>
+              <a:buFont typeface="Arial" panose="020B0604020202020204" pitchFamily="34" charset="0"/>
+              <a:buChar char="•"/>
+              <a:defRPr sz="1800" kern="1200">
+                <a:solidFill>
+                  <a:schemeClr val="tx1"/>
+                </a:solidFill>
+                <a:latin typeface="+mn-lt"/>
+                <a:ea typeface="+mn-ea"/>
+                <a:cs typeface="+mn-cs"/>
+              </a:defRPr>
+            </a:lvl7pPr>
+            <a:lvl8pPr marL="3429000" indent="-228600" algn="l" defTabSz="914400" rtl="0" eaLnBrk="1" latinLnBrk="0" hangingPunct="1">
+              <a:lnSpc>
+                <a:spcPct val="90000"/>
+              </a:lnSpc>
+              <a:spcBef>
+                <a:spcPts val="500"/>
+              </a:spcBef>
+              <a:buFont typeface="Arial" panose="020B0604020202020204" pitchFamily="34" charset="0"/>
+              <a:buChar char="•"/>
+              <a:defRPr sz="1800" kern="1200">
+                <a:solidFill>
+                  <a:schemeClr val="tx1"/>
+                </a:solidFill>
+                <a:latin typeface="+mn-lt"/>
+                <a:ea typeface="+mn-ea"/>
+                <a:cs typeface="+mn-cs"/>
+              </a:defRPr>
+            </a:lvl8pPr>
+            <a:lvl9pPr marL="3886200" indent="-228600" algn="l" defTabSz="914400" rtl="0" eaLnBrk="1" latinLnBrk="0" hangingPunct="1">
+              <a:lnSpc>
+                <a:spcPct val="90000"/>
+              </a:lnSpc>
+              <a:spcBef>
+                <a:spcPts val="500"/>
+              </a:spcBef>
+              <a:buFont typeface="Arial" panose="020B0604020202020204" pitchFamily="34" charset="0"/>
+              <a:buChar char="•"/>
+              <a:defRPr sz="1800" kern="1200">
+                <a:solidFill>
+                  <a:schemeClr val="tx1"/>
+                </a:solidFill>
+                <a:latin typeface="+mn-lt"/>
+                <a:ea typeface="+mn-ea"/>
+                <a:cs typeface="+mn-cs"/>
+              </a:defRPr>
+            </a:lvl9pPr>
+          </a:lstStyle>
+          <a:p>
+            <a:pPr marL="0" indent="0" algn="just">
+              <a:buNone/>
+            </a:pPr>
+            <a:r>
+              <a:rPr lang="fr-FR" sz="1800" dirty="0">
+                <a:latin typeface="Times New Roman" panose="02020603050405020304" pitchFamily="18" charset="0"/>
+                <a:cs typeface="Times New Roman" panose="02020603050405020304" pitchFamily="18" charset="0"/>
+              </a:rPr>
+              <a:t>Camille souhaite découvrir des livres grâce à des recommandations dans une discussion</a:t>
+            </a:r>
+          </a:p>
+        </p:txBody>
+      </p:sp>
     </p:spTree>
     <p:extLst>
       <p:ext uri="{BB962C8B-B14F-4D97-AF65-F5344CB8AC3E}">
@@ -24251,8 +24962,8 @@
         </p:nvSpPr>
         <p:spPr>
           <a:xfrm>
-            <a:off x="1040676" y="149650"/>
-            <a:ext cx="2406956" cy="1026367"/>
+            <a:off x="337815" y="22519"/>
+            <a:ext cx="2406956" cy="679250"/>
           </a:xfrm>
         </p:spPr>
         <p:txBody>
@@ -24292,7 +25003,7 @@
         </p:nvSpPr>
         <p:spPr>
           <a:xfrm>
-            <a:off x="4514014" y="1520497"/>
+            <a:off x="4514014" y="1264849"/>
             <a:ext cx="5550366" cy="2304602"/>
           </a:xfrm>
         </p:spPr>
@@ -24559,7 +25270,7 @@
         </p:nvSpPr>
         <p:spPr>
           <a:xfrm>
-            <a:off x="4514014" y="3825099"/>
+            <a:off x="4514014" y="3480959"/>
             <a:ext cx="5550366" cy="1834021"/>
           </a:xfrm>
           <a:prstGeom prst="rect">
@@ -24829,7 +25540,7 @@
           <p:nvPr/>
         </p:nvPicPr>
         <p:blipFill>
-          <a:blip r:embed="rId11">
+          <a:blip r:embed="rId12">
             <a:extLst>
               <a:ext uri="{28A0092B-C50C-407E-A947-70E740481C1C}">
                 <a14:useLocalDpi xmlns:a14="http://schemas.microsoft.com/office/drawing/2010/main" val="0"/>
@@ -24842,7 +25553,7 @@
         </p:blipFill>
         <p:spPr>
           <a:xfrm>
-            <a:off x="416473" y="1911675"/>
+            <a:off x="416473" y="2383623"/>
             <a:ext cx="3240428" cy="3240428"/>
           </a:xfrm>
           <a:prstGeom prst="rect">
@@ -24870,7 +25581,7 @@
         </p:nvSpPr>
         <p:spPr>
           <a:xfrm>
-            <a:off x="416473" y="5378654"/>
+            <a:off x="337815" y="835005"/>
             <a:ext cx="2992513" cy="568099"/>
           </a:xfrm>
           <a:prstGeom prst="rect">
@@ -25090,8 +25801,8 @@
         </p:nvSpPr>
         <p:spPr>
           <a:xfrm>
-            <a:off x="416473" y="5723685"/>
-            <a:ext cx="7380359" cy="568099"/>
+            <a:off x="337815" y="1196300"/>
+            <a:ext cx="3240429" cy="568099"/>
           </a:xfrm>
           <a:prstGeom prst="rect">
             <a:avLst/>
@@ -25290,6 +26001,278 @@
           </a:p>
         </p:txBody>
       </p:sp>
+      <p:sp>
+        <p:nvSpPr>
+          <p:cNvPr id="5" name="Flèche : angle droit 4">
+            <a:extLst>
+              <a:ext uri="{FF2B5EF4-FFF2-40B4-BE49-F238E27FC236}">
+                <a16:creationId xmlns:a16="http://schemas.microsoft.com/office/drawing/2014/main" id="{8658B9F7-3CB8-CA5E-A8A2-559217869CB2}"/>
+              </a:ext>
+            </a:extLst>
+          </p:cNvPr>
+          <p:cNvSpPr/>
+          <p:nvPr/>
+        </p:nvSpPr>
+        <p:spPr>
+          <a:xfrm rot="5400000">
+            <a:off x="5773389" y="5357258"/>
+            <a:ext cx="497305" cy="421599"/>
+          </a:xfrm>
+          <a:prstGeom prst="bentUpArrow">
+            <a:avLst/>
+          </a:prstGeom>
+          <a:solidFill>
+            <a:schemeClr val="tx1"/>
+          </a:solidFill>
+        </p:spPr>
+        <p:style>
+          <a:lnRef idx="2">
+            <a:schemeClr val="accent1">
+              <a:shade val="15000"/>
+            </a:schemeClr>
+          </a:lnRef>
+          <a:fillRef idx="1">
+            <a:schemeClr val="accent1"/>
+          </a:fillRef>
+          <a:effectRef idx="0">
+            <a:schemeClr val="accent1"/>
+          </a:effectRef>
+          <a:fontRef idx="minor">
+            <a:schemeClr val="lt1"/>
+          </a:fontRef>
+        </p:style>
+        <p:txBody>
+          <a:bodyPr rtlCol="0" anchor="ctr"/>
+          <a:lstStyle/>
+          <a:p>
+            <a:pPr algn="ctr"/>
+            <a:endParaRPr lang="fr-FR" dirty="0">
+              <a:solidFill>
+                <a:schemeClr val="tx1"/>
+              </a:solidFill>
+              <a:highlight>
+                <a:srgbClr val="000000"/>
+              </a:highlight>
+            </a:endParaRPr>
+          </a:p>
+        </p:txBody>
+      </p:sp>
+      <p:sp>
+        <p:nvSpPr>
+          <p:cNvPr id="8" name="Espace réservé du contenu 6">
+            <a:extLst>
+              <a:ext uri="{FF2B5EF4-FFF2-40B4-BE49-F238E27FC236}">
+                <a16:creationId xmlns:a16="http://schemas.microsoft.com/office/drawing/2014/main" id="{1752539A-FA7B-3A2D-69B4-78E0884F6765}"/>
+              </a:ext>
+            </a:extLst>
+          </p:cNvPr>
+          <p:cNvSpPr txBox="1">
+            <a:spLocks/>
+          </p:cNvSpPr>
+          <p:nvPr>
+            <p:custDataLst>
+              <p:tags r:id="rId10"/>
+            </p:custDataLst>
+          </p:nvPr>
+        </p:nvSpPr>
+        <p:spPr>
+          <a:xfrm>
+            <a:off x="6273461" y="5402578"/>
+            <a:ext cx="5550366" cy="772224"/>
+          </a:xfrm>
+          <a:prstGeom prst="rect">
+            <a:avLst/>
+          </a:prstGeom>
+        </p:spPr>
+        <p:txBody>
+          <a:bodyPr vert="horz" lIns="91440" tIns="45720" rIns="91440" bIns="45720" rtlCol="0" anchor="t">
+            <a:noAutofit/>
+          </a:bodyPr>
+          <a:lstStyle>
+            <a:lvl1pPr marL="228600" indent="-228600" algn="l" defTabSz="914400" rtl="0" eaLnBrk="1" latinLnBrk="0" hangingPunct="1">
+              <a:lnSpc>
+                <a:spcPct val="90000"/>
+              </a:lnSpc>
+              <a:spcBef>
+                <a:spcPts val="1000"/>
+              </a:spcBef>
+              <a:buFont typeface="Arial" panose="020B0604020202020204" pitchFamily="34" charset="0"/>
+              <a:buChar char="•"/>
+              <a:defRPr sz="2800" kern="1200">
+                <a:solidFill>
+                  <a:schemeClr val="tx1"/>
+                </a:solidFill>
+                <a:latin typeface="+mn-lt"/>
+                <a:ea typeface="+mn-ea"/>
+                <a:cs typeface="+mn-cs"/>
+              </a:defRPr>
+            </a:lvl1pPr>
+            <a:lvl2pPr marL="685800" indent="-228600" algn="l" defTabSz="914400" rtl="0" eaLnBrk="1" latinLnBrk="0" hangingPunct="1">
+              <a:lnSpc>
+                <a:spcPct val="90000"/>
+              </a:lnSpc>
+              <a:spcBef>
+                <a:spcPts val="500"/>
+              </a:spcBef>
+              <a:buFont typeface="Arial" panose="020B0604020202020204" pitchFamily="34" charset="0"/>
+              <a:buChar char="•"/>
+              <a:defRPr sz="2400" kern="1200">
+                <a:solidFill>
+                  <a:schemeClr val="tx1"/>
+                </a:solidFill>
+                <a:latin typeface="+mn-lt"/>
+                <a:ea typeface="+mn-ea"/>
+                <a:cs typeface="+mn-cs"/>
+              </a:defRPr>
+            </a:lvl2pPr>
+            <a:lvl3pPr marL="1143000" indent="-228600" algn="l" defTabSz="914400" rtl="0" eaLnBrk="1" latinLnBrk="0" hangingPunct="1">
+              <a:lnSpc>
+                <a:spcPct val="90000"/>
+              </a:lnSpc>
+              <a:spcBef>
+                <a:spcPts val="500"/>
+              </a:spcBef>
+              <a:buFont typeface="Arial" panose="020B0604020202020204" pitchFamily="34" charset="0"/>
+              <a:buChar char="•"/>
+              <a:defRPr sz="2000" kern="1200">
+                <a:solidFill>
+                  <a:schemeClr val="tx1"/>
+                </a:solidFill>
+                <a:latin typeface="+mn-lt"/>
+                <a:ea typeface="+mn-ea"/>
+                <a:cs typeface="+mn-cs"/>
+              </a:defRPr>
+            </a:lvl3pPr>
+            <a:lvl4pPr marL="1600200" indent="-228600" algn="l" defTabSz="914400" rtl="0" eaLnBrk="1" latinLnBrk="0" hangingPunct="1">
+              <a:lnSpc>
+                <a:spcPct val="90000"/>
+              </a:lnSpc>
+              <a:spcBef>
+                <a:spcPts val="500"/>
+              </a:spcBef>
+              <a:buFont typeface="Arial" panose="020B0604020202020204" pitchFamily="34" charset="0"/>
+              <a:buChar char="•"/>
+              <a:defRPr sz="1800" kern="1200">
+                <a:solidFill>
+                  <a:schemeClr val="tx1"/>
+                </a:solidFill>
+                <a:latin typeface="+mn-lt"/>
+                <a:ea typeface="+mn-ea"/>
+                <a:cs typeface="+mn-cs"/>
+              </a:defRPr>
+            </a:lvl4pPr>
+            <a:lvl5pPr marL="2057400" indent="-228600" algn="l" defTabSz="914400" rtl="0" eaLnBrk="1" latinLnBrk="0" hangingPunct="1">
+              <a:lnSpc>
+                <a:spcPct val="90000"/>
+              </a:lnSpc>
+              <a:spcBef>
+                <a:spcPts val="500"/>
+              </a:spcBef>
+              <a:buFont typeface="Arial" panose="020B0604020202020204" pitchFamily="34" charset="0"/>
+              <a:buChar char="•"/>
+              <a:defRPr sz="1800" kern="1200">
+                <a:solidFill>
+                  <a:schemeClr val="tx1"/>
+                </a:solidFill>
+                <a:latin typeface="+mn-lt"/>
+                <a:ea typeface="+mn-ea"/>
+                <a:cs typeface="+mn-cs"/>
+              </a:defRPr>
+            </a:lvl5pPr>
+            <a:lvl6pPr marL="2514600" indent="-228600" algn="l" defTabSz="914400" rtl="0" eaLnBrk="1" latinLnBrk="0" hangingPunct="1">
+              <a:lnSpc>
+                <a:spcPct val="90000"/>
+              </a:lnSpc>
+              <a:spcBef>
+                <a:spcPts val="500"/>
+              </a:spcBef>
+              <a:buFont typeface="Arial" panose="020B0604020202020204" pitchFamily="34" charset="0"/>
+              <a:buChar char="•"/>
+              <a:defRPr sz="1800" kern="1200">
+                <a:solidFill>
+                  <a:schemeClr val="tx1"/>
+                </a:solidFill>
+                <a:latin typeface="+mn-lt"/>
+                <a:ea typeface="+mn-ea"/>
+                <a:cs typeface="+mn-cs"/>
+              </a:defRPr>
+            </a:lvl6pPr>
+            <a:lvl7pPr marL="2971800" indent="-228600" algn="l" defTabSz="914400" rtl="0" eaLnBrk="1" latinLnBrk="0" hangingPunct="1">
+              <a:lnSpc>
+                <a:spcPct val="90000"/>
+              </a:lnSpc>
+              <a:spcBef>
+                <a:spcPts val="500"/>
+              </a:spcBef>
+              <a:buFont typeface="Arial" panose="020B0604020202020204" pitchFamily="34" charset="0"/>
+              <a:buChar char="•"/>
+              <a:defRPr sz="1800" kern="1200">
+                <a:solidFill>
+                  <a:schemeClr val="tx1"/>
+                </a:solidFill>
+                <a:latin typeface="+mn-lt"/>
+                <a:ea typeface="+mn-ea"/>
+                <a:cs typeface="+mn-cs"/>
+              </a:defRPr>
+            </a:lvl7pPr>
+            <a:lvl8pPr marL="3429000" indent="-228600" algn="l" defTabSz="914400" rtl="0" eaLnBrk="1" latinLnBrk="0" hangingPunct="1">
+              <a:lnSpc>
+                <a:spcPct val="90000"/>
+              </a:lnSpc>
+              <a:spcBef>
+                <a:spcPts val="500"/>
+              </a:spcBef>
+              <a:buFont typeface="Arial" panose="020B0604020202020204" pitchFamily="34" charset="0"/>
+              <a:buChar char="•"/>
+              <a:defRPr sz="1800" kern="1200">
+                <a:solidFill>
+                  <a:schemeClr val="tx1"/>
+                </a:solidFill>
+                <a:latin typeface="+mn-lt"/>
+                <a:ea typeface="+mn-ea"/>
+                <a:cs typeface="+mn-cs"/>
+              </a:defRPr>
+            </a:lvl8pPr>
+            <a:lvl9pPr marL="3886200" indent="-228600" algn="l" defTabSz="914400" rtl="0" eaLnBrk="1" latinLnBrk="0" hangingPunct="1">
+              <a:lnSpc>
+                <a:spcPct val="90000"/>
+              </a:lnSpc>
+              <a:spcBef>
+                <a:spcPts val="500"/>
+              </a:spcBef>
+              <a:buFont typeface="Arial" panose="020B0604020202020204" pitchFamily="34" charset="0"/>
+              <a:buChar char="•"/>
+              <a:defRPr sz="1800" kern="1200">
+                <a:solidFill>
+                  <a:schemeClr val="tx1"/>
+                </a:solidFill>
+                <a:latin typeface="+mn-lt"/>
+                <a:ea typeface="+mn-ea"/>
+                <a:cs typeface="+mn-cs"/>
+              </a:defRPr>
+            </a:lvl9pPr>
+          </a:lstStyle>
+          <a:p>
+            <a:pPr marL="0" indent="0" algn="just">
+              <a:buNone/>
+            </a:pPr>
+            <a:r>
+              <a:rPr lang="fr-FR" sz="1800" dirty="0">
+                <a:latin typeface="Times New Roman" panose="02020603050405020304" pitchFamily="18" charset="0"/>
+                <a:cs typeface="Times New Roman" panose="02020603050405020304" pitchFamily="18" charset="0"/>
+              </a:rPr>
+              <a:t>Luc souhaite faire découvrir ses livres et partager ses conseils aux plus jeunes lecteurs</a:t>
+            </a:r>
+            <a:r>
+              <a:rPr lang="fr-FR" sz="1800" b="1" dirty="0">
+                <a:latin typeface="Times New Roman" panose="02020603050405020304" pitchFamily="18" charset="0"/>
+                <a:cs typeface="Times New Roman" panose="02020603050405020304" pitchFamily="18" charset="0"/>
+              </a:rPr>
+              <a:t> </a:t>
+            </a:r>
+          </a:p>
+        </p:txBody>
+      </p:sp>
     </p:spTree>
     <p:extLst>
       <p:ext uri="{BB962C8B-B14F-4D97-AF65-F5344CB8AC3E}">
@@ -25420,13 +26403,13 @@
         </p:nvSpPr>
         <p:spPr>
           <a:xfrm>
-            <a:off x="995262" y="149650"/>
-            <a:ext cx="2406956" cy="1026367"/>
+            <a:off x="130024" y="96337"/>
+            <a:ext cx="2406956" cy="625411"/>
           </a:xfrm>
         </p:spPr>
         <p:txBody>
           <a:bodyPr anchor="b">
-            <a:normAutofit/>
+            <a:normAutofit fontScale="90000"/>
           </a:bodyPr>
           <a:lstStyle/>
           <a:p>
@@ -26045,7 +27028,7 @@
           </p:nvPr>
         </p:nvPicPr>
         <p:blipFill>
-          <a:blip r:embed="rId12">
+          <a:blip r:embed="rId13">
             <a:extLst>
               <a:ext uri="{28A0092B-C50C-407E-A947-70E740481C1C}">
                 <a14:useLocalDpi xmlns:a14="http://schemas.microsoft.com/office/drawing/2010/main" val="0"/>
@@ -26058,7 +27041,7 @@
         </p:blipFill>
         <p:spPr>
           <a:xfrm>
-            <a:off x="624315" y="1854575"/>
+            <a:off x="576449" y="2396599"/>
             <a:ext cx="3148850" cy="3148850"/>
           </a:xfrm>
           <a:prstGeom prst="rect">
@@ -26086,7 +27069,7 @@
         </p:nvSpPr>
         <p:spPr>
           <a:xfrm>
-            <a:off x="624315" y="5225209"/>
+            <a:off x="228848" y="869602"/>
             <a:ext cx="2700336" cy="456774"/>
           </a:xfrm>
           <a:prstGeom prst="rect">
@@ -26302,8 +27285,8 @@
         </p:nvSpPr>
         <p:spPr>
           <a:xfrm>
-            <a:off x="624315" y="5584617"/>
-            <a:ext cx="5720170" cy="456774"/>
+            <a:off x="228848" y="1241169"/>
+            <a:ext cx="3643141" cy="456774"/>
           </a:xfrm>
           <a:prstGeom prst="rect">
             <a:avLst/>
@@ -26506,6 +27489,271 @@
               <a:latin typeface="Times New Roman" panose="02020603050405020304" pitchFamily="18" charset="0"/>
               <a:cs typeface="Times New Roman" panose="02020603050405020304" pitchFamily="18" charset="0"/>
             </a:endParaRPr>
+          </a:p>
+        </p:txBody>
+      </p:sp>
+      <p:sp>
+        <p:nvSpPr>
+          <p:cNvPr id="8" name="Flèche : angle droit 7">
+            <a:extLst>
+              <a:ext uri="{FF2B5EF4-FFF2-40B4-BE49-F238E27FC236}">
+                <a16:creationId xmlns:a16="http://schemas.microsoft.com/office/drawing/2014/main" id="{A7F29E58-54EF-B98D-1AB5-534644622F10}"/>
+              </a:ext>
+            </a:extLst>
+          </p:cNvPr>
+          <p:cNvSpPr/>
+          <p:nvPr/>
+        </p:nvSpPr>
+        <p:spPr>
+          <a:xfrm rot="5400000">
+            <a:off x="5048088" y="5648036"/>
+            <a:ext cx="497305" cy="421599"/>
+          </a:xfrm>
+          <a:prstGeom prst="bentUpArrow">
+            <a:avLst/>
+          </a:prstGeom>
+          <a:solidFill>
+            <a:schemeClr val="tx1"/>
+          </a:solidFill>
+        </p:spPr>
+        <p:style>
+          <a:lnRef idx="2">
+            <a:schemeClr val="accent1">
+              <a:shade val="15000"/>
+            </a:schemeClr>
+          </a:lnRef>
+          <a:fillRef idx="1">
+            <a:schemeClr val="accent1"/>
+          </a:fillRef>
+          <a:effectRef idx="0">
+            <a:schemeClr val="accent1"/>
+          </a:effectRef>
+          <a:fontRef idx="minor">
+            <a:schemeClr val="lt1"/>
+          </a:fontRef>
+        </p:style>
+        <p:txBody>
+          <a:bodyPr rtlCol="0" anchor="ctr"/>
+          <a:lstStyle/>
+          <a:p>
+            <a:pPr algn="ctr"/>
+            <a:endParaRPr lang="fr-FR" dirty="0">
+              <a:solidFill>
+                <a:schemeClr val="tx1"/>
+              </a:solidFill>
+              <a:highlight>
+                <a:srgbClr val="000000"/>
+              </a:highlight>
+            </a:endParaRPr>
+          </a:p>
+        </p:txBody>
+      </p:sp>
+      <p:sp>
+        <p:nvSpPr>
+          <p:cNvPr id="9" name="Espace réservé du contenu 6">
+            <a:extLst>
+              <a:ext uri="{FF2B5EF4-FFF2-40B4-BE49-F238E27FC236}">
+                <a16:creationId xmlns:a16="http://schemas.microsoft.com/office/drawing/2014/main" id="{AC5D918C-8767-FF64-C8BE-433A7EF113F8}"/>
+              </a:ext>
+            </a:extLst>
+          </p:cNvPr>
+          <p:cNvSpPr txBox="1">
+            <a:spLocks/>
+          </p:cNvSpPr>
+          <p:nvPr>
+            <p:custDataLst>
+              <p:tags r:id="rId11"/>
+            </p:custDataLst>
+          </p:nvPr>
+        </p:nvSpPr>
+        <p:spPr>
+          <a:xfrm>
+            <a:off x="5680417" y="5568983"/>
+            <a:ext cx="3643141" cy="456774"/>
+          </a:xfrm>
+          <a:prstGeom prst="rect">
+            <a:avLst/>
+          </a:prstGeom>
+        </p:spPr>
+        <p:txBody>
+          <a:bodyPr vert="horz" lIns="91440" tIns="45720" rIns="91440" bIns="45720" rtlCol="0" anchor="t">
+            <a:noAutofit/>
+          </a:bodyPr>
+          <a:lstStyle>
+            <a:lvl1pPr marL="228600" indent="-228600" algn="l" defTabSz="914400" rtl="0" eaLnBrk="1" latinLnBrk="0" hangingPunct="1">
+              <a:lnSpc>
+                <a:spcPct val="90000"/>
+              </a:lnSpc>
+              <a:spcBef>
+                <a:spcPts val="1000"/>
+              </a:spcBef>
+              <a:buFont typeface="Arial" panose="020B0604020202020204" pitchFamily="34" charset="0"/>
+              <a:buChar char="•"/>
+              <a:defRPr sz="2800" kern="1200">
+                <a:solidFill>
+                  <a:schemeClr val="tx1"/>
+                </a:solidFill>
+                <a:latin typeface="+mn-lt"/>
+                <a:ea typeface="+mn-ea"/>
+                <a:cs typeface="+mn-cs"/>
+              </a:defRPr>
+            </a:lvl1pPr>
+            <a:lvl2pPr marL="685800" indent="-228600" algn="l" defTabSz="914400" rtl="0" eaLnBrk="1" latinLnBrk="0" hangingPunct="1">
+              <a:lnSpc>
+                <a:spcPct val="90000"/>
+              </a:lnSpc>
+              <a:spcBef>
+                <a:spcPts val="500"/>
+              </a:spcBef>
+              <a:buFont typeface="Arial" panose="020B0604020202020204" pitchFamily="34" charset="0"/>
+              <a:buChar char="•"/>
+              <a:defRPr sz="2400" kern="1200">
+                <a:solidFill>
+                  <a:schemeClr val="tx1"/>
+                </a:solidFill>
+                <a:latin typeface="+mn-lt"/>
+                <a:ea typeface="+mn-ea"/>
+                <a:cs typeface="+mn-cs"/>
+              </a:defRPr>
+            </a:lvl2pPr>
+            <a:lvl3pPr marL="1143000" indent="-228600" algn="l" defTabSz="914400" rtl="0" eaLnBrk="1" latinLnBrk="0" hangingPunct="1">
+              <a:lnSpc>
+                <a:spcPct val="90000"/>
+              </a:lnSpc>
+              <a:spcBef>
+                <a:spcPts val="500"/>
+              </a:spcBef>
+              <a:buFont typeface="Arial" panose="020B0604020202020204" pitchFamily="34" charset="0"/>
+              <a:buChar char="•"/>
+              <a:defRPr sz="2000" kern="1200">
+                <a:solidFill>
+                  <a:schemeClr val="tx1"/>
+                </a:solidFill>
+                <a:latin typeface="+mn-lt"/>
+                <a:ea typeface="+mn-ea"/>
+                <a:cs typeface="+mn-cs"/>
+              </a:defRPr>
+            </a:lvl3pPr>
+            <a:lvl4pPr marL="1600200" indent="-228600" algn="l" defTabSz="914400" rtl="0" eaLnBrk="1" latinLnBrk="0" hangingPunct="1">
+              <a:lnSpc>
+                <a:spcPct val="90000"/>
+              </a:lnSpc>
+              <a:spcBef>
+                <a:spcPts val="500"/>
+              </a:spcBef>
+              <a:buFont typeface="Arial" panose="020B0604020202020204" pitchFamily="34" charset="0"/>
+              <a:buChar char="•"/>
+              <a:defRPr sz="1800" kern="1200">
+                <a:solidFill>
+                  <a:schemeClr val="tx1"/>
+                </a:solidFill>
+                <a:latin typeface="+mn-lt"/>
+                <a:ea typeface="+mn-ea"/>
+                <a:cs typeface="+mn-cs"/>
+              </a:defRPr>
+            </a:lvl4pPr>
+            <a:lvl5pPr marL="2057400" indent="-228600" algn="l" defTabSz="914400" rtl="0" eaLnBrk="1" latinLnBrk="0" hangingPunct="1">
+              <a:lnSpc>
+                <a:spcPct val="90000"/>
+              </a:lnSpc>
+              <a:spcBef>
+                <a:spcPts val="500"/>
+              </a:spcBef>
+              <a:buFont typeface="Arial" panose="020B0604020202020204" pitchFamily="34" charset="0"/>
+              <a:buChar char="•"/>
+              <a:defRPr sz="1800" kern="1200">
+                <a:solidFill>
+                  <a:schemeClr val="tx1"/>
+                </a:solidFill>
+                <a:latin typeface="+mn-lt"/>
+                <a:ea typeface="+mn-ea"/>
+                <a:cs typeface="+mn-cs"/>
+              </a:defRPr>
+            </a:lvl5pPr>
+            <a:lvl6pPr marL="2514600" indent="-228600" algn="l" defTabSz="914400" rtl="0" eaLnBrk="1" latinLnBrk="0" hangingPunct="1">
+              <a:lnSpc>
+                <a:spcPct val="90000"/>
+              </a:lnSpc>
+              <a:spcBef>
+                <a:spcPts val="500"/>
+              </a:spcBef>
+              <a:buFont typeface="Arial" panose="020B0604020202020204" pitchFamily="34" charset="0"/>
+              <a:buChar char="•"/>
+              <a:defRPr sz="1800" kern="1200">
+                <a:solidFill>
+                  <a:schemeClr val="tx1"/>
+                </a:solidFill>
+                <a:latin typeface="+mn-lt"/>
+                <a:ea typeface="+mn-ea"/>
+                <a:cs typeface="+mn-cs"/>
+              </a:defRPr>
+            </a:lvl6pPr>
+            <a:lvl7pPr marL="2971800" indent="-228600" algn="l" defTabSz="914400" rtl="0" eaLnBrk="1" latinLnBrk="0" hangingPunct="1">
+              <a:lnSpc>
+                <a:spcPct val="90000"/>
+              </a:lnSpc>
+              <a:spcBef>
+                <a:spcPts val="500"/>
+              </a:spcBef>
+              <a:buFont typeface="Arial" panose="020B0604020202020204" pitchFamily="34" charset="0"/>
+              <a:buChar char="•"/>
+              <a:defRPr sz="1800" kern="1200">
+                <a:solidFill>
+                  <a:schemeClr val="tx1"/>
+                </a:solidFill>
+                <a:latin typeface="+mn-lt"/>
+                <a:ea typeface="+mn-ea"/>
+                <a:cs typeface="+mn-cs"/>
+              </a:defRPr>
+            </a:lvl7pPr>
+            <a:lvl8pPr marL="3429000" indent="-228600" algn="l" defTabSz="914400" rtl="0" eaLnBrk="1" latinLnBrk="0" hangingPunct="1">
+              <a:lnSpc>
+                <a:spcPct val="90000"/>
+              </a:lnSpc>
+              <a:spcBef>
+                <a:spcPts val="500"/>
+              </a:spcBef>
+              <a:buFont typeface="Arial" panose="020B0604020202020204" pitchFamily="34" charset="0"/>
+              <a:buChar char="•"/>
+              <a:defRPr sz="1800" kern="1200">
+                <a:solidFill>
+                  <a:schemeClr val="tx1"/>
+                </a:solidFill>
+                <a:latin typeface="+mn-lt"/>
+                <a:ea typeface="+mn-ea"/>
+                <a:cs typeface="+mn-cs"/>
+              </a:defRPr>
+            </a:lvl8pPr>
+            <a:lvl9pPr marL="3886200" indent="-228600" algn="l" defTabSz="914400" rtl="0" eaLnBrk="1" latinLnBrk="0" hangingPunct="1">
+              <a:lnSpc>
+                <a:spcPct val="90000"/>
+              </a:lnSpc>
+              <a:spcBef>
+                <a:spcPts val="500"/>
+              </a:spcBef>
+              <a:buFont typeface="Arial" panose="020B0604020202020204" pitchFamily="34" charset="0"/>
+              <a:buChar char="•"/>
+              <a:defRPr sz="1800" kern="1200">
+                <a:solidFill>
+                  <a:schemeClr val="tx1"/>
+                </a:solidFill>
+                <a:latin typeface="+mn-lt"/>
+                <a:ea typeface="+mn-ea"/>
+                <a:cs typeface="+mn-cs"/>
+              </a:defRPr>
+            </a:lvl9pPr>
+          </a:lstStyle>
+          <a:p>
+            <a:pPr marL="0" indent="0" algn="just">
+              <a:buNone/>
+            </a:pPr>
+            <a:r>
+              <a:rPr lang="fr-FR" sz="1800" dirty="0">
+                <a:latin typeface="Times New Roman" panose="02020603050405020304" pitchFamily="18" charset="0"/>
+                <a:cs typeface="Times New Roman" panose="02020603050405020304" pitchFamily="18" charset="0"/>
+              </a:rPr>
+              <a:t>Lola souhaite discuter avec des jeunes comme elle ayant les mêmes centres d’intérêts </a:t>
+            </a:r>
           </a:p>
         </p:txBody>
       </p:sp>
@@ -28262,43 +29510,43 @@
 
 <file path=ppt/tags/tag100.xml><?xml version="1.0" encoding="utf-8"?>
 <p:tagLst xmlns:a="http://schemas.openxmlformats.org/drawingml/2006/main" xmlns:r="http://schemas.openxmlformats.org/officeDocument/2006/relationships" xmlns:p="http://schemas.openxmlformats.org/presentationml/2006/main">
-  <p:tag name="NUM" val="13"/>
+  <p:tag name="NUM" val="10"/>
 </p:tagLst>
 </file>
 
 <file path=ppt/tags/tag101.xml><?xml version="1.0" encoding="utf-8"?>
 <p:tagLst xmlns:a="http://schemas.openxmlformats.org/drawingml/2006/main" xmlns:r="http://schemas.openxmlformats.org/officeDocument/2006/relationships" xmlns:p="http://schemas.openxmlformats.org/presentationml/2006/main">
-  <p:tag name="NUM" val="3"/>
+  <p:tag name="NUM" val="11"/>
 </p:tagLst>
 </file>
 
 <file path=ppt/tags/tag102.xml><?xml version="1.0" encoding="utf-8"?>
 <p:tagLst xmlns:a="http://schemas.openxmlformats.org/drawingml/2006/main" xmlns:r="http://schemas.openxmlformats.org/officeDocument/2006/relationships" xmlns:p="http://schemas.openxmlformats.org/presentationml/2006/main">
-  <p:tag name="NUM" val="5"/>
+  <p:tag name="NUM" val="12"/>
 </p:tagLst>
 </file>
 
 <file path=ppt/tags/tag103.xml><?xml version="1.0" encoding="utf-8"?>
 <p:tagLst xmlns:a="http://schemas.openxmlformats.org/drawingml/2006/main" xmlns:r="http://schemas.openxmlformats.org/officeDocument/2006/relationships" xmlns:p="http://schemas.openxmlformats.org/presentationml/2006/main">
-  <p:tag name="NUM" val="1"/>
+  <p:tag name="NUM" val="13"/>
 </p:tagLst>
 </file>
 
 <file path=ppt/tags/tag104.xml><?xml version="1.0" encoding="utf-8"?>
 <p:tagLst xmlns:a="http://schemas.openxmlformats.org/drawingml/2006/main" xmlns:r="http://schemas.openxmlformats.org/officeDocument/2006/relationships" xmlns:p="http://schemas.openxmlformats.org/presentationml/2006/main">
-  <p:tag name="NUM" val="2"/>
+  <p:tag name="NUM" val="13"/>
 </p:tagLst>
 </file>
 
 <file path=ppt/tags/tag105.xml><?xml version="1.0" encoding="utf-8"?>
 <p:tagLst xmlns:a="http://schemas.openxmlformats.org/drawingml/2006/main" xmlns:r="http://schemas.openxmlformats.org/officeDocument/2006/relationships" xmlns:p="http://schemas.openxmlformats.org/presentationml/2006/main">
-  <p:tag name="NUM" val="3"/>
+  <p:tag name="NUM" val="13"/>
 </p:tagLst>
 </file>
 
 <file path=ppt/tags/tag106.xml><?xml version="1.0" encoding="utf-8"?>
 <p:tagLst xmlns:a="http://schemas.openxmlformats.org/drawingml/2006/main" xmlns:r="http://schemas.openxmlformats.org/officeDocument/2006/relationships" xmlns:p="http://schemas.openxmlformats.org/presentationml/2006/main">
-  <p:tag name="NUM" val="4"/>
+  <p:tag name="NUM" val="3"/>
 </p:tagLst>
 </file>
 
@@ -28310,13 +29558,13 @@
 
 <file path=ppt/tags/tag108.xml><?xml version="1.0" encoding="utf-8"?>
 <p:tagLst xmlns:a="http://schemas.openxmlformats.org/drawingml/2006/main" xmlns:r="http://schemas.openxmlformats.org/officeDocument/2006/relationships" xmlns:p="http://schemas.openxmlformats.org/presentationml/2006/main">
-  <p:tag name="NUM" val="4"/>
+  <p:tag name="NUM" val="1"/>
 </p:tagLst>
 </file>
 
 <file path=ppt/tags/tag109.xml><?xml version="1.0" encoding="utf-8"?>
 <p:tagLst xmlns:a="http://schemas.openxmlformats.org/drawingml/2006/main" xmlns:r="http://schemas.openxmlformats.org/officeDocument/2006/relationships" xmlns:p="http://schemas.openxmlformats.org/presentationml/2006/main">
-  <p:tag name="NUM" val="1"/>
+  <p:tag name="NUM" val="2"/>
 </p:tagLst>
 </file>
 
@@ -28328,61 +29576,61 @@
 
 <file path=ppt/tags/tag110.xml><?xml version="1.0" encoding="utf-8"?>
 <p:tagLst xmlns:a="http://schemas.openxmlformats.org/drawingml/2006/main" xmlns:r="http://schemas.openxmlformats.org/officeDocument/2006/relationships" xmlns:p="http://schemas.openxmlformats.org/presentationml/2006/main">
-  <p:tag name="NUM" val="2"/>
+  <p:tag name="NUM" val="3"/>
 </p:tagLst>
 </file>
 
 <file path=ppt/tags/tag111.xml><?xml version="1.0" encoding="utf-8"?>
 <p:tagLst xmlns:a="http://schemas.openxmlformats.org/drawingml/2006/main" xmlns:r="http://schemas.openxmlformats.org/officeDocument/2006/relationships" xmlns:p="http://schemas.openxmlformats.org/presentationml/2006/main">
-  <p:tag name="NUM" val="3"/>
+  <p:tag name="NUM" val="4"/>
 </p:tagLst>
 </file>
 
 <file path=ppt/tags/tag112.xml><?xml version="1.0" encoding="utf-8"?>
 <p:tagLst xmlns:a="http://schemas.openxmlformats.org/drawingml/2006/main" xmlns:r="http://schemas.openxmlformats.org/officeDocument/2006/relationships" xmlns:p="http://schemas.openxmlformats.org/presentationml/2006/main">
-  <p:tag name="NUM" val="4"/>
+  <p:tag name="NUM" val="5"/>
 </p:tagLst>
 </file>
 
 <file path=ppt/tags/tag113.xml><?xml version="1.0" encoding="utf-8"?>
 <p:tagLst xmlns:a="http://schemas.openxmlformats.org/drawingml/2006/main" xmlns:r="http://schemas.openxmlformats.org/officeDocument/2006/relationships" xmlns:p="http://schemas.openxmlformats.org/presentationml/2006/main">
-  <p:tag name="NUM" val="5"/>
+  <p:tag name="NUM" val="1"/>
 </p:tagLst>
 </file>
 
 <file path=ppt/tags/tag114.xml><?xml version="1.0" encoding="utf-8"?>
 <p:tagLst xmlns:a="http://schemas.openxmlformats.org/drawingml/2006/main" xmlns:r="http://schemas.openxmlformats.org/officeDocument/2006/relationships" xmlns:p="http://schemas.openxmlformats.org/presentationml/2006/main">
-  <p:tag name="NUM" val="1"/>
+  <p:tag name="NUM" val="2"/>
 </p:tagLst>
 </file>
 
 <file path=ppt/tags/tag115.xml><?xml version="1.0" encoding="utf-8"?>
 <p:tagLst xmlns:a="http://schemas.openxmlformats.org/drawingml/2006/main" xmlns:r="http://schemas.openxmlformats.org/officeDocument/2006/relationships" xmlns:p="http://schemas.openxmlformats.org/presentationml/2006/main">
-  <p:tag name="NUM" val="2"/>
+  <p:tag name="NUM" val="3"/>
 </p:tagLst>
 </file>
 
 <file path=ppt/tags/tag116.xml><?xml version="1.0" encoding="utf-8"?>
 <p:tagLst xmlns:a="http://schemas.openxmlformats.org/drawingml/2006/main" xmlns:r="http://schemas.openxmlformats.org/officeDocument/2006/relationships" xmlns:p="http://schemas.openxmlformats.org/presentationml/2006/main">
-  <p:tag name="NUM" val="3"/>
+  <p:tag name="NUM" val="4"/>
 </p:tagLst>
 </file>
 
 <file path=ppt/tags/tag117.xml><?xml version="1.0" encoding="utf-8"?>
 <p:tagLst xmlns:a="http://schemas.openxmlformats.org/drawingml/2006/main" xmlns:r="http://schemas.openxmlformats.org/officeDocument/2006/relationships" xmlns:p="http://schemas.openxmlformats.org/presentationml/2006/main">
-  <p:tag name="NUM" val="4"/>
+  <p:tag name="NUM" val="5"/>
 </p:tagLst>
 </file>
 
 <file path=ppt/tags/tag118.xml><?xml version="1.0" encoding="utf-8"?>
 <p:tagLst xmlns:a="http://schemas.openxmlformats.org/drawingml/2006/main" xmlns:r="http://schemas.openxmlformats.org/officeDocument/2006/relationships" xmlns:p="http://schemas.openxmlformats.org/presentationml/2006/main">
-  <p:tag name="NUM" val="5"/>
+  <p:tag name="NUM" val="1"/>
 </p:tagLst>
 </file>
 
 <file path=ppt/tags/tag119.xml><?xml version="1.0" encoding="utf-8"?>
 <p:tagLst xmlns:a="http://schemas.openxmlformats.org/drawingml/2006/main" xmlns:r="http://schemas.openxmlformats.org/officeDocument/2006/relationships" xmlns:p="http://schemas.openxmlformats.org/presentationml/2006/main">
-  <p:tag name="NUM" val="1"/>
+  <p:tag name="NUM" val="2"/>
 </p:tagLst>
 </file>
 
@@ -28394,61 +29642,61 @@
 
 <file path=ppt/tags/tag120.xml><?xml version="1.0" encoding="utf-8"?>
 <p:tagLst xmlns:a="http://schemas.openxmlformats.org/drawingml/2006/main" xmlns:r="http://schemas.openxmlformats.org/officeDocument/2006/relationships" xmlns:p="http://schemas.openxmlformats.org/presentationml/2006/main">
-  <p:tag name="NUM" val="2"/>
+  <p:tag name="NUM" val="3"/>
 </p:tagLst>
 </file>
 
 <file path=ppt/tags/tag121.xml><?xml version="1.0" encoding="utf-8"?>
 <p:tagLst xmlns:a="http://schemas.openxmlformats.org/drawingml/2006/main" xmlns:r="http://schemas.openxmlformats.org/officeDocument/2006/relationships" xmlns:p="http://schemas.openxmlformats.org/presentationml/2006/main">
-  <p:tag name="NUM" val="3"/>
+  <p:tag name="NUM" val="4"/>
 </p:tagLst>
 </file>
 
 <file path=ppt/tags/tag122.xml><?xml version="1.0" encoding="utf-8"?>
 <p:tagLst xmlns:a="http://schemas.openxmlformats.org/drawingml/2006/main" xmlns:r="http://schemas.openxmlformats.org/officeDocument/2006/relationships" xmlns:p="http://schemas.openxmlformats.org/presentationml/2006/main">
-  <p:tag name="NUM" val="4"/>
+  <p:tag name="NUM" val="5"/>
 </p:tagLst>
 </file>
 
 <file path=ppt/tags/tag123.xml><?xml version="1.0" encoding="utf-8"?>
 <p:tagLst xmlns:a="http://schemas.openxmlformats.org/drawingml/2006/main" xmlns:r="http://schemas.openxmlformats.org/officeDocument/2006/relationships" xmlns:p="http://schemas.openxmlformats.org/presentationml/2006/main">
-  <p:tag name="NUM" val="5"/>
+  <p:tag name="NUM" val="1"/>
 </p:tagLst>
 </file>
 
 <file path=ppt/tags/tag124.xml><?xml version="1.0" encoding="utf-8"?>
 <p:tagLst xmlns:a="http://schemas.openxmlformats.org/drawingml/2006/main" xmlns:r="http://schemas.openxmlformats.org/officeDocument/2006/relationships" xmlns:p="http://schemas.openxmlformats.org/presentationml/2006/main">
-  <p:tag name="NUM" val="6"/>
+  <p:tag name="NUM" val="2"/>
 </p:tagLst>
 </file>
 
 <file path=ppt/tags/tag125.xml><?xml version="1.0" encoding="utf-8"?>
 <p:tagLst xmlns:a="http://schemas.openxmlformats.org/drawingml/2006/main" xmlns:r="http://schemas.openxmlformats.org/officeDocument/2006/relationships" xmlns:p="http://schemas.openxmlformats.org/presentationml/2006/main">
-  <p:tag name="NUM" val="7"/>
+  <p:tag name="NUM" val="3"/>
 </p:tagLst>
 </file>
 
 <file path=ppt/tags/tag126.xml><?xml version="1.0" encoding="utf-8"?>
 <p:tagLst xmlns:a="http://schemas.openxmlformats.org/drawingml/2006/main" xmlns:r="http://schemas.openxmlformats.org/officeDocument/2006/relationships" xmlns:p="http://schemas.openxmlformats.org/presentationml/2006/main">
-  <p:tag name="NUM" val="8"/>
+  <p:tag name="NUM" val="4"/>
 </p:tagLst>
 </file>
 
 <file path=ppt/tags/tag127.xml><?xml version="1.0" encoding="utf-8"?>
 <p:tagLst xmlns:a="http://schemas.openxmlformats.org/drawingml/2006/main" xmlns:r="http://schemas.openxmlformats.org/officeDocument/2006/relationships" xmlns:p="http://schemas.openxmlformats.org/presentationml/2006/main">
-  <p:tag name="NUM" val="9"/>
+  <p:tag name="NUM" val="6"/>
 </p:tagLst>
 </file>
 
 <file path=ppt/tags/tag128.xml><?xml version="1.0" encoding="utf-8"?>
 <p:tagLst xmlns:a="http://schemas.openxmlformats.org/drawingml/2006/main" xmlns:r="http://schemas.openxmlformats.org/officeDocument/2006/relationships" xmlns:p="http://schemas.openxmlformats.org/presentationml/2006/main">
-  <p:tag name="NUM" val="10"/>
+  <p:tag name="NUM" val="7"/>
 </p:tagLst>
 </file>
 
 <file path=ppt/tags/tag129.xml><?xml version="1.0" encoding="utf-8"?>
 <p:tagLst xmlns:a="http://schemas.openxmlformats.org/drawingml/2006/main" xmlns:r="http://schemas.openxmlformats.org/officeDocument/2006/relationships" xmlns:p="http://schemas.openxmlformats.org/presentationml/2006/main">
-  <p:tag name="NUM" val="11"/>
+  <p:tag name="NUM" val="8"/>
 </p:tagLst>
 </file>
 
@@ -28460,37 +29708,37 @@
 
 <file path=ppt/tags/tag130.xml><?xml version="1.0" encoding="utf-8"?>
 <p:tagLst xmlns:a="http://schemas.openxmlformats.org/drawingml/2006/main" xmlns:r="http://schemas.openxmlformats.org/officeDocument/2006/relationships" xmlns:p="http://schemas.openxmlformats.org/presentationml/2006/main">
-  <p:tag name="NUM" val="1"/>
+  <p:tag name="NUM" val="9"/>
 </p:tagLst>
 </file>
 
 <file path=ppt/tags/tag131.xml><?xml version="1.0" encoding="utf-8"?>
 <p:tagLst xmlns:a="http://schemas.openxmlformats.org/drawingml/2006/main" xmlns:r="http://schemas.openxmlformats.org/officeDocument/2006/relationships" xmlns:p="http://schemas.openxmlformats.org/presentationml/2006/main">
-  <p:tag name="NUM" val="2"/>
+  <p:tag name="NUM" val="10"/>
 </p:tagLst>
 </file>
 
 <file path=ppt/tags/tag132.xml><?xml version="1.0" encoding="utf-8"?>
 <p:tagLst xmlns:a="http://schemas.openxmlformats.org/drawingml/2006/main" xmlns:r="http://schemas.openxmlformats.org/officeDocument/2006/relationships" xmlns:p="http://schemas.openxmlformats.org/presentationml/2006/main">
-  <p:tag name="NUM" val="3"/>
+  <p:tag name="NUM" val="11"/>
 </p:tagLst>
 </file>
 
 <file path=ppt/tags/tag133.xml><?xml version="1.0" encoding="utf-8"?>
 <p:tagLst xmlns:a="http://schemas.openxmlformats.org/drawingml/2006/main" xmlns:r="http://schemas.openxmlformats.org/officeDocument/2006/relationships" xmlns:p="http://schemas.openxmlformats.org/presentationml/2006/main">
-  <p:tag name="NUM" val="4"/>
+  <p:tag name="NUM" val="1"/>
 </p:tagLst>
 </file>
 
 <file path=ppt/tags/tag134.xml><?xml version="1.0" encoding="utf-8"?>
 <p:tagLst xmlns:a="http://schemas.openxmlformats.org/drawingml/2006/main" xmlns:r="http://schemas.openxmlformats.org/officeDocument/2006/relationships" xmlns:p="http://schemas.openxmlformats.org/presentationml/2006/main">
-  <p:tag name="NUM" val="5"/>
+  <p:tag name="NUM" val="2"/>
 </p:tagLst>
 </file>
 
 <file path=ppt/tags/tag135.xml><?xml version="1.0" encoding="utf-8"?>
 <p:tagLst xmlns:a="http://schemas.openxmlformats.org/drawingml/2006/main" xmlns:r="http://schemas.openxmlformats.org/officeDocument/2006/relationships" xmlns:p="http://schemas.openxmlformats.org/presentationml/2006/main">
-  <p:tag name="NUM" val="5"/>
+  <p:tag name="NUM" val="3"/>
 </p:tagLst>
 </file>
 
@@ -28502,7 +29750,7 @@
 
 <file path=ppt/tags/tag137.xml><?xml version="1.0" encoding="utf-8"?>
 <p:tagLst xmlns:a="http://schemas.openxmlformats.org/drawingml/2006/main" xmlns:r="http://schemas.openxmlformats.org/officeDocument/2006/relationships" xmlns:p="http://schemas.openxmlformats.org/presentationml/2006/main">
-  <p:tag name="NUM" val="3"/>
+  <p:tag name="NUM" val="5"/>
 </p:tagLst>
 </file>
 
@@ -28514,7 +29762,7 @@
 
 <file path=ppt/tags/tag139.xml><?xml version="1.0" encoding="utf-8"?>
 <p:tagLst xmlns:a="http://schemas.openxmlformats.org/drawingml/2006/main" xmlns:r="http://schemas.openxmlformats.org/officeDocument/2006/relationships" xmlns:p="http://schemas.openxmlformats.org/presentationml/2006/main">
-  <p:tag name="NUM" val="1"/>
+  <p:tag name="NUM" val="4"/>
 </p:tagLst>
 </file>
 
@@ -28526,37 +29774,37 @@
 
 <file path=ppt/tags/tag140.xml><?xml version="1.0" encoding="utf-8"?>
 <p:tagLst xmlns:a="http://schemas.openxmlformats.org/drawingml/2006/main" xmlns:r="http://schemas.openxmlformats.org/officeDocument/2006/relationships" xmlns:p="http://schemas.openxmlformats.org/presentationml/2006/main">
-  <p:tag name="NUM" val="2"/>
+  <p:tag name="NUM" val="3"/>
 </p:tagLst>
 </file>
 
 <file path=ppt/tags/tag141.xml><?xml version="1.0" encoding="utf-8"?>
 <p:tagLst xmlns:a="http://schemas.openxmlformats.org/drawingml/2006/main" xmlns:r="http://schemas.openxmlformats.org/officeDocument/2006/relationships" xmlns:p="http://schemas.openxmlformats.org/presentationml/2006/main">
-  <p:tag name="NUM" val="3"/>
+  <p:tag name="NUM" val="5"/>
 </p:tagLst>
 </file>
 
 <file path=ppt/tags/tag142.xml><?xml version="1.0" encoding="utf-8"?>
 <p:tagLst xmlns:a="http://schemas.openxmlformats.org/drawingml/2006/main" xmlns:r="http://schemas.openxmlformats.org/officeDocument/2006/relationships" xmlns:p="http://schemas.openxmlformats.org/presentationml/2006/main">
-  <p:tag name="NUM" val="4"/>
+  <p:tag name="NUM" val="1"/>
 </p:tagLst>
 </file>
 
 <file path=ppt/tags/tag143.xml><?xml version="1.0" encoding="utf-8"?>
 <p:tagLst xmlns:a="http://schemas.openxmlformats.org/drawingml/2006/main" xmlns:r="http://schemas.openxmlformats.org/officeDocument/2006/relationships" xmlns:p="http://schemas.openxmlformats.org/presentationml/2006/main">
-  <p:tag name="NUM" val="5"/>
+  <p:tag name="NUM" val="2"/>
 </p:tagLst>
 </file>
 
 <file path=ppt/tags/tag144.xml><?xml version="1.0" encoding="utf-8"?>
 <p:tagLst xmlns:a="http://schemas.openxmlformats.org/drawingml/2006/main" xmlns:r="http://schemas.openxmlformats.org/officeDocument/2006/relationships" xmlns:p="http://schemas.openxmlformats.org/presentationml/2006/main">
-  <p:tag name="NUM" val="6"/>
+  <p:tag name="NUM" val="3"/>
 </p:tagLst>
 </file>
 
 <file path=ppt/tags/tag145.xml><?xml version="1.0" encoding="utf-8"?>
 <p:tagLst xmlns:a="http://schemas.openxmlformats.org/drawingml/2006/main" xmlns:r="http://schemas.openxmlformats.org/officeDocument/2006/relationships" xmlns:p="http://schemas.openxmlformats.org/presentationml/2006/main">
-  <p:tag name="NUM" val="7"/>
+  <p:tag name="NUM" val="4"/>
 </p:tagLst>
 </file>
 
@@ -28568,19 +29816,19 @@
 
 <file path=ppt/tags/tag147.xml><?xml version="1.0" encoding="utf-8"?>
 <p:tagLst xmlns:a="http://schemas.openxmlformats.org/drawingml/2006/main" xmlns:r="http://schemas.openxmlformats.org/officeDocument/2006/relationships" xmlns:p="http://schemas.openxmlformats.org/presentationml/2006/main">
-  <p:tag name="NUM" val="5"/>
+  <p:tag name="NUM" val="6"/>
 </p:tagLst>
 </file>
 
 <file path=ppt/tags/tag148.xml><?xml version="1.0" encoding="utf-8"?>
 <p:tagLst xmlns:a="http://schemas.openxmlformats.org/drawingml/2006/main" xmlns:r="http://schemas.openxmlformats.org/officeDocument/2006/relationships" xmlns:p="http://schemas.openxmlformats.org/presentationml/2006/main">
-  <p:tag name="NUM" val="1"/>
+  <p:tag name="NUM" val="7"/>
 </p:tagLst>
 </file>
 
 <file path=ppt/tags/tag149.xml><?xml version="1.0" encoding="utf-8"?>
 <p:tagLst xmlns:a="http://schemas.openxmlformats.org/drawingml/2006/main" xmlns:r="http://schemas.openxmlformats.org/officeDocument/2006/relationships" xmlns:p="http://schemas.openxmlformats.org/presentationml/2006/main">
-  <p:tag name="NUM" val="2"/>
+  <p:tag name="NUM" val="5"/>
 </p:tagLst>
 </file>
 
@@ -28592,35 +29840,47 @@
 
 <file path=ppt/tags/tag150.xml><?xml version="1.0" encoding="utf-8"?>
 <p:tagLst xmlns:a="http://schemas.openxmlformats.org/drawingml/2006/main" xmlns:r="http://schemas.openxmlformats.org/officeDocument/2006/relationships" xmlns:p="http://schemas.openxmlformats.org/presentationml/2006/main">
-  <p:tag name="NUM" val="3"/>
+  <p:tag name="NUM" val="5"/>
 </p:tagLst>
 </file>
 
 <file path=ppt/tags/tag151.xml><?xml version="1.0" encoding="utf-8"?>
 <p:tagLst xmlns:a="http://schemas.openxmlformats.org/drawingml/2006/main" xmlns:r="http://schemas.openxmlformats.org/officeDocument/2006/relationships" xmlns:p="http://schemas.openxmlformats.org/presentationml/2006/main">
-  <p:tag name="NUM" val="4"/>
+  <p:tag name="NUM" val="1"/>
 </p:tagLst>
 </file>
 
 <file path=ppt/tags/tag152.xml><?xml version="1.0" encoding="utf-8"?>
 <p:tagLst xmlns:a="http://schemas.openxmlformats.org/drawingml/2006/main" xmlns:r="http://schemas.openxmlformats.org/officeDocument/2006/relationships" xmlns:p="http://schemas.openxmlformats.org/presentationml/2006/main">
-  <p:tag name="NUM" val="5"/>
+  <p:tag name="NUM" val="2"/>
 </p:tagLst>
 </file>
 
 <file path=ppt/tags/tag153.xml><?xml version="1.0" encoding="utf-8"?>
 <p:tagLst xmlns:a="http://schemas.openxmlformats.org/drawingml/2006/main" xmlns:r="http://schemas.openxmlformats.org/officeDocument/2006/relationships" xmlns:p="http://schemas.openxmlformats.org/presentationml/2006/main">
-  <p:tag name="NUM" val="6"/>
+  <p:tag name="NUM" val="3"/>
 </p:tagLst>
 </file>
 
 <file path=ppt/tags/tag154.xml><?xml version="1.0" encoding="utf-8"?>
 <p:tagLst xmlns:a="http://schemas.openxmlformats.org/drawingml/2006/main" xmlns:r="http://schemas.openxmlformats.org/officeDocument/2006/relationships" xmlns:p="http://schemas.openxmlformats.org/presentationml/2006/main">
+  <p:tag name="NUM" val="4"/>
+</p:tagLst>
+</file>
+
+<file path=ppt/tags/tag155.xml><?xml version="1.0" encoding="utf-8"?>
+<p:tagLst xmlns:a="http://schemas.openxmlformats.org/drawingml/2006/main" xmlns:r="http://schemas.openxmlformats.org/officeDocument/2006/relationships" xmlns:p="http://schemas.openxmlformats.org/presentationml/2006/main">
   <p:tag name="NUM" val="5"/>
 </p:tagLst>
 </file>
 
-<file path=ppt/tags/tag155.xml><?xml version="1.0" encoding="utf-8"?>
+<file path=ppt/tags/tag156.xml><?xml version="1.0" encoding="utf-8"?>
+<p:tagLst xmlns:a="http://schemas.openxmlformats.org/drawingml/2006/main" xmlns:r="http://schemas.openxmlformats.org/officeDocument/2006/relationships" xmlns:p="http://schemas.openxmlformats.org/presentationml/2006/main">
+  <p:tag name="NUM" val="5"/>
+</p:tagLst>
+</file>
+
+<file path=ppt/tags/tag157.xml><?xml version="1.0" encoding="utf-8"?>
 <p:tagLst xmlns:a="http://schemas.openxmlformats.org/drawingml/2006/main" xmlns:r="http://schemas.openxmlformats.org/officeDocument/2006/relationships" xmlns:p="http://schemas.openxmlformats.org/presentationml/2006/main">
   <p:tag name="NUM" val="4"/>
 </p:tagLst>
@@ -28790,49 +30050,49 @@
 
 <file path=ppt/tags/tag40.xml><?xml version="1.0" encoding="utf-8"?>
 <p:tagLst xmlns:a="http://schemas.openxmlformats.org/drawingml/2006/main" xmlns:r="http://schemas.openxmlformats.org/officeDocument/2006/relationships" xmlns:p="http://schemas.openxmlformats.org/presentationml/2006/main">
-  <p:tag name="NUM" val="1"/>
+  <p:tag name="NUM" val="6"/>
 </p:tagLst>
 </file>
 
 <file path=ppt/tags/tag41.xml><?xml version="1.0" encoding="utf-8"?>
 <p:tagLst xmlns:a="http://schemas.openxmlformats.org/drawingml/2006/main" xmlns:r="http://schemas.openxmlformats.org/officeDocument/2006/relationships" xmlns:p="http://schemas.openxmlformats.org/presentationml/2006/main">
-  <p:tag name="NUM" val="2"/>
+  <p:tag name="NUM" val="1"/>
 </p:tagLst>
 </file>
 
 <file path=ppt/tags/tag42.xml><?xml version="1.0" encoding="utf-8"?>
 <p:tagLst xmlns:a="http://schemas.openxmlformats.org/drawingml/2006/main" xmlns:r="http://schemas.openxmlformats.org/officeDocument/2006/relationships" xmlns:p="http://schemas.openxmlformats.org/presentationml/2006/main">
-  <p:tag name="NUM" val="3"/>
+  <p:tag name="NUM" val="2"/>
 </p:tagLst>
 </file>
 
 <file path=ppt/tags/tag43.xml><?xml version="1.0" encoding="utf-8"?>
 <p:tagLst xmlns:a="http://schemas.openxmlformats.org/drawingml/2006/main" xmlns:r="http://schemas.openxmlformats.org/officeDocument/2006/relationships" xmlns:p="http://schemas.openxmlformats.org/presentationml/2006/main">
-  <p:tag name="NUM" val="4"/>
+  <p:tag name="NUM" val="3"/>
 </p:tagLst>
 </file>
 
 <file path=ppt/tags/tag44.xml><?xml version="1.0" encoding="utf-8"?>
 <p:tagLst xmlns:a="http://schemas.openxmlformats.org/drawingml/2006/main" xmlns:r="http://schemas.openxmlformats.org/officeDocument/2006/relationships" xmlns:p="http://schemas.openxmlformats.org/presentationml/2006/main">
-  <p:tag name="NUM" val="5"/>
+  <p:tag name="NUM" val="4"/>
 </p:tagLst>
 </file>
 
 <file path=ppt/tags/tag45.xml><?xml version="1.0" encoding="utf-8"?>
 <p:tagLst xmlns:a="http://schemas.openxmlformats.org/drawingml/2006/main" xmlns:r="http://schemas.openxmlformats.org/officeDocument/2006/relationships" xmlns:p="http://schemas.openxmlformats.org/presentationml/2006/main">
-  <p:tag name="NUM" val="6"/>
+  <p:tag name="NUM" val="5"/>
 </p:tagLst>
 </file>
 
 <file path=ppt/tags/tag46.xml><?xml version="1.0" encoding="utf-8"?>
 <p:tagLst xmlns:a="http://schemas.openxmlformats.org/drawingml/2006/main" xmlns:r="http://schemas.openxmlformats.org/officeDocument/2006/relationships" xmlns:p="http://schemas.openxmlformats.org/presentationml/2006/main">
-  <p:tag name="NUM" val="7"/>
+  <p:tag name="NUM" val="6"/>
 </p:tagLst>
 </file>
 
 <file path=ppt/tags/tag47.xml><?xml version="1.0" encoding="utf-8"?>
 <p:tagLst xmlns:a="http://schemas.openxmlformats.org/drawingml/2006/main" xmlns:r="http://schemas.openxmlformats.org/officeDocument/2006/relationships" xmlns:p="http://schemas.openxmlformats.org/presentationml/2006/main">
-  <p:tag name="NUM" val="6"/>
+  <p:tag name="NUM" val="7"/>
 </p:tagLst>
 </file>
 
@@ -28844,7 +30104,7 @@
 
 <file path=ppt/tags/tag49.xml><?xml version="1.0" encoding="utf-8"?>
 <p:tagLst xmlns:a="http://schemas.openxmlformats.org/drawingml/2006/main" xmlns:r="http://schemas.openxmlformats.org/officeDocument/2006/relationships" xmlns:p="http://schemas.openxmlformats.org/presentationml/2006/main">
-  <p:tag name="NUM" val="1"/>
+  <p:tag name="NUM" val="6"/>
 </p:tagLst>
 </file>
 
@@ -28856,61 +30116,61 @@
 
 <file path=ppt/tags/tag50.xml><?xml version="1.0" encoding="utf-8"?>
 <p:tagLst xmlns:a="http://schemas.openxmlformats.org/drawingml/2006/main" xmlns:r="http://schemas.openxmlformats.org/officeDocument/2006/relationships" xmlns:p="http://schemas.openxmlformats.org/presentationml/2006/main">
-  <p:tag name="NUM" val="2"/>
+  <p:tag name="NUM" val="6"/>
 </p:tagLst>
 </file>
 
 <file path=ppt/tags/tag51.xml><?xml version="1.0" encoding="utf-8"?>
 <p:tagLst xmlns:a="http://schemas.openxmlformats.org/drawingml/2006/main" xmlns:r="http://schemas.openxmlformats.org/officeDocument/2006/relationships" xmlns:p="http://schemas.openxmlformats.org/presentationml/2006/main">
-  <p:tag name="NUM" val="3"/>
+  <p:tag name="NUM" val="1"/>
 </p:tagLst>
 </file>
 
 <file path=ppt/tags/tag52.xml><?xml version="1.0" encoding="utf-8"?>
 <p:tagLst xmlns:a="http://schemas.openxmlformats.org/drawingml/2006/main" xmlns:r="http://schemas.openxmlformats.org/officeDocument/2006/relationships" xmlns:p="http://schemas.openxmlformats.org/presentationml/2006/main">
-  <p:tag name="NUM" val="4"/>
+  <p:tag name="NUM" val="2"/>
 </p:tagLst>
 </file>
 
 <file path=ppt/tags/tag53.xml><?xml version="1.0" encoding="utf-8"?>
 <p:tagLst xmlns:a="http://schemas.openxmlformats.org/drawingml/2006/main" xmlns:r="http://schemas.openxmlformats.org/officeDocument/2006/relationships" xmlns:p="http://schemas.openxmlformats.org/presentationml/2006/main">
-  <p:tag name="NUM" val="5"/>
+  <p:tag name="NUM" val="3"/>
 </p:tagLst>
 </file>
 
 <file path=ppt/tags/tag54.xml><?xml version="1.0" encoding="utf-8"?>
 <p:tagLst xmlns:a="http://schemas.openxmlformats.org/drawingml/2006/main" xmlns:r="http://schemas.openxmlformats.org/officeDocument/2006/relationships" xmlns:p="http://schemas.openxmlformats.org/presentationml/2006/main">
-  <p:tag name="NUM" val="6"/>
+  <p:tag name="NUM" val="4"/>
 </p:tagLst>
 </file>
 
 <file path=ppt/tags/tag55.xml><?xml version="1.0" encoding="utf-8"?>
 <p:tagLst xmlns:a="http://schemas.openxmlformats.org/drawingml/2006/main" xmlns:r="http://schemas.openxmlformats.org/officeDocument/2006/relationships" xmlns:p="http://schemas.openxmlformats.org/presentationml/2006/main">
-  <p:tag name="NUM" val="7"/>
+  <p:tag name="NUM" val="5"/>
 </p:tagLst>
 </file>
 
 <file path=ppt/tags/tag56.xml><?xml version="1.0" encoding="utf-8"?>
 <p:tagLst xmlns:a="http://schemas.openxmlformats.org/drawingml/2006/main" xmlns:r="http://schemas.openxmlformats.org/officeDocument/2006/relationships" xmlns:p="http://schemas.openxmlformats.org/presentationml/2006/main">
-  <p:tag name="NUM" val="8"/>
+  <p:tag name="NUM" val="6"/>
 </p:tagLst>
 </file>
 
 <file path=ppt/tags/tag57.xml><?xml version="1.0" encoding="utf-8"?>
 <p:tagLst xmlns:a="http://schemas.openxmlformats.org/drawingml/2006/main" xmlns:r="http://schemas.openxmlformats.org/officeDocument/2006/relationships" xmlns:p="http://schemas.openxmlformats.org/presentationml/2006/main">
-  <p:tag name="NUM" val="6"/>
+  <p:tag name="NUM" val="7"/>
 </p:tagLst>
 </file>
 
 <file path=ppt/tags/tag58.xml><?xml version="1.0" encoding="utf-8"?>
 <p:tagLst xmlns:a="http://schemas.openxmlformats.org/drawingml/2006/main" xmlns:r="http://schemas.openxmlformats.org/officeDocument/2006/relationships" xmlns:p="http://schemas.openxmlformats.org/presentationml/2006/main">
-  <p:tag name="NUM" val="6"/>
+  <p:tag name="NUM" val="8"/>
 </p:tagLst>
 </file>
 
 <file path=ppt/tags/tag59.xml><?xml version="1.0" encoding="utf-8"?>
 <p:tagLst xmlns:a="http://schemas.openxmlformats.org/drawingml/2006/main" xmlns:r="http://schemas.openxmlformats.org/officeDocument/2006/relationships" xmlns:p="http://schemas.openxmlformats.org/presentationml/2006/main">
-  <p:tag name="NUM" val="1"/>
+  <p:tag name="NUM" val="6"/>
 </p:tagLst>
 </file>
 
@@ -28922,61 +30182,61 @@
 
 <file path=ppt/tags/tag60.xml><?xml version="1.0" encoding="utf-8"?>
 <p:tagLst xmlns:a="http://schemas.openxmlformats.org/drawingml/2006/main" xmlns:r="http://schemas.openxmlformats.org/officeDocument/2006/relationships" xmlns:p="http://schemas.openxmlformats.org/presentationml/2006/main">
-  <p:tag name="NUM" val="2"/>
+  <p:tag name="NUM" val="6"/>
 </p:tagLst>
 </file>
 
 <file path=ppt/tags/tag61.xml><?xml version="1.0" encoding="utf-8"?>
 <p:tagLst xmlns:a="http://schemas.openxmlformats.org/drawingml/2006/main" xmlns:r="http://schemas.openxmlformats.org/officeDocument/2006/relationships" xmlns:p="http://schemas.openxmlformats.org/presentationml/2006/main">
-  <p:tag name="NUM" val="3"/>
+  <p:tag name="NUM" val="6"/>
 </p:tagLst>
 </file>
 
 <file path=ppt/tags/tag62.xml><?xml version="1.0" encoding="utf-8"?>
 <p:tagLst xmlns:a="http://schemas.openxmlformats.org/drawingml/2006/main" xmlns:r="http://schemas.openxmlformats.org/officeDocument/2006/relationships" xmlns:p="http://schemas.openxmlformats.org/presentationml/2006/main">
-  <p:tag name="NUM" val="4"/>
+  <p:tag name="NUM" val="1"/>
 </p:tagLst>
 </file>
 
 <file path=ppt/tags/tag63.xml><?xml version="1.0" encoding="utf-8"?>
 <p:tagLst xmlns:a="http://schemas.openxmlformats.org/drawingml/2006/main" xmlns:r="http://schemas.openxmlformats.org/officeDocument/2006/relationships" xmlns:p="http://schemas.openxmlformats.org/presentationml/2006/main">
-  <p:tag name="NUM" val="5"/>
+  <p:tag name="NUM" val="2"/>
 </p:tagLst>
 </file>
 
 <file path=ppt/tags/tag64.xml><?xml version="1.0" encoding="utf-8"?>
 <p:tagLst xmlns:a="http://schemas.openxmlformats.org/drawingml/2006/main" xmlns:r="http://schemas.openxmlformats.org/officeDocument/2006/relationships" xmlns:p="http://schemas.openxmlformats.org/presentationml/2006/main">
-  <p:tag name="NUM" val="6"/>
+  <p:tag name="NUM" val="3"/>
 </p:tagLst>
 </file>
 
 <file path=ppt/tags/tag65.xml><?xml version="1.0" encoding="utf-8"?>
 <p:tagLst xmlns:a="http://schemas.openxmlformats.org/drawingml/2006/main" xmlns:r="http://schemas.openxmlformats.org/officeDocument/2006/relationships" xmlns:p="http://schemas.openxmlformats.org/presentationml/2006/main">
-  <p:tag name="NUM" val="7"/>
+  <p:tag name="NUM" val="4"/>
 </p:tagLst>
 </file>
 
 <file path=ppt/tags/tag66.xml><?xml version="1.0" encoding="utf-8"?>
 <p:tagLst xmlns:a="http://schemas.openxmlformats.org/drawingml/2006/main" xmlns:r="http://schemas.openxmlformats.org/officeDocument/2006/relationships" xmlns:p="http://schemas.openxmlformats.org/presentationml/2006/main">
-  <p:tag name="NUM" val="8"/>
+  <p:tag name="NUM" val="5"/>
 </p:tagLst>
 </file>
 
 <file path=ppt/tags/tag67.xml><?xml version="1.0" encoding="utf-8"?>
 <p:tagLst xmlns:a="http://schemas.openxmlformats.org/drawingml/2006/main" xmlns:r="http://schemas.openxmlformats.org/officeDocument/2006/relationships" xmlns:p="http://schemas.openxmlformats.org/presentationml/2006/main">
-  <p:tag name="NUM" val="5"/>
+  <p:tag name="NUM" val="6"/>
 </p:tagLst>
 </file>
 
 <file path=ppt/tags/tag68.xml><?xml version="1.0" encoding="utf-8"?>
 <p:tagLst xmlns:a="http://schemas.openxmlformats.org/drawingml/2006/main" xmlns:r="http://schemas.openxmlformats.org/officeDocument/2006/relationships" xmlns:p="http://schemas.openxmlformats.org/presentationml/2006/main">
-  <p:tag name="NUM" val="1"/>
+  <p:tag name="NUM" val="7"/>
 </p:tagLst>
 </file>
 
 <file path=ppt/tags/tag69.xml><?xml version="1.0" encoding="utf-8"?>
 <p:tagLst xmlns:a="http://schemas.openxmlformats.org/drawingml/2006/main" xmlns:r="http://schemas.openxmlformats.org/officeDocument/2006/relationships" xmlns:p="http://schemas.openxmlformats.org/presentationml/2006/main">
-  <p:tag name="NUM" val="2"/>
+  <p:tag name="NUM" val="8"/>
 </p:tagLst>
 </file>
 
@@ -28988,61 +30248,61 @@
 
 <file path=ppt/tags/tag70.xml><?xml version="1.0" encoding="utf-8"?>
 <p:tagLst xmlns:a="http://schemas.openxmlformats.org/drawingml/2006/main" xmlns:r="http://schemas.openxmlformats.org/officeDocument/2006/relationships" xmlns:p="http://schemas.openxmlformats.org/presentationml/2006/main">
-  <p:tag name="NUM" val="3"/>
+  <p:tag name="NUM" val="5"/>
 </p:tagLst>
 </file>
 
 <file path=ppt/tags/tag71.xml><?xml version="1.0" encoding="utf-8"?>
 <p:tagLst xmlns:a="http://schemas.openxmlformats.org/drawingml/2006/main" xmlns:r="http://schemas.openxmlformats.org/officeDocument/2006/relationships" xmlns:p="http://schemas.openxmlformats.org/presentationml/2006/main">
-  <p:tag name="NUM" val="4"/>
+  <p:tag name="NUM" val="1"/>
 </p:tagLst>
 </file>
 
 <file path=ppt/tags/tag72.xml><?xml version="1.0" encoding="utf-8"?>
 <p:tagLst xmlns:a="http://schemas.openxmlformats.org/drawingml/2006/main" xmlns:r="http://schemas.openxmlformats.org/officeDocument/2006/relationships" xmlns:p="http://schemas.openxmlformats.org/presentationml/2006/main">
-  <p:tag name="NUM" val="5"/>
+  <p:tag name="NUM" val="2"/>
 </p:tagLst>
 </file>
 
 <file path=ppt/tags/tag73.xml><?xml version="1.0" encoding="utf-8"?>
 <p:tagLst xmlns:a="http://schemas.openxmlformats.org/drawingml/2006/main" xmlns:r="http://schemas.openxmlformats.org/officeDocument/2006/relationships" xmlns:p="http://schemas.openxmlformats.org/presentationml/2006/main">
-  <p:tag name="NUM" val="6"/>
+  <p:tag name="NUM" val="3"/>
 </p:tagLst>
 </file>
 
 <file path=ppt/tags/tag74.xml><?xml version="1.0" encoding="utf-8"?>
 <p:tagLst xmlns:a="http://schemas.openxmlformats.org/drawingml/2006/main" xmlns:r="http://schemas.openxmlformats.org/officeDocument/2006/relationships" xmlns:p="http://schemas.openxmlformats.org/presentationml/2006/main">
-  <p:tag name="NUM" val="7"/>
+  <p:tag name="NUM" val="4"/>
 </p:tagLst>
 </file>
 
 <file path=ppt/tags/tag75.xml><?xml version="1.0" encoding="utf-8"?>
 <p:tagLst xmlns:a="http://schemas.openxmlformats.org/drawingml/2006/main" xmlns:r="http://schemas.openxmlformats.org/officeDocument/2006/relationships" xmlns:p="http://schemas.openxmlformats.org/presentationml/2006/main">
-  <p:tag name="NUM" val="8"/>
+  <p:tag name="NUM" val="5"/>
 </p:tagLst>
 </file>
 
 <file path=ppt/tags/tag76.xml><?xml version="1.0" encoding="utf-8"?>
 <p:tagLst xmlns:a="http://schemas.openxmlformats.org/drawingml/2006/main" xmlns:r="http://schemas.openxmlformats.org/officeDocument/2006/relationships" xmlns:p="http://schemas.openxmlformats.org/presentationml/2006/main">
-  <p:tag name="NUM" val="1"/>
+  <p:tag name="NUM" val="6"/>
 </p:tagLst>
 </file>
 
 <file path=ppt/tags/tag77.xml><?xml version="1.0" encoding="utf-8"?>
 <p:tagLst xmlns:a="http://schemas.openxmlformats.org/drawingml/2006/main" xmlns:r="http://schemas.openxmlformats.org/officeDocument/2006/relationships" xmlns:p="http://schemas.openxmlformats.org/presentationml/2006/main">
-  <p:tag name="NUM" val="2"/>
+  <p:tag name="NUM" val="7"/>
 </p:tagLst>
 </file>
 
 <file path=ppt/tags/tag78.xml><?xml version="1.0" encoding="utf-8"?>
 <p:tagLst xmlns:a="http://schemas.openxmlformats.org/drawingml/2006/main" xmlns:r="http://schemas.openxmlformats.org/officeDocument/2006/relationships" xmlns:p="http://schemas.openxmlformats.org/presentationml/2006/main">
-  <p:tag name="NUM" val="3"/>
+  <p:tag name="NUM" val="8"/>
 </p:tagLst>
 </file>
 
 <file path=ppt/tags/tag79.xml><?xml version="1.0" encoding="utf-8"?>
 <p:tagLst xmlns:a="http://schemas.openxmlformats.org/drawingml/2006/main" xmlns:r="http://schemas.openxmlformats.org/officeDocument/2006/relationships" xmlns:p="http://schemas.openxmlformats.org/presentationml/2006/main">
-  <p:tag name="NUM" val="4"/>
+  <p:tag name="NUM" val="1"/>
 </p:tagLst>
 </file>
 
@@ -29054,61 +30314,61 @@
 
 <file path=ppt/tags/tag80.xml><?xml version="1.0" encoding="utf-8"?>
 <p:tagLst xmlns:a="http://schemas.openxmlformats.org/drawingml/2006/main" xmlns:r="http://schemas.openxmlformats.org/officeDocument/2006/relationships" xmlns:p="http://schemas.openxmlformats.org/presentationml/2006/main">
-  <p:tag name="NUM" val="5"/>
+  <p:tag name="NUM" val="2"/>
 </p:tagLst>
 </file>
 
 <file path=ppt/tags/tag81.xml><?xml version="1.0" encoding="utf-8"?>
 <p:tagLst xmlns:a="http://schemas.openxmlformats.org/drawingml/2006/main" xmlns:r="http://schemas.openxmlformats.org/officeDocument/2006/relationships" xmlns:p="http://schemas.openxmlformats.org/presentationml/2006/main">
-  <p:tag name="NUM" val="6"/>
+  <p:tag name="NUM" val="3"/>
 </p:tagLst>
 </file>
 
 <file path=ppt/tags/tag82.xml><?xml version="1.0" encoding="utf-8"?>
 <p:tagLst xmlns:a="http://schemas.openxmlformats.org/drawingml/2006/main" xmlns:r="http://schemas.openxmlformats.org/officeDocument/2006/relationships" xmlns:p="http://schemas.openxmlformats.org/presentationml/2006/main">
-  <p:tag name="NUM" val="7"/>
+  <p:tag name="NUM" val="4"/>
 </p:tagLst>
 </file>
 
 <file path=ppt/tags/tag83.xml><?xml version="1.0" encoding="utf-8"?>
 <p:tagLst xmlns:a="http://schemas.openxmlformats.org/drawingml/2006/main" xmlns:r="http://schemas.openxmlformats.org/officeDocument/2006/relationships" xmlns:p="http://schemas.openxmlformats.org/presentationml/2006/main">
-  <p:tag name="NUM" val="8"/>
+  <p:tag name="NUM" val="5"/>
 </p:tagLst>
 </file>
 
 <file path=ppt/tags/tag84.xml><?xml version="1.0" encoding="utf-8"?>
 <p:tagLst xmlns:a="http://schemas.openxmlformats.org/drawingml/2006/main" xmlns:r="http://schemas.openxmlformats.org/officeDocument/2006/relationships" xmlns:p="http://schemas.openxmlformats.org/presentationml/2006/main">
-  <p:tag name="NUM" val="9"/>
+  <p:tag name="NUM" val="6"/>
 </p:tagLst>
 </file>
 
 <file path=ppt/tags/tag85.xml><?xml version="1.0" encoding="utf-8"?>
 <p:tagLst xmlns:a="http://schemas.openxmlformats.org/drawingml/2006/main" xmlns:r="http://schemas.openxmlformats.org/officeDocument/2006/relationships" xmlns:p="http://schemas.openxmlformats.org/presentationml/2006/main">
-  <p:tag name="NUM" val="10"/>
+  <p:tag name="NUM" val="7"/>
 </p:tagLst>
 </file>
 
 <file path=ppt/tags/tag86.xml><?xml version="1.0" encoding="utf-8"?>
 <p:tagLst xmlns:a="http://schemas.openxmlformats.org/drawingml/2006/main" xmlns:r="http://schemas.openxmlformats.org/officeDocument/2006/relationships" xmlns:p="http://schemas.openxmlformats.org/presentationml/2006/main">
-  <p:tag name="NUM" val="1"/>
+  <p:tag name="NUM" val="8"/>
 </p:tagLst>
 </file>
 
 <file path=ppt/tags/tag87.xml><?xml version="1.0" encoding="utf-8"?>
 <p:tagLst xmlns:a="http://schemas.openxmlformats.org/drawingml/2006/main" xmlns:r="http://schemas.openxmlformats.org/officeDocument/2006/relationships" xmlns:p="http://schemas.openxmlformats.org/presentationml/2006/main">
-  <p:tag name="NUM" val="2"/>
+  <p:tag name="NUM" val="9"/>
 </p:tagLst>
 </file>
 
 <file path=ppt/tags/tag88.xml><?xml version="1.0" encoding="utf-8"?>
 <p:tagLst xmlns:a="http://schemas.openxmlformats.org/drawingml/2006/main" xmlns:r="http://schemas.openxmlformats.org/officeDocument/2006/relationships" xmlns:p="http://schemas.openxmlformats.org/presentationml/2006/main">
-  <p:tag name="NUM" val="3"/>
+  <p:tag name="NUM" val="10"/>
 </p:tagLst>
 </file>
 
 <file path=ppt/tags/tag89.xml><?xml version="1.0" encoding="utf-8"?>
 <p:tagLst xmlns:a="http://schemas.openxmlformats.org/drawingml/2006/main" xmlns:r="http://schemas.openxmlformats.org/officeDocument/2006/relationships" xmlns:p="http://schemas.openxmlformats.org/presentationml/2006/main">
-  <p:tag name="NUM" val="4"/>
+  <p:tag name="NUM" val="6"/>
 </p:tagLst>
 </file>
 
@@ -29120,61 +30380,61 @@
 
 <file path=ppt/tags/tag90.xml><?xml version="1.0" encoding="utf-8"?>
 <p:tagLst xmlns:a="http://schemas.openxmlformats.org/drawingml/2006/main" xmlns:r="http://schemas.openxmlformats.org/officeDocument/2006/relationships" xmlns:p="http://schemas.openxmlformats.org/presentationml/2006/main">
-  <p:tag name="NUM" val="5"/>
+  <p:tag name="NUM" val="8"/>
 </p:tagLst>
 </file>
 
 <file path=ppt/tags/tag91.xml><?xml version="1.0" encoding="utf-8"?>
 <p:tagLst xmlns:a="http://schemas.openxmlformats.org/drawingml/2006/main" xmlns:r="http://schemas.openxmlformats.org/officeDocument/2006/relationships" xmlns:p="http://schemas.openxmlformats.org/presentationml/2006/main">
-  <p:tag name="NUM" val="6"/>
+  <p:tag name="NUM" val="1"/>
 </p:tagLst>
 </file>
 
 <file path=ppt/tags/tag92.xml><?xml version="1.0" encoding="utf-8"?>
 <p:tagLst xmlns:a="http://schemas.openxmlformats.org/drawingml/2006/main" xmlns:r="http://schemas.openxmlformats.org/officeDocument/2006/relationships" xmlns:p="http://schemas.openxmlformats.org/presentationml/2006/main">
-  <p:tag name="NUM" val="7"/>
+  <p:tag name="NUM" val="2"/>
 </p:tagLst>
 </file>
 
 <file path=ppt/tags/tag93.xml><?xml version="1.0" encoding="utf-8"?>
 <p:tagLst xmlns:a="http://schemas.openxmlformats.org/drawingml/2006/main" xmlns:r="http://schemas.openxmlformats.org/officeDocument/2006/relationships" xmlns:p="http://schemas.openxmlformats.org/presentationml/2006/main">
-  <p:tag name="NUM" val="8"/>
+  <p:tag name="NUM" val="3"/>
 </p:tagLst>
 </file>
 
 <file path=ppt/tags/tag94.xml><?xml version="1.0" encoding="utf-8"?>
 <p:tagLst xmlns:a="http://schemas.openxmlformats.org/drawingml/2006/main" xmlns:r="http://schemas.openxmlformats.org/officeDocument/2006/relationships" xmlns:p="http://schemas.openxmlformats.org/presentationml/2006/main">
-  <p:tag name="NUM" val="9"/>
+  <p:tag name="NUM" val="4"/>
 </p:tagLst>
 </file>
 
 <file path=ppt/tags/tag95.xml><?xml version="1.0" encoding="utf-8"?>
 <p:tagLst xmlns:a="http://schemas.openxmlformats.org/drawingml/2006/main" xmlns:r="http://schemas.openxmlformats.org/officeDocument/2006/relationships" xmlns:p="http://schemas.openxmlformats.org/presentationml/2006/main">
-  <p:tag name="NUM" val="10"/>
+  <p:tag name="NUM" val="5"/>
 </p:tagLst>
 </file>
 
 <file path=ppt/tags/tag96.xml><?xml version="1.0" encoding="utf-8"?>
 <p:tagLst xmlns:a="http://schemas.openxmlformats.org/drawingml/2006/main" xmlns:r="http://schemas.openxmlformats.org/officeDocument/2006/relationships" xmlns:p="http://schemas.openxmlformats.org/presentationml/2006/main">
-  <p:tag name="NUM" val="11"/>
+  <p:tag name="NUM" val="6"/>
 </p:tagLst>
 </file>
 
 <file path=ppt/tags/tag97.xml><?xml version="1.0" encoding="utf-8"?>
 <p:tagLst xmlns:a="http://schemas.openxmlformats.org/drawingml/2006/main" xmlns:r="http://schemas.openxmlformats.org/officeDocument/2006/relationships" xmlns:p="http://schemas.openxmlformats.org/presentationml/2006/main">
-  <p:tag name="NUM" val="12"/>
+  <p:tag name="NUM" val="7"/>
 </p:tagLst>
 </file>
 
 <file path=ppt/tags/tag98.xml><?xml version="1.0" encoding="utf-8"?>
 <p:tagLst xmlns:a="http://schemas.openxmlformats.org/drawingml/2006/main" xmlns:r="http://schemas.openxmlformats.org/officeDocument/2006/relationships" xmlns:p="http://schemas.openxmlformats.org/presentationml/2006/main">
-  <p:tag name="NUM" val="13"/>
+  <p:tag name="NUM" val="8"/>
 </p:tagLst>
 </file>
 
 <file path=ppt/tags/tag99.xml><?xml version="1.0" encoding="utf-8"?>
 <p:tagLst xmlns:a="http://schemas.openxmlformats.org/drawingml/2006/main" xmlns:r="http://schemas.openxmlformats.org/officeDocument/2006/relationships" xmlns:p="http://schemas.openxmlformats.org/presentationml/2006/main">
-  <p:tag name="NUM" val="13"/>
+  <p:tag name="NUM" val="9"/>
 </p:tagLst>
 </file>
 
